--- a/examples/architecture.pptx
+++ b/examples/architecture.pptx
@@ -267,7 +267,7 @@
           <a:p>
             <a:fld id="{C6D5F118-0C7E-4BDD-BBA0-7F61C0FBD2C0}" type="datetimeFigureOut">
               <a:rPr lang="en-US" smtClean="0"/>
-              <a:t>07/20/2023</a:t>
+              <a:t>07/21/2023</a:t>
             </a:fld>
             <a:endParaRPr lang="en-US"/>
           </a:p>
@@ -465,7 +465,7 @@
           <a:p>
             <a:fld id="{C6D5F118-0C7E-4BDD-BBA0-7F61C0FBD2C0}" type="datetimeFigureOut">
               <a:rPr lang="en-US" smtClean="0"/>
-              <a:t>07/20/2023</a:t>
+              <a:t>07/21/2023</a:t>
             </a:fld>
             <a:endParaRPr lang="en-US"/>
           </a:p>
@@ -673,7 +673,7 @@
           <a:p>
             <a:fld id="{C6D5F118-0C7E-4BDD-BBA0-7F61C0FBD2C0}" type="datetimeFigureOut">
               <a:rPr lang="en-US" smtClean="0"/>
-              <a:t>07/20/2023</a:t>
+              <a:t>07/21/2023</a:t>
             </a:fld>
             <a:endParaRPr lang="en-US"/>
           </a:p>
@@ -871,7 +871,7 @@
           <a:p>
             <a:fld id="{C6D5F118-0C7E-4BDD-BBA0-7F61C0FBD2C0}" type="datetimeFigureOut">
               <a:rPr lang="en-US" smtClean="0"/>
-              <a:t>07/20/2023</a:t>
+              <a:t>07/21/2023</a:t>
             </a:fld>
             <a:endParaRPr lang="en-US"/>
           </a:p>
@@ -1146,7 +1146,7 @@
           <a:p>
             <a:fld id="{C6D5F118-0C7E-4BDD-BBA0-7F61C0FBD2C0}" type="datetimeFigureOut">
               <a:rPr lang="en-US" smtClean="0"/>
-              <a:t>07/20/2023</a:t>
+              <a:t>07/21/2023</a:t>
             </a:fld>
             <a:endParaRPr lang="en-US"/>
           </a:p>
@@ -1411,7 +1411,7 @@
           <a:p>
             <a:fld id="{C6D5F118-0C7E-4BDD-BBA0-7F61C0FBD2C0}" type="datetimeFigureOut">
               <a:rPr lang="en-US" smtClean="0"/>
-              <a:t>07/20/2023</a:t>
+              <a:t>07/21/2023</a:t>
             </a:fld>
             <a:endParaRPr lang="en-US"/>
           </a:p>
@@ -1823,7 +1823,7 @@
           <a:p>
             <a:fld id="{C6D5F118-0C7E-4BDD-BBA0-7F61C0FBD2C0}" type="datetimeFigureOut">
               <a:rPr lang="en-US" smtClean="0"/>
-              <a:t>07/20/2023</a:t>
+              <a:t>07/21/2023</a:t>
             </a:fld>
             <a:endParaRPr lang="en-US"/>
           </a:p>
@@ -1964,7 +1964,7 @@
           <a:p>
             <a:fld id="{C6D5F118-0C7E-4BDD-BBA0-7F61C0FBD2C0}" type="datetimeFigureOut">
               <a:rPr lang="en-US" smtClean="0"/>
-              <a:t>07/20/2023</a:t>
+              <a:t>07/21/2023</a:t>
             </a:fld>
             <a:endParaRPr lang="en-US"/>
           </a:p>
@@ -2077,7 +2077,7 @@
           <a:p>
             <a:fld id="{C6D5F118-0C7E-4BDD-BBA0-7F61C0FBD2C0}" type="datetimeFigureOut">
               <a:rPr lang="en-US" smtClean="0"/>
-              <a:t>07/20/2023</a:t>
+              <a:t>07/21/2023</a:t>
             </a:fld>
             <a:endParaRPr lang="en-US"/>
           </a:p>
@@ -2388,7 +2388,7 @@
           <a:p>
             <a:fld id="{C6D5F118-0C7E-4BDD-BBA0-7F61C0FBD2C0}" type="datetimeFigureOut">
               <a:rPr lang="en-US" smtClean="0"/>
-              <a:t>07/20/2023</a:t>
+              <a:t>07/21/2023</a:t>
             </a:fld>
             <a:endParaRPr lang="en-US"/>
           </a:p>
@@ -2676,7 +2676,7 @@
           <a:p>
             <a:fld id="{C6D5F118-0C7E-4BDD-BBA0-7F61C0FBD2C0}" type="datetimeFigureOut">
               <a:rPr lang="en-US" smtClean="0"/>
-              <a:t>07/20/2023</a:t>
+              <a:t>07/21/2023</a:t>
             </a:fld>
             <a:endParaRPr lang="en-US"/>
           </a:p>
@@ -2917,7 +2917,7 @@
           <a:p>
             <a:fld id="{C6D5F118-0C7E-4BDD-BBA0-7F61C0FBD2C0}" type="datetimeFigureOut">
               <a:rPr lang="en-US" smtClean="0"/>
-              <a:t>07/20/2023</a:t>
+              <a:t>07/21/2023</a:t>
             </a:fld>
             <a:endParaRPr lang="en-US"/>
           </a:p>
@@ -3348,14 +3348,105 @@
         </p:nvSpPr>
         <p:spPr>
           <a:xfrm>
-            <a:off x="6215447" y="1655804"/>
-            <a:ext cx="4839733" cy="3286897"/>
+            <a:off x="5635723" y="984597"/>
+            <a:ext cx="2782575" cy="1886465"/>
           </a:xfrm>
           <a:prstGeom prst="rect">
             <a:avLst/>
           </a:prstGeom>
           <a:solidFill>
             <a:schemeClr val="accent6">
+              <a:lumMod val="20000"/>
+              <a:lumOff val="80000"/>
+            </a:schemeClr>
+          </a:solidFill>
+          <a:ln>
+            <a:solidFill>
+              <a:schemeClr val="tx1"/>
+            </a:solidFill>
+          </a:ln>
+          <a:effectLst>
+            <a:glow rad="101600">
+              <a:schemeClr val="accent3">
+                <a:satMod val="175000"/>
+                <a:alpha val="40000"/>
+              </a:schemeClr>
+            </a:glow>
+          </a:effectLst>
+        </p:spPr>
+        <p:style>
+          <a:lnRef idx="2">
+            <a:schemeClr val="accent1">
+              <a:shade val="50000"/>
+            </a:schemeClr>
+          </a:lnRef>
+          <a:fillRef idx="1">
+            <a:schemeClr val="accent1"/>
+          </a:fillRef>
+          <a:effectRef idx="0">
+            <a:schemeClr val="accent1"/>
+          </a:effectRef>
+          <a:fontRef idx="minor">
+            <a:schemeClr val="lt1"/>
+          </a:fontRef>
+        </p:style>
+        <p:txBody>
+          <a:bodyPr rtlCol="0" anchor="b" anchorCtr="1"/>
+          <a:lstStyle/>
+          <a:p>
+            <a:pPr algn="ctr"/>
+            <a:r>
+              <a:rPr lang="en-US" sz="1600" b="1" dirty="0">
+                <a:solidFill>
+                  <a:schemeClr val="tx1"/>
+                </a:solidFill>
+                <a:latin typeface="LXGW WenKai" panose="02020500000000000000" pitchFamily="18" charset="-120"/>
+                <a:ea typeface="LXGW WenKai" panose="02020500000000000000" pitchFamily="18" charset="-120"/>
+              </a:rPr>
+              <a:t>GPT-</a:t>
+            </a:r>
+            <a:r>
+              <a:rPr lang="en-US" sz="1600" b="1" dirty="0" err="1">
+                <a:solidFill>
+                  <a:schemeClr val="tx1"/>
+                </a:solidFill>
+                <a:latin typeface="LXGW WenKai" panose="02020500000000000000" pitchFamily="18" charset="-120"/>
+                <a:ea typeface="LXGW WenKai" panose="02020500000000000000" pitchFamily="18" charset="-120"/>
+              </a:rPr>
+              <a:t>WebUI</a:t>
+            </a:r>
+            <a:endParaRPr lang="en-US" sz="1600" b="1" dirty="0">
+              <a:solidFill>
+                <a:schemeClr val="tx1"/>
+              </a:solidFill>
+              <a:latin typeface="LXGW WenKai" panose="02020500000000000000" pitchFamily="18" charset="-120"/>
+              <a:ea typeface="LXGW WenKai" panose="02020500000000000000" pitchFamily="18" charset="-120"/>
+            </a:endParaRPr>
+          </a:p>
+        </p:txBody>
+      </p:sp>
+      <p:sp>
+        <p:nvSpPr>
+          <p:cNvPr id="5" name="Rectangle 4">
+            <a:extLst>
+              <a:ext uri="{FF2B5EF4-FFF2-40B4-BE49-F238E27FC236}">
+                <a16:creationId xmlns:a16="http://schemas.microsoft.com/office/drawing/2014/main" id="{FF77AFFD-02EA-55C9-3130-364189EAE9BD}"/>
+              </a:ext>
+            </a:extLst>
+          </p:cNvPr>
+          <p:cNvSpPr/>
+          <p:nvPr/>
+        </p:nvSpPr>
+        <p:spPr>
+          <a:xfrm>
+            <a:off x="7165929" y="1695110"/>
+            <a:ext cx="1075038" cy="465437"/>
+          </a:xfrm>
+          <a:prstGeom prst="rect">
+            <a:avLst/>
+          </a:prstGeom>
+          <a:solidFill>
+            <a:schemeClr val="accent2">
               <a:lumMod val="20000"/>
               <a:lumOff val="80000"/>
             </a:schemeClr>
@@ -3383,46 +3474,95 @@
           </a:fontRef>
         </p:style>
         <p:txBody>
-          <a:bodyPr rtlCol="0" anchor="b" anchorCtr="1"/>
+          <a:bodyPr rtlCol="0" anchor="ctr" anchorCtr="1"/>
           <a:lstStyle/>
           <a:p>
             <a:pPr algn="ctr"/>
             <a:r>
-              <a:rPr lang="en-US" dirty="0">
+              <a:rPr lang="en-US" sz="1400" dirty="0">
                 <a:solidFill>
                   <a:schemeClr val="tx1"/>
                 </a:solidFill>
                 <a:latin typeface="LXGW WenKai" panose="02020500000000000000" pitchFamily="18" charset="-120"/>
                 <a:ea typeface="LXGW WenKai" panose="02020500000000000000" pitchFamily="18" charset="-120"/>
               </a:rPr>
-              <a:t>GPT-</a:t>
-            </a:r>
-            <a:r>
-              <a:rPr lang="en-US" dirty="0" err="1">
+              <a:t>Vue</a:t>
+            </a:r>
+          </a:p>
+        </p:txBody>
+      </p:sp>
+      <p:sp>
+        <p:nvSpPr>
+          <p:cNvPr id="6" name="Rectangle 5">
+            <a:extLst>
+              <a:ext uri="{FF2B5EF4-FFF2-40B4-BE49-F238E27FC236}">
+                <a16:creationId xmlns:a16="http://schemas.microsoft.com/office/drawing/2014/main" id="{5E659578-CF78-BB7C-E460-38ADFE97CC4D}"/>
+              </a:ext>
+            </a:extLst>
+          </p:cNvPr>
+          <p:cNvSpPr/>
+          <p:nvPr/>
+        </p:nvSpPr>
+        <p:spPr>
+          <a:xfrm>
+            <a:off x="5799951" y="1695108"/>
+            <a:ext cx="1075037" cy="465437"/>
+          </a:xfrm>
+          <a:prstGeom prst="rect">
+            <a:avLst/>
+          </a:prstGeom>
+          <a:solidFill>
+            <a:schemeClr val="accent2">
+              <a:lumMod val="20000"/>
+              <a:lumOff val="80000"/>
+            </a:schemeClr>
+          </a:solidFill>
+          <a:ln>
+            <a:solidFill>
+              <a:schemeClr val="tx1"/>
+            </a:solidFill>
+          </a:ln>
+        </p:spPr>
+        <p:style>
+          <a:lnRef idx="2">
+            <a:schemeClr val="accent1">
+              <a:shade val="50000"/>
+            </a:schemeClr>
+          </a:lnRef>
+          <a:fillRef idx="1">
+            <a:schemeClr val="accent1"/>
+          </a:fillRef>
+          <a:effectRef idx="0">
+            <a:schemeClr val="accent1"/>
+          </a:effectRef>
+          <a:fontRef idx="minor">
+            <a:schemeClr val="lt1"/>
+          </a:fontRef>
+        </p:style>
+        <p:txBody>
+          <a:bodyPr rtlCol="0" anchor="ctr" anchorCtr="1"/>
+          <a:lstStyle/>
+          <a:p>
+            <a:pPr algn="ctr"/>
+            <a:r>
+              <a:rPr lang="en-US" sz="1400" dirty="0">
                 <a:solidFill>
                   <a:schemeClr val="tx1"/>
                 </a:solidFill>
                 <a:latin typeface="LXGW WenKai" panose="02020500000000000000" pitchFamily="18" charset="-120"/>
                 <a:ea typeface="LXGW WenKai" panose="02020500000000000000" pitchFamily="18" charset="-120"/>
               </a:rPr>
-              <a:t>WebUI</a:t>
-            </a:r>
-            <a:endParaRPr lang="en-US" dirty="0">
-              <a:solidFill>
-                <a:schemeClr val="tx1"/>
-              </a:solidFill>
-              <a:latin typeface="LXGW WenKai" panose="02020500000000000000" pitchFamily="18" charset="-120"/>
-              <a:ea typeface="LXGW WenKai" panose="02020500000000000000" pitchFamily="18" charset="-120"/>
-            </a:endParaRPr>
-          </a:p>
-        </p:txBody>
-      </p:sp>
-      <p:sp>
-        <p:nvSpPr>
-          <p:cNvPr id="5" name="Rectangle 4">
-            <a:extLst>
-              <a:ext uri="{FF2B5EF4-FFF2-40B4-BE49-F238E27FC236}">
-                <a16:creationId xmlns:a16="http://schemas.microsoft.com/office/drawing/2014/main" id="{FF77AFFD-02EA-55C9-3130-364189EAE9BD}"/>
+              <a:t>Flask</a:t>
+            </a:r>
+          </a:p>
+        </p:txBody>
+      </p:sp>
+      <p:sp>
+        <p:nvSpPr>
+          <p:cNvPr id="2" name="Rectangle 1">
+            <a:extLst>
+              <a:ext uri="{FF2B5EF4-FFF2-40B4-BE49-F238E27FC236}">
+                <a16:creationId xmlns:a16="http://schemas.microsoft.com/office/drawing/2014/main" id="{92EFFECB-9FD4-0BB7-95C1-A18D6CADACAA}"/>
               </a:ext>
             </a:extLst>
           </p:cNvPr>
@@ -3431,8 +3571,288 @@
         </p:nvSpPr>
         <p:spPr>
           <a:xfrm>
-            <a:off x="8717120" y="2656703"/>
-            <a:ext cx="2117125" cy="914400"/>
+            <a:off x="1116630" y="984597"/>
+            <a:ext cx="2886436" cy="2628900"/>
+          </a:xfrm>
+          <a:prstGeom prst="rect">
+            <a:avLst/>
+          </a:prstGeom>
+          <a:solidFill>
+            <a:schemeClr val="accent6">
+              <a:lumMod val="20000"/>
+              <a:lumOff val="80000"/>
+            </a:schemeClr>
+          </a:solidFill>
+          <a:ln>
+            <a:solidFill>
+              <a:schemeClr val="tx1"/>
+            </a:solidFill>
+          </a:ln>
+          <a:effectLst>
+            <a:glow rad="101600">
+              <a:schemeClr val="accent3">
+                <a:satMod val="175000"/>
+                <a:alpha val="40000"/>
+              </a:schemeClr>
+            </a:glow>
+          </a:effectLst>
+        </p:spPr>
+        <p:style>
+          <a:lnRef idx="2">
+            <a:schemeClr val="accent1">
+              <a:shade val="50000"/>
+            </a:schemeClr>
+          </a:lnRef>
+          <a:fillRef idx="1">
+            <a:schemeClr val="accent1"/>
+          </a:fillRef>
+          <a:effectRef idx="0">
+            <a:schemeClr val="accent1"/>
+          </a:effectRef>
+          <a:fontRef idx="minor">
+            <a:schemeClr val="lt1"/>
+          </a:fontRef>
+        </p:style>
+        <p:txBody>
+          <a:bodyPr rtlCol="0" anchor="b" anchorCtr="1"/>
+          <a:lstStyle/>
+          <a:p>
+            <a:pPr algn="ctr"/>
+            <a:r>
+              <a:rPr lang="en-US" sz="1600" b="1" dirty="0">
+                <a:solidFill>
+                  <a:schemeClr val="tx1"/>
+                </a:solidFill>
+                <a:latin typeface="LXGW WenKai" panose="02020500000000000000" pitchFamily="18" charset="-120"/>
+                <a:ea typeface="LXGW WenKai" panose="02020500000000000000" pitchFamily="18" charset="-120"/>
+              </a:rPr>
+              <a:t>GPT-Agents</a:t>
+            </a:r>
+          </a:p>
+        </p:txBody>
+      </p:sp>
+      <p:sp>
+        <p:nvSpPr>
+          <p:cNvPr id="3" name="Rectangle 2">
+            <a:extLst>
+              <a:ext uri="{FF2B5EF4-FFF2-40B4-BE49-F238E27FC236}">
+                <a16:creationId xmlns:a16="http://schemas.microsoft.com/office/drawing/2014/main" id="{2684CDCD-7EDE-2E5C-79B4-30ED22B0FA59}"/>
+              </a:ext>
+            </a:extLst>
+          </p:cNvPr>
+          <p:cNvSpPr/>
+          <p:nvPr/>
+        </p:nvSpPr>
+        <p:spPr>
+          <a:xfrm>
+            <a:off x="4348265" y="3557081"/>
+            <a:ext cx="4070034" cy="2576452"/>
+          </a:xfrm>
+          <a:prstGeom prst="rect">
+            <a:avLst/>
+          </a:prstGeom>
+          <a:solidFill>
+            <a:schemeClr val="accent6">
+              <a:lumMod val="20000"/>
+              <a:lumOff val="80000"/>
+            </a:schemeClr>
+          </a:solidFill>
+          <a:ln>
+            <a:solidFill>
+              <a:schemeClr val="tx1"/>
+            </a:solidFill>
+          </a:ln>
+          <a:effectLst>
+            <a:glow rad="101600">
+              <a:schemeClr val="accent3">
+                <a:satMod val="175000"/>
+                <a:alpha val="40000"/>
+              </a:schemeClr>
+            </a:glow>
+          </a:effectLst>
+        </p:spPr>
+        <p:style>
+          <a:lnRef idx="2">
+            <a:schemeClr val="accent1">
+              <a:shade val="50000"/>
+            </a:schemeClr>
+          </a:lnRef>
+          <a:fillRef idx="1">
+            <a:schemeClr val="accent1"/>
+          </a:fillRef>
+          <a:effectRef idx="0">
+            <a:schemeClr val="accent1"/>
+          </a:effectRef>
+          <a:fontRef idx="minor">
+            <a:schemeClr val="lt1"/>
+          </a:fontRef>
+        </p:style>
+        <p:txBody>
+          <a:bodyPr rtlCol="0" anchor="b" anchorCtr="1"/>
+          <a:lstStyle/>
+          <a:p>
+            <a:pPr algn="ctr"/>
+            <a:r>
+              <a:rPr lang="en-US" sz="1600" b="1" dirty="0">
+                <a:solidFill>
+                  <a:schemeClr val="tx1"/>
+                </a:solidFill>
+                <a:latin typeface="LXGW WenKai" panose="02020500000000000000" pitchFamily="18" charset="-120"/>
+                <a:ea typeface="LXGW WenKai" panose="02020500000000000000" pitchFamily="18" charset="-120"/>
+              </a:rPr>
+              <a:t>MongoDB</a:t>
+            </a:r>
+          </a:p>
+        </p:txBody>
+      </p:sp>
+      <p:sp>
+        <p:nvSpPr>
+          <p:cNvPr id="4" name="Rectangle 3">
+            <a:extLst>
+              <a:ext uri="{FF2B5EF4-FFF2-40B4-BE49-F238E27FC236}">
+                <a16:creationId xmlns:a16="http://schemas.microsoft.com/office/drawing/2014/main" id="{D9806EAC-7DC2-FFAD-F565-90F93EC55137}"/>
+              </a:ext>
+            </a:extLst>
+          </p:cNvPr>
+          <p:cNvSpPr/>
+          <p:nvPr/>
+        </p:nvSpPr>
+        <p:spPr>
+          <a:xfrm>
+            <a:off x="5100716" y="3870929"/>
+            <a:ext cx="1196369" cy="457200"/>
+          </a:xfrm>
+          <a:prstGeom prst="rect">
+            <a:avLst/>
+          </a:prstGeom>
+          <a:solidFill>
+            <a:schemeClr val="accent4">
+              <a:lumMod val="40000"/>
+              <a:lumOff val="60000"/>
+            </a:schemeClr>
+          </a:solidFill>
+          <a:ln>
+            <a:solidFill>
+              <a:schemeClr val="tx1"/>
+            </a:solidFill>
+          </a:ln>
+        </p:spPr>
+        <p:style>
+          <a:lnRef idx="2">
+            <a:schemeClr val="accent1">
+              <a:shade val="50000"/>
+            </a:schemeClr>
+          </a:lnRef>
+          <a:fillRef idx="1">
+            <a:schemeClr val="accent1"/>
+          </a:fillRef>
+          <a:effectRef idx="0">
+            <a:schemeClr val="accent1"/>
+          </a:effectRef>
+          <a:fontRef idx="minor">
+            <a:schemeClr val="lt1"/>
+          </a:fontRef>
+        </p:style>
+        <p:txBody>
+          <a:bodyPr rtlCol="0" anchor="ctr" anchorCtr="1"/>
+          <a:lstStyle/>
+          <a:p>
+            <a:pPr algn="ctr"/>
+            <a:r>
+              <a:rPr lang="en-US" sz="1400" dirty="0">
+                <a:solidFill>
+                  <a:schemeClr val="tx1"/>
+                </a:solidFill>
+                <a:latin typeface="LXGW WenKai" panose="02020500000000000000" pitchFamily="18" charset="-120"/>
+                <a:ea typeface="LXGW WenKai" panose="02020500000000000000" pitchFamily="18" charset="-120"/>
+              </a:rPr>
+              <a:t>UI Configs</a:t>
+            </a:r>
+          </a:p>
+        </p:txBody>
+      </p:sp>
+      <p:sp>
+        <p:nvSpPr>
+          <p:cNvPr id="8" name="Rectangle 7">
+            <a:extLst>
+              <a:ext uri="{FF2B5EF4-FFF2-40B4-BE49-F238E27FC236}">
+                <a16:creationId xmlns:a16="http://schemas.microsoft.com/office/drawing/2014/main" id="{4DC41078-AFAF-45AD-5CA5-28463EEE9024}"/>
+              </a:ext>
+            </a:extLst>
+          </p:cNvPr>
+          <p:cNvSpPr/>
+          <p:nvPr/>
+        </p:nvSpPr>
+        <p:spPr>
+          <a:xfrm>
+            <a:off x="6404353" y="3870929"/>
+            <a:ext cx="1197864" cy="457200"/>
+          </a:xfrm>
+          <a:prstGeom prst="rect">
+            <a:avLst/>
+          </a:prstGeom>
+          <a:solidFill>
+            <a:schemeClr val="accent4">
+              <a:lumMod val="40000"/>
+              <a:lumOff val="60000"/>
+            </a:schemeClr>
+          </a:solidFill>
+          <a:ln>
+            <a:solidFill>
+              <a:schemeClr val="tx1"/>
+            </a:solidFill>
+          </a:ln>
+        </p:spPr>
+        <p:style>
+          <a:lnRef idx="2">
+            <a:schemeClr val="accent1">
+              <a:shade val="50000"/>
+            </a:schemeClr>
+          </a:lnRef>
+          <a:fillRef idx="1">
+            <a:schemeClr val="accent1"/>
+          </a:fillRef>
+          <a:effectRef idx="0">
+            <a:schemeClr val="accent1"/>
+          </a:effectRef>
+          <a:fontRef idx="minor">
+            <a:schemeClr val="lt1"/>
+          </a:fontRef>
+        </p:style>
+        <p:txBody>
+          <a:bodyPr rtlCol="0" anchor="ctr" anchorCtr="1"/>
+          <a:lstStyle/>
+          <a:p>
+            <a:pPr algn="ctr"/>
+            <a:r>
+              <a:rPr lang="en-US" sz="1400" dirty="0">
+                <a:solidFill>
+                  <a:schemeClr val="tx1"/>
+                </a:solidFill>
+                <a:latin typeface="LXGW WenKai" panose="02020500000000000000" pitchFamily="18" charset="-120"/>
+                <a:ea typeface="LXGW WenKai" panose="02020500000000000000" pitchFamily="18" charset="-120"/>
+              </a:rPr>
+              <a:t>Messages</a:t>
+            </a:r>
+          </a:p>
+        </p:txBody>
+      </p:sp>
+      <p:sp>
+        <p:nvSpPr>
+          <p:cNvPr id="9" name="Rectangle 8">
+            <a:extLst>
+              <a:ext uri="{FF2B5EF4-FFF2-40B4-BE49-F238E27FC236}">
+                <a16:creationId xmlns:a16="http://schemas.microsoft.com/office/drawing/2014/main" id="{56F4A4FE-1E8D-F949-D9CD-B3B0E98A42D0}"/>
+              </a:ext>
+            </a:extLst>
+          </p:cNvPr>
+          <p:cNvSpPr/>
+          <p:nvPr/>
+        </p:nvSpPr>
+        <p:spPr>
+          <a:xfrm>
+            <a:off x="6407343" y="4560846"/>
+            <a:ext cx="1196369" cy="457200"/>
           </a:xfrm>
           <a:prstGeom prst="rect">
             <a:avLst/>
@@ -3466,29 +3886,36 @@
           </a:fontRef>
         </p:style>
         <p:txBody>
-          <a:bodyPr rtlCol="0" anchor="b" anchorCtr="1"/>
+          <a:bodyPr rtlCol="0" anchor="ctr" anchorCtr="1"/>
           <a:lstStyle/>
           <a:p>
             <a:pPr algn="ctr"/>
             <a:r>
-              <a:rPr lang="en-US" dirty="0">
+              <a:rPr lang="en-US" sz="1400" dirty="0">
                 <a:solidFill>
                   <a:schemeClr val="tx1"/>
                 </a:solidFill>
                 <a:latin typeface="LXGW WenKai" panose="02020500000000000000" pitchFamily="18" charset="-120"/>
                 <a:ea typeface="LXGW WenKai" panose="02020500000000000000" pitchFamily="18" charset="-120"/>
               </a:rPr>
-              <a:t>Vue</a:t>
-            </a:r>
-          </a:p>
-        </p:txBody>
-      </p:sp>
-      <p:sp>
-        <p:nvSpPr>
-          <p:cNvPr id="6" name="Rectangle 5">
-            <a:extLst>
-              <a:ext uri="{FF2B5EF4-FFF2-40B4-BE49-F238E27FC236}">
-                <a16:creationId xmlns:a16="http://schemas.microsoft.com/office/drawing/2014/main" id="{5E659578-CF78-BB7C-E460-38ADFE97CC4D}"/>
+              <a:t>Knowledge</a:t>
+            </a:r>
+            <a:endParaRPr lang="en-US" sz="1600" dirty="0">
+              <a:solidFill>
+                <a:schemeClr val="tx1"/>
+              </a:solidFill>
+              <a:latin typeface="LXGW WenKai" panose="02020500000000000000" pitchFamily="18" charset="-120"/>
+              <a:ea typeface="LXGW WenKai" panose="02020500000000000000" pitchFamily="18" charset="-120"/>
+            </a:endParaRPr>
+          </a:p>
+        </p:txBody>
+      </p:sp>
+      <p:sp>
+        <p:nvSpPr>
+          <p:cNvPr id="10" name="Rectangle 9">
+            <a:extLst>
+              <a:ext uri="{FF2B5EF4-FFF2-40B4-BE49-F238E27FC236}">
+                <a16:creationId xmlns:a16="http://schemas.microsoft.com/office/drawing/2014/main" id="{DCA583BF-5F72-DDD0-2FD2-90E209D4DDC4}"/>
               </a:ext>
             </a:extLst>
           </p:cNvPr>
@@ -3497,8 +3924,586 @@
         </p:nvSpPr>
         <p:spPr>
           <a:xfrm>
-            <a:off x="6322540" y="2656703"/>
-            <a:ext cx="2117125" cy="914400"/>
+            <a:off x="2762533" y="1695107"/>
+            <a:ext cx="1075037" cy="465437"/>
+          </a:xfrm>
+          <a:prstGeom prst="rect">
+            <a:avLst/>
+          </a:prstGeom>
+          <a:solidFill>
+            <a:schemeClr val="accent2">
+              <a:lumMod val="20000"/>
+              <a:lumOff val="80000"/>
+            </a:schemeClr>
+          </a:solidFill>
+          <a:ln>
+            <a:solidFill>
+              <a:schemeClr val="tx1"/>
+            </a:solidFill>
+          </a:ln>
+        </p:spPr>
+        <p:style>
+          <a:lnRef idx="2">
+            <a:schemeClr val="accent1">
+              <a:shade val="50000"/>
+            </a:schemeClr>
+          </a:lnRef>
+          <a:fillRef idx="1">
+            <a:schemeClr val="accent1"/>
+          </a:fillRef>
+          <a:effectRef idx="0">
+            <a:schemeClr val="accent1"/>
+          </a:effectRef>
+          <a:fontRef idx="minor">
+            <a:schemeClr val="lt1"/>
+          </a:fontRef>
+        </p:style>
+        <p:txBody>
+          <a:bodyPr rtlCol="0" anchor="ctr" anchorCtr="1"/>
+          <a:lstStyle/>
+          <a:p>
+            <a:pPr algn="ctr"/>
+            <a:r>
+              <a:rPr lang="en-US" sz="1400" dirty="0">
+                <a:solidFill>
+                  <a:schemeClr val="tx1"/>
+                </a:solidFill>
+                <a:latin typeface="LXGW WenKai" panose="02020500000000000000" pitchFamily="18" charset="-120"/>
+                <a:ea typeface="LXGW WenKai" panose="02020500000000000000" pitchFamily="18" charset="-120"/>
+              </a:rPr>
+              <a:t>Flask</a:t>
+            </a:r>
+          </a:p>
+        </p:txBody>
+      </p:sp>
+      <p:sp>
+        <p:nvSpPr>
+          <p:cNvPr id="11" name="Rectangle 10">
+            <a:extLst>
+              <a:ext uri="{FF2B5EF4-FFF2-40B4-BE49-F238E27FC236}">
+                <a16:creationId xmlns:a16="http://schemas.microsoft.com/office/drawing/2014/main" id="{918EA8CC-D42E-95BE-5265-A530140CBE59}"/>
+              </a:ext>
+            </a:extLst>
+          </p:cNvPr>
+          <p:cNvSpPr/>
+          <p:nvPr/>
+        </p:nvSpPr>
+        <p:spPr>
+          <a:xfrm>
+            <a:off x="9207760" y="1616384"/>
+            <a:ext cx="1257285" cy="622889"/>
+          </a:xfrm>
+          <a:prstGeom prst="rect">
+            <a:avLst/>
+          </a:prstGeom>
+          <a:solidFill>
+            <a:schemeClr val="accent6">
+              <a:lumMod val="20000"/>
+              <a:lumOff val="80000"/>
+            </a:schemeClr>
+          </a:solidFill>
+          <a:ln>
+            <a:solidFill>
+              <a:schemeClr val="tx1"/>
+            </a:solidFill>
+          </a:ln>
+          <a:effectLst>
+            <a:glow rad="101600">
+              <a:schemeClr val="accent3">
+                <a:satMod val="175000"/>
+                <a:alpha val="40000"/>
+              </a:schemeClr>
+            </a:glow>
+          </a:effectLst>
+        </p:spPr>
+        <p:style>
+          <a:lnRef idx="2">
+            <a:schemeClr val="accent1">
+              <a:shade val="50000"/>
+            </a:schemeClr>
+          </a:lnRef>
+          <a:fillRef idx="1">
+            <a:schemeClr val="accent1"/>
+          </a:fillRef>
+          <a:effectRef idx="0">
+            <a:schemeClr val="accent1"/>
+          </a:effectRef>
+          <a:fontRef idx="minor">
+            <a:schemeClr val="lt1"/>
+          </a:fontRef>
+        </p:style>
+        <p:txBody>
+          <a:bodyPr rtlCol="0" anchor="ctr" anchorCtr="1"/>
+          <a:lstStyle/>
+          <a:p>
+            <a:pPr algn="ctr"/>
+            <a:r>
+              <a:rPr lang="en-US" sz="1400" b="1" dirty="0">
+                <a:solidFill>
+                  <a:schemeClr val="tx1"/>
+                </a:solidFill>
+                <a:latin typeface="LXGW WenKai" panose="02020500000000000000" pitchFamily="18" charset="-120"/>
+                <a:ea typeface="LXGW WenKai" panose="02020500000000000000" pitchFamily="18" charset="-120"/>
+              </a:rPr>
+              <a:t>User Input</a:t>
+            </a:r>
+          </a:p>
+        </p:txBody>
+      </p:sp>
+      <p:cxnSp>
+        <p:nvCxnSpPr>
+          <p:cNvPr id="13" name="Straight Arrow Connector 12">
+            <a:extLst>
+              <a:ext uri="{FF2B5EF4-FFF2-40B4-BE49-F238E27FC236}">
+                <a16:creationId xmlns:a16="http://schemas.microsoft.com/office/drawing/2014/main" id="{3E898761-6631-B050-B40B-4BCE784A5AA0}"/>
+              </a:ext>
+            </a:extLst>
+          </p:cNvPr>
+          <p:cNvCxnSpPr>
+            <a:cxnSpLocks/>
+            <a:stCxn id="11" idx="1"/>
+            <a:endCxn id="5" idx="3"/>
+          </p:cNvCxnSpPr>
+          <p:nvPr/>
+        </p:nvCxnSpPr>
+        <p:spPr>
+          <a:xfrm flipH="1">
+            <a:off x="8240967" y="1927829"/>
+            <a:ext cx="966793" cy="0"/>
+          </a:xfrm>
+          <a:prstGeom prst="straightConnector1">
+            <a:avLst/>
+          </a:prstGeom>
+          <a:ln w="9525">
+            <a:solidFill>
+              <a:schemeClr val="tx1"/>
+            </a:solidFill>
+            <a:tailEnd type="triangle"/>
+          </a:ln>
+          <a:effectLst>
+            <a:outerShdw blurRad="63500" sx="102000" sy="102000" algn="ctr" rotWithShape="0">
+              <a:prstClr val="black">
+                <a:alpha val="40000"/>
+              </a:prstClr>
+            </a:outerShdw>
+          </a:effectLst>
+        </p:spPr>
+        <p:style>
+          <a:lnRef idx="1">
+            <a:schemeClr val="accent1"/>
+          </a:lnRef>
+          <a:fillRef idx="0">
+            <a:schemeClr val="accent1"/>
+          </a:fillRef>
+          <a:effectRef idx="0">
+            <a:schemeClr val="accent1"/>
+          </a:effectRef>
+          <a:fontRef idx="minor">
+            <a:schemeClr val="tx1"/>
+          </a:fontRef>
+        </p:style>
+      </p:cxnSp>
+      <p:cxnSp>
+        <p:nvCxnSpPr>
+          <p:cNvPr id="15" name="Straight Arrow Connector 14">
+            <a:extLst>
+              <a:ext uri="{FF2B5EF4-FFF2-40B4-BE49-F238E27FC236}">
+                <a16:creationId xmlns:a16="http://schemas.microsoft.com/office/drawing/2014/main" id="{F206895B-E096-04B1-30EB-212F2AFF38FC}"/>
+              </a:ext>
+            </a:extLst>
+          </p:cNvPr>
+          <p:cNvCxnSpPr>
+            <a:cxnSpLocks/>
+            <a:stCxn id="5" idx="1"/>
+            <a:endCxn id="6" idx="3"/>
+          </p:cNvCxnSpPr>
+          <p:nvPr/>
+        </p:nvCxnSpPr>
+        <p:spPr>
+          <a:xfrm flipH="1" flipV="1">
+            <a:off x="6874988" y="1927827"/>
+            <a:ext cx="290941" cy="2"/>
+          </a:xfrm>
+          <a:prstGeom prst="straightConnector1">
+            <a:avLst/>
+          </a:prstGeom>
+          <a:ln w="9525">
+            <a:solidFill>
+              <a:schemeClr val="tx1"/>
+            </a:solidFill>
+            <a:headEnd type="triangle"/>
+            <a:tailEnd type="triangle"/>
+          </a:ln>
+          <a:effectLst>
+            <a:outerShdw blurRad="63500" sx="102000" sy="102000" algn="ctr" rotWithShape="0">
+              <a:prstClr val="black">
+                <a:alpha val="40000"/>
+              </a:prstClr>
+            </a:outerShdw>
+          </a:effectLst>
+        </p:spPr>
+        <p:style>
+          <a:lnRef idx="1">
+            <a:schemeClr val="accent1"/>
+          </a:lnRef>
+          <a:fillRef idx="0">
+            <a:schemeClr val="accent1"/>
+          </a:fillRef>
+          <a:effectRef idx="0">
+            <a:schemeClr val="accent1"/>
+          </a:effectRef>
+          <a:fontRef idx="minor">
+            <a:schemeClr val="tx1"/>
+          </a:fontRef>
+        </p:style>
+      </p:cxnSp>
+      <p:cxnSp>
+        <p:nvCxnSpPr>
+          <p:cNvPr id="26" name="Connector: Elbow 25">
+            <a:extLst>
+              <a:ext uri="{FF2B5EF4-FFF2-40B4-BE49-F238E27FC236}">
+                <a16:creationId xmlns:a16="http://schemas.microsoft.com/office/drawing/2014/main" id="{05698F9B-C43C-23EA-C5ED-DB4DFE760783}"/>
+              </a:ext>
+            </a:extLst>
+          </p:cNvPr>
+          <p:cNvCxnSpPr>
+            <a:cxnSpLocks/>
+            <a:stCxn id="6" idx="2"/>
+            <a:endCxn id="8" idx="0"/>
+          </p:cNvCxnSpPr>
+          <p:nvPr/>
+        </p:nvCxnSpPr>
+        <p:spPr>
+          <a:xfrm rot="16200000" flipH="1">
+            <a:off x="5815185" y="2682829"/>
+            <a:ext cx="1710384" cy="665815"/>
+          </a:xfrm>
+          <a:prstGeom prst="bentConnector3">
+            <a:avLst>
+              <a:gd name="adj1" fmla="val 50000"/>
+            </a:avLst>
+          </a:prstGeom>
+          <a:ln w="9525">
+            <a:solidFill>
+              <a:schemeClr val="tx1"/>
+            </a:solidFill>
+            <a:headEnd type="triangle"/>
+            <a:tailEnd type="triangle"/>
+          </a:ln>
+        </p:spPr>
+        <p:style>
+          <a:lnRef idx="1">
+            <a:schemeClr val="accent1"/>
+          </a:lnRef>
+          <a:fillRef idx="0">
+            <a:schemeClr val="accent1"/>
+          </a:fillRef>
+          <a:effectRef idx="0">
+            <a:schemeClr val="accent1"/>
+          </a:effectRef>
+          <a:fontRef idx="minor">
+            <a:schemeClr val="tx1"/>
+          </a:fontRef>
+        </p:style>
+      </p:cxnSp>
+      <p:cxnSp>
+        <p:nvCxnSpPr>
+          <p:cNvPr id="30" name="Connector: Elbow 29">
+            <a:extLst>
+              <a:ext uri="{FF2B5EF4-FFF2-40B4-BE49-F238E27FC236}">
+                <a16:creationId xmlns:a16="http://schemas.microsoft.com/office/drawing/2014/main" id="{7278F500-F0D3-1D1E-C466-570F500391A0}"/>
+              </a:ext>
+            </a:extLst>
+          </p:cNvPr>
+          <p:cNvCxnSpPr>
+            <a:cxnSpLocks/>
+            <a:stCxn id="6" idx="2"/>
+            <a:endCxn id="4" idx="0"/>
+          </p:cNvCxnSpPr>
+          <p:nvPr/>
+        </p:nvCxnSpPr>
+        <p:spPr>
+          <a:xfrm rot="5400000">
+            <a:off x="5162994" y="2696453"/>
+            <a:ext cx="1710384" cy="638569"/>
+          </a:xfrm>
+          <a:prstGeom prst="bentConnector3">
+            <a:avLst>
+              <a:gd name="adj1" fmla="val 50000"/>
+            </a:avLst>
+          </a:prstGeom>
+          <a:ln w="9525">
+            <a:solidFill>
+              <a:schemeClr val="tx1"/>
+            </a:solidFill>
+            <a:headEnd type="triangle"/>
+            <a:tailEnd type="triangle"/>
+          </a:ln>
+        </p:spPr>
+        <p:style>
+          <a:lnRef idx="1">
+            <a:schemeClr val="accent1"/>
+          </a:lnRef>
+          <a:fillRef idx="0">
+            <a:schemeClr val="accent1"/>
+          </a:fillRef>
+          <a:effectRef idx="0">
+            <a:schemeClr val="accent1"/>
+          </a:effectRef>
+          <a:fontRef idx="minor">
+            <a:schemeClr val="tx1"/>
+          </a:fontRef>
+        </p:style>
+      </p:cxnSp>
+      <p:sp>
+        <p:nvSpPr>
+          <p:cNvPr id="49" name="Rectangle 48">
+            <a:extLst>
+              <a:ext uri="{FF2B5EF4-FFF2-40B4-BE49-F238E27FC236}">
+                <a16:creationId xmlns:a16="http://schemas.microsoft.com/office/drawing/2014/main" id="{0900D2F3-9AD4-665C-2FF9-7C36D51D3EF0}"/>
+              </a:ext>
+            </a:extLst>
+          </p:cNvPr>
+          <p:cNvSpPr/>
+          <p:nvPr/>
+        </p:nvSpPr>
+        <p:spPr>
+          <a:xfrm>
+            <a:off x="1311160" y="1275659"/>
+            <a:ext cx="1075037" cy="465437"/>
+          </a:xfrm>
+          <a:prstGeom prst="rect">
+            <a:avLst/>
+          </a:prstGeom>
+          <a:solidFill>
+            <a:schemeClr val="accent2">
+              <a:lumMod val="40000"/>
+              <a:lumOff val="60000"/>
+            </a:schemeClr>
+          </a:solidFill>
+          <a:ln>
+            <a:solidFill>
+              <a:schemeClr val="tx1"/>
+            </a:solidFill>
+          </a:ln>
+        </p:spPr>
+        <p:style>
+          <a:lnRef idx="2">
+            <a:schemeClr val="accent1">
+              <a:shade val="50000"/>
+            </a:schemeClr>
+          </a:lnRef>
+          <a:fillRef idx="1">
+            <a:schemeClr val="accent1"/>
+          </a:fillRef>
+          <a:effectRef idx="0">
+            <a:schemeClr val="accent1"/>
+          </a:effectRef>
+          <a:fontRef idx="minor">
+            <a:schemeClr val="lt1"/>
+          </a:fontRef>
+        </p:style>
+        <p:txBody>
+          <a:bodyPr rtlCol="0" anchor="ctr" anchorCtr="1"/>
+          <a:lstStyle/>
+          <a:p>
+            <a:pPr algn="ctr"/>
+            <a:r>
+              <a:rPr lang="en-US" sz="1400" dirty="0">
+                <a:solidFill>
+                  <a:schemeClr val="tx1"/>
+                </a:solidFill>
+                <a:latin typeface="LXGW WenKai" panose="02020500000000000000" pitchFamily="18" charset="-120"/>
+                <a:ea typeface="LXGW WenKai" panose="02020500000000000000" pitchFamily="18" charset="-120"/>
+              </a:rPr>
+              <a:t>Managers</a:t>
+            </a:r>
+          </a:p>
+        </p:txBody>
+      </p:sp>
+      <p:sp>
+        <p:nvSpPr>
+          <p:cNvPr id="53" name="Rectangle 52">
+            <a:extLst>
+              <a:ext uri="{FF2B5EF4-FFF2-40B4-BE49-F238E27FC236}">
+                <a16:creationId xmlns:a16="http://schemas.microsoft.com/office/drawing/2014/main" id="{F899B14D-B54D-BDCA-ACEE-CFF7225092D0}"/>
+              </a:ext>
+            </a:extLst>
+          </p:cNvPr>
+          <p:cNvSpPr/>
+          <p:nvPr/>
+        </p:nvSpPr>
+        <p:spPr>
+          <a:xfrm>
+            <a:off x="1311158" y="2005045"/>
+            <a:ext cx="1075037" cy="465437"/>
+          </a:xfrm>
+          <a:prstGeom prst="rect">
+            <a:avLst/>
+          </a:prstGeom>
+          <a:solidFill>
+            <a:schemeClr val="accent2">
+              <a:lumMod val="40000"/>
+              <a:lumOff val="60000"/>
+            </a:schemeClr>
+          </a:solidFill>
+          <a:ln>
+            <a:solidFill>
+              <a:schemeClr val="tx1"/>
+            </a:solidFill>
+          </a:ln>
+        </p:spPr>
+        <p:style>
+          <a:lnRef idx="2">
+            <a:schemeClr val="accent1">
+              <a:shade val="50000"/>
+            </a:schemeClr>
+          </a:lnRef>
+          <a:fillRef idx="1">
+            <a:schemeClr val="accent1"/>
+          </a:fillRef>
+          <a:effectRef idx="0">
+            <a:schemeClr val="accent1"/>
+          </a:effectRef>
+          <a:fontRef idx="minor">
+            <a:schemeClr val="lt1"/>
+          </a:fontRef>
+        </p:style>
+        <p:txBody>
+          <a:bodyPr rtlCol="0" anchor="ctr" anchorCtr="1"/>
+          <a:lstStyle/>
+          <a:p>
+            <a:pPr algn="ctr"/>
+            <a:r>
+              <a:rPr lang="en-US" sz="1400" dirty="0">
+                <a:solidFill>
+                  <a:schemeClr val="tx1"/>
+                </a:solidFill>
+                <a:latin typeface="LXGW WenKai" panose="02020500000000000000" pitchFamily="18" charset="-120"/>
+                <a:ea typeface="LXGW WenKai" panose="02020500000000000000" pitchFamily="18" charset="-120"/>
+              </a:rPr>
+              <a:t>Agents</a:t>
+            </a:r>
+          </a:p>
+        </p:txBody>
+      </p:sp>
+      <p:cxnSp>
+        <p:nvCxnSpPr>
+          <p:cNvPr id="58" name="Straight Arrow Connector 57">
+            <a:extLst>
+              <a:ext uri="{FF2B5EF4-FFF2-40B4-BE49-F238E27FC236}">
+                <a16:creationId xmlns:a16="http://schemas.microsoft.com/office/drawing/2014/main" id="{8292F6D1-99B9-261E-A427-933A611650C2}"/>
+              </a:ext>
+            </a:extLst>
+          </p:cNvPr>
+          <p:cNvCxnSpPr>
+            <a:cxnSpLocks/>
+            <a:stCxn id="53" idx="0"/>
+            <a:endCxn id="49" idx="2"/>
+          </p:cNvCxnSpPr>
+          <p:nvPr/>
+        </p:nvCxnSpPr>
+        <p:spPr>
+          <a:xfrm flipV="1">
+            <a:off x="1848677" y="1741096"/>
+            <a:ext cx="2" cy="263949"/>
+          </a:xfrm>
+          <a:prstGeom prst="straightConnector1">
+            <a:avLst/>
+          </a:prstGeom>
+          <a:ln w="9525">
+            <a:solidFill>
+              <a:schemeClr val="tx1"/>
+            </a:solidFill>
+            <a:headEnd type="triangle"/>
+            <a:tailEnd type="triangle"/>
+          </a:ln>
+          <a:effectLst>
+            <a:outerShdw blurRad="63500" sx="102000" sy="102000" algn="ctr" rotWithShape="0">
+              <a:prstClr val="black">
+                <a:alpha val="40000"/>
+              </a:prstClr>
+            </a:outerShdw>
+          </a:effectLst>
+        </p:spPr>
+        <p:style>
+          <a:lnRef idx="1">
+            <a:schemeClr val="accent1"/>
+          </a:lnRef>
+          <a:fillRef idx="0">
+            <a:schemeClr val="accent1"/>
+          </a:fillRef>
+          <a:effectRef idx="0">
+            <a:schemeClr val="accent1"/>
+          </a:effectRef>
+          <a:fontRef idx="minor">
+            <a:schemeClr val="tx1"/>
+          </a:fontRef>
+        </p:style>
+      </p:cxnSp>
+      <p:cxnSp>
+        <p:nvCxnSpPr>
+          <p:cNvPr id="64" name="Connector: Elbow 63">
+            <a:extLst>
+              <a:ext uri="{FF2B5EF4-FFF2-40B4-BE49-F238E27FC236}">
+                <a16:creationId xmlns:a16="http://schemas.microsoft.com/office/drawing/2014/main" id="{772D2E1C-8856-B709-01CF-3A391A4451A3}"/>
+              </a:ext>
+            </a:extLst>
+          </p:cNvPr>
+          <p:cNvCxnSpPr>
+            <a:cxnSpLocks/>
+            <a:stCxn id="10" idx="0"/>
+            <a:endCxn id="49" idx="3"/>
+          </p:cNvCxnSpPr>
+          <p:nvPr/>
+        </p:nvCxnSpPr>
+        <p:spPr>
+          <a:xfrm rot="16200000" flipV="1">
+            <a:off x="2749761" y="1144815"/>
+            <a:ext cx="186729" cy="913855"/>
+          </a:xfrm>
+          <a:prstGeom prst="bentConnector2">
+            <a:avLst/>
+          </a:prstGeom>
+          <a:ln w="9525">
+            <a:solidFill>
+              <a:schemeClr val="tx1"/>
+            </a:solidFill>
+            <a:headEnd type="triangle"/>
+            <a:tailEnd type="triangle"/>
+          </a:ln>
+        </p:spPr>
+        <p:style>
+          <a:lnRef idx="1">
+            <a:schemeClr val="accent1"/>
+          </a:lnRef>
+          <a:fillRef idx="0">
+            <a:schemeClr val="accent1"/>
+          </a:fillRef>
+          <a:effectRef idx="0">
+            <a:schemeClr val="accent1"/>
+          </a:effectRef>
+          <a:fontRef idx="minor">
+            <a:schemeClr val="tx1"/>
+          </a:fontRef>
+        </p:style>
+      </p:cxnSp>
+      <p:sp>
+        <p:nvSpPr>
+          <p:cNvPr id="80" name="Rectangle 79">
+            <a:extLst>
+              <a:ext uri="{FF2B5EF4-FFF2-40B4-BE49-F238E27FC236}">
+                <a16:creationId xmlns:a16="http://schemas.microsoft.com/office/drawing/2014/main" id="{55E3340C-8A4D-29A5-5A0C-170E40347EC9}"/>
+              </a:ext>
+            </a:extLst>
+          </p:cNvPr>
+          <p:cNvSpPr/>
+          <p:nvPr/>
+        </p:nvSpPr>
+        <p:spPr>
+          <a:xfrm>
+            <a:off x="5100716" y="5250763"/>
+            <a:ext cx="1371600" cy="457200"/>
           </a:xfrm>
           <a:prstGeom prst="rect">
             <a:avLst/>
@@ -3532,29 +4537,83 @@
           </a:fontRef>
         </p:style>
         <p:txBody>
-          <a:bodyPr rtlCol="0" anchor="b" anchorCtr="1"/>
+          <a:bodyPr rtlCol="0" anchor="ctr" anchorCtr="1"/>
           <a:lstStyle/>
           <a:p>
             <a:pPr algn="ctr"/>
             <a:r>
-              <a:rPr lang="en-US" dirty="0">
+              <a:rPr lang="en-US" sz="1400" dirty="0">
                 <a:solidFill>
                   <a:schemeClr val="tx1"/>
                 </a:solidFill>
                 <a:latin typeface="LXGW WenKai" panose="02020500000000000000" pitchFamily="18" charset="-120"/>
                 <a:ea typeface="LXGW WenKai" panose="02020500000000000000" pitchFamily="18" charset="-120"/>
               </a:rPr>
-              <a:t>Flask</a:t>
-            </a:r>
-          </a:p>
-        </p:txBody>
-      </p:sp>
-      <p:sp>
-        <p:nvSpPr>
-          <p:cNvPr id="2" name="Rectangle 1">
-            <a:extLst>
-              <a:ext uri="{FF2B5EF4-FFF2-40B4-BE49-F238E27FC236}">
-                <a16:creationId xmlns:a16="http://schemas.microsoft.com/office/drawing/2014/main" id="{92EFFECB-9FD4-0BB7-95C1-A18D6CADACAA}"/>
+              <a:t>Agent Configs</a:t>
+            </a:r>
+            <a:endParaRPr lang="en-US" sz="1600" dirty="0">
+              <a:solidFill>
+                <a:schemeClr val="tx1"/>
+              </a:solidFill>
+              <a:latin typeface="LXGW WenKai" panose="02020500000000000000" pitchFamily="18" charset="-120"/>
+              <a:ea typeface="LXGW WenKai" panose="02020500000000000000" pitchFamily="18" charset="-120"/>
+            </a:endParaRPr>
+          </a:p>
+        </p:txBody>
+      </p:sp>
+      <p:cxnSp>
+        <p:nvCxnSpPr>
+          <p:cNvPr id="84" name="Connector: Elbow 83">
+            <a:extLst>
+              <a:ext uri="{FF2B5EF4-FFF2-40B4-BE49-F238E27FC236}">
+                <a16:creationId xmlns:a16="http://schemas.microsoft.com/office/drawing/2014/main" id="{0EA3BDB1-F2A4-5C02-333F-366299C1662B}"/>
+              </a:ext>
+            </a:extLst>
+          </p:cNvPr>
+          <p:cNvCxnSpPr>
+            <a:cxnSpLocks/>
+            <a:stCxn id="10" idx="2"/>
+            <a:endCxn id="96" idx="1"/>
+          </p:cNvCxnSpPr>
+          <p:nvPr/>
+        </p:nvCxnSpPr>
+        <p:spPr>
+          <a:xfrm rot="16200000" flipH="1">
+            <a:off x="2885933" y="2574663"/>
+            <a:ext cx="2628902" cy="1800664"/>
+          </a:xfrm>
+          <a:prstGeom prst="bentConnector2">
+            <a:avLst/>
+          </a:prstGeom>
+          <a:ln w="9525">
+            <a:solidFill>
+              <a:schemeClr val="tx1"/>
+            </a:solidFill>
+            <a:headEnd type="triangle"/>
+            <a:tailEnd type="triangle"/>
+          </a:ln>
+        </p:spPr>
+        <p:style>
+          <a:lnRef idx="1">
+            <a:schemeClr val="accent1"/>
+          </a:lnRef>
+          <a:fillRef idx="0">
+            <a:schemeClr val="accent1"/>
+          </a:fillRef>
+          <a:effectRef idx="0">
+            <a:schemeClr val="accent1"/>
+          </a:effectRef>
+          <a:fontRef idx="minor">
+            <a:schemeClr val="tx1"/>
+          </a:fontRef>
+        </p:style>
+      </p:cxnSp>
+      <p:sp>
+        <p:nvSpPr>
+          <p:cNvPr id="96" name="Rectangle 95">
+            <a:extLst>
+              <a:ext uri="{FF2B5EF4-FFF2-40B4-BE49-F238E27FC236}">
+                <a16:creationId xmlns:a16="http://schemas.microsoft.com/office/drawing/2014/main" id="{1A571AEA-B399-C4AC-3A18-2CA6BF7CEACD}"/>
               </a:ext>
             </a:extLst>
           </p:cNvPr>
@@ -3563,14 +4622,14 @@
         </p:nvSpPr>
         <p:spPr>
           <a:xfrm>
-            <a:off x="988539" y="1655804"/>
-            <a:ext cx="4839733" cy="3286897"/>
+            <a:off x="5100716" y="4560846"/>
+            <a:ext cx="1196369" cy="457200"/>
           </a:xfrm>
           <a:prstGeom prst="rect">
             <a:avLst/>
           </a:prstGeom>
           <a:solidFill>
-            <a:schemeClr val="accent6">
+            <a:schemeClr val="accent4">
               <a:lumMod val="20000"/>
               <a:lumOff val="80000"/>
             </a:schemeClr>
@@ -3598,23 +4657,290 @@
           </a:fontRef>
         </p:style>
         <p:txBody>
-          <a:bodyPr rtlCol="0" anchor="b" anchorCtr="1"/>
+          <a:bodyPr rtlCol="0" anchor="ctr" anchorCtr="1"/>
           <a:lstStyle/>
           <a:p>
             <a:pPr algn="ctr"/>
             <a:r>
-              <a:rPr lang="en-US" dirty="0">
+              <a:rPr lang="en-US" sz="1400" dirty="0">
                 <a:solidFill>
                   <a:schemeClr val="tx1"/>
                 </a:solidFill>
                 <a:latin typeface="LXGW WenKai" panose="02020500000000000000" pitchFamily="18" charset="-120"/>
                 <a:ea typeface="LXGW WenKai" panose="02020500000000000000" pitchFamily="18" charset="-120"/>
               </a:rPr>
-              <a:t>GPT-Agents</a:t>
-            </a:r>
-          </a:p>
-        </p:txBody>
-      </p:sp>
+              <a:t>Contexts</a:t>
+            </a:r>
+          </a:p>
+        </p:txBody>
+      </p:sp>
+      <p:cxnSp>
+        <p:nvCxnSpPr>
+          <p:cNvPr id="100" name="Connector: Elbow 99">
+            <a:extLst>
+              <a:ext uri="{FF2B5EF4-FFF2-40B4-BE49-F238E27FC236}">
+                <a16:creationId xmlns:a16="http://schemas.microsoft.com/office/drawing/2014/main" id="{3264145F-BEA8-B01C-6434-B36E905DE09F}"/>
+              </a:ext>
+            </a:extLst>
+          </p:cNvPr>
+          <p:cNvCxnSpPr>
+            <a:cxnSpLocks/>
+            <a:stCxn id="10" idx="2"/>
+            <a:endCxn id="80" idx="2"/>
+          </p:cNvCxnSpPr>
+          <p:nvPr/>
+        </p:nvCxnSpPr>
+        <p:spPr>
+          <a:xfrm rot="16200000" flipH="1">
+            <a:off x="2769575" y="2691021"/>
+            <a:ext cx="3547419" cy="2486464"/>
+          </a:xfrm>
+          <a:prstGeom prst="bentConnector3">
+            <a:avLst>
+              <a:gd name="adj1" fmla="val 106444"/>
+            </a:avLst>
+          </a:prstGeom>
+          <a:ln w="9525">
+            <a:solidFill>
+              <a:schemeClr val="tx1"/>
+            </a:solidFill>
+            <a:headEnd type="triangle"/>
+            <a:tailEnd type="triangle"/>
+          </a:ln>
+        </p:spPr>
+        <p:style>
+          <a:lnRef idx="1">
+            <a:schemeClr val="accent1"/>
+          </a:lnRef>
+          <a:fillRef idx="0">
+            <a:schemeClr val="accent1"/>
+          </a:fillRef>
+          <a:effectRef idx="0">
+            <a:schemeClr val="accent1"/>
+          </a:effectRef>
+          <a:fontRef idx="minor">
+            <a:schemeClr val="tx1"/>
+          </a:fontRef>
+        </p:style>
+      </p:cxnSp>
+      <p:cxnSp>
+        <p:nvCxnSpPr>
+          <p:cNvPr id="33" name="Connector: Elbow 32">
+            <a:extLst>
+              <a:ext uri="{FF2B5EF4-FFF2-40B4-BE49-F238E27FC236}">
+                <a16:creationId xmlns:a16="http://schemas.microsoft.com/office/drawing/2014/main" id="{FECD5B19-9ABD-FBE1-1881-23E52064E9EF}"/>
+              </a:ext>
+            </a:extLst>
+          </p:cNvPr>
+          <p:cNvCxnSpPr>
+            <a:cxnSpLocks/>
+            <a:stCxn id="10" idx="2"/>
+            <a:endCxn id="9" idx="2"/>
+          </p:cNvCxnSpPr>
+          <p:nvPr/>
+        </p:nvCxnSpPr>
+        <p:spPr>
+          <a:xfrm rot="16200000" flipH="1">
+            <a:off x="3724039" y="1736557"/>
+            <a:ext cx="2857502" cy="3705476"/>
+          </a:xfrm>
+          <a:prstGeom prst="bentConnector3">
+            <a:avLst>
+              <a:gd name="adj1" fmla="val 105617"/>
+            </a:avLst>
+          </a:prstGeom>
+          <a:ln w="9525">
+            <a:solidFill>
+              <a:schemeClr val="tx1"/>
+            </a:solidFill>
+            <a:headEnd type="triangle"/>
+            <a:tailEnd type="triangle"/>
+          </a:ln>
+        </p:spPr>
+        <p:style>
+          <a:lnRef idx="1">
+            <a:schemeClr val="accent1"/>
+          </a:lnRef>
+          <a:fillRef idx="0">
+            <a:schemeClr val="accent1"/>
+          </a:fillRef>
+          <a:effectRef idx="0">
+            <a:schemeClr val="accent1"/>
+          </a:effectRef>
+          <a:fontRef idx="minor">
+            <a:schemeClr val="tx1"/>
+          </a:fontRef>
+        </p:style>
+      </p:cxnSp>
+      <p:sp>
+        <p:nvSpPr>
+          <p:cNvPr id="160" name="Rectangle 159">
+            <a:extLst>
+              <a:ext uri="{FF2B5EF4-FFF2-40B4-BE49-F238E27FC236}">
+                <a16:creationId xmlns:a16="http://schemas.microsoft.com/office/drawing/2014/main" id="{2D663D7A-E75A-A89B-C125-37C84B176016}"/>
+              </a:ext>
+            </a:extLst>
+          </p:cNvPr>
+          <p:cNvSpPr/>
+          <p:nvPr/>
+        </p:nvSpPr>
+        <p:spPr>
+          <a:xfrm>
+            <a:off x="1311159" y="2734432"/>
+            <a:ext cx="1075037" cy="465437"/>
+          </a:xfrm>
+          <a:prstGeom prst="rect">
+            <a:avLst/>
+          </a:prstGeom>
+          <a:solidFill>
+            <a:schemeClr val="accent2">
+              <a:lumMod val="40000"/>
+              <a:lumOff val="60000"/>
+            </a:schemeClr>
+          </a:solidFill>
+          <a:ln>
+            <a:solidFill>
+              <a:schemeClr val="tx1"/>
+            </a:solidFill>
+          </a:ln>
+        </p:spPr>
+        <p:style>
+          <a:lnRef idx="2">
+            <a:schemeClr val="accent1">
+              <a:shade val="50000"/>
+            </a:schemeClr>
+          </a:lnRef>
+          <a:fillRef idx="1">
+            <a:schemeClr val="accent1"/>
+          </a:fillRef>
+          <a:effectRef idx="0">
+            <a:schemeClr val="accent1"/>
+          </a:effectRef>
+          <a:fontRef idx="minor">
+            <a:schemeClr val="lt1"/>
+          </a:fontRef>
+        </p:style>
+        <p:txBody>
+          <a:bodyPr rtlCol="0" anchor="ctr" anchorCtr="1"/>
+          <a:lstStyle/>
+          <a:p>
+            <a:pPr algn="ctr"/>
+            <a:r>
+              <a:rPr lang="en-US" sz="1400" dirty="0">
+                <a:solidFill>
+                  <a:schemeClr val="tx1"/>
+                </a:solidFill>
+                <a:latin typeface="LXGW WenKai" panose="02020500000000000000" pitchFamily="18" charset="-120"/>
+                <a:ea typeface="LXGW WenKai" panose="02020500000000000000" pitchFamily="18" charset="-120"/>
+              </a:rPr>
+              <a:t>LLMs</a:t>
+            </a:r>
+          </a:p>
+        </p:txBody>
+      </p:sp>
+      <p:cxnSp>
+        <p:nvCxnSpPr>
+          <p:cNvPr id="161" name="Straight Arrow Connector 160">
+            <a:extLst>
+              <a:ext uri="{FF2B5EF4-FFF2-40B4-BE49-F238E27FC236}">
+                <a16:creationId xmlns:a16="http://schemas.microsoft.com/office/drawing/2014/main" id="{59012971-918C-39E7-CE63-3FF569ECFDA2}"/>
+              </a:ext>
+            </a:extLst>
+          </p:cNvPr>
+          <p:cNvCxnSpPr>
+            <a:cxnSpLocks/>
+            <a:stCxn id="160" idx="0"/>
+            <a:endCxn id="53" idx="2"/>
+          </p:cNvCxnSpPr>
+          <p:nvPr/>
+        </p:nvCxnSpPr>
+        <p:spPr>
+          <a:xfrm flipH="1" flipV="1">
+            <a:off x="1848677" y="2470482"/>
+            <a:ext cx="1" cy="263950"/>
+          </a:xfrm>
+          <a:prstGeom prst="straightConnector1">
+            <a:avLst/>
+          </a:prstGeom>
+          <a:ln w="9525">
+            <a:solidFill>
+              <a:schemeClr val="tx1"/>
+            </a:solidFill>
+            <a:headEnd type="triangle"/>
+            <a:tailEnd type="triangle"/>
+          </a:ln>
+          <a:effectLst>
+            <a:outerShdw blurRad="63500" sx="102000" sy="102000" algn="ctr" rotWithShape="0">
+              <a:prstClr val="black">
+                <a:alpha val="40000"/>
+              </a:prstClr>
+            </a:outerShdw>
+          </a:effectLst>
+        </p:spPr>
+        <p:style>
+          <a:lnRef idx="1">
+            <a:schemeClr val="accent1"/>
+          </a:lnRef>
+          <a:fillRef idx="0">
+            <a:schemeClr val="accent1"/>
+          </a:fillRef>
+          <a:effectRef idx="0">
+            <a:schemeClr val="accent1"/>
+          </a:effectRef>
+          <a:fontRef idx="minor">
+            <a:schemeClr val="tx1"/>
+          </a:fontRef>
+        </p:style>
+      </p:cxnSp>
+      <p:cxnSp>
+        <p:nvCxnSpPr>
+          <p:cNvPr id="178" name="Connector: Elbow 177">
+            <a:extLst>
+              <a:ext uri="{FF2B5EF4-FFF2-40B4-BE49-F238E27FC236}">
+                <a16:creationId xmlns:a16="http://schemas.microsoft.com/office/drawing/2014/main" id="{26376437-534A-A16E-6711-D27AC44A27CC}"/>
+              </a:ext>
+            </a:extLst>
+          </p:cNvPr>
+          <p:cNvCxnSpPr>
+            <a:cxnSpLocks/>
+            <a:stCxn id="6" idx="1"/>
+            <a:endCxn id="10" idx="3"/>
+          </p:cNvCxnSpPr>
+          <p:nvPr/>
+        </p:nvCxnSpPr>
+        <p:spPr>
+          <a:xfrm rot="10800000">
+            <a:off x="3837571" y="1927827"/>
+            <a:ext cx="1962381" cy="1"/>
+          </a:xfrm>
+          <a:prstGeom prst="bentConnector3">
+            <a:avLst>
+              <a:gd name="adj1" fmla="val 50000"/>
+            </a:avLst>
+          </a:prstGeom>
+          <a:ln w="9525">
+            <a:solidFill>
+              <a:schemeClr val="tx1"/>
+            </a:solidFill>
+            <a:headEnd type="triangle"/>
+            <a:tailEnd type="triangle"/>
+          </a:ln>
+        </p:spPr>
+        <p:style>
+          <a:lnRef idx="1">
+            <a:schemeClr val="accent1"/>
+          </a:lnRef>
+          <a:fillRef idx="0">
+            <a:schemeClr val="accent1"/>
+          </a:fillRef>
+          <a:effectRef idx="0">
+            <a:schemeClr val="accent1"/>
+          </a:effectRef>
+          <a:fontRef idx="minor">
+            <a:schemeClr val="tx1"/>
+          </a:fontRef>
+        </p:style>
+      </p:cxnSp>
     </p:spTree>
     <p:extLst>
       <p:ext uri="{BB962C8B-B14F-4D97-AF65-F5344CB8AC3E}">
@@ -4159,20 +5485,20 @@
 </file>
 
 <file path=customXml/item2.xml><?xml version="1.0" encoding="utf-8"?>
+<p:properties xmlns:p="http://schemas.microsoft.com/office/2006/metadata/properties" xmlns:xsi="http://www.w3.org/2001/XMLSchema-instance" xmlns:pc="http://schemas.microsoft.com/office/infopath/2007/PartnerControls">
+  <documentManagement>
+    <_activity xmlns="b9c0df90-6177-490c-b060-567d6533c817" xsi:nil="true"/>
+  </documentManagement>
+</p:properties>
+</file>
+
+<file path=customXml/item3.xml><?xml version="1.0" encoding="utf-8"?>
 <?mso-contentType ?>
 <FormTemplates xmlns="http://schemas.microsoft.com/sharepoint/v3/contenttype/forms">
   <Display>DocumentLibraryForm</Display>
   <Edit>DocumentLibraryForm</Edit>
   <New>DocumentLibraryForm</New>
 </FormTemplates>
-</file>
-
-<file path=customXml/item3.xml><?xml version="1.0" encoding="utf-8"?>
-<p:properties xmlns:p="http://schemas.microsoft.com/office/2006/metadata/properties" xmlns:xsi="http://www.w3.org/2001/XMLSchema-instance" xmlns:pc="http://schemas.microsoft.com/office/infopath/2007/PartnerControls">
-  <documentManagement>
-    <_activity xmlns="b9c0df90-6177-490c-b060-567d6533c817" xsi:nil="true"/>
-  </documentManagement>
-</p:properties>
 </file>
 
 <file path=customXml/itemProps1.xml><?xml version="1.0" encoding="utf-8"?>
@@ -4195,14 +5521,6 @@
 </file>
 
 <file path=customXml/itemProps2.xml><?xml version="1.0" encoding="utf-8"?>
-<ds:datastoreItem xmlns:ds="http://schemas.openxmlformats.org/officeDocument/2006/customXml" ds:itemID="{86A9A6AE-A2D2-4466-B053-FEAA2AECCDAE}">
-  <ds:schemaRefs>
-    <ds:schemaRef ds:uri="http://schemas.microsoft.com/sharepoint/v3/contenttype/forms"/>
-  </ds:schemaRefs>
-</ds:datastoreItem>
-</file>
-
-<file path=customXml/itemProps3.xml><?xml version="1.0" encoding="utf-8"?>
 <ds:datastoreItem xmlns:ds="http://schemas.openxmlformats.org/officeDocument/2006/customXml" ds:itemID="{0988BE9C-0C90-420C-9DA9-636C0435E5D7}">
   <ds:schemaRefs>
     <ds:schemaRef ds:uri="http://schemas.microsoft.com/office/2006/documentManagement/types"/>
@@ -4219,6 +5537,14 @@
 </ds:datastoreItem>
 </file>
 
+<file path=customXml/itemProps3.xml><?xml version="1.0" encoding="utf-8"?>
+<ds:datastoreItem xmlns:ds="http://schemas.openxmlformats.org/officeDocument/2006/customXml" ds:itemID="{86A9A6AE-A2D2-4466-B053-FEAA2AECCDAE}">
+  <ds:schemaRefs>
+    <ds:schemaRef ds:uri="http://schemas.microsoft.com/sharepoint/v3/contenttype/forms"/>
+  </ds:schemaRefs>
+</ds:datastoreItem>
+</file>
+
 <file path=docMetadata/LabelInfo.xml><?xml version="1.0" encoding="utf-8"?>
 <clbl:labelList xmlns:clbl="http://schemas.microsoft.com/office/2020/mipLabelMetadata">
   <clbl:label id="{46c98d88-e344-4ed4-8496-4ed7712e255d}" enabled="0" method="" siteId="{46c98d88-e344-4ed4-8496-4ed7712e255d}" removed="1"/>

--- a/examples/architecture.pptx
+++ b/examples/architecture.pptx
@@ -4,8 +4,12 @@
   <p:sldMasterIdLst>
     <p:sldMasterId id="2147483648" r:id="rId4"/>
   </p:sldMasterIdLst>
+  <p:notesMasterIdLst>
+    <p:notesMasterId r:id="rId7"/>
+  </p:notesMasterIdLst>
   <p:sldIdLst>
     <p:sldId id="256" r:id="rId5"/>
+    <p:sldId id="257" r:id="rId6"/>
   </p:sldIdLst>
   <p:sldSz cx="12192000" cy="6858000"/>
   <p:notesSz cx="6858000" cy="9144000"/>
@@ -118,6 +122,537 @@
     <p1510:client id="{271FA621-A9EC-49AE-9150-8878CB3EDBD2}" v="3" dt="2023-07-20T13:15:05.981"/>
   </p1510:revLst>
 </p1510:revInfo>
+</file>
+
+<file path=ppt/notesMasters/notesMaster1.xml><?xml version="1.0" encoding="utf-8"?>
+<p:notesMaster xmlns:a="http://schemas.openxmlformats.org/drawingml/2006/main" xmlns:r="http://schemas.openxmlformats.org/officeDocument/2006/relationships" xmlns:p="http://schemas.openxmlformats.org/presentationml/2006/main">
+  <p:cSld>
+    <p:bg>
+      <p:bgRef idx="1001">
+        <a:schemeClr val="bg1"/>
+      </p:bgRef>
+    </p:bg>
+    <p:spTree>
+      <p:nvGrpSpPr>
+        <p:cNvPr id="1" name=""/>
+        <p:cNvGrpSpPr/>
+        <p:nvPr/>
+      </p:nvGrpSpPr>
+      <p:grpSpPr>
+        <a:xfrm>
+          <a:off x="0" y="0"/>
+          <a:ext cx="0" cy="0"/>
+          <a:chOff x="0" y="0"/>
+          <a:chExt cx="0" cy="0"/>
+        </a:xfrm>
+      </p:grpSpPr>
+      <p:sp>
+        <p:nvSpPr>
+          <p:cNvPr id="2" name="Header Placeholder 1"/>
+          <p:cNvSpPr>
+            <a:spLocks noGrp="1"/>
+          </p:cNvSpPr>
+          <p:nvPr>
+            <p:ph type="hdr" sz="quarter"/>
+          </p:nvPr>
+        </p:nvSpPr>
+        <p:spPr>
+          <a:xfrm>
+            <a:off x="0" y="0"/>
+            <a:ext cx="2971800" cy="458788"/>
+          </a:xfrm>
+          <a:prstGeom prst="rect">
+            <a:avLst/>
+          </a:prstGeom>
+        </p:spPr>
+        <p:txBody>
+          <a:bodyPr vert="horz" lIns="91440" tIns="45720" rIns="91440" bIns="45720" rtlCol="0"/>
+          <a:lstStyle>
+            <a:lvl1pPr algn="l">
+              <a:defRPr sz="1200"/>
+            </a:lvl1pPr>
+          </a:lstStyle>
+          <a:p>
+            <a:endParaRPr lang="en-US"/>
+          </a:p>
+        </p:txBody>
+      </p:sp>
+      <p:sp>
+        <p:nvSpPr>
+          <p:cNvPr id="3" name="Date Placeholder 2"/>
+          <p:cNvSpPr>
+            <a:spLocks noGrp="1"/>
+          </p:cNvSpPr>
+          <p:nvPr>
+            <p:ph type="dt" idx="1"/>
+          </p:nvPr>
+        </p:nvSpPr>
+        <p:spPr>
+          <a:xfrm>
+            <a:off x="3884613" y="0"/>
+            <a:ext cx="2971800" cy="458788"/>
+          </a:xfrm>
+          <a:prstGeom prst="rect">
+            <a:avLst/>
+          </a:prstGeom>
+        </p:spPr>
+        <p:txBody>
+          <a:bodyPr vert="horz" lIns="91440" tIns="45720" rIns="91440" bIns="45720" rtlCol="0"/>
+          <a:lstStyle>
+            <a:lvl1pPr algn="r">
+              <a:defRPr sz="1200"/>
+            </a:lvl1pPr>
+          </a:lstStyle>
+          <a:p>
+            <a:fld id="{4CD64836-4BF9-4E6C-A54C-E76D3002B5D8}" type="datetimeFigureOut">
+              <a:rPr lang="en-US" smtClean="0"/>
+              <a:t>07/21/2023</a:t>
+            </a:fld>
+            <a:endParaRPr lang="en-US"/>
+          </a:p>
+        </p:txBody>
+      </p:sp>
+      <p:sp>
+        <p:nvSpPr>
+          <p:cNvPr id="4" name="Slide Image Placeholder 3"/>
+          <p:cNvSpPr>
+            <a:spLocks noGrp="1" noRot="1" noChangeAspect="1"/>
+          </p:cNvSpPr>
+          <p:nvPr>
+            <p:ph type="sldImg" idx="2"/>
+          </p:nvPr>
+        </p:nvSpPr>
+        <p:spPr>
+          <a:xfrm>
+            <a:off x="685800" y="1143000"/>
+            <a:ext cx="5486400" cy="3086100"/>
+          </a:xfrm>
+          <a:prstGeom prst="rect">
+            <a:avLst/>
+          </a:prstGeom>
+          <a:noFill/>
+          <a:ln w="12700">
+            <a:solidFill>
+              <a:prstClr val="black"/>
+            </a:solidFill>
+          </a:ln>
+        </p:spPr>
+        <p:txBody>
+          <a:bodyPr vert="horz" lIns="91440" tIns="45720" rIns="91440" bIns="45720" rtlCol="0" anchor="ctr"/>
+          <a:lstStyle/>
+          <a:p>
+            <a:endParaRPr lang="en-US"/>
+          </a:p>
+        </p:txBody>
+      </p:sp>
+      <p:sp>
+        <p:nvSpPr>
+          <p:cNvPr id="5" name="Notes Placeholder 4"/>
+          <p:cNvSpPr>
+            <a:spLocks noGrp="1"/>
+          </p:cNvSpPr>
+          <p:nvPr>
+            <p:ph type="body" sz="quarter" idx="3"/>
+          </p:nvPr>
+        </p:nvSpPr>
+        <p:spPr>
+          <a:xfrm>
+            <a:off x="685800" y="4400550"/>
+            <a:ext cx="5486400" cy="3600450"/>
+          </a:xfrm>
+          <a:prstGeom prst="rect">
+            <a:avLst/>
+          </a:prstGeom>
+        </p:spPr>
+        <p:txBody>
+          <a:bodyPr vert="horz" lIns="91440" tIns="45720" rIns="91440" bIns="45720" rtlCol="0"/>
+          <a:lstStyle/>
+          <a:p>
+            <a:pPr lvl="0"/>
+            <a:r>
+              <a:rPr lang="en-US"/>
+              <a:t>Click to edit Master text styles</a:t>
+            </a:r>
+          </a:p>
+          <a:p>
+            <a:pPr lvl="1"/>
+            <a:r>
+              <a:rPr lang="en-US"/>
+              <a:t>Second level</a:t>
+            </a:r>
+          </a:p>
+          <a:p>
+            <a:pPr lvl="2"/>
+            <a:r>
+              <a:rPr lang="en-US"/>
+              <a:t>Third level</a:t>
+            </a:r>
+          </a:p>
+          <a:p>
+            <a:pPr lvl="3"/>
+            <a:r>
+              <a:rPr lang="en-US"/>
+              <a:t>Fourth level</a:t>
+            </a:r>
+          </a:p>
+          <a:p>
+            <a:pPr lvl="4"/>
+            <a:r>
+              <a:rPr lang="en-US"/>
+              <a:t>Fifth level</a:t>
+            </a:r>
+          </a:p>
+        </p:txBody>
+      </p:sp>
+      <p:sp>
+        <p:nvSpPr>
+          <p:cNvPr id="6" name="Footer Placeholder 5"/>
+          <p:cNvSpPr>
+            <a:spLocks noGrp="1"/>
+          </p:cNvSpPr>
+          <p:nvPr>
+            <p:ph type="ftr" sz="quarter" idx="4"/>
+          </p:nvPr>
+        </p:nvSpPr>
+        <p:spPr>
+          <a:xfrm>
+            <a:off x="0" y="8685213"/>
+            <a:ext cx="2971800" cy="458787"/>
+          </a:xfrm>
+          <a:prstGeom prst="rect">
+            <a:avLst/>
+          </a:prstGeom>
+        </p:spPr>
+        <p:txBody>
+          <a:bodyPr vert="horz" lIns="91440" tIns="45720" rIns="91440" bIns="45720" rtlCol="0" anchor="b"/>
+          <a:lstStyle>
+            <a:lvl1pPr algn="l">
+              <a:defRPr sz="1200"/>
+            </a:lvl1pPr>
+          </a:lstStyle>
+          <a:p>
+            <a:endParaRPr lang="en-US"/>
+          </a:p>
+        </p:txBody>
+      </p:sp>
+      <p:sp>
+        <p:nvSpPr>
+          <p:cNvPr id="7" name="Slide Number Placeholder 6"/>
+          <p:cNvSpPr>
+            <a:spLocks noGrp="1"/>
+          </p:cNvSpPr>
+          <p:nvPr>
+            <p:ph type="sldNum" sz="quarter" idx="5"/>
+          </p:nvPr>
+        </p:nvSpPr>
+        <p:spPr>
+          <a:xfrm>
+            <a:off x="3884613" y="8685213"/>
+            <a:ext cx="2971800" cy="458787"/>
+          </a:xfrm>
+          <a:prstGeom prst="rect">
+            <a:avLst/>
+          </a:prstGeom>
+        </p:spPr>
+        <p:txBody>
+          <a:bodyPr vert="horz" lIns="91440" tIns="45720" rIns="91440" bIns="45720" rtlCol="0" anchor="b"/>
+          <a:lstStyle>
+            <a:lvl1pPr algn="r">
+              <a:defRPr sz="1200"/>
+            </a:lvl1pPr>
+          </a:lstStyle>
+          <a:p>
+            <a:fld id="{D537CB0D-FD8F-437B-8EA1-4310BDC2B6BC}" type="slidenum">
+              <a:rPr lang="en-US" smtClean="0"/>
+              <a:t>‹#›</a:t>
+            </a:fld>
+            <a:endParaRPr lang="en-US"/>
+          </a:p>
+        </p:txBody>
+      </p:sp>
+    </p:spTree>
+    <p:extLst>
+      <p:ext uri="{BB962C8B-B14F-4D97-AF65-F5344CB8AC3E}">
+        <p14:creationId xmlns:p14="http://schemas.microsoft.com/office/powerpoint/2010/main" val="3205400777"/>
+      </p:ext>
+    </p:extLst>
+  </p:cSld>
+  <p:clrMap bg1="lt1" tx1="dk1" bg2="lt2" tx2="dk2" accent1="accent1" accent2="accent2" accent3="accent3" accent4="accent4" accent5="accent5" accent6="accent6" hlink="hlink" folHlink="folHlink"/>
+  <p:notesStyle>
+    <a:lvl1pPr marL="0" algn="l" defTabSz="914400" rtl="0" eaLnBrk="1" latinLnBrk="0" hangingPunct="1">
+      <a:defRPr sz="1200" kern="1200">
+        <a:solidFill>
+          <a:schemeClr val="tx1"/>
+        </a:solidFill>
+        <a:latin typeface="+mn-lt"/>
+        <a:ea typeface="+mn-ea"/>
+        <a:cs typeface="+mn-cs"/>
+      </a:defRPr>
+    </a:lvl1pPr>
+    <a:lvl2pPr marL="457200" algn="l" defTabSz="914400" rtl="0" eaLnBrk="1" latinLnBrk="0" hangingPunct="1">
+      <a:defRPr sz="1200" kern="1200">
+        <a:solidFill>
+          <a:schemeClr val="tx1"/>
+        </a:solidFill>
+        <a:latin typeface="+mn-lt"/>
+        <a:ea typeface="+mn-ea"/>
+        <a:cs typeface="+mn-cs"/>
+      </a:defRPr>
+    </a:lvl2pPr>
+    <a:lvl3pPr marL="914400" algn="l" defTabSz="914400" rtl="0" eaLnBrk="1" latinLnBrk="0" hangingPunct="1">
+      <a:defRPr sz="1200" kern="1200">
+        <a:solidFill>
+          <a:schemeClr val="tx1"/>
+        </a:solidFill>
+        <a:latin typeface="+mn-lt"/>
+        <a:ea typeface="+mn-ea"/>
+        <a:cs typeface="+mn-cs"/>
+      </a:defRPr>
+    </a:lvl3pPr>
+    <a:lvl4pPr marL="1371600" algn="l" defTabSz="914400" rtl="0" eaLnBrk="1" latinLnBrk="0" hangingPunct="1">
+      <a:defRPr sz="1200" kern="1200">
+        <a:solidFill>
+          <a:schemeClr val="tx1"/>
+        </a:solidFill>
+        <a:latin typeface="+mn-lt"/>
+        <a:ea typeface="+mn-ea"/>
+        <a:cs typeface="+mn-cs"/>
+      </a:defRPr>
+    </a:lvl4pPr>
+    <a:lvl5pPr marL="1828800" algn="l" defTabSz="914400" rtl="0" eaLnBrk="1" latinLnBrk="0" hangingPunct="1">
+      <a:defRPr sz="1200" kern="1200">
+        <a:solidFill>
+          <a:schemeClr val="tx1"/>
+        </a:solidFill>
+        <a:latin typeface="+mn-lt"/>
+        <a:ea typeface="+mn-ea"/>
+        <a:cs typeface="+mn-cs"/>
+      </a:defRPr>
+    </a:lvl5pPr>
+    <a:lvl6pPr marL="2286000" algn="l" defTabSz="914400" rtl="0" eaLnBrk="1" latinLnBrk="0" hangingPunct="1">
+      <a:defRPr sz="1200" kern="1200">
+        <a:solidFill>
+          <a:schemeClr val="tx1"/>
+        </a:solidFill>
+        <a:latin typeface="+mn-lt"/>
+        <a:ea typeface="+mn-ea"/>
+        <a:cs typeface="+mn-cs"/>
+      </a:defRPr>
+    </a:lvl6pPr>
+    <a:lvl7pPr marL="2743200" algn="l" defTabSz="914400" rtl="0" eaLnBrk="1" latinLnBrk="0" hangingPunct="1">
+      <a:defRPr sz="1200" kern="1200">
+        <a:solidFill>
+          <a:schemeClr val="tx1"/>
+        </a:solidFill>
+        <a:latin typeface="+mn-lt"/>
+        <a:ea typeface="+mn-ea"/>
+        <a:cs typeface="+mn-cs"/>
+      </a:defRPr>
+    </a:lvl7pPr>
+    <a:lvl8pPr marL="3200400" algn="l" defTabSz="914400" rtl="0" eaLnBrk="1" latinLnBrk="0" hangingPunct="1">
+      <a:defRPr sz="1200" kern="1200">
+        <a:solidFill>
+          <a:schemeClr val="tx1"/>
+        </a:solidFill>
+        <a:latin typeface="+mn-lt"/>
+        <a:ea typeface="+mn-ea"/>
+        <a:cs typeface="+mn-cs"/>
+      </a:defRPr>
+    </a:lvl8pPr>
+    <a:lvl9pPr marL="3657600" algn="l" defTabSz="914400" rtl="0" eaLnBrk="1" latinLnBrk="0" hangingPunct="1">
+      <a:defRPr sz="1200" kern="1200">
+        <a:solidFill>
+          <a:schemeClr val="tx1"/>
+        </a:solidFill>
+        <a:latin typeface="+mn-lt"/>
+        <a:ea typeface="+mn-ea"/>
+        <a:cs typeface="+mn-cs"/>
+      </a:defRPr>
+    </a:lvl9pPr>
+  </p:notesStyle>
+</p:notesMaster>
+</file>
+
+<file path=ppt/notesSlides/notesSlide1.xml><?xml version="1.0" encoding="utf-8"?>
+<p:notes xmlns:a="http://schemas.openxmlformats.org/drawingml/2006/main" xmlns:r="http://schemas.openxmlformats.org/officeDocument/2006/relationships" xmlns:p="http://schemas.openxmlformats.org/presentationml/2006/main">
+  <p:cSld>
+    <p:spTree>
+      <p:nvGrpSpPr>
+        <p:cNvPr id="1" name=""/>
+        <p:cNvGrpSpPr/>
+        <p:nvPr/>
+      </p:nvGrpSpPr>
+      <p:grpSpPr>
+        <a:xfrm>
+          <a:off x="0" y="0"/>
+          <a:ext cx="0" cy="0"/>
+          <a:chOff x="0" y="0"/>
+          <a:chExt cx="0" cy="0"/>
+        </a:xfrm>
+      </p:grpSpPr>
+      <p:sp>
+        <p:nvSpPr>
+          <p:cNvPr id="2" name="Slide Image Placeholder 1"/>
+          <p:cNvSpPr>
+            <a:spLocks noGrp="1" noRot="1" noChangeAspect="1"/>
+          </p:cNvSpPr>
+          <p:nvPr>
+            <p:ph type="sldImg"/>
+          </p:nvPr>
+        </p:nvSpPr>
+        <p:spPr/>
+      </p:sp>
+      <p:sp>
+        <p:nvSpPr>
+          <p:cNvPr id="3" name="Notes Placeholder 2"/>
+          <p:cNvSpPr>
+            <a:spLocks noGrp="1"/>
+          </p:cNvSpPr>
+          <p:nvPr>
+            <p:ph type="body" idx="1"/>
+          </p:nvPr>
+        </p:nvSpPr>
+        <p:spPr/>
+        <p:txBody>
+          <a:bodyPr/>
+          <a:lstStyle/>
+          <a:p>
+            <a:r>
+              <a:rPr lang="en-US" dirty="0"/>
+              <a:t>Architecture of GPT-</a:t>
+            </a:r>
+            <a:r>
+              <a:rPr lang="en-US" dirty="0" err="1"/>
+              <a:t>WebUI</a:t>
+            </a:r>
+            <a:r>
+              <a:rPr lang="en-US" dirty="0"/>
+              <a:t> + GPT-Agents + MongoDB</a:t>
+            </a:r>
+          </a:p>
+        </p:txBody>
+      </p:sp>
+      <p:sp>
+        <p:nvSpPr>
+          <p:cNvPr id="4" name="Slide Number Placeholder 3"/>
+          <p:cNvSpPr>
+            <a:spLocks noGrp="1"/>
+          </p:cNvSpPr>
+          <p:nvPr>
+            <p:ph type="sldNum" sz="quarter" idx="5"/>
+          </p:nvPr>
+        </p:nvSpPr>
+        <p:spPr/>
+        <p:txBody>
+          <a:bodyPr/>
+          <a:lstStyle/>
+          <a:p>
+            <a:fld id="{D537CB0D-FD8F-437B-8EA1-4310BDC2B6BC}" type="slidenum">
+              <a:rPr lang="en-US" smtClean="0"/>
+              <a:t>1</a:t>
+            </a:fld>
+            <a:endParaRPr lang="en-US"/>
+          </a:p>
+        </p:txBody>
+      </p:sp>
+    </p:spTree>
+    <p:extLst>
+      <p:ext uri="{BB962C8B-B14F-4D97-AF65-F5344CB8AC3E}">
+        <p14:creationId xmlns:p14="http://schemas.microsoft.com/office/powerpoint/2010/main" val="2085464243"/>
+      </p:ext>
+    </p:extLst>
+  </p:cSld>
+  <p:clrMapOvr>
+    <a:masterClrMapping/>
+  </p:clrMapOvr>
+</p:notes>
+</file>
+
+<file path=ppt/notesSlides/notesSlide2.xml><?xml version="1.0" encoding="utf-8"?>
+<p:notes xmlns:a="http://schemas.openxmlformats.org/drawingml/2006/main" xmlns:r="http://schemas.openxmlformats.org/officeDocument/2006/relationships" xmlns:p="http://schemas.openxmlformats.org/presentationml/2006/main">
+  <p:cSld>
+    <p:spTree>
+      <p:nvGrpSpPr>
+        <p:cNvPr id="1" name=""/>
+        <p:cNvGrpSpPr/>
+        <p:nvPr/>
+      </p:nvGrpSpPr>
+      <p:grpSpPr>
+        <a:xfrm>
+          <a:off x="0" y="0"/>
+          <a:ext cx="0" cy="0"/>
+          <a:chOff x="0" y="0"/>
+          <a:chExt cx="0" cy="0"/>
+        </a:xfrm>
+      </p:grpSpPr>
+      <p:sp>
+        <p:nvSpPr>
+          <p:cNvPr id="2" name="Slide Image Placeholder 1"/>
+          <p:cNvSpPr>
+            <a:spLocks noGrp="1" noRot="1" noChangeAspect="1"/>
+          </p:cNvSpPr>
+          <p:nvPr>
+            <p:ph type="sldImg"/>
+          </p:nvPr>
+        </p:nvSpPr>
+        <p:spPr/>
+      </p:sp>
+      <p:sp>
+        <p:nvSpPr>
+          <p:cNvPr id="3" name="Notes Placeholder 2"/>
+          <p:cNvSpPr>
+            <a:spLocks noGrp="1"/>
+          </p:cNvSpPr>
+          <p:nvPr>
+            <p:ph type="body" idx="1"/>
+          </p:nvPr>
+        </p:nvSpPr>
+        <p:spPr/>
+        <p:txBody>
+          <a:bodyPr/>
+          <a:lstStyle/>
+          <a:p>
+            <a:r>
+              <a:rPr lang="en-US" dirty="0"/>
+              <a:t>GPT-Agents</a:t>
+            </a:r>
+          </a:p>
+        </p:txBody>
+      </p:sp>
+      <p:sp>
+        <p:nvSpPr>
+          <p:cNvPr id="4" name="Slide Number Placeholder 3"/>
+          <p:cNvSpPr>
+            <a:spLocks noGrp="1"/>
+          </p:cNvSpPr>
+          <p:nvPr>
+            <p:ph type="sldNum" sz="quarter" idx="5"/>
+          </p:nvPr>
+        </p:nvSpPr>
+        <p:spPr/>
+        <p:txBody>
+          <a:bodyPr/>
+          <a:lstStyle/>
+          <a:p>
+            <a:fld id="{D537CB0D-FD8F-437B-8EA1-4310BDC2B6BC}" type="slidenum">
+              <a:rPr lang="en-US" smtClean="0"/>
+              <a:t>2</a:t>
+            </a:fld>
+            <a:endParaRPr lang="en-US"/>
+          </a:p>
+        </p:txBody>
+      </p:sp>
+    </p:spTree>
+    <p:extLst>
+      <p:ext uri="{BB962C8B-B14F-4D97-AF65-F5344CB8AC3E}">
+        <p14:creationId xmlns:p14="http://schemas.microsoft.com/office/powerpoint/2010/main" val="3235507340"/>
+      </p:ext>
+    </p:extLst>
+  </p:cSld>
+  <p:clrMapOvr>
+    <a:masterClrMapping/>
+  </p:clrMapOvr>
+</p:notes>
 </file>
 
 <file path=ppt/slideLayouts/slideLayout1.xml><?xml version="1.0" encoding="utf-8"?>
@@ -4954,7 +5489,1871 @@
 </p:sld>
 </file>
 
+<file path=ppt/slides/slide2.xml><?xml version="1.0" encoding="utf-8"?>
+<p:sld xmlns:a="http://schemas.openxmlformats.org/drawingml/2006/main" xmlns:r="http://schemas.openxmlformats.org/officeDocument/2006/relationships" xmlns:p="http://schemas.openxmlformats.org/presentationml/2006/main">
+  <p:cSld>
+    <p:spTree>
+      <p:nvGrpSpPr>
+        <p:cNvPr id="1" name=""/>
+        <p:cNvGrpSpPr/>
+        <p:nvPr/>
+      </p:nvGrpSpPr>
+      <p:grpSpPr>
+        <a:xfrm>
+          <a:off x="0" y="0"/>
+          <a:ext cx="0" cy="0"/>
+          <a:chOff x="0" y="0"/>
+          <a:chExt cx="0" cy="0"/>
+        </a:xfrm>
+      </p:grpSpPr>
+      <p:sp>
+        <p:nvSpPr>
+          <p:cNvPr id="4" name="Rectangle 3">
+            <a:extLst>
+              <a:ext uri="{FF2B5EF4-FFF2-40B4-BE49-F238E27FC236}">
+                <a16:creationId xmlns:a16="http://schemas.microsoft.com/office/drawing/2014/main" id="{44402ADA-9BD3-F8A5-3A13-F439AF70C28F}"/>
+              </a:ext>
+            </a:extLst>
+          </p:cNvPr>
+          <p:cNvSpPr/>
+          <p:nvPr/>
+        </p:nvSpPr>
+        <p:spPr>
+          <a:xfrm>
+            <a:off x="1324302" y="437981"/>
+            <a:ext cx="9006472" cy="5816904"/>
+          </a:xfrm>
+          <a:prstGeom prst="rect">
+            <a:avLst/>
+          </a:prstGeom>
+          <a:solidFill>
+            <a:schemeClr val="accent6">
+              <a:lumMod val="20000"/>
+              <a:lumOff val="80000"/>
+            </a:schemeClr>
+          </a:solidFill>
+          <a:ln>
+            <a:solidFill>
+              <a:schemeClr val="tx1"/>
+            </a:solidFill>
+          </a:ln>
+          <a:effectLst>
+            <a:glow rad="101600">
+              <a:schemeClr val="accent3">
+                <a:satMod val="175000"/>
+                <a:alpha val="40000"/>
+              </a:schemeClr>
+            </a:glow>
+          </a:effectLst>
+        </p:spPr>
+        <p:style>
+          <a:lnRef idx="2">
+            <a:schemeClr val="accent1">
+              <a:shade val="50000"/>
+            </a:schemeClr>
+          </a:lnRef>
+          <a:fillRef idx="1">
+            <a:schemeClr val="accent1"/>
+          </a:fillRef>
+          <a:effectRef idx="0">
+            <a:schemeClr val="accent1"/>
+          </a:effectRef>
+          <a:fontRef idx="minor">
+            <a:schemeClr val="lt1"/>
+          </a:fontRef>
+        </p:style>
+        <p:txBody>
+          <a:bodyPr rtlCol="0" anchor="b" anchorCtr="0"/>
+          <a:lstStyle/>
+          <a:p>
+            <a:pPr algn="ctr"/>
+            <a:r>
+              <a:rPr lang="en-US" sz="1600" b="1" dirty="0">
+                <a:solidFill>
+                  <a:schemeClr val="tx1"/>
+                </a:solidFill>
+                <a:latin typeface="LXGW WenKai" panose="02020500000000000000" pitchFamily="18" charset="-120"/>
+                <a:ea typeface="LXGW WenKai" panose="02020500000000000000" pitchFamily="18" charset="-120"/>
+              </a:rPr>
+              <a:t>GPT-Agents</a:t>
+            </a:r>
+          </a:p>
+        </p:txBody>
+      </p:sp>
+      <p:sp>
+        <p:nvSpPr>
+          <p:cNvPr id="18" name="Rectangle 17">
+            <a:extLst>
+              <a:ext uri="{FF2B5EF4-FFF2-40B4-BE49-F238E27FC236}">
+                <a16:creationId xmlns:a16="http://schemas.microsoft.com/office/drawing/2014/main" id="{F9A13DD8-1A1B-732F-88E4-101524D7E147}"/>
+              </a:ext>
+            </a:extLst>
+          </p:cNvPr>
+          <p:cNvSpPr/>
+          <p:nvPr/>
+        </p:nvSpPr>
+        <p:spPr>
+          <a:xfrm>
+            <a:off x="9312051" y="5767188"/>
+            <a:ext cx="848209" cy="308049"/>
+          </a:xfrm>
+          <a:prstGeom prst="rect">
+            <a:avLst/>
+          </a:prstGeom>
+          <a:solidFill>
+            <a:schemeClr val="accent2">
+              <a:lumMod val="20000"/>
+              <a:lumOff val="80000"/>
+            </a:schemeClr>
+          </a:solidFill>
+          <a:ln>
+            <a:solidFill>
+              <a:schemeClr val="tx1"/>
+            </a:solidFill>
+            <a:prstDash val="dash"/>
+          </a:ln>
+        </p:spPr>
+        <p:style>
+          <a:lnRef idx="2">
+            <a:schemeClr val="accent1">
+              <a:shade val="50000"/>
+            </a:schemeClr>
+          </a:lnRef>
+          <a:fillRef idx="1">
+            <a:schemeClr val="accent1"/>
+          </a:fillRef>
+          <a:effectRef idx="0">
+            <a:schemeClr val="accent1"/>
+          </a:effectRef>
+          <a:fontRef idx="minor">
+            <a:schemeClr val="lt1"/>
+          </a:fontRef>
+        </p:style>
+        <p:txBody>
+          <a:bodyPr rtlCol="0" anchor="ctr" anchorCtr="1"/>
+          <a:lstStyle/>
+          <a:p>
+            <a:pPr algn="ctr"/>
+            <a:r>
+              <a:rPr lang="en-US" sz="1100" dirty="0">
+                <a:solidFill>
+                  <a:schemeClr val="tx1"/>
+                </a:solidFill>
+                <a:latin typeface="LXGW WenKai" panose="02020500000000000000" pitchFamily="18" charset="-120"/>
+                <a:ea typeface="LXGW WenKai" panose="02020500000000000000" pitchFamily="18" charset="-120"/>
+              </a:rPr>
+              <a:t>Manager</a:t>
+            </a:r>
+          </a:p>
+        </p:txBody>
+      </p:sp>
+      <p:sp>
+        <p:nvSpPr>
+          <p:cNvPr id="50" name="Rectangle 49">
+            <a:extLst>
+              <a:ext uri="{FF2B5EF4-FFF2-40B4-BE49-F238E27FC236}">
+                <a16:creationId xmlns:a16="http://schemas.microsoft.com/office/drawing/2014/main" id="{8BBD062D-3932-D5F7-67F9-E142136EB013}"/>
+              </a:ext>
+            </a:extLst>
+          </p:cNvPr>
+          <p:cNvSpPr/>
+          <p:nvPr/>
+        </p:nvSpPr>
+        <p:spPr>
+          <a:xfrm>
+            <a:off x="1906621" y="807396"/>
+            <a:ext cx="6177064" cy="4189691"/>
+          </a:xfrm>
+          <a:prstGeom prst="rect">
+            <a:avLst/>
+          </a:prstGeom>
+          <a:solidFill>
+            <a:schemeClr val="accent2">
+              <a:lumMod val="20000"/>
+              <a:lumOff val="80000"/>
+            </a:schemeClr>
+          </a:solidFill>
+          <a:ln>
+            <a:solidFill>
+              <a:schemeClr val="tx1"/>
+            </a:solidFill>
+          </a:ln>
+        </p:spPr>
+        <p:style>
+          <a:lnRef idx="2">
+            <a:schemeClr val="accent1">
+              <a:shade val="50000"/>
+            </a:schemeClr>
+          </a:lnRef>
+          <a:fillRef idx="1">
+            <a:schemeClr val="accent1"/>
+          </a:fillRef>
+          <a:effectRef idx="0">
+            <a:schemeClr val="accent1"/>
+          </a:effectRef>
+          <a:fontRef idx="minor">
+            <a:schemeClr val="lt1"/>
+          </a:fontRef>
+        </p:style>
+        <p:txBody>
+          <a:bodyPr rtlCol="0" anchor="b" anchorCtr="0"/>
+          <a:lstStyle/>
+          <a:p>
+            <a:pPr algn="ctr"/>
+            <a:r>
+              <a:rPr lang="en-US" sz="1400" dirty="0">
+                <a:solidFill>
+                  <a:schemeClr val="tx1"/>
+                </a:solidFill>
+                <a:latin typeface="LXGW WenKai" panose="02020500000000000000" pitchFamily="18" charset="-120"/>
+                <a:ea typeface="LXGW WenKai" panose="02020500000000000000" pitchFamily="18" charset="-120"/>
+              </a:rPr>
+              <a:t>Manager</a:t>
+            </a:r>
+          </a:p>
+        </p:txBody>
+      </p:sp>
+      <p:sp>
+        <p:nvSpPr>
+          <p:cNvPr id="75" name="Rectangle 74">
+            <a:extLst>
+              <a:ext uri="{FF2B5EF4-FFF2-40B4-BE49-F238E27FC236}">
+                <a16:creationId xmlns:a16="http://schemas.microsoft.com/office/drawing/2014/main" id="{44C68876-D9A9-1F96-3F1C-C2BB988232F8}"/>
+              </a:ext>
+            </a:extLst>
+          </p:cNvPr>
+          <p:cNvSpPr/>
+          <p:nvPr/>
+        </p:nvSpPr>
+        <p:spPr>
+          <a:xfrm>
+            <a:off x="6534696" y="3885677"/>
+            <a:ext cx="1371600" cy="457200"/>
+          </a:xfrm>
+          <a:prstGeom prst="rect">
+            <a:avLst/>
+          </a:prstGeom>
+          <a:solidFill>
+            <a:schemeClr val="accent4">
+              <a:lumMod val="20000"/>
+              <a:lumOff val="80000"/>
+            </a:schemeClr>
+          </a:solidFill>
+          <a:ln>
+            <a:solidFill>
+              <a:schemeClr val="tx1"/>
+            </a:solidFill>
+          </a:ln>
+        </p:spPr>
+        <p:style>
+          <a:lnRef idx="2">
+            <a:schemeClr val="accent1">
+              <a:shade val="50000"/>
+            </a:schemeClr>
+          </a:lnRef>
+          <a:fillRef idx="1">
+            <a:schemeClr val="accent1"/>
+          </a:fillRef>
+          <a:effectRef idx="0">
+            <a:schemeClr val="accent1"/>
+          </a:effectRef>
+          <a:fontRef idx="minor">
+            <a:schemeClr val="lt1"/>
+          </a:fontRef>
+        </p:style>
+        <p:txBody>
+          <a:bodyPr rtlCol="0" anchor="ctr" anchorCtr="1"/>
+          <a:lstStyle/>
+          <a:p>
+            <a:pPr algn="ctr"/>
+            <a:r>
+              <a:rPr lang="en-US" sz="1400" dirty="0">
+                <a:solidFill>
+                  <a:schemeClr val="tx1"/>
+                </a:solidFill>
+                <a:latin typeface="LXGW WenKai" panose="02020500000000000000" pitchFamily="18" charset="-120"/>
+                <a:ea typeface="LXGW WenKai" panose="02020500000000000000" pitchFamily="18" charset="-120"/>
+              </a:rPr>
+              <a:t>Knowledge</a:t>
+            </a:r>
+            <a:endParaRPr lang="en-US" sz="1600" dirty="0">
+              <a:solidFill>
+                <a:schemeClr val="tx1"/>
+              </a:solidFill>
+              <a:latin typeface="LXGW WenKai" panose="02020500000000000000" pitchFamily="18" charset="-120"/>
+              <a:ea typeface="LXGW WenKai" panose="02020500000000000000" pitchFamily="18" charset="-120"/>
+            </a:endParaRPr>
+          </a:p>
+        </p:txBody>
+      </p:sp>
+      <p:sp>
+        <p:nvSpPr>
+          <p:cNvPr id="77" name="Rectangle 76">
+            <a:extLst>
+              <a:ext uri="{FF2B5EF4-FFF2-40B4-BE49-F238E27FC236}">
+                <a16:creationId xmlns:a16="http://schemas.microsoft.com/office/drawing/2014/main" id="{E8620ACD-B15B-EF14-FC31-87AEE3C1C82D}"/>
+              </a:ext>
+            </a:extLst>
+          </p:cNvPr>
+          <p:cNvSpPr/>
+          <p:nvPr/>
+        </p:nvSpPr>
+        <p:spPr>
+          <a:xfrm>
+            <a:off x="6534696" y="1888186"/>
+            <a:ext cx="1371600" cy="640693"/>
+          </a:xfrm>
+          <a:prstGeom prst="rect">
+            <a:avLst/>
+          </a:prstGeom>
+          <a:solidFill>
+            <a:schemeClr val="accent4">
+              <a:lumMod val="20000"/>
+              <a:lumOff val="80000"/>
+            </a:schemeClr>
+          </a:solidFill>
+          <a:ln>
+            <a:solidFill>
+              <a:schemeClr val="tx1"/>
+            </a:solidFill>
+          </a:ln>
+        </p:spPr>
+        <p:style>
+          <a:lnRef idx="2">
+            <a:schemeClr val="accent1">
+              <a:shade val="50000"/>
+            </a:schemeClr>
+          </a:lnRef>
+          <a:fillRef idx="1">
+            <a:schemeClr val="accent1"/>
+          </a:fillRef>
+          <a:effectRef idx="0">
+            <a:schemeClr val="accent1"/>
+          </a:effectRef>
+          <a:fontRef idx="minor">
+            <a:schemeClr val="lt1"/>
+          </a:fontRef>
+        </p:style>
+        <p:txBody>
+          <a:bodyPr rtlCol="0" anchor="ctr" anchorCtr="1"/>
+          <a:lstStyle/>
+          <a:p>
+            <a:pPr algn="ctr"/>
+            <a:r>
+              <a:rPr lang="en-US" sz="1400" dirty="0">
+                <a:solidFill>
+                  <a:schemeClr val="tx1"/>
+                </a:solidFill>
+                <a:latin typeface="LXGW WenKai" panose="02020500000000000000" pitchFamily="18" charset="-120"/>
+                <a:ea typeface="LXGW WenKai" panose="02020500000000000000" pitchFamily="18" charset="-120"/>
+              </a:rPr>
+              <a:t>Global Contexts</a:t>
+            </a:r>
+          </a:p>
+        </p:txBody>
+      </p:sp>
+      <p:sp>
+        <p:nvSpPr>
+          <p:cNvPr id="89" name="Rectangle 88">
+            <a:extLst>
+              <a:ext uri="{FF2B5EF4-FFF2-40B4-BE49-F238E27FC236}">
+                <a16:creationId xmlns:a16="http://schemas.microsoft.com/office/drawing/2014/main" id="{3DD37A8C-A716-0782-2384-2753C896E362}"/>
+              </a:ext>
+            </a:extLst>
+          </p:cNvPr>
+          <p:cNvSpPr/>
+          <p:nvPr/>
+        </p:nvSpPr>
+        <p:spPr>
+          <a:xfrm>
+            <a:off x="8978631" y="4716814"/>
+            <a:ext cx="1181630" cy="308049"/>
+          </a:xfrm>
+          <a:prstGeom prst="rect">
+            <a:avLst/>
+          </a:prstGeom>
+          <a:solidFill>
+            <a:schemeClr val="accent4">
+              <a:lumMod val="20000"/>
+              <a:lumOff val="80000"/>
+            </a:schemeClr>
+          </a:solidFill>
+          <a:ln>
+            <a:solidFill>
+              <a:schemeClr val="tx1"/>
+            </a:solidFill>
+            <a:prstDash val="dash"/>
+          </a:ln>
+        </p:spPr>
+        <p:style>
+          <a:lnRef idx="2">
+            <a:schemeClr val="accent1">
+              <a:shade val="50000"/>
+            </a:schemeClr>
+          </a:lnRef>
+          <a:fillRef idx="1">
+            <a:schemeClr val="accent1"/>
+          </a:fillRef>
+          <a:effectRef idx="0">
+            <a:schemeClr val="accent1"/>
+          </a:effectRef>
+          <a:fontRef idx="minor">
+            <a:schemeClr val="lt1"/>
+          </a:fontRef>
+        </p:style>
+        <p:txBody>
+          <a:bodyPr rtlCol="0" anchor="ctr" anchorCtr="1"/>
+          <a:lstStyle/>
+          <a:p>
+            <a:pPr algn="ctr"/>
+            <a:r>
+              <a:rPr lang="en-US" sz="1100" dirty="0">
+                <a:solidFill>
+                  <a:schemeClr val="tx1"/>
+                </a:solidFill>
+                <a:latin typeface="LXGW WenKai" panose="02020500000000000000" pitchFamily="18" charset="-120"/>
+                <a:ea typeface="LXGW WenKai" panose="02020500000000000000" pitchFamily="18" charset="-120"/>
+              </a:rPr>
+              <a:t>Manager Data</a:t>
+            </a:r>
+          </a:p>
+        </p:txBody>
+      </p:sp>
+      <p:sp>
+        <p:nvSpPr>
+          <p:cNvPr id="105" name="Rectangle 104">
+            <a:extLst>
+              <a:ext uri="{FF2B5EF4-FFF2-40B4-BE49-F238E27FC236}">
+                <a16:creationId xmlns:a16="http://schemas.microsoft.com/office/drawing/2014/main" id="{1214C11B-A256-7176-4EFC-64EB301BEFA9}"/>
+              </a:ext>
+            </a:extLst>
+          </p:cNvPr>
+          <p:cNvSpPr/>
+          <p:nvPr/>
+        </p:nvSpPr>
+        <p:spPr>
+          <a:xfrm>
+            <a:off x="2373479" y="1124349"/>
+            <a:ext cx="2033151" cy="914400"/>
+          </a:xfrm>
+          <a:prstGeom prst="rect">
+            <a:avLst/>
+          </a:prstGeom>
+          <a:solidFill>
+            <a:schemeClr val="accent2">
+              <a:lumMod val="40000"/>
+              <a:lumOff val="60000"/>
+            </a:schemeClr>
+          </a:solidFill>
+          <a:ln>
+            <a:solidFill>
+              <a:schemeClr val="tx1"/>
+            </a:solidFill>
+          </a:ln>
+        </p:spPr>
+        <p:style>
+          <a:lnRef idx="2">
+            <a:schemeClr val="accent1">
+              <a:shade val="50000"/>
+            </a:schemeClr>
+          </a:lnRef>
+          <a:fillRef idx="1">
+            <a:schemeClr val="accent1"/>
+          </a:fillRef>
+          <a:effectRef idx="0">
+            <a:schemeClr val="accent1"/>
+          </a:effectRef>
+          <a:fontRef idx="minor">
+            <a:schemeClr val="lt1"/>
+          </a:fontRef>
+        </p:style>
+        <p:txBody>
+          <a:bodyPr rtlCol="0" anchor="b" anchorCtr="0"/>
+          <a:lstStyle/>
+          <a:p>
+            <a:pPr algn="ctr"/>
+            <a:r>
+              <a:rPr lang="en-US" sz="1400" dirty="0">
+                <a:solidFill>
+                  <a:schemeClr val="tx1"/>
+                </a:solidFill>
+                <a:latin typeface="LXGW WenKai" panose="02020500000000000000" pitchFamily="18" charset="-120"/>
+                <a:ea typeface="LXGW WenKai" panose="02020500000000000000" pitchFamily="18" charset="-120"/>
+              </a:rPr>
+              <a:t>Agent</a:t>
+            </a:r>
+          </a:p>
+        </p:txBody>
+      </p:sp>
+      <p:sp>
+        <p:nvSpPr>
+          <p:cNvPr id="108" name="Rectangle 107">
+            <a:extLst>
+              <a:ext uri="{FF2B5EF4-FFF2-40B4-BE49-F238E27FC236}">
+                <a16:creationId xmlns:a16="http://schemas.microsoft.com/office/drawing/2014/main" id="{DF6F82E6-1B4D-6F20-5C4A-BAC5F1A60D25}"/>
+              </a:ext>
+            </a:extLst>
+          </p:cNvPr>
+          <p:cNvSpPr/>
+          <p:nvPr/>
+        </p:nvSpPr>
+        <p:spPr>
+          <a:xfrm>
+            <a:off x="8978631" y="4226185"/>
+            <a:ext cx="1181629" cy="308049"/>
+          </a:xfrm>
+          <a:prstGeom prst="rect">
+            <a:avLst/>
+          </a:prstGeom>
+          <a:solidFill>
+            <a:schemeClr val="bg1">
+              <a:lumMod val="95000"/>
+            </a:schemeClr>
+          </a:solidFill>
+          <a:ln>
+            <a:solidFill>
+              <a:schemeClr val="tx1"/>
+            </a:solidFill>
+            <a:prstDash val="dash"/>
+          </a:ln>
+        </p:spPr>
+        <p:style>
+          <a:lnRef idx="2">
+            <a:schemeClr val="accent1">
+              <a:shade val="50000"/>
+            </a:schemeClr>
+          </a:lnRef>
+          <a:fillRef idx="1">
+            <a:schemeClr val="accent1"/>
+          </a:fillRef>
+          <a:effectRef idx="0">
+            <a:schemeClr val="accent1"/>
+          </a:effectRef>
+          <a:fontRef idx="minor">
+            <a:schemeClr val="lt1"/>
+          </a:fontRef>
+        </p:style>
+        <p:txBody>
+          <a:bodyPr rtlCol="0" anchor="ctr" anchorCtr="1"/>
+          <a:lstStyle/>
+          <a:p>
+            <a:pPr algn="ctr"/>
+            <a:r>
+              <a:rPr lang="en-US" sz="1100" dirty="0">
+                <a:solidFill>
+                  <a:schemeClr val="tx1"/>
+                </a:solidFill>
+                <a:latin typeface="LXGW WenKai" panose="02020500000000000000" pitchFamily="18" charset="-120"/>
+                <a:ea typeface="LXGW WenKai" panose="02020500000000000000" pitchFamily="18" charset="-120"/>
+              </a:rPr>
+              <a:t>Agent Data</a:t>
+            </a:r>
+          </a:p>
+        </p:txBody>
+      </p:sp>
+      <p:sp>
+        <p:nvSpPr>
+          <p:cNvPr id="76" name="Rectangle 75">
+            <a:extLst>
+              <a:ext uri="{FF2B5EF4-FFF2-40B4-BE49-F238E27FC236}">
+                <a16:creationId xmlns:a16="http://schemas.microsoft.com/office/drawing/2014/main" id="{5DDE9D0C-B83B-B506-FF0C-EDC49D03A075}"/>
+              </a:ext>
+            </a:extLst>
+          </p:cNvPr>
+          <p:cNvSpPr/>
+          <p:nvPr/>
+        </p:nvSpPr>
+        <p:spPr>
+          <a:xfrm>
+            <a:off x="2534866" y="1277253"/>
+            <a:ext cx="770430" cy="359761"/>
+          </a:xfrm>
+          <a:prstGeom prst="rect">
+            <a:avLst/>
+          </a:prstGeom>
+          <a:solidFill>
+            <a:schemeClr val="bg1">
+              <a:lumMod val="95000"/>
+            </a:schemeClr>
+          </a:solidFill>
+          <a:ln>
+            <a:solidFill>
+              <a:schemeClr val="tx1"/>
+            </a:solidFill>
+          </a:ln>
+        </p:spPr>
+        <p:style>
+          <a:lnRef idx="2">
+            <a:schemeClr val="accent1">
+              <a:shade val="50000"/>
+            </a:schemeClr>
+          </a:lnRef>
+          <a:fillRef idx="1">
+            <a:schemeClr val="accent1"/>
+          </a:fillRef>
+          <a:effectRef idx="0">
+            <a:schemeClr val="accent1"/>
+          </a:effectRef>
+          <a:fontRef idx="minor">
+            <a:schemeClr val="lt1"/>
+          </a:fontRef>
+        </p:style>
+        <p:txBody>
+          <a:bodyPr rtlCol="0" anchor="ctr" anchorCtr="1"/>
+          <a:lstStyle/>
+          <a:p>
+            <a:pPr algn="ctr"/>
+            <a:r>
+              <a:rPr lang="en-US" sz="1000" dirty="0">
+                <a:solidFill>
+                  <a:schemeClr val="tx1"/>
+                </a:solidFill>
+                <a:latin typeface="LXGW WenKai" panose="02020500000000000000" pitchFamily="18" charset="-120"/>
+                <a:ea typeface="LXGW WenKai" panose="02020500000000000000" pitchFamily="18" charset="-120"/>
+              </a:rPr>
+              <a:t>System prompts</a:t>
+            </a:r>
+            <a:endParaRPr lang="en-US" sz="1050" dirty="0">
+              <a:solidFill>
+                <a:schemeClr val="tx1"/>
+              </a:solidFill>
+              <a:latin typeface="LXGW WenKai" panose="02020500000000000000" pitchFamily="18" charset="-120"/>
+              <a:ea typeface="LXGW WenKai" panose="02020500000000000000" pitchFamily="18" charset="-120"/>
+            </a:endParaRPr>
+          </a:p>
+        </p:txBody>
+      </p:sp>
+      <p:sp>
+        <p:nvSpPr>
+          <p:cNvPr id="139" name="Rectangle 138">
+            <a:extLst>
+              <a:ext uri="{FF2B5EF4-FFF2-40B4-BE49-F238E27FC236}">
+                <a16:creationId xmlns:a16="http://schemas.microsoft.com/office/drawing/2014/main" id="{2C915C8B-9693-8987-029F-199D7C0DCE4A}"/>
+              </a:ext>
+            </a:extLst>
+          </p:cNvPr>
+          <p:cNvSpPr/>
+          <p:nvPr/>
+        </p:nvSpPr>
+        <p:spPr>
+          <a:xfrm>
+            <a:off x="3517280" y="1277253"/>
+            <a:ext cx="770430" cy="359761"/>
+          </a:xfrm>
+          <a:prstGeom prst="rect">
+            <a:avLst/>
+          </a:prstGeom>
+          <a:solidFill>
+            <a:schemeClr val="bg1">
+              <a:lumMod val="95000"/>
+            </a:schemeClr>
+          </a:solidFill>
+          <a:ln>
+            <a:solidFill>
+              <a:schemeClr val="tx1"/>
+            </a:solidFill>
+          </a:ln>
+        </p:spPr>
+        <p:style>
+          <a:lnRef idx="2">
+            <a:schemeClr val="accent1">
+              <a:shade val="50000"/>
+            </a:schemeClr>
+          </a:lnRef>
+          <a:fillRef idx="1">
+            <a:schemeClr val="accent1"/>
+          </a:fillRef>
+          <a:effectRef idx="0">
+            <a:schemeClr val="accent1"/>
+          </a:effectRef>
+          <a:fontRef idx="minor">
+            <a:schemeClr val="lt1"/>
+          </a:fontRef>
+        </p:style>
+        <p:txBody>
+          <a:bodyPr rtlCol="0" anchor="ctr" anchorCtr="1"/>
+          <a:lstStyle/>
+          <a:p>
+            <a:pPr algn="ctr"/>
+            <a:r>
+              <a:rPr lang="en-US" sz="1000" dirty="0">
+                <a:solidFill>
+                  <a:schemeClr val="tx1"/>
+                </a:solidFill>
+                <a:latin typeface="LXGW WenKai" panose="02020500000000000000" pitchFamily="18" charset="-120"/>
+                <a:ea typeface="LXGW WenKai" panose="02020500000000000000" pitchFamily="18" charset="-120"/>
+              </a:rPr>
+              <a:t>Chat</a:t>
+            </a:r>
+          </a:p>
+          <a:p>
+            <a:pPr algn="ctr"/>
+            <a:r>
+              <a:rPr lang="en-US" sz="1000" dirty="0">
+                <a:solidFill>
+                  <a:schemeClr val="tx1"/>
+                </a:solidFill>
+                <a:latin typeface="LXGW WenKai" panose="02020500000000000000" pitchFamily="18" charset="-120"/>
+                <a:ea typeface="LXGW WenKai" panose="02020500000000000000" pitchFamily="18" charset="-120"/>
+              </a:rPr>
+              <a:t>history</a:t>
+            </a:r>
+            <a:endParaRPr lang="en-US" sz="1050" dirty="0">
+              <a:solidFill>
+                <a:schemeClr val="tx1"/>
+              </a:solidFill>
+              <a:latin typeface="LXGW WenKai" panose="02020500000000000000" pitchFamily="18" charset="-120"/>
+              <a:ea typeface="LXGW WenKai" panose="02020500000000000000" pitchFamily="18" charset="-120"/>
+            </a:endParaRPr>
+          </a:p>
+        </p:txBody>
+      </p:sp>
+      <p:sp>
+        <p:nvSpPr>
+          <p:cNvPr id="140" name="Rectangle 139">
+            <a:extLst>
+              <a:ext uri="{FF2B5EF4-FFF2-40B4-BE49-F238E27FC236}">
+                <a16:creationId xmlns:a16="http://schemas.microsoft.com/office/drawing/2014/main" id="{3F4E18B8-7282-664E-294A-1DC6271F5490}"/>
+              </a:ext>
+            </a:extLst>
+          </p:cNvPr>
+          <p:cNvSpPr/>
+          <p:nvPr/>
+        </p:nvSpPr>
+        <p:spPr>
+          <a:xfrm>
+            <a:off x="2394714" y="2368209"/>
+            <a:ext cx="2033151" cy="914400"/>
+          </a:xfrm>
+          <a:prstGeom prst="rect">
+            <a:avLst/>
+          </a:prstGeom>
+          <a:solidFill>
+            <a:schemeClr val="accent2">
+              <a:lumMod val="40000"/>
+              <a:lumOff val="60000"/>
+            </a:schemeClr>
+          </a:solidFill>
+          <a:ln>
+            <a:solidFill>
+              <a:schemeClr val="tx1"/>
+            </a:solidFill>
+          </a:ln>
+        </p:spPr>
+        <p:style>
+          <a:lnRef idx="2">
+            <a:schemeClr val="accent1">
+              <a:shade val="50000"/>
+            </a:schemeClr>
+          </a:lnRef>
+          <a:fillRef idx="1">
+            <a:schemeClr val="accent1"/>
+          </a:fillRef>
+          <a:effectRef idx="0">
+            <a:schemeClr val="accent1"/>
+          </a:effectRef>
+          <a:fontRef idx="minor">
+            <a:schemeClr val="lt1"/>
+          </a:fontRef>
+        </p:style>
+        <p:txBody>
+          <a:bodyPr rtlCol="0" anchor="b" anchorCtr="0"/>
+          <a:lstStyle/>
+          <a:p>
+            <a:pPr algn="ctr"/>
+            <a:r>
+              <a:rPr lang="en-US" sz="1400" dirty="0">
+                <a:solidFill>
+                  <a:schemeClr val="tx1"/>
+                </a:solidFill>
+                <a:latin typeface="LXGW WenKai" panose="02020500000000000000" pitchFamily="18" charset="-120"/>
+                <a:ea typeface="LXGW WenKai" panose="02020500000000000000" pitchFamily="18" charset="-120"/>
+              </a:rPr>
+              <a:t>Agent</a:t>
+            </a:r>
+          </a:p>
+        </p:txBody>
+      </p:sp>
+      <p:sp>
+        <p:nvSpPr>
+          <p:cNvPr id="141" name="Rectangle 140">
+            <a:extLst>
+              <a:ext uri="{FF2B5EF4-FFF2-40B4-BE49-F238E27FC236}">
+                <a16:creationId xmlns:a16="http://schemas.microsoft.com/office/drawing/2014/main" id="{B9470EF6-B2B8-17B5-60F2-39024B4B359F}"/>
+              </a:ext>
+            </a:extLst>
+          </p:cNvPr>
+          <p:cNvSpPr/>
+          <p:nvPr/>
+        </p:nvSpPr>
+        <p:spPr>
+          <a:xfrm>
+            <a:off x="2534866" y="2528878"/>
+            <a:ext cx="770430" cy="359761"/>
+          </a:xfrm>
+          <a:prstGeom prst="rect">
+            <a:avLst/>
+          </a:prstGeom>
+          <a:solidFill>
+            <a:schemeClr val="bg1">
+              <a:lumMod val="95000"/>
+            </a:schemeClr>
+          </a:solidFill>
+          <a:ln>
+            <a:solidFill>
+              <a:schemeClr val="tx1"/>
+            </a:solidFill>
+          </a:ln>
+        </p:spPr>
+        <p:style>
+          <a:lnRef idx="2">
+            <a:schemeClr val="accent1">
+              <a:shade val="50000"/>
+            </a:schemeClr>
+          </a:lnRef>
+          <a:fillRef idx="1">
+            <a:schemeClr val="accent1"/>
+          </a:fillRef>
+          <a:effectRef idx="0">
+            <a:schemeClr val="accent1"/>
+          </a:effectRef>
+          <a:fontRef idx="minor">
+            <a:schemeClr val="lt1"/>
+          </a:fontRef>
+        </p:style>
+        <p:txBody>
+          <a:bodyPr rtlCol="0" anchor="ctr" anchorCtr="1"/>
+          <a:lstStyle/>
+          <a:p>
+            <a:pPr algn="ctr"/>
+            <a:r>
+              <a:rPr lang="en-US" sz="1000" dirty="0">
+                <a:solidFill>
+                  <a:schemeClr val="tx1"/>
+                </a:solidFill>
+                <a:latin typeface="LXGW WenKai" panose="02020500000000000000" pitchFamily="18" charset="-120"/>
+                <a:ea typeface="LXGW WenKai" panose="02020500000000000000" pitchFamily="18" charset="-120"/>
+              </a:rPr>
+              <a:t>System prompts</a:t>
+            </a:r>
+            <a:endParaRPr lang="en-US" sz="1050" dirty="0">
+              <a:solidFill>
+                <a:schemeClr val="tx1"/>
+              </a:solidFill>
+              <a:latin typeface="LXGW WenKai" panose="02020500000000000000" pitchFamily="18" charset="-120"/>
+              <a:ea typeface="LXGW WenKai" panose="02020500000000000000" pitchFamily="18" charset="-120"/>
+            </a:endParaRPr>
+          </a:p>
+        </p:txBody>
+      </p:sp>
+      <p:sp>
+        <p:nvSpPr>
+          <p:cNvPr id="142" name="Rectangle 141">
+            <a:extLst>
+              <a:ext uri="{FF2B5EF4-FFF2-40B4-BE49-F238E27FC236}">
+                <a16:creationId xmlns:a16="http://schemas.microsoft.com/office/drawing/2014/main" id="{CBFEEC7A-4A15-DB6B-15C8-5F074E904B67}"/>
+              </a:ext>
+            </a:extLst>
+          </p:cNvPr>
+          <p:cNvSpPr/>
+          <p:nvPr/>
+        </p:nvSpPr>
+        <p:spPr>
+          <a:xfrm>
+            <a:off x="3517280" y="2528878"/>
+            <a:ext cx="770430" cy="359761"/>
+          </a:xfrm>
+          <a:prstGeom prst="rect">
+            <a:avLst/>
+          </a:prstGeom>
+          <a:solidFill>
+            <a:schemeClr val="bg1">
+              <a:lumMod val="95000"/>
+            </a:schemeClr>
+          </a:solidFill>
+          <a:ln>
+            <a:solidFill>
+              <a:schemeClr val="tx1"/>
+            </a:solidFill>
+          </a:ln>
+        </p:spPr>
+        <p:style>
+          <a:lnRef idx="2">
+            <a:schemeClr val="accent1">
+              <a:shade val="50000"/>
+            </a:schemeClr>
+          </a:lnRef>
+          <a:fillRef idx="1">
+            <a:schemeClr val="accent1"/>
+          </a:fillRef>
+          <a:effectRef idx="0">
+            <a:schemeClr val="accent1"/>
+          </a:effectRef>
+          <a:fontRef idx="minor">
+            <a:schemeClr val="lt1"/>
+          </a:fontRef>
+        </p:style>
+        <p:txBody>
+          <a:bodyPr rtlCol="0" anchor="ctr" anchorCtr="1"/>
+          <a:lstStyle/>
+          <a:p>
+            <a:pPr algn="ctr"/>
+            <a:r>
+              <a:rPr lang="en-US" sz="1000" dirty="0">
+                <a:solidFill>
+                  <a:schemeClr val="tx1"/>
+                </a:solidFill>
+                <a:latin typeface="LXGW WenKai" panose="02020500000000000000" pitchFamily="18" charset="-120"/>
+                <a:ea typeface="LXGW WenKai" panose="02020500000000000000" pitchFamily="18" charset="-120"/>
+              </a:rPr>
+              <a:t>Chat</a:t>
+            </a:r>
+          </a:p>
+          <a:p>
+            <a:pPr algn="ctr"/>
+            <a:r>
+              <a:rPr lang="en-US" sz="1000" dirty="0">
+                <a:solidFill>
+                  <a:schemeClr val="tx1"/>
+                </a:solidFill>
+                <a:latin typeface="LXGW WenKai" panose="02020500000000000000" pitchFamily="18" charset="-120"/>
+                <a:ea typeface="LXGW WenKai" panose="02020500000000000000" pitchFamily="18" charset="-120"/>
+              </a:rPr>
+              <a:t>History</a:t>
+            </a:r>
+            <a:endParaRPr lang="en-US" sz="1050" dirty="0">
+              <a:solidFill>
+                <a:schemeClr val="tx1"/>
+              </a:solidFill>
+              <a:latin typeface="LXGW WenKai" panose="02020500000000000000" pitchFamily="18" charset="-120"/>
+              <a:ea typeface="LXGW WenKai" panose="02020500000000000000" pitchFamily="18" charset="-120"/>
+            </a:endParaRPr>
+          </a:p>
+        </p:txBody>
+      </p:sp>
+      <p:sp>
+        <p:nvSpPr>
+          <p:cNvPr id="143" name="Rectangle 142">
+            <a:extLst>
+              <a:ext uri="{FF2B5EF4-FFF2-40B4-BE49-F238E27FC236}">
+                <a16:creationId xmlns:a16="http://schemas.microsoft.com/office/drawing/2014/main" id="{B5FD6F14-F11F-8D87-FEE2-5494426F1A72}"/>
+              </a:ext>
+            </a:extLst>
+          </p:cNvPr>
+          <p:cNvSpPr/>
+          <p:nvPr/>
+        </p:nvSpPr>
+        <p:spPr>
+          <a:xfrm>
+            <a:off x="2373479" y="3619834"/>
+            <a:ext cx="2033151" cy="914400"/>
+          </a:xfrm>
+          <a:prstGeom prst="rect">
+            <a:avLst/>
+          </a:prstGeom>
+          <a:solidFill>
+            <a:schemeClr val="accent2">
+              <a:lumMod val="40000"/>
+              <a:lumOff val="60000"/>
+            </a:schemeClr>
+          </a:solidFill>
+          <a:ln>
+            <a:solidFill>
+              <a:schemeClr val="tx1"/>
+            </a:solidFill>
+          </a:ln>
+        </p:spPr>
+        <p:style>
+          <a:lnRef idx="2">
+            <a:schemeClr val="accent1">
+              <a:shade val="50000"/>
+            </a:schemeClr>
+          </a:lnRef>
+          <a:fillRef idx="1">
+            <a:schemeClr val="accent1"/>
+          </a:fillRef>
+          <a:effectRef idx="0">
+            <a:schemeClr val="accent1"/>
+          </a:effectRef>
+          <a:fontRef idx="minor">
+            <a:schemeClr val="lt1"/>
+          </a:fontRef>
+        </p:style>
+        <p:txBody>
+          <a:bodyPr rtlCol="0" anchor="b" anchorCtr="0"/>
+          <a:lstStyle/>
+          <a:p>
+            <a:pPr algn="ctr"/>
+            <a:r>
+              <a:rPr lang="en-US" sz="1400" dirty="0">
+                <a:solidFill>
+                  <a:schemeClr val="tx1"/>
+                </a:solidFill>
+                <a:latin typeface="LXGW WenKai" panose="02020500000000000000" pitchFamily="18" charset="-120"/>
+                <a:ea typeface="LXGW WenKai" panose="02020500000000000000" pitchFamily="18" charset="-120"/>
+              </a:rPr>
+              <a:t>Agent</a:t>
+            </a:r>
+          </a:p>
+        </p:txBody>
+      </p:sp>
+      <p:sp>
+        <p:nvSpPr>
+          <p:cNvPr id="144" name="Rectangle 143">
+            <a:extLst>
+              <a:ext uri="{FF2B5EF4-FFF2-40B4-BE49-F238E27FC236}">
+                <a16:creationId xmlns:a16="http://schemas.microsoft.com/office/drawing/2014/main" id="{91FED968-9E3F-7EAE-6E2E-84A4B4A9BCD2}"/>
+              </a:ext>
+            </a:extLst>
+          </p:cNvPr>
+          <p:cNvSpPr/>
+          <p:nvPr/>
+        </p:nvSpPr>
+        <p:spPr>
+          <a:xfrm>
+            <a:off x="2534866" y="3797862"/>
+            <a:ext cx="770430" cy="359761"/>
+          </a:xfrm>
+          <a:prstGeom prst="rect">
+            <a:avLst/>
+          </a:prstGeom>
+          <a:solidFill>
+            <a:schemeClr val="bg1">
+              <a:lumMod val="95000"/>
+            </a:schemeClr>
+          </a:solidFill>
+          <a:ln>
+            <a:solidFill>
+              <a:schemeClr val="tx1"/>
+            </a:solidFill>
+          </a:ln>
+        </p:spPr>
+        <p:style>
+          <a:lnRef idx="2">
+            <a:schemeClr val="accent1">
+              <a:shade val="50000"/>
+            </a:schemeClr>
+          </a:lnRef>
+          <a:fillRef idx="1">
+            <a:schemeClr val="accent1"/>
+          </a:fillRef>
+          <a:effectRef idx="0">
+            <a:schemeClr val="accent1"/>
+          </a:effectRef>
+          <a:fontRef idx="minor">
+            <a:schemeClr val="lt1"/>
+          </a:fontRef>
+        </p:style>
+        <p:txBody>
+          <a:bodyPr rtlCol="0" anchor="ctr" anchorCtr="1"/>
+          <a:lstStyle/>
+          <a:p>
+            <a:pPr algn="ctr"/>
+            <a:r>
+              <a:rPr lang="en-US" sz="1000" dirty="0">
+                <a:solidFill>
+                  <a:schemeClr val="tx1"/>
+                </a:solidFill>
+                <a:latin typeface="LXGW WenKai" panose="02020500000000000000" pitchFamily="18" charset="-120"/>
+                <a:ea typeface="LXGW WenKai" panose="02020500000000000000" pitchFamily="18" charset="-120"/>
+              </a:rPr>
+              <a:t>System prompts</a:t>
+            </a:r>
+            <a:endParaRPr lang="en-US" sz="1050" dirty="0">
+              <a:solidFill>
+                <a:schemeClr val="tx1"/>
+              </a:solidFill>
+              <a:latin typeface="LXGW WenKai" panose="02020500000000000000" pitchFamily="18" charset="-120"/>
+              <a:ea typeface="LXGW WenKai" panose="02020500000000000000" pitchFamily="18" charset="-120"/>
+            </a:endParaRPr>
+          </a:p>
+        </p:txBody>
+      </p:sp>
+      <p:sp>
+        <p:nvSpPr>
+          <p:cNvPr id="145" name="Rectangle 144">
+            <a:extLst>
+              <a:ext uri="{FF2B5EF4-FFF2-40B4-BE49-F238E27FC236}">
+                <a16:creationId xmlns:a16="http://schemas.microsoft.com/office/drawing/2014/main" id="{BD16667A-49D0-712E-D96E-003D719DA2D4}"/>
+              </a:ext>
+            </a:extLst>
+          </p:cNvPr>
+          <p:cNvSpPr/>
+          <p:nvPr/>
+        </p:nvSpPr>
+        <p:spPr>
+          <a:xfrm>
+            <a:off x="3517280" y="3797862"/>
+            <a:ext cx="770430" cy="359761"/>
+          </a:xfrm>
+          <a:prstGeom prst="rect">
+            <a:avLst/>
+          </a:prstGeom>
+          <a:solidFill>
+            <a:schemeClr val="bg1">
+              <a:lumMod val="95000"/>
+            </a:schemeClr>
+          </a:solidFill>
+          <a:ln>
+            <a:solidFill>
+              <a:schemeClr val="tx1"/>
+            </a:solidFill>
+          </a:ln>
+        </p:spPr>
+        <p:style>
+          <a:lnRef idx="2">
+            <a:schemeClr val="accent1">
+              <a:shade val="50000"/>
+            </a:schemeClr>
+          </a:lnRef>
+          <a:fillRef idx="1">
+            <a:schemeClr val="accent1"/>
+          </a:fillRef>
+          <a:effectRef idx="0">
+            <a:schemeClr val="accent1"/>
+          </a:effectRef>
+          <a:fontRef idx="minor">
+            <a:schemeClr val="lt1"/>
+          </a:fontRef>
+        </p:style>
+        <p:txBody>
+          <a:bodyPr rtlCol="0" anchor="ctr" anchorCtr="1"/>
+          <a:lstStyle/>
+          <a:p>
+            <a:pPr algn="ctr"/>
+            <a:r>
+              <a:rPr lang="en-US" sz="1000" dirty="0">
+                <a:solidFill>
+                  <a:schemeClr val="tx1"/>
+                </a:solidFill>
+                <a:latin typeface="LXGW WenKai" panose="02020500000000000000" pitchFamily="18" charset="-120"/>
+                <a:ea typeface="LXGW WenKai" panose="02020500000000000000" pitchFamily="18" charset="-120"/>
+              </a:rPr>
+              <a:t>Chat</a:t>
+            </a:r>
+          </a:p>
+          <a:p>
+            <a:pPr algn="ctr"/>
+            <a:r>
+              <a:rPr lang="en-US" sz="1000" dirty="0">
+                <a:solidFill>
+                  <a:schemeClr val="tx1"/>
+                </a:solidFill>
+                <a:latin typeface="LXGW WenKai" panose="02020500000000000000" pitchFamily="18" charset="-120"/>
+                <a:ea typeface="LXGW WenKai" panose="02020500000000000000" pitchFamily="18" charset="-120"/>
+              </a:rPr>
+              <a:t>History</a:t>
+            </a:r>
+            <a:endParaRPr lang="en-US" sz="1050" dirty="0">
+              <a:solidFill>
+                <a:schemeClr val="tx1"/>
+              </a:solidFill>
+              <a:latin typeface="LXGW WenKai" panose="02020500000000000000" pitchFamily="18" charset="-120"/>
+              <a:ea typeface="LXGW WenKai" panose="02020500000000000000" pitchFamily="18" charset="-120"/>
+            </a:endParaRPr>
+          </a:p>
+        </p:txBody>
+      </p:sp>
+      <p:sp>
+        <p:nvSpPr>
+          <p:cNvPr id="146" name="Rectangle 145">
+            <a:extLst>
+              <a:ext uri="{FF2B5EF4-FFF2-40B4-BE49-F238E27FC236}">
+                <a16:creationId xmlns:a16="http://schemas.microsoft.com/office/drawing/2014/main" id="{2F241573-1DFB-B4E8-A247-315E4818D5AC}"/>
+              </a:ext>
+            </a:extLst>
+          </p:cNvPr>
+          <p:cNvSpPr/>
+          <p:nvPr/>
+        </p:nvSpPr>
+        <p:spPr>
+          <a:xfrm>
+            <a:off x="9312051" y="5276558"/>
+            <a:ext cx="848209" cy="308049"/>
+          </a:xfrm>
+          <a:prstGeom prst="rect">
+            <a:avLst/>
+          </a:prstGeom>
+          <a:solidFill>
+            <a:schemeClr val="accent2">
+              <a:lumMod val="40000"/>
+              <a:lumOff val="60000"/>
+            </a:schemeClr>
+          </a:solidFill>
+          <a:ln>
+            <a:solidFill>
+              <a:schemeClr val="tx1"/>
+            </a:solidFill>
+            <a:prstDash val="dash"/>
+          </a:ln>
+        </p:spPr>
+        <p:style>
+          <a:lnRef idx="2">
+            <a:schemeClr val="accent1">
+              <a:shade val="50000"/>
+            </a:schemeClr>
+          </a:lnRef>
+          <a:fillRef idx="1">
+            <a:schemeClr val="accent1"/>
+          </a:fillRef>
+          <a:effectRef idx="0">
+            <a:schemeClr val="accent1"/>
+          </a:effectRef>
+          <a:fontRef idx="minor">
+            <a:schemeClr val="lt1"/>
+          </a:fontRef>
+        </p:style>
+        <p:txBody>
+          <a:bodyPr rtlCol="0" anchor="ctr" anchorCtr="1"/>
+          <a:lstStyle/>
+          <a:p>
+            <a:pPr algn="ctr"/>
+            <a:r>
+              <a:rPr lang="en-US" sz="1100" dirty="0">
+                <a:solidFill>
+                  <a:schemeClr val="tx1"/>
+                </a:solidFill>
+                <a:latin typeface="LXGW WenKai" panose="02020500000000000000" pitchFamily="18" charset="-120"/>
+                <a:ea typeface="LXGW WenKai" panose="02020500000000000000" pitchFamily="18" charset="-120"/>
+              </a:rPr>
+              <a:t>Agent</a:t>
+            </a:r>
+          </a:p>
+        </p:txBody>
+      </p:sp>
+      <p:cxnSp>
+        <p:nvCxnSpPr>
+          <p:cNvPr id="147" name="Connector: Elbow 146">
+            <a:extLst>
+              <a:ext uri="{FF2B5EF4-FFF2-40B4-BE49-F238E27FC236}">
+                <a16:creationId xmlns:a16="http://schemas.microsoft.com/office/drawing/2014/main" id="{58ECAB7D-063C-3497-99B4-5752BD3EE406}"/>
+              </a:ext>
+            </a:extLst>
+          </p:cNvPr>
+          <p:cNvCxnSpPr>
+            <a:cxnSpLocks/>
+            <a:stCxn id="77" idx="0"/>
+            <a:endCxn id="76" idx="0"/>
+          </p:cNvCxnSpPr>
+          <p:nvPr/>
+        </p:nvCxnSpPr>
+        <p:spPr>
+          <a:xfrm rot="16200000" flipV="1">
+            <a:off x="4764823" y="-567488"/>
+            <a:ext cx="610933" cy="4300415"/>
+          </a:xfrm>
+          <a:prstGeom prst="bentConnector3">
+            <a:avLst>
+              <a:gd name="adj1" fmla="val 143787"/>
+            </a:avLst>
+          </a:prstGeom>
+          <a:ln w="9525">
+            <a:solidFill>
+              <a:schemeClr val="tx1"/>
+            </a:solidFill>
+            <a:prstDash val="dash"/>
+            <a:headEnd type="triangle"/>
+            <a:tailEnd type="triangle"/>
+          </a:ln>
+        </p:spPr>
+        <p:style>
+          <a:lnRef idx="1">
+            <a:schemeClr val="accent1"/>
+          </a:lnRef>
+          <a:fillRef idx="0">
+            <a:schemeClr val="accent1"/>
+          </a:fillRef>
+          <a:effectRef idx="0">
+            <a:schemeClr val="accent1"/>
+          </a:effectRef>
+          <a:fontRef idx="minor">
+            <a:schemeClr val="tx1"/>
+          </a:fontRef>
+        </p:style>
+      </p:cxnSp>
+      <p:cxnSp>
+        <p:nvCxnSpPr>
+          <p:cNvPr id="152" name="Connector: Elbow 151">
+            <a:extLst>
+              <a:ext uri="{FF2B5EF4-FFF2-40B4-BE49-F238E27FC236}">
+                <a16:creationId xmlns:a16="http://schemas.microsoft.com/office/drawing/2014/main" id="{E0F8D9DA-5181-2F80-AF0D-1A1C1C83DD97}"/>
+              </a:ext>
+            </a:extLst>
+          </p:cNvPr>
+          <p:cNvCxnSpPr>
+            <a:cxnSpLocks/>
+            <a:stCxn id="77" idx="1"/>
+            <a:endCxn id="141" idx="0"/>
+          </p:cNvCxnSpPr>
+          <p:nvPr/>
+        </p:nvCxnSpPr>
+        <p:spPr>
+          <a:xfrm rot="10800000" flipV="1">
+            <a:off x="2920082" y="2208532"/>
+            <a:ext cx="3614615" cy="320345"/>
+          </a:xfrm>
+          <a:prstGeom prst="bentConnector2">
+            <a:avLst/>
+          </a:prstGeom>
+          <a:ln w="9525">
+            <a:solidFill>
+              <a:schemeClr val="tx1"/>
+            </a:solidFill>
+            <a:prstDash val="dash"/>
+            <a:headEnd type="triangle"/>
+            <a:tailEnd type="triangle"/>
+          </a:ln>
+        </p:spPr>
+        <p:style>
+          <a:lnRef idx="1">
+            <a:schemeClr val="accent1"/>
+          </a:lnRef>
+          <a:fillRef idx="0">
+            <a:schemeClr val="accent1"/>
+          </a:fillRef>
+          <a:effectRef idx="0">
+            <a:schemeClr val="accent1"/>
+          </a:effectRef>
+          <a:fontRef idx="minor">
+            <a:schemeClr val="tx1"/>
+          </a:fontRef>
+        </p:style>
+      </p:cxnSp>
+      <p:cxnSp>
+        <p:nvCxnSpPr>
+          <p:cNvPr id="155" name="Connector: Elbow 154">
+            <a:extLst>
+              <a:ext uri="{FF2B5EF4-FFF2-40B4-BE49-F238E27FC236}">
+                <a16:creationId xmlns:a16="http://schemas.microsoft.com/office/drawing/2014/main" id="{B610ECF4-E72B-70CD-6D29-99F74420E889}"/>
+              </a:ext>
+            </a:extLst>
+          </p:cNvPr>
+          <p:cNvCxnSpPr>
+            <a:cxnSpLocks/>
+            <a:stCxn id="77" idx="2"/>
+            <a:endCxn id="144" idx="0"/>
+          </p:cNvCxnSpPr>
+          <p:nvPr/>
+        </p:nvCxnSpPr>
+        <p:spPr>
+          <a:xfrm rot="5400000">
+            <a:off x="4435798" y="1013163"/>
+            <a:ext cx="1268983" cy="4300415"/>
+          </a:xfrm>
+          <a:prstGeom prst="bentConnector3">
+            <a:avLst>
+              <a:gd name="adj1" fmla="val 74530"/>
+            </a:avLst>
+          </a:prstGeom>
+          <a:ln w="9525">
+            <a:solidFill>
+              <a:schemeClr val="tx1"/>
+            </a:solidFill>
+            <a:prstDash val="dash"/>
+            <a:headEnd type="triangle"/>
+            <a:tailEnd type="triangle"/>
+          </a:ln>
+        </p:spPr>
+        <p:style>
+          <a:lnRef idx="1">
+            <a:schemeClr val="accent1"/>
+          </a:lnRef>
+          <a:fillRef idx="0">
+            <a:schemeClr val="accent1"/>
+          </a:fillRef>
+          <a:effectRef idx="0">
+            <a:schemeClr val="accent1"/>
+          </a:effectRef>
+          <a:fontRef idx="minor">
+            <a:schemeClr val="tx1"/>
+          </a:fontRef>
+        </p:style>
+      </p:cxnSp>
+      <p:cxnSp>
+        <p:nvCxnSpPr>
+          <p:cNvPr id="163" name="Connector: Elbow 162">
+            <a:extLst>
+              <a:ext uri="{FF2B5EF4-FFF2-40B4-BE49-F238E27FC236}">
+                <a16:creationId xmlns:a16="http://schemas.microsoft.com/office/drawing/2014/main" id="{0FE27888-A62C-8AE2-B24B-F57490930192}"/>
+              </a:ext>
+            </a:extLst>
+          </p:cNvPr>
+          <p:cNvCxnSpPr>
+            <a:cxnSpLocks/>
+            <a:stCxn id="77" idx="1"/>
+            <a:endCxn id="142" idx="0"/>
+          </p:cNvCxnSpPr>
+          <p:nvPr/>
+        </p:nvCxnSpPr>
+        <p:spPr>
+          <a:xfrm rot="10800000" flipV="1">
+            <a:off x="3902496" y="2208532"/>
+            <a:ext cx="2632201" cy="320345"/>
+          </a:xfrm>
+          <a:prstGeom prst="bentConnector2">
+            <a:avLst/>
+          </a:prstGeom>
+          <a:ln w="9525">
+            <a:solidFill>
+              <a:schemeClr val="tx1"/>
+            </a:solidFill>
+            <a:prstDash val="dash"/>
+            <a:headEnd type="triangle"/>
+            <a:tailEnd type="triangle"/>
+          </a:ln>
+        </p:spPr>
+        <p:style>
+          <a:lnRef idx="1">
+            <a:schemeClr val="accent1"/>
+          </a:lnRef>
+          <a:fillRef idx="0">
+            <a:schemeClr val="accent1"/>
+          </a:fillRef>
+          <a:effectRef idx="0">
+            <a:schemeClr val="accent1"/>
+          </a:effectRef>
+          <a:fontRef idx="minor">
+            <a:schemeClr val="tx1"/>
+          </a:fontRef>
+        </p:style>
+      </p:cxnSp>
+      <p:cxnSp>
+        <p:nvCxnSpPr>
+          <p:cNvPr id="167" name="Connector: Elbow 166">
+            <a:extLst>
+              <a:ext uri="{FF2B5EF4-FFF2-40B4-BE49-F238E27FC236}">
+                <a16:creationId xmlns:a16="http://schemas.microsoft.com/office/drawing/2014/main" id="{D88E1486-A9EA-09B1-DB52-912EF09BB8E6}"/>
+              </a:ext>
+            </a:extLst>
+          </p:cNvPr>
+          <p:cNvCxnSpPr>
+            <a:cxnSpLocks/>
+            <a:stCxn id="77" idx="2"/>
+            <a:endCxn id="145" idx="0"/>
+          </p:cNvCxnSpPr>
+          <p:nvPr/>
+        </p:nvCxnSpPr>
+        <p:spPr>
+          <a:xfrm rot="5400000">
+            <a:off x="4927005" y="1504370"/>
+            <a:ext cx="1268983" cy="3318001"/>
+          </a:xfrm>
+          <a:prstGeom prst="bentConnector3">
+            <a:avLst>
+              <a:gd name="adj1" fmla="val 74530"/>
+            </a:avLst>
+          </a:prstGeom>
+          <a:ln w="9525">
+            <a:solidFill>
+              <a:schemeClr val="tx1"/>
+            </a:solidFill>
+            <a:prstDash val="dash"/>
+            <a:headEnd type="triangle"/>
+            <a:tailEnd type="triangle"/>
+          </a:ln>
+        </p:spPr>
+        <p:style>
+          <a:lnRef idx="1">
+            <a:schemeClr val="accent1"/>
+          </a:lnRef>
+          <a:fillRef idx="0">
+            <a:schemeClr val="accent1"/>
+          </a:fillRef>
+          <a:effectRef idx="0">
+            <a:schemeClr val="accent1"/>
+          </a:effectRef>
+          <a:fontRef idx="minor">
+            <a:schemeClr val="tx1"/>
+          </a:fontRef>
+        </p:style>
+      </p:cxnSp>
+      <p:cxnSp>
+        <p:nvCxnSpPr>
+          <p:cNvPr id="170" name="Connector: Elbow 169">
+            <a:extLst>
+              <a:ext uri="{FF2B5EF4-FFF2-40B4-BE49-F238E27FC236}">
+                <a16:creationId xmlns:a16="http://schemas.microsoft.com/office/drawing/2014/main" id="{EBF495D6-F8BE-408D-9041-EF68C7867D46}"/>
+              </a:ext>
+            </a:extLst>
+          </p:cNvPr>
+          <p:cNvCxnSpPr>
+            <a:cxnSpLocks/>
+            <a:stCxn id="77" idx="0"/>
+            <a:endCxn id="139" idx="0"/>
+          </p:cNvCxnSpPr>
+          <p:nvPr/>
+        </p:nvCxnSpPr>
+        <p:spPr>
+          <a:xfrm rot="16200000" flipV="1">
+            <a:off x="5256030" y="-76281"/>
+            <a:ext cx="610933" cy="3318001"/>
+          </a:xfrm>
+          <a:prstGeom prst="bentConnector3">
+            <a:avLst>
+              <a:gd name="adj1" fmla="val 143787"/>
+            </a:avLst>
+          </a:prstGeom>
+          <a:ln w="9525">
+            <a:solidFill>
+              <a:schemeClr val="tx1"/>
+            </a:solidFill>
+            <a:prstDash val="dash"/>
+            <a:headEnd type="triangle"/>
+            <a:tailEnd type="triangle"/>
+          </a:ln>
+        </p:spPr>
+        <p:style>
+          <a:lnRef idx="1">
+            <a:schemeClr val="accent1"/>
+          </a:lnRef>
+          <a:fillRef idx="0">
+            <a:schemeClr val="accent1"/>
+          </a:fillRef>
+          <a:effectRef idx="0">
+            <a:schemeClr val="accent1"/>
+          </a:effectRef>
+          <a:fontRef idx="minor">
+            <a:schemeClr val="tx1"/>
+          </a:fontRef>
+        </p:style>
+      </p:cxnSp>
+    </p:spTree>
+    <p:extLst>
+      <p:ext uri="{BB962C8B-B14F-4D97-AF65-F5344CB8AC3E}">
+        <p14:creationId xmlns:p14="http://schemas.microsoft.com/office/powerpoint/2010/main" val="2831052583"/>
+      </p:ext>
+    </p:extLst>
+  </p:cSld>
+  <p:clrMapOvr>
+    <a:masterClrMapping/>
+  </p:clrMapOvr>
+</p:sld>
+</file>
+
 <file path=ppt/theme/theme1.xml><?xml version="1.0" encoding="utf-8"?>
+<a:theme xmlns:a="http://schemas.openxmlformats.org/drawingml/2006/main" name="Office Theme">
+  <a:themeElements>
+    <a:clrScheme name="Office">
+      <a:dk1>
+        <a:sysClr val="windowText" lastClr="000000"/>
+      </a:dk1>
+      <a:lt1>
+        <a:sysClr val="window" lastClr="FFFFFF"/>
+      </a:lt1>
+      <a:dk2>
+        <a:srgbClr val="44546A"/>
+      </a:dk2>
+      <a:lt2>
+        <a:srgbClr val="E7E6E6"/>
+      </a:lt2>
+      <a:accent1>
+        <a:srgbClr val="4472C4"/>
+      </a:accent1>
+      <a:accent2>
+        <a:srgbClr val="ED7D31"/>
+      </a:accent2>
+      <a:accent3>
+        <a:srgbClr val="A5A5A5"/>
+      </a:accent3>
+      <a:accent4>
+        <a:srgbClr val="FFC000"/>
+      </a:accent4>
+      <a:accent5>
+        <a:srgbClr val="5B9BD5"/>
+      </a:accent5>
+      <a:accent6>
+        <a:srgbClr val="70AD47"/>
+      </a:accent6>
+      <a:hlink>
+        <a:srgbClr val="0563C1"/>
+      </a:hlink>
+      <a:folHlink>
+        <a:srgbClr val="954F72"/>
+      </a:folHlink>
+    </a:clrScheme>
+    <a:fontScheme name="Office">
+      <a:majorFont>
+        <a:latin typeface="Calibri Light" panose="020F0302020204030204"/>
+        <a:ea typeface=""/>
+        <a:cs typeface=""/>
+        <a:font script="Jpan" typeface="游ゴシック Light"/>
+        <a:font script="Hang" typeface="맑은 고딕"/>
+        <a:font script="Hans" typeface="等线 Light"/>
+        <a:font script="Hant" typeface="新細明體"/>
+        <a:font script="Arab" typeface="Times New Roman"/>
+        <a:font script="Hebr" typeface="Times New Roman"/>
+        <a:font script="Thai" typeface="Angsana New"/>
+        <a:font script="Ethi" typeface="Nyala"/>
+        <a:font script="Beng" typeface="Vrinda"/>
+        <a:font script="Gujr" typeface="Shruti"/>
+        <a:font script="Khmr" typeface="MoolBoran"/>
+        <a:font script="Knda" typeface="Tunga"/>
+        <a:font script="Guru" typeface="Raavi"/>
+        <a:font script="Cans" typeface="Euphemia"/>
+        <a:font script="Cher" typeface="Plantagenet Cherokee"/>
+        <a:font script="Yiii" typeface="Microsoft Yi Baiti"/>
+        <a:font script="Tibt" typeface="Microsoft Himalaya"/>
+        <a:font script="Thaa" typeface="MV Boli"/>
+        <a:font script="Deva" typeface="Mangal"/>
+        <a:font script="Telu" typeface="Gautami"/>
+        <a:font script="Taml" typeface="Latha"/>
+        <a:font script="Syrc" typeface="Estrangelo Edessa"/>
+        <a:font script="Orya" typeface="Kalinga"/>
+        <a:font script="Mlym" typeface="Kartika"/>
+        <a:font script="Laoo" typeface="DokChampa"/>
+        <a:font script="Sinh" typeface="Iskoola Pota"/>
+        <a:font script="Mong" typeface="Mongolian Baiti"/>
+        <a:font script="Viet" typeface="Times New Roman"/>
+        <a:font script="Uigh" typeface="Microsoft Uighur"/>
+        <a:font script="Geor" typeface="Sylfaen"/>
+        <a:font script="Armn" typeface="Arial"/>
+        <a:font script="Bugi" typeface="Leelawadee UI"/>
+        <a:font script="Bopo" typeface="Microsoft JhengHei"/>
+        <a:font script="Java" typeface="Javanese Text"/>
+        <a:font script="Lisu" typeface="Segoe UI"/>
+        <a:font script="Mymr" typeface="Myanmar Text"/>
+        <a:font script="Nkoo" typeface="Ebrima"/>
+        <a:font script="Olck" typeface="Nirmala UI"/>
+        <a:font script="Osma" typeface="Ebrima"/>
+        <a:font script="Phag" typeface="Phagspa"/>
+        <a:font script="Syrn" typeface="Estrangelo Edessa"/>
+        <a:font script="Syrj" typeface="Estrangelo Edessa"/>
+        <a:font script="Syre" typeface="Estrangelo Edessa"/>
+        <a:font script="Sora" typeface="Nirmala UI"/>
+        <a:font script="Tale" typeface="Microsoft Tai Le"/>
+        <a:font script="Talu" typeface="Microsoft New Tai Lue"/>
+        <a:font script="Tfng" typeface="Ebrima"/>
+      </a:majorFont>
+      <a:minorFont>
+        <a:latin typeface="Calibri" panose="020F0502020204030204"/>
+        <a:ea typeface=""/>
+        <a:cs typeface=""/>
+        <a:font script="Jpan" typeface="游ゴシック"/>
+        <a:font script="Hang" typeface="맑은 고딕"/>
+        <a:font script="Hans" typeface="等线"/>
+        <a:font script="Hant" typeface="新細明體"/>
+        <a:font script="Arab" typeface="Arial"/>
+        <a:font script="Hebr" typeface="Arial"/>
+        <a:font script="Thai" typeface="Cordia New"/>
+        <a:font script="Ethi" typeface="Nyala"/>
+        <a:font script="Beng" typeface="Vrinda"/>
+        <a:font script="Gujr" typeface="Shruti"/>
+        <a:font script="Khmr" typeface="DaunPenh"/>
+        <a:font script="Knda" typeface="Tunga"/>
+        <a:font script="Guru" typeface="Raavi"/>
+        <a:font script="Cans" typeface="Euphemia"/>
+        <a:font script="Cher" typeface="Plantagenet Cherokee"/>
+        <a:font script="Yiii" typeface="Microsoft Yi Baiti"/>
+        <a:font script="Tibt" typeface="Microsoft Himalaya"/>
+        <a:font script="Thaa" typeface="MV Boli"/>
+        <a:font script="Deva" typeface="Mangal"/>
+        <a:font script="Telu" typeface="Gautami"/>
+        <a:font script="Taml" typeface="Latha"/>
+        <a:font script="Syrc" typeface="Estrangelo Edessa"/>
+        <a:font script="Orya" typeface="Kalinga"/>
+        <a:font script="Mlym" typeface="Kartika"/>
+        <a:font script="Laoo" typeface="DokChampa"/>
+        <a:font script="Sinh" typeface="Iskoola Pota"/>
+        <a:font script="Mong" typeface="Mongolian Baiti"/>
+        <a:font script="Viet" typeface="Arial"/>
+        <a:font script="Uigh" typeface="Microsoft Uighur"/>
+        <a:font script="Geor" typeface="Sylfaen"/>
+        <a:font script="Armn" typeface="Arial"/>
+        <a:font script="Bugi" typeface="Leelawadee UI"/>
+        <a:font script="Bopo" typeface="Microsoft JhengHei"/>
+        <a:font script="Java" typeface="Javanese Text"/>
+        <a:font script="Lisu" typeface="Segoe UI"/>
+        <a:font script="Mymr" typeface="Myanmar Text"/>
+        <a:font script="Nkoo" typeface="Ebrima"/>
+        <a:font script="Olck" typeface="Nirmala UI"/>
+        <a:font script="Osma" typeface="Ebrima"/>
+        <a:font script="Phag" typeface="Phagspa"/>
+        <a:font script="Syrn" typeface="Estrangelo Edessa"/>
+        <a:font script="Syrj" typeface="Estrangelo Edessa"/>
+        <a:font script="Syre" typeface="Estrangelo Edessa"/>
+        <a:font script="Sora" typeface="Nirmala UI"/>
+        <a:font script="Tale" typeface="Microsoft Tai Le"/>
+        <a:font script="Talu" typeface="Microsoft New Tai Lue"/>
+        <a:font script="Tfng" typeface="Ebrima"/>
+      </a:minorFont>
+    </a:fontScheme>
+    <a:fmtScheme name="Office">
+      <a:fillStyleLst>
+        <a:solidFill>
+          <a:schemeClr val="phClr"/>
+        </a:solidFill>
+        <a:gradFill rotWithShape="1">
+          <a:gsLst>
+            <a:gs pos="0">
+              <a:schemeClr val="phClr">
+                <a:lumMod val="110000"/>
+                <a:satMod val="105000"/>
+                <a:tint val="67000"/>
+              </a:schemeClr>
+            </a:gs>
+            <a:gs pos="50000">
+              <a:schemeClr val="phClr">
+                <a:lumMod val="105000"/>
+                <a:satMod val="103000"/>
+                <a:tint val="73000"/>
+              </a:schemeClr>
+            </a:gs>
+            <a:gs pos="100000">
+              <a:schemeClr val="phClr">
+                <a:lumMod val="105000"/>
+                <a:satMod val="109000"/>
+                <a:tint val="81000"/>
+              </a:schemeClr>
+            </a:gs>
+          </a:gsLst>
+          <a:lin ang="5400000" scaled="0"/>
+        </a:gradFill>
+        <a:gradFill rotWithShape="1">
+          <a:gsLst>
+            <a:gs pos="0">
+              <a:schemeClr val="phClr">
+                <a:satMod val="103000"/>
+                <a:lumMod val="102000"/>
+                <a:tint val="94000"/>
+              </a:schemeClr>
+            </a:gs>
+            <a:gs pos="50000">
+              <a:schemeClr val="phClr">
+                <a:satMod val="110000"/>
+                <a:lumMod val="100000"/>
+                <a:shade val="100000"/>
+              </a:schemeClr>
+            </a:gs>
+            <a:gs pos="100000">
+              <a:schemeClr val="phClr">
+                <a:lumMod val="99000"/>
+                <a:satMod val="120000"/>
+                <a:shade val="78000"/>
+              </a:schemeClr>
+            </a:gs>
+          </a:gsLst>
+          <a:lin ang="5400000" scaled="0"/>
+        </a:gradFill>
+      </a:fillStyleLst>
+      <a:lnStyleLst>
+        <a:ln w="6350" cap="flat" cmpd="sng" algn="ctr">
+          <a:solidFill>
+            <a:schemeClr val="phClr"/>
+          </a:solidFill>
+          <a:prstDash val="solid"/>
+          <a:miter lim="800000"/>
+        </a:ln>
+        <a:ln w="12700" cap="flat" cmpd="sng" algn="ctr">
+          <a:solidFill>
+            <a:schemeClr val="phClr"/>
+          </a:solidFill>
+          <a:prstDash val="solid"/>
+          <a:miter lim="800000"/>
+        </a:ln>
+        <a:ln w="19050" cap="flat" cmpd="sng" algn="ctr">
+          <a:solidFill>
+            <a:schemeClr val="phClr"/>
+          </a:solidFill>
+          <a:prstDash val="solid"/>
+          <a:miter lim="800000"/>
+        </a:ln>
+      </a:lnStyleLst>
+      <a:effectStyleLst>
+        <a:effectStyle>
+          <a:effectLst/>
+        </a:effectStyle>
+        <a:effectStyle>
+          <a:effectLst/>
+        </a:effectStyle>
+        <a:effectStyle>
+          <a:effectLst>
+            <a:outerShdw blurRad="57150" dist="19050" dir="5400000" algn="ctr" rotWithShape="0">
+              <a:srgbClr val="000000">
+                <a:alpha val="63000"/>
+              </a:srgbClr>
+            </a:outerShdw>
+          </a:effectLst>
+        </a:effectStyle>
+      </a:effectStyleLst>
+      <a:bgFillStyleLst>
+        <a:solidFill>
+          <a:schemeClr val="phClr"/>
+        </a:solidFill>
+        <a:solidFill>
+          <a:schemeClr val="phClr">
+            <a:tint val="95000"/>
+            <a:satMod val="170000"/>
+          </a:schemeClr>
+        </a:solidFill>
+        <a:gradFill rotWithShape="1">
+          <a:gsLst>
+            <a:gs pos="0">
+              <a:schemeClr val="phClr">
+                <a:tint val="93000"/>
+                <a:satMod val="150000"/>
+                <a:shade val="98000"/>
+                <a:lumMod val="102000"/>
+              </a:schemeClr>
+            </a:gs>
+            <a:gs pos="50000">
+              <a:schemeClr val="phClr">
+                <a:tint val="98000"/>
+                <a:satMod val="130000"/>
+                <a:shade val="90000"/>
+                <a:lumMod val="103000"/>
+              </a:schemeClr>
+            </a:gs>
+            <a:gs pos="100000">
+              <a:schemeClr val="phClr">
+                <a:shade val="63000"/>
+                <a:satMod val="120000"/>
+              </a:schemeClr>
+            </a:gs>
+          </a:gsLst>
+          <a:lin ang="5400000" scaled="0"/>
+        </a:gradFill>
+      </a:bgFillStyleLst>
+    </a:fmtScheme>
+  </a:themeElements>
+  <a:objectDefaults>
+    <a:lnDef>
+      <a:spPr>
+        <a:ln w="9525">
+          <a:solidFill>
+            <a:schemeClr val="tx1"/>
+          </a:solidFill>
+          <a:headEnd type="triangle"/>
+          <a:tailEnd type="triangle"/>
+        </a:ln>
+      </a:spPr>
+      <a:bodyPr/>
+      <a:lstStyle/>
+      <a:style>
+        <a:lnRef idx="1">
+          <a:schemeClr val="accent1"/>
+        </a:lnRef>
+        <a:fillRef idx="0">
+          <a:schemeClr val="accent1"/>
+        </a:fillRef>
+        <a:effectRef idx="0">
+          <a:schemeClr val="accent1"/>
+        </a:effectRef>
+        <a:fontRef idx="minor">
+          <a:schemeClr val="tx1"/>
+        </a:fontRef>
+      </a:style>
+    </a:lnDef>
+  </a:objectDefaults>
+  <a:extraClrSchemeLst/>
+  <a:extLst>
+    <a:ext uri="{05A4C25C-085E-4340-85A3-A5531E510DB2}">
+      <thm15:themeFamily xmlns:thm15="http://schemas.microsoft.com/office/thememl/2012/main" name="Office Theme" id="{62F939B6-93AF-4DB8-9C6B-D6C7DFDC589F}" vid="{4A3C46E8-61CC-4603-A589-7422A47A8E4A}"/>
+    </a:ext>
+  </a:extLst>
+</a:theme>
+</file>
+
+<file path=ppt/theme/theme2.xml><?xml version="1.0" encoding="utf-8"?>
 <a:theme xmlns:a="http://schemas.openxmlformats.org/drawingml/2006/main" name="Office Theme">
   <a:themeElements>
     <a:clrScheme name="Office">
@@ -5485,20 +7884,20 @@
 </file>
 
 <file path=customXml/item2.xml><?xml version="1.0" encoding="utf-8"?>
-<p:properties xmlns:p="http://schemas.microsoft.com/office/2006/metadata/properties" xmlns:xsi="http://www.w3.org/2001/XMLSchema-instance" xmlns:pc="http://schemas.microsoft.com/office/infopath/2007/PartnerControls">
-  <documentManagement>
-    <_activity xmlns="b9c0df90-6177-490c-b060-567d6533c817" xsi:nil="true"/>
-  </documentManagement>
-</p:properties>
-</file>
-
-<file path=customXml/item3.xml><?xml version="1.0" encoding="utf-8"?>
 <?mso-contentType ?>
 <FormTemplates xmlns="http://schemas.microsoft.com/sharepoint/v3/contenttype/forms">
   <Display>DocumentLibraryForm</Display>
   <Edit>DocumentLibraryForm</Edit>
   <New>DocumentLibraryForm</New>
 </FormTemplates>
+</file>
+
+<file path=customXml/item3.xml><?xml version="1.0" encoding="utf-8"?>
+<p:properties xmlns:p="http://schemas.microsoft.com/office/2006/metadata/properties" xmlns:xsi="http://www.w3.org/2001/XMLSchema-instance" xmlns:pc="http://schemas.microsoft.com/office/infopath/2007/PartnerControls">
+  <documentManagement>
+    <_activity xmlns="b9c0df90-6177-490c-b060-567d6533c817" xsi:nil="true"/>
+  </documentManagement>
+</p:properties>
 </file>
 
 <file path=customXml/itemProps1.xml><?xml version="1.0" encoding="utf-8"?>
@@ -5521,6 +7920,14 @@
 </file>
 
 <file path=customXml/itemProps2.xml><?xml version="1.0" encoding="utf-8"?>
+<ds:datastoreItem xmlns:ds="http://schemas.openxmlformats.org/officeDocument/2006/customXml" ds:itemID="{86A9A6AE-A2D2-4466-B053-FEAA2AECCDAE}">
+  <ds:schemaRefs>
+    <ds:schemaRef ds:uri="http://schemas.microsoft.com/sharepoint/v3/contenttype/forms"/>
+  </ds:schemaRefs>
+</ds:datastoreItem>
+</file>
+
+<file path=customXml/itemProps3.xml><?xml version="1.0" encoding="utf-8"?>
 <ds:datastoreItem xmlns:ds="http://schemas.openxmlformats.org/officeDocument/2006/customXml" ds:itemID="{0988BE9C-0C90-420C-9DA9-636C0435E5D7}">
   <ds:schemaRefs>
     <ds:schemaRef ds:uri="http://schemas.microsoft.com/office/2006/documentManagement/types"/>
@@ -5537,14 +7944,6 @@
 </ds:datastoreItem>
 </file>
 
-<file path=customXml/itemProps3.xml><?xml version="1.0" encoding="utf-8"?>
-<ds:datastoreItem xmlns:ds="http://schemas.openxmlformats.org/officeDocument/2006/customXml" ds:itemID="{86A9A6AE-A2D2-4466-B053-FEAA2AECCDAE}">
-  <ds:schemaRefs>
-    <ds:schemaRef ds:uri="http://schemas.microsoft.com/sharepoint/v3/contenttype/forms"/>
-  </ds:schemaRefs>
-</ds:datastoreItem>
-</file>
-
 <file path=docMetadata/LabelInfo.xml><?xml version="1.0" encoding="utf-8"?>
 <clbl:labelList xmlns:clbl="http://schemas.microsoft.com/office/2020/mipLabelMetadata">
   <clbl:label id="{46c98d88-e344-4ed4-8496-4ed7712e255d}" enabled="0" method="" siteId="{46c98d88-e344-4ed4-8496-4ed7712e255d}" removed="1"/>

--- a/examples/architecture.pptx
+++ b/examples/architecture.pptx
@@ -206,7 +206,7 @@
           <a:p>
             <a:fld id="{4CD64836-4BF9-4E6C-A54C-E76D3002B5D8}" type="datetimeFigureOut">
               <a:rPr lang="en-US" smtClean="0"/>
-              <a:t>07/21/2023</a:t>
+              <a:t>7/22/2023</a:t>
             </a:fld>
             <a:endParaRPr lang="en-US"/>
           </a:p>
@@ -802,7 +802,7 @@
           <a:p>
             <a:fld id="{C6D5F118-0C7E-4BDD-BBA0-7F61C0FBD2C0}" type="datetimeFigureOut">
               <a:rPr lang="en-US" smtClean="0"/>
-              <a:t>07/21/2023</a:t>
+              <a:t>7/22/2023</a:t>
             </a:fld>
             <a:endParaRPr lang="en-US"/>
           </a:p>
@@ -1000,7 +1000,7 @@
           <a:p>
             <a:fld id="{C6D5F118-0C7E-4BDD-BBA0-7F61C0FBD2C0}" type="datetimeFigureOut">
               <a:rPr lang="en-US" smtClean="0"/>
-              <a:t>07/21/2023</a:t>
+              <a:t>7/22/2023</a:t>
             </a:fld>
             <a:endParaRPr lang="en-US"/>
           </a:p>
@@ -1208,7 +1208,7 @@
           <a:p>
             <a:fld id="{C6D5F118-0C7E-4BDD-BBA0-7F61C0FBD2C0}" type="datetimeFigureOut">
               <a:rPr lang="en-US" smtClean="0"/>
-              <a:t>07/21/2023</a:t>
+              <a:t>7/22/2023</a:t>
             </a:fld>
             <a:endParaRPr lang="en-US"/>
           </a:p>
@@ -1406,7 +1406,7 @@
           <a:p>
             <a:fld id="{C6D5F118-0C7E-4BDD-BBA0-7F61C0FBD2C0}" type="datetimeFigureOut">
               <a:rPr lang="en-US" smtClean="0"/>
-              <a:t>07/21/2023</a:t>
+              <a:t>7/22/2023</a:t>
             </a:fld>
             <a:endParaRPr lang="en-US"/>
           </a:p>
@@ -1681,7 +1681,7 @@
           <a:p>
             <a:fld id="{C6D5F118-0C7E-4BDD-BBA0-7F61C0FBD2C0}" type="datetimeFigureOut">
               <a:rPr lang="en-US" smtClean="0"/>
-              <a:t>07/21/2023</a:t>
+              <a:t>7/22/2023</a:t>
             </a:fld>
             <a:endParaRPr lang="en-US"/>
           </a:p>
@@ -1946,7 +1946,7 @@
           <a:p>
             <a:fld id="{C6D5F118-0C7E-4BDD-BBA0-7F61C0FBD2C0}" type="datetimeFigureOut">
               <a:rPr lang="en-US" smtClean="0"/>
-              <a:t>07/21/2023</a:t>
+              <a:t>7/22/2023</a:t>
             </a:fld>
             <a:endParaRPr lang="en-US"/>
           </a:p>
@@ -2358,7 +2358,7 @@
           <a:p>
             <a:fld id="{C6D5F118-0C7E-4BDD-BBA0-7F61C0FBD2C0}" type="datetimeFigureOut">
               <a:rPr lang="en-US" smtClean="0"/>
-              <a:t>07/21/2023</a:t>
+              <a:t>7/22/2023</a:t>
             </a:fld>
             <a:endParaRPr lang="en-US"/>
           </a:p>
@@ -2499,7 +2499,7 @@
           <a:p>
             <a:fld id="{C6D5F118-0C7E-4BDD-BBA0-7F61C0FBD2C0}" type="datetimeFigureOut">
               <a:rPr lang="en-US" smtClean="0"/>
-              <a:t>07/21/2023</a:t>
+              <a:t>7/22/2023</a:t>
             </a:fld>
             <a:endParaRPr lang="en-US"/>
           </a:p>
@@ -2612,7 +2612,7 @@
           <a:p>
             <a:fld id="{C6D5F118-0C7E-4BDD-BBA0-7F61C0FBD2C0}" type="datetimeFigureOut">
               <a:rPr lang="en-US" smtClean="0"/>
-              <a:t>07/21/2023</a:t>
+              <a:t>7/22/2023</a:t>
             </a:fld>
             <a:endParaRPr lang="en-US"/>
           </a:p>
@@ -2923,7 +2923,7 @@
           <a:p>
             <a:fld id="{C6D5F118-0C7E-4BDD-BBA0-7F61C0FBD2C0}" type="datetimeFigureOut">
               <a:rPr lang="en-US" smtClean="0"/>
-              <a:t>07/21/2023</a:t>
+              <a:t>7/22/2023</a:t>
             </a:fld>
             <a:endParaRPr lang="en-US"/>
           </a:p>
@@ -3211,7 +3211,7 @@
           <a:p>
             <a:fld id="{C6D5F118-0C7E-4BDD-BBA0-7F61C0FBD2C0}" type="datetimeFigureOut">
               <a:rPr lang="en-US" smtClean="0"/>
-              <a:t>07/21/2023</a:t>
+              <a:t>7/22/2023</a:t>
             </a:fld>
             <a:endParaRPr lang="en-US"/>
           </a:p>
@@ -3452,7 +3452,7 @@
           <a:p>
             <a:fld id="{C6D5F118-0C7E-4BDD-BBA0-7F61C0FBD2C0}" type="datetimeFigureOut">
               <a:rPr lang="en-US" smtClean="0"/>
-              <a:t>07/21/2023</a:t>
+              <a:t>7/22/2023</a:t>
             </a:fld>
             <a:endParaRPr lang="en-US"/>
           </a:p>
@@ -3883,8 +3883,8 @@
         </p:nvSpPr>
         <p:spPr>
           <a:xfrm>
-            <a:off x="5635723" y="984597"/>
-            <a:ext cx="2782575" cy="1886465"/>
+            <a:off x="5269487" y="983830"/>
+            <a:ext cx="3594997" cy="1404057"/>
           </a:xfrm>
           <a:prstGeom prst="rect">
             <a:avLst/>
@@ -3974,16 +3974,16 @@
         </p:nvSpPr>
         <p:spPr>
           <a:xfrm>
-            <a:off x="7165929" y="1695110"/>
-            <a:ext cx="1075038" cy="465437"/>
+            <a:off x="7518836" y="1401332"/>
+            <a:ext cx="1080000" cy="465437"/>
           </a:xfrm>
           <a:prstGeom prst="rect">
             <a:avLst/>
           </a:prstGeom>
           <a:solidFill>
-            <a:schemeClr val="accent2">
-              <a:lumMod val="20000"/>
-              <a:lumOff val="80000"/>
+            <a:schemeClr val="accent6">
+              <a:lumMod val="40000"/>
+              <a:lumOff val="60000"/>
             </a:schemeClr>
           </a:solidFill>
           <a:ln>
@@ -4040,16 +4040,16 @@
         </p:nvSpPr>
         <p:spPr>
           <a:xfrm>
-            <a:off x="5799951" y="1695108"/>
-            <a:ext cx="1075037" cy="465437"/>
+            <a:off x="5721551" y="1397608"/>
+            <a:ext cx="1080000" cy="465437"/>
           </a:xfrm>
           <a:prstGeom prst="rect">
             <a:avLst/>
           </a:prstGeom>
           <a:solidFill>
-            <a:schemeClr val="accent2">
-              <a:lumMod val="20000"/>
-              <a:lumOff val="80000"/>
+            <a:schemeClr val="accent6">
+              <a:lumMod val="40000"/>
+              <a:lumOff val="60000"/>
             </a:schemeClr>
           </a:solidFill>
           <a:ln>
@@ -4106,8 +4106,8 @@
         </p:nvSpPr>
         <p:spPr>
           <a:xfrm>
-            <a:off x="1116630" y="984597"/>
-            <a:ext cx="2886436" cy="2628900"/>
+            <a:off x="388615" y="797424"/>
+            <a:ext cx="3594996" cy="2704534"/>
           </a:xfrm>
           <a:prstGeom prst="rect">
             <a:avLst/>
@@ -4180,7 +4180,7 @@
         </p:nvSpPr>
         <p:spPr>
           <a:xfrm>
-            <a:off x="4348265" y="3557081"/>
+            <a:off x="4328809" y="3265252"/>
             <a:ext cx="4070034" cy="2576452"/>
           </a:xfrm>
           <a:prstGeom prst="rect">
@@ -4254,7 +4254,7 @@
         </p:nvSpPr>
         <p:spPr>
           <a:xfrm>
-            <a:off x="5100716" y="3870929"/>
+            <a:off x="5081260" y="3579100"/>
             <a:ext cx="1196369" cy="457200"/>
           </a:xfrm>
           <a:prstGeom prst="rect">
@@ -4320,7 +4320,7 @@
         </p:nvSpPr>
         <p:spPr>
           <a:xfrm>
-            <a:off x="6404353" y="3870929"/>
+            <a:off x="6384897" y="3579100"/>
             <a:ext cx="1197864" cy="457200"/>
           </a:xfrm>
           <a:prstGeom prst="rect">
@@ -4386,7 +4386,7 @@
         </p:nvSpPr>
         <p:spPr>
           <a:xfrm>
-            <a:off x="6407343" y="4560846"/>
+            <a:off x="6387887" y="4269017"/>
             <a:ext cx="1196369" cy="457200"/>
           </a:xfrm>
           <a:prstGeom prst="rect">
@@ -4459,16 +4459,16 @@
         </p:nvSpPr>
         <p:spPr>
           <a:xfrm>
-            <a:off x="2762533" y="1695107"/>
+            <a:off x="2670520" y="1395758"/>
             <a:ext cx="1075037" cy="465437"/>
           </a:xfrm>
           <a:prstGeom prst="rect">
             <a:avLst/>
           </a:prstGeom>
           <a:solidFill>
-            <a:schemeClr val="accent2">
-              <a:lumMod val="20000"/>
-              <a:lumOff val="80000"/>
+            <a:schemeClr val="accent6">
+              <a:lumMod val="40000"/>
+              <a:lumOff val="60000"/>
             </a:schemeClr>
           </a:solidFill>
           <a:ln>
@@ -4525,7 +4525,7 @@
         </p:nvSpPr>
         <p:spPr>
           <a:xfrm>
-            <a:off x="9207760" y="1616384"/>
+            <a:off x="9259320" y="1323045"/>
             <a:ext cx="1257285" cy="622889"/>
           </a:xfrm>
           <a:prstGeom prst="rect">
@@ -4602,9 +4602,9 @@
           <p:nvPr/>
         </p:nvCxnSpPr>
         <p:spPr>
-          <a:xfrm flipH="1">
-            <a:off x="8240967" y="1927829"/>
-            <a:ext cx="966793" cy="0"/>
+          <a:xfrm flipH="1" flipV="1">
+            <a:off x="8598836" y="1634051"/>
+            <a:ext cx="660484" cy="439"/>
           </a:xfrm>
           <a:prstGeom prst="straightConnector1">
             <a:avLst/>
@@ -4656,8 +4656,8 @@
         </p:nvCxnSpPr>
         <p:spPr>
           <a:xfrm flipH="1" flipV="1">
-            <a:off x="6874988" y="1927827"/>
-            <a:ext cx="290941" cy="2"/>
+            <a:off x="6801551" y="1630327"/>
+            <a:ext cx="717285" cy="3724"/>
           </a:xfrm>
           <a:prstGeom prst="straightConnector1">
             <a:avLst/>
@@ -4710,8 +4710,8 @@
         </p:nvCxnSpPr>
         <p:spPr>
           <a:xfrm rot="16200000" flipH="1">
-            <a:off x="5815185" y="2682829"/>
-            <a:ext cx="1710384" cy="665815"/>
+            <a:off x="5764663" y="2359933"/>
+            <a:ext cx="1716055" cy="722278"/>
           </a:xfrm>
           <a:prstGeom prst="bentConnector3">
             <a:avLst>
@@ -4759,8 +4759,8 @@
         </p:nvCxnSpPr>
         <p:spPr>
           <a:xfrm rot="5400000">
-            <a:off x="5162994" y="2696453"/>
-            <a:ext cx="1710384" cy="638569"/>
+            <a:off x="5112471" y="2430019"/>
+            <a:ext cx="1716055" cy="582106"/>
           </a:xfrm>
           <a:prstGeom prst="bentConnector3">
             <a:avLst>
@@ -4804,8 +4804,74 @@
         </p:nvSpPr>
         <p:spPr>
           <a:xfrm>
-            <a:off x="1311160" y="1275659"/>
-            <a:ext cx="1075037" cy="465437"/>
+            <a:off x="847126" y="1031065"/>
+            <a:ext cx="1013311" cy="1194823"/>
+          </a:xfrm>
+          <a:prstGeom prst="rect">
+            <a:avLst/>
+          </a:prstGeom>
+          <a:solidFill>
+            <a:schemeClr val="accent2">
+              <a:lumMod val="20000"/>
+              <a:lumOff val="80000"/>
+            </a:schemeClr>
+          </a:solidFill>
+          <a:ln>
+            <a:solidFill>
+              <a:schemeClr val="tx1"/>
+            </a:solidFill>
+          </a:ln>
+        </p:spPr>
+        <p:style>
+          <a:lnRef idx="2">
+            <a:schemeClr val="accent1">
+              <a:shade val="50000"/>
+            </a:schemeClr>
+          </a:lnRef>
+          <a:fillRef idx="1">
+            <a:schemeClr val="accent1"/>
+          </a:fillRef>
+          <a:effectRef idx="0">
+            <a:schemeClr val="accent1"/>
+          </a:effectRef>
+          <a:fontRef idx="minor">
+            <a:schemeClr val="lt1"/>
+          </a:fontRef>
+        </p:style>
+        <p:txBody>
+          <a:bodyPr rtlCol="0" anchor="b" anchorCtr="1"/>
+          <a:lstStyle/>
+          <a:p>
+            <a:pPr algn="ctr"/>
+            <a:r>
+              <a:rPr lang="en-US" sz="1400" dirty="0">
+                <a:solidFill>
+                  <a:schemeClr val="tx1"/>
+                </a:solidFill>
+                <a:latin typeface="LXGW WenKai" panose="02020500000000000000" pitchFamily="18" charset="-120"/>
+                <a:ea typeface="LXGW WenKai" panose="02020500000000000000" pitchFamily="18" charset="-120"/>
+              </a:rPr>
+              <a:t>Managers</a:t>
+            </a:r>
+          </a:p>
+        </p:txBody>
+      </p:sp>
+      <p:sp>
+        <p:nvSpPr>
+          <p:cNvPr id="53" name="Rectangle 52">
+            <a:extLst>
+              <a:ext uri="{FF2B5EF4-FFF2-40B4-BE49-F238E27FC236}">
+                <a16:creationId xmlns:a16="http://schemas.microsoft.com/office/drawing/2014/main" id="{F899B14D-B54D-BDCA-ACEE-CFF7225092D0}"/>
+              </a:ext>
+            </a:extLst>
+          </p:cNvPr>
+          <p:cNvSpPr/>
+          <p:nvPr/>
+        </p:nvSpPr>
+        <p:spPr>
+          <a:xfrm>
+            <a:off x="1015922" y="1136397"/>
+            <a:ext cx="685449" cy="186648"/>
           </a:xfrm>
           <a:prstGeom prst="rect">
             <a:avLst/>
@@ -4844,6 +4910,72 @@
           <a:p>
             <a:pPr algn="ctr"/>
             <a:r>
+              <a:rPr lang="en-US" sz="1200" dirty="0">
+                <a:solidFill>
+                  <a:schemeClr val="tx1"/>
+                </a:solidFill>
+                <a:latin typeface="LXGW WenKai" panose="02020500000000000000" pitchFamily="18" charset="-120"/>
+                <a:ea typeface="LXGW WenKai" panose="02020500000000000000" pitchFamily="18" charset="-120"/>
+              </a:rPr>
+              <a:t>Agent</a:t>
+            </a:r>
+          </a:p>
+        </p:txBody>
+      </p:sp>
+      <p:sp>
+        <p:nvSpPr>
+          <p:cNvPr id="80" name="Rectangle 79">
+            <a:extLst>
+              <a:ext uri="{FF2B5EF4-FFF2-40B4-BE49-F238E27FC236}">
+                <a16:creationId xmlns:a16="http://schemas.microsoft.com/office/drawing/2014/main" id="{55E3340C-8A4D-29A5-5A0C-170E40347EC9}"/>
+              </a:ext>
+            </a:extLst>
+          </p:cNvPr>
+          <p:cNvSpPr/>
+          <p:nvPr/>
+        </p:nvSpPr>
+        <p:spPr>
+          <a:xfrm>
+            <a:off x="5081260" y="4958934"/>
+            <a:ext cx="1371600" cy="457200"/>
+          </a:xfrm>
+          <a:prstGeom prst="rect">
+            <a:avLst/>
+          </a:prstGeom>
+          <a:solidFill>
+            <a:schemeClr val="accent4">
+              <a:lumMod val="20000"/>
+              <a:lumOff val="80000"/>
+            </a:schemeClr>
+          </a:solidFill>
+          <a:ln>
+            <a:solidFill>
+              <a:schemeClr val="tx1"/>
+            </a:solidFill>
+          </a:ln>
+        </p:spPr>
+        <p:style>
+          <a:lnRef idx="2">
+            <a:schemeClr val="accent1">
+              <a:shade val="50000"/>
+            </a:schemeClr>
+          </a:lnRef>
+          <a:fillRef idx="1">
+            <a:schemeClr val="accent1"/>
+          </a:fillRef>
+          <a:effectRef idx="0">
+            <a:schemeClr val="accent1"/>
+          </a:effectRef>
+          <a:fontRef idx="minor">
+            <a:schemeClr val="lt1"/>
+          </a:fontRef>
+        </p:style>
+        <p:txBody>
+          <a:bodyPr rtlCol="0" anchor="ctr" anchorCtr="1"/>
+          <a:lstStyle/>
+          <a:p>
+            <a:pPr algn="ctr"/>
+            <a:r>
               <a:rPr lang="en-US" sz="1400" dirty="0">
                 <a:solidFill>
                   <a:schemeClr val="tx1"/>
@@ -4851,17 +4983,71 @@
                 <a:latin typeface="LXGW WenKai" panose="02020500000000000000" pitchFamily="18" charset="-120"/>
                 <a:ea typeface="LXGW WenKai" panose="02020500000000000000" pitchFamily="18" charset="-120"/>
               </a:rPr>
-              <a:t>Managers</a:t>
-            </a:r>
-          </a:p>
-        </p:txBody>
-      </p:sp>
-      <p:sp>
-        <p:nvSpPr>
-          <p:cNvPr id="53" name="Rectangle 52">
-            <a:extLst>
-              <a:ext uri="{FF2B5EF4-FFF2-40B4-BE49-F238E27FC236}">
-                <a16:creationId xmlns:a16="http://schemas.microsoft.com/office/drawing/2014/main" id="{F899B14D-B54D-BDCA-ACEE-CFF7225092D0}"/>
+              <a:t>Agent Configs</a:t>
+            </a:r>
+            <a:endParaRPr lang="en-US" sz="1600" dirty="0">
+              <a:solidFill>
+                <a:schemeClr val="tx1"/>
+              </a:solidFill>
+              <a:latin typeface="LXGW WenKai" panose="02020500000000000000" pitchFamily="18" charset="-120"/>
+              <a:ea typeface="LXGW WenKai" panose="02020500000000000000" pitchFamily="18" charset="-120"/>
+            </a:endParaRPr>
+          </a:p>
+        </p:txBody>
+      </p:sp>
+      <p:cxnSp>
+        <p:nvCxnSpPr>
+          <p:cNvPr id="84" name="Connector: Elbow 83">
+            <a:extLst>
+              <a:ext uri="{FF2B5EF4-FFF2-40B4-BE49-F238E27FC236}">
+                <a16:creationId xmlns:a16="http://schemas.microsoft.com/office/drawing/2014/main" id="{0EA3BDB1-F2A4-5C02-333F-366299C1662B}"/>
+              </a:ext>
+            </a:extLst>
+          </p:cNvPr>
+          <p:cNvCxnSpPr>
+            <a:cxnSpLocks/>
+            <a:stCxn id="10" idx="2"/>
+            <a:endCxn id="96" idx="1"/>
+          </p:cNvCxnSpPr>
+          <p:nvPr/>
+        </p:nvCxnSpPr>
+        <p:spPr>
+          <a:xfrm rot="16200000" flipH="1">
+            <a:off x="2826438" y="2242795"/>
+            <a:ext cx="2636422" cy="1873221"/>
+          </a:xfrm>
+          <a:prstGeom prst="bentConnector2">
+            <a:avLst/>
+          </a:prstGeom>
+          <a:ln w="9525">
+            <a:solidFill>
+              <a:schemeClr val="tx1"/>
+            </a:solidFill>
+            <a:headEnd type="triangle"/>
+            <a:tailEnd type="triangle"/>
+          </a:ln>
+        </p:spPr>
+        <p:style>
+          <a:lnRef idx="1">
+            <a:schemeClr val="accent1"/>
+          </a:lnRef>
+          <a:fillRef idx="0">
+            <a:schemeClr val="accent1"/>
+          </a:fillRef>
+          <a:effectRef idx="0">
+            <a:schemeClr val="accent1"/>
+          </a:effectRef>
+          <a:fontRef idx="minor">
+            <a:schemeClr val="tx1"/>
+          </a:fontRef>
+        </p:style>
+      </p:cxnSp>
+      <p:sp>
+        <p:nvSpPr>
+          <p:cNvPr id="96" name="Rectangle 95">
+            <a:extLst>
+              <a:ext uri="{FF2B5EF4-FFF2-40B4-BE49-F238E27FC236}">
+                <a16:creationId xmlns:a16="http://schemas.microsoft.com/office/drawing/2014/main" id="{1A571AEA-B399-C4AC-3A18-2CA6BF7CEACD}"/>
               </a:ext>
             </a:extLst>
           </p:cNvPr>
@@ -4870,16 +5056,16 @@
         </p:nvSpPr>
         <p:spPr>
           <a:xfrm>
-            <a:off x="1311158" y="2005045"/>
-            <a:ext cx="1075037" cy="465437"/>
+            <a:off x="5081260" y="4269017"/>
+            <a:ext cx="1196369" cy="457200"/>
           </a:xfrm>
           <a:prstGeom prst="rect">
             <a:avLst/>
           </a:prstGeom>
           <a:solidFill>
-            <a:schemeClr val="accent2">
-              <a:lumMod val="40000"/>
-              <a:lumOff val="60000"/>
+            <a:schemeClr val="accent4">
+              <a:lumMod val="20000"/>
+              <a:lumOff val="80000"/>
             </a:schemeClr>
           </a:solidFill>
           <a:ln>
@@ -4917,31 +5103,377 @@
                 <a:latin typeface="LXGW WenKai" panose="02020500000000000000" pitchFamily="18" charset="-120"/>
                 <a:ea typeface="LXGW WenKai" panose="02020500000000000000" pitchFamily="18" charset="-120"/>
               </a:rPr>
-              <a:t>Agents</a:t>
+              <a:t>Contexts</a:t>
             </a:r>
           </a:p>
         </p:txBody>
       </p:sp>
       <p:cxnSp>
         <p:nvCxnSpPr>
-          <p:cNvPr id="58" name="Straight Arrow Connector 57">
-            <a:extLst>
-              <a:ext uri="{FF2B5EF4-FFF2-40B4-BE49-F238E27FC236}">
-                <a16:creationId xmlns:a16="http://schemas.microsoft.com/office/drawing/2014/main" id="{8292F6D1-99B9-261E-A427-933A611650C2}"/>
+          <p:cNvPr id="100" name="Connector: Elbow 99">
+            <a:extLst>
+              <a:ext uri="{FF2B5EF4-FFF2-40B4-BE49-F238E27FC236}">
+                <a16:creationId xmlns:a16="http://schemas.microsoft.com/office/drawing/2014/main" id="{3264145F-BEA8-B01C-6434-B36E905DE09F}"/>
               </a:ext>
             </a:extLst>
           </p:cNvPr>
           <p:cNvCxnSpPr>
             <a:cxnSpLocks/>
-            <a:stCxn id="53" idx="0"/>
-            <a:endCxn id="49" idx="2"/>
+            <a:stCxn id="10" idx="2"/>
+            <a:endCxn id="80" idx="2"/>
           </p:cNvCxnSpPr>
           <p:nvPr/>
         </p:nvCxnSpPr>
         <p:spPr>
-          <a:xfrm flipV="1">
-            <a:off x="1848677" y="1741096"/>
-            <a:ext cx="2" cy="263949"/>
+          <a:xfrm rot="16200000" flipH="1">
+            <a:off x="2710080" y="2359153"/>
+            <a:ext cx="3554939" cy="2559021"/>
+          </a:xfrm>
+          <a:prstGeom prst="bentConnector3">
+            <a:avLst>
+              <a:gd name="adj1" fmla="val 106430"/>
+            </a:avLst>
+          </a:prstGeom>
+          <a:ln w="9525">
+            <a:solidFill>
+              <a:schemeClr val="tx1"/>
+            </a:solidFill>
+            <a:headEnd type="triangle"/>
+            <a:tailEnd type="triangle"/>
+          </a:ln>
+        </p:spPr>
+        <p:style>
+          <a:lnRef idx="1">
+            <a:schemeClr val="accent1"/>
+          </a:lnRef>
+          <a:fillRef idx="0">
+            <a:schemeClr val="accent1"/>
+          </a:fillRef>
+          <a:effectRef idx="0">
+            <a:schemeClr val="accent1"/>
+          </a:effectRef>
+          <a:fontRef idx="minor">
+            <a:schemeClr val="tx1"/>
+          </a:fontRef>
+        </p:style>
+      </p:cxnSp>
+      <p:cxnSp>
+        <p:nvCxnSpPr>
+          <p:cNvPr id="33" name="Connector: Elbow 32">
+            <a:extLst>
+              <a:ext uri="{FF2B5EF4-FFF2-40B4-BE49-F238E27FC236}">
+                <a16:creationId xmlns:a16="http://schemas.microsoft.com/office/drawing/2014/main" id="{FECD5B19-9ABD-FBE1-1881-23E52064E9EF}"/>
+              </a:ext>
+            </a:extLst>
+          </p:cNvPr>
+          <p:cNvCxnSpPr>
+            <a:cxnSpLocks/>
+            <a:stCxn id="10" idx="2"/>
+            <a:endCxn id="9" idx="2"/>
+          </p:cNvCxnSpPr>
+          <p:nvPr/>
+        </p:nvCxnSpPr>
+        <p:spPr>
+          <a:xfrm rot="16200000" flipH="1">
+            <a:off x="3664544" y="1404689"/>
+            <a:ext cx="2865022" cy="3778033"/>
+          </a:xfrm>
+          <a:prstGeom prst="bentConnector3">
+            <a:avLst>
+              <a:gd name="adj1" fmla="val 105942"/>
+            </a:avLst>
+          </a:prstGeom>
+          <a:ln w="9525">
+            <a:solidFill>
+              <a:schemeClr val="tx1"/>
+            </a:solidFill>
+            <a:headEnd type="triangle"/>
+            <a:tailEnd type="triangle"/>
+          </a:ln>
+        </p:spPr>
+        <p:style>
+          <a:lnRef idx="1">
+            <a:schemeClr val="accent1"/>
+          </a:lnRef>
+          <a:fillRef idx="0">
+            <a:schemeClr val="accent1"/>
+          </a:fillRef>
+          <a:effectRef idx="0">
+            <a:schemeClr val="accent1"/>
+          </a:effectRef>
+          <a:fontRef idx="minor">
+            <a:schemeClr val="tx1"/>
+          </a:fontRef>
+        </p:style>
+      </p:cxnSp>
+      <p:sp>
+        <p:nvSpPr>
+          <p:cNvPr id="160" name="Rectangle 159">
+            <a:extLst>
+              <a:ext uri="{FF2B5EF4-FFF2-40B4-BE49-F238E27FC236}">
+                <a16:creationId xmlns:a16="http://schemas.microsoft.com/office/drawing/2014/main" id="{2D663D7A-E75A-A89B-C125-37C84B176016}"/>
+              </a:ext>
+            </a:extLst>
+          </p:cNvPr>
+          <p:cNvSpPr/>
+          <p:nvPr/>
+        </p:nvSpPr>
+        <p:spPr>
+          <a:xfrm>
+            <a:off x="847126" y="2479496"/>
+            <a:ext cx="881844" cy="415942"/>
+          </a:xfrm>
+          <a:prstGeom prst="rect">
+            <a:avLst/>
+          </a:prstGeom>
+          <a:solidFill>
+            <a:schemeClr val="accent2">
+              <a:lumMod val="60000"/>
+              <a:lumOff val="40000"/>
+            </a:schemeClr>
+          </a:solidFill>
+          <a:ln>
+            <a:solidFill>
+              <a:schemeClr val="tx1"/>
+            </a:solidFill>
+          </a:ln>
+        </p:spPr>
+        <p:style>
+          <a:lnRef idx="2">
+            <a:schemeClr val="accent1">
+              <a:shade val="50000"/>
+            </a:schemeClr>
+          </a:lnRef>
+          <a:fillRef idx="1">
+            <a:schemeClr val="accent1"/>
+          </a:fillRef>
+          <a:effectRef idx="0">
+            <a:schemeClr val="accent1"/>
+          </a:effectRef>
+          <a:fontRef idx="minor">
+            <a:schemeClr val="lt1"/>
+          </a:fontRef>
+        </p:style>
+        <p:txBody>
+          <a:bodyPr rtlCol="0" anchor="ctr" anchorCtr="1"/>
+          <a:lstStyle/>
+          <a:p>
+            <a:pPr algn="ctr"/>
+            <a:r>
+              <a:rPr lang="en-US" sz="1400" dirty="0">
+                <a:solidFill>
+                  <a:schemeClr val="tx1"/>
+                </a:solidFill>
+                <a:latin typeface="LXGW WenKai" panose="02020500000000000000" pitchFamily="18" charset="-120"/>
+                <a:ea typeface="LXGW WenKai" panose="02020500000000000000" pitchFamily="18" charset="-120"/>
+              </a:rPr>
+              <a:t>LLMs</a:t>
+            </a:r>
+          </a:p>
+        </p:txBody>
+      </p:sp>
+      <p:sp>
+        <p:nvSpPr>
+          <p:cNvPr id="18" name="文本框 17">
+            <a:extLst>
+              <a:ext uri="{FF2B5EF4-FFF2-40B4-BE49-F238E27FC236}">
+                <a16:creationId xmlns:a16="http://schemas.microsoft.com/office/drawing/2014/main" id="{0DDDA220-E70A-3BF9-3E9A-236405248724}"/>
+              </a:ext>
+            </a:extLst>
+          </p:cNvPr>
+          <p:cNvSpPr txBox="1"/>
+          <p:nvPr/>
+        </p:nvSpPr>
+        <p:spPr>
+          <a:xfrm>
+            <a:off x="5451466" y="323758"/>
+            <a:ext cx="1620169" cy="453183"/>
+          </a:xfrm>
+          <a:prstGeom prst="rect">
+            <a:avLst/>
+          </a:prstGeom>
+          <a:noFill/>
+          <a:ln>
+            <a:solidFill>
+              <a:schemeClr val="accent2">
+                <a:lumMod val="75000"/>
+              </a:schemeClr>
+            </a:solidFill>
+            <a:prstDash val="dash"/>
+          </a:ln>
+        </p:spPr>
+        <p:txBody>
+          <a:bodyPr wrap="none" lIns="72000" tIns="72000" rIns="72000" bIns="72000" rtlCol="0">
+            <a:spAutoFit/>
+          </a:bodyPr>
+          <a:lstStyle/>
+          <a:p>
+            <a:pPr algn="ctr"/>
+            <a:r>
+              <a:rPr lang="en-US" altLang="zh-CN" sz="1000" dirty="0">
+                <a:solidFill>
+                  <a:schemeClr val="accent2">
+                    <a:lumMod val="75000"/>
+                  </a:schemeClr>
+                </a:solidFill>
+                <a:latin typeface="LXGW WenKai Mono" panose="02020509000000000000" pitchFamily="49" charset="-122"/>
+                <a:ea typeface="LXGW WenKai Mono" panose="02020509000000000000" pitchFamily="49" charset="-122"/>
+              </a:rPr>
+              <a:t>python </a:t>
+            </a:r>
+            <a:r>
+              <a:rPr lang="en-US" altLang="zh-CN" sz="1000" dirty="0">
+                <a:solidFill>
+                  <a:schemeClr val="accent6">
+                    <a:lumMod val="75000"/>
+                  </a:schemeClr>
+                </a:solidFill>
+                <a:latin typeface="LXGW WenKai Mono" panose="02020509000000000000" pitchFamily="49" charset="-122"/>
+                <a:ea typeface="LXGW WenKai Mono" panose="02020509000000000000" pitchFamily="49" charset="-122"/>
+              </a:rPr>
+              <a:t>./backend/app.py</a:t>
+            </a:r>
+          </a:p>
+          <a:p>
+            <a:pPr algn="ctr"/>
+            <a:r>
+              <a:rPr lang="en-US" altLang="zh-CN" sz="1000" dirty="0">
+                <a:latin typeface="LXGW WenKai Mono" panose="02020509000000000000" pitchFamily="49" charset="-122"/>
+                <a:ea typeface="LXGW WenKai Mono" panose="02020509000000000000" pitchFamily="49" charset="-122"/>
+              </a:rPr>
+              <a:t>http://localhost:</a:t>
+            </a:r>
+            <a:r>
+              <a:rPr lang="en-US" altLang="zh-CN" sz="1000" dirty="0">
+                <a:solidFill>
+                  <a:srgbClr val="00B0F0"/>
+                </a:solidFill>
+                <a:latin typeface="LXGW WenKai Mono" panose="02020509000000000000" pitchFamily="49" charset="-122"/>
+                <a:ea typeface="LXGW WenKai Mono" panose="02020509000000000000" pitchFamily="49" charset="-122"/>
+              </a:rPr>
+              <a:t>5000</a:t>
+            </a:r>
+            <a:endParaRPr lang="zh-CN" altLang="en-US" sz="1000" dirty="0">
+              <a:solidFill>
+                <a:srgbClr val="00B0F0"/>
+              </a:solidFill>
+              <a:latin typeface="LXGW WenKai Mono" panose="02020509000000000000" pitchFamily="49" charset="-122"/>
+              <a:ea typeface="LXGW WenKai Mono" panose="02020509000000000000" pitchFamily="49" charset="-122"/>
+            </a:endParaRPr>
+          </a:p>
+        </p:txBody>
+      </p:sp>
+      <p:sp>
+        <p:nvSpPr>
+          <p:cNvPr id="36" name="文本框 35">
+            <a:extLst>
+              <a:ext uri="{FF2B5EF4-FFF2-40B4-BE49-F238E27FC236}">
+                <a16:creationId xmlns:a16="http://schemas.microsoft.com/office/drawing/2014/main" id="{D6BEB6F2-52D1-30C4-ADEC-0530FBECB57D}"/>
+              </a:ext>
+            </a:extLst>
+          </p:cNvPr>
+          <p:cNvSpPr txBox="1"/>
+          <p:nvPr/>
+        </p:nvSpPr>
+        <p:spPr>
+          <a:xfrm>
+            <a:off x="7244316" y="337259"/>
+            <a:ext cx="1620168" cy="453183"/>
+          </a:xfrm>
+          <a:prstGeom prst="rect">
+            <a:avLst/>
+          </a:prstGeom>
+          <a:noFill/>
+          <a:ln>
+            <a:solidFill>
+              <a:schemeClr val="accent2">
+                <a:lumMod val="75000"/>
+              </a:schemeClr>
+            </a:solidFill>
+            <a:prstDash val="dash"/>
+          </a:ln>
+        </p:spPr>
+        <p:txBody>
+          <a:bodyPr wrap="square" lIns="72000" tIns="72000" rIns="72000" bIns="72000" rtlCol="0">
+            <a:spAutoFit/>
+          </a:bodyPr>
+          <a:lstStyle/>
+          <a:p>
+            <a:pPr algn="ctr"/>
+            <a:r>
+              <a:rPr lang="en-US" altLang="zh-CN" sz="1000" dirty="0" err="1">
+                <a:solidFill>
+                  <a:schemeClr val="accent2">
+                    <a:lumMod val="75000"/>
+                  </a:schemeClr>
+                </a:solidFill>
+                <a:latin typeface="LXGW WenKai Mono" panose="02020509000000000000" pitchFamily="49" charset="-122"/>
+                <a:ea typeface="LXGW WenKai Mono" panose="02020509000000000000" pitchFamily="49" charset="-122"/>
+              </a:rPr>
+              <a:t>npm</a:t>
+            </a:r>
+            <a:r>
+              <a:rPr lang="en-US" altLang="zh-CN" sz="1000" dirty="0">
+                <a:solidFill>
+                  <a:schemeClr val="accent2">
+                    <a:lumMod val="75000"/>
+                  </a:schemeClr>
+                </a:solidFill>
+                <a:latin typeface="LXGW WenKai Mono" panose="02020509000000000000" pitchFamily="49" charset="-122"/>
+                <a:ea typeface="LXGW WenKai Mono" panose="02020509000000000000" pitchFamily="49" charset="-122"/>
+              </a:rPr>
+              <a:t> run dev</a:t>
+            </a:r>
+          </a:p>
+          <a:p>
+            <a:pPr algn="ctr"/>
+            <a:r>
+              <a:rPr lang="en-US" altLang="zh-CN" sz="1000" dirty="0">
+                <a:latin typeface="LXGW WenKai Mono" panose="02020509000000000000" pitchFamily="49" charset="-122"/>
+                <a:ea typeface="LXGW WenKai Mono" panose="02020509000000000000" pitchFamily="49" charset="-122"/>
+              </a:rPr>
+              <a:t>http://localhost:</a:t>
+            </a:r>
+            <a:r>
+              <a:rPr lang="en-US" altLang="zh-CN" sz="1000" dirty="0">
+                <a:solidFill>
+                  <a:srgbClr val="00B0F0"/>
+                </a:solidFill>
+                <a:latin typeface="LXGW WenKai Mono" panose="02020509000000000000" pitchFamily="49" charset="-122"/>
+                <a:ea typeface="LXGW WenKai Mono" panose="02020509000000000000" pitchFamily="49" charset="-122"/>
+              </a:rPr>
+              <a:t>5173</a:t>
+            </a:r>
+            <a:endParaRPr lang="zh-CN" altLang="en-US" sz="1000" dirty="0">
+              <a:solidFill>
+                <a:srgbClr val="00B0F0"/>
+              </a:solidFill>
+              <a:latin typeface="LXGW WenKai Mono" panose="02020509000000000000" pitchFamily="49" charset="-122"/>
+              <a:ea typeface="LXGW WenKai Mono" panose="02020509000000000000" pitchFamily="49" charset="-122"/>
+            </a:endParaRPr>
+          </a:p>
+        </p:txBody>
+      </p:sp>
+      <p:cxnSp>
+        <p:nvCxnSpPr>
+          <p:cNvPr id="41" name="Straight Arrow Connector 14">
+            <a:extLst>
+              <a:ext uri="{FF2B5EF4-FFF2-40B4-BE49-F238E27FC236}">
+                <a16:creationId xmlns:a16="http://schemas.microsoft.com/office/drawing/2014/main" id="{CDC62C56-1195-B957-D7C1-7968E649D360}"/>
+              </a:ext>
+            </a:extLst>
+          </p:cNvPr>
+          <p:cNvCxnSpPr>
+            <a:cxnSpLocks/>
+            <a:stCxn id="6" idx="1"/>
+            <a:endCxn id="10" idx="3"/>
+          </p:cNvCxnSpPr>
+          <p:nvPr/>
+        </p:nvCxnSpPr>
+        <p:spPr>
+          <a:xfrm flipH="1" flipV="1">
+            <a:off x="3745557" y="1628477"/>
+            <a:ext cx="1975994" cy="1850"/>
           </a:xfrm>
           <a:prstGeom prst="straightConnector1">
             <a:avLst/>
@@ -4976,272 +5508,196 @@
           </a:fontRef>
         </p:style>
       </p:cxnSp>
+      <p:sp>
+        <p:nvSpPr>
+          <p:cNvPr id="65" name="文本框 64">
+            <a:extLst>
+              <a:ext uri="{FF2B5EF4-FFF2-40B4-BE49-F238E27FC236}">
+                <a16:creationId xmlns:a16="http://schemas.microsoft.com/office/drawing/2014/main" id="{2D9CF517-37F3-3837-FCFB-570C72192FB2}"/>
+              </a:ext>
+            </a:extLst>
+          </p:cNvPr>
+          <p:cNvSpPr txBox="1"/>
+          <p:nvPr/>
+        </p:nvSpPr>
+        <p:spPr>
+          <a:xfrm>
+            <a:off x="4752240" y="6093642"/>
+            <a:ext cx="3223172" cy="453183"/>
+          </a:xfrm>
+          <a:prstGeom prst="rect">
+            <a:avLst/>
+          </a:prstGeom>
+          <a:noFill/>
+          <a:ln>
+            <a:solidFill>
+              <a:schemeClr val="accent2">
+                <a:lumMod val="75000"/>
+              </a:schemeClr>
+            </a:solidFill>
+            <a:prstDash val="dash"/>
+          </a:ln>
+        </p:spPr>
+        <p:txBody>
+          <a:bodyPr wrap="none" lIns="72000" tIns="72000" rIns="72000" bIns="72000" rtlCol="0">
+            <a:spAutoFit/>
+          </a:bodyPr>
+          <a:lstStyle/>
+          <a:p>
+            <a:pPr algn="ctr"/>
+            <a:r>
+              <a:rPr lang="en-US" altLang="zh-CN" sz="1000" dirty="0" err="1">
+                <a:solidFill>
+                  <a:schemeClr val="accent2">
+                    <a:lumMod val="75000"/>
+                  </a:schemeClr>
+                </a:solidFill>
+                <a:latin typeface="LXGW WenKai Mono" panose="02020509000000000000" pitchFamily="49" charset="-122"/>
+                <a:ea typeface="LXGW WenKai Mono" panose="02020509000000000000" pitchFamily="49" charset="-122"/>
+              </a:rPr>
+              <a:t>mongod</a:t>
+            </a:r>
+            <a:r>
+              <a:rPr lang="en-US" altLang="zh-CN" sz="1000" dirty="0">
+                <a:solidFill>
+                  <a:schemeClr val="accent2">
+                    <a:lumMod val="75000"/>
+                  </a:schemeClr>
+                </a:solidFill>
+                <a:latin typeface="LXGW WenKai Mono" panose="02020509000000000000" pitchFamily="49" charset="-122"/>
+                <a:ea typeface="LXGW WenKai Mono" panose="02020509000000000000" pitchFamily="49" charset="-122"/>
+              </a:rPr>
+              <a:t> –</a:t>
+            </a:r>
+            <a:r>
+              <a:rPr lang="en-US" altLang="zh-CN" sz="1000" dirty="0" err="1">
+                <a:solidFill>
+                  <a:schemeClr val="accent2">
+                    <a:lumMod val="75000"/>
+                  </a:schemeClr>
+                </a:solidFill>
+                <a:latin typeface="LXGW WenKai Mono" panose="02020509000000000000" pitchFamily="49" charset="-122"/>
+                <a:ea typeface="LXGW WenKai Mono" panose="02020509000000000000" pitchFamily="49" charset="-122"/>
+              </a:rPr>
+              <a:t>dbpath</a:t>
+            </a:r>
+            <a:r>
+              <a:rPr lang="en-US" altLang="zh-CN" sz="1000" dirty="0">
+                <a:solidFill>
+                  <a:schemeClr val="accent2">
+                    <a:lumMod val="75000"/>
+                  </a:schemeClr>
+                </a:solidFill>
+                <a:latin typeface="LXGW WenKai Mono" panose="02020509000000000000" pitchFamily="49" charset="-122"/>
+                <a:ea typeface="LXGW WenKai Mono" panose="02020509000000000000" pitchFamily="49" charset="-122"/>
+              </a:rPr>
+              <a:t> </a:t>
+            </a:r>
+            <a:r>
+              <a:rPr lang="en-US" altLang="zh-CN" sz="1000" dirty="0">
+                <a:solidFill>
+                  <a:schemeClr val="accent6">
+                    <a:lumMod val="75000"/>
+                  </a:schemeClr>
+                </a:solidFill>
+                <a:latin typeface="LXGW WenKai Mono" panose="02020509000000000000" pitchFamily="49" charset="-122"/>
+                <a:ea typeface="LXGW WenKai Mono" panose="02020509000000000000" pitchFamily="49" charset="-122"/>
+              </a:rPr>
+              <a:t>“./backend/database/” </a:t>
+            </a:r>
+            <a:r>
+              <a:rPr lang="en-US" altLang="zh-CN" sz="1000" dirty="0">
+                <a:solidFill>
+                  <a:schemeClr val="accent2">
+                    <a:lumMod val="75000"/>
+                  </a:schemeClr>
+                </a:solidFill>
+                <a:latin typeface="LXGW WenKai Mono" panose="02020509000000000000" pitchFamily="49" charset="-122"/>
+                <a:ea typeface="LXGW WenKai Mono" panose="02020509000000000000" pitchFamily="49" charset="-122"/>
+              </a:rPr>
+              <a:t>–port </a:t>
+            </a:r>
+            <a:r>
+              <a:rPr lang="en-US" altLang="zh-CN" sz="1000" dirty="0">
+                <a:solidFill>
+                  <a:srgbClr val="00B0F0"/>
+                </a:solidFill>
+                <a:latin typeface="LXGW WenKai Mono" panose="02020509000000000000" pitchFamily="49" charset="-122"/>
+                <a:ea typeface="LXGW WenKai Mono" panose="02020509000000000000" pitchFamily="49" charset="-122"/>
+              </a:rPr>
+              <a:t>27027</a:t>
+            </a:r>
+          </a:p>
+          <a:p>
+            <a:pPr algn="ctr"/>
+            <a:r>
+              <a:rPr lang="en-US" altLang="zh-CN" sz="1000" dirty="0">
+                <a:latin typeface="LXGW WenKai Mono" panose="02020509000000000000" pitchFamily="49" charset="-122"/>
+                <a:ea typeface="LXGW WenKai Mono" panose="02020509000000000000" pitchFamily="49" charset="-122"/>
+              </a:rPr>
+              <a:t>mongodb://localhost:</a:t>
+            </a:r>
+            <a:r>
+              <a:rPr lang="en-US" altLang="zh-CN" sz="1000" dirty="0">
+                <a:solidFill>
+                  <a:srgbClr val="00B0F0"/>
+                </a:solidFill>
+                <a:latin typeface="LXGW WenKai Mono" panose="02020509000000000000" pitchFamily="49" charset="-122"/>
+                <a:ea typeface="LXGW WenKai Mono" panose="02020509000000000000" pitchFamily="49" charset="-122"/>
+              </a:rPr>
+              <a:t>27027</a:t>
+            </a:r>
+            <a:endParaRPr lang="zh-CN" altLang="en-US" sz="1000" dirty="0">
+              <a:solidFill>
+                <a:srgbClr val="00B0F0"/>
+              </a:solidFill>
+              <a:latin typeface="LXGW WenKai Mono" panose="02020509000000000000" pitchFamily="49" charset="-122"/>
+              <a:ea typeface="LXGW WenKai Mono" panose="02020509000000000000" pitchFamily="49" charset="-122"/>
+            </a:endParaRPr>
+          </a:p>
+        </p:txBody>
+      </p:sp>
       <p:cxnSp>
         <p:nvCxnSpPr>
-          <p:cNvPr id="64" name="Connector: Elbow 63">
-            <a:extLst>
-              <a:ext uri="{FF2B5EF4-FFF2-40B4-BE49-F238E27FC236}">
-                <a16:creationId xmlns:a16="http://schemas.microsoft.com/office/drawing/2014/main" id="{772D2E1C-8856-B709-01CF-3A391A4451A3}"/>
+          <p:cNvPr id="66" name="Straight Arrow Connector 14">
+            <a:extLst>
+              <a:ext uri="{FF2B5EF4-FFF2-40B4-BE49-F238E27FC236}">
+                <a16:creationId xmlns:a16="http://schemas.microsoft.com/office/drawing/2014/main" id="{F4577113-332D-6B62-C6B6-B8C28E909FD2}"/>
               </a:ext>
             </a:extLst>
           </p:cNvPr>
           <p:cNvCxnSpPr>
             <a:cxnSpLocks/>
-            <a:stCxn id="10" idx="0"/>
-            <a:endCxn id="49" idx="3"/>
+            <a:stCxn id="6" idx="0"/>
+            <a:endCxn id="18" idx="2"/>
           </p:cNvCxnSpPr>
           <p:nvPr/>
         </p:nvCxnSpPr>
         <p:spPr>
-          <a:xfrm rot="16200000" flipV="1">
-            <a:off x="2749761" y="1144815"/>
-            <a:ext cx="186729" cy="913855"/>
-          </a:xfrm>
-          <a:prstGeom prst="bentConnector2">
+          <a:xfrm flipV="1">
+            <a:off x="6261551" y="776941"/>
+            <a:ext cx="0" cy="620667"/>
+          </a:xfrm>
+          <a:prstGeom prst="straightConnector1">
             <a:avLst/>
           </a:prstGeom>
           <a:ln w="9525">
             <a:solidFill>
-              <a:schemeClr val="tx1"/>
+              <a:schemeClr val="accent2">
+                <a:lumMod val="75000"/>
+              </a:schemeClr>
             </a:solidFill>
-            <a:headEnd type="triangle"/>
-            <a:tailEnd type="triangle"/>
+            <a:prstDash val="dash"/>
+            <a:headEnd type="none"/>
+            <a:tailEnd type="none"/>
           </a:ln>
-        </p:spPr>
-        <p:style>
-          <a:lnRef idx="1">
-            <a:schemeClr val="accent1"/>
-          </a:lnRef>
-          <a:fillRef idx="0">
-            <a:schemeClr val="accent1"/>
-          </a:fillRef>
-          <a:effectRef idx="0">
-            <a:schemeClr val="accent1"/>
-          </a:effectRef>
-          <a:fontRef idx="minor">
-            <a:schemeClr val="tx1"/>
-          </a:fontRef>
-        </p:style>
-      </p:cxnSp>
-      <p:sp>
-        <p:nvSpPr>
-          <p:cNvPr id="80" name="Rectangle 79">
-            <a:extLst>
-              <a:ext uri="{FF2B5EF4-FFF2-40B4-BE49-F238E27FC236}">
-                <a16:creationId xmlns:a16="http://schemas.microsoft.com/office/drawing/2014/main" id="{55E3340C-8A4D-29A5-5A0C-170E40347EC9}"/>
-              </a:ext>
-            </a:extLst>
-          </p:cNvPr>
-          <p:cNvSpPr/>
-          <p:nvPr/>
-        </p:nvSpPr>
-        <p:spPr>
-          <a:xfrm>
-            <a:off x="5100716" y="5250763"/>
-            <a:ext cx="1371600" cy="457200"/>
-          </a:xfrm>
-          <a:prstGeom prst="rect">
-            <a:avLst/>
-          </a:prstGeom>
-          <a:solidFill>
-            <a:schemeClr val="accent4">
-              <a:lumMod val="20000"/>
-              <a:lumOff val="80000"/>
-            </a:schemeClr>
-          </a:solidFill>
-          <a:ln>
-            <a:solidFill>
-              <a:schemeClr val="tx1"/>
-            </a:solidFill>
-          </a:ln>
-        </p:spPr>
-        <p:style>
-          <a:lnRef idx="2">
-            <a:schemeClr val="accent1">
-              <a:shade val="50000"/>
-            </a:schemeClr>
-          </a:lnRef>
-          <a:fillRef idx="1">
-            <a:schemeClr val="accent1"/>
-          </a:fillRef>
-          <a:effectRef idx="0">
-            <a:schemeClr val="accent1"/>
-          </a:effectRef>
-          <a:fontRef idx="minor">
-            <a:schemeClr val="lt1"/>
-          </a:fontRef>
-        </p:style>
-        <p:txBody>
-          <a:bodyPr rtlCol="0" anchor="ctr" anchorCtr="1"/>
-          <a:lstStyle/>
-          <a:p>
-            <a:pPr algn="ctr"/>
-            <a:r>
-              <a:rPr lang="en-US" sz="1400" dirty="0">
-                <a:solidFill>
-                  <a:schemeClr val="tx1"/>
-                </a:solidFill>
-                <a:latin typeface="LXGW WenKai" panose="02020500000000000000" pitchFamily="18" charset="-120"/>
-                <a:ea typeface="LXGW WenKai" panose="02020500000000000000" pitchFamily="18" charset="-120"/>
-              </a:rPr>
-              <a:t>Agent Configs</a:t>
-            </a:r>
-            <a:endParaRPr lang="en-US" sz="1600" dirty="0">
-              <a:solidFill>
-                <a:schemeClr val="tx1"/>
-              </a:solidFill>
-              <a:latin typeface="LXGW WenKai" panose="02020500000000000000" pitchFamily="18" charset="-120"/>
-              <a:ea typeface="LXGW WenKai" panose="02020500000000000000" pitchFamily="18" charset="-120"/>
-            </a:endParaRPr>
-          </a:p>
-        </p:txBody>
-      </p:sp>
-      <p:cxnSp>
-        <p:nvCxnSpPr>
-          <p:cNvPr id="84" name="Connector: Elbow 83">
-            <a:extLst>
-              <a:ext uri="{FF2B5EF4-FFF2-40B4-BE49-F238E27FC236}">
-                <a16:creationId xmlns:a16="http://schemas.microsoft.com/office/drawing/2014/main" id="{0EA3BDB1-F2A4-5C02-333F-366299C1662B}"/>
-              </a:ext>
-            </a:extLst>
-          </p:cNvPr>
-          <p:cNvCxnSpPr>
-            <a:cxnSpLocks/>
-            <a:stCxn id="10" idx="2"/>
-            <a:endCxn id="96" idx="1"/>
-          </p:cNvCxnSpPr>
-          <p:nvPr/>
-        </p:nvCxnSpPr>
-        <p:spPr>
-          <a:xfrm rot="16200000" flipH="1">
-            <a:off x="2885933" y="2574663"/>
-            <a:ext cx="2628902" cy="1800664"/>
-          </a:xfrm>
-          <a:prstGeom prst="bentConnector2">
-            <a:avLst/>
-          </a:prstGeom>
-          <a:ln w="9525">
-            <a:solidFill>
-              <a:schemeClr val="tx1"/>
-            </a:solidFill>
-            <a:headEnd type="triangle"/>
-            <a:tailEnd type="triangle"/>
-          </a:ln>
-        </p:spPr>
-        <p:style>
-          <a:lnRef idx="1">
-            <a:schemeClr val="accent1"/>
-          </a:lnRef>
-          <a:fillRef idx="0">
-            <a:schemeClr val="accent1"/>
-          </a:fillRef>
-          <a:effectRef idx="0">
-            <a:schemeClr val="accent1"/>
-          </a:effectRef>
-          <a:fontRef idx="minor">
-            <a:schemeClr val="tx1"/>
-          </a:fontRef>
-        </p:style>
-      </p:cxnSp>
-      <p:sp>
-        <p:nvSpPr>
-          <p:cNvPr id="96" name="Rectangle 95">
-            <a:extLst>
-              <a:ext uri="{FF2B5EF4-FFF2-40B4-BE49-F238E27FC236}">
-                <a16:creationId xmlns:a16="http://schemas.microsoft.com/office/drawing/2014/main" id="{1A571AEA-B399-C4AC-3A18-2CA6BF7CEACD}"/>
-              </a:ext>
-            </a:extLst>
-          </p:cNvPr>
-          <p:cNvSpPr/>
-          <p:nvPr/>
-        </p:nvSpPr>
-        <p:spPr>
-          <a:xfrm>
-            <a:off x="5100716" y="4560846"/>
-            <a:ext cx="1196369" cy="457200"/>
-          </a:xfrm>
-          <a:prstGeom prst="rect">
-            <a:avLst/>
-          </a:prstGeom>
-          <a:solidFill>
-            <a:schemeClr val="accent4">
-              <a:lumMod val="20000"/>
-              <a:lumOff val="80000"/>
-            </a:schemeClr>
-          </a:solidFill>
-          <a:ln>
-            <a:solidFill>
-              <a:schemeClr val="tx1"/>
-            </a:solidFill>
-          </a:ln>
-        </p:spPr>
-        <p:style>
-          <a:lnRef idx="2">
-            <a:schemeClr val="accent1">
-              <a:shade val="50000"/>
-            </a:schemeClr>
-          </a:lnRef>
-          <a:fillRef idx="1">
-            <a:schemeClr val="accent1"/>
-          </a:fillRef>
-          <a:effectRef idx="0">
-            <a:schemeClr val="accent1"/>
-          </a:effectRef>
-          <a:fontRef idx="minor">
-            <a:schemeClr val="lt1"/>
-          </a:fontRef>
-        </p:style>
-        <p:txBody>
-          <a:bodyPr rtlCol="0" anchor="ctr" anchorCtr="1"/>
-          <a:lstStyle/>
-          <a:p>
-            <a:pPr algn="ctr"/>
-            <a:r>
-              <a:rPr lang="en-US" sz="1400" dirty="0">
-                <a:solidFill>
-                  <a:schemeClr val="tx1"/>
-                </a:solidFill>
-                <a:latin typeface="LXGW WenKai" panose="02020500000000000000" pitchFamily="18" charset="-120"/>
-                <a:ea typeface="LXGW WenKai" panose="02020500000000000000" pitchFamily="18" charset="-120"/>
-              </a:rPr>
-              <a:t>Contexts</a:t>
-            </a:r>
-          </a:p>
-        </p:txBody>
-      </p:sp>
-      <p:cxnSp>
-        <p:nvCxnSpPr>
-          <p:cNvPr id="100" name="Connector: Elbow 99">
-            <a:extLst>
-              <a:ext uri="{FF2B5EF4-FFF2-40B4-BE49-F238E27FC236}">
-                <a16:creationId xmlns:a16="http://schemas.microsoft.com/office/drawing/2014/main" id="{3264145F-BEA8-B01C-6434-B36E905DE09F}"/>
-              </a:ext>
-            </a:extLst>
-          </p:cNvPr>
-          <p:cNvCxnSpPr>
-            <a:cxnSpLocks/>
-            <a:stCxn id="10" idx="2"/>
-            <a:endCxn id="80" idx="2"/>
-          </p:cNvCxnSpPr>
-          <p:nvPr/>
-        </p:nvCxnSpPr>
-        <p:spPr>
-          <a:xfrm rot="16200000" flipH="1">
-            <a:off x="2769575" y="2691021"/>
-            <a:ext cx="3547419" cy="2486464"/>
-          </a:xfrm>
-          <a:prstGeom prst="bentConnector3">
-            <a:avLst>
-              <a:gd name="adj1" fmla="val 106444"/>
-            </a:avLst>
-          </a:prstGeom>
-          <a:ln w="9525">
-            <a:solidFill>
-              <a:schemeClr val="tx1"/>
-            </a:solidFill>
-            <a:headEnd type="triangle"/>
-            <a:tailEnd type="triangle"/>
-          </a:ln>
+          <a:effectLst>
+            <a:outerShdw blurRad="63500" sx="102000" sy="102000" algn="ctr" rotWithShape="0">
+              <a:prstClr val="black">
+                <a:alpha val="40000"/>
+              </a:prstClr>
+            </a:outerShdw>
+          </a:effectLst>
         </p:spPr>
         <p:style>
           <a:lnRef idx="1">
@@ -5260,37 +5716,45 @@
       </p:cxnSp>
       <p:cxnSp>
         <p:nvCxnSpPr>
-          <p:cNvPr id="33" name="Connector: Elbow 32">
-            <a:extLst>
-              <a:ext uri="{FF2B5EF4-FFF2-40B4-BE49-F238E27FC236}">
-                <a16:creationId xmlns:a16="http://schemas.microsoft.com/office/drawing/2014/main" id="{FECD5B19-9ABD-FBE1-1881-23E52064E9EF}"/>
+          <p:cNvPr id="71" name="Straight Arrow Connector 14">
+            <a:extLst>
+              <a:ext uri="{FF2B5EF4-FFF2-40B4-BE49-F238E27FC236}">
+                <a16:creationId xmlns:a16="http://schemas.microsoft.com/office/drawing/2014/main" id="{C24416BE-D92F-C784-FD2E-3583A17E5742}"/>
               </a:ext>
             </a:extLst>
           </p:cNvPr>
           <p:cNvCxnSpPr>
             <a:cxnSpLocks/>
-            <a:stCxn id="10" idx="2"/>
-            <a:endCxn id="9" idx="2"/>
+            <a:stCxn id="5" idx="0"/>
+            <a:endCxn id="36" idx="2"/>
           </p:cNvCxnSpPr>
           <p:nvPr/>
         </p:nvCxnSpPr>
         <p:spPr>
-          <a:xfrm rot="16200000" flipH="1">
-            <a:off x="3724039" y="1736557"/>
-            <a:ext cx="2857502" cy="3705476"/>
-          </a:xfrm>
-          <a:prstGeom prst="bentConnector3">
-            <a:avLst>
-              <a:gd name="adj1" fmla="val 105617"/>
-            </a:avLst>
+          <a:xfrm flipH="1" flipV="1">
+            <a:off x="8054400" y="790442"/>
+            <a:ext cx="4436" cy="610890"/>
+          </a:xfrm>
+          <a:prstGeom prst="straightConnector1">
+            <a:avLst/>
           </a:prstGeom>
           <a:ln w="9525">
             <a:solidFill>
-              <a:schemeClr val="tx1"/>
+              <a:schemeClr val="accent2">
+                <a:lumMod val="75000"/>
+              </a:schemeClr>
             </a:solidFill>
-            <a:headEnd type="triangle"/>
-            <a:tailEnd type="triangle"/>
+            <a:prstDash val="dash"/>
+            <a:headEnd type="none"/>
+            <a:tailEnd type="none"/>
           </a:ln>
+          <a:effectLst>
+            <a:outerShdw blurRad="63500" sx="102000" sy="102000" algn="ctr" rotWithShape="0">
+              <a:prstClr val="black">
+                <a:alpha val="40000"/>
+              </a:prstClr>
+            </a:outerShdw>
+          </a:effectLst>
         </p:spPr>
         <p:style>
           <a:lnRef idx="1">
@@ -5307,12 +5771,69 @@
           </a:fontRef>
         </p:style>
       </p:cxnSp>
-      <p:sp>
-        <p:nvSpPr>
-          <p:cNvPr id="160" name="Rectangle 159">
-            <a:extLst>
-              <a:ext uri="{FF2B5EF4-FFF2-40B4-BE49-F238E27FC236}">
-                <a16:creationId xmlns:a16="http://schemas.microsoft.com/office/drawing/2014/main" id="{2D663D7A-E75A-A89B-C125-37C84B176016}"/>
+      <p:cxnSp>
+        <p:nvCxnSpPr>
+          <p:cNvPr id="75" name="Straight Arrow Connector 14">
+            <a:extLst>
+              <a:ext uri="{FF2B5EF4-FFF2-40B4-BE49-F238E27FC236}">
+                <a16:creationId xmlns:a16="http://schemas.microsoft.com/office/drawing/2014/main" id="{AF8DCE8D-B5E1-CE0B-8B13-9B515C402769}"/>
+              </a:ext>
+            </a:extLst>
+          </p:cNvPr>
+          <p:cNvCxnSpPr>
+            <a:cxnSpLocks/>
+            <a:stCxn id="65" idx="0"/>
+            <a:endCxn id="3" idx="2"/>
+          </p:cNvCxnSpPr>
+          <p:nvPr/>
+        </p:nvCxnSpPr>
+        <p:spPr>
+          <a:xfrm flipV="1">
+            <a:off x="6363826" y="5841704"/>
+            <a:ext cx="0" cy="251938"/>
+          </a:xfrm>
+          <a:prstGeom prst="straightConnector1">
+            <a:avLst/>
+          </a:prstGeom>
+          <a:ln w="9525">
+            <a:solidFill>
+              <a:schemeClr val="accent2">
+                <a:lumMod val="75000"/>
+              </a:schemeClr>
+            </a:solidFill>
+            <a:prstDash val="dash"/>
+            <a:headEnd type="none"/>
+            <a:tailEnd type="none"/>
+          </a:ln>
+          <a:effectLst>
+            <a:outerShdw blurRad="63500" sx="102000" sy="102000" algn="ctr" rotWithShape="0">
+              <a:prstClr val="black">
+                <a:alpha val="40000"/>
+              </a:prstClr>
+            </a:outerShdw>
+          </a:effectLst>
+        </p:spPr>
+        <p:style>
+          <a:lnRef idx="1">
+            <a:schemeClr val="accent1"/>
+          </a:lnRef>
+          <a:fillRef idx="0">
+            <a:schemeClr val="accent1"/>
+          </a:fillRef>
+          <a:effectRef idx="0">
+            <a:schemeClr val="accent1"/>
+          </a:effectRef>
+          <a:fontRef idx="minor">
+            <a:schemeClr val="tx1"/>
+          </a:fontRef>
+        </p:style>
+      </p:cxnSp>
+      <p:sp>
+        <p:nvSpPr>
+          <p:cNvPr id="83" name="Rectangle 52">
+            <a:extLst>
+              <a:ext uri="{FF2B5EF4-FFF2-40B4-BE49-F238E27FC236}">
+                <a16:creationId xmlns:a16="http://schemas.microsoft.com/office/drawing/2014/main" id="{0A85C779-3F24-EEEE-765C-0FC920B834AE}"/>
               </a:ext>
             </a:extLst>
           </p:cNvPr>
@@ -5321,8 +5842,8 @@
         </p:nvSpPr>
         <p:spPr>
           <a:xfrm>
-            <a:off x="1311159" y="2734432"/>
-            <a:ext cx="1075037" cy="465437"/>
+            <a:off x="1015923" y="1379436"/>
+            <a:ext cx="685449" cy="186648"/>
           </a:xfrm>
           <a:prstGeom prst="rect">
             <a:avLst/>
@@ -5361,6 +5882,138 @@
           <a:p>
             <a:pPr algn="ctr"/>
             <a:r>
+              <a:rPr lang="en-US" sz="1200" dirty="0">
+                <a:solidFill>
+                  <a:schemeClr val="tx1"/>
+                </a:solidFill>
+                <a:latin typeface="LXGW WenKai" panose="02020500000000000000" pitchFamily="18" charset="-120"/>
+                <a:ea typeface="LXGW WenKai" panose="02020500000000000000" pitchFamily="18" charset="-120"/>
+              </a:rPr>
+              <a:t>Agent</a:t>
+            </a:r>
+          </a:p>
+        </p:txBody>
+      </p:sp>
+      <p:sp>
+        <p:nvSpPr>
+          <p:cNvPr id="85" name="Rectangle 52">
+            <a:extLst>
+              <a:ext uri="{FF2B5EF4-FFF2-40B4-BE49-F238E27FC236}">
+                <a16:creationId xmlns:a16="http://schemas.microsoft.com/office/drawing/2014/main" id="{041CC23B-3285-B7A5-1101-13C81F98304D}"/>
+              </a:ext>
+            </a:extLst>
+          </p:cNvPr>
+          <p:cNvSpPr/>
+          <p:nvPr/>
+        </p:nvSpPr>
+        <p:spPr>
+          <a:xfrm>
+            <a:off x="1015922" y="1631048"/>
+            <a:ext cx="685449" cy="186648"/>
+          </a:xfrm>
+          <a:prstGeom prst="rect">
+            <a:avLst/>
+          </a:prstGeom>
+          <a:solidFill>
+            <a:schemeClr val="accent2">
+              <a:lumMod val="40000"/>
+              <a:lumOff val="60000"/>
+            </a:schemeClr>
+          </a:solidFill>
+          <a:ln>
+            <a:solidFill>
+              <a:schemeClr val="tx1"/>
+            </a:solidFill>
+          </a:ln>
+        </p:spPr>
+        <p:style>
+          <a:lnRef idx="2">
+            <a:schemeClr val="accent1">
+              <a:shade val="50000"/>
+            </a:schemeClr>
+          </a:lnRef>
+          <a:fillRef idx="1">
+            <a:schemeClr val="accent1"/>
+          </a:fillRef>
+          <a:effectRef idx="0">
+            <a:schemeClr val="accent1"/>
+          </a:effectRef>
+          <a:fontRef idx="minor">
+            <a:schemeClr val="lt1"/>
+          </a:fontRef>
+        </p:style>
+        <p:txBody>
+          <a:bodyPr rtlCol="0" anchor="ctr" anchorCtr="1"/>
+          <a:lstStyle/>
+          <a:p>
+            <a:pPr algn="ctr"/>
+            <a:r>
+              <a:rPr lang="en-US" sz="1200" dirty="0">
+                <a:solidFill>
+                  <a:schemeClr val="tx1"/>
+                </a:solidFill>
+                <a:latin typeface="LXGW WenKai" panose="02020500000000000000" pitchFamily="18" charset="-120"/>
+                <a:ea typeface="LXGW WenKai" panose="02020500000000000000" pitchFamily="18" charset="-120"/>
+              </a:rPr>
+              <a:t>Agent</a:t>
+            </a:r>
+          </a:p>
+        </p:txBody>
+      </p:sp>
+      <p:sp>
+        <p:nvSpPr>
+          <p:cNvPr id="86" name="Rectangle 159">
+            <a:extLst>
+              <a:ext uri="{FF2B5EF4-FFF2-40B4-BE49-F238E27FC236}">
+                <a16:creationId xmlns:a16="http://schemas.microsoft.com/office/drawing/2014/main" id="{EF6E2E0D-B1C0-4AFC-FB19-9C1377E5B734}"/>
+              </a:ext>
+            </a:extLst>
+          </p:cNvPr>
+          <p:cNvSpPr/>
+          <p:nvPr/>
+        </p:nvSpPr>
+        <p:spPr>
+          <a:xfrm>
+            <a:off x="1930986" y="2479496"/>
+            <a:ext cx="881844" cy="415942"/>
+          </a:xfrm>
+          <a:prstGeom prst="rect">
+            <a:avLst/>
+          </a:prstGeom>
+          <a:solidFill>
+            <a:schemeClr val="accent2">
+              <a:lumMod val="60000"/>
+              <a:lumOff val="40000"/>
+            </a:schemeClr>
+          </a:solidFill>
+          <a:ln>
+            <a:solidFill>
+              <a:schemeClr val="tx1"/>
+            </a:solidFill>
+          </a:ln>
+        </p:spPr>
+        <p:style>
+          <a:lnRef idx="2">
+            <a:schemeClr val="accent1">
+              <a:shade val="50000"/>
+            </a:schemeClr>
+          </a:lnRef>
+          <a:fillRef idx="1">
+            <a:schemeClr val="accent1"/>
+          </a:fillRef>
+          <a:effectRef idx="0">
+            <a:schemeClr val="accent1"/>
+          </a:effectRef>
+          <a:fontRef idx="minor">
+            <a:schemeClr val="lt1"/>
+          </a:fontRef>
+        </p:style>
+        <p:txBody>
+          <a:bodyPr rtlCol="0" anchor="ctr" anchorCtr="1"/>
+          <a:lstStyle/>
+          <a:p>
+            <a:pPr algn="ctr"/>
+            <a:r>
               <a:rPr lang="en-US" sz="1400" dirty="0">
                 <a:solidFill>
                   <a:schemeClr val="tx1"/>
@@ -5368,31 +6021,31 @@
                 <a:latin typeface="LXGW WenKai" panose="02020500000000000000" pitchFamily="18" charset="-120"/>
                 <a:ea typeface="LXGW WenKai" panose="02020500000000000000" pitchFamily="18" charset="-120"/>
               </a:rPr>
-              <a:t>LLMs</a:t>
+              <a:t>Tools</a:t>
             </a:r>
           </a:p>
         </p:txBody>
       </p:sp>
       <p:cxnSp>
         <p:nvCxnSpPr>
-          <p:cNvPr id="161" name="Straight Arrow Connector 160">
-            <a:extLst>
-              <a:ext uri="{FF2B5EF4-FFF2-40B4-BE49-F238E27FC236}">
-                <a16:creationId xmlns:a16="http://schemas.microsoft.com/office/drawing/2014/main" id="{59012971-918C-39E7-CE63-3FF569ECFDA2}"/>
+          <p:cNvPr id="87" name="Straight Arrow Connector 14">
+            <a:extLst>
+              <a:ext uri="{FF2B5EF4-FFF2-40B4-BE49-F238E27FC236}">
+                <a16:creationId xmlns:a16="http://schemas.microsoft.com/office/drawing/2014/main" id="{F401348B-1F01-8AD4-25B3-8EE19ADB2291}"/>
               </a:ext>
             </a:extLst>
           </p:cNvPr>
           <p:cNvCxnSpPr>
             <a:cxnSpLocks/>
-            <a:stCxn id="160" idx="0"/>
-            <a:endCxn id="53" idx="2"/>
+            <a:stCxn id="10" idx="1"/>
+            <a:endCxn id="49" idx="3"/>
           </p:cNvCxnSpPr>
           <p:nvPr/>
         </p:nvCxnSpPr>
         <p:spPr>
-          <a:xfrm flipH="1" flipV="1">
-            <a:off x="1848677" y="2470482"/>
-            <a:ext cx="1" cy="263950"/>
+          <a:xfrm flipH="1">
+            <a:off x="1860437" y="1628477"/>
+            <a:ext cx="810083" cy="0"/>
           </a:xfrm>
           <a:prstGeom prst="straightConnector1">
             <a:avLst/>
@@ -5429,28 +6082,78 @@
       </p:cxnSp>
       <p:cxnSp>
         <p:nvCxnSpPr>
-          <p:cNvPr id="178" name="Connector: Elbow 177">
-            <a:extLst>
-              <a:ext uri="{FF2B5EF4-FFF2-40B4-BE49-F238E27FC236}">
-                <a16:creationId xmlns:a16="http://schemas.microsoft.com/office/drawing/2014/main" id="{26376437-534A-A16E-6711-D27AC44A27CC}"/>
+          <p:cNvPr id="93" name="Connector: Elbow 29">
+            <a:extLst>
+              <a:ext uri="{FF2B5EF4-FFF2-40B4-BE49-F238E27FC236}">
+                <a16:creationId xmlns:a16="http://schemas.microsoft.com/office/drawing/2014/main" id="{F7C8DBB6-03E3-069B-1DE6-74F5F0C3924E}"/>
               </a:ext>
             </a:extLst>
           </p:cNvPr>
           <p:cNvCxnSpPr>
             <a:cxnSpLocks/>
-            <a:stCxn id="6" idx="1"/>
-            <a:endCxn id="10" idx="3"/>
+            <a:stCxn id="49" idx="1"/>
+            <a:endCxn id="160" idx="1"/>
           </p:cNvCxnSpPr>
           <p:nvPr/>
         </p:nvCxnSpPr>
         <p:spPr>
-          <a:xfrm rot="10800000">
-            <a:off x="3837571" y="1927827"/>
-            <a:ext cx="1962381" cy="1"/>
+          <a:xfrm rot="10800000" flipV="1">
+            <a:off x="847126" y="1628477"/>
+            <a:ext cx="12700" cy="1058990"/>
           </a:xfrm>
           <a:prstGeom prst="bentConnector3">
             <a:avLst>
-              <a:gd name="adj1" fmla="val 50000"/>
+              <a:gd name="adj1" fmla="val 1800000"/>
+            </a:avLst>
+          </a:prstGeom>
+          <a:ln w="9525">
+            <a:solidFill>
+              <a:schemeClr val="tx1"/>
+            </a:solidFill>
+            <a:headEnd type="triangle"/>
+            <a:tailEnd type="triangle"/>
+          </a:ln>
+        </p:spPr>
+        <p:style>
+          <a:lnRef idx="1">
+            <a:schemeClr val="accent1"/>
+          </a:lnRef>
+          <a:fillRef idx="0">
+            <a:schemeClr val="accent1"/>
+          </a:fillRef>
+          <a:effectRef idx="0">
+            <a:schemeClr val="accent1"/>
+          </a:effectRef>
+          <a:fontRef idx="minor">
+            <a:schemeClr val="tx1"/>
+          </a:fontRef>
+        </p:style>
+      </p:cxnSp>
+      <p:cxnSp>
+        <p:nvCxnSpPr>
+          <p:cNvPr id="97" name="Connector: Elbow 29">
+            <a:extLst>
+              <a:ext uri="{FF2B5EF4-FFF2-40B4-BE49-F238E27FC236}">
+                <a16:creationId xmlns:a16="http://schemas.microsoft.com/office/drawing/2014/main" id="{B6C4DF2E-12C3-FD0F-D912-B3BF412437F0}"/>
+              </a:ext>
+            </a:extLst>
+          </p:cNvPr>
+          <p:cNvCxnSpPr>
+            <a:cxnSpLocks/>
+            <a:stCxn id="49" idx="1"/>
+            <a:endCxn id="86" idx="2"/>
+          </p:cNvCxnSpPr>
+          <p:nvPr/>
+        </p:nvCxnSpPr>
+        <p:spPr>
+          <a:xfrm rot="10800000" flipH="1" flipV="1">
+            <a:off x="847126" y="1628476"/>
+            <a:ext cx="1524782" cy="1266961"/>
+          </a:xfrm>
+          <a:prstGeom prst="bentConnector4">
+            <a:avLst>
+              <a:gd name="adj1" fmla="val -13716"/>
+              <a:gd name="adj2" fmla="val 118043"/>
             </a:avLst>
           </a:prstGeom>
           <a:ln w="9525">
@@ -7884,20 +8587,20 @@
 </file>
 
 <file path=customXml/item2.xml><?xml version="1.0" encoding="utf-8"?>
+<p:properties xmlns:p="http://schemas.microsoft.com/office/2006/metadata/properties" xmlns:xsi="http://www.w3.org/2001/XMLSchema-instance" xmlns:pc="http://schemas.microsoft.com/office/infopath/2007/PartnerControls">
+  <documentManagement>
+    <_activity xmlns="b9c0df90-6177-490c-b060-567d6533c817" xsi:nil="true"/>
+  </documentManagement>
+</p:properties>
+</file>
+
+<file path=customXml/item3.xml><?xml version="1.0" encoding="utf-8"?>
 <?mso-contentType ?>
 <FormTemplates xmlns="http://schemas.microsoft.com/sharepoint/v3/contenttype/forms">
   <Display>DocumentLibraryForm</Display>
   <Edit>DocumentLibraryForm</Edit>
   <New>DocumentLibraryForm</New>
 </FormTemplates>
-</file>
-
-<file path=customXml/item3.xml><?xml version="1.0" encoding="utf-8"?>
-<p:properties xmlns:p="http://schemas.microsoft.com/office/2006/metadata/properties" xmlns:xsi="http://www.w3.org/2001/XMLSchema-instance" xmlns:pc="http://schemas.microsoft.com/office/infopath/2007/PartnerControls">
-  <documentManagement>
-    <_activity xmlns="b9c0df90-6177-490c-b060-567d6533c817" xsi:nil="true"/>
-  </documentManagement>
-</p:properties>
 </file>
 
 <file path=customXml/itemProps1.xml><?xml version="1.0" encoding="utf-8"?>
@@ -7920,14 +8623,6 @@
 </file>
 
 <file path=customXml/itemProps2.xml><?xml version="1.0" encoding="utf-8"?>
-<ds:datastoreItem xmlns:ds="http://schemas.openxmlformats.org/officeDocument/2006/customXml" ds:itemID="{86A9A6AE-A2D2-4466-B053-FEAA2AECCDAE}">
-  <ds:schemaRefs>
-    <ds:schemaRef ds:uri="http://schemas.microsoft.com/sharepoint/v3/contenttype/forms"/>
-  </ds:schemaRefs>
-</ds:datastoreItem>
-</file>
-
-<file path=customXml/itemProps3.xml><?xml version="1.0" encoding="utf-8"?>
 <ds:datastoreItem xmlns:ds="http://schemas.openxmlformats.org/officeDocument/2006/customXml" ds:itemID="{0988BE9C-0C90-420C-9DA9-636C0435E5D7}">
   <ds:schemaRefs>
     <ds:schemaRef ds:uri="http://schemas.microsoft.com/office/2006/documentManagement/types"/>
@@ -7944,6 +8639,14 @@
 </ds:datastoreItem>
 </file>
 
+<file path=customXml/itemProps3.xml><?xml version="1.0" encoding="utf-8"?>
+<ds:datastoreItem xmlns:ds="http://schemas.openxmlformats.org/officeDocument/2006/customXml" ds:itemID="{86A9A6AE-A2D2-4466-B053-FEAA2AECCDAE}">
+  <ds:schemaRefs>
+    <ds:schemaRef ds:uri="http://schemas.microsoft.com/sharepoint/v3/contenttype/forms"/>
+  </ds:schemaRefs>
+</ds:datastoreItem>
+</file>
+
 <file path=docMetadata/LabelInfo.xml><?xml version="1.0" encoding="utf-8"?>
 <clbl:labelList xmlns:clbl="http://schemas.microsoft.com/office/2020/mipLabelMetadata">
   <clbl:label id="{46c98d88-e344-4ed4-8496-4ed7712e255d}" enabled="0" method="" siteId="{46c98d88-e344-4ed4-8496-4ed7712e255d}" removed="1"/>

--- a/examples/architecture.pptx
+++ b/examples/architecture.pptx
@@ -3883,8 +3883,8 @@
         </p:nvSpPr>
         <p:spPr>
           <a:xfrm>
-            <a:off x="5269487" y="983830"/>
-            <a:ext cx="3594997" cy="1404057"/>
+            <a:off x="5391151" y="983830"/>
+            <a:ext cx="3519813" cy="1404057"/>
           </a:xfrm>
           <a:prstGeom prst="rect">
             <a:avLst/>
@@ -4106,8 +4106,8 @@
         </p:nvSpPr>
         <p:spPr>
           <a:xfrm>
-            <a:off x="388615" y="797424"/>
-            <a:ext cx="3594996" cy="2704534"/>
+            <a:off x="5391151" y="3229541"/>
+            <a:ext cx="3519813" cy="2704534"/>
           </a:xfrm>
           <a:prstGeom prst="rect">
             <a:avLst/>
@@ -4180,8 +4180,8 @@
         </p:nvSpPr>
         <p:spPr>
           <a:xfrm>
-            <a:off x="4328809" y="3265252"/>
-            <a:ext cx="4070034" cy="2576452"/>
+            <a:off x="1053867" y="1880252"/>
+            <a:ext cx="3445879" cy="2576452"/>
           </a:xfrm>
           <a:prstGeom prst="rect">
             <a:avLst/>
@@ -4242,10 +4242,10 @@
       </p:sp>
       <p:sp>
         <p:nvSpPr>
-          <p:cNvPr id="4" name="Rectangle 3">
-            <a:extLst>
-              <a:ext uri="{FF2B5EF4-FFF2-40B4-BE49-F238E27FC236}">
-                <a16:creationId xmlns:a16="http://schemas.microsoft.com/office/drawing/2014/main" id="{D9806EAC-7DC2-FFAD-F565-90F93EC55137}"/>
+          <p:cNvPr id="10" name="Rectangle 9">
+            <a:extLst>
+              <a:ext uri="{FF2B5EF4-FFF2-40B4-BE49-F238E27FC236}">
+                <a16:creationId xmlns:a16="http://schemas.microsoft.com/office/drawing/2014/main" id="{DCA583BF-5F72-DDD0-2FD2-90E209D4DDC4}"/>
               </a:ext>
             </a:extLst>
           </p:cNvPr>
@@ -4254,212 +4254,7 @@
         </p:nvSpPr>
         <p:spPr>
           <a:xfrm>
-            <a:off x="5081260" y="3579100"/>
-            <a:ext cx="1196369" cy="457200"/>
-          </a:xfrm>
-          <a:prstGeom prst="rect">
-            <a:avLst/>
-          </a:prstGeom>
-          <a:solidFill>
-            <a:schemeClr val="accent4">
-              <a:lumMod val="40000"/>
-              <a:lumOff val="60000"/>
-            </a:schemeClr>
-          </a:solidFill>
-          <a:ln>
-            <a:solidFill>
-              <a:schemeClr val="tx1"/>
-            </a:solidFill>
-          </a:ln>
-        </p:spPr>
-        <p:style>
-          <a:lnRef idx="2">
-            <a:schemeClr val="accent1">
-              <a:shade val="50000"/>
-            </a:schemeClr>
-          </a:lnRef>
-          <a:fillRef idx="1">
-            <a:schemeClr val="accent1"/>
-          </a:fillRef>
-          <a:effectRef idx="0">
-            <a:schemeClr val="accent1"/>
-          </a:effectRef>
-          <a:fontRef idx="minor">
-            <a:schemeClr val="lt1"/>
-          </a:fontRef>
-        </p:style>
-        <p:txBody>
-          <a:bodyPr rtlCol="0" anchor="ctr" anchorCtr="1"/>
-          <a:lstStyle/>
-          <a:p>
-            <a:pPr algn="ctr"/>
-            <a:r>
-              <a:rPr lang="en-US" sz="1400" dirty="0">
-                <a:solidFill>
-                  <a:schemeClr val="tx1"/>
-                </a:solidFill>
-                <a:latin typeface="LXGW WenKai" panose="02020500000000000000" pitchFamily="18" charset="-120"/>
-                <a:ea typeface="LXGW WenKai" panose="02020500000000000000" pitchFamily="18" charset="-120"/>
-              </a:rPr>
-              <a:t>UI Configs</a:t>
-            </a:r>
-          </a:p>
-        </p:txBody>
-      </p:sp>
-      <p:sp>
-        <p:nvSpPr>
-          <p:cNvPr id="8" name="Rectangle 7">
-            <a:extLst>
-              <a:ext uri="{FF2B5EF4-FFF2-40B4-BE49-F238E27FC236}">
-                <a16:creationId xmlns:a16="http://schemas.microsoft.com/office/drawing/2014/main" id="{4DC41078-AFAF-45AD-5CA5-28463EEE9024}"/>
-              </a:ext>
-            </a:extLst>
-          </p:cNvPr>
-          <p:cNvSpPr/>
-          <p:nvPr/>
-        </p:nvSpPr>
-        <p:spPr>
-          <a:xfrm>
-            <a:off x="6384897" y="3579100"/>
-            <a:ext cx="1197864" cy="457200"/>
-          </a:xfrm>
-          <a:prstGeom prst="rect">
-            <a:avLst/>
-          </a:prstGeom>
-          <a:solidFill>
-            <a:schemeClr val="accent4">
-              <a:lumMod val="40000"/>
-              <a:lumOff val="60000"/>
-            </a:schemeClr>
-          </a:solidFill>
-          <a:ln>
-            <a:solidFill>
-              <a:schemeClr val="tx1"/>
-            </a:solidFill>
-          </a:ln>
-        </p:spPr>
-        <p:style>
-          <a:lnRef idx="2">
-            <a:schemeClr val="accent1">
-              <a:shade val="50000"/>
-            </a:schemeClr>
-          </a:lnRef>
-          <a:fillRef idx="1">
-            <a:schemeClr val="accent1"/>
-          </a:fillRef>
-          <a:effectRef idx="0">
-            <a:schemeClr val="accent1"/>
-          </a:effectRef>
-          <a:fontRef idx="minor">
-            <a:schemeClr val="lt1"/>
-          </a:fontRef>
-        </p:style>
-        <p:txBody>
-          <a:bodyPr rtlCol="0" anchor="ctr" anchorCtr="1"/>
-          <a:lstStyle/>
-          <a:p>
-            <a:pPr algn="ctr"/>
-            <a:r>
-              <a:rPr lang="en-US" sz="1400" dirty="0">
-                <a:solidFill>
-                  <a:schemeClr val="tx1"/>
-                </a:solidFill>
-                <a:latin typeface="LXGW WenKai" panose="02020500000000000000" pitchFamily="18" charset="-120"/>
-                <a:ea typeface="LXGW WenKai" panose="02020500000000000000" pitchFamily="18" charset="-120"/>
-              </a:rPr>
-              <a:t>Messages</a:t>
-            </a:r>
-          </a:p>
-        </p:txBody>
-      </p:sp>
-      <p:sp>
-        <p:nvSpPr>
-          <p:cNvPr id="9" name="Rectangle 8">
-            <a:extLst>
-              <a:ext uri="{FF2B5EF4-FFF2-40B4-BE49-F238E27FC236}">
-                <a16:creationId xmlns:a16="http://schemas.microsoft.com/office/drawing/2014/main" id="{56F4A4FE-1E8D-F949-D9CD-B3B0E98A42D0}"/>
-              </a:ext>
-            </a:extLst>
-          </p:cNvPr>
-          <p:cNvSpPr/>
-          <p:nvPr/>
-        </p:nvSpPr>
-        <p:spPr>
-          <a:xfrm>
-            <a:off x="6387887" y="4269017"/>
-            <a:ext cx="1196369" cy="457200"/>
-          </a:xfrm>
-          <a:prstGeom prst="rect">
-            <a:avLst/>
-          </a:prstGeom>
-          <a:solidFill>
-            <a:schemeClr val="accent4">
-              <a:lumMod val="20000"/>
-              <a:lumOff val="80000"/>
-            </a:schemeClr>
-          </a:solidFill>
-          <a:ln>
-            <a:solidFill>
-              <a:schemeClr val="tx1"/>
-            </a:solidFill>
-          </a:ln>
-        </p:spPr>
-        <p:style>
-          <a:lnRef idx="2">
-            <a:schemeClr val="accent1">
-              <a:shade val="50000"/>
-            </a:schemeClr>
-          </a:lnRef>
-          <a:fillRef idx="1">
-            <a:schemeClr val="accent1"/>
-          </a:fillRef>
-          <a:effectRef idx="0">
-            <a:schemeClr val="accent1"/>
-          </a:effectRef>
-          <a:fontRef idx="minor">
-            <a:schemeClr val="lt1"/>
-          </a:fontRef>
-        </p:style>
-        <p:txBody>
-          <a:bodyPr rtlCol="0" anchor="ctr" anchorCtr="1"/>
-          <a:lstStyle/>
-          <a:p>
-            <a:pPr algn="ctr"/>
-            <a:r>
-              <a:rPr lang="en-US" sz="1400" dirty="0">
-                <a:solidFill>
-                  <a:schemeClr val="tx1"/>
-                </a:solidFill>
-                <a:latin typeface="LXGW WenKai" panose="02020500000000000000" pitchFamily="18" charset="-120"/>
-                <a:ea typeface="LXGW WenKai" panose="02020500000000000000" pitchFamily="18" charset="-120"/>
-              </a:rPr>
-              <a:t>Knowledge</a:t>
-            </a:r>
-            <a:endParaRPr lang="en-US" sz="1600" dirty="0">
-              <a:solidFill>
-                <a:schemeClr val="tx1"/>
-              </a:solidFill>
-              <a:latin typeface="LXGW WenKai" panose="02020500000000000000" pitchFamily="18" charset="-120"/>
-              <a:ea typeface="LXGW WenKai" panose="02020500000000000000" pitchFamily="18" charset="-120"/>
-            </a:endParaRPr>
-          </a:p>
-        </p:txBody>
-      </p:sp>
-      <p:sp>
-        <p:nvSpPr>
-          <p:cNvPr id="10" name="Rectangle 9">
-            <a:extLst>
-              <a:ext uri="{FF2B5EF4-FFF2-40B4-BE49-F238E27FC236}">
-                <a16:creationId xmlns:a16="http://schemas.microsoft.com/office/drawing/2014/main" id="{DCA583BF-5F72-DDD0-2FD2-90E209D4DDC4}"/>
-              </a:ext>
-            </a:extLst>
-          </p:cNvPr>
-          <p:cNvSpPr/>
-          <p:nvPr/>
-        </p:nvSpPr>
-        <p:spPr>
-          <a:xfrm>
-            <a:off x="2670520" y="1395758"/>
+            <a:off x="5726514" y="3796684"/>
             <a:ext cx="1075037" cy="465437"/>
           </a:xfrm>
           <a:prstGeom prst="rect">
@@ -4692,104 +4487,6 @@
           </a:fontRef>
         </p:style>
       </p:cxnSp>
-      <p:cxnSp>
-        <p:nvCxnSpPr>
-          <p:cNvPr id="26" name="Connector: Elbow 25">
-            <a:extLst>
-              <a:ext uri="{FF2B5EF4-FFF2-40B4-BE49-F238E27FC236}">
-                <a16:creationId xmlns:a16="http://schemas.microsoft.com/office/drawing/2014/main" id="{05698F9B-C43C-23EA-C5ED-DB4DFE760783}"/>
-              </a:ext>
-            </a:extLst>
-          </p:cNvPr>
-          <p:cNvCxnSpPr>
-            <a:cxnSpLocks/>
-            <a:stCxn id="6" idx="2"/>
-            <a:endCxn id="8" idx="0"/>
-          </p:cNvCxnSpPr>
-          <p:nvPr/>
-        </p:nvCxnSpPr>
-        <p:spPr>
-          <a:xfrm rot="16200000" flipH="1">
-            <a:off x="5764663" y="2359933"/>
-            <a:ext cx="1716055" cy="722278"/>
-          </a:xfrm>
-          <a:prstGeom prst="bentConnector3">
-            <a:avLst>
-              <a:gd name="adj1" fmla="val 50000"/>
-            </a:avLst>
-          </a:prstGeom>
-          <a:ln w="9525">
-            <a:solidFill>
-              <a:schemeClr val="tx1"/>
-            </a:solidFill>
-            <a:headEnd type="triangle"/>
-            <a:tailEnd type="triangle"/>
-          </a:ln>
-        </p:spPr>
-        <p:style>
-          <a:lnRef idx="1">
-            <a:schemeClr val="accent1"/>
-          </a:lnRef>
-          <a:fillRef idx="0">
-            <a:schemeClr val="accent1"/>
-          </a:fillRef>
-          <a:effectRef idx="0">
-            <a:schemeClr val="accent1"/>
-          </a:effectRef>
-          <a:fontRef idx="minor">
-            <a:schemeClr val="tx1"/>
-          </a:fontRef>
-        </p:style>
-      </p:cxnSp>
-      <p:cxnSp>
-        <p:nvCxnSpPr>
-          <p:cNvPr id="30" name="Connector: Elbow 29">
-            <a:extLst>
-              <a:ext uri="{FF2B5EF4-FFF2-40B4-BE49-F238E27FC236}">
-                <a16:creationId xmlns:a16="http://schemas.microsoft.com/office/drawing/2014/main" id="{7278F500-F0D3-1D1E-C466-570F500391A0}"/>
-              </a:ext>
-            </a:extLst>
-          </p:cNvPr>
-          <p:cNvCxnSpPr>
-            <a:cxnSpLocks/>
-            <a:stCxn id="6" idx="2"/>
-            <a:endCxn id="4" idx="0"/>
-          </p:cNvCxnSpPr>
-          <p:nvPr/>
-        </p:nvCxnSpPr>
-        <p:spPr>
-          <a:xfrm rot="5400000">
-            <a:off x="5112471" y="2430019"/>
-            <a:ext cx="1716055" cy="582106"/>
-          </a:xfrm>
-          <a:prstGeom prst="bentConnector3">
-            <a:avLst>
-              <a:gd name="adj1" fmla="val 50000"/>
-            </a:avLst>
-          </a:prstGeom>
-          <a:ln w="9525">
-            <a:solidFill>
-              <a:schemeClr val="tx1"/>
-            </a:solidFill>
-            <a:headEnd type="triangle"/>
-            <a:tailEnd type="triangle"/>
-          </a:ln>
-        </p:spPr>
-        <p:style>
-          <a:lnRef idx="1">
-            <a:schemeClr val="accent1"/>
-          </a:lnRef>
-          <a:fillRef idx="0">
-            <a:schemeClr val="accent1"/>
-          </a:fillRef>
-          <a:effectRef idx="0">
-            <a:schemeClr val="accent1"/>
-          </a:effectRef>
-          <a:fontRef idx="minor">
-            <a:schemeClr val="tx1"/>
-          </a:fontRef>
-        </p:style>
-      </p:cxnSp>
       <p:sp>
         <p:nvSpPr>
           <p:cNvPr id="49" name="Rectangle 48">
@@ -4804,7 +4501,7 @@
         </p:nvSpPr>
         <p:spPr>
           <a:xfrm>
-            <a:off x="847126" y="1031065"/>
+            <a:off x="7587470" y="3429000"/>
             <a:ext cx="1013311" cy="1194823"/>
           </a:xfrm>
           <a:prstGeom prst="rect">
@@ -4870,7 +4567,7 @@
         </p:nvSpPr>
         <p:spPr>
           <a:xfrm>
-            <a:off x="1015922" y="1136397"/>
+            <a:off x="7756266" y="3534332"/>
             <a:ext cx="685449" cy="186648"/>
           </a:xfrm>
           <a:prstGeom prst="rect">
@@ -4924,356 +4621,6 @@
       </p:sp>
       <p:sp>
         <p:nvSpPr>
-          <p:cNvPr id="80" name="Rectangle 79">
-            <a:extLst>
-              <a:ext uri="{FF2B5EF4-FFF2-40B4-BE49-F238E27FC236}">
-                <a16:creationId xmlns:a16="http://schemas.microsoft.com/office/drawing/2014/main" id="{55E3340C-8A4D-29A5-5A0C-170E40347EC9}"/>
-              </a:ext>
-            </a:extLst>
-          </p:cNvPr>
-          <p:cNvSpPr/>
-          <p:nvPr/>
-        </p:nvSpPr>
-        <p:spPr>
-          <a:xfrm>
-            <a:off x="5081260" y="4958934"/>
-            <a:ext cx="1371600" cy="457200"/>
-          </a:xfrm>
-          <a:prstGeom prst="rect">
-            <a:avLst/>
-          </a:prstGeom>
-          <a:solidFill>
-            <a:schemeClr val="accent4">
-              <a:lumMod val="20000"/>
-              <a:lumOff val="80000"/>
-            </a:schemeClr>
-          </a:solidFill>
-          <a:ln>
-            <a:solidFill>
-              <a:schemeClr val="tx1"/>
-            </a:solidFill>
-          </a:ln>
-        </p:spPr>
-        <p:style>
-          <a:lnRef idx="2">
-            <a:schemeClr val="accent1">
-              <a:shade val="50000"/>
-            </a:schemeClr>
-          </a:lnRef>
-          <a:fillRef idx="1">
-            <a:schemeClr val="accent1"/>
-          </a:fillRef>
-          <a:effectRef idx="0">
-            <a:schemeClr val="accent1"/>
-          </a:effectRef>
-          <a:fontRef idx="minor">
-            <a:schemeClr val="lt1"/>
-          </a:fontRef>
-        </p:style>
-        <p:txBody>
-          <a:bodyPr rtlCol="0" anchor="ctr" anchorCtr="1"/>
-          <a:lstStyle/>
-          <a:p>
-            <a:pPr algn="ctr"/>
-            <a:r>
-              <a:rPr lang="en-US" sz="1400" dirty="0">
-                <a:solidFill>
-                  <a:schemeClr val="tx1"/>
-                </a:solidFill>
-                <a:latin typeface="LXGW WenKai" panose="02020500000000000000" pitchFamily="18" charset="-120"/>
-                <a:ea typeface="LXGW WenKai" panose="02020500000000000000" pitchFamily="18" charset="-120"/>
-              </a:rPr>
-              <a:t>Agent Configs</a:t>
-            </a:r>
-            <a:endParaRPr lang="en-US" sz="1600" dirty="0">
-              <a:solidFill>
-                <a:schemeClr val="tx1"/>
-              </a:solidFill>
-              <a:latin typeface="LXGW WenKai" panose="02020500000000000000" pitchFamily="18" charset="-120"/>
-              <a:ea typeface="LXGW WenKai" panose="02020500000000000000" pitchFamily="18" charset="-120"/>
-            </a:endParaRPr>
-          </a:p>
-        </p:txBody>
-      </p:sp>
-      <p:cxnSp>
-        <p:nvCxnSpPr>
-          <p:cNvPr id="84" name="Connector: Elbow 83">
-            <a:extLst>
-              <a:ext uri="{FF2B5EF4-FFF2-40B4-BE49-F238E27FC236}">
-                <a16:creationId xmlns:a16="http://schemas.microsoft.com/office/drawing/2014/main" id="{0EA3BDB1-F2A4-5C02-333F-366299C1662B}"/>
-              </a:ext>
-            </a:extLst>
-          </p:cNvPr>
-          <p:cNvCxnSpPr>
-            <a:cxnSpLocks/>
-            <a:stCxn id="10" idx="2"/>
-            <a:endCxn id="96" idx="1"/>
-          </p:cNvCxnSpPr>
-          <p:nvPr/>
-        </p:nvCxnSpPr>
-        <p:spPr>
-          <a:xfrm rot="16200000" flipH="1">
-            <a:off x="2826438" y="2242795"/>
-            <a:ext cx="2636422" cy="1873221"/>
-          </a:xfrm>
-          <a:prstGeom prst="bentConnector2">
-            <a:avLst/>
-          </a:prstGeom>
-          <a:ln w="9525">
-            <a:solidFill>
-              <a:schemeClr val="tx1"/>
-            </a:solidFill>
-            <a:headEnd type="triangle"/>
-            <a:tailEnd type="triangle"/>
-          </a:ln>
-        </p:spPr>
-        <p:style>
-          <a:lnRef idx="1">
-            <a:schemeClr val="accent1"/>
-          </a:lnRef>
-          <a:fillRef idx="0">
-            <a:schemeClr val="accent1"/>
-          </a:fillRef>
-          <a:effectRef idx="0">
-            <a:schemeClr val="accent1"/>
-          </a:effectRef>
-          <a:fontRef idx="minor">
-            <a:schemeClr val="tx1"/>
-          </a:fontRef>
-        </p:style>
-      </p:cxnSp>
-      <p:sp>
-        <p:nvSpPr>
-          <p:cNvPr id="96" name="Rectangle 95">
-            <a:extLst>
-              <a:ext uri="{FF2B5EF4-FFF2-40B4-BE49-F238E27FC236}">
-                <a16:creationId xmlns:a16="http://schemas.microsoft.com/office/drawing/2014/main" id="{1A571AEA-B399-C4AC-3A18-2CA6BF7CEACD}"/>
-              </a:ext>
-            </a:extLst>
-          </p:cNvPr>
-          <p:cNvSpPr/>
-          <p:nvPr/>
-        </p:nvSpPr>
-        <p:spPr>
-          <a:xfrm>
-            <a:off x="5081260" y="4269017"/>
-            <a:ext cx="1196369" cy="457200"/>
-          </a:xfrm>
-          <a:prstGeom prst="rect">
-            <a:avLst/>
-          </a:prstGeom>
-          <a:solidFill>
-            <a:schemeClr val="accent4">
-              <a:lumMod val="20000"/>
-              <a:lumOff val="80000"/>
-            </a:schemeClr>
-          </a:solidFill>
-          <a:ln>
-            <a:solidFill>
-              <a:schemeClr val="tx1"/>
-            </a:solidFill>
-          </a:ln>
-        </p:spPr>
-        <p:style>
-          <a:lnRef idx="2">
-            <a:schemeClr val="accent1">
-              <a:shade val="50000"/>
-            </a:schemeClr>
-          </a:lnRef>
-          <a:fillRef idx="1">
-            <a:schemeClr val="accent1"/>
-          </a:fillRef>
-          <a:effectRef idx="0">
-            <a:schemeClr val="accent1"/>
-          </a:effectRef>
-          <a:fontRef idx="minor">
-            <a:schemeClr val="lt1"/>
-          </a:fontRef>
-        </p:style>
-        <p:txBody>
-          <a:bodyPr rtlCol="0" anchor="ctr" anchorCtr="1"/>
-          <a:lstStyle/>
-          <a:p>
-            <a:pPr algn="ctr"/>
-            <a:r>
-              <a:rPr lang="en-US" sz="1400" dirty="0">
-                <a:solidFill>
-                  <a:schemeClr val="tx1"/>
-                </a:solidFill>
-                <a:latin typeface="LXGW WenKai" panose="02020500000000000000" pitchFamily="18" charset="-120"/>
-                <a:ea typeface="LXGW WenKai" panose="02020500000000000000" pitchFamily="18" charset="-120"/>
-              </a:rPr>
-              <a:t>Contexts</a:t>
-            </a:r>
-          </a:p>
-        </p:txBody>
-      </p:sp>
-      <p:cxnSp>
-        <p:nvCxnSpPr>
-          <p:cNvPr id="100" name="Connector: Elbow 99">
-            <a:extLst>
-              <a:ext uri="{FF2B5EF4-FFF2-40B4-BE49-F238E27FC236}">
-                <a16:creationId xmlns:a16="http://schemas.microsoft.com/office/drawing/2014/main" id="{3264145F-BEA8-B01C-6434-B36E905DE09F}"/>
-              </a:ext>
-            </a:extLst>
-          </p:cNvPr>
-          <p:cNvCxnSpPr>
-            <a:cxnSpLocks/>
-            <a:stCxn id="10" idx="2"/>
-            <a:endCxn id="80" idx="2"/>
-          </p:cNvCxnSpPr>
-          <p:nvPr/>
-        </p:nvCxnSpPr>
-        <p:spPr>
-          <a:xfrm rot="16200000" flipH="1">
-            <a:off x="2710080" y="2359153"/>
-            <a:ext cx="3554939" cy="2559021"/>
-          </a:xfrm>
-          <a:prstGeom prst="bentConnector3">
-            <a:avLst>
-              <a:gd name="adj1" fmla="val 106430"/>
-            </a:avLst>
-          </a:prstGeom>
-          <a:ln w="9525">
-            <a:solidFill>
-              <a:schemeClr val="tx1"/>
-            </a:solidFill>
-            <a:headEnd type="triangle"/>
-            <a:tailEnd type="triangle"/>
-          </a:ln>
-        </p:spPr>
-        <p:style>
-          <a:lnRef idx="1">
-            <a:schemeClr val="accent1"/>
-          </a:lnRef>
-          <a:fillRef idx="0">
-            <a:schemeClr val="accent1"/>
-          </a:fillRef>
-          <a:effectRef idx="0">
-            <a:schemeClr val="accent1"/>
-          </a:effectRef>
-          <a:fontRef idx="minor">
-            <a:schemeClr val="tx1"/>
-          </a:fontRef>
-        </p:style>
-      </p:cxnSp>
-      <p:cxnSp>
-        <p:nvCxnSpPr>
-          <p:cNvPr id="33" name="Connector: Elbow 32">
-            <a:extLst>
-              <a:ext uri="{FF2B5EF4-FFF2-40B4-BE49-F238E27FC236}">
-                <a16:creationId xmlns:a16="http://schemas.microsoft.com/office/drawing/2014/main" id="{FECD5B19-9ABD-FBE1-1881-23E52064E9EF}"/>
-              </a:ext>
-            </a:extLst>
-          </p:cNvPr>
-          <p:cNvCxnSpPr>
-            <a:cxnSpLocks/>
-            <a:stCxn id="10" idx="2"/>
-            <a:endCxn id="9" idx="2"/>
-          </p:cNvCxnSpPr>
-          <p:nvPr/>
-        </p:nvCxnSpPr>
-        <p:spPr>
-          <a:xfrm rot="16200000" flipH="1">
-            <a:off x="3664544" y="1404689"/>
-            <a:ext cx="2865022" cy="3778033"/>
-          </a:xfrm>
-          <a:prstGeom prst="bentConnector3">
-            <a:avLst>
-              <a:gd name="adj1" fmla="val 105942"/>
-            </a:avLst>
-          </a:prstGeom>
-          <a:ln w="9525">
-            <a:solidFill>
-              <a:schemeClr val="tx1"/>
-            </a:solidFill>
-            <a:headEnd type="triangle"/>
-            <a:tailEnd type="triangle"/>
-          </a:ln>
-        </p:spPr>
-        <p:style>
-          <a:lnRef idx="1">
-            <a:schemeClr val="accent1"/>
-          </a:lnRef>
-          <a:fillRef idx="0">
-            <a:schemeClr val="accent1"/>
-          </a:fillRef>
-          <a:effectRef idx="0">
-            <a:schemeClr val="accent1"/>
-          </a:effectRef>
-          <a:fontRef idx="minor">
-            <a:schemeClr val="tx1"/>
-          </a:fontRef>
-        </p:style>
-      </p:cxnSp>
-      <p:sp>
-        <p:nvSpPr>
-          <p:cNvPr id="160" name="Rectangle 159">
-            <a:extLst>
-              <a:ext uri="{FF2B5EF4-FFF2-40B4-BE49-F238E27FC236}">
-                <a16:creationId xmlns:a16="http://schemas.microsoft.com/office/drawing/2014/main" id="{2D663D7A-E75A-A89B-C125-37C84B176016}"/>
-              </a:ext>
-            </a:extLst>
-          </p:cNvPr>
-          <p:cNvSpPr/>
-          <p:nvPr/>
-        </p:nvSpPr>
-        <p:spPr>
-          <a:xfrm>
-            <a:off x="847126" y="2479496"/>
-            <a:ext cx="881844" cy="415942"/>
-          </a:xfrm>
-          <a:prstGeom prst="rect">
-            <a:avLst/>
-          </a:prstGeom>
-          <a:solidFill>
-            <a:schemeClr val="accent2">
-              <a:lumMod val="60000"/>
-              <a:lumOff val="40000"/>
-            </a:schemeClr>
-          </a:solidFill>
-          <a:ln>
-            <a:solidFill>
-              <a:schemeClr val="tx1"/>
-            </a:solidFill>
-          </a:ln>
-        </p:spPr>
-        <p:style>
-          <a:lnRef idx="2">
-            <a:schemeClr val="accent1">
-              <a:shade val="50000"/>
-            </a:schemeClr>
-          </a:lnRef>
-          <a:fillRef idx="1">
-            <a:schemeClr val="accent1"/>
-          </a:fillRef>
-          <a:effectRef idx="0">
-            <a:schemeClr val="accent1"/>
-          </a:effectRef>
-          <a:fontRef idx="minor">
-            <a:schemeClr val="lt1"/>
-          </a:fontRef>
-        </p:style>
-        <p:txBody>
-          <a:bodyPr rtlCol="0" anchor="ctr" anchorCtr="1"/>
-          <a:lstStyle/>
-          <a:p>
-            <a:pPr algn="ctr"/>
-            <a:r>
-              <a:rPr lang="en-US" sz="1400" dirty="0">
-                <a:solidFill>
-                  <a:schemeClr val="tx1"/>
-                </a:solidFill>
-                <a:latin typeface="LXGW WenKai" panose="02020500000000000000" pitchFamily="18" charset="-120"/>
-                <a:ea typeface="LXGW WenKai" panose="02020500000000000000" pitchFamily="18" charset="-120"/>
-              </a:rPr>
-              <a:t>LLMs</a:t>
-            </a:r>
-          </a:p>
-        </p:txBody>
-      </p:sp>
-      <p:sp>
-        <p:nvSpPr>
           <p:cNvPr id="18" name="文本框 17">
             <a:extLst>
               <a:ext uri="{FF2B5EF4-FFF2-40B4-BE49-F238E27FC236}">
@@ -5454,60 +4801,6 @@
           </a:p>
         </p:txBody>
       </p:sp>
-      <p:cxnSp>
-        <p:nvCxnSpPr>
-          <p:cNvPr id="41" name="Straight Arrow Connector 14">
-            <a:extLst>
-              <a:ext uri="{FF2B5EF4-FFF2-40B4-BE49-F238E27FC236}">
-                <a16:creationId xmlns:a16="http://schemas.microsoft.com/office/drawing/2014/main" id="{CDC62C56-1195-B957-D7C1-7968E649D360}"/>
-              </a:ext>
-            </a:extLst>
-          </p:cNvPr>
-          <p:cNvCxnSpPr>
-            <a:cxnSpLocks/>
-            <a:stCxn id="6" idx="1"/>
-            <a:endCxn id="10" idx="3"/>
-          </p:cNvCxnSpPr>
-          <p:nvPr/>
-        </p:nvCxnSpPr>
-        <p:spPr>
-          <a:xfrm flipH="1" flipV="1">
-            <a:off x="3745557" y="1628477"/>
-            <a:ext cx="1975994" cy="1850"/>
-          </a:xfrm>
-          <a:prstGeom prst="straightConnector1">
-            <a:avLst/>
-          </a:prstGeom>
-          <a:ln w="9525">
-            <a:solidFill>
-              <a:schemeClr val="tx1"/>
-            </a:solidFill>
-            <a:headEnd type="triangle"/>
-            <a:tailEnd type="triangle"/>
-          </a:ln>
-          <a:effectLst>
-            <a:outerShdw blurRad="63500" sx="102000" sy="102000" algn="ctr" rotWithShape="0">
-              <a:prstClr val="black">
-                <a:alpha val="40000"/>
-              </a:prstClr>
-            </a:outerShdw>
-          </a:effectLst>
-        </p:spPr>
-        <p:style>
-          <a:lnRef idx="1">
-            <a:schemeClr val="accent1"/>
-          </a:lnRef>
-          <a:fillRef idx="0">
-            <a:schemeClr val="accent1"/>
-          </a:fillRef>
-          <a:effectRef idx="0">
-            <a:schemeClr val="accent1"/>
-          </a:effectRef>
-          <a:fontRef idx="minor">
-            <a:schemeClr val="tx1"/>
-          </a:fontRef>
-        </p:style>
-      </p:cxnSp>
       <p:sp>
         <p:nvSpPr>
           <p:cNvPr id="65" name="文本框 64">
@@ -5522,7 +4815,7 @@
         </p:nvSpPr>
         <p:spPr>
           <a:xfrm>
-            <a:off x="4752240" y="6093642"/>
+            <a:off x="1165220" y="4702434"/>
             <a:ext cx="3223172" cy="453183"/>
           </a:xfrm>
           <a:prstGeom prst="rect">
@@ -5789,8 +5082,8 @@
         </p:nvCxnSpPr>
         <p:spPr>
           <a:xfrm flipV="1">
-            <a:off x="6363826" y="5841704"/>
-            <a:ext cx="0" cy="251938"/>
+            <a:off x="2776806" y="4456704"/>
+            <a:ext cx="1" cy="245730"/>
           </a:xfrm>
           <a:prstGeom prst="straightConnector1">
             <a:avLst/>
@@ -5842,7 +5135,7 @@
         </p:nvSpPr>
         <p:spPr>
           <a:xfrm>
-            <a:off x="1015923" y="1379436"/>
+            <a:off x="7756267" y="3777371"/>
             <a:ext cx="685449" cy="186648"/>
           </a:xfrm>
           <a:prstGeom prst="rect">
@@ -5908,7 +5201,7 @@
         </p:nvSpPr>
         <p:spPr>
           <a:xfrm>
-            <a:off x="1015922" y="1631048"/>
+            <a:off x="7756266" y="4028983"/>
             <a:ext cx="685449" cy="186648"/>
           </a:xfrm>
           <a:prstGeom prst="rect">
@@ -5960,12 +5253,116 @@
           </a:p>
         </p:txBody>
       </p:sp>
-      <p:sp>
-        <p:nvSpPr>
-          <p:cNvPr id="86" name="Rectangle 159">
-            <a:extLst>
-              <a:ext uri="{FF2B5EF4-FFF2-40B4-BE49-F238E27FC236}">
-                <a16:creationId xmlns:a16="http://schemas.microsoft.com/office/drawing/2014/main" id="{EF6E2E0D-B1C0-4AFC-FB19-9C1377E5B734}"/>
+      <p:cxnSp>
+        <p:nvCxnSpPr>
+          <p:cNvPr id="17" name="Straight Arrow Connector 14">
+            <a:extLst>
+              <a:ext uri="{FF2B5EF4-FFF2-40B4-BE49-F238E27FC236}">
+                <a16:creationId xmlns:a16="http://schemas.microsoft.com/office/drawing/2014/main" id="{421EA74A-CD49-C8AF-075B-075208BE8FD8}"/>
+              </a:ext>
+            </a:extLst>
+          </p:cNvPr>
+          <p:cNvCxnSpPr>
+            <a:cxnSpLocks/>
+            <a:stCxn id="10" idx="0"/>
+            <a:endCxn id="6" idx="2"/>
+          </p:cNvCxnSpPr>
+          <p:nvPr/>
+        </p:nvCxnSpPr>
+        <p:spPr>
+          <a:xfrm flipH="1" flipV="1">
+            <a:off x="6261551" y="1863045"/>
+            <a:ext cx="2482" cy="1933639"/>
+          </a:xfrm>
+          <a:prstGeom prst="straightConnector1">
+            <a:avLst/>
+          </a:prstGeom>
+          <a:ln w="9525">
+            <a:solidFill>
+              <a:schemeClr val="tx1"/>
+            </a:solidFill>
+            <a:headEnd type="triangle"/>
+            <a:tailEnd type="triangle"/>
+          </a:ln>
+          <a:effectLst>
+            <a:outerShdw blurRad="63500" sx="102000" sy="102000" algn="ctr" rotWithShape="0">
+              <a:prstClr val="black">
+                <a:alpha val="40000"/>
+              </a:prstClr>
+            </a:outerShdw>
+          </a:effectLst>
+        </p:spPr>
+        <p:style>
+          <a:lnRef idx="1">
+            <a:schemeClr val="accent1"/>
+          </a:lnRef>
+          <a:fillRef idx="0">
+            <a:schemeClr val="accent1"/>
+          </a:fillRef>
+          <a:effectRef idx="0">
+            <a:schemeClr val="accent1"/>
+          </a:effectRef>
+          <a:fontRef idx="minor">
+            <a:schemeClr val="tx1"/>
+          </a:fontRef>
+        </p:style>
+      </p:cxnSp>
+      <p:cxnSp>
+        <p:nvCxnSpPr>
+          <p:cNvPr id="22" name="Connector: Elbow 162">
+            <a:extLst>
+              <a:ext uri="{FF2B5EF4-FFF2-40B4-BE49-F238E27FC236}">
+                <a16:creationId xmlns:a16="http://schemas.microsoft.com/office/drawing/2014/main" id="{979BC091-250B-EB57-4A75-0FAE04EE1742}"/>
+              </a:ext>
+            </a:extLst>
+          </p:cNvPr>
+          <p:cNvCxnSpPr>
+            <a:cxnSpLocks/>
+            <a:stCxn id="10" idx="1"/>
+            <a:endCxn id="31" idx="3"/>
+          </p:cNvCxnSpPr>
+          <p:nvPr/>
+        </p:nvCxnSpPr>
+        <p:spPr>
+          <a:xfrm rot="10800000">
+            <a:off x="4050868" y="3484259"/>
+            <a:ext cx="1675646" cy="545144"/>
+          </a:xfrm>
+          <a:prstGeom prst="bentConnector3">
+            <a:avLst>
+              <a:gd name="adj1" fmla="val 50000"/>
+            </a:avLst>
+          </a:prstGeom>
+          <a:ln w="9525">
+            <a:solidFill>
+              <a:schemeClr val="tx1"/>
+            </a:solidFill>
+            <a:prstDash val="solid"/>
+            <a:headEnd type="triangle"/>
+            <a:tailEnd type="triangle"/>
+          </a:ln>
+        </p:spPr>
+        <p:style>
+          <a:lnRef idx="1">
+            <a:schemeClr val="accent1"/>
+          </a:lnRef>
+          <a:fillRef idx="0">
+            <a:schemeClr val="accent1"/>
+          </a:fillRef>
+          <a:effectRef idx="0">
+            <a:schemeClr val="accent1"/>
+          </a:effectRef>
+          <a:fontRef idx="minor">
+            <a:schemeClr val="tx1"/>
+          </a:fontRef>
+        </p:style>
+      </p:cxnSp>
+      <p:sp>
+        <p:nvSpPr>
+          <p:cNvPr id="29" name="矩形: 圆角 28">
+            <a:extLst>
+              <a:ext uri="{FF2B5EF4-FFF2-40B4-BE49-F238E27FC236}">
+                <a16:creationId xmlns:a16="http://schemas.microsoft.com/office/drawing/2014/main" id="{EBD2BC47-DB9F-F3D2-D581-9FE3C57A24E4}"/>
               </a:ext>
             </a:extLst>
           </p:cNvPr>
@@ -5974,7 +5371,578 @@
         </p:nvSpPr>
         <p:spPr>
           <a:xfrm>
-            <a:off x="1930986" y="2479496"/>
+            <a:off x="1307203" y="2160476"/>
+            <a:ext cx="2684834" cy="526339"/>
+          </a:xfrm>
+          <a:prstGeom prst="roundRect">
+            <a:avLst>
+              <a:gd name="adj" fmla="val 7426"/>
+            </a:avLst>
+          </a:prstGeom>
+          <a:solidFill>
+            <a:schemeClr val="bg1">
+              <a:alpha val="20000"/>
+            </a:schemeClr>
+          </a:solidFill>
+          <a:ln>
+            <a:solidFill>
+              <a:schemeClr val="tx1"/>
+            </a:solidFill>
+            <a:prstDash val="dash"/>
+          </a:ln>
+        </p:spPr>
+        <p:style>
+          <a:lnRef idx="2">
+            <a:schemeClr val="accent1">
+              <a:shade val="15000"/>
+            </a:schemeClr>
+          </a:lnRef>
+          <a:fillRef idx="1">
+            <a:schemeClr val="accent1"/>
+          </a:fillRef>
+          <a:effectRef idx="0">
+            <a:schemeClr val="accent1"/>
+          </a:effectRef>
+          <a:fontRef idx="minor">
+            <a:schemeClr val="lt1"/>
+          </a:fontRef>
+        </p:style>
+        <p:txBody>
+          <a:bodyPr rtlCol="0" anchor="ctr"/>
+          <a:lstStyle/>
+          <a:p>
+            <a:pPr algn="ctr"/>
+            <a:endParaRPr lang="zh-CN" altLang="en-US"/>
+          </a:p>
+        </p:txBody>
+      </p:sp>
+      <p:sp>
+        <p:nvSpPr>
+          <p:cNvPr id="31" name="矩形: 圆角 30">
+            <a:extLst>
+              <a:ext uri="{FF2B5EF4-FFF2-40B4-BE49-F238E27FC236}">
+                <a16:creationId xmlns:a16="http://schemas.microsoft.com/office/drawing/2014/main" id="{35726808-4A53-097D-B5EB-644A32A8073B}"/>
+              </a:ext>
+            </a:extLst>
+          </p:cNvPr>
+          <p:cNvSpPr/>
+          <p:nvPr/>
+        </p:nvSpPr>
+        <p:spPr>
+          <a:xfrm>
+            <a:off x="1307203" y="2964997"/>
+            <a:ext cx="2743665" cy="1038524"/>
+          </a:xfrm>
+          <a:prstGeom prst="roundRect">
+            <a:avLst>
+              <a:gd name="adj" fmla="val 8237"/>
+            </a:avLst>
+          </a:prstGeom>
+          <a:solidFill>
+            <a:schemeClr val="bg1">
+              <a:alpha val="20000"/>
+            </a:schemeClr>
+          </a:solidFill>
+          <a:ln>
+            <a:solidFill>
+              <a:schemeClr val="tx1"/>
+            </a:solidFill>
+            <a:prstDash val="dash"/>
+          </a:ln>
+        </p:spPr>
+        <p:style>
+          <a:lnRef idx="2">
+            <a:schemeClr val="accent1">
+              <a:shade val="15000"/>
+            </a:schemeClr>
+          </a:lnRef>
+          <a:fillRef idx="1">
+            <a:schemeClr val="accent1"/>
+          </a:fillRef>
+          <a:effectRef idx="0">
+            <a:schemeClr val="accent1"/>
+          </a:effectRef>
+          <a:fontRef idx="minor">
+            <a:schemeClr val="lt1"/>
+          </a:fontRef>
+        </p:style>
+        <p:txBody>
+          <a:bodyPr rtlCol="0" anchor="ctr"/>
+          <a:lstStyle/>
+          <a:p>
+            <a:pPr algn="ctr"/>
+            <a:endParaRPr lang="zh-CN" altLang="en-US"/>
+          </a:p>
+        </p:txBody>
+      </p:sp>
+      <p:sp>
+        <p:nvSpPr>
+          <p:cNvPr id="9" name="Rectangle 8">
+            <a:extLst>
+              <a:ext uri="{FF2B5EF4-FFF2-40B4-BE49-F238E27FC236}">
+                <a16:creationId xmlns:a16="http://schemas.microsoft.com/office/drawing/2014/main" id="{56F4A4FE-1E8D-F949-D9CD-B3B0E98A42D0}"/>
+              </a:ext>
+            </a:extLst>
+          </p:cNvPr>
+          <p:cNvSpPr/>
+          <p:nvPr/>
+        </p:nvSpPr>
+        <p:spPr>
+          <a:xfrm>
+            <a:off x="2720580" y="3518399"/>
+            <a:ext cx="1196369" cy="357840"/>
+          </a:xfrm>
+          <a:prstGeom prst="rect">
+            <a:avLst/>
+          </a:prstGeom>
+          <a:solidFill>
+            <a:schemeClr val="accent4">
+              <a:lumMod val="20000"/>
+              <a:lumOff val="80000"/>
+            </a:schemeClr>
+          </a:solidFill>
+          <a:ln>
+            <a:solidFill>
+              <a:schemeClr val="tx1"/>
+            </a:solidFill>
+          </a:ln>
+        </p:spPr>
+        <p:style>
+          <a:lnRef idx="2">
+            <a:schemeClr val="accent1">
+              <a:shade val="50000"/>
+            </a:schemeClr>
+          </a:lnRef>
+          <a:fillRef idx="1">
+            <a:schemeClr val="accent1"/>
+          </a:fillRef>
+          <a:effectRef idx="0">
+            <a:schemeClr val="accent1"/>
+          </a:effectRef>
+          <a:fontRef idx="minor">
+            <a:schemeClr val="lt1"/>
+          </a:fontRef>
+        </p:style>
+        <p:txBody>
+          <a:bodyPr rtlCol="0" anchor="ctr" anchorCtr="1"/>
+          <a:lstStyle/>
+          <a:p>
+            <a:pPr algn="ctr"/>
+            <a:r>
+              <a:rPr lang="en-US" sz="1400" dirty="0">
+                <a:solidFill>
+                  <a:schemeClr val="tx1"/>
+                </a:solidFill>
+                <a:latin typeface="LXGW WenKai" panose="02020500000000000000" pitchFamily="18" charset="-120"/>
+                <a:ea typeface="LXGW WenKai" panose="02020500000000000000" pitchFamily="18" charset="-120"/>
+              </a:rPr>
+              <a:t>Knowledge</a:t>
+            </a:r>
+            <a:endParaRPr lang="en-US" sz="1600" dirty="0">
+              <a:solidFill>
+                <a:schemeClr val="tx1"/>
+              </a:solidFill>
+              <a:latin typeface="LXGW WenKai" panose="02020500000000000000" pitchFamily="18" charset="-120"/>
+              <a:ea typeface="LXGW WenKai" panose="02020500000000000000" pitchFamily="18" charset="-120"/>
+            </a:endParaRPr>
+          </a:p>
+        </p:txBody>
+      </p:sp>
+      <p:sp>
+        <p:nvSpPr>
+          <p:cNvPr id="80" name="Rectangle 79">
+            <a:extLst>
+              <a:ext uri="{FF2B5EF4-FFF2-40B4-BE49-F238E27FC236}">
+                <a16:creationId xmlns:a16="http://schemas.microsoft.com/office/drawing/2014/main" id="{55E3340C-8A4D-29A5-5A0C-170E40347EC9}"/>
+              </a:ext>
+            </a:extLst>
+          </p:cNvPr>
+          <p:cNvSpPr/>
+          <p:nvPr/>
+        </p:nvSpPr>
+        <p:spPr>
+          <a:xfrm>
+            <a:off x="1391468" y="3185917"/>
+            <a:ext cx="1196369" cy="526339"/>
+          </a:xfrm>
+          <a:prstGeom prst="rect">
+            <a:avLst/>
+          </a:prstGeom>
+          <a:solidFill>
+            <a:schemeClr val="accent4">
+              <a:lumMod val="20000"/>
+              <a:lumOff val="80000"/>
+            </a:schemeClr>
+          </a:solidFill>
+          <a:ln>
+            <a:solidFill>
+              <a:schemeClr val="tx1"/>
+            </a:solidFill>
+          </a:ln>
+        </p:spPr>
+        <p:style>
+          <a:lnRef idx="2">
+            <a:schemeClr val="accent1">
+              <a:shade val="50000"/>
+            </a:schemeClr>
+          </a:lnRef>
+          <a:fillRef idx="1">
+            <a:schemeClr val="accent1"/>
+          </a:fillRef>
+          <a:effectRef idx="0">
+            <a:schemeClr val="accent1"/>
+          </a:effectRef>
+          <a:fontRef idx="minor">
+            <a:schemeClr val="lt1"/>
+          </a:fontRef>
+        </p:style>
+        <p:txBody>
+          <a:bodyPr rtlCol="0" anchor="ctr" anchorCtr="1"/>
+          <a:lstStyle/>
+          <a:p>
+            <a:pPr algn="ctr"/>
+            <a:r>
+              <a:rPr lang="en-US" sz="1400" dirty="0">
+                <a:solidFill>
+                  <a:schemeClr val="tx1"/>
+                </a:solidFill>
+                <a:latin typeface="LXGW WenKai" panose="02020500000000000000" pitchFamily="18" charset="-120"/>
+                <a:ea typeface="LXGW WenKai" panose="02020500000000000000" pitchFamily="18" charset="-120"/>
+              </a:rPr>
+              <a:t>Agent Configs</a:t>
+            </a:r>
+            <a:endParaRPr lang="en-US" sz="1600" dirty="0">
+              <a:solidFill>
+                <a:schemeClr val="tx1"/>
+              </a:solidFill>
+              <a:latin typeface="LXGW WenKai" panose="02020500000000000000" pitchFamily="18" charset="-120"/>
+              <a:ea typeface="LXGW WenKai" panose="02020500000000000000" pitchFamily="18" charset="-120"/>
+            </a:endParaRPr>
+          </a:p>
+        </p:txBody>
+      </p:sp>
+      <p:sp>
+        <p:nvSpPr>
+          <p:cNvPr id="96" name="Rectangle 95">
+            <a:extLst>
+              <a:ext uri="{FF2B5EF4-FFF2-40B4-BE49-F238E27FC236}">
+                <a16:creationId xmlns:a16="http://schemas.microsoft.com/office/drawing/2014/main" id="{1A571AEA-B399-C4AC-3A18-2CA6BF7CEACD}"/>
+              </a:ext>
+            </a:extLst>
+          </p:cNvPr>
+          <p:cNvSpPr/>
+          <p:nvPr/>
+        </p:nvSpPr>
+        <p:spPr>
+          <a:xfrm>
+            <a:off x="2723505" y="3021842"/>
+            <a:ext cx="1196369" cy="357840"/>
+          </a:xfrm>
+          <a:prstGeom prst="rect">
+            <a:avLst/>
+          </a:prstGeom>
+          <a:solidFill>
+            <a:schemeClr val="accent4">
+              <a:lumMod val="20000"/>
+              <a:lumOff val="80000"/>
+            </a:schemeClr>
+          </a:solidFill>
+          <a:ln>
+            <a:solidFill>
+              <a:schemeClr val="tx1"/>
+            </a:solidFill>
+          </a:ln>
+        </p:spPr>
+        <p:style>
+          <a:lnRef idx="2">
+            <a:schemeClr val="accent1">
+              <a:shade val="50000"/>
+            </a:schemeClr>
+          </a:lnRef>
+          <a:fillRef idx="1">
+            <a:schemeClr val="accent1"/>
+          </a:fillRef>
+          <a:effectRef idx="0">
+            <a:schemeClr val="accent1"/>
+          </a:effectRef>
+          <a:fontRef idx="minor">
+            <a:schemeClr val="lt1"/>
+          </a:fontRef>
+        </p:style>
+        <p:txBody>
+          <a:bodyPr rtlCol="0" anchor="ctr" anchorCtr="1"/>
+          <a:lstStyle/>
+          <a:p>
+            <a:pPr algn="ctr"/>
+            <a:r>
+              <a:rPr lang="en-US" sz="1400" dirty="0">
+                <a:solidFill>
+                  <a:schemeClr val="tx1"/>
+                </a:solidFill>
+                <a:latin typeface="LXGW WenKai" panose="02020500000000000000" pitchFamily="18" charset="-120"/>
+                <a:ea typeface="LXGW WenKai" panose="02020500000000000000" pitchFamily="18" charset="-120"/>
+              </a:rPr>
+              <a:t>Contexts</a:t>
+            </a:r>
+          </a:p>
+        </p:txBody>
+      </p:sp>
+      <p:sp>
+        <p:nvSpPr>
+          <p:cNvPr id="4" name="Rectangle 3">
+            <a:extLst>
+              <a:ext uri="{FF2B5EF4-FFF2-40B4-BE49-F238E27FC236}">
+                <a16:creationId xmlns:a16="http://schemas.microsoft.com/office/drawing/2014/main" id="{D9806EAC-7DC2-FFAD-F565-90F93EC55137}"/>
+              </a:ext>
+            </a:extLst>
+          </p:cNvPr>
+          <p:cNvSpPr/>
+          <p:nvPr/>
+        </p:nvSpPr>
+        <p:spPr>
+          <a:xfrm>
+            <a:off x="1391468" y="2248108"/>
+            <a:ext cx="1196369" cy="360000"/>
+          </a:xfrm>
+          <a:prstGeom prst="rect">
+            <a:avLst/>
+          </a:prstGeom>
+          <a:solidFill>
+            <a:schemeClr val="accent4">
+              <a:lumMod val="40000"/>
+              <a:lumOff val="60000"/>
+            </a:schemeClr>
+          </a:solidFill>
+          <a:ln>
+            <a:solidFill>
+              <a:schemeClr val="tx1"/>
+            </a:solidFill>
+          </a:ln>
+        </p:spPr>
+        <p:style>
+          <a:lnRef idx="2">
+            <a:schemeClr val="accent1">
+              <a:shade val="50000"/>
+            </a:schemeClr>
+          </a:lnRef>
+          <a:fillRef idx="1">
+            <a:schemeClr val="accent1"/>
+          </a:fillRef>
+          <a:effectRef idx="0">
+            <a:schemeClr val="accent1"/>
+          </a:effectRef>
+          <a:fontRef idx="minor">
+            <a:schemeClr val="lt1"/>
+          </a:fontRef>
+        </p:style>
+        <p:txBody>
+          <a:bodyPr rtlCol="0" anchor="ctr" anchorCtr="1"/>
+          <a:lstStyle/>
+          <a:p>
+            <a:pPr algn="ctr"/>
+            <a:r>
+              <a:rPr lang="en-US" sz="1400" dirty="0">
+                <a:solidFill>
+                  <a:schemeClr val="tx1"/>
+                </a:solidFill>
+                <a:latin typeface="LXGW WenKai" panose="02020500000000000000" pitchFamily="18" charset="-120"/>
+                <a:ea typeface="LXGW WenKai" panose="02020500000000000000" pitchFamily="18" charset="-120"/>
+              </a:rPr>
+              <a:t>UI Configs</a:t>
+            </a:r>
+          </a:p>
+        </p:txBody>
+      </p:sp>
+      <p:sp>
+        <p:nvSpPr>
+          <p:cNvPr id="8" name="Rectangle 7">
+            <a:extLst>
+              <a:ext uri="{FF2B5EF4-FFF2-40B4-BE49-F238E27FC236}">
+                <a16:creationId xmlns:a16="http://schemas.microsoft.com/office/drawing/2014/main" id="{4DC41078-AFAF-45AD-5CA5-28463EEE9024}"/>
+              </a:ext>
+            </a:extLst>
+          </p:cNvPr>
+          <p:cNvSpPr/>
+          <p:nvPr/>
+        </p:nvSpPr>
+        <p:spPr>
+          <a:xfrm>
+            <a:off x="2719832" y="2248108"/>
+            <a:ext cx="1197864" cy="360000"/>
+          </a:xfrm>
+          <a:prstGeom prst="rect">
+            <a:avLst/>
+          </a:prstGeom>
+          <a:solidFill>
+            <a:schemeClr val="accent4">
+              <a:lumMod val="40000"/>
+              <a:lumOff val="60000"/>
+            </a:schemeClr>
+          </a:solidFill>
+          <a:ln>
+            <a:solidFill>
+              <a:schemeClr val="tx1"/>
+            </a:solidFill>
+          </a:ln>
+        </p:spPr>
+        <p:style>
+          <a:lnRef idx="2">
+            <a:schemeClr val="accent1">
+              <a:shade val="50000"/>
+            </a:schemeClr>
+          </a:lnRef>
+          <a:fillRef idx="1">
+            <a:schemeClr val="accent1"/>
+          </a:fillRef>
+          <a:effectRef idx="0">
+            <a:schemeClr val="accent1"/>
+          </a:effectRef>
+          <a:fontRef idx="minor">
+            <a:schemeClr val="lt1"/>
+          </a:fontRef>
+        </p:style>
+        <p:txBody>
+          <a:bodyPr rtlCol="0" anchor="ctr" anchorCtr="1"/>
+          <a:lstStyle/>
+          <a:p>
+            <a:pPr algn="ctr"/>
+            <a:r>
+              <a:rPr lang="en-US" sz="1400" dirty="0">
+                <a:solidFill>
+                  <a:schemeClr val="tx1"/>
+                </a:solidFill>
+                <a:latin typeface="LXGW WenKai" panose="02020500000000000000" pitchFamily="18" charset="-120"/>
+                <a:ea typeface="LXGW WenKai" panose="02020500000000000000" pitchFamily="18" charset="-120"/>
+              </a:rPr>
+              <a:t>Messages</a:t>
+            </a:r>
+          </a:p>
+        </p:txBody>
+      </p:sp>
+      <p:cxnSp>
+        <p:nvCxnSpPr>
+          <p:cNvPr id="34" name="Connector: Elbow 162">
+            <a:extLst>
+              <a:ext uri="{FF2B5EF4-FFF2-40B4-BE49-F238E27FC236}">
+                <a16:creationId xmlns:a16="http://schemas.microsoft.com/office/drawing/2014/main" id="{F1F077E2-953D-059B-1561-459E974F0C35}"/>
+              </a:ext>
+            </a:extLst>
+          </p:cNvPr>
+          <p:cNvCxnSpPr>
+            <a:cxnSpLocks/>
+            <a:stCxn id="6" idx="1"/>
+            <a:endCxn id="29" idx="3"/>
+          </p:cNvCxnSpPr>
+          <p:nvPr/>
+        </p:nvCxnSpPr>
+        <p:spPr>
+          <a:xfrm rot="10800000" flipV="1">
+            <a:off x="3992037" y="1630326"/>
+            <a:ext cx="1729514" cy="793319"/>
+          </a:xfrm>
+          <a:prstGeom prst="bentConnector3">
+            <a:avLst>
+              <a:gd name="adj1" fmla="val 50000"/>
+            </a:avLst>
+          </a:prstGeom>
+          <a:ln w="9525">
+            <a:solidFill>
+              <a:schemeClr val="tx1"/>
+            </a:solidFill>
+            <a:prstDash val="solid"/>
+            <a:headEnd type="triangle"/>
+            <a:tailEnd type="triangle"/>
+          </a:ln>
+        </p:spPr>
+        <p:style>
+          <a:lnRef idx="1">
+            <a:schemeClr val="accent1"/>
+          </a:lnRef>
+          <a:fillRef idx="0">
+            <a:schemeClr val="accent1"/>
+          </a:fillRef>
+          <a:effectRef idx="0">
+            <a:schemeClr val="accent1"/>
+          </a:effectRef>
+          <a:fontRef idx="minor">
+            <a:schemeClr val="tx1"/>
+          </a:fontRef>
+        </p:style>
+      </p:cxnSp>
+      <p:sp>
+        <p:nvSpPr>
+          <p:cNvPr id="43" name="矩形: 圆角 42">
+            <a:extLst>
+              <a:ext uri="{FF2B5EF4-FFF2-40B4-BE49-F238E27FC236}">
+                <a16:creationId xmlns:a16="http://schemas.microsoft.com/office/drawing/2014/main" id="{CD04CB64-B710-56CD-45A1-FF5976F60349}"/>
+              </a:ext>
+            </a:extLst>
+          </p:cNvPr>
+          <p:cNvSpPr/>
+          <p:nvPr/>
+        </p:nvSpPr>
+        <p:spPr>
+          <a:xfrm>
+            <a:off x="5986527" y="4805124"/>
+            <a:ext cx="2347331" cy="641816"/>
+          </a:xfrm>
+          <a:prstGeom prst="roundRect">
+            <a:avLst>
+              <a:gd name="adj" fmla="val 8237"/>
+            </a:avLst>
+          </a:prstGeom>
+          <a:solidFill>
+            <a:schemeClr val="bg1">
+              <a:alpha val="20000"/>
+            </a:schemeClr>
+          </a:solidFill>
+          <a:ln>
+            <a:solidFill>
+              <a:schemeClr val="tx1"/>
+            </a:solidFill>
+            <a:prstDash val="dash"/>
+          </a:ln>
+        </p:spPr>
+        <p:style>
+          <a:lnRef idx="2">
+            <a:schemeClr val="accent1">
+              <a:shade val="15000"/>
+            </a:schemeClr>
+          </a:lnRef>
+          <a:fillRef idx="1">
+            <a:schemeClr val="accent1"/>
+          </a:fillRef>
+          <a:effectRef idx="0">
+            <a:schemeClr val="accent1"/>
+          </a:effectRef>
+          <a:fontRef idx="minor">
+            <a:schemeClr val="lt1"/>
+          </a:fontRef>
+        </p:style>
+        <p:txBody>
+          <a:bodyPr rtlCol="0" anchor="ctr"/>
+          <a:lstStyle/>
+          <a:p>
+            <a:pPr algn="ctr"/>
+            <a:endParaRPr lang="zh-CN" altLang="en-US"/>
+          </a:p>
+        </p:txBody>
+      </p:sp>
+      <p:sp>
+        <p:nvSpPr>
+          <p:cNvPr id="160" name="Rectangle 159">
+            <a:extLst>
+              <a:ext uri="{FF2B5EF4-FFF2-40B4-BE49-F238E27FC236}">
+                <a16:creationId xmlns:a16="http://schemas.microsoft.com/office/drawing/2014/main" id="{2D663D7A-E75A-A89B-C125-37C84B176016}"/>
+              </a:ext>
+            </a:extLst>
+          </p:cNvPr>
+          <p:cNvSpPr/>
+          <p:nvPr/>
+        </p:nvSpPr>
+        <p:spPr>
+          <a:xfrm>
+            <a:off x="6061393" y="4915666"/>
             <a:ext cx="881844" cy="415942"/>
           </a:xfrm>
           <a:prstGeom prst="rect">
@@ -6021,6 +5989,72 @@
                 <a:latin typeface="LXGW WenKai" panose="02020500000000000000" pitchFamily="18" charset="-120"/>
                 <a:ea typeface="LXGW WenKai" panose="02020500000000000000" pitchFamily="18" charset="-120"/>
               </a:rPr>
+              <a:t>LLMs</a:t>
+            </a:r>
+          </a:p>
+        </p:txBody>
+      </p:sp>
+      <p:sp>
+        <p:nvSpPr>
+          <p:cNvPr id="86" name="Rectangle 159">
+            <a:extLst>
+              <a:ext uri="{FF2B5EF4-FFF2-40B4-BE49-F238E27FC236}">
+                <a16:creationId xmlns:a16="http://schemas.microsoft.com/office/drawing/2014/main" id="{EF6E2E0D-B1C0-4AFC-FB19-9C1377E5B734}"/>
+              </a:ext>
+            </a:extLst>
+          </p:cNvPr>
+          <p:cNvSpPr/>
+          <p:nvPr/>
+        </p:nvSpPr>
+        <p:spPr>
+          <a:xfrm>
+            <a:off x="7361106" y="4915666"/>
+            <a:ext cx="881844" cy="415942"/>
+          </a:xfrm>
+          <a:prstGeom prst="rect">
+            <a:avLst/>
+          </a:prstGeom>
+          <a:solidFill>
+            <a:schemeClr val="accent2">
+              <a:lumMod val="60000"/>
+              <a:lumOff val="40000"/>
+            </a:schemeClr>
+          </a:solidFill>
+          <a:ln>
+            <a:solidFill>
+              <a:schemeClr val="tx1"/>
+            </a:solidFill>
+          </a:ln>
+        </p:spPr>
+        <p:style>
+          <a:lnRef idx="2">
+            <a:schemeClr val="accent1">
+              <a:shade val="50000"/>
+            </a:schemeClr>
+          </a:lnRef>
+          <a:fillRef idx="1">
+            <a:schemeClr val="accent1"/>
+          </a:fillRef>
+          <a:effectRef idx="0">
+            <a:schemeClr val="accent1"/>
+          </a:effectRef>
+          <a:fontRef idx="minor">
+            <a:schemeClr val="lt1"/>
+          </a:fontRef>
+        </p:style>
+        <p:txBody>
+          <a:bodyPr rtlCol="0" anchor="ctr" anchorCtr="1"/>
+          <a:lstStyle/>
+          <a:p>
+            <a:pPr algn="ctr"/>
+            <a:r>
+              <a:rPr lang="en-US" sz="1400" dirty="0">
+                <a:solidFill>
+                  <a:schemeClr val="tx1"/>
+                </a:solidFill>
+                <a:latin typeface="LXGW WenKai" panose="02020500000000000000" pitchFamily="18" charset="-120"/>
+                <a:ea typeface="LXGW WenKai" panose="02020500000000000000" pitchFamily="18" charset="-120"/>
+              </a:rPr>
               <a:t>Tools</a:t>
             </a:r>
           </a:p>
@@ -6028,24 +6062,74 @@
       </p:sp>
       <p:cxnSp>
         <p:nvCxnSpPr>
-          <p:cNvPr id="87" name="Straight Arrow Connector 14">
-            <a:extLst>
-              <a:ext uri="{FF2B5EF4-FFF2-40B4-BE49-F238E27FC236}">
-                <a16:creationId xmlns:a16="http://schemas.microsoft.com/office/drawing/2014/main" id="{F401348B-1F01-8AD4-25B3-8EE19ADB2291}"/>
+          <p:cNvPr id="44" name="Connector: Elbow 162">
+            <a:extLst>
+              <a:ext uri="{FF2B5EF4-FFF2-40B4-BE49-F238E27FC236}">
+                <a16:creationId xmlns:a16="http://schemas.microsoft.com/office/drawing/2014/main" id="{0732B11F-8D01-47FB-9ECE-AEC5AD37DB9E}"/>
               </a:ext>
             </a:extLst>
           </p:cNvPr>
           <p:cNvCxnSpPr>
             <a:cxnSpLocks/>
-            <a:stCxn id="10" idx="1"/>
+            <a:stCxn id="43" idx="3"/>
             <a:endCxn id="49" idx="3"/>
           </p:cNvCxnSpPr>
           <p:nvPr/>
         </p:nvCxnSpPr>
         <p:spPr>
+          <a:xfrm flipV="1">
+            <a:off x="8333858" y="4026412"/>
+            <a:ext cx="266923" cy="1099620"/>
+          </a:xfrm>
+          <a:prstGeom prst="bentConnector3">
+            <a:avLst>
+              <a:gd name="adj1" fmla="val 185643"/>
+            </a:avLst>
+          </a:prstGeom>
+          <a:ln w="9525">
+            <a:solidFill>
+              <a:schemeClr val="tx1"/>
+            </a:solidFill>
+            <a:prstDash val="solid"/>
+            <a:headEnd type="triangle"/>
+            <a:tailEnd type="triangle"/>
+          </a:ln>
+        </p:spPr>
+        <p:style>
+          <a:lnRef idx="1">
+            <a:schemeClr val="accent1"/>
+          </a:lnRef>
+          <a:fillRef idx="0">
+            <a:schemeClr val="accent1"/>
+          </a:fillRef>
+          <a:effectRef idx="0">
+            <a:schemeClr val="accent1"/>
+          </a:effectRef>
+          <a:fontRef idx="minor">
+            <a:schemeClr val="tx1"/>
+          </a:fontRef>
+        </p:style>
+      </p:cxnSp>
+      <p:cxnSp>
+        <p:nvCxnSpPr>
+          <p:cNvPr id="52" name="Straight Arrow Connector 14">
+            <a:extLst>
+              <a:ext uri="{FF2B5EF4-FFF2-40B4-BE49-F238E27FC236}">
+                <a16:creationId xmlns:a16="http://schemas.microsoft.com/office/drawing/2014/main" id="{1396601A-25D6-F7D1-97EC-2BD53FE112D5}"/>
+              </a:ext>
+            </a:extLst>
+          </p:cNvPr>
+          <p:cNvCxnSpPr>
+            <a:cxnSpLocks/>
+            <a:stCxn id="49" idx="1"/>
+            <a:endCxn id="10" idx="3"/>
+          </p:cNvCxnSpPr>
+          <p:nvPr/>
+        </p:nvCxnSpPr>
+        <p:spPr>
           <a:xfrm flipH="1">
-            <a:off x="1860437" y="1628477"/>
-            <a:ext cx="810083" cy="0"/>
+            <a:off x="6801551" y="4026412"/>
+            <a:ext cx="785919" cy="2991"/>
           </a:xfrm>
           <a:prstGeom prst="straightConnector1">
             <a:avLst/>
@@ -6064,105 +6148,6 @@
               </a:prstClr>
             </a:outerShdw>
           </a:effectLst>
-        </p:spPr>
-        <p:style>
-          <a:lnRef idx="1">
-            <a:schemeClr val="accent1"/>
-          </a:lnRef>
-          <a:fillRef idx="0">
-            <a:schemeClr val="accent1"/>
-          </a:fillRef>
-          <a:effectRef idx="0">
-            <a:schemeClr val="accent1"/>
-          </a:effectRef>
-          <a:fontRef idx="minor">
-            <a:schemeClr val="tx1"/>
-          </a:fontRef>
-        </p:style>
-      </p:cxnSp>
-      <p:cxnSp>
-        <p:nvCxnSpPr>
-          <p:cNvPr id="93" name="Connector: Elbow 29">
-            <a:extLst>
-              <a:ext uri="{FF2B5EF4-FFF2-40B4-BE49-F238E27FC236}">
-                <a16:creationId xmlns:a16="http://schemas.microsoft.com/office/drawing/2014/main" id="{F7C8DBB6-03E3-069B-1DE6-74F5F0C3924E}"/>
-              </a:ext>
-            </a:extLst>
-          </p:cNvPr>
-          <p:cNvCxnSpPr>
-            <a:cxnSpLocks/>
-            <a:stCxn id="49" idx="1"/>
-            <a:endCxn id="160" idx="1"/>
-          </p:cNvCxnSpPr>
-          <p:nvPr/>
-        </p:nvCxnSpPr>
-        <p:spPr>
-          <a:xfrm rot="10800000" flipV="1">
-            <a:off x="847126" y="1628477"/>
-            <a:ext cx="12700" cy="1058990"/>
-          </a:xfrm>
-          <a:prstGeom prst="bentConnector3">
-            <a:avLst>
-              <a:gd name="adj1" fmla="val 1800000"/>
-            </a:avLst>
-          </a:prstGeom>
-          <a:ln w="9525">
-            <a:solidFill>
-              <a:schemeClr val="tx1"/>
-            </a:solidFill>
-            <a:headEnd type="triangle"/>
-            <a:tailEnd type="triangle"/>
-          </a:ln>
-        </p:spPr>
-        <p:style>
-          <a:lnRef idx="1">
-            <a:schemeClr val="accent1"/>
-          </a:lnRef>
-          <a:fillRef idx="0">
-            <a:schemeClr val="accent1"/>
-          </a:fillRef>
-          <a:effectRef idx="0">
-            <a:schemeClr val="accent1"/>
-          </a:effectRef>
-          <a:fontRef idx="minor">
-            <a:schemeClr val="tx1"/>
-          </a:fontRef>
-        </p:style>
-      </p:cxnSp>
-      <p:cxnSp>
-        <p:nvCxnSpPr>
-          <p:cNvPr id="97" name="Connector: Elbow 29">
-            <a:extLst>
-              <a:ext uri="{FF2B5EF4-FFF2-40B4-BE49-F238E27FC236}">
-                <a16:creationId xmlns:a16="http://schemas.microsoft.com/office/drawing/2014/main" id="{B6C4DF2E-12C3-FD0F-D912-B3BF412437F0}"/>
-              </a:ext>
-            </a:extLst>
-          </p:cNvPr>
-          <p:cNvCxnSpPr>
-            <a:cxnSpLocks/>
-            <a:stCxn id="49" idx="1"/>
-            <a:endCxn id="86" idx="2"/>
-          </p:cNvCxnSpPr>
-          <p:nvPr/>
-        </p:nvCxnSpPr>
-        <p:spPr>
-          <a:xfrm rot="10800000" flipH="1" flipV="1">
-            <a:off x="847126" y="1628476"/>
-            <a:ext cx="1524782" cy="1266961"/>
-          </a:xfrm>
-          <a:prstGeom prst="bentConnector4">
-            <a:avLst>
-              <a:gd name="adj1" fmla="val -13716"/>
-              <a:gd name="adj2" fmla="val 118043"/>
-            </a:avLst>
-          </a:prstGeom>
-          <a:ln w="9525">
-            <a:solidFill>
-              <a:schemeClr val="tx1"/>
-            </a:solidFill>
-            <a:headEnd type="triangle"/>
-            <a:tailEnd type="triangle"/>
-          </a:ln>
         </p:spPr>
         <p:style>
           <a:lnRef idx="1">
@@ -8587,20 +8572,20 @@
 </file>
 
 <file path=customXml/item2.xml><?xml version="1.0" encoding="utf-8"?>
-<p:properties xmlns:p="http://schemas.microsoft.com/office/2006/metadata/properties" xmlns:xsi="http://www.w3.org/2001/XMLSchema-instance" xmlns:pc="http://schemas.microsoft.com/office/infopath/2007/PartnerControls">
-  <documentManagement>
-    <_activity xmlns="b9c0df90-6177-490c-b060-567d6533c817" xsi:nil="true"/>
-  </documentManagement>
-</p:properties>
-</file>
-
-<file path=customXml/item3.xml><?xml version="1.0" encoding="utf-8"?>
 <?mso-contentType ?>
 <FormTemplates xmlns="http://schemas.microsoft.com/sharepoint/v3/contenttype/forms">
   <Display>DocumentLibraryForm</Display>
   <Edit>DocumentLibraryForm</Edit>
   <New>DocumentLibraryForm</New>
 </FormTemplates>
+</file>
+
+<file path=customXml/item3.xml><?xml version="1.0" encoding="utf-8"?>
+<p:properties xmlns:p="http://schemas.microsoft.com/office/2006/metadata/properties" xmlns:xsi="http://www.w3.org/2001/XMLSchema-instance" xmlns:pc="http://schemas.microsoft.com/office/infopath/2007/PartnerControls">
+  <documentManagement>
+    <_activity xmlns="b9c0df90-6177-490c-b060-567d6533c817" xsi:nil="true"/>
+  </documentManagement>
+</p:properties>
 </file>
 
 <file path=customXml/itemProps1.xml><?xml version="1.0" encoding="utf-8"?>
@@ -8623,6 +8608,14 @@
 </file>
 
 <file path=customXml/itemProps2.xml><?xml version="1.0" encoding="utf-8"?>
+<ds:datastoreItem xmlns:ds="http://schemas.openxmlformats.org/officeDocument/2006/customXml" ds:itemID="{86A9A6AE-A2D2-4466-B053-FEAA2AECCDAE}">
+  <ds:schemaRefs>
+    <ds:schemaRef ds:uri="http://schemas.microsoft.com/sharepoint/v3/contenttype/forms"/>
+  </ds:schemaRefs>
+</ds:datastoreItem>
+</file>
+
+<file path=customXml/itemProps3.xml><?xml version="1.0" encoding="utf-8"?>
 <ds:datastoreItem xmlns:ds="http://schemas.openxmlformats.org/officeDocument/2006/customXml" ds:itemID="{0988BE9C-0C90-420C-9DA9-636C0435E5D7}">
   <ds:schemaRefs>
     <ds:schemaRef ds:uri="http://schemas.microsoft.com/office/2006/documentManagement/types"/>
@@ -8639,14 +8632,6 @@
 </ds:datastoreItem>
 </file>
 
-<file path=customXml/itemProps3.xml><?xml version="1.0" encoding="utf-8"?>
-<ds:datastoreItem xmlns:ds="http://schemas.openxmlformats.org/officeDocument/2006/customXml" ds:itemID="{86A9A6AE-A2D2-4466-B053-FEAA2AECCDAE}">
-  <ds:schemaRefs>
-    <ds:schemaRef ds:uri="http://schemas.microsoft.com/sharepoint/v3/contenttype/forms"/>
-  </ds:schemaRefs>
-</ds:datastoreItem>
-</file>
-
 <file path=docMetadata/LabelInfo.xml><?xml version="1.0" encoding="utf-8"?>
 <clbl:labelList xmlns:clbl="http://schemas.microsoft.com/office/2020/mipLabelMetadata">
   <clbl:label id="{46c98d88-e344-4ed4-8496-4ed7712e255d}" enabled="0" method="" siteId="{46c98d88-e344-4ed4-8496-4ed7712e255d}" removed="1"/>

--- a/examples/architecture.pptx
+++ b/examples/architecture.pptx
@@ -206,7 +206,7 @@
           <a:p>
             <a:fld id="{4CD64836-4BF9-4E6C-A54C-E76D3002B5D8}" type="datetimeFigureOut">
               <a:rPr lang="en-US" smtClean="0"/>
-              <a:t>7/22/2023</a:t>
+              <a:t>7/23/2023</a:t>
             </a:fld>
             <a:endParaRPr lang="en-US"/>
           </a:p>
@@ -802,7 +802,7 @@
           <a:p>
             <a:fld id="{C6D5F118-0C7E-4BDD-BBA0-7F61C0FBD2C0}" type="datetimeFigureOut">
               <a:rPr lang="en-US" smtClean="0"/>
-              <a:t>7/22/2023</a:t>
+              <a:t>7/23/2023</a:t>
             </a:fld>
             <a:endParaRPr lang="en-US"/>
           </a:p>
@@ -1000,7 +1000,7 @@
           <a:p>
             <a:fld id="{C6D5F118-0C7E-4BDD-BBA0-7F61C0FBD2C0}" type="datetimeFigureOut">
               <a:rPr lang="en-US" smtClean="0"/>
-              <a:t>7/22/2023</a:t>
+              <a:t>7/23/2023</a:t>
             </a:fld>
             <a:endParaRPr lang="en-US"/>
           </a:p>
@@ -1208,7 +1208,7 @@
           <a:p>
             <a:fld id="{C6D5F118-0C7E-4BDD-BBA0-7F61C0FBD2C0}" type="datetimeFigureOut">
               <a:rPr lang="en-US" smtClean="0"/>
-              <a:t>7/22/2023</a:t>
+              <a:t>7/23/2023</a:t>
             </a:fld>
             <a:endParaRPr lang="en-US"/>
           </a:p>
@@ -1406,7 +1406,7 @@
           <a:p>
             <a:fld id="{C6D5F118-0C7E-4BDD-BBA0-7F61C0FBD2C0}" type="datetimeFigureOut">
               <a:rPr lang="en-US" smtClean="0"/>
-              <a:t>7/22/2023</a:t>
+              <a:t>7/23/2023</a:t>
             </a:fld>
             <a:endParaRPr lang="en-US"/>
           </a:p>
@@ -1681,7 +1681,7 @@
           <a:p>
             <a:fld id="{C6D5F118-0C7E-4BDD-BBA0-7F61C0FBD2C0}" type="datetimeFigureOut">
               <a:rPr lang="en-US" smtClean="0"/>
-              <a:t>7/22/2023</a:t>
+              <a:t>7/23/2023</a:t>
             </a:fld>
             <a:endParaRPr lang="en-US"/>
           </a:p>
@@ -1946,7 +1946,7 @@
           <a:p>
             <a:fld id="{C6D5F118-0C7E-4BDD-BBA0-7F61C0FBD2C0}" type="datetimeFigureOut">
               <a:rPr lang="en-US" smtClean="0"/>
-              <a:t>7/22/2023</a:t>
+              <a:t>7/23/2023</a:t>
             </a:fld>
             <a:endParaRPr lang="en-US"/>
           </a:p>
@@ -2358,7 +2358,7 @@
           <a:p>
             <a:fld id="{C6D5F118-0C7E-4BDD-BBA0-7F61C0FBD2C0}" type="datetimeFigureOut">
               <a:rPr lang="en-US" smtClean="0"/>
-              <a:t>7/22/2023</a:t>
+              <a:t>7/23/2023</a:t>
             </a:fld>
             <a:endParaRPr lang="en-US"/>
           </a:p>
@@ -2499,7 +2499,7 @@
           <a:p>
             <a:fld id="{C6D5F118-0C7E-4BDD-BBA0-7F61C0FBD2C0}" type="datetimeFigureOut">
               <a:rPr lang="en-US" smtClean="0"/>
-              <a:t>7/22/2023</a:t>
+              <a:t>7/23/2023</a:t>
             </a:fld>
             <a:endParaRPr lang="en-US"/>
           </a:p>
@@ -2612,7 +2612,7 @@
           <a:p>
             <a:fld id="{C6D5F118-0C7E-4BDD-BBA0-7F61C0FBD2C0}" type="datetimeFigureOut">
               <a:rPr lang="en-US" smtClean="0"/>
-              <a:t>7/22/2023</a:t>
+              <a:t>7/23/2023</a:t>
             </a:fld>
             <a:endParaRPr lang="en-US"/>
           </a:p>
@@ -2923,7 +2923,7 @@
           <a:p>
             <a:fld id="{C6D5F118-0C7E-4BDD-BBA0-7F61C0FBD2C0}" type="datetimeFigureOut">
               <a:rPr lang="en-US" smtClean="0"/>
-              <a:t>7/22/2023</a:t>
+              <a:t>7/23/2023</a:t>
             </a:fld>
             <a:endParaRPr lang="en-US"/>
           </a:p>
@@ -3211,7 +3211,7 @@
           <a:p>
             <a:fld id="{C6D5F118-0C7E-4BDD-BBA0-7F61C0FBD2C0}" type="datetimeFigureOut">
               <a:rPr lang="en-US" smtClean="0"/>
-              <a:t>7/22/2023</a:t>
+              <a:t>7/23/2023</a:t>
             </a:fld>
             <a:endParaRPr lang="en-US"/>
           </a:p>
@@ -3452,7 +3452,7 @@
           <a:p>
             <a:fld id="{C6D5F118-0C7E-4BDD-BBA0-7F61C0FBD2C0}" type="datetimeFigureOut">
               <a:rPr lang="en-US" smtClean="0"/>
-              <a:t>7/22/2023</a:t>
+              <a:t>7/23/2023</a:t>
             </a:fld>
             <a:endParaRPr lang="en-US"/>
           </a:p>
@@ -6208,8 +6208,8 @@
         </p:nvSpPr>
         <p:spPr>
           <a:xfrm>
-            <a:off x="1324302" y="437981"/>
-            <a:ext cx="9006472" cy="5816904"/>
+            <a:off x="1560945" y="437981"/>
+            <a:ext cx="8096189" cy="5066892"/>
           </a:xfrm>
           <a:prstGeom prst="rect">
             <a:avLst/>
@@ -6270,10 +6270,10 @@
       </p:sp>
       <p:sp>
         <p:nvSpPr>
-          <p:cNvPr id="18" name="Rectangle 17">
-            <a:extLst>
-              <a:ext uri="{FF2B5EF4-FFF2-40B4-BE49-F238E27FC236}">
-                <a16:creationId xmlns:a16="http://schemas.microsoft.com/office/drawing/2014/main" id="{F9A13DD8-1A1B-732F-88E4-101524D7E147}"/>
+          <p:cNvPr id="50" name="Rectangle 49">
+            <a:extLst>
+              <a:ext uri="{FF2B5EF4-FFF2-40B4-BE49-F238E27FC236}">
+                <a16:creationId xmlns:a16="http://schemas.microsoft.com/office/drawing/2014/main" id="{8BBD062D-3932-D5F7-67F9-E142136EB013}"/>
               </a:ext>
             </a:extLst>
           </p:cNvPr>
@@ -6282,8 +6282,1787 @@
         </p:nvSpPr>
         <p:spPr>
           <a:xfrm>
-            <a:off x="9312051" y="5767188"/>
-            <a:ext cx="848209" cy="308049"/>
+            <a:off x="1906621" y="807396"/>
+            <a:ext cx="6064361" cy="4189691"/>
+          </a:xfrm>
+          <a:prstGeom prst="rect">
+            <a:avLst/>
+          </a:prstGeom>
+          <a:solidFill>
+            <a:schemeClr val="accent2">
+              <a:lumMod val="20000"/>
+              <a:lumOff val="80000"/>
+            </a:schemeClr>
+          </a:solidFill>
+          <a:ln>
+            <a:solidFill>
+              <a:schemeClr val="tx1"/>
+            </a:solidFill>
+          </a:ln>
+        </p:spPr>
+        <p:style>
+          <a:lnRef idx="2">
+            <a:schemeClr val="accent1">
+              <a:shade val="50000"/>
+            </a:schemeClr>
+          </a:lnRef>
+          <a:fillRef idx="1">
+            <a:schemeClr val="accent1"/>
+          </a:fillRef>
+          <a:effectRef idx="0">
+            <a:schemeClr val="accent1"/>
+          </a:effectRef>
+          <a:fontRef idx="minor">
+            <a:schemeClr val="lt1"/>
+          </a:fontRef>
+        </p:style>
+        <p:txBody>
+          <a:bodyPr rtlCol="0" anchor="b" anchorCtr="0"/>
+          <a:lstStyle/>
+          <a:p>
+            <a:pPr algn="ctr"/>
+            <a:r>
+              <a:rPr lang="en-US" sz="1400" dirty="0">
+                <a:solidFill>
+                  <a:schemeClr val="tx1"/>
+                </a:solidFill>
+                <a:latin typeface="LXGW WenKai" panose="02020500000000000000" pitchFamily="18" charset="-120"/>
+                <a:ea typeface="LXGW WenKai" panose="02020500000000000000" pitchFamily="18" charset="-120"/>
+              </a:rPr>
+              <a:t>Manager</a:t>
+            </a:r>
+          </a:p>
+        </p:txBody>
+      </p:sp>
+      <p:sp>
+        <p:nvSpPr>
+          <p:cNvPr id="77" name="Rectangle 76">
+            <a:extLst>
+              <a:ext uri="{FF2B5EF4-FFF2-40B4-BE49-F238E27FC236}">
+                <a16:creationId xmlns:a16="http://schemas.microsoft.com/office/drawing/2014/main" id="{E8620ACD-B15B-EF14-FC31-87AEE3C1C82D}"/>
+              </a:ext>
+            </a:extLst>
+          </p:cNvPr>
+          <p:cNvSpPr/>
+          <p:nvPr/>
+        </p:nvSpPr>
+        <p:spPr>
+          <a:xfrm>
+            <a:off x="6132277" y="1888186"/>
+            <a:ext cx="1371600" cy="640693"/>
+          </a:xfrm>
+          <a:prstGeom prst="rect">
+            <a:avLst/>
+          </a:prstGeom>
+          <a:solidFill>
+            <a:schemeClr val="accent4">
+              <a:lumMod val="20000"/>
+              <a:lumOff val="80000"/>
+            </a:schemeClr>
+          </a:solidFill>
+          <a:ln>
+            <a:solidFill>
+              <a:schemeClr val="tx1"/>
+            </a:solidFill>
+          </a:ln>
+        </p:spPr>
+        <p:style>
+          <a:lnRef idx="2">
+            <a:schemeClr val="accent1">
+              <a:shade val="50000"/>
+            </a:schemeClr>
+          </a:lnRef>
+          <a:fillRef idx="1">
+            <a:schemeClr val="accent1"/>
+          </a:fillRef>
+          <a:effectRef idx="0">
+            <a:schemeClr val="accent1"/>
+          </a:effectRef>
+          <a:fontRef idx="minor">
+            <a:schemeClr val="lt1"/>
+          </a:fontRef>
+        </p:style>
+        <p:txBody>
+          <a:bodyPr rtlCol="0" anchor="ctr" anchorCtr="1"/>
+          <a:lstStyle/>
+          <a:p>
+            <a:pPr algn="ctr"/>
+            <a:r>
+              <a:rPr lang="en-US" sz="1400" dirty="0">
+                <a:solidFill>
+                  <a:schemeClr val="tx1"/>
+                </a:solidFill>
+                <a:latin typeface="LXGW WenKai" panose="02020500000000000000" pitchFamily="18" charset="-120"/>
+                <a:ea typeface="LXGW WenKai" panose="02020500000000000000" pitchFamily="18" charset="-120"/>
+              </a:rPr>
+              <a:t>Global Contexts</a:t>
+            </a:r>
+          </a:p>
+        </p:txBody>
+      </p:sp>
+      <p:sp>
+        <p:nvSpPr>
+          <p:cNvPr id="105" name="Rectangle 104">
+            <a:extLst>
+              <a:ext uri="{FF2B5EF4-FFF2-40B4-BE49-F238E27FC236}">
+                <a16:creationId xmlns:a16="http://schemas.microsoft.com/office/drawing/2014/main" id="{1214C11B-A256-7176-4EFC-64EB301BEFA9}"/>
+              </a:ext>
+            </a:extLst>
+          </p:cNvPr>
+          <p:cNvSpPr/>
+          <p:nvPr/>
+        </p:nvSpPr>
+        <p:spPr>
+          <a:xfrm>
+            <a:off x="2373478" y="1124349"/>
+            <a:ext cx="3180033" cy="914400"/>
+          </a:xfrm>
+          <a:prstGeom prst="rect">
+            <a:avLst/>
+          </a:prstGeom>
+          <a:solidFill>
+            <a:schemeClr val="accent2">
+              <a:lumMod val="40000"/>
+              <a:lumOff val="60000"/>
+            </a:schemeClr>
+          </a:solidFill>
+          <a:ln>
+            <a:solidFill>
+              <a:schemeClr val="tx1"/>
+            </a:solidFill>
+          </a:ln>
+        </p:spPr>
+        <p:style>
+          <a:lnRef idx="2">
+            <a:schemeClr val="accent1">
+              <a:shade val="50000"/>
+            </a:schemeClr>
+          </a:lnRef>
+          <a:fillRef idx="1">
+            <a:schemeClr val="accent1"/>
+          </a:fillRef>
+          <a:effectRef idx="0">
+            <a:schemeClr val="accent1"/>
+          </a:effectRef>
+          <a:fontRef idx="minor">
+            <a:schemeClr val="lt1"/>
+          </a:fontRef>
+        </p:style>
+        <p:txBody>
+          <a:bodyPr rtlCol="0" anchor="b" anchorCtr="0"/>
+          <a:lstStyle/>
+          <a:p>
+            <a:pPr algn="ctr"/>
+            <a:r>
+              <a:rPr lang="en-US" sz="1400" dirty="0">
+                <a:solidFill>
+                  <a:schemeClr val="tx1"/>
+                </a:solidFill>
+                <a:latin typeface="LXGW WenKai" panose="02020500000000000000" pitchFamily="18" charset="-120"/>
+                <a:ea typeface="LXGW WenKai" panose="02020500000000000000" pitchFamily="18" charset="-120"/>
+              </a:rPr>
+              <a:t>Agent</a:t>
+            </a:r>
+          </a:p>
+        </p:txBody>
+      </p:sp>
+      <p:sp>
+        <p:nvSpPr>
+          <p:cNvPr id="76" name="Rectangle 75">
+            <a:extLst>
+              <a:ext uri="{FF2B5EF4-FFF2-40B4-BE49-F238E27FC236}">
+                <a16:creationId xmlns:a16="http://schemas.microsoft.com/office/drawing/2014/main" id="{5DDE9D0C-B83B-B506-FF0C-EDC49D03A075}"/>
+              </a:ext>
+            </a:extLst>
+          </p:cNvPr>
+          <p:cNvSpPr/>
+          <p:nvPr/>
+        </p:nvSpPr>
+        <p:spPr>
+          <a:xfrm>
+            <a:off x="2534866" y="1277253"/>
+            <a:ext cx="770430" cy="359761"/>
+          </a:xfrm>
+          <a:prstGeom prst="rect">
+            <a:avLst/>
+          </a:prstGeom>
+          <a:solidFill>
+            <a:schemeClr val="bg1">
+              <a:lumMod val="95000"/>
+            </a:schemeClr>
+          </a:solidFill>
+          <a:ln>
+            <a:solidFill>
+              <a:schemeClr val="tx1"/>
+            </a:solidFill>
+          </a:ln>
+        </p:spPr>
+        <p:style>
+          <a:lnRef idx="2">
+            <a:schemeClr val="accent1">
+              <a:shade val="50000"/>
+            </a:schemeClr>
+          </a:lnRef>
+          <a:fillRef idx="1">
+            <a:schemeClr val="accent1"/>
+          </a:fillRef>
+          <a:effectRef idx="0">
+            <a:schemeClr val="accent1"/>
+          </a:effectRef>
+          <a:fontRef idx="minor">
+            <a:schemeClr val="lt1"/>
+          </a:fontRef>
+        </p:style>
+        <p:txBody>
+          <a:bodyPr rtlCol="0" anchor="ctr" anchorCtr="1"/>
+          <a:lstStyle/>
+          <a:p>
+            <a:pPr algn="ctr"/>
+            <a:r>
+              <a:rPr lang="en-US" sz="1000" dirty="0">
+                <a:solidFill>
+                  <a:schemeClr val="tx1"/>
+                </a:solidFill>
+                <a:latin typeface="LXGW WenKai" panose="02020500000000000000" pitchFamily="18" charset="-120"/>
+                <a:ea typeface="LXGW WenKai" panose="02020500000000000000" pitchFamily="18" charset="-120"/>
+              </a:rPr>
+              <a:t>System prompts</a:t>
+            </a:r>
+            <a:endParaRPr lang="en-US" sz="1050" dirty="0">
+              <a:solidFill>
+                <a:schemeClr val="tx1"/>
+              </a:solidFill>
+              <a:latin typeface="LXGW WenKai" panose="02020500000000000000" pitchFamily="18" charset="-120"/>
+              <a:ea typeface="LXGW WenKai" panose="02020500000000000000" pitchFamily="18" charset="-120"/>
+            </a:endParaRPr>
+          </a:p>
+        </p:txBody>
+      </p:sp>
+      <p:sp>
+        <p:nvSpPr>
+          <p:cNvPr id="139" name="Rectangle 138">
+            <a:extLst>
+              <a:ext uri="{FF2B5EF4-FFF2-40B4-BE49-F238E27FC236}">
+                <a16:creationId xmlns:a16="http://schemas.microsoft.com/office/drawing/2014/main" id="{2C915C8B-9693-8987-029F-199D7C0DCE4A}"/>
+              </a:ext>
+            </a:extLst>
+          </p:cNvPr>
+          <p:cNvSpPr/>
+          <p:nvPr/>
+        </p:nvSpPr>
+        <p:spPr>
+          <a:xfrm>
+            <a:off x="3517280" y="1277253"/>
+            <a:ext cx="770430" cy="359761"/>
+          </a:xfrm>
+          <a:prstGeom prst="rect">
+            <a:avLst/>
+          </a:prstGeom>
+          <a:solidFill>
+            <a:schemeClr val="bg1">
+              <a:lumMod val="95000"/>
+            </a:schemeClr>
+          </a:solidFill>
+          <a:ln>
+            <a:solidFill>
+              <a:schemeClr val="tx1"/>
+            </a:solidFill>
+          </a:ln>
+        </p:spPr>
+        <p:style>
+          <a:lnRef idx="2">
+            <a:schemeClr val="accent1">
+              <a:shade val="50000"/>
+            </a:schemeClr>
+          </a:lnRef>
+          <a:fillRef idx="1">
+            <a:schemeClr val="accent1"/>
+          </a:fillRef>
+          <a:effectRef idx="0">
+            <a:schemeClr val="accent1"/>
+          </a:effectRef>
+          <a:fontRef idx="minor">
+            <a:schemeClr val="lt1"/>
+          </a:fontRef>
+        </p:style>
+        <p:txBody>
+          <a:bodyPr rtlCol="0" anchor="ctr" anchorCtr="1"/>
+          <a:lstStyle/>
+          <a:p>
+            <a:pPr algn="ctr"/>
+            <a:r>
+              <a:rPr lang="en-US" sz="1000" dirty="0">
+                <a:solidFill>
+                  <a:schemeClr val="tx1"/>
+                </a:solidFill>
+                <a:latin typeface="LXGW WenKai" panose="02020500000000000000" pitchFamily="18" charset="-120"/>
+                <a:ea typeface="LXGW WenKai" panose="02020500000000000000" pitchFamily="18" charset="-120"/>
+              </a:rPr>
+              <a:t>Chat</a:t>
+            </a:r>
+          </a:p>
+          <a:p>
+            <a:pPr algn="ctr"/>
+            <a:r>
+              <a:rPr lang="en-US" sz="1000" dirty="0">
+                <a:solidFill>
+                  <a:schemeClr val="tx1"/>
+                </a:solidFill>
+                <a:latin typeface="LXGW WenKai" panose="02020500000000000000" pitchFamily="18" charset="-120"/>
+                <a:ea typeface="LXGW WenKai" panose="02020500000000000000" pitchFamily="18" charset="-120"/>
+              </a:rPr>
+              <a:t>history</a:t>
+            </a:r>
+            <a:endParaRPr lang="en-US" sz="1050" dirty="0">
+              <a:solidFill>
+                <a:schemeClr val="tx1"/>
+              </a:solidFill>
+              <a:latin typeface="LXGW WenKai" panose="02020500000000000000" pitchFamily="18" charset="-120"/>
+              <a:ea typeface="LXGW WenKai" panose="02020500000000000000" pitchFamily="18" charset="-120"/>
+            </a:endParaRPr>
+          </a:p>
+        </p:txBody>
+      </p:sp>
+      <p:sp>
+        <p:nvSpPr>
+          <p:cNvPr id="140" name="Rectangle 139">
+            <a:extLst>
+              <a:ext uri="{FF2B5EF4-FFF2-40B4-BE49-F238E27FC236}">
+                <a16:creationId xmlns:a16="http://schemas.microsoft.com/office/drawing/2014/main" id="{3F4E18B8-7282-664E-294A-1DC6271F5490}"/>
+              </a:ext>
+            </a:extLst>
+          </p:cNvPr>
+          <p:cNvSpPr/>
+          <p:nvPr/>
+        </p:nvSpPr>
+        <p:spPr>
+          <a:xfrm>
+            <a:off x="2381464" y="2345673"/>
+            <a:ext cx="3172048" cy="914400"/>
+          </a:xfrm>
+          <a:prstGeom prst="rect">
+            <a:avLst/>
+          </a:prstGeom>
+          <a:solidFill>
+            <a:schemeClr val="accent2">
+              <a:lumMod val="40000"/>
+              <a:lumOff val="60000"/>
+            </a:schemeClr>
+          </a:solidFill>
+          <a:ln>
+            <a:solidFill>
+              <a:schemeClr val="tx1"/>
+            </a:solidFill>
+          </a:ln>
+        </p:spPr>
+        <p:style>
+          <a:lnRef idx="2">
+            <a:schemeClr val="accent1">
+              <a:shade val="50000"/>
+            </a:schemeClr>
+          </a:lnRef>
+          <a:fillRef idx="1">
+            <a:schemeClr val="accent1"/>
+          </a:fillRef>
+          <a:effectRef idx="0">
+            <a:schemeClr val="accent1"/>
+          </a:effectRef>
+          <a:fontRef idx="minor">
+            <a:schemeClr val="lt1"/>
+          </a:fontRef>
+        </p:style>
+        <p:txBody>
+          <a:bodyPr rtlCol="0" anchor="b" anchorCtr="0"/>
+          <a:lstStyle/>
+          <a:p>
+            <a:pPr algn="ctr"/>
+            <a:r>
+              <a:rPr lang="en-US" sz="1400" dirty="0">
+                <a:solidFill>
+                  <a:schemeClr val="tx1"/>
+                </a:solidFill>
+                <a:latin typeface="LXGW WenKai" panose="02020500000000000000" pitchFamily="18" charset="-120"/>
+                <a:ea typeface="LXGW WenKai" panose="02020500000000000000" pitchFamily="18" charset="-120"/>
+              </a:rPr>
+              <a:t>Agent</a:t>
+            </a:r>
+          </a:p>
+        </p:txBody>
+      </p:sp>
+      <p:sp>
+        <p:nvSpPr>
+          <p:cNvPr id="141" name="Rectangle 140">
+            <a:extLst>
+              <a:ext uri="{FF2B5EF4-FFF2-40B4-BE49-F238E27FC236}">
+                <a16:creationId xmlns:a16="http://schemas.microsoft.com/office/drawing/2014/main" id="{B9470EF6-B2B8-17B5-60F2-39024B4B359F}"/>
+              </a:ext>
+            </a:extLst>
+          </p:cNvPr>
+          <p:cNvSpPr/>
+          <p:nvPr/>
+        </p:nvSpPr>
+        <p:spPr>
+          <a:xfrm>
+            <a:off x="2534866" y="2528878"/>
+            <a:ext cx="770430" cy="359761"/>
+          </a:xfrm>
+          <a:prstGeom prst="rect">
+            <a:avLst/>
+          </a:prstGeom>
+          <a:solidFill>
+            <a:schemeClr val="bg1">
+              <a:lumMod val="95000"/>
+            </a:schemeClr>
+          </a:solidFill>
+          <a:ln>
+            <a:solidFill>
+              <a:schemeClr val="tx1"/>
+            </a:solidFill>
+          </a:ln>
+        </p:spPr>
+        <p:style>
+          <a:lnRef idx="2">
+            <a:schemeClr val="accent1">
+              <a:shade val="50000"/>
+            </a:schemeClr>
+          </a:lnRef>
+          <a:fillRef idx="1">
+            <a:schemeClr val="accent1"/>
+          </a:fillRef>
+          <a:effectRef idx="0">
+            <a:schemeClr val="accent1"/>
+          </a:effectRef>
+          <a:fontRef idx="minor">
+            <a:schemeClr val="lt1"/>
+          </a:fontRef>
+        </p:style>
+        <p:txBody>
+          <a:bodyPr rtlCol="0" anchor="ctr" anchorCtr="1"/>
+          <a:lstStyle/>
+          <a:p>
+            <a:pPr algn="ctr"/>
+            <a:r>
+              <a:rPr lang="en-US" sz="1000" dirty="0">
+                <a:solidFill>
+                  <a:schemeClr val="tx1"/>
+                </a:solidFill>
+                <a:latin typeface="LXGW WenKai" panose="02020500000000000000" pitchFamily="18" charset="-120"/>
+                <a:ea typeface="LXGW WenKai" panose="02020500000000000000" pitchFamily="18" charset="-120"/>
+              </a:rPr>
+              <a:t>System prompts</a:t>
+            </a:r>
+            <a:endParaRPr lang="en-US" sz="1050" dirty="0">
+              <a:solidFill>
+                <a:schemeClr val="tx1"/>
+              </a:solidFill>
+              <a:latin typeface="LXGW WenKai" panose="02020500000000000000" pitchFamily="18" charset="-120"/>
+              <a:ea typeface="LXGW WenKai" panose="02020500000000000000" pitchFamily="18" charset="-120"/>
+            </a:endParaRPr>
+          </a:p>
+        </p:txBody>
+      </p:sp>
+      <p:sp>
+        <p:nvSpPr>
+          <p:cNvPr id="142" name="Rectangle 141">
+            <a:extLst>
+              <a:ext uri="{FF2B5EF4-FFF2-40B4-BE49-F238E27FC236}">
+                <a16:creationId xmlns:a16="http://schemas.microsoft.com/office/drawing/2014/main" id="{CBFEEC7A-4A15-DB6B-15C8-5F074E904B67}"/>
+              </a:ext>
+            </a:extLst>
+          </p:cNvPr>
+          <p:cNvSpPr/>
+          <p:nvPr/>
+        </p:nvSpPr>
+        <p:spPr>
+          <a:xfrm>
+            <a:off x="3517280" y="2528878"/>
+            <a:ext cx="770430" cy="359761"/>
+          </a:xfrm>
+          <a:prstGeom prst="rect">
+            <a:avLst/>
+          </a:prstGeom>
+          <a:solidFill>
+            <a:schemeClr val="bg1">
+              <a:lumMod val="95000"/>
+            </a:schemeClr>
+          </a:solidFill>
+          <a:ln>
+            <a:solidFill>
+              <a:schemeClr val="tx1"/>
+            </a:solidFill>
+          </a:ln>
+        </p:spPr>
+        <p:style>
+          <a:lnRef idx="2">
+            <a:schemeClr val="accent1">
+              <a:shade val="50000"/>
+            </a:schemeClr>
+          </a:lnRef>
+          <a:fillRef idx="1">
+            <a:schemeClr val="accent1"/>
+          </a:fillRef>
+          <a:effectRef idx="0">
+            <a:schemeClr val="accent1"/>
+          </a:effectRef>
+          <a:fontRef idx="minor">
+            <a:schemeClr val="lt1"/>
+          </a:fontRef>
+        </p:style>
+        <p:txBody>
+          <a:bodyPr rtlCol="0" anchor="ctr" anchorCtr="1"/>
+          <a:lstStyle/>
+          <a:p>
+            <a:pPr algn="ctr"/>
+            <a:r>
+              <a:rPr lang="en-US" sz="1000" dirty="0">
+                <a:solidFill>
+                  <a:schemeClr val="tx1"/>
+                </a:solidFill>
+                <a:latin typeface="LXGW WenKai" panose="02020500000000000000" pitchFamily="18" charset="-120"/>
+                <a:ea typeface="LXGW WenKai" panose="02020500000000000000" pitchFamily="18" charset="-120"/>
+              </a:rPr>
+              <a:t>Chat</a:t>
+            </a:r>
+          </a:p>
+          <a:p>
+            <a:pPr algn="ctr"/>
+            <a:r>
+              <a:rPr lang="en-US" sz="1000" dirty="0">
+                <a:solidFill>
+                  <a:schemeClr val="tx1"/>
+                </a:solidFill>
+                <a:latin typeface="LXGW WenKai" panose="02020500000000000000" pitchFamily="18" charset="-120"/>
+                <a:ea typeface="LXGW WenKai" panose="02020500000000000000" pitchFamily="18" charset="-120"/>
+              </a:rPr>
+              <a:t>History</a:t>
+            </a:r>
+            <a:endParaRPr lang="en-US" sz="1050" dirty="0">
+              <a:solidFill>
+                <a:schemeClr val="tx1"/>
+              </a:solidFill>
+              <a:latin typeface="LXGW WenKai" panose="02020500000000000000" pitchFamily="18" charset="-120"/>
+              <a:ea typeface="LXGW WenKai" panose="02020500000000000000" pitchFamily="18" charset="-120"/>
+            </a:endParaRPr>
+          </a:p>
+        </p:txBody>
+      </p:sp>
+      <p:sp>
+        <p:nvSpPr>
+          <p:cNvPr id="143" name="Rectangle 142">
+            <a:extLst>
+              <a:ext uri="{FF2B5EF4-FFF2-40B4-BE49-F238E27FC236}">
+                <a16:creationId xmlns:a16="http://schemas.microsoft.com/office/drawing/2014/main" id="{B5FD6F14-F11F-8D87-FEE2-5494426F1A72}"/>
+              </a:ext>
+            </a:extLst>
+          </p:cNvPr>
+          <p:cNvSpPr/>
+          <p:nvPr/>
+        </p:nvSpPr>
+        <p:spPr>
+          <a:xfrm>
+            <a:off x="2373479" y="3629488"/>
+            <a:ext cx="3180032" cy="904746"/>
+          </a:xfrm>
+          <a:prstGeom prst="rect">
+            <a:avLst/>
+          </a:prstGeom>
+          <a:solidFill>
+            <a:schemeClr val="accent2">
+              <a:lumMod val="40000"/>
+              <a:lumOff val="60000"/>
+            </a:schemeClr>
+          </a:solidFill>
+          <a:ln>
+            <a:solidFill>
+              <a:schemeClr val="tx1"/>
+            </a:solidFill>
+          </a:ln>
+        </p:spPr>
+        <p:style>
+          <a:lnRef idx="2">
+            <a:schemeClr val="accent1">
+              <a:shade val="50000"/>
+            </a:schemeClr>
+          </a:lnRef>
+          <a:fillRef idx="1">
+            <a:schemeClr val="accent1"/>
+          </a:fillRef>
+          <a:effectRef idx="0">
+            <a:schemeClr val="accent1"/>
+          </a:effectRef>
+          <a:fontRef idx="minor">
+            <a:schemeClr val="lt1"/>
+          </a:fontRef>
+        </p:style>
+        <p:txBody>
+          <a:bodyPr rtlCol="0" anchor="b" anchorCtr="0"/>
+          <a:lstStyle/>
+          <a:p>
+            <a:pPr algn="ctr"/>
+            <a:r>
+              <a:rPr lang="en-US" sz="1400" dirty="0">
+                <a:solidFill>
+                  <a:schemeClr val="tx1"/>
+                </a:solidFill>
+                <a:latin typeface="LXGW WenKai" panose="02020500000000000000" pitchFamily="18" charset="-120"/>
+                <a:ea typeface="LXGW WenKai" panose="02020500000000000000" pitchFamily="18" charset="-120"/>
+              </a:rPr>
+              <a:t>Agent</a:t>
+            </a:r>
+          </a:p>
+        </p:txBody>
+      </p:sp>
+      <p:sp>
+        <p:nvSpPr>
+          <p:cNvPr id="144" name="Rectangle 143">
+            <a:extLst>
+              <a:ext uri="{FF2B5EF4-FFF2-40B4-BE49-F238E27FC236}">
+                <a16:creationId xmlns:a16="http://schemas.microsoft.com/office/drawing/2014/main" id="{91FED968-9E3F-7EAE-6E2E-84A4B4A9BCD2}"/>
+              </a:ext>
+            </a:extLst>
+          </p:cNvPr>
+          <p:cNvSpPr/>
+          <p:nvPr/>
+        </p:nvSpPr>
+        <p:spPr>
+          <a:xfrm>
+            <a:off x="2534866" y="3797862"/>
+            <a:ext cx="770430" cy="359761"/>
+          </a:xfrm>
+          <a:prstGeom prst="rect">
+            <a:avLst/>
+          </a:prstGeom>
+          <a:solidFill>
+            <a:schemeClr val="bg1">
+              <a:lumMod val="95000"/>
+            </a:schemeClr>
+          </a:solidFill>
+          <a:ln>
+            <a:solidFill>
+              <a:schemeClr val="tx1"/>
+            </a:solidFill>
+          </a:ln>
+        </p:spPr>
+        <p:style>
+          <a:lnRef idx="2">
+            <a:schemeClr val="accent1">
+              <a:shade val="50000"/>
+            </a:schemeClr>
+          </a:lnRef>
+          <a:fillRef idx="1">
+            <a:schemeClr val="accent1"/>
+          </a:fillRef>
+          <a:effectRef idx="0">
+            <a:schemeClr val="accent1"/>
+          </a:effectRef>
+          <a:fontRef idx="minor">
+            <a:schemeClr val="lt1"/>
+          </a:fontRef>
+        </p:style>
+        <p:txBody>
+          <a:bodyPr rtlCol="0" anchor="ctr" anchorCtr="1"/>
+          <a:lstStyle/>
+          <a:p>
+            <a:pPr algn="ctr"/>
+            <a:r>
+              <a:rPr lang="en-US" sz="1000" dirty="0">
+                <a:solidFill>
+                  <a:schemeClr val="tx1"/>
+                </a:solidFill>
+                <a:latin typeface="LXGW WenKai" panose="02020500000000000000" pitchFamily="18" charset="-120"/>
+                <a:ea typeface="LXGW WenKai" panose="02020500000000000000" pitchFamily="18" charset="-120"/>
+              </a:rPr>
+              <a:t>System prompts</a:t>
+            </a:r>
+            <a:endParaRPr lang="en-US" sz="1050" dirty="0">
+              <a:solidFill>
+                <a:schemeClr val="tx1"/>
+              </a:solidFill>
+              <a:latin typeface="LXGW WenKai" panose="02020500000000000000" pitchFamily="18" charset="-120"/>
+              <a:ea typeface="LXGW WenKai" panose="02020500000000000000" pitchFamily="18" charset="-120"/>
+            </a:endParaRPr>
+          </a:p>
+        </p:txBody>
+      </p:sp>
+      <p:sp>
+        <p:nvSpPr>
+          <p:cNvPr id="145" name="Rectangle 144">
+            <a:extLst>
+              <a:ext uri="{FF2B5EF4-FFF2-40B4-BE49-F238E27FC236}">
+                <a16:creationId xmlns:a16="http://schemas.microsoft.com/office/drawing/2014/main" id="{BD16667A-49D0-712E-D96E-003D719DA2D4}"/>
+              </a:ext>
+            </a:extLst>
+          </p:cNvPr>
+          <p:cNvSpPr/>
+          <p:nvPr/>
+        </p:nvSpPr>
+        <p:spPr>
+          <a:xfrm>
+            <a:off x="3517280" y="3797862"/>
+            <a:ext cx="770430" cy="359761"/>
+          </a:xfrm>
+          <a:prstGeom prst="rect">
+            <a:avLst/>
+          </a:prstGeom>
+          <a:solidFill>
+            <a:schemeClr val="bg1">
+              <a:lumMod val="95000"/>
+            </a:schemeClr>
+          </a:solidFill>
+          <a:ln>
+            <a:solidFill>
+              <a:schemeClr val="tx1"/>
+            </a:solidFill>
+          </a:ln>
+        </p:spPr>
+        <p:style>
+          <a:lnRef idx="2">
+            <a:schemeClr val="accent1">
+              <a:shade val="50000"/>
+            </a:schemeClr>
+          </a:lnRef>
+          <a:fillRef idx="1">
+            <a:schemeClr val="accent1"/>
+          </a:fillRef>
+          <a:effectRef idx="0">
+            <a:schemeClr val="accent1"/>
+          </a:effectRef>
+          <a:fontRef idx="minor">
+            <a:schemeClr val="lt1"/>
+          </a:fontRef>
+        </p:style>
+        <p:txBody>
+          <a:bodyPr rtlCol="0" anchor="ctr" anchorCtr="1"/>
+          <a:lstStyle/>
+          <a:p>
+            <a:pPr algn="ctr"/>
+            <a:r>
+              <a:rPr lang="en-US" sz="1000" dirty="0">
+                <a:solidFill>
+                  <a:schemeClr val="tx1"/>
+                </a:solidFill>
+                <a:latin typeface="LXGW WenKai" panose="02020500000000000000" pitchFamily="18" charset="-120"/>
+                <a:ea typeface="LXGW WenKai" panose="02020500000000000000" pitchFamily="18" charset="-120"/>
+              </a:rPr>
+              <a:t>Chat</a:t>
+            </a:r>
+          </a:p>
+          <a:p>
+            <a:pPr algn="ctr"/>
+            <a:r>
+              <a:rPr lang="en-US" sz="1000" dirty="0">
+                <a:solidFill>
+                  <a:schemeClr val="tx1"/>
+                </a:solidFill>
+                <a:latin typeface="LXGW WenKai" panose="02020500000000000000" pitchFamily="18" charset="-120"/>
+                <a:ea typeface="LXGW WenKai" panose="02020500000000000000" pitchFamily="18" charset="-120"/>
+              </a:rPr>
+              <a:t>History</a:t>
+            </a:r>
+            <a:endParaRPr lang="en-US" sz="1050" dirty="0">
+              <a:solidFill>
+                <a:schemeClr val="tx1"/>
+              </a:solidFill>
+              <a:latin typeface="LXGW WenKai" panose="02020500000000000000" pitchFamily="18" charset="-120"/>
+              <a:ea typeface="LXGW WenKai" panose="02020500000000000000" pitchFamily="18" charset="-120"/>
+            </a:endParaRPr>
+          </a:p>
+        </p:txBody>
+      </p:sp>
+      <p:cxnSp>
+        <p:nvCxnSpPr>
+          <p:cNvPr id="147" name="Connector: Elbow 146">
+            <a:extLst>
+              <a:ext uri="{FF2B5EF4-FFF2-40B4-BE49-F238E27FC236}">
+                <a16:creationId xmlns:a16="http://schemas.microsoft.com/office/drawing/2014/main" id="{58ECAB7D-063C-3497-99B4-5752BD3EE406}"/>
+              </a:ext>
+            </a:extLst>
+          </p:cNvPr>
+          <p:cNvCxnSpPr>
+            <a:cxnSpLocks/>
+            <a:stCxn id="77" idx="0"/>
+            <a:endCxn id="76" idx="0"/>
+          </p:cNvCxnSpPr>
+          <p:nvPr/>
+        </p:nvCxnSpPr>
+        <p:spPr>
+          <a:xfrm rot="16200000" flipV="1">
+            <a:off x="4563613" y="-366278"/>
+            <a:ext cx="610933" cy="3897996"/>
+          </a:xfrm>
+          <a:prstGeom prst="bentConnector3">
+            <a:avLst>
+              <a:gd name="adj1" fmla="val 143465"/>
+            </a:avLst>
+          </a:prstGeom>
+          <a:ln w="9525">
+            <a:solidFill>
+              <a:schemeClr val="tx1"/>
+            </a:solidFill>
+            <a:prstDash val="dash"/>
+            <a:headEnd type="triangle"/>
+            <a:tailEnd type="triangle"/>
+          </a:ln>
+        </p:spPr>
+        <p:style>
+          <a:lnRef idx="1">
+            <a:schemeClr val="accent1"/>
+          </a:lnRef>
+          <a:fillRef idx="0">
+            <a:schemeClr val="accent1"/>
+          </a:fillRef>
+          <a:effectRef idx="0">
+            <a:schemeClr val="accent1"/>
+          </a:effectRef>
+          <a:fontRef idx="minor">
+            <a:schemeClr val="tx1"/>
+          </a:fontRef>
+        </p:style>
+      </p:cxnSp>
+      <p:cxnSp>
+        <p:nvCxnSpPr>
+          <p:cNvPr id="152" name="Connector: Elbow 151">
+            <a:extLst>
+              <a:ext uri="{FF2B5EF4-FFF2-40B4-BE49-F238E27FC236}">
+                <a16:creationId xmlns:a16="http://schemas.microsoft.com/office/drawing/2014/main" id="{E0F8D9DA-5181-2F80-AF0D-1A1C1C83DD97}"/>
+              </a:ext>
+            </a:extLst>
+          </p:cNvPr>
+          <p:cNvCxnSpPr>
+            <a:cxnSpLocks/>
+            <a:stCxn id="77" idx="1"/>
+            <a:endCxn id="141" idx="0"/>
+          </p:cNvCxnSpPr>
+          <p:nvPr/>
+        </p:nvCxnSpPr>
+        <p:spPr>
+          <a:xfrm rot="10800000" flipV="1">
+            <a:off x="2920081" y="2208532"/>
+            <a:ext cx="3212196" cy="320345"/>
+          </a:xfrm>
+          <a:prstGeom prst="bentConnector2">
+            <a:avLst/>
+          </a:prstGeom>
+          <a:ln w="9525">
+            <a:solidFill>
+              <a:schemeClr val="tx1"/>
+            </a:solidFill>
+            <a:prstDash val="dash"/>
+            <a:headEnd type="triangle"/>
+            <a:tailEnd type="triangle"/>
+          </a:ln>
+        </p:spPr>
+        <p:style>
+          <a:lnRef idx="1">
+            <a:schemeClr val="accent1"/>
+          </a:lnRef>
+          <a:fillRef idx="0">
+            <a:schemeClr val="accent1"/>
+          </a:fillRef>
+          <a:effectRef idx="0">
+            <a:schemeClr val="accent1"/>
+          </a:effectRef>
+          <a:fontRef idx="minor">
+            <a:schemeClr val="tx1"/>
+          </a:fontRef>
+        </p:style>
+      </p:cxnSp>
+      <p:cxnSp>
+        <p:nvCxnSpPr>
+          <p:cNvPr id="155" name="Connector: Elbow 154">
+            <a:extLst>
+              <a:ext uri="{FF2B5EF4-FFF2-40B4-BE49-F238E27FC236}">
+                <a16:creationId xmlns:a16="http://schemas.microsoft.com/office/drawing/2014/main" id="{B610ECF4-E72B-70CD-6D29-99F74420E889}"/>
+              </a:ext>
+            </a:extLst>
+          </p:cNvPr>
+          <p:cNvCxnSpPr>
+            <a:cxnSpLocks/>
+            <a:stCxn id="77" idx="2"/>
+            <a:endCxn id="144" idx="0"/>
+          </p:cNvCxnSpPr>
+          <p:nvPr/>
+        </p:nvCxnSpPr>
+        <p:spPr>
+          <a:xfrm rot="5400000">
+            <a:off x="4234588" y="1214372"/>
+            <a:ext cx="1268983" cy="3897996"/>
+          </a:xfrm>
+          <a:prstGeom prst="bentConnector3">
+            <a:avLst>
+              <a:gd name="adj1" fmla="val 73291"/>
+            </a:avLst>
+          </a:prstGeom>
+          <a:ln w="9525">
+            <a:solidFill>
+              <a:schemeClr val="tx1"/>
+            </a:solidFill>
+            <a:prstDash val="dash"/>
+            <a:headEnd type="triangle"/>
+            <a:tailEnd type="triangle"/>
+          </a:ln>
+        </p:spPr>
+        <p:style>
+          <a:lnRef idx="1">
+            <a:schemeClr val="accent1"/>
+          </a:lnRef>
+          <a:fillRef idx="0">
+            <a:schemeClr val="accent1"/>
+          </a:fillRef>
+          <a:effectRef idx="0">
+            <a:schemeClr val="accent1"/>
+          </a:effectRef>
+          <a:fontRef idx="minor">
+            <a:schemeClr val="tx1"/>
+          </a:fontRef>
+        </p:style>
+      </p:cxnSp>
+      <p:cxnSp>
+        <p:nvCxnSpPr>
+          <p:cNvPr id="163" name="Connector: Elbow 162">
+            <a:extLst>
+              <a:ext uri="{FF2B5EF4-FFF2-40B4-BE49-F238E27FC236}">
+                <a16:creationId xmlns:a16="http://schemas.microsoft.com/office/drawing/2014/main" id="{0FE27888-A62C-8AE2-B24B-F57490930192}"/>
+              </a:ext>
+            </a:extLst>
+          </p:cNvPr>
+          <p:cNvCxnSpPr>
+            <a:cxnSpLocks/>
+            <a:stCxn id="77" idx="1"/>
+            <a:endCxn id="142" idx="0"/>
+          </p:cNvCxnSpPr>
+          <p:nvPr/>
+        </p:nvCxnSpPr>
+        <p:spPr>
+          <a:xfrm rot="10800000" flipV="1">
+            <a:off x="3902495" y="2208532"/>
+            <a:ext cx="2229782" cy="320345"/>
+          </a:xfrm>
+          <a:prstGeom prst="bentConnector2">
+            <a:avLst/>
+          </a:prstGeom>
+          <a:ln w="9525">
+            <a:solidFill>
+              <a:schemeClr val="tx1"/>
+            </a:solidFill>
+            <a:prstDash val="dash"/>
+            <a:headEnd type="triangle"/>
+            <a:tailEnd type="triangle"/>
+          </a:ln>
+        </p:spPr>
+        <p:style>
+          <a:lnRef idx="1">
+            <a:schemeClr val="accent1"/>
+          </a:lnRef>
+          <a:fillRef idx="0">
+            <a:schemeClr val="accent1"/>
+          </a:fillRef>
+          <a:effectRef idx="0">
+            <a:schemeClr val="accent1"/>
+          </a:effectRef>
+          <a:fontRef idx="minor">
+            <a:schemeClr val="tx1"/>
+          </a:fontRef>
+        </p:style>
+      </p:cxnSp>
+      <p:cxnSp>
+        <p:nvCxnSpPr>
+          <p:cNvPr id="167" name="Connector: Elbow 166">
+            <a:extLst>
+              <a:ext uri="{FF2B5EF4-FFF2-40B4-BE49-F238E27FC236}">
+                <a16:creationId xmlns:a16="http://schemas.microsoft.com/office/drawing/2014/main" id="{D88E1486-A9EA-09B1-DB52-912EF09BB8E6}"/>
+              </a:ext>
+            </a:extLst>
+          </p:cNvPr>
+          <p:cNvCxnSpPr>
+            <a:cxnSpLocks/>
+            <a:stCxn id="77" idx="2"/>
+            <a:endCxn id="145" idx="0"/>
+          </p:cNvCxnSpPr>
+          <p:nvPr/>
+        </p:nvCxnSpPr>
+        <p:spPr>
+          <a:xfrm rot="5400000">
+            <a:off x="4725795" y="1705579"/>
+            <a:ext cx="1268983" cy="2915582"/>
+          </a:xfrm>
+          <a:prstGeom prst="bentConnector3">
+            <a:avLst>
+              <a:gd name="adj1" fmla="val 73428"/>
+            </a:avLst>
+          </a:prstGeom>
+          <a:ln w="9525">
+            <a:solidFill>
+              <a:schemeClr val="tx1"/>
+            </a:solidFill>
+            <a:prstDash val="dash"/>
+            <a:headEnd type="triangle"/>
+            <a:tailEnd type="triangle"/>
+          </a:ln>
+        </p:spPr>
+        <p:style>
+          <a:lnRef idx="1">
+            <a:schemeClr val="accent1"/>
+          </a:lnRef>
+          <a:fillRef idx="0">
+            <a:schemeClr val="accent1"/>
+          </a:fillRef>
+          <a:effectRef idx="0">
+            <a:schemeClr val="accent1"/>
+          </a:effectRef>
+          <a:fontRef idx="minor">
+            <a:schemeClr val="tx1"/>
+          </a:fontRef>
+        </p:style>
+      </p:cxnSp>
+      <p:cxnSp>
+        <p:nvCxnSpPr>
+          <p:cNvPr id="170" name="Connector: Elbow 169">
+            <a:extLst>
+              <a:ext uri="{FF2B5EF4-FFF2-40B4-BE49-F238E27FC236}">
+                <a16:creationId xmlns:a16="http://schemas.microsoft.com/office/drawing/2014/main" id="{EBF495D6-F8BE-408D-9041-EF68C7867D46}"/>
+              </a:ext>
+            </a:extLst>
+          </p:cNvPr>
+          <p:cNvCxnSpPr>
+            <a:cxnSpLocks/>
+            <a:stCxn id="77" idx="0"/>
+            <a:endCxn id="139" idx="0"/>
+          </p:cNvCxnSpPr>
+          <p:nvPr/>
+        </p:nvCxnSpPr>
+        <p:spPr>
+          <a:xfrm rot="16200000" flipV="1">
+            <a:off x="5054820" y="124929"/>
+            <a:ext cx="610933" cy="2915582"/>
+          </a:xfrm>
+          <a:prstGeom prst="bentConnector3">
+            <a:avLst>
+              <a:gd name="adj1" fmla="val 143466"/>
+            </a:avLst>
+          </a:prstGeom>
+          <a:ln w="9525">
+            <a:solidFill>
+              <a:schemeClr val="tx1"/>
+            </a:solidFill>
+            <a:prstDash val="dash"/>
+            <a:headEnd type="triangle"/>
+            <a:tailEnd type="triangle"/>
+          </a:ln>
+        </p:spPr>
+        <p:style>
+          <a:lnRef idx="1">
+            <a:schemeClr val="accent1"/>
+          </a:lnRef>
+          <a:fillRef idx="0">
+            <a:schemeClr val="accent1"/>
+          </a:fillRef>
+          <a:effectRef idx="0">
+            <a:schemeClr val="accent1"/>
+          </a:effectRef>
+          <a:fontRef idx="minor">
+            <a:schemeClr val="tx1"/>
+          </a:fontRef>
+        </p:style>
+      </p:cxnSp>
+      <p:sp>
+        <p:nvSpPr>
+          <p:cNvPr id="2" name="Rectangle 138">
+            <a:extLst>
+              <a:ext uri="{FF2B5EF4-FFF2-40B4-BE49-F238E27FC236}">
+                <a16:creationId xmlns:a16="http://schemas.microsoft.com/office/drawing/2014/main" id="{82CC1FC8-E197-9C92-FFD6-369260E8C740}"/>
+              </a:ext>
+            </a:extLst>
+          </p:cNvPr>
+          <p:cNvSpPr/>
+          <p:nvPr/>
+        </p:nvSpPr>
+        <p:spPr>
+          <a:xfrm>
+            <a:off x="4499694" y="1258823"/>
+            <a:ext cx="906747" cy="359761"/>
+          </a:xfrm>
+          <a:prstGeom prst="rect">
+            <a:avLst/>
+          </a:prstGeom>
+          <a:solidFill>
+            <a:schemeClr val="bg1">
+              <a:lumMod val="95000"/>
+            </a:schemeClr>
+          </a:solidFill>
+          <a:ln>
+            <a:solidFill>
+              <a:schemeClr val="tx1"/>
+            </a:solidFill>
+          </a:ln>
+        </p:spPr>
+        <p:style>
+          <a:lnRef idx="2">
+            <a:schemeClr val="accent1">
+              <a:shade val="50000"/>
+            </a:schemeClr>
+          </a:lnRef>
+          <a:fillRef idx="1">
+            <a:schemeClr val="accent1"/>
+          </a:fillRef>
+          <a:effectRef idx="0">
+            <a:schemeClr val="accent1"/>
+          </a:effectRef>
+          <a:fontRef idx="minor">
+            <a:schemeClr val="lt1"/>
+          </a:fontRef>
+        </p:style>
+        <p:txBody>
+          <a:bodyPr rtlCol="0" anchor="ctr" anchorCtr="1"/>
+          <a:lstStyle/>
+          <a:p>
+            <a:pPr algn="ctr"/>
+            <a:r>
+              <a:rPr lang="en-US" altLang="zh-CN" sz="1000" dirty="0">
+                <a:solidFill>
+                  <a:schemeClr val="tx1"/>
+                </a:solidFill>
+                <a:latin typeface="LXGW WenKai" panose="02020500000000000000" pitchFamily="18" charset="-120"/>
+                <a:ea typeface="LXGW WenKai" panose="02020500000000000000" pitchFamily="18" charset="-120"/>
+              </a:rPr>
+              <a:t>Experience</a:t>
+            </a:r>
+            <a:br>
+              <a:rPr lang="en-US" altLang="zh-CN" sz="1000" dirty="0">
+                <a:solidFill>
+                  <a:schemeClr val="tx1"/>
+                </a:solidFill>
+                <a:latin typeface="LXGW WenKai" panose="02020500000000000000" pitchFamily="18" charset="-120"/>
+                <a:ea typeface="LXGW WenKai" panose="02020500000000000000" pitchFamily="18" charset="-120"/>
+              </a:rPr>
+            </a:br>
+            <a:r>
+              <a:rPr lang="en-US" altLang="zh-CN" sz="1050" dirty="0">
+                <a:solidFill>
+                  <a:schemeClr val="tx1"/>
+                </a:solidFill>
+                <a:latin typeface="LXGW WenKai" panose="02020500000000000000" pitchFamily="18" charset="-120"/>
+                <a:ea typeface="LXGW WenKai" panose="02020500000000000000" pitchFamily="18" charset="-120"/>
+              </a:rPr>
+              <a:t>Pre/Post</a:t>
+            </a:r>
+            <a:endParaRPr lang="en-US" altLang="zh-CN" sz="1100" dirty="0">
+              <a:solidFill>
+                <a:schemeClr val="tx1"/>
+              </a:solidFill>
+              <a:latin typeface="LXGW WenKai" panose="02020500000000000000" pitchFamily="18" charset="-120"/>
+              <a:ea typeface="LXGW WenKai" panose="02020500000000000000" pitchFamily="18" charset="-120"/>
+            </a:endParaRPr>
+          </a:p>
+        </p:txBody>
+      </p:sp>
+      <p:sp>
+        <p:nvSpPr>
+          <p:cNvPr id="3" name="Rectangle 138">
+            <a:extLst>
+              <a:ext uri="{FF2B5EF4-FFF2-40B4-BE49-F238E27FC236}">
+                <a16:creationId xmlns:a16="http://schemas.microsoft.com/office/drawing/2014/main" id="{CB0DC554-918C-44FA-DDFD-AA5496319B81}"/>
+              </a:ext>
+            </a:extLst>
+          </p:cNvPr>
+          <p:cNvSpPr/>
+          <p:nvPr/>
+        </p:nvSpPr>
+        <p:spPr>
+          <a:xfrm>
+            <a:off x="4501401" y="2538532"/>
+            <a:ext cx="906747" cy="359761"/>
+          </a:xfrm>
+          <a:prstGeom prst="rect">
+            <a:avLst/>
+          </a:prstGeom>
+          <a:solidFill>
+            <a:schemeClr val="bg1">
+              <a:lumMod val="95000"/>
+            </a:schemeClr>
+          </a:solidFill>
+          <a:ln>
+            <a:solidFill>
+              <a:schemeClr val="tx1"/>
+            </a:solidFill>
+          </a:ln>
+        </p:spPr>
+        <p:style>
+          <a:lnRef idx="2">
+            <a:schemeClr val="accent1">
+              <a:shade val="50000"/>
+            </a:schemeClr>
+          </a:lnRef>
+          <a:fillRef idx="1">
+            <a:schemeClr val="accent1"/>
+          </a:fillRef>
+          <a:effectRef idx="0">
+            <a:schemeClr val="accent1"/>
+          </a:effectRef>
+          <a:fontRef idx="minor">
+            <a:schemeClr val="lt1"/>
+          </a:fontRef>
+        </p:style>
+        <p:txBody>
+          <a:bodyPr rtlCol="0" anchor="ctr" anchorCtr="1"/>
+          <a:lstStyle/>
+          <a:p>
+            <a:pPr algn="ctr"/>
+            <a:r>
+              <a:rPr lang="en-US" altLang="zh-CN" sz="1000" dirty="0">
+                <a:solidFill>
+                  <a:schemeClr val="tx1"/>
+                </a:solidFill>
+                <a:latin typeface="LXGW WenKai" panose="02020500000000000000" pitchFamily="18" charset="-120"/>
+                <a:ea typeface="LXGW WenKai" panose="02020500000000000000" pitchFamily="18" charset="-120"/>
+              </a:rPr>
+              <a:t>Experience</a:t>
+            </a:r>
+          </a:p>
+          <a:p>
+            <a:pPr algn="ctr"/>
+            <a:r>
+              <a:rPr lang="en-US" sz="1000" dirty="0">
+                <a:solidFill>
+                  <a:schemeClr val="tx1"/>
+                </a:solidFill>
+                <a:latin typeface="LXGW WenKai" panose="02020500000000000000" pitchFamily="18" charset="-120"/>
+                <a:ea typeface="LXGW WenKai" panose="02020500000000000000" pitchFamily="18" charset="-120"/>
+              </a:rPr>
+              <a:t>Pre/Post</a:t>
+            </a:r>
+            <a:endParaRPr lang="en-US" sz="1050" dirty="0">
+              <a:solidFill>
+                <a:schemeClr val="tx1"/>
+              </a:solidFill>
+              <a:latin typeface="LXGW WenKai" panose="02020500000000000000" pitchFamily="18" charset="-120"/>
+              <a:ea typeface="LXGW WenKai" panose="02020500000000000000" pitchFamily="18" charset="-120"/>
+            </a:endParaRPr>
+          </a:p>
+        </p:txBody>
+      </p:sp>
+      <p:sp>
+        <p:nvSpPr>
+          <p:cNvPr id="5" name="Rectangle 138">
+            <a:extLst>
+              <a:ext uri="{FF2B5EF4-FFF2-40B4-BE49-F238E27FC236}">
+                <a16:creationId xmlns:a16="http://schemas.microsoft.com/office/drawing/2014/main" id="{C3B8A1E1-E06C-D45C-99A5-DE58E427384C}"/>
+              </a:ext>
+            </a:extLst>
+          </p:cNvPr>
+          <p:cNvSpPr/>
+          <p:nvPr/>
+        </p:nvSpPr>
+        <p:spPr>
+          <a:xfrm>
+            <a:off x="4499694" y="3807516"/>
+            <a:ext cx="906747" cy="359761"/>
+          </a:xfrm>
+          <a:prstGeom prst="rect">
+            <a:avLst/>
+          </a:prstGeom>
+          <a:solidFill>
+            <a:schemeClr val="bg1">
+              <a:lumMod val="95000"/>
+            </a:schemeClr>
+          </a:solidFill>
+          <a:ln>
+            <a:solidFill>
+              <a:schemeClr val="tx1"/>
+            </a:solidFill>
+          </a:ln>
+        </p:spPr>
+        <p:style>
+          <a:lnRef idx="2">
+            <a:schemeClr val="accent1">
+              <a:shade val="50000"/>
+            </a:schemeClr>
+          </a:lnRef>
+          <a:fillRef idx="1">
+            <a:schemeClr val="accent1"/>
+          </a:fillRef>
+          <a:effectRef idx="0">
+            <a:schemeClr val="accent1"/>
+          </a:effectRef>
+          <a:fontRef idx="minor">
+            <a:schemeClr val="lt1"/>
+          </a:fontRef>
+        </p:style>
+        <p:txBody>
+          <a:bodyPr rtlCol="0" anchor="ctr" anchorCtr="1"/>
+          <a:lstStyle/>
+          <a:p>
+            <a:pPr algn="ctr"/>
+            <a:r>
+              <a:rPr lang="en-US" altLang="zh-CN" sz="1000" dirty="0">
+                <a:solidFill>
+                  <a:schemeClr val="tx1"/>
+                </a:solidFill>
+                <a:latin typeface="LXGW WenKai" panose="02020500000000000000" pitchFamily="18" charset="-120"/>
+                <a:ea typeface="LXGW WenKai" panose="02020500000000000000" pitchFamily="18" charset="-120"/>
+              </a:rPr>
+              <a:t>Experience</a:t>
+            </a:r>
+          </a:p>
+          <a:p>
+            <a:pPr algn="ctr"/>
+            <a:r>
+              <a:rPr lang="en-US" sz="1000" dirty="0">
+                <a:solidFill>
+                  <a:schemeClr val="tx1"/>
+                </a:solidFill>
+                <a:latin typeface="LXGW WenKai" panose="02020500000000000000" pitchFamily="18" charset="-120"/>
+                <a:ea typeface="LXGW WenKai" panose="02020500000000000000" pitchFamily="18" charset="-120"/>
+              </a:rPr>
+              <a:t>Pre/Post</a:t>
+            </a:r>
+            <a:endParaRPr lang="en-US" sz="1050" dirty="0">
+              <a:solidFill>
+                <a:schemeClr val="tx1"/>
+              </a:solidFill>
+              <a:latin typeface="LXGW WenKai" panose="02020500000000000000" pitchFamily="18" charset="-120"/>
+              <a:ea typeface="LXGW WenKai" panose="02020500000000000000" pitchFamily="18" charset="-120"/>
+            </a:endParaRPr>
+          </a:p>
+        </p:txBody>
+      </p:sp>
+      <p:sp>
+        <p:nvSpPr>
+          <p:cNvPr id="6" name="Rectangle 74">
+            <a:extLst>
+              <a:ext uri="{FF2B5EF4-FFF2-40B4-BE49-F238E27FC236}">
+                <a16:creationId xmlns:a16="http://schemas.microsoft.com/office/drawing/2014/main" id="{23FA5171-0CC2-8DC8-242E-6812E56712FA}"/>
+              </a:ext>
+            </a:extLst>
+          </p:cNvPr>
+          <p:cNvSpPr/>
+          <p:nvPr/>
+        </p:nvSpPr>
+        <p:spPr>
+          <a:xfrm>
+            <a:off x="10252200" y="1700377"/>
+            <a:ext cx="1167764" cy="1018035"/>
+          </a:xfrm>
+          <a:prstGeom prst="rect">
+            <a:avLst/>
+          </a:prstGeom>
+          <a:solidFill>
+            <a:schemeClr val="accent6">
+              <a:lumMod val="20000"/>
+              <a:lumOff val="80000"/>
+            </a:schemeClr>
+          </a:solidFill>
+          <a:ln>
+            <a:solidFill>
+              <a:schemeClr val="tx1"/>
+            </a:solidFill>
+          </a:ln>
+        </p:spPr>
+        <p:style>
+          <a:lnRef idx="2">
+            <a:schemeClr val="accent1">
+              <a:shade val="50000"/>
+            </a:schemeClr>
+          </a:lnRef>
+          <a:fillRef idx="1">
+            <a:schemeClr val="accent1"/>
+          </a:fillRef>
+          <a:effectRef idx="0">
+            <a:schemeClr val="accent1"/>
+          </a:effectRef>
+          <a:fontRef idx="minor">
+            <a:schemeClr val="lt1"/>
+          </a:fontRef>
+        </p:style>
+        <p:txBody>
+          <a:bodyPr rtlCol="0" anchor="ctr" anchorCtr="1"/>
+          <a:lstStyle/>
+          <a:p>
+            <a:pPr algn="ctr"/>
+            <a:r>
+              <a:rPr lang="en-US" altLang="zh-CN" sz="1400" dirty="0">
+                <a:solidFill>
+                  <a:schemeClr val="tx1"/>
+                </a:solidFill>
+                <a:latin typeface="LXGW WenKai" panose="02020500000000000000" pitchFamily="18" charset="-120"/>
+                <a:ea typeface="LXGW WenKai" panose="02020500000000000000" pitchFamily="18" charset="-120"/>
+              </a:rPr>
+              <a:t>Database</a:t>
+            </a:r>
+            <a:endParaRPr lang="en-US" sz="1600" dirty="0">
+              <a:solidFill>
+                <a:schemeClr val="tx1"/>
+              </a:solidFill>
+              <a:latin typeface="LXGW WenKai" panose="02020500000000000000" pitchFamily="18" charset="-120"/>
+              <a:ea typeface="LXGW WenKai" panose="02020500000000000000" pitchFamily="18" charset="-120"/>
+            </a:endParaRPr>
+          </a:p>
+        </p:txBody>
+      </p:sp>
+      <p:cxnSp>
+        <p:nvCxnSpPr>
+          <p:cNvPr id="7" name="Connector: Elbow 166">
+            <a:extLst>
+              <a:ext uri="{FF2B5EF4-FFF2-40B4-BE49-F238E27FC236}">
+                <a16:creationId xmlns:a16="http://schemas.microsoft.com/office/drawing/2014/main" id="{C585E097-C6A4-1E4B-F859-B33CB52C72B1}"/>
+              </a:ext>
+            </a:extLst>
+          </p:cNvPr>
+          <p:cNvCxnSpPr>
+            <a:cxnSpLocks/>
+            <a:stCxn id="77" idx="2"/>
+            <a:endCxn id="5" idx="0"/>
+          </p:cNvCxnSpPr>
+          <p:nvPr/>
+        </p:nvCxnSpPr>
+        <p:spPr>
+          <a:xfrm rot="5400000">
+            <a:off x="5246255" y="2235693"/>
+            <a:ext cx="1278637" cy="1865009"/>
+          </a:xfrm>
+          <a:prstGeom prst="bentConnector3">
+            <a:avLst>
+              <a:gd name="adj1" fmla="val 72517"/>
+            </a:avLst>
+          </a:prstGeom>
+          <a:ln w="9525">
+            <a:solidFill>
+              <a:schemeClr val="tx1"/>
+            </a:solidFill>
+            <a:prstDash val="dash"/>
+            <a:headEnd type="triangle"/>
+            <a:tailEnd type="triangle"/>
+          </a:ln>
+        </p:spPr>
+        <p:style>
+          <a:lnRef idx="1">
+            <a:schemeClr val="accent1"/>
+          </a:lnRef>
+          <a:fillRef idx="0">
+            <a:schemeClr val="accent1"/>
+          </a:fillRef>
+          <a:effectRef idx="0">
+            <a:schemeClr val="accent1"/>
+          </a:effectRef>
+          <a:fontRef idx="minor">
+            <a:schemeClr val="tx1"/>
+          </a:fontRef>
+        </p:style>
+      </p:cxnSp>
+      <p:cxnSp>
+        <p:nvCxnSpPr>
+          <p:cNvPr id="10" name="Connector: Elbow 166">
+            <a:extLst>
+              <a:ext uri="{FF2B5EF4-FFF2-40B4-BE49-F238E27FC236}">
+                <a16:creationId xmlns:a16="http://schemas.microsoft.com/office/drawing/2014/main" id="{48E64060-BAF0-146A-B1D2-A56DF776CA0E}"/>
+              </a:ext>
+            </a:extLst>
+          </p:cNvPr>
+          <p:cNvCxnSpPr>
+            <a:cxnSpLocks/>
+            <a:stCxn id="77" idx="1"/>
+            <a:endCxn id="3" idx="0"/>
+          </p:cNvCxnSpPr>
+          <p:nvPr/>
+        </p:nvCxnSpPr>
+        <p:spPr>
+          <a:xfrm rot="10800000" flipV="1">
+            <a:off x="4954775" y="2208532"/>
+            <a:ext cx="1177502" cy="329999"/>
+          </a:xfrm>
+          <a:prstGeom prst="bentConnector2">
+            <a:avLst/>
+          </a:prstGeom>
+          <a:ln w="9525">
+            <a:solidFill>
+              <a:schemeClr val="tx1"/>
+            </a:solidFill>
+            <a:prstDash val="dash"/>
+            <a:headEnd type="triangle"/>
+            <a:tailEnd type="triangle"/>
+          </a:ln>
+        </p:spPr>
+        <p:style>
+          <a:lnRef idx="1">
+            <a:schemeClr val="accent1"/>
+          </a:lnRef>
+          <a:fillRef idx="0">
+            <a:schemeClr val="accent1"/>
+          </a:fillRef>
+          <a:effectRef idx="0">
+            <a:schemeClr val="accent1"/>
+          </a:effectRef>
+          <a:fontRef idx="minor">
+            <a:schemeClr val="tx1"/>
+          </a:fontRef>
+        </p:style>
+      </p:cxnSp>
+      <p:cxnSp>
+        <p:nvCxnSpPr>
+          <p:cNvPr id="13" name="Connector: Elbow 169">
+            <a:extLst>
+              <a:ext uri="{FF2B5EF4-FFF2-40B4-BE49-F238E27FC236}">
+                <a16:creationId xmlns:a16="http://schemas.microsoft.com/office/drawing/2014/main" id="{B9988024-2174-BB80-33D6-6780C0CB3F00}"/>
+              </a:ext>
+            </a:extLst>
+          </p:cNvPr>
+          <p:cNvCxnSpPr>
+            <a:cxnSpLocks/>
+            <a:stCxn id="77" idx="0"/>
+            <a:endCxn id="2" idx="0"/>
+          </p:cNvCxnSpPr>
+          <p:nvPr/>
+        </p:nvCxnSpPr>
+        <p:spPr>
+          <a:xfrm rot="16200000" flipV="1">
+            <a:off x="5570892" y="641000"/>
+            <a:ext cx="629363" cy="1865009"/>
+          </a:xfrm>
+          <a:prstGeom prst="bentConnector3">
+            <a:avLst>
+              <a:gd name="adj1" fmla="val 139257"/>
+            </a:avLst>
+          </a:prstGeom>
+          <a:ln w="9525">
+            <a:solidFill>
+              <a:schemeClr val="tx1"/>
+            </a:solidFill>
+            <a:prstDash val="dash"/>
+            <a:headEnd type="triangle"/>
+            <a:tailEnd type="triangle"/>
+          </a:ln>
+        </p:spPr>
+        <p:style>
+          <a:lnRef idx="1">
+            <a:schemeClr val="accent1"/>
+          </a:lnRef>
+          <a:fillRef idx="0">
+            <a:schemeClr val="accent1"/>
+          </a:fillRef>
+          <a:effectRef idx="0">
+            <a:schemeClr val="accent1"/>
+          </a:effectRef>
+          <a:fontRef idx="minor">
+            <a:schemeClr val="tx1"/>
+          </a:fontRef>
+        </p:style>
+      </p:cxnSp>
+      <p:cxnSp>
+        <p:nvCxnSpPr>
+          <p:cNvPr id="19" name="Connector: Elbow 169">
+            <a:extLst>
+              <a:ext uri="{FF2B5EF4-FFF2-40B4-BE49-F238E27FC236}">
+                <a16:creationId xmlns:a16="http://schemas.microsoft.com/office/drawing/2014/main" id="{09C567B4-51D1-C8F9-B8D3-FCE778CBE9E8}"/>
+              </a:ext>
+            </a:extLst>
+          </p:cNvPr>
+          <p:cNvCxnSpPr>
+            <a:cxnSpLocks/>
+            <a:stCxn id="6" idx="1"/>
+            <a:endCxn id="77" idx="3"/>
+          </p:cNvCxnSpPr>
+          <p:nvPr/>
+        </p:nvCxnSpPr>
+        <p:spPr>
+          <a:xfrm rot="10800000">
+            <a:off x="7503878" y="2208533"/>
+            <a:ext cx="2748323" cy="862"/>
+          </a:xfrm>
+          <a:prstGeom prst="bentConnector3">
+            <a:avLst>
+              <a:gd name="adj1" fmla="val 50000"/>
+            </a:avLst>
+          </a:prstGeom>
+          <a:ln w="9525" cmpd="sng">
+            <a:solidFill>
+              <a:schemeClr val="tx1"/>
+            </a:solidFill>
+            <a:prstDash val="solid"/>
+            <a:headEnd type="triangle"/>
+            <a:tailEnd type="triangle"/>
+          </a:ln>
+        </p:spPr>
+        <p:style>
+          <a:lnRef idx="1">
+            <a:schemeClr val="accent1"/>
+          </a:lnRef>
+          <a:fillRef idx="0">
+            <a:schemeClr val="accent1"/>
+          </a:fillRef>
+          <a:effectRef idx="0">
+            <a:schemeClr val="accent1"/>
+          </a:effectRef>
+          <a:fontRef idx="minor">
+            <a:schemeClr val="tx1"/>
+          </a:fontRef>
+        </p:style>
+      </p:cxnSp>
+      <p:sp>
+        <p:nvSpPr>
+          <p:cNvPr id="22" name="Rectangle 76">
+            <a:extLst>
+              <a:ext uri="{FF2B5EF4-FFF2-40B4-BE49-F238E27FC236}">
+                <a16:creationId xmlns:a16="http://schemas.microsoft.com/office/drawing/2014/main" id="{E1ECA520-2118-C952-7E96-676DF37BB92A}"/>
+              </a:ext>
+            </a:extLst>
+          </p:cNvPr>
+          <p:cNvSpPr/>
+          <p:nvPr/>
+        </p:nvSpPr>
+        <p:spPr>
+          <a:xfrm>
+            <a:off x="6418475" y="3923825"/>
+            <a:ext cx="1371600" cy="640693"/>
+          </a:xfrm>
+          <a:prstGeom prst="rect">
+            <a:avLst/>
+          </a:prstGeom>
+          <a:solidFill>
+            <a:schemeClr val="accent4">
+              <a:lumMod val="20000"/>
+              <a:lumOff val="80000"/>
+            </a:schemeClr>
+          </a:solidFill>
+          <a:ln>
+            <a:solidFill>
+              <a:schemeClr val="tx1"/>
+            </a:solidFill>
+          </a:ln>
+        </p:spPr>
+        <p:style>
+          <a:lnRef idx="2">
+            <a:schemeClr val="accent1">
+              <a:shade val="50000"/>
+            </a:schemeClr>
+          </a:lnRef>
+          <a:fillRef idx="1">
+            <a:schemeClr val="accent1"/>
+          </a:fillRef>
+          <a:effectRef idx="0">
+            <a:schemeClr val="accent1"/>
+          </a:effectRef>
+          <a:fontRef idx="minor">
+            <a:schemeClr val="lt1"/>
+          </a:fontRef>
+        </p:style>
+        <p:txBody>
+          <a:bodyPr rtlCol="0" anchor="ctr" anchorCtr="1"/>
+          <a:lstStyle/>
+          <a:p>
+            <a:pPr algn="ctr"/>
+            <a:r>
+              <a:rPr lang="en-US" sz="1400" dirty="0">
+                <a:solidFill>
+                  <a:schemeClr val="tx1"/>
+                </a:solidFill>
+                <a:latin typeface="LXGW WenKai" panose="02020500000000000000" pitchFamily="18" charset="-120"/>
+                <a:ea typeface="LXGW WenKai" panose="02020500000000000000" pitchFamily="18" charset="-120"/>
+              </a:rPr>
+              <a:t>Intera</a:t>
+            </a:r>
+            <a:r>
+              <a:rPr lang="en-US" altLang="zh-CN" sz="1400" dirty="0">
+                <a:solidFill>
+                  <a:schemeClr val="tx1"/>
+                </a:solidFill>
+                <a:latin typeface="LXGW WenKai" panose="02020500000000000000" pitchFamily="18" charset="-120"/>
+                <a:ea typeface="LXGW WenKai" panose="02020500000000000000" pitchFamily="18" charset="-120"/>
+              </a:rPr>
+              <a:t>c</a:t>
+            </a:r>
+            <a:r>
+              <a:rPr lang="en-US" sz="1400" dirty="0">
+                <a:solidFill>
+                  <a:schemeClr val="tx1"/>
+                </a:solidFill>
+                <a:latin typeface="LXGW WenKai" panose="02020500000000000000" pitchFamily="18" charset="-120"/>
+                <a:ea typeface="LXGW WenKai" panose="02020500000000000000" pitchFamily="18" charset="-120"/>
+              </a:rPr>
+              <a:t>tive</a:t>
+            </a:r>
+          </a:p>
+          <a:p>
+            <a:pPr algn="ctr"/>
+            <a:r>
+              <a:rPr lang="en-US" sz="1400" dirty="0">
+                <a:solidFill>
+                  <a:schemeClr val="tx1"/>
+                </a:solidFill>
+                <a:latin typeface="LXGW WenKai" panose="02020500000000000000" pitchFamily="18" charset="-120"/>
+                <a:ea typeface="LXGW WenKai" panose="02020500000000000000" pitchFamily="18" charset="-120"/>
+              </a:rPr>
+              <a:t>Environment</a:t>
+            </a:r>
+          </a:p>
+        </p:txBody>
+      </p:sp>
+      <p:cxnSp>
+        <p:nvCxnSpPr>
+          <p:cNvPr id="23" name="Connector: Elbow 169">
+            <a:extLst>
+              <a:ext uri="{FF2B5EF4-FFF2-40B4-BE49-F238E27FC236}">
+                <a16:creationId xmlns:a16="http://schemas.microsoft.com/office/drawing/2014/main" id="{4DF70A14-F868-8D74-87E3-74CB68D5FDE0}"/>
+              </a:ext>
+            </a:extLst>
+          </p:cNvPr>
+          <p:cNvCxnSpPr>
+            <a:cxnSpLocks/>
+            <a:stCxn id="77" idx="3"/>
+            <a:endCxn id="22" idx="0"/>
+          </p:cNvCxnSpPr>
+          <p:nvPr/>
+        </p:nvCxnSpPr>
+        <p:spPr>
+          <a:xfrm flipH="1">
+            <a:off x="7104275" y="2208533"/>
+            <a:ext cx="399602" cy="1715292"/>
+          </a:xfrm>
+          <a:prstGeom prst="bentConnector4">
+            <a:avLst>
+              <a:gd name="adj1" fmla="val -57207"/>
+              <a:gd name="adj2" fmla="val 59338"/>
+            </a:avLst>
+          </a:prstGeom>
+          <a:ln w="9525">
+            <a:solidFill>
+              <a:schemeClr val="tx1"/>
+            </a:solidFill>
+            <a:prstDash val="dash"/>
+            <a:headEnd type="triangle"/>
+            <a:tailEnd type="triangle"/>
+          </a:ln>
+        </p:spPr>
+        <p:style>
+          <a:lnRef idx="1">
+            <a:schemeClr val="accent1"/>
+          </a:lnRef>
+          <a:fillRef idx="0">
+            <a:schemeClr val="accent1"/>
+          </a:fillRef>
+          <a:effectRef idx="0">
+            <a:schemeClr val="accent1"/>
+          </a:effectRef>
+          <a:fontRef idx="minor">
+            <a:schemeClr val="tx1"/>
+          </a:fontRef>
+        </p:style>
+      </p:cxnSp>
+      <p:sp>
+        <p:nvSpPr>
+          <p:cNvPr id="18" name="Rectangle 17">
+            <a:extLst>
+              <a:ext uri="{FF2B5EF4-FFF2-40B4-BE49-F238E27FC236}">
+                <a16:creationId xmlns:a16="http://schemas.microsoft.com/office/drawing/2014/main" id="{F9A13DD8-1A1B-732F-88E4-101524D7E147}"/>
+              </a:ext>
+            </a:extLst>
+          </p:cNvPr>
+          <p:cNvSpPr/>
+          <p:nvPr/>
+        </p:nvSpPr>
+        <p:spPr>
+          <a:xfrm>
+            <a:off x="8660843" y="4695185"/>
+            <a:ext cx="774000" cy="223200"/>
           </a:xfrm>
           <a:prstGeom prst="rect">
             <a:avLst/>
@@ -6323,7 +8102,7 @@
           <a:p>
             <a:pPr algn="ctr"/>
             <a:r>
-              <a:rPr lang="en-US" sz="1100" dirty="0">
+              <a:rPr lang="en-US" sz="1000" dirty="0">
                 <a:solidFill>
                   <a:schemeClr val="tx1"/>
                 </a:solidFill>
@@ -6337,10 +8116,10 @@
       </p:sp>
       <p:sp>
         <p:nvSpPr>
-          <p:cNvPr id="50" name="Rectangle 49">
-            <a:extLst>
-              <a:ext uri="{FF2B5EF4-FFF2-40B4-BE49-F238E27FC236}">
-                <a16:creationId xmlns:a16="http://schemas.microsoft.com/office/drawing/2014/main" id="{8BBD062D-3932-D5F7-67F9-E142136EB013}"/>
+          <p:cNvPr id="89" name="Rectangle 88">
+            <a:extLst>
+              <a:ext uri="{FF2B5EF4-FFF2-40B4-BE49-F238E27FC236}">
+                <a16:creationId xmlns:a16="http://schemas.microsoft.com/office/drawing/2014/main" id="{3DD37A8C-A716-0782-2384-2753C896E362}"/>
               </a:ext>
             </a:extLst>
           </p:cNvPr>
@@ -6349,213 +8128,8 @@
         </p:nvSpPr>
         <p:spPr>
           <a:xfrm>
-            <a:off x="1906621" y="807396"/>
-            <a:ext cx="6177064" cy="4189691"/>
-          </a:xfrm>
-          <a:prstGeom prst="rect">
-            <a:avLst/>
-          </a:prstGeom>
-          <a:solidFill>
-            <a:schemeClr val="accent2">
-              <a:lumMod val="20000"/>
-              <a:lumOff val="80000"/>
-            </a:schemeClr>
-          </a:solidFill>
-          <a:ln>
-            <a:solidFill>
-              <a:schemeClr val="tx1"/>
-            </a:solidFill>
-          </a:ln>
-        </p:spPr>
-        <p:style>
-          <a:lnRef idx="2">
-            <a:schemeClr val="accent1">
-              <a:shade val="50000"/>
-            </a:schemeClr>
-          </a:lnRef>
-          <a:fillRef idx="1">
-            <a:schemeClr val="accent1"/>
-          </a:fillRef>
-          <a:effectRef idx="0">
-            <a:schemeClr val="accent1"/>
-          </a:effectRef>
-          <a:fontRef idx="minor">
-            <a:schemeClr val="lt1"/>
-          </a:fontRef>
-        </p:style>
-        <p:txBody>
-          <a:bodyPr rtlCol="0" anchor="b" anchorCtr="0"/>
-          <a:lstStyle/>
-          <a:p>
-            <a:pPr algn="ctr"/>
-            <a:r>
-              <a:rPr lang="en-US" sz="1400" dirty="0">
-                <a:solidFill>
-                  <a:schemeClr val="tx1"/>
-                </a:solidFill>
-                <a:latin typeface="LXGW WenKai" panose="02020500000000000000" pitchFamily="18" charset="-120"/>
-                <a:ea typeface="LXGW WenKai" panose="02020500000000000000" pitchFamily="18" charset="-120"/>
-              </a:rPr>
-              <a:t>Manager</a:t>
-            </a:r>
-          </a:p>
-        </p:txBody>
-      </p:sp>
-      <p:sp>
-        <p:nvSpPr>
-          <p:cNvPr id="75" name="Rectangle 74">
-            <a:extLst>
-              <a:ext uri="{FF2B5EF4-FFF2-40B4-BE49-F238E27FC236}">
-                <a16:creationId xmlns:a16="http://schemas.microsoft.com/office/drawing/2014/main" id="{44C68876-D9A9-1F96-3F1C-C2BB988232F8}"/>
-              </a:ext>
-            </a:extLst>
-          </p:cNvPr>
-          <p:cNvSpPr/>
-          <p:nvPr/>
-        </p:nvSpPr>
-        <p:spPr>
-          <a:xfrm>
-            <a:off x="6534696" y="3885677"/>
-            <a:ext cx="1371600" cy="457200"/>
-          </a:xfrm>
-          <a:prstGeom prst="rect">
-            <a:avLst/>
-          </a:prstGeom>
-          <a:solidFill>
-            <a:schemeClr val="accent4">
-              <a:lumMod val="20000"/>
-              <a:lumOff val="80000"/>
-            </a:schemeClr>
-          </a:solidFill>
-          <a:ln>
-            <a:solidFill>
-              <a:schemeClr val="tx1"/>
-            </a:solidFill>
-          </a:ln>
-        </p:spPr>
-        <p:style>
-          <a:lnRef idx="2">
-            <a:schemeClr val="accent1">
-              <a:shade val="50000"/>
-            </a:schemeClr>
-          </a:lnRef>
-          <a:fillRef idx="1">
-            <a:schemeClr val="accent1"/>
-          </a:fillRef>
-          <a:effectRef idx="0">
-            <a:schemeClr val="accent1"/>
-          </a:effectRef>
-          <a:fontRef idx="minor">
-            <a:schemeClr val="lt1"/>
-          </a:fontRef>
-        </p:style>
-        <p:txBody>
-          <a:bodyPr rtlCol="0" anchor="ctr" anchorCtr="1"/>
-          <a:lstStyle/>
-          <a:p>
-            <a:pPr algn="ctr"/>
-            <a:r>
-              <a:rPr lang="en-US" sz="1400" dirty="0">
-                <a:solidFill>
-                  <a:schemeClr val="tx1"/>
-                </a:solidFill>
-                <a:latin typeface="LXGW WenKai" panose="02020500000000000000" pitchFamily="18" charset="-120"/>
-                <a:ea typeface="LXGW WenKai" panose="02020500000000000000" pitchFamily="18" charset="-120"/>
-              </a:rPr>
-              <a:t>Knowledge</a:t>
-            </a:r>
-            <a:endParaRPr lang="en-US" sz="1600" dirty="0">
-              <a:solidFill>
-                <a:schemeClr val="tx1"/>
-              </a:solidFill>
-              <a:latin typeface="LXGW WenKai" panose="02020500000000000000" pitchFamily="18" charset="-120"/>
-              <a:ea typeface="LXGW WenKai" panose="02020500000000000000" pitchFamily="18" charset="-120"/>
-            </a:endParaRPr>
-          </a:p>
-        </p:txBody>
-      </p:sp>
-      <p:sp>
-        <p:nvSpPr>
-          <p:cNvPr id="77" name="Rectangle 76">
-            <a:extLst>
-              <a:ext uri="{FF2B5EF4-FFF2-40B4-BE49-F238E27FC236}">
-                <a16:creationId xmlns:a16="http://schemas.microsoft.com/office/drawing/2014/main" id="{E8620ACD-B15B-EF14-FC31-87AEE3C1C82D}"/>
-              </a:ext>
-            </a:extLst>
-          </p:cNvPr>
-          <p:cNvSpPr/>
-          <p:nvPr/>
-        </p:nvSpPr>
-        <p:spPr>
-          <a:xfrm>
-            <a:off x="6534696" y="1888186"/>
-            <a:ext cx="1371600" cy="640693"/>
-          </a:xfrm>
-          <a:prstGeom prst="rect">
-            <a:avLst/>
-          </a:prstGeom>
-          <a:solidFill>
-            <a:schemeClr val="accent4">
-              <a:lumMod val="20000"/>
-              <a:lumOff val="80000"/>
-            </a:schemeClr>
-          </a:solidFill>
-          <a:ln>
-            <a:solidFill>
-              <a:schemeClr val="tx1"/>
-            </a:solidFill>
-          </a:ln>
-        </p:spPr>
-        <p:style>
-          <a:lnRef idx="2">
-            <a:schemeClr val="accent1">
-              <a:shade val="50000"/>
-            </a:schemeClr>
-          </a:lnRef>
-          <a:fillRef idx="1">
-            <a:schemeClr val="accent1"/>
-          </a:fillRef>
-          <a:effectRef idx="0">
-            <a:schemeClr val="accent1"/>
-          </a:effectRef>
-          <a:fontRef idx="minor">
-            <a:schemeClr val="lt1"/>
-          </a:fontRef>
-        </p:style>
-        <p:txBody>
-          <a:bodyPr rtlCol="0" anchor="ctr" anchorCtr="1"/>
-          <a:lstStyle/>
-          <a:p>
-            <a:pPr algn="ctr"/>
-            <a:r>
-              <a:rPr lang="en-US" sz="1400" dirty="0">
-                <a:solidFill>
-                  <a:schemeClr val="tx1"/>
-                </a:solidFill>
-                <a:latin typeface="LXGW WenKai" panose="02020500000000000000" pitchFamily="18" charset="-120"/>
-                <a:ea typeface="LXGW WenKai" panose="02020500000000000000" pitchFamily="18" charset="-120"/>
-              </a:rPr>
-              <a:t>Global Contexts</a:t>
-            </a:r>
-          </a:p>
-        </p:txBody>
-      </p:sp>
-      <p:sp>
-        <p:nvSpPr>
-          <p:cNvPr id="89" name="Rectangle 88">
-            <a:extLst>
-              <a:ext uri="{FF2B5EF4-FFF2-40B4-BE49-F238E27FC236}">
-                <a16:creationId xmlns:a16="http://schemas.microsoft.com/office/drawing/2014/main" id="{3DD37A8C-A716-0782-2384-2753C896E362}"/>
-              </a:ext>
-            </a:extLst>
-          </p:cNvPr>
-          <p:cNvSpPr/>
-          <p:nvPr/>
-        </p:nvSpPr>
-        <p:spPr>
-          <a:xfrm>
-            <a:off x="8978631" y="4716814"/>
-            <a:ext cx="1181630" cy="308049"/>
+            <a:off x="8344144" y="3896664"/>
+            <a:ext cx="1090700" cy="221755"/>
           </a:xfrm>
           <a:prstGeom prst="rect">
             <a:avLst/>
@@ -6595,7 +8169,7 @@
           <a:p>
             <a:pPr algn="ctr"/>
             <a:r>
-              <a:rPr lang="en-US" sz="1100" dirty="0">
+              <a:rPr lang="en-US" sz="1000" dirty="0">
                 <a:solidFill>
                   <a:schemeClr val="tx1"/>
                 </a:solidFill>
@@ -6609,10 +8183,10 @@
       </p:sp>
       <p:sp>
         <p:nvSpPr>
-          <p:cNvPr id="105" name="Rectangle 104">
-            <a:extLst>
-              <a:ext uri="{FF2B5EF4-FFF2-40B4-BE49-F238E27FC236}">
-                <a16:creationId xmlns:a16="http://schemas.microsoft.com/office/drawing/2014/main" id="{1214C11B-A256-7176-4EFC-64EB301BEFA9}"/>
+          <p:cNvPr id="108" name="Rectangle 107">
+            <a:extLst>
+              <a:ext uri="{FF2B5EF4-FFF2-40B4-BE49-F238E27FC236}">
+                <a16:creationId xmlns:a16="http://schemas.microsoft.com/office/drawing/2014/main" id="{DF6F82E6-1B4D-6F20-5C4A-BAC5F1A60D25}"/>
               </a:ext>
             </a:extLst>
           </p:cNvPr>
@@ -6621,74 +8195,8 @@
         </p:nvSpPr>
         <p:spPr>
           <a:xfrm>
-            <a:off x="2373479" y="1124349"/>
-            <a:ext cx="2033151" cy="914400"/>
-          </a:xfrm>
-          <a:prstGeom prst="rect">
-            <a:avLst/>
-          </a:prstGeom>
-          <a:solidFill>
-            <a:schemeClr val="accent2">
-              <a:lumMod val="40000"/>
-              <a:lumOff val="60000"/>
-            </a:schemeClr>
-          </a:solidFill>
-          <a:ln>
-            <a:solidFill>
-              <a:schemeClr val="tx1"/>
-            </a:solidFill>
-          </a:ln>
-        </p:spPr>
-        <p:style>
-          <a:lnRef idx="2">
-            <a:schemeClr val="accent1">
-              <a:shade val="50000"/>
-            </a:schemeClr>
-          </a:lnRef>
-          <a:fillRef idx="1">
-            <a:schemeClr val="accent1"/>
-          </a:fillRef>
-          <a:effectRef idx="0">
-            <a:schemeClr val="accent1"/>
-          </a:effectRef>
-          <a:fontRef idx="minor">
-            <a:schemeClr val="lt1"/>
-          </a:fontRef>
-        </p:style>
-        <p:txBody>
-          <a:bodyPr rtlCol="0" anchor="b" anchorCtr="0"/>
-          <a:lstStyle/>
-          <a:p>
-            <a:pPr algn="ctr"/>
-            <a:r>
-              <a:rPr lang="en-US" sz="1400" dirty="0">
-                <a:solidFill>
-                  <a:schemeClr val="tx1"/>
-                </a:solidFill>
-                <a:latin typeface="LXGW WenKai" panose="02020500000000000000" pitchFamily="18" charset="-120"/>
-                <a:ea typeface="LXGW WenKai" panose="02020500000000000000" pitchFamily="18" charset="-120"/>
-              </a:rPr>
-              <a:t>Agent</a:t>
-            </a:r>
-          </a:p>
-        </p:txBody>
-      </p:sp>
-      <p:sp>
-        <p:nvSpPr>
-          <p:cNvPr id="108" name="Rectangle 107">
-            <a:extLst>
-              <a:ext uri="{FF2B5EF4-FFF2-40B4-BE49-F238E27FC236}">
-                <a16:creationId xmlns:a16="http://schemas.microsoft.com/office/drawing/2014/main" id="{DF6F82E6-1B4D-6F20-5C4A-BAC5F1A60D25}"/>
-              </a:ext>
-            </a:extLst>
-          </p:cNvPr>
-          <p:cNvSpPr/>
-          <p:nvPr/>
-        </p:nvSpPr>
-        <p:spPr>
-          <a:xfrm>
-            <a:off x="8978631" y="4226185"/>
-            <a:ext cx="1181629" cy="308049"/>
+            <a:off x="8344144" y="3492330"/>
+            <a:ext cx="1090699" cy="221754"/>
           </a:xfrm>
           <a:prstGeom prst="rect">
             <a:avLst/>
@@ -6727,7 +8235,7 @@
           <a:p>
             <a:pPr algn="ctr"/>
             <a:r>
-              <a:rPr lang="en-US" sz="1100" dirty="0">
+              <a:rPr lang="en-US" sz="1000" dirty="0">
                 <a:solidFill>
                   <a:schemeClr val="tx1"/>
                 </a:solidFill>
@@ -6741,10 +8249,10 @@
       </p:sp>
       <p:sp>
         <p:nvSpPr>
-          <p:cNvPr id="76" name="Rectangle 75">
-            <a:extLst>
-              <a:ext uri="{FF2B5EF4-FFF2-40B4-BE49-F238E27FC236}">
-                <a16:creationId xmlns:a16="http://schemas.microsoft.com/office/drawing/2014/main" id="{5DDE9D0C-B83B-B506-FF0C-EDC49D03A075}"/>
+          <p:cNvPr id="146" name="Rectangle 145">
+            <a:extLst>
+              <a:ext uri="{FF2B5EF4-FFF2-40B4-BE49-F238E27FC236}">
+                <a16:creationId xmlns:a16="http://schemas.microsoft.com/office/drawing/2014/main" id="{2F241573-1DFB-B4E8-A247-315E4818D5AC}"/>
               </a:ext>
             </a:extLst>
           </p:cNvPr>
@@ -6753,611 +8261,8 @@
         </p:nvSpPr>
         <p:spPr>
           <a:xfrm>
-            <a:off x="2534866" y="1277253"/>
-            <a:ext cx="770430" cy="359761"/>
-          </a:xfrm>
-          <a:prstGeom prst="rect">
-            <a:avLst/>
-          </a:prstGeom>
-          <a:solidFill>
-            <a:schemeClr val="bg1">
-              <a:lumMod val="95000"/>
-            </a:schemeClr>
-          </a:solidFill>
-          <a:ln>
-            <a:solidFill>
-              <a:schemeClr val="tx1"/>
-            </a:solidFill>
-          </a:ln>
-        </p:spPr>
-        <p:style>
-          <a:lnRef idx="2">
-            <a:schemeClr val="accent1">
-              <a:shade val="50000"/>
-            </a:schemeClr>
-          </a:lnRef>
-          <a:fillRef idx="1">
-            <a:schemeClr val="accent1"/>
-          </a:fillRef>
-          <a:effectRef idx="0">
-            <a:schemeClr val="accent1"/>
-          </a:effectRef>
-          <a:fontRef idx="minor">
-            <a:schemeClr val="lt1"/>
-          </a:fontRef>
-        </p:style>
-        <p:txBody>
-          <a:bodyPr rtlCol="0" anchor="ctr" anchorCtr="1"/>
-          <a:lstStyle/>
-          <a:p>
-            <a:pPr algn="ctr"/>
-            <a:r>
-              <a:rPr lang="en-US" sz="1000" dirty="0">
-                <a:solidFill>
-                  <a:schemeClr val="tx1"/>
-                </a:solidFill>
-                <a:latin typeface="LXGW WenKai" panose="02020500000000000000" pitchFamily="18" charset="-120"/>
-                <a:ea typeface="LXGW WenKai" panose="02020500000000000000" pitchFamily="18" charset="-120"/>
-              </a:rPr>
-              <a:t>System prompts</a:t>
-            </a:r>
-            <a:endParaRPr lang="en-US" sz="1050" dirty="0">
-              <a:solidFill>
-                <a:schemeClr val="tx1"/>
-              </a:solidFill>
-              <a:latin typeface="LXGW WenKai" panose="02020500000000000000" pitchFamily="18" charset="-120"/>
-              <a:ea typeface="LXGW WenKai" panose="02020500000000000000" pitchFamily="18" charset="-120"/>
-            </a:endParaRPr>
-          </a:p>
-        </p:txBody>
-      </p:sp>
-      <p:sp>
-        <p:nvSpPr>
-          <p:cNvPr id="139" name="Rectangle 138">
-            <a:extLst>
-              <a:ext uri="{FF2B5EF4-FFF2-40B4-BE49-F238E27FC236}">
-                <a16:creationId xmlns:a16="http://schemas.microsoft.com/office/drawing/2014/main" id="{2C915C8B-9693-8987-029F-199D7C0DCE4A}"/>
-              </a:ext>
-            </a:extLst>
-          </p:cNvPr>
-          <p:cNvSpPr/>
-          <p:nvPr/>
-        </p:nvSpPr>
-        <p:spPr>
-          <a:xfrm>
-            <a:off x="3517280" y="1277253"/>
-            <a:ext cx="770430" cy="359761"/>
-          </a:xfrm>
-          <a:prstGeom prst="rect">
-            <a:avLst/>
-          </a:prstGeom>
-          <a:solidFill>
-            <a:schemeClr val="bg1">
-              <a:lumMod val="95000"/>
-            </a:schemeClr>
-          </a:solidFill>
-          <a:ln>
-            <a:solidFill>
-              <a:schemeClr val="tx1"/>
-            </a:solidFill>
-          </a:ln>
-        </p:spPr>
-        <p:style>
-          <a:lnRef idx="2">
-            <a:schemeClr val="accent1">
-              <a:shade val="50000"/>
-            </a:schemeClr>
-          </a:lnRef>
-          <a:fillRef idx="1">
-            <a:schemeClr val="accent1"/>
-          </a:fillRef>
-          <a:effectRef idx="0">
-            <a:schemeClr val="accent1"/>
-          </a:effectRef>
-          <a:fontRef idx="minor">
-            <a:schemeClr val="lt1"/>
-          </a:fontRef>
-        </p:style>
-        <p:txBody>
-          <a:bodyPr rtlCol="0" anchor="ctr" anchorCtr="1"/>
-          <a:lstStyle/>
-          <a:p>
-            <a:pPr algn="ctr"/>
-            <a:r>
-              <a:rPr lang="en-US" sz="1000" dirty="0">
-                <a:solidFill>
-                  <a:schemeClr val="tx1"/>
-                </a:solidFill>
-                <a:latin typeface="LXGW WenKai" panose="02020500000000000000" pitchFamily="18" charset="-120"/>
-                <a:ea typeface="LXGW WenKai" panose="02020500000000000000" pitchFamily="18" charset="-120"/>
-              </a:rPr>
-              <a:t>Chat</a:t>
-            </a:r>
-          </a:p>
-          <a:p>
-            <a:pPr algn="ctr"/>
-            <a:r>
-              <a:rPr lang="en-US" sz="1000" dirty="0">
-                <a:solidFill>
-                  <a:schemeClr val="tx1"/>
-                </a:solidFill>
-                <a:latin typeface="LXGW WenKai" panose="02020500000000000000" pitchFamily="18" charset="-120"/>
-                <a:ea typeface="LXGW WenKai" panose="02020500000000000000" pitchFamily="18" charset="-120"/>
-              </a:rPr>
-              <a:t>history</a:t>
-            </a:r>
-            <a:endParaRPr lang="en-US" sz="1050" dirty="0">
-              <a:solidFill>
-                <a:schemeClr val="tx1"/>
-              </a:solidFill>
-              <a:latin typeface="LXGW WenKai" panose="02020500000000000000" pitchFamily="18" charset="-120"/>
-              <a:ea typeface="LXGW WenKai" panose="02020500000000000000" pitchFamily="18" charset="-120"/>
-            </a:endParaRPr>
-          </a:p>
-        </p:txBody>
-      </p:sp>
-      <p:sp>
-        <p:nvSpPr>
-          <p:cNvPr id="140" name="Rectangle 139">
-            <a:extLst>
-              <a:ext uri="{FF2B5EF4-FFF2-40B4-BE49-F238E27FC236}">
-                <a16:creationId xmlns:a16="http://schemas.microsoft.com/office/drawing/2014/main" id="{3F4E18B8-7282-664E-294A-1DC6271F5490}"/>
-              </a:ext>
-            </a:extLst>
-          </p:cNvPr>
-          <p:cNvSpPr/>
-          <p:nvPr/>
-        </p:nvSpPr>
-        <p:spPr>
-          <a:xfrm>
-            <a:off x="2394714" y="2368209"/>
-            <a:ext cx="2033151" cy="914400"/>
-          </a:xfrm>
-          <a:prstGeom prst="rect">
-            <a:avLst/>
-          </a:prstGeom>
-          <a:solidFill>
-            <a:schemeClr val="accent2">
-              <a:lumMod val="40000"/>
-              <a:lumOff val="60000"/>
-            </a:schemeClr>
-          </a:solidFill>
-          <a:ln>
-            <a:solidFill>
-              <a:schemeClr val="tx1"/>
-            </a:solidFill>
-          </a:ln>
-        </p:spPr>
-        <p:style>
-          <a:lnRef idx="2">
-            <a:schemeClr val="accent1">
-              <a:shade val="50000"/>
-            </a:schemeClr>
-          </a:lnRef>
-          <a:fillRef idx="1">
-            <a:schemeClr val="accent1"/>
-          </a:fillRef>
-          <a:effectRef idx="0">
-            <a:schemeClr val="accent1"/>
-          </a:effectRef>
-          <a:fontRef idx="minor">
-            <a:schemeClr val="lt1"/>
-          </a:fontRef>
-        </p:style>
-        <p:txBody>
-          <a:bodyPr rtlCol="0" anchor="b" anchorCtr="0"/>
-          <a:lstStyle/>
-          <a:p>
-            <a:pPr algn="ctr"/>
-            <a:r>
-              <a:rPr lang="en-US" sz="1400" dirty="0">
-                <a:solidFill>
-                  <a:schemeClr val="tx1"/>
-                </a:solidFill>
-                <a:latin typeface="LXGW WenKai" panose="02020500000000000000" pitchFamily="18" charset="-120"/>
-                <a:ea typeface="LXGW WenKai" panose="02020500000000000000" pitchFamily="18" charset="-120"/>
-              </a:rPr>
-              <a:t>Agent</a:t>
-            </a:r>
-          </a:p>
-        </p:txBody>
-      </p:sp>
-      <p:sp>
-        <p:nvSpPr>
-          <p:cNvPr id="141" name="Rectangle 140">
-            <a:extLst>
-              <a:ext uri="{FF2B5EF4-FFF2-40B4-BE49-F238E27FC236}">
-                <a16:creationId xmlns:a16="http://schemas.microsoft.com/office/drawing/2014/main" id="{B9470EF6-B2B8-17B5-60F2-39024B4B359F}"/>
-              </a:ext>
-            </a:extLst>
-          </p:cNvPr>
-          <p:cNvSpPr/>
-          <p:nvPr/>
-        </p:nvSpPr>
-        <p:spPr>
-          <a:xfrm>
-            <a:off x="2534866" y="2528878"/>
-            <a:ext cx="770430" cy="359761"/>
-          </a:xfrm>
-          <a:prstGeom prst="rect">
-            <a:avLst/>
-          </a:prstGeom>
-          <a:solidFill>
-            <a:schemeClr val="bg1">
-              <a:lumMod val="95000"/>
-            </a:schemeClr>
-          </a:solidFill>
-          <a:ln>
-            <a:solidFill>
-              <a:schemeClr val="tx1"/>
-            </a:solidFill>
-          </a:ln>
-        </p:spPr>
-        <p:style>
-          <a:lnRef idx="2">
-            <a:schemeClr val="accent1">
-              <a:shade val="50000"/>
-            </a:schemeClr>
-          </a:lnRef>
-          <a:fillRef idx="1">
-            <a:schemeClr val="accent1"/>
-          </a:fillRef>
-          <a:effectRef idx="0">
-            <a:schemeClr val="accent1"/>
-          </a:effectRef>
-          <a:fontRef idx="minor">
-            <a:schemeClr val="lt1"/>
-          </a:fontRef>
-        </p:style>
-        <p:txBody>
-          <a:bodyPr rtlCol="0" anchor="ctr" anchorCtr="1"/>
-          <a:lstStyle/>
-          <a:p>
-            <a:pPr algn="ctr"/>
-            <a:r>
-              <a:rPr lang="en-US" sz="1000" dirty="0">
-                <a:solidFill>
-                  <a:schemeClr val="tx1"/>
-                </a:solidFill>
-                <a:latin typeface="LXGW WenKai" panose="02020500000000000000" pitchFamily="18" charset="-120"/>
-                <a:ea typeface="LXGW WenKai" panose="02020500000000000000" pitchFamily="18" charset="-120"/>
-              </a:rPr>
-              <a:t>System prompts</a:t>
-            </a:r>
-            <a:endParaRPr lang="en-US" sz="1050" dirty="0">
-              <a:solidFill>
-                <a:schemeClr val="tx1"/>
-              </a:solidFill>
-              <a:latin typeface="LXGW WenKai" panose="02020500000000000000" pitchFamily="18" charset="-120"/>
-              <a:ea typeface="LXGW WenKai" panose="02020500000000000000" pitchFamily="18" charset="-120"/>
-            </a:endParaRPr>
-          </a:p>
-        </p:txBody>
-      </p:sp>
-      <p:sp>
-        <p:nvSpPr>
-          <p:cNvPr id="142" name="Rectangle 141">
-            <a:extLst>
-              <a:ext uri="{FF2B5EF4-FFF2-40B4-BE49-F238E27FC236}">
-                <a16:creationId xmlns:a16="http://schemas.microsoft.com/office/drawing/2014/main" id="{CBFEEC7A-4A15-DB6B-15C8-5F074E904B67}"/>
-              </a:ext>
-            </a:extLst>
-          </p:cNvPr>
-          <p:cNvSpPr/>
-          <p:nvPr/>
-        </p:nvSpPr>
-        <p:spPr>
-          <a:xfrm>
-            <a:off x="3517280" y="2528878"/>
-            <a:ext cx="770430" cy="359761"/>
-          </a:xfrm>
-          <a:prstGeom prst="rect">
-            <a:avLst/>
-          </a:prstGeom>
-          <a:solidFill>
-            <a:schemeClr val="bg1">
-              <a:lumMod val="95000"/>
-            </a:schemeClr>
-          </a:solidFill>
-          <a:ln>
-            <a:solidFill>
-              <a:schemeClr val="tx1"/>
-            </a:solidFill>
-          </a:ln>
-        </p:spPr>
-        <p:style>
-          <a:lnRef idx="2">
-            <a:schemeClr val="accent1">
-              <a:shade val="50000"/>
-            </a:schemeClr>
-          </a:lnRef>
-          <a:fillRef idx="1">
-            <a:schemeClr val="accent1"/>
-          </a:fillRef>
-          <a:effectRef idx="0">
-            <a:schemeClr val="accent1"/>
-          </a:effectRef>
-          <a:fontRef idx="minor">
-            <a:schemeClr val="lt1"/>
-          </a:fontRef>
-        </p:style>
-        <p:txBody>
-          <a:bodyPr rtlCol="0" anchor="ctr" anchorCtr="1"/>
-          <a:lstStyle/>
-          <a:p>
-            <a:pPr algn="ctr"/>
-            <a:r>
-              <a:rPr lang="en-US" sz="1000" dirty="0">
-                <a:solidFill>
-                  <a:schemeClr val="tx1"/>
-                </a:solidFill>
-                <a:latin typeface="LXGW WenKai" panose="02020500000000000000" pitchFamily="18" charset="-120"/>
-                <a:ea typeface="LXGW WenKai" panose="02020500000000000000" pitchFamily="18" charset="-120"/>
-              </a:rPr>
-              <a:t>Chat</a:t>
-            </a:r>
-          </a:p>
-          <a:p>
-            <a:pPr algn="ctr"/>
-            <a:r>
-              <a:rPr lang="en-US" sz="1000" dirty="0">
-                <a:solidFill>
-                  <a:schemeClr val="tx1"/>
-                </a:solidFill>
-                <a:latin typeface="LXGW WenKai" panose="02020500000000000000" pitchFamily="18" charset="-120"/>
-                <a:ea typeface="LXGW WenKai" panose="02020500000000000000" pitchFamily="18" charset="-120"/>
-              </a:rPr>
-              <a:t>History</a:t>
-            </a:r>
-            <a:endParaRPr lang="en-US" sz="1050" dirty="0">
-              <a:solidFill>
-                <a:schemeClr val="tx1"/>
-              </a:solidFill>
-              <a:latin typeface="LXGW WenKai" panose="02020500000000000000" pitchFamily="18" charset="-120"/>
-              <a:ea typeface="LXGW WenKai" panose="02020500000000000000" pitchFamily="18" charset="-120"/>
-            </a:endParaRPr>
-          </a:p>
-        </p:txBody>
-      </p:sp>
-      <p:sp>
-        <p:nvSpPr>
-          <p:cNvPr id="143" name="Rectangle 142">
-            <a:extLst>
-              <a:ext uri="{FF2B5EF4-FFF2-40B4-BE49-F238E27FC236}">
-                <a16:creationId xmlns:a16="http://schemas.microsoft.com/office/drawing/2014/main" id="{B5FD6F14-F11F-8D87-FEE2-5494426F1A72}"/>
-              </a:ext>
-            </a:extLst>
-          </p:cNvPr>
-          <p:cNvSpPr/>
-          <p:nvPr/>
-        </p:nvSpPr>
-        <p:spPr>
-          <a:xfrm>
-            <a:off x="2373479" y="3619834"/>
-            <a:ext cx="2033151" cy="914400"/>
-          </a:xfrm>
-          <a:prstGeom prst="rect">
-            <a:avLst/>
-          </a:prstGeom>
-          <a:solidFill>
-            <a:schemeClr val="accent2">
-              <a:lumMod val="40000"/>
-              <a:lumOff val="60000"/>
-            </a:schemeClr>
-          </a:solidFill>
-          <a:ln>
-            <a:solidFill>
-              <a:schemeClr val="tx1"/>
-            </a:solidFill>
-          </a:ln>
-        </p:spPr>
-        <p:style>
-          <a:lnRef idx="2">
-            <a:schemeClr val="accent1">
-              <a:shade val="50000"/>
-            </a:schemeClr>
-          </a:lnRef>
-          <a:fillRef idx="1">
-            <a:schemeClr val="accent1"/>
-          </a:fillRef>
-          <a:effectRef idx="0">
-            <a:schemeClr val="accent1"/>
-          </a:effectRef>
-          <a:fontRef idx="minor">
-            <a:schemeClr val="lt1"/>
-          </a:fontRef>
-        </p:style>
-        <p:txBody>
-          <a:bodyPr rtlCol="0" anchor="b" anchorCtr="0"/>
-          <a:lstStyle/>
-          <a:p>
-            <a:pPr algn="ctr"/>
-            <a:r>
-              <a:rPr lang="en-US" sz="1400" dirty="0">
-                <a:solidFill>
-                  <a:schemeClr val="tx1"/>
-                </a:solidFill>
-                <a:latin typeface="LXGW WenKai" panose="02020500000000000000" pitchFamily="18" charset="-120"/>
-                <a:ea typeface="LXGW WenKai" panose="02020500000000000000" pitchFamily="18" charset="-120"/>
-              </a:rPr>
-              <a:t>Agent</a:t>
-            </a:r>
-          </a:p>
-        </p:txBody>
-      </p:sp>
-      <p:sp>
-        <p:nvSpPr>
-          <p:cNvPr id="144" name="Rectangle 143">
-            <a:extLst>
-              <a:ext uri="{FF2B5EF4-FFF2-40B4-BE49-F238E27FC236}">
-                <a16:creationId xmlns:a16="http://schemas.microsoft.com/office/drawing/2014/main" id="{91FED968-9E3F-7EAE-6E2E-84A4B4A9BCD2}"/>
-              </a:ext>
-            </a:extLst>
-          </p:cNvPr>
-          <p:cNvSpPr/>
-          <p:nvPr/>
-        </p:nvSpPr>
-        <p:spPr>
-          <a:xfrm>
-            <a:off x="2534866" y="3797862"/>
-            <a:ext cx="770430" cy="359761"/>
-          </a:xfrm>
-          <a:prstGeom prst="rect">
-            <a:avLst/>
-          </a:prstGeom>
-          <a:solidFill>
-            <a:schemeClr val="bg1">
-              <a:lumMod val="95000"/>
-            </a:schemeClr>
-          </a:solidFill>
-          <a:ln>
-            <a:solidFill>
-              <a:schemeClr val="tx1"/>
-            </a:solidFill>
-          </a:ln>
-        </p:spPr>
-        <p:style>
-          <a:lnRef idx="2">
-            <a:schemeClr val="accent1">
-              <a:shade val="50000"/>
-            </a:schemeClr>
-          </a:lnRef>
-          <a:fillRef idx="1">
-            <a:schemeClr val="accent1"/>
-          </a:fillRef>
-          <a:effectRef idx="0">
-            <a:schemeClr val="accent1"/>
-          </a:effectRef>
-          <a:fontRef idx="minor">
-            <a:schemeClr val="lt1"/>
-          </a:fontRef>
-        </p:style>
-        <p:txBody>
-          <a:bodyPr rtlCol="0" anchor="ctr" anchorCtr="1"/>
-          <a:lstStyle/>
-          <a:p>
-            <a:pPr algn="ctr"/>
-            <a:r>
-              <a:rPr lang="en-US" sz="1000" dirty="0">
-                <a:solidFill>
-                  <a:schemeClr val="tx1"/>
-                </a:solidFill>
-                <a:latin typeface="LXGW WenKai" panose="02020500000000000000" pitchFamily="18" charset="-120"/>
-                <a:ea typeface="LXGW WenKai" panose="02020500000000000000" pitchFamily="18" charset="-120"/>
-              </a:rPr>
-              <a:t>System prompts</a:t>
-            </a:r>
-            <a:endParaRPr lang="en-US" sz="1050" dirty="0">
-              <a:solidFill>
-                <a:schemeClr val="tx1"/>
-              </a:solidFill>
-              <a:latin typeface="LXGW WenKai" panose="02020500000000000000" pitchFamily="18" charset="-120"/>
-              <a:ea typeface="LXGW WenKai" panose="02020500000000000000" pitchFamily="18" charset="-120"/>
-            </a:endParaRPr>
-          </a:p>
-        </p:txBody>
-      </p:sp>
-      <p:sp>
-        <p:nvSpPr>
-          <p:cNvPr id="145" name="Rectangle 144">
-            <a:extLst>
-              <a:ext uri="{FF2B5EF4-FFF2-40B4-BE49-F238E27FC236}">
-                <a16:creationId xmlns:a16="http://schemas.microsoft.com/office/drawing/2014/main" id="{BD16667A-49D0-712E-D96E-003D719DA2D4}"/>
-              </a:ext>
-            </a:extLst>
-          </p:cNvPr>
-          <p:cNvSpPr/>
-          <p:nvPr/>
-        </p:nvSpPr>
-        <p:spPr>
-          <a:xfrm>
-            <a:off x="3517280" y="3797862"/>
-            <a:ext cx="770430" cy="359761"/>
-          </a:xfrm>
-          <a:prstGeom prst="rect">
-            <a:avLst/>
-          </a:prstGeom>
-          <a:solidFill>
-            <a:schemeClr val="bg1">
-              <a:lumMod val="95000"/>
-            </a:schemeClr>
-          </a:solidFill>
-          <a:ln>
-            <a:solidFill>
-              <a:schemeClr val="tx1"/>
-            </a:solidFill>
-          </a:ln>
-        </p:spPr>
-        <p:style>
-          <a:lnRef idx="2">
-            <a:schemeClr val="accent1">
-              <a:shade val="50000"/>
-            </a:schemeClr>
-          </a:lnRef>
-          <a:fillRef idx="1">
-            <a:schemeClr val="accent1"/>
-          </a:fillRef>
-          <a:effectRef idx="0">
-            <a:schemeClr val="accent1"/>
-          </a:effectRef>
-          <a:fontRef idx="minor">
-            <a:schemeClr val="lt1"/>
-          </a:fontRef>
-        </p:style>
-        <p:txBody>
-          <a:bodyPr rtlCol="0" anchor="ctr" anchorCtr="1"/>
-          <a:lstStyle/>
-          <a:p>
-            <a:pPr algn="ctr"/>
-            <a:r>
-              <a:rPr lang="en-US" sz="1000" dirty="0">
-                <a:solidFill>
-                  <a:schemeClr val="tx1"/>
-                </a:solidFill>
-                <a:latin typeface="LXGW WenKai" panose="02020500000000000000" pitchFamily="18" charset="-120"/>
-                <a:ea typeface="LXGW WenKai" panose="02020500000000000000" pitchFamily="18" charset="-120"/>
-              </a:rPr>
-              <a:t>Chat</a:t>
-            </a:r>
-          </a:p>
-          <a:p>
-            <a:pPr algn="ctr"/>
-            <a:r>
-              <a:rPr lang="en-US" sz="1000" dirty="0">
-                <a:solidFill>
-                  <a:schemeClr val="tx1"/>
-                </a:solidFill>
-                <a:latin typeface="LXGW WenKai" panose="02020500000000000000" pitchFamily="18" charset="-120"/>
-                <a:ea typeface="LXGW WenKai" panose="02020500000000000000" pitchFamily="18" charset="-120"/>
-              </a:rPr>
-              <a:t>History</a:t>
-            </a:r>
-            <a:endParaRPr lang="en-US" sz="1050" dirty="0">
-              <a:solidFill>
-                <a:schemeClr val="tx1"/>
-              </a:solidFill>
-              <a:latin typeface="LXGW WenKai" panose="02020500000000000000" pitchFamily="18" charset="-120"/>
-              <a:ea typeface="LXGW WenKai" panose="02020500000000000000" pitchFamily="18" charset="-120"/>
-            </a:endParaRPr>
-          </a:p>
-        </p:txBody>
-      </p:sp>
-      <p:sp>
-        <p:nvSpPr>
-          <p:cNvPr id="146" name="Rectangle 145">
-            <a:extLst>
-              <a:ext uri="{FF2B5EF4-FFF2-40B4-BE49-F238E27FC236}">
-                <a16:creationId xmlns:a16="http://schemas.microsoft.com/office/drawing/2014/main" id="{2F241573-1DFB-B4E8-A247-315E4818D5AC}"/>
-              </a:ext>
-            </a:extLst>
-          </p:cNvPr>
-          <p:cNvSpPr/>
-          <p:nvPr/>
-        </p:nvSpPr>
-        <p:spPr>
-          <a:xfrm>
-            <a:off x="9312051" y="5276558"/>
-            <a:ext cx="848209" cy="308049"/>
+            <a:off x="8660843" y="4300999"/>
+            <a:ext cx="774000" cy="223200"/>
           </a:xfrm>
           <a:prstGeom prst="rect">
             <a:avLst/>
@@ -7397,7 +8302,7 @@
           <a:p>
             <a:pPr algn="ctr"/>
             <a:r>
-              <a:rPr lang="en-US" sz="1100" dirty="0">
+              <a:rPr lang="en-US" sz="1000" dirty="0">
                 <a:solidFill>
                   <a:schemeClr val="tx1"/>
                 </a:solidFill>
@@ -7409,302 +8314,6 @@
           </a:p>
         </p:txBody>
       </p:sp>
-      <p:cxnSp>
-        <p:nvCxnSpPr>
-          <p:cNvPr id="147" name="Connector: Elbow 146">
-            <a:extLst>
-              <a:ext uri="{FF2B5EF4-FFF2-40B4-BE49-F238E27FC236}">
-                <a16:creationId xmlns:a16="http://schemas.microsoft.com/office/drawing/2014/main" id="{58ECAB7D-063C-3497-99B4-5752BD3EE406}"/>
-              </a:ext>
-            </a:extLst>
-          </p:cNvPr>
-          <p:cNvCxnSpPr>
-            <a:cxnSpLocks/>
-            <a:stCxn id="77" idx="0"/>
-            <a:endCxn id="76" idx="0"/>
-          </p:cNvCxnSpPr>
-          <p:nvPr/>
-        </p:nvCxnSpPr>
-        <p:spPr>
-          <a:xfrm rot="16200000" flipV="1">
-            <a:off x="4764823" y="-567488"/>
-            <a:ext cx="610933" cy="4300415"/>
-          </a:xfrm>
-          <a:prstGeom prst="bentConnector3">
-            <a:avLst>
-              <a:gd name="adj1" fmla="val 143787"/>
-            </a:avLst>
-          </a:prstGeom>
-          <a:ln w="9525">
-            <a:solidFill>
-              <a:schemeClr val="tx1"/>
-            </a:solidFill>
-            <a:prstDash val="dash"/>
-            <a:headEnd type="triangle"/>
-            <a:tailEnd type="triangle"/>
-          </a:ln>
-        </p:spPr>
-        <p:style>
-          <a:lnRef idx="1">
-            <a:schemeClr val="accent1"/>
-          </a:lnRef>
-          <a:fillRef idx="0">
-            <a:schemeClr val="accent1"/>
-          </a:fillRef>
-          <a:effectRef idx="0">
-            <a:schemeClr val="accent1"/>
-          </a:effectRef>
-          <a:fontRef idx="minor">
-            <a:schemeClr val="tx1"/>
-          </a:fontRef>
-        </p:style>
-      </p:cxnSp>
-      <p:cxnSp>
-        <p:nvCxnSpPr>
-          <p:cNvPr id="152" name="Connector: Elbow 151">
-            <a:extLst>
-              <a:ext uri="{FF2B5EF4-FFF2-40B4-BE49-F238E27FC236}">
-                <a16:creationId xmlns:a16="http://schemas.microsoft.com/office/drawing/2014/main" id="{E0F8D9DA-5181-2F80-AF0D-1A1C1C83DD97}"/>
-              </a:ext>
-            </a:extLst>
-          </p:cNvPr>
-          <p:cNvCxnSpPr>
-            <a:cxnSpLocks/>
-            <a:stCxn id="77" idx="1"/>
-            <a:endCxn id="141" idx="0"/>
-          </p:cNvCxnSpPr>
-          <p:nvPr/>
-        </p:nvCxnSpPr>
-        <p:spPr>
-          <a:xfrm rot="10800000" flipV="1">
-            <a:off x="2920082" y="2208532"/>
-            <a:ext cx="3614615" cy="320345"/>
-          </a:xfrm>
-          <a:prstGeom prst="bentConnector2">
-            <a:avLst/>
-          </a:prstGeom>
-          <a:ln w="9525">
-            <a:solidFill>
-              <a:schemeClr val="tx1"/>
-            </a:solidFill>
-            <a:prstDash val="dash"/>
-            <a:headEnd type="triangle"/>
-            <a:tailEnd type="triangle"/>
-          </a:ln>
-        </p:spPr>
-        <p:style>
-          <a:lnRef idx="1">
-            <a:schemeClr val="accent1"/>
-          </a:lnRef>
-          <a:fillRef idx="0">
-            <a:schemeClr val="accent1"/>
-          </a:fillRef>
-          <a:effectRef idx="0">
-            <a:schemeClr val="accent1"/>
-          </a:effectRef>
-          <a:fontRef idx="minor">
-            <a:schemeClr val="tx1"/>
-          </a:fontRef>
-        </p:style>
-      </p:cxnSp>
-      <p:cxnSp>
-        <p:nvCxnSpPr>
-          <p:cNvPr id="155" name="Connector: Elbow 154">
-            <a:extLst>
-              <a:ext uri="{FF2B5EF4-FFF2-40B4-BE49-F238E27FC236}">
-                <a16:creationId xmlns:a16="http://schemas.microsoft.com/office/drawing/2014/main" id="{B610ECF4-E72B-70CD-6D29-99F74420E889}"/>
-              </a:ext>
-            </a:extLst>
-          </p:cNvPr>
-          <p:cNvCxnSpPr>
-            <a:cxnSpLocks/>
-            <a:stCxn id="77" idx="2"/>
-            <a:endCxn id="144" idx="0"/>
-          </p:cNvCxnSpPr>
-          <p:nvPr/>
-        </p:nvCxnSpPr>
-        <p:spPr>
-          <a:xfrm rot="5400000">
-            <a:off x="4435798" y="1013163"/>
-            <a:ext cx="1268983" cy="4300415"/>
-          </a:xfrm>
-          <a:prstGeom prst="bentConnector3">
-            <a:avLst>
-              <a:gd name="adj1" fmla="val 74530"/>
-            </a:avLst>
-          </a:prstGeom>
-          <a:ln w="9525">
-            <a:solidFill>
-              <a:schemeClr val="tx1"/>
-            </a:solidFill>
-            <a:prstDash val="dash"/>
-            <a:headEnd type="triangle"/>
-            <a:tailEnd type="triangle"/>
-          </a:ln>
-        </p:spPr>
-        <p:style>
-          <a:lnRef idx="1">
-            <a:schemeClr val="accent1"/>
-          </a:lnRef>
-          <a:fillRef idx="0">
-            <a:schemeClr val="accent1"/>
-          </a:fillRef>
-          <a:effectRef idx="0">
-            <a:schemeClr val="accent1"/>
-          </a:effectRef>
-          <a:fontRef idx="minor">
-            <a:schemeClr val="tx1"/>
-          </a:fontRef>
-        </p:style>
-      </p:cxnSp>
-      <p:cxnSp>
-        <p:nvCxnSpPr>
-          <p:cNvPr id="163" name="Connector: Elbow 162">
-            <a:extLst>
-              <a:ext uri="{FF2B5EF4-FFF2-40B4-BE49-F238E27FC236}">
-                <a16:creationId xmlns:a16="http://schemas.microsoft.com/office/drawing/2014/main" id="{0FE27888-A62C-8AE2-B24B-F57490930192}"/>
-              </a:ext>
-            </a:extLst>
-          </p:cNvPr>
-          <p:cNvCxnSpPr>
-            <a:cxnSpLocks/>
-            <a:stCxn id="77" idx="1"/>
-            <a:endCxn id="142" idx="0"/>
-          </p:cNvCxnSpPr>
-          <p:nvPr/>
-        </p:nvCxnSpPr>
-        <p:spPr>
-          <a:xfrm rot="10800000" flipV="1">
-            <a:off x="3902496" y="2208532"/>
-            <a:ext cx="2632201" cy="320345"/>
-          </a:xfrm>
-          <a:prstGeom prst="bentConnector2">
-            <a:avLst/>
-          </a:prstGeom>
-          <a:ln w="9525">
-            <a:solidFill>
-              <a:schemeClr val="tx1"/>
-            </a:solidFill>
-            <a:prstDash val="dash"/>
-            <a:headEnd type="triangle"/>
-            <a:tailEnd type="triangle"/>
-          </a:ln>
-        </p:spPr>
-        <p:style>
-          <a:lnRef idx="1">
-            <a:schemeClr val="accent1"/>
-          </a:lnRef>
-          <a:fillRef idx="0">
-            <a:schemeClr val="accent1"/>
-          </a:fillRef>
-          <a:effectRef idx="0">
-            <a:schemeClr val="accent1"/>
-          </a:effectRef>
-          <a:fontRef idx="minor">
-            <a:schemeClr val="tx1"/>
-          </a:fontRef>
-        </p:style>
-      </p:cxnSp>
-      <p:cxnSp>
-        <p:nvCxnSpPr>
-          <p:cNvPr id="167" name="Connector: Elbow 166">
-            <a:extLst>
-              <a:ext uri="{FF2B5EF4-FFF2-40B4-BE49-F238E27FC236}">
-                <a16:creationId xmlns:a16="http://schemas.microsoft.com/office/drawing/2014/main" id="{D88E1486-A9EA-09B1-DB52-912EF09BB8E6}"/>
-              </a:ext>
-            </a:extLst>
-          </p:cNvPr>
-          <p:cNvCxnSpPr>
-            <a:cxnSpLocks/>
-            <a:stCxn id="77" idx="2"/>
-            <a:endCxn id="145" idx="0"/>
-          </p:cNvCxnSpPr>
-          <p:nvPr/>
-        </p:nvCxnSpPr>
-        <p:spPr>
-          <a:xfrm rot="5400000">
-            <a:off x="4927005" y="1504370"/>
-            <a:ext cx="1268983" cy="3318001"/>
-          </a:xfrm>
-          <a:prstGeom prst="bentConnector3">
-            <a:avLst>
-              <a:gd name="adj1" fmla="val 74530"/>
-            </a:avLst>
-          </a:prstGeom>
-          <a:ln w="9525">
-            <a:solidFill>
-              <a:schemeClr val="tx1"/>
-            </a:solidFill>
-            <a:prstDash val="dash"/>
-            <a:headEnd type="triangle"/>
-            <a:tailEnd type="triangle"/>
-          </a:ln>
-        </p:spPr>
-        <p:style>
-          <a:lnRef idx="1">
-            <a:schemeClr val="accent1"/>
-          </a:lnRef>
-          <a:fillRef idx="0">
-            <a:schemeClr val="accent1"/>
-          </a:fillRef>
-          <a:effectRef idx="0">
-            <a:schemeClr val="accent1"/>
-          </a:effectRef>
-          <a:fontRef idx="minor">
-            <a:schemeClr val="tx1"/>
-          </a:fontRef>
-        </p:style>
-      </p:cxnSp>
-      <p:cxnSp>
-        <p:nvCxnSpPr>
-          <p:cNvPr id="170" name="Connector: Elbow 169">
-            <a:extLst>
-              <a:ext uri="{FF2B5EF4-FFF2-40B4-BE49-F238E27FC236}">
-                <a16:creationId xmlns:a16="http://schemas.microsoft.com/office/drawing/2014/main" id="{EBF495D6-F8BE-408D-9041-EF68C7867D46}"/>
-              </a:ext>
-            </a:extLst>
-          </p:cNvPr>
-          <p:cNvCxnSpPr>
-            <a:cxnSpLocks/>
-            <a:stCxn id="77" idx="0"/>
-            <a:endCxn id="139" idx="0"/>
-          </p:cNvCxnSpPr>
-          <p:nvPr/>
-        </p:nvCxnSpPr>
-        <p:spPr>
-          <a:xfrm rot="16200000" flipV="1">
-            <a:off x="5256030" y="-76281"/>
-            <a:ext cx="610933" cy="3318001"/>
-          </a:xfrm>
-          <a:prstGeom prst="bentConnector3">
-            <a:avLst>
-              <a:gd name="adj1" fmla="val 143787"/>
-            </a:avLst>
-          </a:prstGeom>
-          <a:ln w="9525">
-            <a:solidFill>
-              <a:schemeClr val="tx1"/>
-            </a:solidFill>
-            <a:prstDash val="dash"/>
-            <a:headEnd type="triangle"/>
-            <a:tailEnd type="triangle"/>
-          </a:ln>
-        </p:spPr>
-        <p:style>
-          <a:lnRef idx="1">
-            <a:schemeClr val="accent1"/>
-          </a:lnRef>
-          <a:fillRef idx="0">
-            <a:schemeClr val="accent1"/>
-          </a:fillRef>
-          <a:effectRef idx="0">
-            <a:schemeClr val="accent1"/>
-          </a:effectRef>
-          <a:fontRef idx="minor">
-            <a:schemeClr val="tx1"/>
-          </a:fontRef>
-        </p:style>
-      </p:cxnSp>
     </p:spTree>
     <p:extLst>
       <p:ext uri="{BB962C8B-B14F-4D97-AF65-F5344CB8AC3E}">
@@ -8572,20 +9181,20 @@
 </file>
 
 <file path=customXml/item2.xml><?xml version="1.0" encoding="utf-8"?>
+<p:properties xmlns:p="http://schemas.microsoft.com/office/2006/metadata/properties" xmlns:xsi="http://www.w3.org/2001/XMLSchema-instance" xmlns:pc="http://schemas.microsoft.com/office/infopath/2007/PartnerControls">
+  <documentManagement>
+    <_activity xmlns="b9c0df90-6177-490c-b060-567d6533c817" xsi:nil="true"/>
+  </documentManagement>
+</p:properties>
+</file>
+
+<file path=customXml/item3.xml><?xml version="1.0" encoding="utf-8"?>
 <?mso-contentType ?>
 <FormTemplates xmlns="http://schemas.microsoft.com/sharepoint/v3/contenttype/forms">
   <Display>DocumentLibraryForm</Display>
   <Edit>DocumentLibraryForm</Edit>
   <New>DocumentLibraryForm</New>
 </FormTemplates>
-</file>
-
-<file path=customXml/item3.xml><?xml version="1.0" encoding="utf-8"?>
-<p:properties xmlns:p="http://schemas.microsoft.com/office/2006/metadata/properties" xmlns:xsi="http://www.w3.org/2001/XMLSchema-instance" xmlns:pc="http://schemas.microsoft.com/office/infopath/2007/PartnerControls">
-  <documentManagement>
-    <_activity xmlns="b9c0df90-6177-490c-b060-567d6533c817" xsi:nil="true"/>
-  </documentManagement>
-</p:properties>
 </file>
 
 <file path=customXml/itemProps1.xml><?xml version="1.0" encoding="utf-8"?>
@@ -8608,14 +9217,6 @@
 </file>
 
 <file path=customXml/itemProps2.xml><?xml version="1.0" encoding="utf-8"?>
-<ds:datastoreItem xmlns:ds="http://schemas.openxmlformats.org/officeDocument/2006/customXml" ds:itemID="{86A9A6AE-A2D2-4466-B053-FEAA2AECCDAE}">
-  <ds:schemaRefs>
-    <ds:schemaRef ds:uri="http://schemas.microsoft.com/sharepoint/v3/contenttype/forms"/>
-  </ds:schemaRefs>
-</ds:datastoreItem>
-</file>
-
-<file path=customXml/itemProps3.xml><?xml version="1.0" encoding="utf-8"?>
 <ds:datastoreItem xmlns:ds="http://schemas.openxmlformats.org/officeDocument/2006/customXml" ds:itemID="{0988BE9C-0C90-420C-9DA9-636C0435E5D7}">
   <ds:schemaRefs>
     <ds:schemaRef ds:uri="http://schemas.microsoft.com/office/2006/documentManagement/types"/>
@@ -8632,6 +9233,14 @@
 </ds:datastoreItem>
 </file>
 
+<file path=customXml/itemProps3.xml><?xml version="1.0" encoding="utf-8"?>
+<ds:datastoreItem xmlns:ds="http://schemas.openxmlformats.org/officeDocument/2006/customXml" ds:itemID="{86A9A6AE-A2D2-4466-B053-FEAA2AECCDAE}">
+  <ds:schemaRefs>
+    <ds:schemaRef ds:uri="http://schemas.microsoft.com/sharepoint/v3/contenttype/forms"/>
+  </ds:schemaRefs>
+</ds:datastoreItem>
+</file>
+
 <file path=docMetadata/LabelInfo.xml><?xml version="1.0" encoding="utf-8"?>
 <clbl:labelList xmlns:clbl="http://schemas.microsoft.com/office/2020/mipLabelMetadata">
   <clbl:label id="{46c98d88-e344-4ed4-8496-4ed7712e255d}" enabled="0" method="" siteId="{46c98d88-e344-4ed4-8496-4ed7712e255d}" removed="1"/>

--- a/examples/architecture.pptx
+++ b/examples/architecture.pptx
@@ -5,11 +5,10 @@
     <p:sldMasterId id="2147483648" r:id="rId4"/>
   </p:sldMasterIdLst>
   <p:notesMasterIdLst>
-    <p:notesMasterId r:id="rId7"/>
+    <p:notesMasterId r:id="rId6"/>
   </p:notesMasterIdLst>
   <p:sldIdLst>
     <p:sldId id="256" r:id="rId5"/>
-    <p:sldId id="257" r:id="rId6"/>
   </p:sldIdLst>
   <p:sldSz cx="12192000" cy="6858000"/>
   <p:notesSz cx="6858000" cy="9144000"/>
@@ -559,93 +558,6 @@
     <p:extLst>
       <p:ext uri="{BB962C8B-B14F-4D97-AF65-F5344CB8AC3E}">
         <p14:creationId xmlns:p14="http://schemas.microsoft.com/office/powerpoint/2010/main" val="2085464243"/>
-      </p:ext>
-    </p:extLst>
-  </p:cSld>
-  <p:clrMapOvr>
-    <a:masterClrMapping/>
-  </p:clrMapOvr>
-</p:notes>
-</file>
-
-<file path=ppt/notesSlides/notesSlide2.xml><?xml version="1.0" encoding="utf-8"?>
-<p:notes xmlns:a="http://schemas.openxmlformats.org/drawingml/2006/main" xmlns:r="http://schemas.openxmlformats.org/officeDocument/2006/relationships" xmlns:p="http://schemas.openxmlformats.org/presentationml/2006/main">
-  <p:cSld>
-    <p:spTree>
-      <p:nvGrpSpPr>
-        <p:cNvPr id="1" name=""/>
-        <p:cNvGrpSpPr/>
-        <p:nvPr/>
-      </p:nvGrpSpPr>
-      <p:grpSpPr>
-        <a:xfrm>
-          <a:off x="0" y="0"/>
-          <a:ext cx="0" cy="0"/>
-          <a:chOff x="0" y="0"/>
-          <a:chExt cx="0" cy="0"/>
-        </a:xfrm>
-      </p:grpSpPr>
-      <p:sp>
-        <p:nvSpPr>
-          <p:cNvPr id="2" name="Slide Image Placeholder 1"/>
-          <p:cNvSpPr>
-            <a:spLocks noGrp="1" noRot="1" noChangeAspect="1"/>
-          </p:cNvSpPr>
-          <p:nvPr>
-            <p:ph type="sldImg"/>
-          </p:nvPr>
-        </p:nvSpPr>
-        <p:spPr/>
-      </p:sp>
-      <p:sp>
-        <p:nvSpPr>
-          <p:cNvPr id="3" name="Notes Placeholder 2"/>
-          <p:cNvSpPr>
-            <a:spLocks noGrp="1"/>
-          </p:cNvSpPr>
-          <p:nvPr>
-            <p:ph type="body" idx="1"/>
-          </p:nvPr>
-        </p:nvSpPr>
-        <p:spPr/>
-        <p:txBody>
-          <a:bodyPr/>
-          <a:lstStyle/>
-          <a:p>
-            <a:r>
-              <a:rPr lang="en-US" dirty="0"/>
-              <a:t>GPT-Agents</a:t>
-            </a:r>
-          </a:p>
-        </p:txBody>
-      </p:sp>
-      <p:sp>
-        <p:nvSpPr>
-          <p:cNvPr id="4" name="Slide Number Placeholder 3"/>
-          <p:cNvSpPr>
-            <a:spLocks noGrp="1"/>
-          </p:cNvSpPr>
-          <p:nvPr>
-            <p:ph type="sldNum" sz="quarter" idx="5"/>
-          </p:nvPr>
-        </p:nvSpPr>
-        <p:spPr/>
-        <p:txBody>
-          <a:bodyPr/>
-          <a:lstStyle/>
-          <a:p>
-            <a:fld id="{D537CB0D-FD8F-437B-8EA1-4310BDC2B6BC}" type="slidenum">
-              <a:rPr lang="en-US" smtClean="0"/>
-              <a:t>2</a:t>
-            </a:fld>
-            <a:endParaRPr lang="en-US"/>
-          </a:p>
-        </p:txBody>
-      </p:sp>
-    </p:spTree>
-    <p:extLst>
-      <p:ext uri="{BB962C8B-B14F-4D97-AF65-F5344CB8AC3E}">
-        <p14:creationId xmlns:p14="http://schemas.microsoft.com/office/powerpoint/2010/main" val="3235507340"/>
       </p:ext>
     </p:extLst>
   </p:cSld>
@@ -4106,8 +4018,8 @@
         </p:nvSpPr>
         <p:spPr>
           <a:xfrm>
-            <a:off x="5391151" y="3229541"/>
-            <a:ext cx="3519813" cy="2704534"/>
+            <a:off x="5391150" y="2907149"/>
+            <a:ext cx="3519801" cy="1352046"/>
           </a:xfrm>
           <a:prstGeom prst="rect">
             <a:avLst/>
@@ -4161,7 +4073,7 @@
                 <a:latin typeface="LXGW WenKai" panose="02020500000000000000" pitchFamily="18" charset="-120"/>
                 <a:ea typeface="LXGW WenKai" panose="02020500000000000000" pitchFamily="18" charset="-120"/>
               </a:rPr>
-              <a:t>GPT-Agents</a:t>
+              <a:t>Reactors</a:t>
             </a:r>
           </a:p>
         </p:txBody>
@@ -4180,7 +4092,7 @@
         </p:nvSpPr>
         <p:spPr>
           <a:xfrm>
-            <a:off x="1053867" y="1880252"/>
+            <a:off x="1048847" y="983830"/>
             <a:ext cx="3445879" cy="2576452"/>
           </a:xfrm>
           <a:prstGeom prst="rect">
@@ -4236,72 +4148,6 @@
                 <a:ea typeface="LXGW WenKai" panose="02020500000000000000" pitchFamily="18" charset="-120"/>
               </a:rPr>
               <a:t>MongoDB</a:t>
-            </a:r>
-          </a:p>
-        </p:txBody>
-      </p:sp>
-      <p:sp>
-        <p:nvSpPr>
-          <p:cNvPr id="10" name="Rectangle 9">
-            <a:extLst>
-              <a:ext uri="{FF2B5EF4-FFF2-40B4-BE49-F238E27FC236}">
-                <a16:creationId xmlns:a16="http://schemas.microsoft.com/office/drawing/2014/main" id="{DCA583BF-5F72-DDD0-2FD2-90E209D4DDC4}"/>
-              </a:ext>
-            </a:extLst>
-          </p:cNvPr>
-          <p:cNvSpPr/>
-          <p:nvPr/>
-        </p:nvSpPr>
-        <p:spPr>
-          <a:xfrm>
-            <a:off x="5726514" y="3796684"/>
-            <a:ext cx="1075037" cy="465437"/>
-          </a:xfrm>
-          <a:prstGeom prst="rect">
-            <a:avLst/>
-          </a:prstGeom>
-          <a:solidFill>
-            <a:schemeClr val="accent6">
-              <a:lumMod val="40000"/>
-              <a:lumOff val="60000"/>
-            </a:schemeClr>
-          </a:solidFill>
-          <a:ln>
-            <a:solidFill>
-              <a:schemeClr val="tx1"/>
-            </a:solidFill>
-          </a:ln>
-        </p:spPr>
-        <p:style>
-          <a:lnRef idx="2">
-            <a:schemeClr val="accent1">
-              <a:shade val="50000"/>
-            </a:schemeClr>
-          </a:lnRef>
-          <a:fillRef idx="1">
-            <a:schemeClr val="accent1"/>
-          </a:fillRef>
-          <a:effectRef idx="0">
-            <a:schemeClr val="accent1"/>
-          </a:effectRef>
-          <a:fontRef idx="minor">
-            <a:schemeClr val="lt1"/>
-          </a:fontRef>
-        </p:style>
-        <p:txBody>
-          <a:bodyPr rtlCol="0" anchor="ctr" anchorCtr="1"/>
-          <a:lstStyle/>
-          <a:p>
-            <a:pPr algn="ctr"/>
-            <a:r>
-              <a:rPr lang="en-US" sz="1400" dirty="0">
-                <a:solidFill>
-                  <a:schemeClr val="tx1"/>
-                </a:solidFill>
-                <a:latin typeface="LXGW WenKai" panose="02020500000000000000" pitchFamily="18" charset="-120"/>
-                <a:ea typeface="LXGW WenKai" panose="02020500000000000000" pitchFamily="18" charset="-120"/>
-              </a:rPr>
-              <a:t>Flask</a:t>
             </a:r>
           </a:p>
         </p:txBody>
@@ -4489,138 +4335,6 @@
       </p:cxnSp>
       <p:sp>
         <p:nvSpPr>
-          <p:cNvPr id="49" name="Rectangle 48">
-            <a:extLst>
-              <a:ext uri="{FF2B5EF4-FFF2-40B4-BE49-F238E27FC236}">
-                <a16:creationId xmlns:a16="http://schemas.microsoft.com/office/drawing/2014/main" id="{0900D2F3-9AD4-665C-2FF9-7C36D51D3EF0}"/>
-              </a:ext>
-            </a:extLst>
-          </p:cNvPr>
-          <p:cNvSpPr/>
-          <p:nvPr/>
-        </p:nvSpPr>
-        <p:spPr>
-          <a:xfrm>
-            <a:off x="7587470" y="3429000"/>
-            <a:ext cx="1013311" cy="1194823"/>
-          </a:xfrm>
-          <a:prstGeom prst="rect">
-            <a:avLst/>
-          </a:prstGeom>
-          <a:solidFill>
-            <a:schemeClr val="accent2">
-              <a:lumMod val="20000"/>
-              <a:lumOff val="80000"/>
-            </a:schemeClr>
-          </a:solidFill>
-          <a:ln>
-            <a:solidFill>
-              <a:schemeClr val="tx1"/>
-            </a:solidFill>
-          </a:ln>
-        </p:spPr>
-        <p:style>
-          <a:lnRef idx="2">
-            <a:schemeClr val="accent1">
-              <a:shade val="50000"/>
-            </a:schemeClr>
-          </a:lnRef>
-          <a:fillRef idx="1">
-            <a:schemeClr val="accent1"/>
-          </a:fillRef>
-          <a:effectRef idx="0">
-            <a:schemeClr val="accent1"/>
-          </a:effectRef>
-          <a:fontRef idx="minor">
-            <a:schemeClr val="lt1"/>
-          </a:fontRef>
-        </p:style>
-        <p:txBody>
-          <a:bodyPr rtlCol="0" anchor="b" anchorCtr="1"/>
-          <a:lstStyle/>
-          <a:p>
-            <a:pPr algn="ctr"/>
-            <a:r>
-              <a:rPr lang="en-US" sz="1400" dirty="0">
-                <a:solidFill>
-                  <a:schemeClr val="tx1"/>
-                </a:solidFill>
-                <a:latin typeface="LXGW WenKai" panose="02020500000000000000" pitchFamily="18" charset="-120"/>
-                <a:ea typeface="LXGW WenKai" panose="02020500000000000000" pitchFamily="18" charset="-120"/>
-              </a:rPr>
-              <a:t>Managers</a:t>
-            </a:r>
-          </a:p>
-        </p:txBody>
-      </p:sp>
-      <p:sp>
-        <p:nvSpPr>
-          <p:cNvPr id="53" name="Rectangle 52">
-            <a:extLst>
-              <a:ext uri="{FF2B5EF4-FFF2-40B4-BE49-F238E27FC236}">
-                <a16:creationId xmlns:a16="http://schemas.microsoft.com/office/drawing/2014/main" id="{F899B14D-B54D-BDCA-ACEE-CFF7225092D0}"/>
-              </a:ext>
-            </a:extLst>
-          </p:cNvPr>
-          <p:cNvSpPr/>
-          <p:nvPr/>
-        </p:nvSpPr>
-        <p:spPr>
-          <a:xfrm>
-            <a:off x="7756266" y="3534332"/>
-            <a:ext cx="685449" cy="186648"/>
-          </a:xfrm>
-          <a:prstGeom prst="rect">
-            <a:avLst/>
-          </a:prstGeom>
-          <a:solidFill>
-            <a:schemeClr val="accent2">
-              <a:lumMod val="40000"/>
-              <a:lumOff val="60000"/>
-            </a:schemeClr>
-          </a:solidFill>
-          <a:ln>
-            <a:solidFill>
-              <a:schemeClr val="tx1"/>
-            </a:solidFill>
-          </a:ln>
-        </p:spPr>
-        <p:style>
-          <a:lnRef idx="2">
-            <a:schemeClr val="accent1">
-              <a:shade val="50000"/>
-            </a:schemeClr>
-          </a:lnRef>
-          <a:fillRef idx="1">
-            <a:schemeClr val="accent1"/>
-          </a:fillRef>
-          <a:effectRef idx="0">
-            <a:schemeClr val="accent1"/>
-          </a:effectRef>
-          <a:fontRef idx="minor">
-            <a:schemeClr val="lt1"/>
-          </a:fontRef>
-        </p:style>
-        <p:txBody>
-          <a:bodyPr rtlCol="0" anchor="ctr" anchorCtr="1"/>
-          <a:lstStyle/>
-          <a:p>
-            <a:pPr algn="ctr"/>
-            <a:r>
-              <a:rPr lang="en-US" sz="1200" dirty="0">
-                <a:solidFill>
-                  <a:schemeClr val="tx1"/>
-                </a:solidFill>
-                <a:latin typeface="LXGW WenKai" panose="02020500000000000000" pitchFamily="18" charset="-120"/>
-                <a:ea typeface="LXGW WenKai" panose="02020500000000000000" pitchFamily="18" charset="-120"/>
-              </a:rPr>
-              <a:t>Agent</a:t>
-            </a:r>
-          </a:p>
-        </p:txBody>
-      </p:sp>
-      <p:sp>
-        <p:nvSpPr>
           <p:cNvPr id="18" name="文本框 17">
             <a:extLst>
               <a:ext uri="{FF2B5EF4-FFF2-40B4-BE49-F238E27FC236}">
@@ -4815,7 +4529,7 @@
         </p:nvSpPr>
         <p:spPr>
           <a:xfrm>
-            <a:off x="1165220" y="4702434"/>
+            <a:off x="1160200" y="3806012"/>
             <a:ext cx="3223172" cy="453183"/>
           </a:xfrm>
           <a:prstGeom prst="rect">
@@ -5082,7 +4796,7 @@
         </p:nvCxnSpPr>
         <p:spPr>
           <a:xfrm flipV="1">
-            <a:off x="2776806" y="4456704"/>
+            <a:off x="2771786" y="3560282"/>
             <a:ext cx="1" cy="245730"/>
           </a:xfrm>
           <a:prstGeom prst="straightConnector1">
@@ -5121,138 +4835,6 @@
           </a:fontRef>
         </p:style>
       </p:cxnSp>
-      <p:sp>
-        <p:nvSpPr>
-          <p:cNvPr id="83" name="Rectangle 52">
-            <a:extLst>
-              <a:ext uri="{FF2B5EF4-FFF2-40B4-BE49-F238E27FC236}">
-                <a16:creationId xmlns:a16="http://schemas.microsoft.com/office/drawing/2014/main" id="{0A85C779-3F24-EEEE-765C-0FC920B834AE}"/>
-              </a:ext>
-            </a:extLst>
-          </p:cNvPr>
-          <p:cNvSpPr/>
-          <p:nvPr/>
-        </p:nvSpPr>
-        <p:spPr>
-          <a:xfrm>
-            <a:off x="7756267" y="3777371"/>
-            <a:ext cx="685449" cy="186648"/>
-          </a:xfrm>
-          <a:prstGeom prst="rect">
-            <a:avLst/>
-          </a:prstGeom>
-          <a:solidFill>
-            <a:schemeClr val="accent2">
-              <a:lumMod val="40000"/>
-              <a:lumOff val="60000"/>
-            </a:schemeClr>
-          </a:solidFill>
-          <a:ln>
-            <a:solidFill>
-              <a:schemeClr val="tx1"/>
-            </a:solidFill>
-          </a:ln>
-        </p:spPr>
-        <p:style>
-          <a:lnRef idx="2">
-            <a:schemeClr val="accent1">
-              <a:shade val="50000"/>
-            </a:schemeClr>
-          </a:lnRef>
-          <a:fillRef idx="1">
-            <a:schemeClr val="accent1"/>
-          </a:fillRef>
-          <a:effectRef idx="0">
-            <a:schemeClr val="accent1"/>
-          </a:effectRef>
-          <a:fontRef idx="minor">
-            <a:schemeClr val="lt1"/>
-          </a:fontRef>
-        </p:style>
-        <p:txBody>
-          <a:bodyPr rtlCol="0" anchor="ctr" anchorCtr="1"/>
-          <a:lstStyle/>
-          <a:p>
-            <a:pPr algn="ctr"/>
-            <a:r>
-              <a:rPr lang="en-US" sz="1200" dirty="0">
-                <a:solidFill>
-                  <a:schemeClr val="tx1"/>
-                </a:solidFill>
-                <a:latin typeface="LXGW WenKai" panose="02020500000000000000" pitchFamily="18" charset="-120"/>
-                <a:ea typeface="LXGW WenKai" panose="02020500000000000000" pitchFamily="18" charset="-120"/>
-              </a:rPr>
-              <a:t>Agent</a:t>
-            </a:r>
-          </a:p>
-        </p:txBody>
-      </p:sp>
-      <p:sp>
-        <p:nvSpPr>
-          <p:cNvPr id="85" name="Rectangle 52">
-            <a:extLst>
-              <a:ext uri="{FF2B5EF4-FFF2-40B4-BE49-F238E27FC236}">
-                <a16:creationId xmlns:a16="http://schemas.microsoft.com/office/drawing/2014/main" id="{041CC23B-3285-B7A5-1101-13C81F98304D}"/>
-              </a:ext>
-            </a:extLst>
-          </p:cNvPr>
-          <p:cNvSpPr/>
-          <p:nvPr/>
-        </p:nvSpPr>
-        <p:spPr>
-          <a:xfrm>
-            <a:off x="7756266" y="4028983"/>
-            <a:ext cx="685449" cy="186648"/>
-          </a:xfrm>
-          <a:prstGeom prst="rect">
-            <a:avLst/>
-          </a:prstGeom>
-          <a:solidFill>
-            <a:schemeClr val="accent2">
-              <a:lumMod val="40000"/>
-              <a:lumOff val="60000"/>
-            </a:schemeClr>
-          </a:solidFill>
-          <a:ln>
-            <a:solidFill>
-              <a:schemeClr val="tx1"/>
-            </a:solidFill>
-          </a:ln>
-        </p:spPr>
-        <p:style>
-          <a:lnRef idx="2">
-            <a:schemeClr val="accent1">
-              <a:shade val="50000"/>
-            </a:schemeClr>
-          </a:lnRef>
-          <a:fillRef idx="1">
-            <a:schemeClr val="accent1"/>
-          </a:fillRef>
-          <a:effectRef idx="0">
-            <a:schemeClr val="accent1"/>
-          </a:effectRef>
-          <a:fontRef idx="minor">
-            <a:schemeClr val="lt1"/>
-          </a:fontRef>
-        </p:style>
-        <p:txBody>
-          <a:bodyPr rtlCol="0" anchor="ctr" anchorCtr="1"/>
-          <a:lstStyle/>
-          <a:p>
-            <a:pPr algn="ctr"/>
-            <a:r>
-              <a:rPr lang="en-US" sz="1200" dirty="0">
-                <a:solidFill>
-                  <a:schemeClr val="tx1"/>
-                </a:solidFill>
-                <a:latin typeface="LXGW WenKai" panose="02020500000000000000" pitchFamily="18" charset="-120"/>
-                <a:ea typeface="LXGW WenKai" panose="02020500000000000000" pitchFamily="18" charset="-120"/>
-              </a:rPr>
-              <a:t>Agent</a:t>
-            </a:r>
-          </a:p>
-        </p:txBody>
-      </p:sp>
       <p:cxnSp>
         <p:nvCxnSpPr>
           <p:cNvPr id="17" name="Straight Arrow Connector 14">
@@ -5264,7 +4846,7 @@
           </p:cNvPr>
           <p:cNvCxnSpPr>
             <a:cxnSpLocks/>
-            <a:stCxn id="10" idx="0"/>
+            <a:stCxn id="16" idx="0"/>
             <a:endCxn id="6" idx="2"/>
           </p:cNvCxnSpPr>
           <p:nvPr/>
@@ -5272,7 +4854,7 @@
         <p:spPr>
           <a:xfrm flipH="1" flipV="1">
             <a:off x="6261551" y="1863045"/>
-            <a:ext cx="2482" cy="1933639"/>
+            <a:ext cx="1" cy="1411790"/>
           </a:xfrm>
           <a:prstGeom prst="straightConnector1">
             <a:avLst/>
@@ -5318,15 +4900,15 @@
           </p:cNvPr>
           <p:cNvCxnSpPr>
             <a:cxnSpLocks/>
-            <a:stCxn id="10" idx="1"/>
+            <a:stCxn id="16" idx="1"/>
             <a:endCxn id="31" idx="3"/>
           </p:cNvCxnSpPr>
           <p:nvPr/>
         </p:nvCxnSpPr>
         <p:spPr>
           <a:xfrm rot="10800000">
-            <a:off x="4050868" y="3484259"/>
-            <a:ext cx="1675646" cy="545144"/>
+            <a:off x="4045848" y="2587838"/>
+            <a:ext cx="1675704" cy="919717"/>
           </a:xfrm>
           <a:prstGeom prst="bentConnector3">
             <a:avLst>
@@ -5371,7 +4953,7 @@
         </p:nvSpPr>
         <p:spPr>
           <a:xfrm>
-            <a:off x="1307203" y="2160476"/>
+            <a:off x="1302183" y="1264054"/>
             <a:ext cx="2684834" cy="526339"/>
           </a:xfrm>
           <a:prstGeom prst="roundRect">
@@ -5430,7 +5012,7 @@
         </p:nvSpPr>
         <p:spPr>
           <a:xfrm>
-            <a:off x="1307203" y="2964997"/>
+            <a:off x="1302183" y="2068575"/>
             <a:ext cx="2743665" cy="1038524"/>
           </a:xfrm>
           <a:prstGeom prst="roundRect">
@@ -5489,7 +5071,7 @@
         </p:nvSpPr>
         <p:spPr>
           <a:xfrm>
-            <a:off x="2720580" y="3518399"/>
+            <a:off x="2715560" y="2638755"/>
             <a:ext cx="1196369" cy="357840"/>
           </a:xfrm>
           <a:prstGeom prst="rect">
@@ -5562,7 +5144,7 @@
         </p:nvSpPr>
         <p:spPr>
           <a:xfrm>
-            <a:off x="1391468" y="3185917"/>
+            <a:off x="1386448" y="2306273"/>
             <a:ext cx="1196369" cy="526339"/>
           </a:xfrm>
           <a:prstGeom prst="rect">
@@ -5635,7 +5217,7 @@
         </p:nvSpPr>
         <p:spPr>
           <a:xfrm>
-            <a:off x="2723505" y="3021842"/>
+            <a:off x="2714812" y="2183998"/>
             <a:ext cx="1196369" cy="357840"/>
           </a:xfrm>
           <a:prstGeom prst="rect">
@@ -5701,7 +5283,7 @@
         </p:nvSpPr>
         <p:spPr>
           <a:xfrm>
-            <a:off x="1391468" y="2248108"/>
+            <a:off x="1386448" y="1351686"/>
             <a:ext cx="1196369" cy="360000"/>
           </a:xfrm>
           <a:prstGeom prst="rect">
@@ -5767,7 +5349,7 @@
         </p:nvSpPr>
         <p:spPr>
           <a:xfrm>
-            <a:off x="2719832" y="2248108"/>
+            <a:off x="2714812" y="1351686"/>
             <a:ext cx="1197864" cy="360000"/>
           </a:xfrm>
           <a:prstGeom prst="rect">
@@ -5836,9 +5418,9 @@
           <p:nvPr/>
         </p:nvCxnSpPr>
         <p:spPr>
-          <a:xfrm rot="10800000" flipV="1">
-            <a:off x="3992037" y="1630326"/>
-            <a:ext cx="1729514" cy="793319"/>
+          <a:xfrm rot="10800000">
+            <a:off x="3987017" y="1527225"/>
+            <a:ext cx="1734534" cy="103103"/>
           </a:xfrm>
           <a:prstGeom prst="bentConnector3">
             <a:avLst>
@@ -5871,10 +5453,10 @@
       </p:cxnSp>
       <p:sp>
         <p:nvSpPr>
-          <p:cNvPr id="43" name="矩形: 圆角 42">
-            <a:extLst>
-              <a:ext uri="{FF2B5EF4-FFF2-40B4-BE49-F238E27FC236}">
-                <a16:creationId xmlns:a16="http://schemas.microsoft.com/office/drawing/2014/main" id="{CD04CB64-B710-56CD-45A1-FF5976F60349}"/>
+          <p:cNvPr id="16" name="Rectangle 5">
+            <a:extLst>
+              <a:ext uri="{FF2B5EF4-FFF2-40B4-BE49-F238E27FC236}">
+                <a16:creationId xmlns:a16="http://schemas.microsoft.com/office/drawing/2014/main" id="{8802EFC9-F714-C822-EAE5-DBECC6774615}"/>
               </a:ext>
             </a:extLst>
           </p:cNvPr>
@@ -5883,75 +5465,16 @@
         </p:nvSpPr>
         <p:spPr>
           <a:xfrm>
-            <a:off x="5986527" y="4805124"/>
-            <a:ext cx="2347331" cy="641816"/>
-          </a:xfrm>
-          <a:prstGeom prst="roundRect">
-            <a:avLst>
-              <a:gd name="adj" fmla="val 8237"/>
-            </a:avLst>
-          </a:prstGeom>
-          <a:solidFill>
-            <a:schemeClr val="bg1">
-              <a:alpha val="20000"/>
-            </a:schemeClr>
-          </a:solidFill>
-          <a:ln>
-            <a:solidFill>
-              <a:schemeClr val="tx1"/>
-            </a:solidFill>
-            <a:prstDash val="dash"/>
-          </a:ln>
-        </p:spPr>
-        <p:style>
-          <a:lnRef idx="2">
-            <a:schemeClr val="accent1">
-              <a:shade val="15000"/>
-            </a:schemeClr>
-          </a:lnRef>
-          <a:fillRef idx="1">
-            <a:schemeClr val="accent1"/>
-          </a:fillRef>
-          <a:effectRef idx="0">
-            <a:schemeClr val="accent1"/>
-          </a:effectRef>
-          <a:fontRef idx="minor">
-            <a:schemeClr val="lt1"/>
-          </a:fontRef>
-        </p:style>
-        <p:txBody>
-          <a:bodyPr rtlCol="0" anchor="ctr"/>
-          <a:lstStyle/>
-          <a:p>
-            <a:pPr algn="ctr"/>
-            <a:endParaRPr lang="zh-CN" altLang="en-US"/>
-          </a:p>
-        </p:txBody>
-      </p:sp>
-      <p:sp>
-        <p:nvSpPr>
-          <p:cNvPr id="160" name="Rectangle 159">
-            <a:extLst>
-              <a:ext uri="{FF2B5EF4-FFF2-40B4-BE49-F238E27FC236}">
-                <a16:creationId xmlns:a16="http://schemas.microsoft.com/office/drawing/2014/main" id="{2D663D7A-E75A-A89B-C125-37C84B176016}"/>
-              </a:ext>
-            </a:extLst>
-          </p:cNvPr>
-          <p:cNvSpPr/>
-          <p:nvPr/>
-        </p:nvSpPr>
-        <p:spPr>
-          <a:xfrm>
-            <a:off x="6061393" y="4915666"/>
-            <a:ext cx="881844" cy="415942"/>
+            <a:off x="5721552" y="3274835"/>
+            <a:ext cx="1080000" cy="465437"/>
           </a:xfrm>
           <a:prstGeom prst="rect">
             <a:avLst/>
           </a:prstGeom>
           <a:solidFill>
-            <a:schemeClr val="accent2">
-              <a:lumMod val="60000"/>
-              <a:lumOff val="40000"/>
+            <a:schemeClr val="accent6">
+              <a:lumMod val="40000"/>
+              <a:lumOff val="60000"/>
             </a:schemeClr>
           </a:solidFill>
           <a:ln>
@@ -5989,17 +5512,17 @@
                 <a:latin typeface="LXGW WenKai" panose="02020500000000000000" pitchFamily="18" charset="-120"/>
                 <a:ea typeface="LXGW WenKai" panose="02020500000000000000" pitchFamily="18" charset="-120"/>
               </a:rPr>
-              <a:t>LLMs</a:t>
-            </a:r>
-          </a:p>
-        </p:txBody>
-      </p:sp>
-      <p:sp>
-        <p:nvSpPr>
-          <p:cNvPr id="86" name="Rectangle 159">
-            <a:extLst>
-              <a:ext uri="{FF2B5EF4-FFF2-40B4-BE49-F238E27FC236}">
-                <a16:creationId xmlns:a16="http://schemas.microsoft.com/office/drawing/2014/main" id="{EF6E2E0D-B1C0-4AFC-FB19-9C1377E5B734}"/>
+              <a:t>Flask</a:t>
+            </a:r>
+          </a:p>
+        </p:txBody>
+      </p:sp>
+      <p:sp>
+        <p:nvSpPr>
+          <p:cNvPr id="26" name="Rectangle 7">
+            <a:extLst>
+              <a:ext uri="{FF2B5EF4-FFF2-40B4-BE49-F238E27FC236}">
+                <a16:creationId xmlns:a16="http://schemas.microsoft.com/office/drawing/2014/main" id="{82F1360A-182D-A555-1FF2-284CBF3EACCE}"/>
               </a:ext>
             </a:extLst>
           </p:cNvPr>
@@ -6008,16 +5531,16 @@
         </p:nvSpPr>
         <p:spPr>
           <a:xfrm>
-            <a:off x="7361106" y="4915666"/>
-            <a:ext cx="881844" cy="415942"/>
+            <a:off x="7576314" y="3039908"/>
+            <a:ext cx="897196" cy="364001"/>
           </a:xfrm>
           <a:prstGeom prst="rect">
             <a:avLst/>
           </a:prstGeom>
           <a:solidFill>
-            <a:schemeClr val="accent2">
-              <a:lumMod val="60000"/>
-              <a:lumOff val="40000"/>
+            <a:schemeClr val="accent4">
+              <a:lumMod val="40000"/>
+              <a:lumOff val="60000"/>
             </a:schemeClr>
           </a:solidFill>
           <a:ln>
@@ -6055,35 +5578,35 @@
                 <a:latin typeface="LXGW WenKai" panose="02020500000000000000" pitchFamily="18" charset="-120"/>
                 <a:ea typeface="LXGW WenKai" panose="02020500000000000000" pitchFamily="18" charset="-120"/>
               </a:rPr>
-              <a:t>Tools</a:t>
+              <a:t>LLMs</a:t>
             </a:r>
           </a:p>
         </p:txBody>
       </p:sp>
       <p:cxnSp>
         <p:nvCxnSpPr>
-          <p:cNvPr id="44" name="Connector: Elbow 162">
-            <a:extLst>
-              <a:ext uri="{FF2B5EF4-FFF2-40B4-BE49-F238E27FC236}">
-                <a16:creationId xmlns:a16="http://schemas.microsoft.com/office/drawing/2014/main" id="{0732B11F-8D01-47FB-9ECE-AEC5AD37DB9E}"/>
+          <p:cNvPr id="28" name="Connector: Elbow 162">
+            <a:extLst>
+              <a:ext uri="{FF2B5EF4-FFF2-40B4-BE49-F238E27FC236}">
+                <a16:creationId xmlns:a16="http://schemas.microsoft.com/office/drawing/2014/main" id="{1C2AA5DB-93CF-CFBA-5387-FEAE7B238D15}"/>
               </a:ext>
             </a:extLst>
           </p:cNvPr>
           <p:cNvCxnSpPr>
             <a:cxnSpLocks/>
-            <a:stCxn id="43" idx="3"/>
-            <a:endCxn id="49" idx="3"/>
+            <a:stCxn id="26" idx="1"/>
+            <a:endCxn id="16" idx="3"/>
           </p:cNvCxnSpPr>
           <p:nvPr/>
         </p:nvCxnSpPr>
         <p:spPr>
-          <a:xfrm flipV="1">
-            <a:off x="8333858" y="4026412"/>
-            <a:ext cx="266923" cy="1099620"/>
+          <a:xfrm rot="10800000" flipV="1">
+            <a:off x="6801552" y="3221908"/>
+            <a:ext cx="774762" cy="285645"/>
           </a:xfrm>
           <a:prstGeom prst="bentConnector3">
             <a:avLst>
-              <a:gd name="adj1" fmla="val 185643"/>
+              <a:gd name="adj1" fmla="val 50000"/>
             </a:avLst>
           </a:prstGeom>
           <a:ln w="9525">
@@ -6110,96 +5633,12 @@
           </a:fontRef>
         </p:style>
       </p:cxnSp>
-      <p:cxnSp>
-        <p:nvCxnSpPr>
-          <p:cNvPr id="52" name="Straight Arrow Connector 14">
-            <a:extLst>
-              <a:ext uri="{FF2B5EF4-FFF2-40B4-BE49-F238E27FC236}">
-                <a16:creationId xmlns:a16="http://schemas.microsoft.com/office/drawing/2014/main" id="{1396601A-25D6-F7D1-97EC-2BD53FE112D5}"/>
-              </a:ext>
-            </a:extLst>
-          </p:cNvPr>
-          <p:cNvCxnSpPr>
-            <a:cxnSpLocks/>
-            <a:stCxn id="49" idx="1"/>
-            <a:endCxn id="10" idx="3"/>
-          </p:cNvCxnSpPr>
-          <p:nvPr/>
-        </p:nvCxnSpPr>
-        <p:spPr>
-          <a:xfrm flipH="1">
-            <a:off x="6801551" y="4026412"/>
-            <a:ext cx="785919" cy="2991"/>
-          </a:xfrm>
-          <a:prstGeom prst="straightConnector1">
-            <a:avLst/>
-          </a:prstGeom>
-          <a:ln w="9525">
-            <a:solidFill>
-              <a:schemeClr val="tx1"/>
-            </a:solidFill>
-            <a:headEnd type="triangle"/>
-            <a:tailEnd type="triangle"/>
-          </a:ln>
-          <a:effectLst>
-            <a:outerShdw blurRad="63500" sx="102000" sy="102000" algn="ctr" rotWithShape="0">
-              <a:prstClr val="black">
-                <a:alpha val="40000"/>
-              </a:prstClr>
-            </a:outerShdw>
-          </a:effectLst>
-        </p:spPr>
-        <p:style>
-          <a:lnRef idx="1">
-            <a:schemeClr val="accent1"/>
-          </a:lnRef>
-          <a:fillRef idx="0">
-            <a:schemeClr val="accent1"/>
-          </a:fillRef>
-          <a:effectRef idx="0">
-            <a:schemeClr val="accent1"/>
-          </a:effectRef>
-          <a:fontRef idx="minor">
-            <a:schemeClr val="tx1"/>
-          </a:fontRef>
-        </p:style>
-      </p:cxnSp>
-    </p:spTree>
-    <p:extLst>
-      <p:ext uri="{BB962C8B-B14F-4D97-AF65-F5344CB8AC3E}">
-        <p14:creationId xmlns:p14="http://schemas.microsoft.com/office/powerpoint/2010/main" val="2097340981"/>
-      </p:ext>
-    </p:extLst>
-  </p:cSld>
-  <p:clrMapOvr>
-    <a:masterClrMapping/>
-  </p:clrMapOvr>
-</p:sld>
-</file>
-
-<file path=ppt/slides/slide2.xml><?xml version="1.0" encoding="utf-8"?>
-<p:sld xmlns:a="http://schemas.openxmlformats.org/drawingml/2006/main" xmlns:r="http://schemas.openxmlformats.org/officeDocument/2006/relationships" xmlns:p="http://schemas.openxmlformats.org/presentationml/2006/main">
-  <p:cSld>
-    <p:spTree>
-      <p:nvGrpSpPr>
-        <p:cNvPr id="1" name=""/>
-        <p:cNvGrpSpPr/>
-        <p:nvPr/>
-      </p:nvGrpSpPr>
-      <p:grpSpPr>
-        <a:xfrm>
-          <a:off x="0" y="0"/>
-          <a:ext cx="0" cy="0"/>
-          <a:chOff x="0" y="0"/>
-          <a:chExt cx="0" cy="0"/>
-        </a:xfrm>
-      </p:grpSpPr>
-      <p:sp>
-        <p:nvSpPr>
-          <p:cNvPr id="4" name="Rectangle 3">
-            <a:extLst>
-              <a:ext uri="{FF2B5EF4-FFF2-40B4-BE49-F238E27FC236}">
-                <a16:creationId xmlns:a16="http://schemas.microsoft.com/office/drawing/2014/main" id="{44402ADA-9BD3-F8A5-3A13-F439AF70C28F}"/>
+      <p:sp>
+        <p:nvSpPr>
+          <p:cNvPr id="38" name="Rectangle 7">
+            <a:extLst>
+              <a:ext uri="{FF2B5EF4-FFF2-40B4-BE49-F238E27FC236}">
+                <a16:creationId xmlns:a16="http://schemas.microsoft.com/office/drawing/2014/main" id="{E3013295-9E6D-2D57-A962-EC15F65154E9}"/>
               </a:ext>
             </a:extLst>
           </p:cNvPr>
@@ -6208,220 +5647,14 @@
         </p:nvSpPr>
         <p:spPr>
           <a:xfrm>
-            <a:off x="1560945" y="437981"/>
-            <a:ext cx="8096189" cy="5066892"/>
-          </a:xfrm>
-          <a:prstGeom prst="rect">
-            <a:avLst/>
-          </a:prstGeom>
-          <a:solidFill>
-            <a:schemeClr val="accent6">
-              <a:lumMod val="20000"/>
-              <a:lumOff val="80000"/>
-            </a:schemeClr>
-          </a:solidFill>
-          <a:ln>
-            <a:solidFill>
-              <a:schemeClr val="tx1"/>
-            </a:solidFill>
-          </a:ln>
-          <a:effectLst>
-            <a:glow rad="101600">
-              <a:schemeClr val="accent3">
-                <a:satMod val="175000"/>
-                <a:alpha val="40000"/>
-              </a:schemeClr>
-            </a:glow>
-          </a:effectLst>
-        </p:spPr>
-        <p:style>
-          <a:lnRef idx="2">
-            <a:schemeClr val="accent1">
-              <a:shade val="50000"/>
-            </a:schemeClr>
-          </a:lnRef>
-          <a:fillRef idx="1">
-            <a:schemeClr val="accent1"/>
-          </a:fillRef>
-          <a:effectRef idx="0">
-            <a:schemeClr val="accent1"/>
-          </a:effectRef>
-          <a:fontRef idx="minor">
-            <a:schemeClr val="lt1"/>
-          </a:fontRef>
-        </p:style>
-        <p:txBody>
-          <a:bodyPr rtlCol="0" anchor="b" anchorCtr="0"/>
-          <a:lstStyle/>
-          <a:p>
-            <a:pPr algn="ctr"/>
-            <a:r>
-              <a:rPr lang="en-US" sz="1600" b="1" dirty="0">
-                <a:solidFill>
-                  <a:schemeClr val="tx1"/>
-                </a:solidFill>
-                <a:latin typeface="LXGW WenKai" panose="02020500000000000000" pitchFamily="18" charset="-120"/>
-                <a:ea typeface="LXGW WenKai" panose="02020500000000000000" pitchFamily="18" charset="-120"/>
-              </a:rPr>
-              <a:t>GPT-Agents</a:t>
-            </a:r>
-          </a:p>
-        </p:txBody>
-      </p:sp>
-      <p:sp>
-        <p:nvSpPr>
-          <p:cNvPr id="50" name="Rectangle 49">
-            <a:extLst>
-              <a:ext uri="{FF2B5EF4-FFF2-40B4-BE49-F238E27FC236}">
-                <a16:creationId xmlns:a16="http://schemas.microsoft.com/office/drawing/2014/main" id="{8BBD062D-3932-D5F7-67F9-E142136EB013}"/>
-              </a:ext>
-            </a:extLst>
-          </p:cNvPr>
-          <p:cNvSpPr/>
-          <p:nvPr/>
-        </p:nvSpPr>
-        <p:spPr>
-          <a:xfrm>
-            <a:off x="1906621" y="807396"/>
-            <a:ext cx="6064361" cy="4189691"/>
-          </a:xfrm>
-          <a:prstGeom prst="rect">
-            <a:avLst/>
-          </a:prstGeom>
-          <a:solidFill>
-            <a:schemeClr val="accent2">
-              <a:lumMod val="20000"/>
-              <a:lumOff val="80000"/>
-            </a:schemeClr>
-          </a:solidFill>
-          <a:ln>
-            <a:solidFill>
-              <a:schemeClr val="tx1"/>
-            </a:solidFill>
-          </a:ln>
-        </p:spPr>
-        <p:style>
-          <a:lnRef idx="2">
-            <a:schemeClr val="accent1">
-              <a:shade val="50000"/>
-            </a:schemeClr>
-          </a:lnRef>
-          <a:fillRef idx="1">
-            <a:schemeClr val="accent1"/>
-          </a:fillRef>
-          <a:effectRef idx="0">
-            <a:schemeClr val="accent1"/>
-          </a:effectRef>
-          <a:fontRef idx="minor">
-            <a:schemeClr val="lt1"/>
-          </a:fontRef>
-        </p:style>
-        <p:txBody>
-          <a:bodyPr rtlCol="0" anchor="b" anchorCtr="0"/>
-          <a:lstStyle/>
-          <a:p>
-            <a:pPr algn="ctr"/>
-            <a:r>
-              <a:rPr lang="en-US" sz="1400" dirty="0">
-                <a:solidFill>
-                  <a:schemeClr val="tx1"/>
-                </a:solidFill>
-                <a:latin typeface="LXGW WenKai" panose="02020500000000000000" pitchFamily="18" charset="-120"/>
-                <a:ea typeface="LXGW WenKai" panose="02020500000000000000" pitchFamily="18" charset="-120"/>
-              </a:rPr>
-              <a:t>Manager</a:t>
-            </a:r>
-          </a:p>
-        </p:txBody>
-      </p:sp>
-      <p:sp>
-        <p:nvSpPr>
-          <p:cNvPr id="77" name="Rectangle 76">
-            <a:extLst>
-              <a:ext uri="{FF2B5EF4-FFF2-40B4-BE49-F238E27FC236}">
-                <a16:creationId xmlns:a16="http://schemas.microsoft.com/office/drawing/2014/main" id="{E8620ACD-B15B-EF14-FC31-87AEE3C1C82D}"/>
-              </a:ext>
-            </a:extLst>
-          </p:cNvPr>
-          <p:cNvSpPr/>
-          <p:nvPr/>
-        </p:nvSpPr>
-        <p:spPr>
-          <a:xfrm>
-            <a:off x="6132277" y="1888186"/>
-            <a:ext cx="1371600" cy="640693"/>
+            <a:off x="7576314" y="3577916"/>
+            <a:ext cx="897196" cy="364001"/>
           </a:xfrm>
           <a:prstGeom prst="rect">
             <a:avLst/>
           </a:prstGeom>
           <a:solidFill>
             <a:schemeClr val="accent4">
-              <a:lumMod val="20000"/>
-              <a:lumOff val="80000"/>
-            </a:schemeClr>
-          </a:solidFill>
-          <a:ln>
-            <a:solidFill>
-              <a:schemeClr val="tx1"/>
-            </a:solidFill>
-          </a:ln>
-        </p:spPr>
-        <p:style>
-          <a:lnRef idx="2">
-            <a:schemeClr val="accent1">
-              <a:shade val="50000"/>
-            </a:schemeClr>
-          </a:lnRef>
-          <a:fillRef idx="1">
-            <a:schemeClr val="accent1"/>
-          </a:fillRef>
-          <a:effectRef idx="0">
-            <a:schemeClr val="accent1"/>
-          </a:effectRef>
-          <a:fontRef idx="minor">
-            <a:schemeClr val="lt1"/>
-          </a:fontRef>
-        </p:style>
-        <p:txBody>
-          <a:bodyPr rtlCol="0" anchor="ctr" anchorCtr="1"/>
-          <a:lstStyle/>
-          <a:p>
-            <a:pPr algn="ctr"/>
-            <a:r>
-              <a:rPr lang="en-US" sz="1400" dirty="0">
-                <a:solidFill>
-                  <a:schemeClr val="tx1"/>
-                </a:solidFill>
-                <a:latin typeface="LXGW WenKai" panose="02020500000000000000" pitchFamily="18" charset="-120"/>
-                <a:ea typeface="LXGW WenKai" panose="02020500000000000000" pitchFamily="18" charset="-120"/>
-              </a:rPr>
-              <a:t>Global Contexts</a:t>
-            </a:r>
-          </a:p>
-        </p:txBody>
-      </p:sp>
-      <p:sp>
-        <p:nvSpPr>
-          <p:cNvPr id="105" name="Rectangle 104">
-            <a:extLst>
-              <a:ext uri="{FF2B5EF4-FFF2-40B4-BE49-F238E27FC236}">
-                <a16:creationId xmlns:a16="http://schemas.microsoft.com/office/drawing/2014/main" id="{1214C11B-A256-7176-4EFC-64EB301BEFA9}"/>
-              </a:ext>
-            </a:extLst>
-          </p:cNvPr>
-          <p:cNvSpPr/>
-          <p:nvPr/>
-        </p:nvSpPr>
-        <p:spPr>
-          <a:xfrm>
-            <a:off x="2373478" y="1124349"/>
-            <a:ext cx="3180033" cy="914400"/>
-          </a:xfrm>
-          <a:prstGeom prst="rect">
-            <a:avLst/>
-          </a:prstGeom>
-          <a:solidFill>
-            <a:schemeClr val="accent2">
               <a:lumMod val="40000"/>
               <a:lumOff val="60000"/>
             </a:schemeClr>
@@ -6449,7 +5682,7 @@
           </a:fontRef>
         </p:style>
         <p:txBody>
-          <a:bodyPr rtlCol="0" anchor="b" anchorCtr="0"/>
+          <a:bodyPr rtlCol="0" anchor="ctr" anchorCtr="1"/>
           <a:lstStyle/>
           <a:p>
             <a:pPr algn="ctr"/>
@@ -6461,1419 +5694,38 @@
                 <a:latin typeface="LXGW WenKai" panose="02020500000000000000" pitchFamily="18" charset="-120"/>
                 <a:ea typeface="LXGW WenKai" panose="02020500000000000000" pitchFamily="18" charset="-120"/>
               </a:rPr>
-              <a:t>Agent</a:t>
-            </a:r>
-          </a:p>
-        </p:txBody>
-      </p:sp>
-      <p:sp>
-        <p:nvSpPr>
-          <p:cNvPr id="76" name="Rectangle 75">
-            <a:extLst>
-              <a:ext uri="{FF2B5EF4-FFF2-40B4-BE49-F238E27FC236}">
-                <a16:creationId xmlns:a16="http://schemas.microsoft.com/office/drawing/2014/main" id="{5DDE9D0C-B83B-B506-FF0C-EDC49D03A075}"/>
-              </a:ext>
-            </a:extLst>
-          </p:cNvPr>
-          <p:cNvSpPr/>
-          <p:nvPr/>
-        </p:nvSpPr>
-        <p:spPr>
-          <a:xfrm>
-            <a:off x="2534866" y="1277253"/>
-            <a:ext cx="770430" cy="359761"/>
-          </a:xfrm>
-          <a:prstGeom prst="rect">
-            <a:avLst/>
-          </a:prstGeom>
-          <a:solidFill>
-            <a:schemeClr val="bg1">
-              <a:lumMod val="95000"/>
-            </a:schemeClr>
-          </a:solidFill>
-          <a:ln>
-            <a:solidFill>
-              <a:schemeClr val="tx1"/>
-            </a:solidFill>
-          </a:ln>
-        </p:spPr>
-        <p:style>
-          <a:lnRef idx="2">
-            <a:schemeClr val="accent1">
-              <a:shade val="50000"/>
-            </a:schemeClr>
-          </a:lnRef>
-          <a:fillRef idx="1">
-            <a:schemeClr val="accent1"/>
-          </a:fillRef>
-          <a:effectRef idx="0">
-            <a:schemeClr val="accent1"/>
-          </a:effectRef>
-          <a:fontRef idx="minor">
-            <a:schemeClr val="lt1"/>
-          </a:fontRef>
-        </p:style>
-        <p:txBody>
-          <a:bodyPr rtlCol="0" anchor="ctr" anchorCtr="1"/>
-          <a:lstStyle/>
-          <a:p>
-            <a:pPr algn="ctr"/>
-            <a:r>
-              <a:rPr lang="en-US" sz="1000" dirty="0">
-                <a:solidFill>
-                  <a:schemeClr val="tx1"/>
-                </a:solidFill>
-                <a:latin typeface="LXGW WenKai" panose="02020500000000000000" pitchFamily="18" charset="-120"/>
-                <a:ea typeface="LXGW WenKai" panose="02020500000000000000" pitchFamily="18" charset="-120"/>
-              </a:rPr>
-              <a:t>System prompts</a:t>
-            </a:r>
-            <a:endParaRPr lang="en-US" sz="1050" dirty="0">
-              <a:solidFill>
-                <a:schemeClr val="tx1"/>
-              </a:solidFill>
-              <a:latin typeface="LXGW WenKai" panose="02020500000000000000" pitchFamily="18" charset="-120"/>
-              <a:ea typeface="LXGW WenKai" panose="02020500000000000000" pitchFamily="18" charset="-120"/>
-            </a:endParaRPr>
-          </a:p>
-        </p:txBody>
-      </p:sp>
-      <p:sp>
-        <p:nvSpPr>
-          <p:cNvPr id="139" name="Rectangle 138">
-            <a:extLst>
-              <a:ext uri="{FF2B5EF4-FFF2-40B4-BE49-F238E27FC236}">
-                <a16:creationId xmlns:a16="http://schemas.microsoft.com/office/drawing/2014/main" id="{2C915C8B-9693-8987-029F-199D7C0DCE4A}"/>
-              </a:ext>
-            </a:extLst>
-          </p:cNvPr>
-          <p:cNvSpPr/>
-          <p:nvPr/>
-        </p:nvSpPr>
-        <p:spPr>
-          <a:xfrm>
-            <a:off x="3517280" y="1277253"/>
-            <a:ext cx="770430" cy="359761"/>
-          </a:xfrm>
-          <a:prstGeom prst="rect">
-            <a:avLst/>
-          </a:prstGeom>
-          <a:solidFill>
-            <a:schemeClr val="bg1">
-              <a:lumMod val="95000"/>
-            </a:schemeClr>
-          </a:solidFill>
-          <a:ln>
-            <a:solidFill>
-              <a:schemeClr val="tx1"/>
-            </a:solidFill>
-          </a:ln>
-        </p:spPr>
-        <p:style>
-          <a:lnRef idx="2">
-            <a:schemeClr val="accent1">
-              <a:shade val="50000"/>
-            </a:schemeClr>
-          </a:lnRef>
-          <a:fillRef idx="1">
-            <a:schemeClr val="accent1"/>
-          </a:fillRef>
-          <a:effectRef idx="0">
-            <a:schemeClr val="accent1"/>
-          </a:effectRef>
-          <a:fontRef idx="minor">
-            <a:schemeClr val="lt1"/>
-          </a:fontRef>
-        </p:style>
-        <p:txBody>
-          <a:bodyPr rtlCol="0" anchor="ctr" anchorCtr="1"/>
-          <a:lstStyle/>
-          <a:p>
-            <a:pPr algn="ctr"/>
-            <a:r>
-              <a:rPr lang="en-US" sz="1000" dirty="0">
-                <a:solidFill>
-                  <a:schemeClr val="tx1"/>
-                </a:solidFill>
-                <a:latin typeface="LXGW WenKai" panose="02020500000000000000" pitchFamily="18" charset="-120"/>
-                <a:ea typeface="LXGW WenKai" panose="02020500000000000000" pitchFamily="18" charset="-120"/>
-              </a:rPr>
-              <a:t>Chat</a:t>
-            </a:r>
-          </a:p>
-          <a:p>
-            <a:pPr algn="ctr"/>
-            <a:r>
-              <a:rPr lang="en-US" sz="1000" dirty="0">
-                <a:solidFill>
-                  <a:schemeClr val="tx1"/>
-                </a:solidFill>
-                <a:latin typeface="LXGW WenKai" panose="02020500000000000000" pitchFamily="18" charset="-120"/>
-                <a:ea typeface="LXGW WenKai" panose="02020500000000000000" pitchFamily="18" charset="-120"/>
-              </a:rPr>
-              <a:t>history</a:t>
-            </a:r>
-            <a:endParaRPr lang="en-US" sz="1050" dirty="0">
-              <a:solidFill>
-                <a:schemeClr val="tx1"/>
-              </a:solidFill>
-              <a:latin typeface="LXGW WenKai" panose="02020500000000000000" pitchFamily="18" charset="-120"/>
-              <a:ea typeface="LXGW WenKai" panose="02020500000000000000" pitchFamily="18" charset="-120"/>
-            </a:endParaRPr>
-          </a:p>
-        </p:txBody>
-      </p:sp>
-      <p:sp>
-        <p:nvSpPr>
-          <p:cNvPr id="140" name="Rectangle 139">
-            <a:extLst>
-              <a:ext uri="{FF2B5EF4-FFF2-40B4-BE49-F238E27FC236}">
-                <a16:creationId xmlns:a16="http://schemas.microsoft.com/office/drawing/2014/main" id="{3F4E18B8-7282-664E-294A-1DC6271F5490}"/>
-              </a:ext>
-            </a:extLst>
-          </p:cNvPr>
-          <p:cNvSpPr/>
-          <p:nvPr/>
-        </p:nvSpPr>
-        <p:spPr>
-          <a:xfrm>
-            <a:off x="2381464" y="2345673"/>
-            <a:ext cx="3172048" cy="914400"/>
-          </a:xfrm>
-          <a:prstGeom prst="rect">
-            <a:avLst/>
-          </a:prstGeom>
-          <a:solidFill>
-            <a:schemeClr val="accent2">
-              <a:lumMod val="40000"/>
-              <a:lumOff val="60000"/>
-            </a:schemeClr>
-          </a:solidFill>
-          <a:ln>
-            <a:solidFill>
-              <a:schemeClr val="tx1"/>
-            </a:solidFill>
-          </a:ln>
-        </p:spPr>
-        <p:style>
-          <a:lnRef idx="2">
-            <a:schemeClr val="accent1">
-              <a:shade val="50000"/>
-            </a:schemeClr>
-          </a:lnRef>
-          <a:fillRef idx="1">
-            <a:schemeClr val="accent1"/>
-          </a:fillRef>
-          <a:effectRef idx="0">
-            <a:schemeClr val="accent1"/>
-          </a:effectRef>
-          <a:fontRef idx="minor">
-            <a:schemeClr val="lt1"/>
-          </a:fontRef>
-        </p:style>
-        <p:txBody>
-          <a:bodyPr rtlCol="0" anchor="b" anchorCtr="0"/>
-          <a:lstStyle/>
-          <a:p>
-            <a:pPr algn="ctr"/>
-            <a:r>
-              <a:rPr lang="en-US" sz="1400" dirty="0">
-                <a:solidFill>
-                  <a:schemeClr val="tx1"/>
-                </a:solidFill>
-                <a:latin typeface="LXGW WenKai" panose="02020500000000000000" pitchFamily="18" charset="-120"/>
-                <a:ea typeface="LXGW WenKai" panose="02020500000000000000" pitchFamily="18" charset="-120"/>
-              </a:rPr>
-              <a:t>Agent</a:t>
-            </a:r>
-          </a:p>
-        </p:txBody>
-      </p:sp>
-      <p:sp>
-        <p:nvSpPr>
-          <p:cNvPr id="141" name="Rectangle 140">
-            <a:extLst>
-              <a:ext uri="{FF2B5EF4-FFF2-40B4-BE49-F238E27FC236}">
-                <a16:creationId xmlns:a16="http://schemas.microsoft.com/office/drawing/2014/main" id="{B9470EF6-B2B8-17B5-60F2-39024B4B359F}"/>
-              </a:ext>
-            </a:extLst>
-          </p:cNvPr>
-          <p:cNvSpPr/>
-          <p:nvPr/>
-        </p:nvSpPr>
-        <p:spPr>
-          <a:xfrm>
-            <a:off x="2534866" y="2528878"/>
-            <a:ext cx="770430" cy="359761"/>
-          </a:xfrm>
-          <a:prstGeom prst="rect">
-            <a:avLst/>
-          </a:prstGeom>
-          <a:solidFill>
-            <a:schemeClr val="bg1">
-              <a:lumMod val="95000"/>
-            </a:schemeClr>
-          </a:solidFill>
-          <a:ln>
-            <a:solidFill>
-              <a:schemeClr val="tx1"/>
-            </a:solidFill>
-          </a:ln>
-        </p:spPr>
-        <p:style>
-          <a:lnRef idx="2">
-            <a:schemeClr val="accent1">
-              <a:shade val="50000"/>
-            </a:schemeClr>
-          </a:lnRef>
-          <a:fillRef idx="1">
-            <a:schemeClr val="accent1"/>
-          </a:fillRef>
-          <a:effectRef idx="0">
-            <a:schemeClr val="accent1"/>
-          </a:effectRef>
-          <a:fontRef idx="minor">
-            <a:schemeClr val="lt1"/>
-          </a:fontRef>
-        </p:style>
-        <p:txBody>
-          <a:bodyPr rtlCol="0" anchor="ctr" anchorCtr="1"/>
-          <a:lstStyle/>
-          <a:p>
-            <a:pPr algn="ctr"/>
-            <a:r>
-              <a:rPr lang="en-US" sz="1000" dirty="0">
-                <a:solidFill>
-                  <a:schemeClr val="tx1"/>
-                </a:solidFill>
-                <a:latin typeface="LXGW WenKai" panose="02020500000000000000" pitchFamily="18" charset="-120"/>
-                <a:ea typeface="LXGW WenKai" panose="02020500000000000000" pitchFamily="18" charset="-120"/>
-              </a:rPr>
-              <a:t>System prompts</a:t>
-            </a:r>
-            <a:endParaRPr lang="en-US" sz="1050" dirty="0">
-              <a:solidFill>
-                <a:schemeClr val="tx1"/>
-              </a:solidFill>
-              <a:latin typeface="LXGW WenKai" panose="02020500000000000000" pitchFamily="18" charset="-120"/>
-              <a:ea typeface="LXGW WenKai" panose="02020500000000000000" pitchFamily="18" charset="-120"/>
-            </a:endParaRPr>
-          </a:p>
-        </p:txBody>
-      </p:sp>
-      <p:sp>
-        <p:nvSpPr>
-          <p:cNvPr id="142" name="Rectangle 141">
-            <a:extLst>
-              <a:ext uri="{FF2B5EF4-FFF2-40B4-BE49-F238E27FC236}">
-                <a16:creationId xmlns:a16="http://schemas.microsoft.com/office/drawing/2014/main" id="{CBFEEC7A-4A15-DB6B-15C8-5F074E904B67}"/>
-              </a:ext>
-            </a:extLst>
-          </p:cNvPr>
-          <p:cNvSpPr/>
-          <p:nvPr/>
-        </p:nvSpPr>
-        <p:spPr>
-          <a:xfrm>
-            <a:off x="3517280" y="2528878"/>
-            <a:ext cx="770430" cy="359761"/>
-          </a:xfrm>
-          <a:prstGeom prst="rect">
-            <a:avLst/>
-          </a:prstGeom>
-          <a:solidFill>
-            <a:schemeClr val="bg1">
-              <a:lumMod val="95000"/>
-            </a:schemeClr>
-          </a:solidFill>
-          <a:ln>
-            <a:solidFill>
-              <a:schemeClr val="tx1"/>
-            </a:solidFill>
-          </a:ln>
-        </p:spPr>
-        <p:style>
-          <a:lnRef idx="2">
-            <a:schemeClr val="accent1">
-              <a:shade val="50000"/>
-            </a:schemeClr>
-          </a:lnRef>
-          <a:fillRef idx="1">
-            <a:schemeClr val="accent1"/>
-          </a:fillRef>
-          <a:effectRef idx="0">
-            <a:schemeClr val="accent1"/>
-          </a:effectRef>
-          <a:fontRef idx="minor">
-            <a:schemeClr val="lt1"/>
-          </a:fontRef>
-        </p:style>
-        <p:txBody>
-          <a:bodyPr rtlCol="0" anchor="ctr" anchorCtr="1"/>
-          <a:lstStyle/>
-          <a:p>
-            <a:pPr algn="ctr"/>
-            <a:r>
-              <a:rPr lang="en-US" sz="1000" dirty="0">
-                <a:solidFill>
-                  <a:schemeClr val="tx1"/>
-                </a:solidFill>
-                <a:latin typeface="LXGW WenKai" panose="02020500000000000000" pitchFamily="18" charset="-120"/>
-                <a:ea typeface="LXGW WenKai" panose="02020500000000000000" pitchFamily="18" charset="-120"/>
-              </a:rPr>
-              <a:t>Chat</a:t>
-            </a:r>
-          </a:p>
-          <a:p>
-            <a:pPr algn="ctr"/>
-            <a:r>
-              <a:rPr lang="en-US" sz="1000" dirty="0">
-                <a:solidFill>
-                  <a:schemeClr val="tx1"/>
-                </a:solidFill>
-                <a:latin typeface="LXGW WenKai" panose="02020500000000000000" pitchFamily="18" charset="-120"/>
-                <a:ea typeface="LXGW WenKai" panose="02020500000000000000" pitchFamily="18" charset="-120"/>
-              </a:rPr>
-              <a:t>History</a:t>
-            </a:r>
-            <a:endParaRPr lang="en-US" sz="1050" dirty="0">
-              <a:solidFill>
-                <a:schemeClr val="tx1"/>
-              </a:solidFill>
-              <a:latin typeface="LXGW WenKai" panose="02020500000000000000" pitchFamily="18" charset="-120"/>
-              <a:ea typeface="LXGW WenKai" panose="02020500000000000000" pitchFamily="18" charset="-120"/>
-            </a:endParaRPr>
-          </a:p>
-        </p:txBody>
-      </p:sp>
-      <p:sp>
-        <p:nvSpPr>
-          <p:cNvPr id="143" name="Rectangle 142">
-            <a:extLst>
-              <a:ext uri="{FF2B5EF4-FFF2-40B4-BE49-F238E27FC236}">
-                <a16:creationId xmlns:a16="http://schemas.microsoft.com/office/drawing/2014/main" id="{B5FD6F14-F11F-8D87-FEE2-5494426F1A72}"/>
-              </a:ext>
-            </a:extLst>
-          </p:cNvPr>
-          <p:cNvSpPr/>
-          <p:nvPr/>
-        </p:nvSpPr>
-        <p:spPr>
-          <a:xfrm>
-            <a:off x="2373479" y="3629488"/>
-            <a:ext cx="3180032" cy="904746"/>
-          </a:xfrm>
-          <a:prstGeom prst="rect">
-            <a:avLst/>
-          </a:prstGeom>
-          <a:solidFill>
-            <a:schemeClr val="accent2">
-              <a:lumMod val="40000"/>
-              <a:lumOff val="60000"/>
-            </a:schemeClr>
-          </a:solidFill>
-          <a:ln>
-            <a:solidFill>
-              <a:schemeClr val="tx1"/>
-            </a:solidFill>
-          </a:ln>
-        </p:spPr>
-        <p:style>
-          <a:lnRef idx="2">
-            <a:schemeClr val="accent1">
-              <a:shade val="50000"/>
-            </a:schemeClr>
-          </a:lnRef>
-          <a:fillRef idx="1">
-            <a:schemeClr val="accent1"/>
-          </a:fillRef>
-          <a:effectRef idx="0">
-            <a:schemeClr val="accent1"/>
-          </a:effectRef>
-          <a:fontRef idx="minor">
-            <a:schemeClr val="lt1"/>
-          </a:fontRef>
-        </p:style>
-        <p:txBody>
-          <a:bodyPr rtlCol="0" anchor="b" anchorCtr="0"/>
-          <a:lstStyle/>
-          <a:p>
-            <a:pPr algn="ctr"/>
-            <a:r>
-              <a:rPr lang="en-US" sz="1400" dirty="0">
-                <a:solidFill>
-                  <a:schemeClr val="tx1"/>
-                </a:solidFill>
-                <a:latin typeface="LXGW WenKai" panose="02020500000000000000" pitchFamily="18" charset="-120"/>
-                <a:ea typeface="LXGW WenKai" panose="02020500000000000000" pitchFamily="18" charset="-120"/>
-              </a:rPr>
-              <a:t>Agent</a:t>
-            </a:r>
-          </a:p>
-        </p:txBody>
-      </p:sp>
-      <p:sp>
-        <p:nvSpPr>
-          <p:cNvPr id="144" name="Rectangle 143">
-            <a:extLst>
-              <a:ext uri="{FF2B5EF4-FFF2-40B4-BE49-F238E27FC236}">
-                <a16:creationId xmlns:a16="http://schemas.microsoft.com/office/drawing/2014/main" id="{91FED968-9E3F-7EAE-6E2E-84A4B4A9BCD2}"/>
-              </a:ext>
-            </a:extLst>
-          </p:cNvPr>
-          <p:cNvSpPr/>
-          <p:nvPr/>
-        </p:nvSpPr>
-        <p:spPr>
-          <a:xfrm>
-            <a:off x="2534866" y="3797862"/>
-            <a:ext cx="770430" cy="359761"/>
-          </a:xfrm>
-          <a:prstGeom prst="rect">
-            <a:avLst/>
-          </a:prstGeom>
-          <a:solidFill>
-            <a:schemeClr val="bg1">
-              <a:lumMod val="95000"/>
-            </a:schemeClr>
-          </a:solidFill>
-          <a:ln>
-            <a:solidFill>
-              <a:schemeClr val="tx1"/>
-            </a:solidFill>
-          </a:ln>
-        </p:spPr>
-        <p:style>
-          <a:lnRef idx="2">
-            <a:schemeClr val="accent1">
-              <a:shade val="50000"/>
-            </a:schemeClr>
-          </a:lnRef>
-          <a:fillRef idx="1">
-            <a:schemeClr val="accent1"/>
-          </a:fillRef>
-          <a:effectRef idx="0">
-            <a:schemeClr val="accent1"/>
-          </a:effectRef>
-          <a:fontRef idx="minor">
-            <a:schemeClr val="lt1"/>
-          </a:fontRef>
-        </p:style>
-        <p:txBody>
-          <a:bodyPr rtlCol="0" anchor="ctr" anchorCtr="1"/>
-          <a:lstStyle/>
-          <a:p>
-            <a:pPr algn="ctr"/>
-            <a:r>
-              <a:rPr lang="en-US" sz="1000" dirty="0">
-                <a:solidFill>
-                  <a:schemeClr val="tx1"/>
-                </a:solidFill>
-                <a:latin typeface="LXGW WenKai" panose="02020500000000000000" pitchFamily="18" charset="-120"/>
-                <a:ea typeface="LXGW WenKai" panose="02020500000000000000" pitchFamily="18" charset="-120"/>
-              </a:rPr>
-              <a:t>System prompts</a:t>
-            </a:r>
-            <a:endParaRPr lang="en-US" sz="1050" dirty="0">
-              <a:solidFill>
-                <a:schemeClr val="tx1"/>
-              </a:solidFill>
-              <a:latin typeface="LXGW WenKai" panose="02020500000000000000" pitchFamily="18" charset="-120"/>
-              <a:ea typeface="LXGW WenKai" panose="02020500000000000000" pitchFamily="18" charset="-120"/>
-            </a:endParaRPr>
-          </a:p>
-        </p:txBody>
-      </p:sp>
-      <p:sp>
-        <p:nvSpPr>
-          <p:cNvPr id="145" name="Rectangle 144">
-            <a:extLst>
-              <a:ext uri="{FF2B5EF4-FFF2-40B4-BE49-F238E27FC236}">
-                <a16:creationId xmlns:a16="http://schemas.microsoft.com/office/drawing/2014/main" id="{BD16667A-49D0-712E-D96E-003D719DA2D4}"/>
-              </a:ext>
-            </a:extLst>
-          </p:cNvPr>
-          <p:cNvSpPr/>
-          <p:nvPr/>
-        </p:nvSpPr>
-        <p:spPr>
-          <a:xfrm>
-            <a:off x="3517280" y="3797862"/>
-            <a:ext cx="770430" cy="359761"/>
-          </a:xfrm>
-          <a:prstGeom prst="rect">
-            <a:avLst/>
-          </a:prstGeom>
-          <a:solidFill>
-            <a:schemeClr val="bg1">
-              <a:lumMod val="95000"/>
-            </a:schemeClr>
-          </a:solidFill>
-          <a:ln>
-            <a:solidFill>
-              <a:schemeClr val="tx1"/>
-            </a:solidFill>
-          </a:ln>
-        </p:spPr>
-        <p:style>
-          <a:lnRef idx="2">
-            <a:schemeClr val="accent1">
-              <a:shade val="50000"/>
-            </a:schemeClr>
-          </a:lnRef>
-          <a:fillRef idx="1">
-            <a:schemeClr val="accent1"/>
-          </a:fillRef>
-          <a:effectRef idx="0">
-            <a:schemeClr val="accent1"/>
-          </a:effectRef>
-          <a:fontRef idx="minor">
-            <a:schemeClr val="lt1"/>
-          </a:fontRef>
-        </p:style>
-        <p:txBody>
-          <a:bodyPr rtlCol="0" anchor="ctr" anchorCtr="1"/>
-          <a:lstStyle/>
-          <a:p>
-            <a:pPr algn="ctr"/>
-            <a:r>
-              <a:rPr lang="en-US" sz="1000" dirty="0">
-                <a:solidFill>
-                  <a:schemeClr val="tx1"/>
-                </a:solidFill>
-                <a:latin typeface="LXGW WenKai" panose="02020500000000000000" pitchFamily="18" charset="-120"/>
-                <a:ea typeface="LXGW WenKai" panose="02020500000000000000" pitchFamily="18" charset="-120"/>
-              </a:rPr>
-              <a:t>Chat</a:t>
-            </a:r>
-          </a:p>
-          <a:p>
-            <a:pPr algn="ctr"/>
-            <a:r>
-              <a:rPr lang="en-US" sz="1000" dirty="0">
-                <a:solidFill>
-                  <a:schemeClr val="tx1"/>
-                </a:solidFill>
-                <a:latin typeface="LXGW WenKai" panose="02020500000000000000" pitchFamily="18" charset="-120"/>
-                <a:ea typeface="LXGW WenKai" panose="02020500000000000000" pitchFamily="18" charset="-120"/>
-              </a:rPr>
-              <a:t>History</a:t>
-            </a:r>
-            <a:endParaRPr lang="en-US" sz="1050" dirty="0">
-              <a:solidFill>
-                <a:schemeClr val="tx1"/>
-              </a:solidFill>
-              <a:latin typeface="LXGW WenKai" panose="02020500000000000000" pitchFamily="18" charset="-120"/>
-              <a:ea typeface="LXGW WenKai" panose="02020500000000000000" pitchFamily="18" charset="-120"/>
-            </a:endParaRPr>
+              <a:t>Tools</a:t>
+            </a:r>
           </a:p>
         </p:txBody>
       </p:sp>
       <p:cxnSp>
         <p:nvCxnSpPr>
-          <p:cNvPr id="147" name="Connector: Elbow 146">
-            <a:extLst>
-              <a:ext uri="{FF2B5EF4-FFF2-40B4-BE49-F238E27FC236}">
-                <a16:creationId xmlns:a16="http://schemas.microsoft.com/office/drawing/2014/main" id="{58ECAB7D-063C-3497-99B4-5752BD3EE406}"/>
+          <p:cNvPr id="41" name="Connector: Elbow 162">
+            <a:extLst>
+              <a:ext uri="{FF2B5EF4-FFF2-40B4-BE49-F238E27FC236}">
+                <a16:creationId xmlns:a16="http://schemas.microsoft.com/office/drawing/2014/main" id="{23383888-A16B-0A7F-68C7-D9ADC7842E52}"/>
               </a:ext>
             </a:extLst>
           </p:cNvPr>
           <p:cNvCxnSpPr>
             <a:cxnSpLocks/>
-            <a:stCxn id="77" idx="0"/>
-            <a:endCxn id="76" idx="0"/>
-          </p:cNvCxnSpPr>
-          <p:nvPr/>
-        </p:nvCxnSpPr>
-        <p:spPr>
-          <a:xfrm rot="16200000" flipV="1">
-            <a:off x="4563613" y="-366278"/>
-            <a:ext cx="610933" cy="3897996"/>
-          </a:xfrm>
-          <a:prstGeom prst="bentConnector3">
-            <a:avLst>
-              <a:gd name="adj1" fmla="val 143465"/>
-            </a:avLst>
-          </a:prstGeom>
-          <a:ln w="9525">
-            <a:solidFill>
-              <a:schemeClr val="tx1"/>
-            </a:solidFill>
-            <a:prstDash val="dash"/>
-            <a:headEnd type="triangle"/>
-            <a:tailEnd type="triangle"/>
-          </a:ln>
-        </p:spPr>
-        <p:style>
-          <a:lnRef idx="1">
-            <a:schemeClr val="accent1"/>
-          </a:lnRef>
-          <a:fillRef idx="0">
-            <a:schemeClr val="accent1"/>
-          </a:fillRef>
-          <a:effectRef idx="0">
-            <a:schemeClr val="accent1"/>
-          </a:effectRef>
-          <a:fontRef idx="minor">
-            <a:schemeClr val="tx1"/>
-          </a:fontRef>
-        </p:style>
-      </p:cxnSp>
-      <p:cxnSp>
-        <p:nvCxnSpPr>
-          <p:cNvPr id="152" name="Connector: Elbow 151">
-            <a:extLst>
-              <a:ext uri="{FF2B5EF4-FFF2-40B4-BE49-F238E27FC236}">
-                <a16:creationId xmlns:a16="http://schemas.microsoft.com/office/drawing/2014/main" id="{E0F8D9DA-5181-2F80-AF0D-1A1C1C83DD97}"/>
-              </a:ext>
-            </a:extLst>
-          </p:cNvPr>
-          <p:cNvCxnSpPr>
-            <a:cxnSpLocks/>
-            <a:stCxn id="77" idx="1"/>
-            <a:endCxn id="141" idx="0"/>
-          </p:cNvCxnSpPr>
-          <p:nvPr/>
-        </p:nvCxnSpPr>
-        <p:spPr>
-          <a:xfrm rot="10800000" flipV="1">
-            <a:off x="2920081" y="2208532"/>
-            <a:ext cx="3212196" cy="320345"/>
-          </a:xfrm>
-          <a:prstGeom prst="bentConnector2">
-            <a:avLst/>
-          </a:prstGeom>
-          <a:ln w="9525">
-            <a:solidFill>
-              <a:schemeClr val="tx1"/>
-            </a:solidFill>
-            <a:prstDash val="dash"/>
-            <a:headEnd type="triangle"/>
-            <a:tailEnd type="triangle"/>
-          </a:ln>
-        </p:spPr>
-        <p:style>
-          <a:lnRef idx="1">
-            <a:schemeClr val="accent1"/>
-          </a:lnRef>
-          <a:fillRef idx="0">
-            <a:schemeClr val="accent1"/>
-          </a:fillRef>
-          <a:effectRef idx="0">
-            <a:schemeClr val="accent1"/>
-          </a:effectRef>
-          <a:fontRef idx="minor">
-            <a:schemeClr val="tx1"/>
-          </a:fontRef>
-        </p:style>
-      </p:cxnSp>
-      <p:cxnSp>
-        <p:nvCxnSpPr>
-          <p:cNvPr id="155" name="Connector: Elbow 154">
-            <a:extLst>
-              <a:ext uri="{FF2B5EF4-FFF2-40B4-BE49-F238E27FC236}">
-                <a16:creationId xmlns:a16="http://schemas.microsoft.com/office/drawing/2014/main" id="{B610ECF4-E72B-70CD-6D29-99F74420E889}"/>
-              </a:ext>
-            </a:extLst>
-          </p:cNvPr>
-          <p:cNvCxnSpPr>
-            <a:cxnSpLocks/>
-            <a:stCxn id="77" idx="2"/>
-            <a:endCxn id="144" idx="0"/>
-          </p:cNvCxnSpPr>
-          <p:nvPr/>
-        </p:nvCxnSpPr>
-        <p:spPr>
-          <a:xfrm rot="5400000">
-            <a:off x="4234588" y="1214372"/>
-            <a:ext cx="1268983" cy="3897996"/>
-          </a:xfrm>
-          <a:prstGeom prst="bentConnector3">
-            <a:avLst>
-              <a:gd name="adj1" fmla="val 73291"/>
-            </a:avLst>
-          </a:prstGeom>
-          <a:ln w="9525">
-            <a:solidFill>
-              <a:schemeClr val="tx1"/>
-            </a:solidFill>
-            <a:prstDash val="dash"/>
-            <a:headEnd type="triangle"/>
-            <a:tailEnd type="triangle"/>
-          </a:ln>
-        </p:spPr>
-        <p:style>
-          <a:lnRef idx="1">
-            <a:schemeClr val="accent1"/>
-          </a:lnRef>
-          <a:fillRef idx="0">
-            <a:schemeClr val="accent1"/>
-          </a:fillRef>
-          <a:effectRef idx="0">
-            <a:schemeClr val="accent1"/>
-          </a:effectRef>
-          <a:fontRef idx="minor">
-            <a:schemeClr val="tx1"/>
-          </a:fontRef>
-        </p:style>
-      </p:cxnSp>
-      <p:cxnSp>
-        <p:nvCxnSpPr>
-          <p:cNvPr id="163" name="Connector: Elbow 162">
-            <a:extLst>
-              <a:ext uri="{FF2B5EF4-FFF2-40B4-BE49-F238E27FC236}">
-                <a16:creationId xmlns:a16="http://schemas.microsoft.com/office/drawing/2014/main" id="{0FE27888-A62C-8AE2-B24B-F57490930192}"/>
-              </a:ext>
-            </a:extLst>
-          </p:cNvPr>
-          <p:cNvCxnSpPr>
-            <a:cxnSpLocks/>
-            <a:stCxn id="77" idx="1"/>
-            <a:endCxn id="142" idx="0"/>
-          </p:cNvCxnSpPr>
-          <p:nvPr/>
-        </p:nvCxnSpPr>
-        <p:spPr>
-          <a:xfrm rot="10800000" flipV="1">
-            <a:off x="3902495" y="2208532"/>
-            <a:ext cx="2229782" cy="320345"/>
-          </a:xfrm>
-          <a:prstGeom prst="bentConnector2">
-            <a:avLst/>
-          </a:prstGeom>
-          <a:ln w="9525">
-            <a:solidFill>
-              <a:schemeClr val="tx1"/>
-            </a:solidFill>
-            <a:prstDash val="dash"/>
-            <a:headEnd type="triangle"/>
-            <a:tailEnd type="triangle"/>
-          </a:ln>
-        </p:spPr>
-        <p:style>
-          <a:lnRef idx="1">
-            <a:schemeClr val="accent1"/>
-          </a:lnRef>
-          <a:fillRef idx="0">
-            <a:schemeClr val="accent1"/>
-          </a:fillRef>
-          <a:effectRef idx="0">
-            <a:schemeClr val="accent1"/>
-          </a:effectRef>
-          <a:fontRef idx="minor">
-            <a:schemeClr val="tx1"/>
-          </a:fontRef>
-        </p:style>
-      </p:cxnSp>
-      <p:cxnSp>
-        <p:nvCxnSpPr>
-          <p:cNvPr id="167" name="Connector: Elbow 166">
-            <a:extLst>
-              <a:ext uri="{FF2B5EF4-FFF2-40B4-BE49-F238E27FC236}">
-                <a16:creationId xmlns:a16="http://schemas.microsoft.com/office/drawing/2014/main" id="{D88E1486-A9EA-09B1-DB52-912EF09BB8E6}"/>
-              </a:ext>
-            </a:extLst>
-          </p:cNvPr>
-          <p:cNvCxnSpPr>
-            <a:cxnSpLocks/>
-            <a:stCxn id="77" idx="2"/>
-            <a:endCxn id="145" idx="0"/>
-          </p:cNvCxnSpPr>
-          <p:nvPr/>
-        </p:nvCxnSpPr>
-        <p:spPr>
-          <a:xfrm rot="5400000">
-            <a:off x="4725795" y="1705579"/>
-            <a:ext cx="1268983" cy="2915582"/>
-          </a:xfrm>
-          <a:prstGeom prst="bentConnector3">
-            <a:avLst>
-              <a:gd name="adj1" fmla="val 73428"/>
-            </a:avLst>
-          </a:prstGeom>
-          <a:ln w="9525">
-            <a:solidFill>
-              <a:schemeClr val="tx1"/>
-            </a:solidFill>
-            <a:prstDash val="dash"/>
-            <a:headEnd type="triangle"/>
-            <a:tailEnd type="triangle"/>
-          </a:ln>
-        </p:spPr>
-        <p:style>
-          <a:lnRef idx="1">
-            <a:schemeClr val="accent1"/>
-          </a:lnRef>
-          <a:fillRef idx="0">
-            <a:schemeClr val="accent1"/>
-          </a:fillRef>
-          <a:effectRef idx="0">
-            <a:schemeClr val="accent1"/>
-          </a:effectRef>
-          <a:fontRef idx="minor">
-            <a:schemeClr val="tx1"/>
-          </a:fontRef>
-        </p:style>
-      </p:cxnSp>
-      <p:cxnSp>
-        <p:nvCxnSpPr>
-          <p:cNvPr id="170" name="Connector: Elbow 169">
-            <a:extLst>
-              <a:ext uri="{FF2B5EF4-FFF2-40B4-BE49-F238E27FC236}">
-                <a16:creationId xmlns:a16="http://schemas.microsoft.com/office/drawing/2014/main" id="{EBF495D6-F8BE-408D-9041-EF68C7867D46}"/>
-              </a:ext>
-            </a:extLst>
-          </p:cNvPr>
-          <p:cNvCxnSpPr>
-            <a:cxnSpLocks/>
-            <a:stCxn id="77" idx="0"/>
-            <a:endCxn id="139" idx="0"/>
-          </p:cNvCxnSpPr>
-          <p:nvPr/>
-        </p:nvCxnSpPr>
-        <p:spPr>
-          <a:xfrm rot="16200000" flipV="1">
-            <a:off x="5054820" y="124929"/>
-            <a:ext cx="610933" cy="2915582"/>
-          </a:xfrm>
-          <a:prstGeom prst="bentConnector3">
-            <a:avLst>
-              <a:gd name="adj1" fmla="val 143466"/>
-            </a:avLst>
-          </a:prstGeom>
-          <a:ln w="9525">
-            <a:solidFill>
-              <a:schemeClr val="tx1"/>
-            </a:solidFill>
-            <a:prstDash val="dash"/>
-            <a:headEnd type="triangle"/>
-            <a:tailEnd type="triangle"/>
-          </a:ln>
-        </p:spPr>
-        <p:style>
-          <a:lnRef idx="1">
-            <a:schemeClr val="accent1"/>
-          </a:lnRef>
-          <a:fillRef idx="0">
-            <a:schemeClr val="accent1"/>
-          </a:fillRef>
-          <a:effectRef idx="0">
-            <a:schemeClr val="accent1"/>
-          </a:effectRef>
-          <a:fontRef idx="minor">
-            <a:schemeClr val="tx1"/>
-          </a:fontRef>
-        </p:style>
-      </p:cxnSp>
-      <p:sp>
-        <p:nvSpPr>
-          <p:cNvPr id="2" name="Rectangle 138">
-            <a:extLst>
-              <a:ext uri="{FF2B5EF4-FFF2-40B4-BE49-F238E27FC236}">
-                <a16:creationId xmlns:a16="http://schemas.microsoft.com/office/drawing/2014/main" id="{82CC1FC8-E197-9C92-FFD6-369260E8C740}"/>
-              </a:ext>
-            </a:extLst>
-          </p:cNvPr>
-          <p:cNvSpPr/>
-          <p:nvPr/>
-        </p:nvSpPr>
-        <p:spPr>
-          <a:xfrm>
-            <a:off x="4499694" y="1258823"/>
-            <a:ext cx="906747" cy="359761"/>
-          </a:xfrm>
-          <a:prstGeom prst="rect">
-            <a:avLst/>
-          </a:prstGeom>
-          <a:solidFill>
-            <a:schemeClr val="bg1">
-              <a:lumMod val="95000"/>
-            </a:schemeClr>
-          </a:solidFill>
-          <a:ln>
-            <a:solidFill>
-              <a:schemeClr val="tx1"/>
-            </a:solidFill>
-          </a:ln>
-        </p:spPr>
-        <p:style>
-          <a:lnRef idx="2">
-            <a:schemeClr val="accent1">
-              <a:shade val="50000"/>
-            </a:schemeClr>
-          </a:lnRef>
-          <a:fillRef idx="1">
-            <a:schemeClr val="accent1"/>
-          </a:fillRef>
-          <a:effectRef idx="0">
-            <a:schemeClr val="accent1"/>
-          </a:effectRef>
-          <a:fontRef idx="minor">
-            <a:schemeClr val="lt1"/>
-          </a:fontRef>
-        </p:style>
-        <p:txBody>
-          <a:bodyPr rtlCol="0" anchor="ctr" anchorCtr="1"/>
-          <a:lstStyle/>
-          <a:p>
-            <a:pPr algn="ctr"/>
-            <a:r>
-              <a:rPr lang="en-US" altLang="zh-CN" sz="1000" dirty="0">
-                <a:solidFill>
-                  <a:schemeClr val="tx1"/>
-                </a:solidFill>
-                <a:latin typeface="LXGW WenKai" panose="02020500000000000000" pitchFamily="18" charset="-120"/>
-                <a:ea typeface="LXGW WenKai" panose="02020500000000000000" pitchFamily="18" charset="-120"/>
-              </a:rPr>
-              <a:t>Experience</a:t>
-            </a:r>
-            <a:br>
-              <a:rPr lang="en-US" altLang="zh-CN" sz="1000" dirty="0">
-                <a:solidFill>
-                  <a:schemeClr val="tx1"/>
-                </a:solidFill>
-                <a:latin typeface="LXGW WenKai" panose="02020500000000000000" pitchFamily="18" charset="-120"/>
-                <a:ea typeface="LXGW WenKai" panose="02020500000000000000" pitchFamily="18" charset="-120"/>
-              </a:rPr>
-            </a:br>
-            <a:r>
-              <a:rPr lang="en-US" altLang="zh-CN" sz="1050" dirty="0">
-                <a:solidFill>
-                  <a:schemeClr val="tx1"/>
-                </a:solidFill>
-                <a:latin typeface="LXGW WenKai" panose="02020500000000000000" pitchFamily="18" charset="-120"/>
-                <a:ea typeface="LXGW WenKai" panose="02020500000000000000" pitchFamily="18" charset="-120"/>
-              </a:rPr>
-              <a:t>Pre/Post</a:t>
-            </a:r>
-            <a:endParaRPr lang="en-US" altLang="zh-CN" sz="1100" dirty="0">
-              <a:solidFill>
-                <a:schemeClr val="tx1"/>
-              </a:solidFill>
-              <a:latin typeface="LXGW WenKai" panose="02020500000000000000" pitchFamily="18" charset="-120"/>
-              <a:ea typeface="LXGW WenKai" panose="02020500000000000000" pitchFamily="18" charset="-120"/>
-            </a:endParaRPr>
-          </a:p>
-        </p:txBody>
-      </p:sp>
-      <p:sp>
-        <p:nvSpPr>
-          <p:cNvPr id="3" name="Rectangle 138">
-            <a:extLst>
-              <a:ext uri="{FF2B5EF4-FFF2-40B4-BE49-F238E27FC236}">
-                <a16:creationId xmlns:a16="http://schemas.microsoft.com/office/drawing/2014/main" id="{CB0DC554-918C-44FA-DDFD-AA5496319B81}"/>
-              </a:ext>
-            </a:extLst>
-          </p:cNvPr>
-          <p:cNvSpPr/>
-          <p:nvPr/>
-        </p:nvSpPr>
-        <p:spPr>
-          <a:xfrm>
-            <a:off x="4501401" y="2538532"/>
-            <a:ext cx="906747" cy="359761"/>
-          </a:xfrm>
-          <a:prstGeom prst="rect">
-            <a:avLst/>
-          </a:prstGeom>
-          <a:solidFill>
-            <a:schemeClr val="bg1">
-              <a:lumMod val="95000"/>
-            </a:schemeClr>
-          </a:solidFill>
-          <a:ln>
-            <a:solidFill>
-              <a:schemeClr val="tx1"/>
-            </a:solidFill>
-          </a:ln>
-        </p:spPr>
-        <p:style>
-          <a:lnRef idx="2">
-            <a:schemeClr val="accent1">
-              <a:shade val="50000"/>
-            </a:schemeClr>
-          </a:lnRef>
-          <a:fillRef idx="1">
-            <a:schemeClr val="accent1"/>
-          </a:fillRef>
-          <a:effectRef idx="0">
-            <a:schemeClr val="accent1"/>
-          </a:effectRef>
-          <a:fontRef idx="minor">
-            <a:schemeClr val="lt1"/>
-          </a:fontRef>
-        </p:style>
-        <p:txBody>
-          <a:bodyPr rtlCol="0" anchor="ctr" anchorCtr="1"/>
-          <a:lstStyle/>
-          <a:p>
-            <a:pPr algn="ctr"/>
-            <a:r>
-              <a:rPr lang="en-US" altLang="zh-CN" sz="1000" dirty="0">
-                <a:solidFill>
-                  <a:schemeClr val="tx1"/>
-                </a:solidFill>
-                <a:latin typeface="LXGW WenKai" panose="02020500000000000000" pitchFamily="18" charset="-120"/>
-                <a:ea typeface="LXGW WenKai" panose="02020500000000000000" pitchFamily="18" charset="-120"/>
-              </a:rPr>
-              <a:t>Experience</a:t>
-            </a:r>
-          </a:p>
-          <a:p>
-            <a:pPr algn="ctr"/>
-            <a:r>
-              <a:rPr lang="en-US" sz="1000" dirty="0">
-                <a:solidFill>
-                  <a:schemeClr val="tx1"/>
-                </a:solidFill>
-                <a:latin typeface="LXGW WenKai" panose="02020500000000000000" pitchFamily="18" charset="-120"/>
-                <a:ea typeface="LXGW WenKai" panose="02020500000000000000" pitchFamily="18" charset="-120"/>
-              </a:rPr>
-              <a:t>Pre/Post</a:t>
-            </a:r>
-            <a:endParaRPr lang="en-US" sz="1050" dirty="0">
-              <a:solidFill>
-                <a:schemeClr val="tx1"/>
-              </a:solidFill>
-              <a:latin typeface="LXGW WenKai" panose="02020500000000000000" pitchFamily="18" charset="-120"/>
-              <a:ea typeface="LXGW WenKai" panose="02020500000000000000" pitchFamily="18" charset="-120"/>
-            </a:endParaRPr>
-          </a:p>
-        </p:txBody>
-      </p:sp>
-      <p:sp>
-        <p:nvSpPr>
-          <p:cNvPr id="5" name="Rectangle 138">
-            <a:extLst>
-              <a:ext uri="{FF2B5EF4-FFF2-40B4-BE49-F238E27FC236}">
-                <a16:creationId xmlns:a16="http://schemas.microsoft.com/office/drawing/2014/main" id="{C3B8A1E1-E06C-D45C-99A5-DE58E427384C}"/>
-              </a:ext>
-            </a:extLst>
-          </p:cNvPr>
-          <p:cNvSpPr/>
-          <p:nvPr/>
-        </p:nvSpPr>
-        <p:spPr>
-          <a:xfrm>
-            <a:off x="4499694" y="3807516"/>
-            <a:ext cx="906747" cy="359761"/>
-          </a:xfrm>
-          <a:prstGeom prst="rect">
-            <a:avLst/>
-          </a:prstGeom>
-          <a:solidFill>
-            <a:schemeClr val="bg1">
-              <a:lumMod val="95000"/>
-            </a:schemeClr>
-          </a:solidFill>
-          <a:ln>
-            <a:solidFill>
-              <a:schemeClr val="tx1"/>
-            </a:solidFill>
-          </a:ln>
-        </p:spPr>
-        <p:style>
-          <a:lnRef idx="2">
-            <a:schemeClr val="accent1">
-              <a:shade val="50000"/>
-            </a:schemeClr>
-          </a:lnRef>
-          <a:fillRef idx="1">
-            <a:schemeClr val="accent1"/>
-          </a:fillRef>
-          <a:effectRef idx="0">
-            <a:schemeClr val="accent1"/>
-          </a:effectRef>
-          <a:fontRef idx="minor">
-            <a:schemeClr val="lt1"/>
-          </a:fontRef>
-        </p:style>
-        <p:txBody>
-          <a:bodyPr rtlCol="0" anchor="ctr" anchorCtr="1"/>
-          <a:lstStyle/>
-          <a:p>
-            <a:pPr algn="ctr"/>
-            <a:r>
-              <a:rPr lang="en-US" altLang="zh-CN" sz="1000" dirty="0">
-                <a:solidFill>
-                  <a:schemeClr val="tx1"/>
-                </a:solidFill>
-                <a:latin typeface="LXGW WenKai" panose="02020500000000000000" pitchFamily="18" charset="-120"/>
-                <a:ea typeface="LXGW WenKai" panose="02020500000000000000" pitchFamily="18" charset="-120"/>
-              </a:rPr>
-              <a:t>Experience</a:t>
-            </a:r>
-          </a:p>
-          <a:p>
-            <a:pPr algn="ctr"/>
-            <a:r>
-              <a:rPr lang="en-US" sz="1000" dirty="0">
-                <a:solidFill>
-                  <a:schemeClr val="tx1"/>
-                </a:solidFill>
-                <a:latin typeface="LXGW WenKai" panose="02020500000000000000" pitchFamily="18" charset="-120"/>
-                <a:ea typeface="LXGW WenKai" panose="02020500000000000000" pitchFamily="18" charset="-120"/>
-              </a:rPr>
-              <a:t>Pre/Post</a:t>
-            </a:r>
-            <a:endParaRPr lang="en-US" sz="1050" dirty="0">
-              <a:solidFill>
-                <a:schemeClr val="tx1"/>
-              </a:solidFill>
-              <a:latin typeface="LXGW WenKai" panose="02020500000000000000" pitchFamily="18" charset="-120"/>
-              <a:ea typeface="LXGW WenKai" panose="02020500000000000000" pitchFamily="18" charset="-120"/>
-            </a:endParaRPr>
-          </a:p>
-        </p:txBody>
-      </p:sp>
-      <p:sp>
-        <p:nvSpPr>
-          <p:cNvPr id="6" name="Rectangle 74">
-            <a:extLst>
-              <a:ext uri="{FF2B5EF4-FFF2-40B4-BE49-F238E27FC236}">
-                <a16:creationId xmlns:a16="http://schemas.microsoft.com/office/drawing/2014/main" id="{23FA5171-0CC2-8DC8-242E-6812E56712FA}"/>
-              </a:ext>
-            </a:extLst>
-          </p:cNvPr>
-          <p:cNvSpPr/>
-          <p:nvPr/>
-        </p:nvSpPr>
-        <p:spPr>
-          <a:xfrm>
-            <a:off x="10252200" y="1700377"/>
-            <a:ext cx="1167764" cy="1018035"/>
-          </a:xfrm>
-          <a:prstGeom prst="rect">
-            <a:avLst/>
-          </a:prstGeom>
-          <a:solidFill>
-            <a:schemeClr val="accent6">
-              <a:lumMod val="20000"/>
-              <a:lumOff val="80000"/>
-            </a:schemeClr>
-          </a:solidFill>
-          <a:ln>
-            <a:solidFill>
-              <a:schemeClr val="tx1"/>
-            </a:solidFill>
-          </a:ln>
-        </p:spPr>
-        <p:style>
-          <a:lnRef idx="2">
-            <a:schemeClr val="accent1">
-              <a:shade val="50000"/>
-            </a:schemeClr>
-          </a:lnRef>
-          <a:fillRef idx="1">
-            <a:schemeClr val="accent1"/>
-          </a:fillRef>
-          <a:effectRef idx="0">
-            <a:schemeClr val="accent1"/>
-          </a:effectRef>
-          <a:fontRef idx="minor">
-            <a:schemeClr val="lt1"/>
-          </a:fontRef>
-        </p:style>
-        <p:txBody>
-          <a:bodyPr rtlCol="0" anchor="ctr" anchorCtr="1"/>
-          <a:lstStyle/>
-          <a:p>
-            <a:pPr algn="ctr"/>
-            <a:r>
-              <a:rPr lang="en-US" altLang="zh-CN" sz="1400" dirty="0">
-                <a:solidFill>
-                  <a:schemeClr val="tx1"/>
-                </a:solidFill>
-                <a:latin typeface="LXGW WenKai" panose="02020500000000000000" pitchFamily="18" charset="-120"/>
-                <a:ea typeface="LXGW WenKai" panose="02020500000000000000" pitchFamily="18" charset="-120"/>
-              </a:rPr>
-              <a:t>Database</a:t>
-            </a:r>
-            <a:endParaRPr lang="en-US" sz="1600" dirty="0">
-              <a:solidFill>
-                <a:schemeClr val="tx1"/>
-              </a:solidFill>
-              <a:latin typeface="LXGW WenKai" panose="02020500000000000000" pitchFamily="18" charset="-120"/>
-              <a:ea typeface="LXGW WenKai" panose="02020500000000000000" pitchFamily="18" charset="-120"/>
-            </a:endParaRPr>
-          </a:p>
-        </p:txBody>
-      </p:sp>
-      <p:cxnSp>
-        <p:nvCxnSpPr>
-          <p:cNvPr id="7" name="Connector: Elbow 166">
-            <a:extLst>
-              <a:ext uri="{FF2B5EF4-FFF2-40B4-BE49-F238E27FC236}">
-                <a16:creationId xmlns:a16="http://schemas.microsoft.com/office/drawing/2014/main" id="{C585E097-C6A4-1E4B-F859-B33CB52C72B1}"/>
-              </a:ext>
-            </a:extLst>
-          </p:cNvPr>
-          <p:cNvCxnSpPr>
-            <a:cxnSpLocks/>
-            <a:stCxn id="77" idx="2"/>
-            <a:endCxn id="5" idx="0"/>
-          </p:cNvCxnSpPr>
-          <p:nvPr/>
-        </p:nvCxnSpPr>
-        <p:spPr>
-          <a:xfrm rot="5400000">
-            <a:off x="5246255" y="2235693"/>
-            <a:ext cx="1278637" cy="1865009"/>
-          </a:xfrm>
-          <a:prstGeom prst="bentConnector3">
-            <a:avLst>
-              <a:gd name="adj1" fmla="val 72517"/>
-            </a:avLst>
-          </a:prstGeom>
-          <a:ln w="9525">
-            <a:solidFill>
-              <a:schemeClr val="tx1"/>
-            </a:solidFill>
-            <a:prstDash val="dash"/>
-            <a:headEnd type="triangle"/>
-            <a:tailEnd type="triangle"/>
-          </a:ln>
-        </p:spPr>
-        <p:style>
-          <a:lnRef idx="1">
-            <a:schemeClr val="accent1"/>
-          </a:lnRef>
-          <a:fillRef idx="0">
-            <a:schemeClr val="accent1"/>
-          </a:fillRef>
-          <a:effectRef idx="0">
-            <a:schemeClr val="accent1"/>
-          </a:effectRef>
-          <a:fontRef idx="minor">
-            <a:schemeClr val="tx1"/>
-          </a:fontRef>
-        </p:style>
-      </p:cxnSp>
-      <p:cxnSp>
-        <p:nvCxnSpPr>
-          <p:cNvPr id="10" name="Connector: Elbow 166">
-            <a:extLst>
-              <a:ext uri="{FF2B5EF4-FFF2-40B4-BE49-F238E27FC236}">
-                <a16:creationId xmlns:a16="http://schemas.microsoft.com/office/drawing/2014/main" id="{48E64060-BAF0-146A-B1D2-A56DF776CA0E}"/>
-              </a:ext>
-            </a:extLst>
-          </p:cNvPr>
-          <p:cNvCxnSpPr>
-            <a:cxnSpLocks/>
-            <a:stCxn id="77" idx="1"/>
-            <a:endCxn id="3" idx="0"/>
-          </p:cNvCxnSpPr>
-          <p:nvPr/>
-        </p:nvCxnSpPr>
-        <p:spPr>
-          <a:xfrm rot="10800000" flipV="1">
-            <a:off x="4954775" y="2208532"/>
-            <a:ext cx="1177502" cy="329999"/>
-          </a:xfrm>
-          <a:prstGeom prst="bentConnector2">
-            <a:avLst/>
-          </a:prstGeom>
-          <a:ln w="9525">
-            <a:solidFill>
-              <a:schemeClr val="tx1"/>
-            </a:solidFill>
-            <a:prstDash val="dash"/>
-            <a:headEnd type="triangle"/>
-            <a:tailEnd type="triangle"/>
-          </a:ln>
-        </p:spPr>
-        <p:style>
-          <a:lnRef idx="1">
-            <a:schemeClr val="accent1"/>
-          </a:lnRef>
-          <a:fillRef idx="0">
-            <a:schemeClr val="accent1"/>
-          </a:fillRef>
-          <a:effectRef idx="0">
-            <a:schemeClr val="accent1"/>
-          </a:effectRef>
-          <a:fontRef idx="minor">
-            <a:schemeClr val="tx1"/>
-          </a:fontRef>
-        </p:style>
-      </p:cxnSp>
-      <p:cxnSp>
-        <p:nvCxnSpPr>
-          <p:cNvPr id="13" name="Connector: Elbow 169">
-            <a:extLst>
-              <a:ext uri="{FF2B5EF4-FFF2-40B4-BE49-F238E27FC236}">
-                <a16:creationId xmlns:a16="http://schemas.microsoft.com/office/drawing/2014/main" id="{B9988024-2174-BB80-33D6-6780C0CB3F00}"/>
-              </a:ext>
-            </a:extLst>
-          </p:cNvPr>
-          <p:cNvCxnSpPr>
-            <a:cxnSpLocks/>
-            <a:stCxn id="77" idx="0"/>
-            <a:endCxn id="2" idx="0"/>
-          </p:cNvCxnSpPr>
-          <p:nvPr/>
-        </p:nvCxnSpPr>
-        <p:spPr>
-          <a:xfrm rot="16200000" flipV="1">
-            <a:off x="5570892" y="641000"/>
-            <a:ext cx="629363" cy="1865009"/>
-          </a:xfrm>
-          <a:prstGeom prst="bentConnector3">
-            <a:avLst>
-              <a:gd name="adj1" fmla="val 139257"/>
-            </a:avLst>
-          </a:prstGeom>
-          <a:ln w="9525">
-            <a:solidFill>
-              <a:schemeClr val="tx1"/>
-            </a:solidFill>
-            <a:prstDash val="dash"/>
-            <a:headEnd type="triangle"/>
-            <a:tailEnd type="triangle"/>
-          </a:ln>
-        </p:spPr>
-        <p:style>
-          <a:lnRef idx="1">
-            <a:schemeClr val="accent1"/>
-          </a:lnRef>
-          <a:fillRef idx="0">
-            <a:schemeClr val="accent1"/>
-          </a:fillRef>
-          <a:effectRef idx="0">
-            <a:schemeClr val="accent1"/>
-          </a:effectRef>
-          <a:fontRef idx="minor">
-            <a:schemeClr val="tx1"/>
-          </a:fontRef>
-        </p:style>
-      </p:cxnSp>
-      <p:cxnSp>
-        <p:nvCxnSpPr>
-          <p:cNvPr id="19" name="Connector: Elbow 169">
-            <a:extLst>
-              <a:ext uri="{FF2B5EF4-FFF2-40B4-BE49-F238E27FC236}">
-                <a16:creationId xmlns:a16="http://schemas.microsoft.com/office/drawing/2014/main" id="{09C567B4-51D1-C8F9-B8D3-FCE778CBE9E8}"/>
-              </a:ext>
-            </a:extLst>
-          </p:cNvPr>
-          <p:cNvCxnSpPr>
-            <a:cxnSpLocks/>
-            <a:stCxn id="6" idx="1"/>
-            <a:endCxn id="77" idx="3"/>
+            <a:stCxn id="38" idx="1"/>
+            <a:endCxn id="16" idx="3"/>
           </p:cNvCxnSpPr>
           <p:nvPr/>
         </p:nvCxnSpPr>
         <p:spPr>
           <a:xfrm rot="10800000">
-            <a:off x="7503878" y="2208533"/>
-            <a:ext cx="2748323" cy="862"/>
+            <a:off x="6801552" y="3507555"/>
+            <a:ext cx="774762" cy="252363"/>
           </a:xfrm>
           <a:prstGeom prst="bentConnector3">
             <a:avLst>
               <a:gd name="adj1" fmla="val 50000"/>
             </a:avLst>
           </a:prstGeom>
-          <a:ln w="9525" cmpd="sng">
+          <a:ln w="9525">
             <a:solidFill>
               <a:schemeClr val="tx1"/>
             </a:solidFill>
@@ -7899,425 +5751,83 @@
       </p:cxnSp>
       <p:sp>
         <p:nvSpPr>
-          <p:cNvPr id="22" name="Rectangle 76">
-            <a:extLst>
-              <a:ext uri="{FF2B5EF4-FFF2-40B4-BE49-F238E27FC236}">
-                <a16:creationId xmlns:a16="http://schemas.microsoft.com/office/drawing/2014/main" id="{E1ECA520-2118-C952-7E96-676DF37BB92A}"/>
-              </a:ext>
-            </a:extLst>
-          </p:cNvPr>
-          <p:cNvSpPr/>
+          <p:cNvPr id="59" name="文本框 58">
+            <a:extLst>
+              <a:ext uri="{FF2B5EF4-FFF2-40B4-BE49-F238E27FC236}">
+                <a16:creationId xmlns:a16="http://schemas.microsoft.com/office/drawing/2014/main" id="{0CA8B0DD-0612-E390-F51B-257F1B3F47FF}"/>
+              </a:ext>
+            </a:extLst>
+          </p:cNvPr>
+          <p:cNvSpPr txBox="1"/>
           <p:nvPr/>
         </p:nvSpPr>
         <p:spPr>
           <a:xfrm>
-            <a:off x="6418475" y="3923825"/>
-            <a:ext cx="1371600" cy="640693"/>
+            <a:off x="5994139" y="4433202"/>
+            <a:ext cx="2389611" cy="453183"/>
           </a:xfrm>
           <a:prstGeom prst="rect">
             <a:avLst/>
           </a:prstGeom>
-          <a:solidFill>
-            <a:schemeClr val="accent4">
-              <a:lumMod val="20000"/>
-              <a:lumOff val="80000"/>
-            </a:schemeClr>
-          </a:solidFill>
+          <a:noFill/>
           <a:ln>
             <a:solidFill>
-              <a:schemeClr val="tx1"/>
-            </a:solidFill>
-          </a:ln>
-        </p:spPr>
-        <p:style>
-          <a:lnRef idx="2">
-            <a:schemeClr val="accent1">
-              <a:shade val="50000"/>
-            </a:schemeClr>
-          </a:lnRef>
-          <a:fillRef idx="1">
-            <a:schemeClr val="accent1"/>
-          </a:fillRef>
-          <a:effectRef idx="0">
-            <a:schemeClr val="accent1"/>
-          </a:effectRef>
-          <a:fontRef idx="minor">
-            <a:schemeClr val="lt1"/>
-          </a:fontRef>
-        </p:style>
-        <p:txBody>
-          <a:bodyPr rtlCol="0" anchor="ctr" anchorCtr="1"/>
-          <a:lstStyle/>
-          <a:p>
-            <a:pPr algn="ctr"/>
-            <a:r>
-              <a:rPr lang="en-US" sz="1400" dirty="0">
-                <a:solidFill>
-                  <a:schemeClr val="tx1"/>
-                </a:solidFill>
-                <a:latin typeface="LXGW WenKai" panose="02020500000000000000" pitchFamily="18" charset="-120"/>
-                <a:ea typeface="LXGW WenKai" panose="02020500000000000000" pitchFamily="18" charset="-120"/>
-              </a:rPr>
-              <a:t>Intera</a:t>
-            </a:r>
-            <a:r>
-              <a:rPr lang="en-US" altLang="zh-CN" sz="1400" dirty="0">
-                <a:solidFill>
-                  <a:schemeClr val="tx1"/>
-                </a:solidFill>
-                <a:latin typeface="LXGW WenKai" panose="02020500000000000000" pitchFamily="18" charset="-120"/>
-                <a:ea typeface="LXGW WenKai" panose="02020500000000000000" pitchFamily="18" charset="-120"/>
-              </a:rPr>
-              <a:t>c</a:t>
-            </a:r>
-            <a:r>
-              <a:rPr lang="en-US" sz="1400" dirty="0">
-                <a:solidFill>
-                  <a:schemeClr val="tx1"/>
-                </a:solidFill>
-                <a:latin typeface="LXGW WenKai" panose="02020500000000000000" pitchFamily="18" charset="-120"/>
-                <a:ea typeface="LXGW WenKai" panose="02020500000000000000" pitchFamily="18" charset="-120"/>
-              </a:rPr>
-              <a:t>tive</a:t>
-            </a:r>
-          </a:p>
-          <a:p>
-            <a:pPr algn="ctr"/>
-            <a:r>
-              <a:rPr lang="en-US" sz="1400" dirty="0">
-                <a:solidFill>
-                  <a:schemeClr val="tx1"/>
-                </a:solidFill>
-                <a:latin typeface="LXGW WenKai" panose="02020500000000000000" pitchFamily="18" charset="-120"/>
-                <a:ea typeface="LXGW WenKai" panose="02020500000000000000" pitchFamily="18" charset="-120"/>
-              </a:rPr>
-              <a:t>Environment</a:t>
-            </a:r>
-          </a:p>
-        </p:txBody>
-      </p:sp>
-      <p:cxnSp>
-        <p:nvCxnSpPr>
-          <p:cNvPr id="23" name="Connector: Elbow 169">
-            <a:extLst>
-              <a:ext uri="{FF2B5EF4-FFF2-40B4-BE49-F238E27FC236}">
-                <a16:creationId xmlns:a16="http://schemas.microsoft.com/office/drawing/2014/main" id="{4DF70A14-F868-8D74-87E3-74CB68D5FDE0}"/>
-              </a:ext>
-            </a:extLst>
-          </p:cNvPr>
-          <p:cNvCxnSpPr>
-            <a:cxnSpLocks/>
-            <a:stCxn id="77" idx="3"/>
-            <a:endCxn id="22" idx="0"/>
-          </p:cNvCxnSpPr>
-          <p:nvPr/>
-        </p:nvCxnSpPr>
-        <p:spPr>
-          <a:xfrm flipH="1">
-            <a:off x="7104275" y="2208533"/>
-            <a:ext cx="399602" cy="1715292"/>
-          </a:xfrm>
-          <a:prstGeom prst="bentConnector4">
-            <a:avLst>
-              <a:gd name="adj1" fmla="val -57207"/>
-              <a:gd name="adj2" fmla="val 59338"/>
-            </a:avLst>
-          </a:prstGeom>
-          <a:ln w="9525">
-            <a:solidFill>
-              <a:schemeClr val="tx1"/>
-            </a:solidFill>
-            <a:prstDash val="dash"/>
-            <a:headEnd type="triangle"/>
-            <a:tailEnd type="triangle"/>
-          </a:ln>
-        </p:spPr>
-        <p:style>
-          <a:lnRef idx="1">
-            <a:schemeClr val="accent1"/>
-          </a:lnRef>
-          <a:fillRef idx="0">
-            <a:schemeClr val="accent1"/>
-          </a:fillRef>
-          <a:effectRef idx="0">
-            <a:schemeClr val="accent1"/>
-          </a:effectRef>
-          <a:fontRef idx="minor">
-            <a:schemeClr val="tx1"/>
-          </a:fontRef>
-        </p:style>
-      </p:cxnSp>
-      <p:sp>
-        <p:nvSpPr>
-          <p:cNvPr id="18" name="Rectangle 17">
-            <a:extLst>
-              <a:ext uri="{FF2B5EF4-FFF2-40B4-BE49-F238E27FC236}">
-                <a16:creationId xmlns:a16="http://schemas.microsoft.com/office/drawing/2014/main" id="{F9A13DD8-1A1B-732F-88E4-101524D7E147}"/>
-              </a:ext>
-            </a:extLst>
-          </p:cNvPr>
-          <p:cNvSpPr/>
-          <p:nvPr/>
-        </p:nvSpPr>
-        <p:spPr>
-          <a:xfrm>
-            <a:off x="8660843" y="4695185"/>
-            <a:ext cx="774000" cy="223200"/>
-          </a:xfrm>
-          <a:prstGeom prst="rect">
-            <a:avLst/>
-          </a:prstGeom>
-          <a:solidFill>
-            <a:schemeClr val="accent2">
-              <a:lumMod val="20000"/>
-              <a:lumOff val="80000"/>
-            </a:schemeClr>
-          </a:solidFill>
-          <a:ln>
-            <a:solidFill>
-              <a:schemeClr val="tx1"/>
+              <a:schemeClr val="accent1">
+                <a:lumMod val="75000"/>
+              </a:schemeClr>
             </a:solidFill>
             <a:prstDash val="dash"/>
           </a:ln>
         </p:spPr>
-        <p:style>
-          <a:lnRef idx="2">
-            <a:schemeClr val="accent1">
-              <a:shade val="50000"/>
-            </a:schemeClr>
-          </a:lnRef>
-          <a:fillRef idx="1">
-            <a:schemeClr val="accent1"/>
-          </a:fillRef>
-          <a:effectRef idx="0">
-            <a:schemeClr val="accent1"/>
-          </a:effectRef>
-          <a:fontRef idx="minor">
-            <a:schemeClr val="lt1"/>
-          </a:fontRef>
-        </p:style>
-        <p:txBody>
-          <a:bodyPr rtlCol="0" anchor="ctr" anchorCtr="1"/>
+        <p:txBody>
+          <a:bodyPr wrap="square" lIns="72000" tIns="72000" rIns="72000" bIns="72000" rtlCol="0">
+            <a:spAutoFit/>
+          </a:bodyPr>
           <a:lstStyle/>
           <a:p>
             <a:pPr algn="ctr"/>
             <a:r>
-              <a:rPr lang="en-US" sz="1000" dirty="0">
-                <a:solidFill>
-                  <a:schemeClr val="tx1"/>
-                </a:solidFill>
-                <a:latin typeface="LXGW WenKai" panose="02020500000000000000" pitchFamily="18" charset="-120"/>
-                <a:ea typeface="LXGW WenKai" panose="02020500000000000000" pitchFamily="18" charset="-120"/>
+              <a:rPr lang="en-US" altLang="zh-CN" sz="1000" dirty="0">
+                <a:latin typeface="LXGW WenKai Mono" panose="02020509000000000000" pitchFamily="49" charset="-122"/>
+                <a:ea typeface="LXGW WenKai Mono" panose="02020509000000000000" pitchFamily="49" charset="-122"/>
               </a:rPr>
-              <a:t>Manager</a:t>
-            </a:r>
-          </a:p>
-        </p:txBody>
-      </p:sp>
-      <p:sp>
-        <p:nvSpPr>
-          <p:cNvPr id="89" name="Rectangle 88">
-            <a:extLst>
-              <a:ext uri="{FF2B5EF4-FFF2-40B4-BE49-F238E27FC236}">
-                <a16:creationId xmlns:a16="http://schemas.microsoft.com/office/drawing/2014/main" id="{3DD37A8C-A716-0782-2384-2753C896E362}"/>
-              </a:ext>
-            </a:extLst>
-          </p:cNvPr>
-          <p:cNvSpPr/>
-          <p:nvPr/>
-        </p:nvSpPr>
-        <p:spPr>
-          <a:xfrm>
-            <a:off x="8344144" y="3896664"/>
-            <a:ext cx="1090700" cy="221755"/>
-          </a:xfrm>
-          <a:prstGeom prst="rect">
-            <a:avLst/>
-          </a:prstGeom>
-          <a:solidFill>
-            <a:schemeClr val="accent4">
-              <a:lumMod val="20000"/>
-              <a:lumOff val="80000"/>
-            </a:schemeClr>
-          </a:solidFill>
-          <a:ln>
-            <a:solidFill>
-              <a:schemeClr val="tx1"/>
-            </a:solidFill>
-            <a:prstDash val="dash"/>
-          </a:ln>
-        </p:spPr>
-        <p:style>
-          <a:lnRef idx="2">
-            <a:schemeClr val="accent1">
-              <a:shade val="50000"/>
-            </a:schemeClr>
-          </a:lnRef>
-          <a:fillRef idx="1">
-            <a:schemeClr val="accent1"/>
-          </a:fillRef>
-          <a:effectRef idx="0">
-            <a:schemeClr val="accent1"/>
-          </a:effectRef>
-          <a:fontRef idx="minor">
-            <a:schemeClr val="lt1"/>
-          </a:fontRef>
-        </p:style>
-        <p:txBody>
-          <a:bodyPr rtlCol="0" anchor="ctr" anchorCtr="1"/>
-          <a:lstStyle/>
+              <a:t>Reactors could be any entities that</a:t>
+            </a:r>
+          </a:p>
           <a:p>
             <a:pPr algn="ctr"/>
             <a:r>
-              <a:rPr lang="en-US" sz="1000" dirty="0">
-                <a:solidFill>
-                  <a:schemeClr val="tx1"/>
-                </a:solidFill>
-                <a:latin typeface="LXGW WenKai" panose="02020500000000000000" pitchFamily="18" charset="-120"/>
-                <a:ea typeface="LXGW WenKai" panose="02020500000000000000" pitchFamily="18" charset="-120"/>
+              <a:rPr lang="en-US" altLang="zh-CN" sz="1000" dirty="0">
+                <a:latin typeface="LXGW WenKai Mono" panose="02020509000000000000" pitchFamily="49" charset="-122"/>
+                <a:ea typeface="LXGW WenKai Mono" panose="02020509000000000000" pitchFamily="49" charset="-122"/>
               </a:rPr>
-              <a:t>Manager Data</a:t>
-            </a:r>
-          </a:p>
-        </p:txBody>
-      </p:sp>
-      <p:sp>
-        <p:nvSpPr>
-          <p:cNvPr id="108" name="Rectangle 107">
-            <a:extLst>
-              <a:ext uri="{FF2B5EF4-FFF2-40B4-BE49-F238E27FC236}">
-                <a16:creationId xmlns:a16="http://schemas.microsoft.com/office/drawing/2014/main" id="{DF6F82E6-1B4D-6F20-5C4A-BAC5F1A60D25}"/>
-              </a:ext>
-            </a:extLst>
-          </p:cNvPr>
-          <p:cNvSpPr/>
-          <p:nvPr/>
-        </p:nvSpPr>
-        <p:spPr>
-          <a:xfrm>
-            <a:off x="8344144" y="3492330"/>
-            <a:ext cx="1090699" cy="221754"/>
-          </a:xfrm>
-          <a:prstGeom prst="rect">
-            <a:avLst/>
-          </a:prstGeom>
-          <a:solidFill>
-            <a:schemeClr val="bg1">
-              <a:lumMod val="95000"/>
-            </a:schemeClr>
-          </a:solidFill>
-          <a:ln>
-            <a:solidFill>
-              <a:schemeClr val="tx1"/>
-            </a:solidFill>
-            <a:prstDash val="dash"/>
-          </a:ln>
-        </p:spPr>
-        <p:style>
-          <a:lnRef idx="2">
-            <a:schemeClr val="accent1">
-              <a:shade val="50000"/>
-            </a:schemeClr>
-          </a:lnRef>
-          <a:fillRef idx="1">
-            <a:schemeClr val="accent1"/>
-          </a:fillRef>
-          <a:effectRef idx="0">
-            <a:schemeClr val="accent1"/>
-          </a:effectRef>
-          <a:fontRef idx="minor">
-            <a:schemeClr val="lt1"/>
-          </a:fontRef>
-        </p:style>
-        <p:txBody>
-          <a:bodyPr rtlCol="0" anchor="ctr" anchorCtr="1"/>
-          <a:lstStyle/>
-          <a:p>
-            <a:pPr algn="ctr"/>
-            <a:r>
-              <a:rPr lang="en-US" sz="1000" dirty="0">
-                <a:solidFill>
-                  <a:schemeClr val="tx1"/>
-                </a:solidFill>
-                <a:latin typeface="LXGW WenKai" panose="02020500000000000000" pitchFamily="18" charset="-120"/>
-                <a:ea typeface="LXGW WenKai" panose="02020500000000000000" pitchFamily="18" charset="-120"/>
+              <a:t>generate </a:t>
+            </a:r>
+            <a:r>
+              <a:rPr lang="en-US" altLang="zh-CN" sz="1000" dirty="0" err="1">
+                <a:latin typeface="LXGW WenKai Mono" panose="02020509000000000000" pitchFamily="49" charset="-122"/>
+                <a:ea typeface="LXGW WenKai Mono" panose="02020509000000000000" pitchFamily="49" charset="-122"/>
               </a:rPr>
-              <a:t>Agent Data</a:t>
-            </a:r>
-          </a:p>
-        </p:txBody>
-      </p:sp>
-      <p:sp>
-        <p:nvSpPr>
-          <p:cNvPr id="146" name="Rectangle 145">
-            <a:extLst>
-              <a:ext uri="{FF2B5EF4-FFF2-40B4-BE49-F238E27FC236}">
-                <a16:creationId xmlns:a16="http://schemas.microsoft.com/office/drawing/2014/main" id="{2F241573-1DFB-B4E8-A247-315E4818D5AC}"/>
-              </a:ext>
-            </a:extLst>
-          </p:cNvPr>
-          <p:cNvSpPr/>
-          <p:nvPr/>
-        </p:nvSpPr>
-        <p:spPr>
-          <a:xfrm>
-            <a:off x="8660843" y="4300999"/>
-            <a:ext cx="774000" cy="223200"/>
-          </a:xfrm>
-          <a:prstGeom prst="rect">
-            <a:avLst/>
-          </a:prstGeom>
-          <a:solidFill>
-            <a:schemeClr val="accent2">
-              <a:lumMod val="40000"/>
-              <a:lumOff val="60000"/>
-            </a:schemeClr>
-          </a:solidFill>
-          <a:ln>
-            <a:solidFill>
-              <a:schemeClr val="tx1"/>
-            </a:solidFill>
-            <a:prstDash val="dash"/>
-          </a:ln>
-        </p:spPr>
-        <p:style>
-          <a:lnRef idx="2">
-            <a:schemeClr val="accent1">
-              <a:shade val="50000"/>
-            </a:schemeClr>
-          </a:lnRef>
-          <a:fillRef idx="1">
-            <a:schemeClr val="accent1"/>
-          </a:fillRef>
-          <a:effectRef idx="0">
-            <a:schemeClr val="accent1"/>
-          </a:effectRef>
-          <a:fontRef idx="minor">
-            <a:schemeClr val="lt1"/>
-          </a:fontRef>
-        </p:style>
-        <p:txBody>
-          <a:bodyPr rtlCol="0" anchor="ctr" anchorCtr="1"/>
-          <a:lstStyle/>
-          <a:p>
-            <a:pPr algn="ctr"/>
-            <a:r>
-              <a:rPr lang="en-US" sz="1000" dirty="0">
-                <a:solidFill>
-                  <a:schemeClr val="tx1"/>
-                </a:solidFill>
-                <a:latin typeface="LXGW WenKai" panose="02020500000000000000" pitchFamily="18" charset="-120"/>
-                <a:ea typeface="LXGW WenKai" panose="02020500000000000000" pitchFamily="18" charset="-120"/>
+              <a:t>infomration</a:t>
+            </a:r>
+            <a:r>
+              <a:rPr lang="en-US" altLang="zh-CN" sz="1000" dirty="0">
+                <a:latin typeface="LXGW WenKai Mono" panose="02020509000000000000" pitchFamily="49" charset="-122"/>
+                <a:ea typeface="LXGW WenKai Mono" panose="02020509000000000000" pitchFamily="49" charset="-122"/>
               </a:rPr>
-              <a:t>Agent</a:t>
-            </a:r>
+              <a:t> or do actions</a:t>
+            </a:r>
+            <a:endParaRPr lang="zh-CN" altLang="en-US" sz="1000" dirty="0">
+              <a:latin typeface="LXGW WenKai Mono" panose="02020509000000000000" pitchFamily="49" charset="-122"/>
+              <a:ea typeface="LXGW WenKai Mono" panose="02020509000000000000" pitchFamily="49" charset="-122"/>
+            </a:endParaRPr>
           </a:p>
         </p:txBody>
       </p:sp>
     </p:spTree>
     <p:extLst>
       <p:ext uri="{BB962C8B-B14F-4D97-AF65-F5344CB8AC3E}">
-        <p14:creationId xmlns:p14="http://schemas.microsoft.com/office/powerpoint/2010/main" val="2831052583"/>
+        <p14:creationId xmlns:p14="http://schemas.microsoft.com/office/powerpoint/2010/main" val="2097340981"/>
       </p:ext>
     </p:extLst>
   </p:cSld>
@@ -9181,20 +6691,20 @@
 </file>
 
 <file path=customXml/item2.xml><?xml version="1.0" encoding="utf-8"?>
-<p:properties xmlns:p="http://schemas.microsoft.com/office/2006/metadata/properties" xmlns:xsi="http://www.w3.org/2001/XMLSchema-instance" xmlns:pc="http://schemas.microsoft.com/office/infopath/2007/PartnerControls">
-  <documentManagement>
-    <_activity xmlns="b9c0df90-6177-490c-b060-567d6533c817" xsi:nil="true"/>
-  </documentManagement>
-</p:properties>
-</file>
-
-<file path=customXml/item3.xml><?xml version="1.0" encoding="utf-8"?>
 <?mso-contentType ?>
 <FormTemplates xmlns="http://schemas.microsoft.com/sharepoint/v3/contenttype/forms">
   <Display>DocumentLibraryForm</Display>
   <Edit>DocumentLibraryForm</Edit>
   <New>DocumentLibraryForm</New>
 </FormTemplates>
+</file>
+
+<file path=customXml/item3.xml><?xml version="1.0" encoding="utf-8"?>
+<p:properties xmlns:p="http://schemas.microsoft.com/office/2006/metadata/properties" xmlns:xsi="http://www.w3.org/2001/XMLSchema-instance" xmlns:pc="http://schemas.microsoft.com/office/infopath/2007/PartnerControls">
+  <documentManagement>
+    <_activity xmlns="b9c0df90-6177-490c-b060-567d6533c817" xsi:nil="true"/>
+  </documentManagement>
+</p:properties>
 </file>
 
 <file path=customXml/itemProps1.xml><?xml version="1.0" encoding="utf-8"?>
@@ -9217,6 +6727,14 @@
 </file>
 
 <file path=customXml/itemProps2.xml><?xml version="1.0" encoding="utf-8"?>
+<ds:datastoreItem xmlns:ds="http://schemas.openxmlformats.org/officeDocument/2006/customXml" ds:itemID="{86A9A6AE-A2D2-4466-B053-FEAA2AECCDAE}">
+  <ds:schemaRefs>
+    <ds:schemaRef ds:uri="http://schemas.microsoft.com/sharepoint/v3/contenttype/forms"/>
+  </ds:schemaRefs>
+</ds:datastoreItem>
+</file>
+
+<file path=customXml/itemProps3.xml><?xml version="1.0" encoding="utf-8"?>
 <ds:datastoreItem xmlns:ds="http://schemas.openxmlformats.org/officeDocument/2006/customXml" ds:itemID="{0988BE9C-0C90-420C-9DA9-636C0435E5D7}">
   <ds:schemaRefs>
     <ds:schemaRef ds:uri="http://schemas.microsoft.com/office/2006/documentManagement/types"/>
@@ -9233,14 +6751,6 @@
 </ds:datastoreItem>
 </file>
 
-<file path=customXml/itemProps3.xml><?xml version="1.0" encoding="utf-8"?>
-<ds:datastoreItem xmlns:ds="http://schemas.openxmlformats.org/officeDocument/2006/customXml" ds:itemID="{86A9A6AE-A2D2-4466-B053-FEAA2AECCDAE}">
-  <ds:schemaRefs>
-    <ds:schemaRef ds:uri="http://schemas.microsoft.com/sharepoint/v3/contenttype/forms"/>
-  </ds:schemaRefs>
-</ds:datastoreItem>
-</file>
-
 <file path=docMetadata/LabelInfo.xml><?xml version="1.0" encoding="utf-8"?>
 <clbl:labelList xmlns:clbl="http://schemas.microsoft.com/office/2020/mipLabelMetadata">
   <clbl:label id="{46c98d88-e344-4ed4-8496-4ed7712e255d}" enabled="0" method="" siteId="{46c98d88-e344-4ed4-8496-4ed7712e255d}" removed="1"/>

--- a/examples/architecture.pptx
+++ b/examples/architecture.pptx
@@ -2,21 +2,22 @@
 <file path=ppt/presentation.xml><?xml version="1.0" encoding="utf-8"?>
 <p:presentation xmlns:a="http://schemas.openxmlformats.org/drawingml/2006/main" xmlns:r="http://schemas.openxmlformats.org/officeDocument/2006/relationships" xmlns:p="http://schemas.openxmlformats.org/presentationml/2006/main" saveSubsetFonts="1">
   <p:sldMasterIdLst>
-    <p:sldMasterId id="2147483648" r:id="rId4"/>
+    <p:sldMasterId id="2147483696" r:id="rId4"/>
   </p:sldMasterIdLst>
   <p:notesMasterIdLst>
-    <p:notesMasterId r:id="rId6"/>
+    <p:notesMasterId r:id="rId7"/>
   </p:notesMasterIdLst>
   <p:sldIdLst>
     <p:sldId id="256" r:id="rId5"/>
+    <p:sldId id="257" r:id="rId6"/>
   </p:sldIdLst>
-  <p:sldSz cx="12192000" cy="6858000"/>
+  <p:sldSz cx="17373600" cy="18288000"/>
   <p:notesSz cx="6858000" cy="9144000"/>
   <p:defaultTextStyle>
     <a:defPPr>
       <a:defRPr lang="en-US"/>
     </a:defPPr>
-    <a:lvl1pPr marL="0" algn="l" defTabSz="914400" rtl="0" eaLnBrk="1" latinLnBrk="0" hangingPunct="1">
+    <a:lvl1pPr marL="0" algn="l" defTabSz="457200" rtl="0" eaLnBrk="1" latinLnBrk="0" hangingPunct="1">
       <a:defRPr sz="1800" kern="1200">
         <a:solidFill>
           <a:schemeClr val="tx1"/>
@@ -26,7 +27,7 @@
         <a:cs typeface="+mn-cs"/>
       </a:defRPr>
     </a:lvl1pPr>
-    <a:lvl2pPr marL="457200" algn="l" defTabSz="914400" rtl="0" eaLnBrk="1" latinLnBrk="0" hangingPunct="1">
+    <a:lvl2pPr marL="457200" algn="l" defTabSz="457200" rtl="0" eaLnBrk="1" latinLnBrk="0" hangingPunct="1">
       <a:defRPr sz="1800" kern="1200">
         <a:solidFill>
           <a:schemeClr val="tx1"/>
@@ -36,7 +37,7 @@
         <a:cs typeface="+mn-cs"/>
       </a:defRPr>
     </a:lvl2pPr>
-    <a:lvl3pPr marL="914400" algn="l" defTabSz="914400" rtl="0" eaLnBrk="1" latinLnBrk="0" hangingPunct="1">
+    <a:lvl3pPr marL="914400" algn="l" defTabSz="457200" rtl="0" eaLnBrk="1" latinLnBrk="0" hangingPunct="1">
       <a:defRPr sz="1800" kern="1200">
         <a:solidFill>
           <a:schemeClr val="tx1"/>
@@ -46,7 +47,7 @@
         <a:cs typeface="+mn-cs"/>
       </a:defRPr>
     </a:lvl3pPr>
-    <a:lvl4pPr marL="1371600" algn="l" defTabSz="914400" rtl="0" eaLnBrk="1" latinLnBrk="0" hangingPunct="1">
+    <a:lvl4pPr marL="1371600" algn="l" defTabSz="457200" rtl="0" eaLnBrk="1" latinLnBrk="0" hangingPunct="1">
       <a:defRPr sz="1800" kern="1200">
         <a:solidFill>
           <a:schemeClr val="tx1"/>
@@ -56,7 +57,7 @@
         <a:cs typeface="+mn-cs"/>
       </a:defRPr>
     </a:lvl4pPr>
-    <a:lvl5pPr marL="1828800" algn="l" defTabSz="914400" rtl="0" eaLnBrk="1" latinLnBrk="0" hangingPunct="1">
+    <a:lvl5pPr marL="1828800" algn="l" defTabSz="457200" rtl="0" eaLnBrk="1" latinLnBrk="0" hangingPunct="1">
       <a:defRPr sz="1800" kern="1200">
         <a:solidFill>
           <a:schemeClr val="tx1"/>
@@ -66,7 +67,7 @@
         <a:cs typeface="+mn-cs"/>
       </a:defRPr>
     </a:lvl5pPr>
-    <a:lvl6pPr marL="2286000" algn="l" defTabSz="914400" rtl="0" eaLnBrk="1" latinLnBrk="0" hangingPunct="1">
+    <a:lvl6pPr marL="2286000" algn="l" defTabSz="457200" rtl="0" eaLnBrk="1" latinLnBrk="0" hangingPunct="1">
       <a:defRPr sz="1800" kern="1200">
         <a:solidFill>
           <a:schemeClr val="tx1"/>
@@ -76,7 +77,7 @@
         <a:cs typeface="+mn-cs"/>
       </a:defRPr>
     </a:lvl6pPr>
-    <a:lvl7pPr marL="2743200" algn="l" defTabSz="914400" rtl="0" eaLnBrk="1" latinLnBrk="0" hangingPunct="1">
+    <a:lvl7pPr marL="2743200" algn="l" defTabSz="457200" rtl="0" eaLnBrk="1" latinLnBrk="0" hangingPunct="1">
       <a:defRPr sz="1800" kern="1200">
         <a:solidFill>
           <a:schemeClr val="tx1"/>
@@ -86,7 +87,7 @@
         <a:cs typeface="+mn-cs"/>
       </a:defRPr>
     </a:lvl7pPr>
-    <a:lvl8pPr marL="3200400" algn="l" defTabSz="914400" rtl="0" eaLnBrk="1" latinLnBrk="0" hangingPunct="1">
+    <a:lvl8pPr marL="3200400" algn="l" defTabSz="457200" rtl="0" eaLnBrk="1" latinLnBrk="0" hangingPunct="1">
       <a:defRPr sz="1800" kern="1200">
         <a:solidFill>
           <a:schemeClr val="tx1"/>
@@ -96,7 +97,7 @@
         <a:cs typeface="+mn-cs"/>
       </a:defRPr>
     </a:lvl8pPr>
-    <a:lvl9pPr marL="3657600" algn="l" defTabSz="914400" rtl="0" eaLnBrk="1" latinLnBrk="0" hangingPunct="1">
+    <a:lvl9pPr marL="3657600" algn="l" defTabSz="457200" rtl="0" eaLnBrk="1" latinLnBrk="0" hangingPunct="1">
       <a:defRPr sz="1800" kern="1200">
         <a:solidFill>
           <a:schemeClr val="tx1"/>
@@ -205,7 +206,7 @@
           <a:p>
             <a:fld id="{4CD64836-4BF9-4E6C-A54C-E76D3002B5D8}" type="datetimeFigureOut">
               <a:rPr lang="en-US" smtClean="0"/>
-              <a:t>7/23/2023</a:t>
+              <a:t>07/28/2023</a:t>
             </a:fld>
             <a:endParaRPr lang="en-US"/>
           </a:p>
@@ -223,8 +224,8 @@
         </p:nvSpPr>
         <p:spPr>
           <a:xfrm>
-            <a:off x="685800" y="1143000"/>
-            <a:ext cx="5486400" cy="3086100"/>
+            <a:off x="1963738" y="1143000"/>
+            <a:ext cx="2930525" cy="3086100"/>
           </a:xfrm>
           <a:prstGeom prst="rect">
             <a:avLst/>
@@ -499,7 +500,12 @@
             <p:ph type="sldImg"/>
           </p:nvPr>
         </p:nvSpPr>
-        <p:spPr/>
+        <p:spPr>
+          <a:xfrm>
+            <a:off x="1963738" y="1143000"/>
+            <a:ext cx="2930525" cy="3086100"/>
+          </a:xfrm>
+        </p:spPr>
       </p:sp>
       <p:sp>
         <p:nvSpPr>
@@ -558,6 +564,98 @@
     <p:extLst>
       <p:ext uri="{BB962C8B-B14F-4D97-AF65-F5344CB8AC3E}">
         <p14:creationId xmlns:p14="http://schemas.microsoft.com/office/powerpoint/2010/main" val="2085464243"/>
+      </p:ext>
+    </p:extLst>
+  </p:cSld>
+  <p:clrMapOvr>
+    <a:masterClrMapping/>
+  </p:clrMapOvr>
+</p:notes>
+</file>
+
+<file path=ppt/notesSlides/notesSlide2.xml><?xml version="1.0" encoding="utf-8"?>
+<p:notes xmlns:a="http://schemas.openxmlformats.org/drawingml/2006/main" xmlns:r="http://schemas.openxmlformats.org/officeDocument/2006/relationships" xmlns:p="http://schemas.openxmlformats.org/presentationml/2006/main">
+  <p:cSld>
+    <p:spTree>
+      <p:nvGrpSpPr>
+        <p:cNvPr id="1" name=""/>
+        <p:cNvGrpSpPr/>
+        <p:nvPr/>
+      </p:nvGrpSpPr>
+      <p:grpSpPr>
+        <a:xfrm>
+          <a:off x="0" y="0"/>
+          <a:ext cx="0" cy="0"/>
+          <a:chOff x="0" y="0"/>
+          <a:chExt cx="0" cy="0"/>
+        </a:xfrm>
+      </p:grpSpPr>
+      <p:sp>
+        <p:nvSpPr>
+          <p:cNvPr id="2" name="Slide Image Placeholder 1"/>
+          <p:cNvSpPr>
+            <a:spLocks noGrp="1" noRot="1" noChangeAspect="1"/>
+          </p:cNvSpPr>
+          <p:nvPr>
+            <p:ph type="sldImg"/>
+          </p:nvPr>
+        </p:nvSpPr>
+        <p:spPr>
+          <a:xfrm>
+            <a:off x="1963738" y="1143000"/>
+            <a:ext cx="2930525" cy="3086100"/>
+          </a:xfrm>
+        </p:spPr>
+      </p:sp>
+      <p:sp>
+        <p:nvSpPr>
+          <p:cNvPr id="3" name="Notes Placeholder 2"/>
+          <p:cNvSpPr>
+            <a:spLocks noGrp="1"/>
+          </p:cNvSpPr>
+          <p:nvPr>
+            <p:ph type="body" idx="1"/>
+          </p:nvPr>
+        </p:nvSpPr>
+        <p:spPr/>
+        <p:txBody>
+          <a:bodyPr/>
+          <a:lstStyle/>
+          <a:p>
+            <a:r>
+              <a:rPr lang="en-US" dirty="0"/>
+              <a:t>Streamed JSON Mechanism</a:t>
+            </a:r>
+          </a:p>
+        </p:txBody>
+      </p:sp>
+      <p:sp>
+        <p:nvSpPr>
+          <p:cNvPr id="4" name="Slide Number Placeholder 3"/>
+          <p:cNvSpPr>
+            <a:spLocks noGrp="1"/>
+          </p:cNvSpPr>
+          <p:nvPr>
+            <p:ph type="sldNum" sz="quarter" idx="5"/>
+          </p:nvPr>
+        </p:nvSpPr>
+        <p:spPr/>
+        <p:txBody>
+          <a:bodyPr/>
+          <a:lstStyle/>
+          <a:p>
+            <a:fld id="{D537CB0D-FD8F-437B-8EA1-4310BDC2B6BC}" type="slidenum">
+              <a:rPr lang="en-US" smtClean="0"/>
+              <a:t>2</a:t>
+            </a:fld>
+            <a:endParaRPr lang="en-US"/>
+          </a:p>
+        </p:txBody>
+      </p:sp>
+    </p:spTree>
+    <p:extLst>
+      <p:ext uri="{BB962C8B-B14F-4D97-AF65-F5344CB8AC3E}">
+        <p14:creationId xmlns:p14="http://schemas.microsoft.com/office/powerpoint/2010/main" val="1668597919"/>
       </p:ext>
     </p:extLst>
   </p:cSld>
@@ -586,13 +684,7 @@
       </p:grpSpPr>
       <p:sp>
         <p:nvSpPr>
-          <p:cNvPr id="2" name="Title 1">
-            <a:extLst>
-              <a:ext uri="{FF2B5EF4-FFF2-40B4-BE49-F238E27FC236}">
-                <a16:creationId xmlns:a16="http://schemas.microsoft.com/office/drawing/2014/main" id="{8D50E57F-E3DF-A005-2CC7-C1033EF0F9DF}"/>
-              </a:ext>
-            </a:extLst>
-          </p:cNvPr>
+          <p:cNvPr id="2" name="Title 1"/>
           <p:cNvSpPr>
             <a:spLocks noGrp="1"/>
           </p:cNvSpPr>
@@ -602,15 +694,15 @@
         </p:nvSpPr>
         <p:spPr>
           <a:xfrm>
-            <a:off x="1524000" y="1122363"/>
-            <a:ext cx="9144000" cy="2387600"/>
+            <a:off x="1303020" y="2992968"/>
+            <a:ext cx="14767560" cy="6366933"/>
           </a:xfrm>
         </p:spPr>
         <p:txBody>
           <a:bodyPr anchor="b"/>
           <a:lstStyle>
             <a:lvl1pPr algn="ctr">
-              <a:defRPr sz="6000"/>
+              <a:defRPr sz="11400"/>
             </a:lvl1pPr>
           </a:lstStyle>
           <a:p>
@@ -618,18 +710,13 @@
               <a:rPr lang="en-US"/>
               <a:t>Click to edit Master title style</a:t>
             </a:r>
+            <a:endParaRPr lang="en-US" dirty="0"/>
           </a:p>
         </p:txBody>
       </p:sp>
       <p:sp>
         <p:nvSpPr>
-          <p:cNvPr id="3" name="Subtitle 2">
-            <a:extLst>
-              <a:ext uri="{FF2B5EF4-FFF2-40B4-BE49-F238E27FC236}">
-                <a16:creationId xmlns:a16="http://schemas.microsoft.com/office/drawing/2014/main" id="{D6187885-3517-FD05-291D-14A01B3E65CC}"/>
-              </a:ext>
-            </a:extLst>
-          </p:cNvPr>
+          <p:cNvPr id="3" name="Subtitle 2"/>
           <p:cNvSpPr>
             <a:spLocks noGrp="1"/>
           </p:cNvSpPr>
@@ -639,8 +726,8 @@
         </p:nvSpPr>
         <p:spPr>
           <a:xfrm>
-            <a:off x="1524000" y="3602038"/>
-            <a:ext cx="9144000" cy="1655762"/>
+            <a:off x="2171700" y="9605435"/>
+            <a:ext cx="13030200" cy="4415365"/>
           </a:xfrm>
         </p:spPr>
         <p:txBody>
@@ -648,39 +735,39 @@
           <a:lstStyle>
             <a:lvl1pPr marL="0" indent="0" algn="ctr">
               <a:buNone/>
-              <a:defRPr sz="2400"/>
+              <a:defRPr sz="4560"/>
             </a:lvl1pPr>
-            <a:lvl2pPr marL="457200" indent="0" algn="ctr">
+            <a:lvl2pPr marL="868680" indent="0" algn="ctr">
               <a:buNone/>
-              <a:defRPr sz="2000"/>
+              <a:defRPr sz="3800"/>
             </a:lvl2pPr>
-            <a:lvl3pPr marL="914400" indent="0" algn="ctr">
+            <a:lvl3pPr marL="1737360" indent="0" algn="ctr">
               <a:buNone/>
-              <a:defRPr sz="1800"/>
+              <a:defRPr sz="3420"/>
             </a:lvl3pPr>
-            <a:lvl4pPr marL="1371600" indent="0" algn="ctr">
+            <a:lvl4pPr marL="2606040" indent="0" algn="ctr">
               <a:buNone/>
-              <a:defRPr sz="1600"/>
+              <a:defRPr sz="3040"/>
             </a:lvl4pPr>
-            <a:lvl5pPr marL="1828800" indent="0" algn="ctr">
+            <a:lvl5pPr marL="3474720" indent="0" algn="ctr">
               <a:buNone/>
-              <a:defRPr sz="1600"/>
+              <a:defRPr sz="3040"/>
             </a:lvl5pPr>
-            <a:lvl6pPr marL="2286000" indent="0" algn="ctr">
+            <a:lvl6pPr marL="4343400" indent="0" algn="ctr">
               <a:buNone/>
-              <a:defRPr sz="1600"/>
+              <a:defRPr sz="3040"/>
             </a:lvl6pPr>
-            <a:lvl7pPr marL="2743200" indent="0" algn="ctr">
+            <a:lvl7pPr marL="5212080" indent="0" algn="ctr">
               <a:buNone/>
-              <a:defRPr sz="1600"/>
+              <a:defRPr sz="3040"/>
             </a:lvl7pPr>
-            <a:lvl8pPr marL="3200400" indent="0" algn="ctr">
+            <a:lvl8pPr marL="6080760" indent="0" algn="ctr">
               <a:buNone/>
-              <a:defRPr sz="1600"/>
+              <a:defRPr sz="3040"/>
             </a:lvl8pPr>
-            <a:lvl9pPr marL="3657600" indent="0" algn="ctr">
+            <a:lvl9pPr marL="6949440" indent="0" algn="ctr">
               <a:buNone/>
-              <a:defRPr sz="1600"/>
+              <a:defRPr sz="3040"/>
             </a:lvl9pPr>
           </a:lstStyle>
           <a:p>
@@ -688,18 +775,13 @@
               <a:rPr lang="en-US"/>
               <a:t>Click to edit Master subtitle style</a:t>
             </a:r>
+            <a:endParaRPr lang="en-US" dirty="0"/>
           </a:p>
         </p:txBody>
       </p:sp>
       <p:sp>
         <p:nvSpPr>
-          <p:cNvPr id="4" name="Date Placeholder 3">
-            <a:extLst>
-              <a:ext uri="{FF2B5EF4-FFF2-40B4-BE49-F238E27FC236}">
-                <a16:creationId xmlns:a16="http://schemas.microsoft.com/office/drawing/2014/main" id="{D13CB9FB-CD65-0A0C-C5D2-4E7B36846E80}"/>
-              </a:ext>
-            </a:extLst>
-          </p:cNvPr>
+          <p:cNvPr id="4" name="Date Placeholder 3"/>
           <p:cNvSpPr>
             <a:spLocks noGrp="1"/>
           </p:cNvSpPr>
@@ -714,7 +796,7 @@
           <a:p>
             <a:fld id="{C6D5F118-0C7E-4BDD-BBA0-7F61C0FBD2C0}" type="datetimeFigureOut">
               <a:rPr lang="en-US" smtClean="0"/>
-              <a:t>7/23/2023</a:t>
+              <a:t>07/28/2023</a:t>
             </a:fld>
             <a:endParaRPr lang="en-US"/>
           </a:p>
@@ -722,13 +804,7 @@
       </p:sp>
       <p:sp>
         <p:nvSpPr>
-          <p:cNvPr id="5" name="Footer Placeholder 4">
-            <a:extLst>
-              <a:ext uri="{FF2B5EF4-FFF2-40B4-BE49-F238E27FC236}">
-                <a16:creationId xmlns:a16="http://schemas.microsoft.com/office/drawing/2014/main" id="{D6F3F17A-EC73-9159-8357-ABA131C89D79}"/>
-              </a:ext>
-            </a:extLst>
-          </p:cNvPr>
+          <p:cNvPr id="5" name="Footer Placeholder 4"/>
           <p:cNvSpPr>
             <a:spLocks noGrp="1"/>
           </p:cNvSpPr>
@@ -747,13 +823,7 @@
       </p:sp>
       <p:sp>
         <p:nvSpPr>
-          <p:cNvPr id="6" name="Slide Number Placeholder 5">
-            <a:extLst>
-              <a:ext uri="{FF2B5EF4-FFF2-40B4-BE49-F238E27FC236}">
-                <a16:creationId xmlns:a16="http://schemas.microsoft.com/office/drawing/2014/main" id="{022DC023-B5E7-25F5-4062-71A2ACEE23B7}"/>
-              </a:ext>
-            </a:extLst>
-          </p:cNvPr>
+          <p:cNvPr id="6" name="Slide Number Placeholder 5"/>
           <p:cNvSpPr>
             <a:spLocks noGrp="1"/>
           </p:cNvSpPr>
@@ -777,7 +847,7 @@
     </p:spTree>
     <p:extLst>
       <p:ext uri="{BB962C8B-B14F-4D97-AF65-F5344CB8AC3E}">
-        <p14:creationId xmlns:p14="http://schemas.microsoft.com/office/powerpoint/2010/main" val="930519173"/>
+        <p14:creationId xmlns:p14="http://schemas.microsoft.com/office/powerpoint/2010/main" val="2584257884"/>
       </p:ext>
     </p:extLst>
   </p:cSld>
@@ -806,13 +876,7 @@
       </p:grpSpPr>
       <p:sp>
         <p:nvSpPr>
-          <p:cNvPr id="2" name="Title 1">
-            <a:extLst>
-              <a:ext uri="{FF2B5EF4-FFF2-40B4-BE49-F238E27FC236}">
-                <a16:creationId xmlns:a16="http://schemas.microsoft.com/office/drawing/2014/main" id="{F07B9E19-BA2C-F23A-A140-25EFD91FEA5F}"/>
-              </a:ext>
-            </a:extLst>
-          </p:cNvPr>
+          <p:cNvPr id="2" name="Title 1"/>
           <p:cNvSpPr>
             <a:spLocks noGrp="1"/>
           </p:cNvSpPr>
@@ -829,18 +893,13 @@
               <a:rPr lang="en-US"/>
               <a:t>Click to edit Master title style</a:t>
             </a:r>
+            <a:endParaRPr lang="en-US" dirty="0"/>
           </a:p>
         </p:txBody>
       </p:sp>
       <p:sp>
         <p:nvSpPr>
-          <p:cNvPr id="3" name="Vertical Text Placeholder 2">
-            <a:extLst>
-              <a:ext uri="{FF2B5EF4-FFF2-40B4-BE49-F238E27FC236}">
-                <a16:creationId xmlns:a16="http://schemas.microsoft.com/office/drawing/2014/main" id="{FAE61CB3-AAFB-82BF-DA71-011E54513BF6}"/>
-              </a:ext>
-            </a:extLst>
-          </p:cNvPr>
+          <p:cNvPr id="3" name="Vertical Text Placeholder 2"/>
           <p:cNvSpPr>
             <a:spLocks noGrp="1"/>
           </p:cNvSpPr>
@@ -886,18 +945,13 @@
               <a:rPr lang="en-US"/>
               <a:t>Fifth level</a:t>
             </a:r>
+            <a:endParaRPr lang="en-US" dirty="0"/>
           </a:p>
         </p:txBody>
       </p:sp>
       <p:sp>
         <p:nvSpPr>
-          <p:cNvPr id="4" name="Date Placeholder 3">
-            <a:extLst>
-              <a:ext uri="{FF2B5EF4-FFF2-40B4-BE49-F238E27FC236}">
-                <a16:creationId xmlns:a16="http://schemas.microsoft.com/office/drawing/2014/main" id="{D6BD50E1-E2B2-3AC6-6787-4D111BDC3A34}"/>
-              </a:ext>
-            </a:extLst>
-          </p:cNvPr>
+          <p:cNvPr id="4" name="Date Placeholder 3"/>
           <p:cNvSpPr>
             <a:spLocks noGrp="1"/>
           </p:cNvSpPr>
@@ -912,7 +966,7 @@
           <a:p>
             <a:fld id="{C6D5F118-0C7E-4BDD-BBA0-7F61C0FBD2C0}" type="datetimeFigureOut">
               <a:rPr lang="en-US" smtClean="0"/>
-              <a:t>7/23/2023</a:t>
+              <a:t>07/28/2023</a:t>
             </a:fld>
             <a:endParaRPr lang="en-US"/>
           </a:p>
@@ -920,13 +974,7 @@
       </p:sp>
       <p:sp>
         <p:nvSpPr>
-          <p:cNvPr id="5" name="Footer Placeholder 4">
-            <a:extLst>
-              <a:ext uri="{FF2B5EF4-FFF2-40B4-BE49-F238E27FC236}">
-                <a16:creationId xmlns:a16="http://schemas.microsoft.com/office/drawing/2014/main" id="{ED01B6F4-7291-6082-104C-3853714B5A18}"/>
-              </a:ext>
-            </a:extLst>
-          </p:cNvPr>
+          <p:cNvPr id="5" name="Footer Placeholder 4"/>
           <p:cNvSpPr>
             <a:spLocks noGrp="1"/>
           </p:cNvSpPr>
@@ -945,13 +993,7 @@
       </p:sp>
       <p:sp>
         <p:nvSpPr>
-          <p:cNvPr id="6" name="Slide Number Placeholder 5">
-            <a:extLst>
-              <a:ext uri="{FF2B5EF4-FFF2-40B4-BE49-F238E27FC236}">
-                <a16:creationId xmlns:a16="http://schemas.microsoft.com/office/drawing/2014/main" id="{C5EB4B0D-3FB2-BCA7-CC14-B91C58154B12}"/>
-              </a:ext>
-            </a:extLst>
-          </p:cNvPr>
+          <p:cNvPr id="6" name="Slide Number Placeholder 5"/>
           <p:cNvSpPr>
             <a:spLocks noGrp="1"/>
           </p:cNvSpPr>
@@ -975,7 +1017,7 @@
     </p:spTree>
     <p:extLst>
       <p:ext uri="{BB962C8B-B14F-4D97-AF65-F5344CB8AC3E}">
-        <p14:creationId xmlns:p14="http://schemas.microsoft.com/office/powerpoint/2010/main" val="1843357000"/>
+        <p14:creationId xmlns:p14="http://schemas.microsoft.com/office/powerpoint/2010/main" val="1022098858"/>
       </p:ext>
     </p:extLst>
   </p:cSld>
@@ -1004,13 +1046,7 @@
       </p:grpSpPr>
       <p:sp>
         <p:nvSpPr>
-          <p:cNvPr id="2" name="Vertical Title 1">
-            <a:extLst>
-              <a:ext uri="{FF2B5EF4-FFF2-40B4-BE49-F238E27FC236}">
-                <a16:creationId xmlns:a16="http://schemas.microsoft.com/office/drawing/2014/main" id="{65A6533E-D138-33C0-E27F-CBA59FDD10D5}"/>
-              </a:ext>
-            </a:extLst>
-          </p:cNvPr>
+          <p:cNvPr id="2" name="Vertical Title 1"/>
           <p:cNvSpPr>
             <a:spLocks noGrp="1"/>
           </p:cNvSpPr>
@@ -1020,8 +1056,8 @@
         </p:nvSpPr>
         <p:spPr>
           <a:xfrm>
-            <a:off x="8724900" y="365125"/>
-            <a:ext cx="2628900" cy="5811838"/>
+            <a:off x="12432983" y="973667"/>
+            <a:ext cx="3746183" cy="15498235"/>
           </a:xfrm>
         </p:spPr>
         <p:txBody>
@@ -1032,18 +1068,13 @@
               <a:rPr lang="en-US"/>
               <a:t>Click to edit Master title style</a:t>
             </a:r>
+            <a:endParaRPr lang="en-US" dirty="0"/>
           </a:p>
         </p:txBody>
       </p:sp>
       <p:sp>
         <p:nvSpPr>
-          <p:cNvPr id="3" name="Vertical Text Placeholder 2">
-            <a:extLst>
-              <a:ext uri="{FF2B5EF4-FFF2-40B4-BE49-F238E27FC236}">
-                <a16:creationId xmlns:a16="http://schemas.microsoft.com/office/drawing/2014/main" id="{A753C390-DC83-695D-3F63-99816CB271D6}"/>
-              </a:ext>
-            </a:extLst>
-          </p:cNvPr>
+          <p:cNvPr id="3" name="Vertical Text Placeholder 2"/>
           <p:cNvSpPr>
             <a:spLocks noGrp="1"/>
           </p:cNvSpPr>
@@ -1053,8 +1084,8 @@
         </p:nvSpPr>
         <p:spPr>
           <a:xfrm>
-            <a:off x="838200" y="365125"/>
-            <a:ext cx="7734300" cy="5811838"/>
+            <a:off x="1194436" y="973667"/>
+            <a:ext cx="11021378" cy="15498235"/>
           </a:xfrm>
         </p:spPr>
         <p:txBody>
@@ -1094,18 +1125,13 @@
               <a:rPr lang="en-US"/>
               <a:t>Fifth level</a:t>
             </a:r>
+            <a:endParaRPr lang="en-US" dirty="0"/>
           </a:p>
         </p:txBody>
       </p:sp>
       <p:sp>
         <p:nvSpPr>
-          <p:cNvPr id="4" name="Date Placeholder 3">
-            <a:extLst>
-              <a:ext uri="{FF2B5EF4-FFF2-40B4-BE49-F238E27FC236}">
-                <a16:creationId xmlns:a16="http://schemas.microsoft.com/office/drawing/2014/main" id="{22CC2149-D727-9C66-36F3-1F8468C768CD}"/>
-              </a:ext>
-            </a:extLst>
-          </p:cNvPr>
+          <p:cNvPr id="4" name="Date Placeholder 3"/>
           <p:cNvSpPr>
             <a:spLocks noGrp="1"/>
           </p:cNvSpPr>
@@ -1120,7 +1146,7 @@
           <a:p>
             <a:fld id="{C6D5F118-0C7E-4BDD-BBA0-7F61C0FBD2C0}" type="datetimeFigureOut">
               <a:rPr lang="en-US" smtClean="0"/>
-              <a:t>7/23/2023</a:t>
+              <a:t>07/28/2023</a:t>
             </a:fld>
             <a:endParaRPr lang="en-US"/>
           </a:p>
@@ -1128,13 +1154,7 @@
       </p:sp>
       <p:sp>
         <p:nvSpPr>
-          <p:cNvPr id="5" name="Footer Placeholder 4">
-            <a:extLst>
-              <a:ext uri="{FF2B5EF4-FFF2-40B4-BE49-F238E27FC236}">
-                <a16:creationId xmlns:a16="http://schemas.microsoft.com/office/drawing/2014/main" id="{5A511ACE-3B0F-CC55-AADB-32ABDED4DD4D}"/>
-              </a:ext>
-            </a:extLst>
-          </p:cNvPr>
+          <p:cNvPr id="5" name="Footer Placeholder 4"/>
           <p:cNvSpPr>
             <a:spLocks noGrp="1"/>
           </p:cNvSpPr>
@@ -1153,13 +1173,7 @@
       </p:sp>
       <p:sp>
         <p:nvSpPr>
-          <p:cNvPr id="6" name="Slide Number Placeholder 5">
-            <a:extLst>
-              <a:ext uri="{FF2B5EF4-FFF2-40B4-BE49-F238E27FC236}">
-                <a16:creationId xmlns:a16="http://schemas.microsoft.com/office/drawing/2014/main" id="{3CFABC34-56F8-8BD3-03CD-E43037531848}"/>
-              </a:ext>
-            </a:extLst>
-          </p:cNvPr>
+          <p:cNvPr id="6" name="Slide Number Placeholder 5"/>
           <p:cNvSpPr>
             <a:spLocks noGrp="1"/>
           </p:cNvSpPr>
@@ -1183,7 +1197,7 @@
     </p:spTree>
     <p:extLst>
       <p:ext uri="{BB962C8B-B14F-4D97-AF65-F5344CB8AC3E}">
-        <p14:creationId xmlns:p14="http://schemas.microsoft.com/office/powerpoint/2010/main" val="3950383125"/>
+        <p14:creationId xmlns:p14="http://schemas.microsoft.com/office/powerpoint/2010/main" val="2954180351"/>
       </p:ext>
     </p:extLst>
   </p:cSld>
@@ -1212,13 +1226,7 @@
       </p:grpSpPr>
       <p:sp>
         <p:nvSpPr>
-          <p:cNvPr id="2" name="Title 1">
-            <a:extLst>
-              <a:ext uri="{FF2B5EF4-FFF2-40B4-BE49-F238E27FC236}">
-                <a16:creationId xmlns:a16="http://schemas.microsoft.com/office/drawing/2014/main" id="{C5EB05F2-CB36-6BE1-EE84-45CE532D27FC}"/>
-              </a:ext>
-            </a:extLst>
-          </p:cNvPr>
+          <p:cNvPr id="2" name="Title 1"/>
           <p:cNvSpPr>
             <a:spLocks noGrp="1"/>
           </p:cNvSpPr>
@@ -1235,18 +1243,13 @@
               <a:rPr lang="en-US"/>
               <a:t>Click to edit Master title style</a:t>
             </a:r>
+            <a:endParaRPr lang="en-US" dirty="0"/>
           </a:p>
         </p:txBody>
       </p:sp>
       <p:sp>
         <p:nvSpPr>
-          <p:cNvPr id="3" name="Content Placeholder 2">
-            <a:extLst>
-              <a:ext uri="{FF2B5EF4-FFF2-40B4-BE49-F238E27FC236}">
-                <a16:creationId xmlns:a16="http://schemas.microsoft.com/office/drawing/2014/main" id="{0FAA1F64-5BCF-852D-F0C2-0803B3BFC4B9}"/>
-              </a:ext>
-            </a:extLst>
-          </p:cNvPr>
+          <p:cNvPr id="3" name="Content Placeholder 2"/>
           <p:cNvSpPr>
             <a:spLocks noGrp="1"/>
           </p:cNvSpPr>
@@ -1292,18 +1295,13 @@
               <a:rPr lang="en-US"/>
               <a:t>Fifth level</a:t>
             </a:r>
+            <a:endParaRPr lang="en-US" dirty="0"/>
           </a:p>
         </p:txBody>
       </p:sp>
       <p:sp>
         <p:nvSpPr>
-          <p:cNvPr id="4" name="Date Placeholder 3">
-            <a:extLst>
-              <a:ext uri="{FF2B5EF4-FFF2-40B4-BE49-F238E27FC236}">
-                <a16:creationId xmlns:a16="http://schemas.microsoft.com/office/drawing/2014/main" id="{7AA16C96-4C83-678E-4162-313D0E4A45E0}"/>
-              </a:ext>
-            </a:extLst>
-          </p:cNvPr>
+          <p:cNvPr id="4" name="Date Placeholder 3"/>
           <p:cNvSpPr>
             <a:spLocks noGrp="1"/>
           </p:cNvSpPr>
@@ -1318,7 +1316,7 @@
           <a:p>
             <a:fld id="{C6D5F118-0C7E-4BDD-BBA0-7F61C0FBD2C0}" type="datetimeFigureOut">
               <a:rPr lang="en-US" smtClean="0"/>
-              <a:t>7/23/2023</a:t>
+              <a:t>07/28/2023</a:t>
             </a:fld>
             <a:endParaRPr lang="en-US"/>
           </a:p>
@@ -1326,13 +1324,7 @@
       </p:sp>
       <p:sp>
         <p:nvSpPr>
-          <p:cNvPr id="5" name="Footer Placeholder 4">
-            <a:extLst>
-              <a:ext uri="{FF2B5EF4-FFF2-40B4-BE49-F238E27FC236}">
-                <a16:creationId xmlns:a16="http://schemas.microsoft.com/office/drawing/2014/main" id="{A482FF5A-AF0A-A763-7000-562F62ABA64F}"/>
-              </a:ext>
-            </a:extLst>
-          </p:cNvPr>
+          <p:cNvPr id="5" name="Footer Placeholder 4"/>
           <p:cNvSpPr>
             <a:spLocks noGrp="1"/>
           </p:cNvSpPr>
@@ -1351,13 +1343,7 @@
       </p:sp>
       <p:sp>
         <p:nvSpPr>
-          <p:cNvPr id="6" name="Slide Number Placeholder 5">
-            <a:extLst>
-              <a:ext uri="{FF2B5EF4-FFF2-40B4-BE49-F238E27FC236}">
-                <a16:creationId xmlns:a16="http://schemas.microsoft.com/office/drawing/2014/main" id="{0BF712FF-3475-75EF-9623-36E28638FAB1}"/>
-              </a:ext>
-            </a:extLst>
-          </p:cNvPr>
+          <p:cNvPr id="6" name="Slide Number Placeholder 5"/>
           <p:cNvSpPr>
             <a:spLocks noGrp="1"/>
           </p:cNvSpPr>
@@ -1381,7 +1367,7 @@
     </p:spTree>
     <p:extLst>
       <p:ext uri="{BB962C8B-B14F-4D97-AF65-F5344CB8AC3E}">
-        <p14:creationId xmlns:p14="http://schemas.microsoft.com/office/powerpoint/2010/main" val="2597372946"/>
+        <p14:creationId xmlns:p14="http://schemas.microsoft.com/office/powerpoint/2010/main" val="4102539199"/>
       </p:ext>
     </p:extLst>
   </p:cSld>
@@ -1410,13 +1396,7 @@
       </p:grpSpPr>
       <p:sp>
         <p:nvSpPr>
-          <p:cNvPr id="2" name="Title 1">
-            <a:extLst>
-              <a:ext uri="{FF2B5EF4-FFF2-40B4-BE49-F238E27FC236}">
-                <a16:creationId xmlns:a16="http://schemas.microsoft.com/office/drawing/2014/main" id="{BACDDA74-3E14-51A3-11FB-6AA2C6781FBD}"/>
-              </a:ext>
-            </a:extLst>
-          </p:cNvPr>
+          <p:cNvPr id="2" name="Title 1"/>
           <p:cNvSpPr>
             <a:spLocks noGrp="1"/>
           </p:cNvSpPr>
@@ -1426,15 +1406,15 @@
         </p:nvSpPr>
         <p:spPr>
           <a:xfrm>
-            <a:off x="831850" y="1709738"/>
-            <a:ext cx="10515600" cy="2852737"/>
+            <a:off x="1185387" y="4559305"/>
+            <a:ext cx="14984730" cy="7607299"/>
           </a:xfrm>
         </p:spPr>
         <p:txBody>
           <a:bodyPr anchor="b"/>
           <a:lstStyle>
             <a:lvl1pPr>
-              <a:defRPr sz="6000"/>
+              <a:defRPr sz="11400"/>
             </a:lvl1pPr>
           </a:lstStyle>
           <a:p>
@@ -1442,18 +1422,13 @@
               <a:rPr lang="en-US"/>
               <a:t>Click to edit Master title style</a:t>
             </a:r>
+            <a:endParaRPr lang="en-US" dirty="0"/>
           </a:p>
         </p:txBody>
       </p:sp>
       <p:sp>
         <p:nvSpPr>
-          <p:cNvPr id="3" name="Text Placeholder 2">
-            <a:extLst>
-              <a:ext uri="{FF2B5EF4-FFF2-40B4-BE49-F238E27FC236}">
-                <a16:creationId xmlns:a16="http://schemas.microsoft.com/office/drawing/2014/main" id="{8B67B315-E04B-B56E-12C9-5FE8F120E1C1}"/>
-              </a:ext>
-            </a:extLst>
-          </p:cNvPr>
+          <p:cNvPr id="3" name="Text Placeholder 2"/>
           <p:cNvSpPr>
             <a:spLocks noGrp="1"/>
           </p:cNvSpPr>
@@ -1463,8 +1438,8 @@
         </p:nvSpPr>
         <p:spPr>
           <a:xfrm>
-            <a:off x="831850" y="4589463"/>
-            <a:ext cx="10515600" cy="1500187"/>
+            <a:off x="1185387" y="12238572"/>
+            <a:ext cx="14984730" cy="4000499"/>
           </a:xfrm>
         </p:spPr>
         <p:txBody>
@@ -1472,87 +1447,85 @@
           <a:lstStyle>
             <a:lvl1pPr marL="0" indent="0">
               <a:buNone/>
-              <a:defRPr sz="2400">
+              <a:defRPr sz="4560">
+                <a:solidFill>
+                  <a:schemeClr val="tx1"/>
+                </a:solidFill>
+              </a:defRPr>
+            </a:lvl1pPr>
+            <a:lvl2pPr marL="868680" indent="0">
+              <a:buNone/>
+              <a:defRPr sz="3800">
                 <a:solidFill>
                   <a:schemeClr val="tx1">
                     <a:tint val="75000"/>
                   </a:schemeClr>
                 </a:solidFill>
               </a:defRPr>
-            </a:lvl1pPr>
-            <a:lvl2pPr marL="457200" indent="0">
+            </a:lvl2pPr>
+            <a:lvl3pPr marL="1737360" indent="0">
               <a:buNone/>
-              <a:defRPr sz="2000">
+              <a:defRPr sz="3420">
                 <a:solidFill>
                   <a:schemeClr val="tx1">
                     <a:tint val="75000"/>
                   </a:schemeClr>
                 </a:solidFill>
               </a:defRPr>
-            </a:lvl2pPr>
-            <a:lvl3pPr marL="914400" indent="0">
+            </a:lvl3pPr>
+            <a:lvl4pPr marL="2606040" indent="0">
               <a:buNone/>
-              <a:defRPr sz="1800">
+              <a:defRPr sz="3040">
                 <a:solidFill>
                   <a:schemeClr val="tx1">
                     <a:tint val="75000"/>
                   </a:schemeClr>
                 </a:solidFill>
               </a:defRPr>
-            </a:lvl3pPr>
-            <a:lvl4pPr marL="1371600" indent="0">
+            </a:lvl4pPr>
+            <a:lvl5pPr marL="3474720" indent="0">
               <a:buNone/>
-              <a:defRPr sz="1600">
+              <a:defRPr sz="3040">
                 <a:solidFill>
                   <a:schemeClr val="tx1">
                     <a:tint val="75000"/>
                   </a:schemeClr>
                 </a:solidFill>
               </a:defRPr>
-            </a:lvl4pPr>
-            <a:lvl5pPr marL="1828800" indent="0">
+            </a:lvl5pPr>
+            <a:lvl6pPr marL="4343400" indent="0">
               <a:buNone/>
-              <a:defRPr sz="1600">
+              <a:defRPr sz="3040">
                 <a:solidFill>
                   <a:schemeClr val="tx1">
                     <a:tint val="75000"/>
                   </a:schemeClr>
                 </a:solidFill>
               </a:defRPr>
-            </a:lvl5pPr>
-            <a:lvl6pPr marL="2286000" indent="0">
+            </a:lvl6pPr>
+            <a:lvl7pPr marL="5212080" indent="0">
               <a:buNone/>
-              <a:defRPr sz="1600">
+              <a:defRPr sz="3040">
                 <a:solidFill>
                   <a:schemeClr val="tx1">
                     <a:tint val="75000"/>
                   </a:schemeClr>
                 </a:solidFill>
               </a:defRPr>
-            </a:lvl6pPr>
-            <a:lvl7pPr marL="2743200" indent="0">
+            </a:lvl7pPr>
+            <a:lvl8pPr marL="6080760" indent="0">
               <a:buNone/>
-              <a:defRPr sz="1600">
+              <a:defRPr sz="3040">
                 <a:solidFill>
                   <a:schemeClr val="tx1">
                     <a:tint val="75000"/>
                   </a:schemeClr>
                 </a:solidFill>
               </a:defRPr>
-            </a:lvl7pPr>
-            <a:lvl8pPr marL="3200400" indent="0">
+            </a:lvl8pPr>
+            <a:lvl9pPr marL="6949440" indent="0">
               <a:buNone/>
-              <a:defRPr sz="1600">
-                <a:solidFill>
-                  <a:schemeClr val="tx1">
-                    <a:tint val="75000"/>
-                  </a:schemeClr>
-                </a:solidFill>
-              </a:defRPr>
-            </a:lvl8pPr>
-            <a:lvl9pPr marL="3657600" indent="0">
-              <a:buNone/>
-              <a:defRPr sz="1600">
+              <a:defRPr sz="3040">
                 <a:solidFill>
                   <a:schemeClr val="tx1">
                     <a:tint val="75000"/>
@@ -1572,13 +1545,7 @@
       </p:sp>
       <p:sp>
         <p:nvSpPr>
-          <p:cNvPr id="4" name="Date Placeholder 3">
-            <a:extLst>
-              <a:ext uri="{FF2B5EF4-FFF2-40B4-BE49-F238E27FC236}">
-                <a16:creationId xmlns:a16="http://schemas.microsoft.com/office/drawing/2014/main" id="{67F2FFFF-1BE7-F90B-6E6B-64DE5FA9B1DD}"/>
-              </a:ext>
-            </a:extLst>
-          </p:cNvPr>
+          <p:cNvPr id="4" name="Date Placeholder 3"/>
           <p:cNvSpPr>
             <a:spLocks noGrp="1"/>
           </p:cNvSpPr>
@@ -1593,7 +1560,7 @@
           <a:p>
             <a:fld id="{C6D5F118-0C7E-4BDD-BBA0-7F61C0FBD2C0}" type="datetimeFigureOut">
               <a:rPr lang="en-US" smtClean="0"/>
-              <a:t>7/23/2023</a:t>
+              <a:t>07/28/2023</a:t>
             </a:fld>
             <a:endParaRPr lang="en-US"/>
           </a:p>
@@ -1601,13 +1568,7 @@
       </p:sp>
       <p:sp>
         <p:nvSpPr>
-          <p:cNvPr id="5" name="Footer Placeholder 4">
-            <a:extLst>
-              <a:ext uri="{FF2B5EF4-FFF2-40B4-BE49-F238E27FC236}">
-                <a16:creationId xmlns:a16="http://schemas.microsoft.com/office/drawing/2014/main" id="{7DEC9AF6-02C6-957E-28BE-4D60D4C157B8}"/>
-              </a:ext>
-            </a:extLst>
-          </p:cNvPr>
+          <p:cNvPr id="5" name="Footer Placeholder 4"/>
           <p:cNvSpPr>
             <a:spLocks noGrp="1"/>
           </p:cNvSpPr>
@@ -1626,13 +1587,7 @@
       </p:sp>
       <p:sp>
         <p:nvSpPr>
-          <p:cNvPr id="6" name="Slide Number Placeholder 5">
-            <a:extLst>
-              <a:ext uri="{FF2B5EF4-FFF2-40B4-BE49-F238E27FC236}">
-                <a16:creationId xmlns:a16="http://schemas.microsoft.com/office/drawing/2014/main" id="{764BDFCB-C746-9E03-127F-3BFE088B8333}"/>
-              </a:ext>
-            </a:extLst>
-          </p:cNvPr>
+          <p:cNvPr id="6" name="Slide Number Placeholder 5"/>
           <p:cNvSpPr>
             <a:spLocks noGrp="1"/>
           </p:cNvSpPr>
@@ -1656,7 +1611,7 @@
     </p:spTree>
     <p:extLst>
       <p:ext uri="{BB962C8B-B14F-4D97-AF65-F5344CB8AC3E}">
-        <p14:creationId xmlns:p14="http://schemas.microsoft.com/office/powerpoint/2010/main" val="2213629009"/>
+        <p14:creationId xmlns:p14="http://schemas.microsoft.com/office/powerpoint/2010/main" val="3368847269"/>
       </p:ext>
     </p:extLst>
   </p:cSld>
@@ -1685,13 +1640,7 @@
       </p:grpSpPr>
       <p:sp>
         <p:nvSpPr>
-          <p:cNvPr id="2" name="Title 1">
-            <a:extLst>
-              <a:ext uri="{FF2B5EF4-FFF2-40B4-BE49-F238E27FC236}">
-                <a16:creationId xmlns:a16="http://schemas.microsoft.com/office/drawing/2014/main" id="{1A897C1B-93E1-5730-E8C1-903D473424EC}"/>
-              </a:ext>
-            </a:extLst>
-          </p:cNvPr>
+          <p:cNvPr id="2" name="Title 1"/>
           <p:cNvSpPr>
             <a:spLocks noGrp="1"/>
           </p:cNvSpPr>
@@ -1708,18 +1657,13 @@
               <a:rPr lang="en-US"/>
               <a:t>Click to edit Master title style</a:t>
             </a:r>
+            <a:endParaRPr lang="en-US" dirty="0"/>
           </a:p>
         </p:txBody>
       </p:sp>
       <p:sp>
         <p:nvSpPr>
-          <p:cNvPr id="3" name="Content Placeholder 2">
-            <a:extLst>
-              <a:ext uri="{FF2B5EF4-FFF2-40B4-BE49-F238E27FC236}">
-                <a16:creationId xmlns:a16="http://schemas.microsoft.com/office/drawing/2014/main" id="{081DB70B-9DE7-B1F4-5177-A60F5E068362}"/>
-              </a:ext>
-            </a:extLst>
-          </p:cNvPr>
+          <p:cNvPr id="3" name="Content Placeholder 2"/>
           <p:cNvSpPr>
             <a:spLocks noGrp="1"/>
           </p:cNvSpPr>
@@ -1729,8 +1673,8 @@
         </p:nvSpPr>
         <p:spPr>
           <a:xfrm>
-            <a:off x="838200" y="1825625"/>
-            <a:ext cx="5181600" cy="4351338"/>
+            <a:off x="1194435" y="4868333"/>
+            <a:ext cx="7383780" cy="11603568"/>
           </a:xfrm>
         </p:spPr>
         <p:txBody>
@@ -1770,18 +1714,13 @@
               <a:rPr lang="en-US"/>
               <a:t>Fifth level</a:t>
             </a:r>
+            <a:endParaRPr lang="en-US" dirty="0"/>
           </a:p>
         </p:txBody>
       </p:sp>
       <p:sp>
         <p:nvSpPr>
-          <p:cNvPr id="4" name="Content Placeholder 3">
-            <a:extLst>
-              <a:ext uri="{FF2B5EF4-FFF2-40B4-BE49-F238E27FC236}">
-                <a16:creationId xmlns:a16="http://schemas.microsoft.com/office/drawing/2014/main" id="{7930C5DB-3DBC-2F6B-388F-9CE3026FBF30}"/>
-              </a:ext>
-            </a:extLst>
-          </p:cNvPr>
+          <p:cNvPr id="4" name="Content Placeholder 3"/>
           <p:cNvSpPr>
             <a:spLocks noGrp="1"/>
           </p:cNvSpPr>
@@ -1791,8 +1730,8 @@
         </p:nvSpPr>
         <p:spPr>
           <a:xfrm>
-            <a:off x="6172200" y="1825625"/>
-            <a:ext cx="5181600" cy="4351338"/>
+            <a:off x="8795385" y="4868333"/>
+            <a:ext cx="7383780" cy="11603568"/>
           </a:xfrm>
         </p:spPr>
         <p:txBody>
@@ -1832,18 +1771,13 @@
               <a:rPr lang="en-US"/>
               <a:t>Fifth level</a:t>
             </a:r>
+            <a:endParaRPr lang="en-US" dirty="0"/>
           </a:p>
         </p:txBody>
       </p:sp>
       <p:sp>
         <p:nvSpPr>
-          <p:cNvPr id="5" name="Date Placeholder 4">
-            <a:extLst>
-              <a:ext uri="{FF2B5EF4-FFF2-40B4-BE49-F238E27FC236}">
-                <a16:creationId xmlns:a16="http://schemas.microsoft.com/office/drawing/2014/main" id="{950AC4EC-32B7-05A3-062A-2B4ADEE37C58}"/>
-              </a:ext>
-            </a:extLst>
-          </p:cNvPr>
+          <p:cNvPr id="5" name="Date Placeholder 4"/>
           <p:cNvSpPr>
             <a:spLocks noGrp="1"/>
           </p:cNvSpPr>
@@ -1858,7 +1792,7 @@
           <a:p>
             <a:fld id="{C6D5F118-0C7E-4BDD-BBA0-7F61C0FBD2C0}" type="datetimeFigureOut">
               <a:rPr lang="en-US" smtClean="0"/>
-              <a:t>7/23/2023</a:t>
+              <a:t>07/28/2023</a:t>
             </a:fld>
             <a:endParaRPr lang="en-US"/>
           </a:p>
@@ -1866,13 +1800,7 @@
       </p:sp>
       <p:sp>
         <p:nvSpPr>
-          <p:cNvPr id="6" name="Footer Placeholder 5">
-            <a:extLst>
-              <a:ext uri="{FF2B5EF4-FFF2-40B4-BE49-F238E27FC236}">
-                <a16:creationId xmlns:a16="http://schemas.microsoft.com/office/drawing/2014/main" id="{1C42FB7B-AE6C-5B18-4971-62F60B6875B3}"/>
-              </a:ext>
-            </a:extLst>
-          </p:cNvPr>
+          <p:cNvPr id="6" name="Footer Placeholder 5"/>
           <p:cNvSpPr>
             <a:spLocks noGrp="1"/>
           </p:cNvSpPr>
@@ -1891,13 +1819,7 @@
       </p:sp>
       <p:sp>
         <p:nvSpPr>
-          <p:cNvPr id="7" name="Slide Number Placeholder 6">
-            <a:extLst>
-              <a:ext uri="{FF2B5EF4-FFF2-40B4-BE49-F238E27FC236}">
-                <a16:creationId xmlns:a16="http://schemas.microsoft.com/office/drawing/2014/main" id="{FC92875D-7211-4E64-32FF-F8F2F73800ED}"/>
-              </a:ext>
-            </a:extLst>
-          </p:cNvPr>
+          <p:cNvPr id="7" name="Slide Number Placeholder 6"/>
           <p:cNvSpPr>
             <a:spLocks noGrp="1"/>
           </p:cNvSpPr>
@@ -1921,7 +1843,7 @@
     </p:spTree>
     <p:extLst>
       <p:ext uri="{BB962C8B-B14F-4D97-AF65-F5344CB8AC3E}">
-        <p14:creationId xmlns:p14="http://schemas.microsoft.com/office/powerpoint/2010/main" val="2785627114"/>
+        <p14:creationId xmlns:p14="http://schemas.microsoft.com/office/powerpoint/2010/main" val="3966014309"/>
       </p:ext>
     </p:extLst>
   </p:cSld>
@@ -1950,13 +1872,7 @@
       </p:grpSpPr>
       <p:sp>
         <p:nvSpPr>
-          <p:cNvPr id="2" name="Title 1">
-            <a:extLst>
-              <a:ext uri="{FF2B5EF4-FFF2-40B4-BE49-F238E27FC236}">
-                <a16:creationId xmlns:a16="http://schemas.microsoft.com/office/drawing/2014/main" id="{BA30A735-EA09-FC04-D0FA-0460ACE5E437}"/>
-              </a:ext>
-            </a:extLst>
-          </p:cNvPr>
+          <p:cNvPr id="2" name="Title 1"/>
           <p:cNvSpPr>
             <a:spLocks noGrp="1"/>
           </p:cNvSpPr>
@@ -1966,8 +1882,8 @@
         </p:nvSpPr>
         <p:spPr>
           <a:xfrm>
-            <a:off x="839788" y="365125"/>
-            <a:ext cx="10515600" cy="1325563"/>
+            <a:off x="1196698" y="973671"/>
+            <a:ext cx="14984730" cy="3534835"/>
           </a:xfrm>
         </p:spPr>
         <p:txBody>
@@ -1978,18 +1894,13 @@
               <a:rPr lang="en-US"/>
               <a:t>Click to edit Master title style</a:t>
             </a:r>
+            <a:endParaRPr lang="en-US" dirty="0"/>
           </a:p>
         </p:txBody>
       </p:sp>
       <p:sp>
         <p:nvSpPr>
-          <p:cNvPr id="3" name="Text Placeholder 2">
-            <a:extLst>
-              <a:ext uri="{FF2B5EF4-FFF2-40B4-BE49-F238E27FC236}">
-                <a16:creationId xmlns:a16="http://schemas.microsoft.com/office/drawing/2014/main" id="{1544DB13-E6F0-A448-2612-672C0F78C6EA}"/>
-              </a:ext>
-            </a:extLst>
-          </p:cNvPr>
+          <p:cNvPr id="3" name="Text Placeholder 2"/>
           <p:cNvSpPr>
             <a:spLocks noGrp="1"/>
           </p:cNvSpPr>
@@ -1999,8 +1910,8 @@
         </p:nvSpPr>
         <p:spPr>
           <a:xfrm>
-            <a:off x="839788" y="1681163"/>
-            <a:ext cx="5157787" cy="823912"/>
+            <a:off x="1196700" y="4483101"/>
+            <a:ext cx="7349846" cy="2197099"/>
           </a:xfrm>
         </p:spPr>
         <p:txBody>
@@ -2008,39 +1919,39 @@
           <a:lstStyle>
             <a:lvl1pPr marL="0" indent="0">
               <a:buNone/>
-              <a:defRPr sz="2400" b="1"/>
+              <a:defRPr sz="4560" b="1"/>
             </a:lvl1pPr>
-            <a:lvl2pPr marL="457200" indent="0">
+            <a:lvl2pPr marL="868680" indent="0">
               <a:buNone/>
-              <a:defRPr sz="2000" b="1"/>
+              <a:defRPr sz="3800" b="1"/>
             </a:lvl2pPr>
-            <a:lvl3pPr marL="914400" indent="0">
+            <a:lvl3pPr marL="1737360" indent="0">
               <a:buNone/>
-              <a:defRPr sz="1800" b="1"/>
+              <a:defRPr sz="3420" b="1"/>
             </a:lvl3pPr>
-            <a:lvl4pPr marL="1371600" indent="0">
+            <a:lvl4pPr marL="2606040" indent="0">
               <a:buNone/>
-              <a:defRPr sz="1600" b="1"/>
+              <a:defRPr sz="3040" b="1"/>
             </a:lvl4pPr>
-            <a:lvl5pPr marL="1828800" indent="0">
+            <a:lvl5pPr marL="3474720" indent="0">
               <a:buNone/>
-              <a:defRPr sz="1600" b="1"/>
+              <a:defRPr sz="3040" b="1"/>
             </a:lvl5pPr>
-            <a:lvl6pPr marL="2286000" indent="0">
+            <a:lvl6pPr marL="4343400" indent="0">
               <a:buNone/>
-              <a:defRPr sz="1600" b="1"/>
+              <a:defRPr sz="3040" b="1"/>
             </a:lvl6pPr>
-            <a:lvl7pPr marL="2743200" indent="0">
+            <a:lvl7pPr marL="5212080" indent="0">
               <a:buNone/>
-              <a:defRPr sz="1600" b="1"/>
+              <a:defRPr sz="3040" b="1"/>
             </a:lvl7pPr>
-            <a:lvl8pPr marL="3200400" indent="0">
+            <a:lvl8pPr marL="6080760" indent="0">
               <a:buNone/>
-              <a:defRPr sz="1600" b="1"/>
+              <a:defRPr sz="3040" b="1"/>
             </a:lvl8pPr>
-            <a:lvl9pPr marL="3657600" indent="0">
+            <a:lvl9pPr marL="6949440" indent="0">
               <a:buNone/>
-              <a:defRPr sz="1600" b="1"/>
+              <a:defRPr sz="3040" b="1"/>
             </a:lvl9pPr>
           </a:lstStyle>
           <a:p>
@@ -2054,13 +1965,7 @@
       </p:sp>
       <p:sp>
         <p:nvSpPr>
-          <p:cNvPr id="4" name="Content Placeholder 3">
-            <a:extLst>
-              <a:ext uri="{FF2B5EF4-FFF2-40B4-BE49-F238E27FC236}">
-                <a16:creationId xmlns:a16="http://schemas.microsoft.com/office/drawing/2014/main" id="{8F38C2D0-D3A9-162C-F986-D98C85E451CE}"/>
-              </a:ext>
-            </a:extLst>
-          </p:cNvPr>
+          <p:cNvPr id="4" name="Content Placeholder 3"/>
           <p:cNvSpPr>
             <a:spLocks noGrp="1"/>
           </p:cNvSpPr>
@@ -2070,8 +1975,8 @@
         </p:nvSpPr>
         <p:spPr>
           <a:xfrm>
-            <a:off x="839788" y="2505075"/>
-            <a:ext cx="5157787" cy="3684588"/>
+            <a:off x="1196700" y="6680200"/>
+            <a:ext cx="7349846" cy="9825568"/>
           </a:xfrm>
         </p:spPr>
         <p:txBody>
@@ -2111,18 +2016,13 @@
               <a:rPr lang="en-US"/>
               <a:t>Fifth level</a:t>
             </a:r>
+            <a:endParaRPr lang="en-US" dirty="0"/>
           </a:p>
         </p:txBody>
       </p:sp>
       <p:sp>
         <p:nvSpPr>
-          <p:cNvPr id="5" name="Text Placeholder 4">
-            <a:extLst>
-              <a:ext uri="{FF2B5EF4-FFF2-40B4-BE49-F238E27FC236}">
-                <a16:creationId xmlns:a16="http://schemas.microsoft.com/office/drawing/2014/main" id="{C9ECDCED-3448-A6F8-3D1F-7A11CA305DAE}"/>
-              </a:ext>
-            </a:extLst>
-          </p:cNvPr>
+          <p:cNvPr id="5" name="Text Placeholder 4"/>
           <p:cNvSpPr>
             <a:spLocks noGrp="1"/>
           </p:cNvSpPr>
@@ -2132,8 +2032,8 @@
         </p:nvSpPr>
         <p:spPr>
           <a:xfrm>
-            <a:off x="6172200" y="1681163"/>
-            <a:ext cx="5183188" cy="823912"/>
+            <a:off x="8795386" y="4483101"/>
+            <a:ext cx="7386043" cy="2197099"/>
           </a:xfrm>
         </p:spPr>
         <p:txBody>
@@ -2141,39 +2041,39 @@
           <a:lstStyle>
             <a:lvl1pPr marL="0" indent="0">
               <a:buNone/>
-              <a:defRPr sz="2400" b="1"/>
+              <a:defRPr sz="4560" b="1"/>
             </a:lvl1pPr>
-            <a:lvl2pPr marL="457200" indent="0">
+            <a:lvl2pPr marL="868680" indent="0">
               <a:buNone/>
-              <a:defRPr sz="2000" b="1"/>
+              <a:defRPr sz="3800" b="1"/>
             </a:lvl2pPr>
-            <a:lvl3pPr marL="914400" indent="0">
+            <a:lvl3pPr marL="1737360" indent="0">
               <a:buNone/>
-              <a:defRPr sz="1800" b="1"/>
+              <a:defRPr sz="3420" b="1"/>
             </a:lvl3pPr>
-            <a:lvl4pPr marL="1371600" indent="0">
+            <a:lvl4pPr marL="2606040" indent="0">
               <a:buNone/>
-              <a:defRPr sz="1600" b="1"/>
+              <a:defRPr sz="3040" b="1"/>
             </a:lvl4pPr>
-            <a:lvl5pPr marL="1828800" indent="0">
+            <a:lvl5pPr marL="3474720" indent="0">
               <a:buNone/>
-              <a:defRPr sz="1600" b="1"/>
+              <a:defRPr sz="3040" b="1"/>
             </a:lvl5pPr>
-            <a:lvl6pPr marL="2286000" indent="0">
+            <a:lvl6pPr marL="4343400" indent="0">
               <a:buNone/>
-              <a:defRPr sz="1600" b="1"/>
+              <a:defRPr sz="3040" b="1"/>
             </a:lvl6pPr>
-            <a:lvl7pPr marL="2743200" indent="0">
+            <a:lvl7pPr marL="5212080" indent="0">
               <a:buNone/>
-              <a:defRPr sz="1600" b="1"/>
+              <a:defRPr sz="3040" b="1"/>
             </a:lvl7pPr>
-            <a:lvl8pPr marL="3200400" indent="0">
+            <a:lvl8pPr marL="6080760" indent="0">
               <a:buNone/>
-              <a:defRPr sz="1600" b="1"/>
+              <a:defRPr sz="3040" b="1"/>
             </a:lvl8pPr>
-            <a:lvl9pPr marL="3657600" indent="0">
+            <a:lvl9pPr marL="6949440" indent="0">
               <a:buNone/>
-              <a:defRPr sz="1600" b="1"/>
+              <a:defRPr sz="3040" b="1"/>
             </a:lvl9pPr>
           </a:lstStyle>
           <a:p>
@@ -2187,13 +2087,7 @@
       </p:sp>
       <p:sp>
         <p:nvSpPr>
-          <p:cNvPr id="6" name="Content Placeholder 5">
-            <a:extLst>
-              <a:ext uri="{FF2B5EF4-FFF2-40B4-BE49-F238E27FC236}">
-                <a16:creationId xmlns:a16="http://schemas.microsoft.com/office/drawing/2014/main" id="{5E494CBF-6970-6870-68F1-6C7067966426}"/>
-              </a:ext>
-            </a:extLst>
-          </p:cNvPr>
+          <p:cNvPr id="6" name="Content Placeholder 5"/>
           <p:cNvSpPr>
             <a:spLocks noGrp="1"/>
           </p:cNvSpPr>
@@ -2203,8 +2097,8 @@
         </p:nvSpPr>
         <p:spPr>
           <a:xfrm>
-            <a:off x="6172200" y="2505075"/>
-            <a:ext cx="5183188" cy="3684588"/>
+            <a:off x="8795386" y="6680200"/>
+            <a:ext cx="7386043" cy="9825568"/>
           </a:xfrm>
         </p:spPr>
         <p:txBody>
@@ -2244,18 +2138,13 @@
               <a:rPr lang="en-US"/>
               <a:t>Fifth level</a:t>
             </a:r>
+            <a:endParaRPr lang="en-US" dirty="0"/>
           </a:p>
         </p:txBody>
       </p:sp>
       <p:sp>
         <p:nvSpPr>
-          <p:cNvPr id="7" name="Date Placeholder 6">
-            <a:extLst>
-              <a:ext uri="{FF2B5EF4-FFF2-40B4-BE49-F238E27FC236}">
-                <a16:creationId xmlns:a16="http://schemas.microsoft.com/office/drawing/2014/main" id="{496C5DCF-27EC-9A12-92A5-B5A92CE4A484}"/>
-              </a:ext>
-            </a:extLst>
-          </p:cNvPr>
+          <p:cNvPr id="7" name="Date Placeholder 6"/>
           <p:cNvSpPr>
             <a:spLocks noGrp="1"/>
           </p:cNvSpPr>
@@ -2270,7 +2159,7 @@
           <a:p>
             <a:fld id="{C6D5F118-0C7E-4BDD-BBA0-7F61C0FBD2C0}" type="datetimeFigureOut">
               <a:rPr lang="en-US" smtClean="0"/>
-              <a:t>7/23/2023</a:t>
+              <a:t>07/28/2023</a:t>
             </a:fld>
             <a:endParaRPr lang="en-US"/>
           </a:p>
@@ -2278,13 +2167,7 @@
       </p:sp>
       <p:sp>
         <p:nvSpPr>
-          <p:cNvPr id="8" name="Footer Placeholder 7">
-            <a:extLst>
-              <a:ext uri="{FF2B5EF4-FFF2-40B4-BE49-F238E27FC236}">
-                <a16:creationId xmlns:a16="http://schemas.microsoft.com/office/drawing/2014/main" id="{E04B2CA7-B726-A243-8AB3-3F9BE4448A99}"/>
-              </a:ext>
-            </a:extLst>
-          </p:cNvPr>
+          <p:cNvPr id="8" name="Footer Placeholder 7"/>
           <p:cNvSpPr>
             <a:spLocks noGrp="1"/>
           </p:cNvSpPr>
@@ -2303,13 +2186,7 @@
       </p:sp>
       <p:sp>
         <p:nvSpPr>
-          <p:cNvPr id="9" name="Slide Number Placeholder 8">
-            <a:extLst>
-              <a:ext uri="{FF2B5EF4-FFF2-40B4-BE49-F238E27FC236}">
-                <a16:creationId xmlns:a16="http://schemas.microsoft.com/office/drawing/2014/main" id="{018617B4-0924-4BFA-C528-47555C7FDB39}"/>
-              </a:ext>
-            </a:extLst>
-          </p:cNvPr>
+          <p:cNvPr id="9" name="Slide Number Placeholder 8"/>
           <p:cNvSpPr>
             <a:spLocks noGrp="1"/>
           </p:cNvSpPr>
@@ -2333,7 +2210,7 @@
     </p:spTree>
     <p:extLst>
       <p:ext uri="{BB962C8B-B14F-4D97-AF65-F5344CB8AC3E}">
-        <p14:creationId xmlns:p14="http://schemas.microsoft.com/office/powerpoint/2010/main" val="2679017906"/>
+        <p14:creationId xmlns:p14="http://schemas.microsoft.com/office/powerpoint/2010/main" val="4043378291"/>
       </p:ext>
     </p:extLst>
   </p:cSld>
@@ -2362,13 +2239,7 @@
       </p:grpSpPr>
       <p:sp>
         <p:nvSpPr>
-          <p:cNvPr id="2" name="Title 1">
-            <a:extLst>
-              <a:ext uri="{FF2B5EF4-FFF2-40B4-BE49-F238E27FC236}">
-                <a16:creationId xmlns:a16="http://schemas.microsoft.com/office/drawing/2014/main" id="{7E366147-0213-8050-12E4-FE3A3AC25A47}"/>
-              </a:ext>
-            </a:extLst>
-          </p:cNvPr>
+          <p:cNvPr id="2" name="Title 1"/>
           <p:cNvSpPr>
             <a:spLocks noGrp="1"/>
           </p:cNvSpPr>
@@ -2385,18 +2256,13 @@
               <a:rPr lang="en-US"/>
               <a:t>Click to edit Master title style</a:t>
             </a:r>
+            <a:endParaRPr lang="en-US" dirty="0"/>
           </a:p>
         </p:txBody>
       </p:sp>
       <p:sp>
         <p:nvSpPr>
-          <p:cNvPr id="3" name="Date Placeholder 2">
-            <a:extLst>
-              <a:ext uri="{FF2B5EF4-FFF2-40B4-BE49-F238E27FC236}">
-                <a16:creationId xmlns:a16="http://schemas.microsoft.com/office/drawing/2014/main" id="{E1008A64-04AA-0A6B-1832-B506CCAF14AE}"/>
-              </a:ext>
-            </a:extLst>
-          </p:cNvPr>
+          <p:cNvPr id="3" name="Date Placeholder 2"/>
           <p:cNvSpPr>
             <a:spLocks noGrp="1"/>
           </p:cNvSpPr>
@@ -2411,7 +2277,7 @@
           <a:p>
             <a:fld id="{C6D5F118-0C7E-4BDD-BBA0-7F61C0FBD2C0}" type="datetimeFigureOut">
               <a:rPr lang="en-US" smtClean="0"/>
-              <a:t>7/23/2023</a:t>
+              <a:t>07/28/2023</a:t>
             </a:fld>
             <a:endParaRPr lang="en-US"/>
           </a:p>
@@ -2419,13 +2285,7 @@
       </p:sp>
       <p:sp>
         <p:nvSpPr>
-          <p:cNvPr id="4" name="Footer Placeholder 3">
-            <a:extLst>
-              <a:ext uri="{FF2B5EF4-FFF2-40B4-BE49-F238E27FC236}">
-                <a16:creationId xmlns:a16="http://schemas.microsoft.com/office/drawing/2014/main" id="{79293714-5F34-D9D5-2C5C-E90BBD0545E7}"/>
-              </a:ext>
-            </a:extLst>
-          </p:cNvPr>
+          <p:cNvPr id="4" name="Footer Placeholder 3"/>
           <p:cNvSpPr>
             <a:spLocks noGrp="1"/>
           </p:cNvSpPr>
@@ -2444,13 +2304,7 @@
       </p:sp>
       <p:sp>
         <p:nvSpPr>
-          <p:cNvPr id="5" name="Slide Number Placeholder 4">
-            <a:extLst>
-              <a:ext uri="{FF2B5EF4-FFF2-40B4-BE49-F238E27FC236}">
-                <a16:creationId xmlns:a16="http://schemas.microsoft.com/office/drawing/2014/main" id="{80FC3F4B-1BAB-093B-D44A-AE458766FABE}"/>
-              </a:ext>
-            </a:extLst>
-          </p:cNvPr>
+          <p:cNvPr id="5" name="Slide Number Placeholder 4"/>
           <p:cNvSpPr>
             <a:spLocks noGrp="1"/>
           </p:cNvSpPr>
@@ -2474,7 +2328,7 @@
     </p:spTree>
     <p:extLst>
       <p:ext uri="{BB962C8B-B14F-4D97-AF65-F5344CB8AC3E}">
-        <p14:creationId xmlns:p14="http://schemas.microsoft.com/office/powerpoint/2010/main" val="1662001460"/>
+        <p14:creationId xmlns:p14="http://schemas.microsoft.com/office/powerpoint/2010/main" val="3861958141"/>
       </p:ext>
     </p:extLst>
   </p:cSld>
@@ -2503,13 +2357,7 @@
       </p:grpSpPr>
       <p:sp>
         <p:nvSpPr>
-          <p:cNvPr id="2" name="Date Placeholder 1">
-            <a:extLst>
-              <a:ext uri="{FF2B5EF4-FFF2-40B4-BE49-F238E27FC236}">
-                <a16:creationId xmlns:a16="http://schemas.microsoft.com/office/drawing/2014/main" id="{41930711-E603-2B38-6C58-89B97A99C2AE}"/>
-              </a:ext>
-            </a:extLst>
-          </p:cNvPr>
+          <p:cNvPr id="2" name="Date Placeholder 1"/>
           <p:cNvSpPr>
             <a:spLocks noGrp="1"/>
           </p:cNvSpPr>
@@ -2524,7 +2372,7 @@
           <a:p>
             <a:fld id="{C6D5F118-0C7E-4BDD-BBA0-7F61C0FBD2C0}" type="datetimeFigureOut">
               <a:rPr lang="en-US" smtClean="0"/>
-              <a:t>7/23/2023</a:t>
+              <a:t>07/28/2023</a:t>
             </a:fld>
             <a:endParaRPr lang="en-US"/>
           </a:p>
@@ -2532,13 +2380,7 @@
       </p:sp>
       <p:sp>
         <p:nvSpPr>
-          <p:cNvPr id="3" name="Footer Placeholder 2">
-            <a:extLst>
-              <a:ext uri="{FF2B5EF4-FFF2-40B4-BE49-F238E27FC236}">
-                <a16:creationId xmlns:a16="http://schemas.microsoft.com/office/drawing/2014/main" id="{744B5D81-A73B-75B9-BEB9-50D8266B7B94}"/>
-              </a:ext>
-            </a:extLst>
-          </p:cNvPr>
+          <p:cNvPr id="3" name="Footer Placeholder 2"/>
           <p:cNvSpPr>
             <a:spLocks noGrp="1"/>
           </p:cNvSpPr>
@@ -2557,13 +2399,7 @@
       </p:sp>
       <p:sp>
         <p:nvSpPr>
-          <p:cNvPr id="4" name="Slide Number Placeholder 3">
-            <a:extLst>
-              <a:ext uri="{FF2B5EF4-FFF2-40B4-BE49-F238E27FC236}">
-                <a16:creationId xmlns:a16="http://schemas.microsoft.com/office/drawing/2014/main" id="{70B70859-040F-3269-BD7C-5D13E8AC3A4A}"/>
-              </a:ext>
-            </a:extLst>
-          </p:cNvPr>
+          <p:cNvPr id="4" name="Slide Number Placeholder 3"/>
           <p:cNvSpPr>
             <a:spLocks noGrp="1"/>
           </p:cNvSpPr>
@@ -2587,7 +2423,7 @@
     </p:spTree>
     <p:extLst>
       <p:ext uri="{BB962C8B-B14F-4D97-AF65-F5344CB8AC3E}">
-        <p14:creationId xmlns:p14="http://schemas.microsoft.com/office/powerpoint/2010/main" val="3628802874"/>
+        <p14:creationId xmlns:p14="http://schemas.microsoft.com/office/powerpoint/2010/main" val="3138578469"/>
       </p:ext>
     </p:extLst>
   </p:cSld>
@@ -2616,13 +2452,7 @@
       </p:grpSpPr>
       <p:sp>
         <p:nvSpPr>
-          <p:cNvPr id="2" name="Title 1">
-            <a:extLst>
-              <a:ext uri="{FF2B5EF4-FFF2-40B4-BE49-F238E27FC236}">
-                <a16:creationId xmlns:a16="http://schemas.microsoft.com/office/drawing/2014/main" id="{FFDA254F-48BB-C061-E436-3FA568AF6EC4}"/>
-              </a:ext>
-            </a:extLst>
-          </p:cNvPr>
+          <p:cNvPr id="2" name="Title 1"/>
           <p:cNvSpPr>
             <a:spLocks noGrp="1"/>
           </p:cNvSpPr>
@@ -2632,15 +2462,15 @@
         </p:nvSpPr>
         <p:spPr>
           <a:xfrm>
-            <a:off x="839788" y="457200"/>
-            <a:ext cx="3932237" cy="1600200"/>
+            <a:off x="1196698" y="1219200"/>
+            <a:ext cx="5603438" cy="4267200"/>
           </a:xfrm>
         </p:spPr>
         <p:txBody>
           <a:bodyPr anchor="b"/>
           <a:lstStyle>
             <a:lvl1pPr>
-              <a:defRPr sz="3200"/>
+              <a:defRPr sz="6080"/>
             </a:lvl1pPr>
           </a:lstStyle>
           <a:p>
@@ -2648,18 +2478,13 @@
               <a:rPr lang="en-US"/>
               <a:t>Click to edit Master title style</a:t>
             </a:r>
+            <a:endParaRPr lang="en-US" dirty="0"/>
           </a:p>
         </p:txBody>
       </p:sp>
       <p:sp>
         <p:nvSpPr>
-          <p:cNvPr id="3" name="Content Placeholder 2">
-            <a:extLst>
-              <a:ext uri="{FF2B5EF4-FFF2-40B4-BE49-F238E27FC236}">
-                <a16:creationId xmlns:a16="http://schemas.microsoft.com/office/drawing/2014/main" id="{00B38302-F9D3-1ACD-47C4-1F87DDBC43E4}"/>
-              </a:ext>
-            </a:extLst>
-          </p:cNvPr>
+          <p:cNvPr id="3" name="Content Placeholder 2"/>
           <p:cNvSpPr>
             <a:spLocks noGrp="1"/>
           </p:cNvSpPr>
@@ -2669,39 +2494,39 @@
         </p:nvSpPr>
         <p:spPr>
           <a:xfrm>
-            <a:off x="5183188" y="987425"/>
-            <a:ext cx="6172200" cy="4873625"/>
+            <a:off x="7386043" y="2633138"/>
+            <a:ext cx="8795385" cy="12996333"/>
           </a:xfrm>
         </p:spPr>
         <p:txBody>
           <a:bodyPr/>
           <a:lstStyle>
             <a:lvl1pPr>
-              <a:defRPr sz="3200"/>
+              <a:defRPr sz="6080"/>
             </a:lvl1pPr>
             <a:lvl2pPr>
-              <a:defRPr sz="2800"/>
+              <a:defRPr sz="5320"/>
             </a:lvl2pPr>
             <a:lvl3pPr>
-              <a:defRPr sz="2400"/>
+              <a:defRPr sz="4560"/>
             </a:lvl3pPr>
             <a:lvl4pPr>
-              <a:defRPr sz="2000"/>
+              <a:defRPr sz="3800"/>
             </a:lvl4pPr>
             <a:lvl5pPr>
-              <a:defRPr sz="2000"/>
+              <a:defRPr sz="3800"/>
             </a:lvl5pPr>
             <a:lvl6pPr>
-              <a:defRPr sz="2000"/>
+              <a:defRPr sz="3800"/>
             </a:lvl6pPr>
             <a:lvl7pPr>
-              <a:defRPr sz="2000"/>
+              <a:defRPr sz="3800"/>
             </a:lvl7pPr>
             <a:lvl8pPr>
-              <a:defRPr sz="2000"/>
+              <a:defRPr sz="3800"/>
             </a:lvl8pPr>
             <a:lvl9pPr>
-              <a:defRPr sz="2000"/>
+              <a:defRPr sz="3800"/>
             </a:lvl9pPr>
           </a:lstStyle>
           <a:p>
@@ -2738,18 +2563,13 @@
               <a:rPr lang="en-US"/>
               <a:t>Fifth level</a:t>
             </a:r>
+            <a:endParaRPr lang="en-US" dirty="0"/>
           </a:p>
         </p:txBody>
       </p:sp>
       <p:sp>
         <p:nvSpPr>
-          <p:cNvPr id="4" name="Text Placeholder 3">
-            <a:extLst>
-              <a:ext uri="{FF2B5EF4-FFF2-40B4-BE49-F238E27FC236}">
-                <a16:creationId xmlns:a16="http://schemas.microsoft.com/office/drawing/2014/main" id="{8592E5E0-0A84-ADFC-7262-68EF3249D19B}"/>
-              </a:ext>
-            </a:extLst>
-          </p:cNvPr>
+          <p:cNvPr id="4" name="Text Placeholder 3"/>
           <p:cNvSpPr>
             <a:spLocks noGrp="1"/>
           </p:cNvSpPr>
@@ -2759,8 +2579,8 @@
         </p:nvSpPr>
         <p:spPr>
           <a:xfrm>
-            <a:off x="839788" y="2057400"/>
-            <a:ext cx="3932237" cy="3811588"/>
+            <a:off x="1196698" y="5486400"/>
+            <a:ext cx="5603438" cy="10164235"/>
           </a:xfrm>
         </p:spPr>
         <p:txBody>
@@ -2768,39 +2588,39 @@
           <a:lstStyle>
             <a:lvl1pPr marL="0" indent="0">
               <a:buNone/>
-              <a:defRPr sz="1600"/>
+              <a:defRPr sz="3040"/>
             </a:lvl1pPr>
-            <a:lvl2pPr marL="457200" indent="0">
+            <a:lvl2pPr marL="868680" indent="0">
               <a:buNone/>
-              <a:defRPr sz="1400"/>
+              <a:defRPr sz="2660"/>
             </a:lvl2pPr>
-            <a:lvl3pPr marL="914400" indent="0">
+            <a:lvl3pPr marL="1737360" indent="0">
               <a:buNone/>
-              <a:defRPr sz="1200"/>
+              <a:defRPr sz="2280"/>
             </a:lvl3pPr>
-            <a:lvl4pPr marL="1371600" indent="0">
+            <a:lvl4pPr marL="2606040" indent="0">
               <a:buNone/>
-              <a:defRPr sz="1000"/>
+              <a:defRPr sz="1900"/>
             </a:lvl4pPr>
-            <a:lvl5pPr marL="1828800" indent="0">
+            <a:lvl5pPr marL="3474720" indent="0">
               <a:buNone/>
-              <a:defRPr sz="1000"/>
+              <a:defRPr sz="1900"/>
             </a:lvl5pPr>
-            <a:lvl6pPr marL="2286000" indent="0">
+            <a:lvl6pPr marL="4343400" indent="0">
               <a:buNone/>
-              <a:defRPr sz="1000"/>
+              <a:defRPr sz="1900"/>
             </a:lvl6pPr>
-            <a:lvl7pPr marL="2743200" indent="0">
+            <a:lvl7pPr marL="5212080" indent="0">
               <a:buNone/>
-              <a:defRPr sz="1000"/>
+              <a:defRPr sz="1900"/>
             </a:lvl7pPr>
-            <a:lvl8pPr marL="3200400" indent="0">
+            <a:lvl8pPr marL="6080760" indent="0">
               <a:buNone/>
-              <a:defRPr sz="1000"/>
+              <a:defRPr sz="1900"/>
             </a:lvl8pPr>
-            <a:lvl9pPr marL="3657600" indent="0">
+            <a:lvl9pPr marL="6949440" indent="0">
               <a:buNone/>
-              <a:defRPr sz="1000"/>
+              <a:defRPr sz="1900"/>
             </a:lvl9pPr>
           </a:lstStyle>
           <a:p>
@@ -2814,13 +2634,7 @@
       </p:sp>
       <p:sp>
         <p:nvSpPr>
-          <p:cNvPr id="5" name="Date Placeholder 4">
-            <a:extLst>
-              <a:ext uri="{FF2B5EF4-FFF2-40B4-BE49-F238E27FC236}">
-                <a16:creationId xmlns:a16="http://schemas.microsoft.com/office/drawing/2014/main" id="{C3B4EC10-D458-52A9-B4AA-C8F239DB10E4}"/>
-              </a:ext>
-            </a:extLst>
-          </p:cNvPr>
+          <p:cNvPr id="5" name="Date Placeholder 4"/>
           <p:cNvSpPr>
             <a:spLocks noGrp="1"/>
           </p:cNvSpPr>
@@ -2835,7 +2649,7 @@
           <a:p>
             <a:fld id="{C6D5F118-0C7E-4BDD-BBA0-7F61C0FBD2C0}" type="datetimeFigureOut">
               <a:rPr lang="en-US" smtClean="0"/>
-              <a:t>7/23/2023</a:t>
+              <a:t>07/28/2023</a:t>
             </a:fld>
             <a:endParaRPr lang="en-US"/>
           </a:p>
@@ -2843,13 +2657,7 @@
       </p:sp>
       <p:sp>
         <p:nvSpPr>
-          <p:cNvPr id="6" name="Footer Placeholder 5">
-            <a:extLst>
-              <a:ext uri="{FF2B5EF4-FFF2-40B4-BE49-F238E27FC236}">
-                <a16:creationId xmlns:a16="http://schemas.microsoft.com/office/drawing/2014/main" id="{A21E0A28-6850-6270-487F-112E60EF4D98}"/>
-              </a:ext>
-            </a:extLst>
-          </p:cNvPr>
+          <p:cNvPr id="6" name="Footer Placeholder 5"/>
           <p:cNvSpPr>
             <a:spLocks noGrp="1"/>
           </p:cNvSpPr>
@@ -2868,13 +2676,7 @@
       </p:sp>
       <p:sp>
         <p:nvSpPr>
-          <p:cNvPr id="7" name="Slide Number Placeholder 6">
-            <a:extLst>
-              <a:ext uri="{FF2B5EF4-FFF2-40B4-BE49-F238E27FC236}">
-                <a16:creationId xmlns:a16="http://schemas.microsoft.com/office/drawing/2014/main" id="{6E6A7EBD-E90A-500F-D10D-684FC02EAC87}"/>
-              </a:ext>
-            </a:extLst>
-          </p:cNvPr>
+          <p:cNvPr id="7" name="Slide Number Placeholder 6"/>
           <p:cNvSpPr>
             <a:spLocks noGrp="1"/>
           </p:cNvSpPr>
@@ -2898,7 +2700,7 @@
     </p:spTree>
     <p:extLst>
       <p:ext uri="{BB962C8B-B14F-4D97-AF65-F5344CB8AC3E}">
-        <p14:creationId xmlns:p14="http://schemas.microsoft.com/office/powerpoint/2010/main" val="3336242286"/>
+        <p14:creationId xmlns:p14="http://schemas.microsoft.com/office/powerpoint/2010/main" val="4223535075"/>
       </p:ext>
     </p:extLst>
   </p:cSld>
@@ -2927,13 +2729,7 @@
       </p:grpSpPr>
       <p:sp>
         <p:nvSpPr>
-          <p:cNvPr id="2" name="Title 1">
-            <a:extLst>
-              <a:ext uri="{FF2B5EF4-FFF2-40B4-BE49-F238E27FC236}">
-                <a16:creationId xmlns:a16="http://schemas.microsoft.com/office/drawing/2014/main" id="{9B351259-7166-2298-ED03-08BA311327E4}"/>
-              </a:ext>
-            </a:extLst>
-          </p:cNvPr>
+          <p:cNvPr id="2" name="Title 1"/>
           <p:cNvSpPr>
             <a:spLocks noGrp="1"/>
           </p:cNvSpPr>
@@ -2943,15 +2739,15 @@
         </p:nvSpPr>
         <p:spPr>
           <a:xfrm>
-            <a:off x="839788" y="457200"/>
-            <a:ext cx="3932237" cy="1600200"/>
+            <a:off x="1196698" y="1219200"/>
+            <a:ext cx="5603438" cy="4267200"/>
           </a:xfrm>
         </p:spPr>
         <p:txBody>
           <a:bodyPr anchor="b"/>
           <a:lstStyle>
             <a:lvl1pPr>
-              <a:defRPr sz="3200"/>
+              <a:defRPr sz="6080"/>
             </a:lvl1pPr>
           </a:lstStyle>
           <a:p>
@@ -2959,20 +2755,15 @@
               <a:rPr lang="en-US"/>
               <a:t>Click to edit Master title style</a:t>
             </a:r>
+            <a:endParaRPr lang="en-US" dirty="0"/>
           </a:p>
         </p:txBody>
       </p:sp>
       <p:sp>
         <p:nvSpPr>
-          <p:cNvPr id="3" name="Picture Placeholder 2">
-            <a:extLst>
-              <a:ext uri="{FF2B5EF4-FFF2-40B4-BE49-F238E27FC236}">
-                <a16:creationId xmlns:a16="http://schemas.microsoft.com/office/drawing/2014/main" id="{7A90D381-1F12-2A26-E85E-00457D6D9E0F}"/>
-              </a:ext>
-            </a:extLst>
-          </p:cNvPr>
+          <p:cNvPr id="3" name="Picture Placeholder 2"/>
           <p:cNvSpPr>
-            <a:spLocks noGrp="1"/>
+            <a:spLocks noGrp="1" noChangeAspect="1"/>
           </p:cNvSpPr>
           <p:nvPr>
             <p:ph type="pic" idx="1"/>
@@ -2980,64 +2771,62 @@
         </p:nvSpPr>
         <p:spPr>
           <a:xfrm>
-            <a:off x="5183188" y="987425"/>
-            <a:ext cx="6172200" cy="4873625"/>
+            <a:off x="7386043" y="2633138"/>
+            <a:ext cx="8795385" cy="12996333"/>
           </a:xfrm>
         </p:spPr>
         <p:txBody>
-          <a:bodyPr/>
+          <a:bodyPr anchor="t"/>
           <a:lstStyle>
             <a:lvl1pPr marL="0" indent="0">
               <a:buNone/>
-              <a:defRPr sz="3200"/>
+              <a:defRPr sz="6080"/>
             </a:lvl1pPr>
-            <a:lvl2pPr marL="457200" indent="0">
+            <a:lvl2pPr marL="868680" indent="0">
               <a:buNone/>
-              <a:defRPr sz="2800"/>
+              <a:defRPr sz="5320"/>
             </a:lvl2pPr>
-            <a:lvl3pPr marL="914400" indent="0">
+            <a:lvl3pPr marL="1737360" indent="0">
               <a:buNone/>
-              <a:defRPr sz="2400"/>
+              <a:defRPr sz="4560"/>
             </a:lvl3pPr>
-            <a:lvl4pPr marL="1371600" indent="0">
+            <a:lvl4pPr marL="2606040" indent="0">
               <a:buNone/>
-              <a:defRPr sz="2000"/>
+              <a:defRPr sz="3800"/>
             </a:lvl4pPr>
-            <a:lvl5pPr marL="1828800" indent="0">
+            <a:lvl5pPr marL="3474720" indent="0">
               <a:buNone/>
-              <a:defRPr sz="2000"/>
+              <a:defRPr sz="3800"/>
             </a:lvl5pPr>
-            <a:lvl6pPr marL="2286000" indent="0">
+            <a:lvl6pPr marL="4343400" indent="0">
               <a:buNone/>
-              <a:defRPr sz="2000"/>
+              <a:defRPr sz="3800"/>
             </a:lvl6pPr>
-            <a:lvl7pPr marL="2743200" indent="0">
+            <a:lvl7pPr marL="5212080" indent="0">
               <a:buNone/>
-              <a:defRPr sz="2000"/>
+              <a:defRPr sz="3800"/>
             </a:lvl7pPr>
-            <a:lvl8pPr marL="3200400" indent="0">
+            <a:lvl8pPr marL="6080760" indent="0">
               <a:buNone/>
-              <a:defRPr sz="2000"/>
+              <a:defRPr sz="3800"/>
             </a:lvl8pPr>
-            <a:lvl9pPr marL="3657600" indent="0">
+            <a:lvl9pPr marL="6949440" indent="0">
               <a:buNone/>
-              <a:defRPr sz="2000"/>
+              <a:defRPr sz="3800"/>
             </a:lvl9pPr>
           </a:lstStyle>
           <a:p>
-            <a:endParaRPr lang="en-US"/>
+            <a:r>
+              <a:rPr lang="en-US"/>
+              <a:t>Click icon to add picture</a:t>
+            </a:r>
+            <a:endParaRPr lang="en-US" dirty="0"/>
           </a:p>
         </p:txBody>
       </p:sp>
       <p:sp>
         <p:nvSpPr>
-          <p:cNvPr id="4" name="Text Placeholder 3">
-            <a:extLst>
-              <a:ext uri="{FF2B5EF4-FFF2-40B4-BE49-F238E27FC236}">
-                <a16:creationId xmlns:a16="http://schemas.microsoft.com/office/drawing/2014/main" id="{56459943-4F75-B39C-D586-D547D7645C3B}"/>
-              </a:ext>
-            </a:extLst>
-          </p:cNvPr>
+          <p:cNvPr id="4" name="Text Placeholder 3"/>
           <p:cNvSpPr>
             <a:spLocks noGrp="1"/>
           </p:cNvSpPr>
@@ -3047,8 +2836,8 @@
         </p:nvSpPr>
         <p:spPr>
           <a:xfrm>
-            <a:off x="839788" y="2057400"/>
-            <a:ext cx="3932237" cy="3811588"/>
+            <a:off x="1196698" y="5486400"/>
+            <a:ext cx="5603438" cy="10164235"/>
           </a:xfrm>
         </p:spPr>
         <p:txBody>
@@ -3056,39 +2845,39 @@
           <a:lstStyle>
             <a:lvl1pPr marL="0" indent="0">
               <a:buNone/>
-              <a:defRPr sz="1600"/>
+              <a:defRPr sz="3040"/>
             </a:lvl1pPr>
-            <a:lvl2pPr marL="457200" indent="0">
+            <a:lvl2pPr marL="868680" indent="0">
               <a:buNone/>
-              <a:defRPr sz="1400"/>
+              <a:defRPr sz="2660"/>
             </a:lvl2pPr>
-            <a:lvl3pPr marL="914400" indent="0">
+            <a:lvl3pPr marL="1737360" indent="0">
               <a:buNone/>
-              <a:defRPr sz="1200"/>
+              <a:defRPr sz="2280"/>
             </a:lvl3pPr>
-            <a:lvl4pPr marL="1371600" indent="0">
+            <a:lvl4pPr marL="2606040" indent="0">
               <a:buNone/>
-              <a:defRPr sz="1000"/>
+              <a:defRPr sz="1900"/>
             </a:lvl4pPr>
-            <a:lvl5pPr marL="1828800" indent="0">
+            <a:lvl5pPr marL="3474720" indent="0">
               <a:buNone/>
-              <a:defRPr sz="1000"/>
+              <a:defRPr sz="1900"/>
             </a:lvl5pPr>
-            <a:lvl6pPr marL="2286000" indent="0">
+            <a:lvl6pPr marL="4343400" indent="0">
               <a:buNone/>
-              <a:defRPr sz="1000"/>
+              <a:defRPr sz="1900"/>
             </a:lvl6pPr>
-            <a:lvl7pPr marL="2743200" indent="0">
+            <a:lvl7pPr marL="5212080" indent="0">
               <a:buNone/>
-              <a:defRPr sz="1000"/>
+              <a:defRPr sz="1900"/>
             </a:lvl7pPr>
-            <a:lvl8pPr marL="3200400" indent="0">
+            <a:lvl8pPr marL="6080760" indent="0">
               <a:buNone/>
-              <a:defRPr sz="1000"/>
+              <a:defRPr sz="1900"/>
             </a:lvl8pPr>
-            <a:lvl9pPr marL="3657600" indent="0">
+            <a:lvl9pPr marL="6949440" indent="0">
               <a:buNone/>
-              <a:defRPr sz="1000"/>
+              <a:defRPr sz="1900"/>
             </a:lvl9pPr>
           </a:lstStyle>
           <a:p>
@@ -3102,13 +2891,7 @@
       </p:sp>
       <p:sp>
         <p:nvSpPr>
-          <p:cNvPr id="5" name="Date Placeholder 4">
-            <a:extLst>
-              <a:ext uri="{FF2B5EF4-FFF2-40B4-BE49-F238E27FC236}">
-                <a16:creationId xmlns:a16="http://schemas.microsoft.com/office/drawing/2014/main" id="{8900F9F8-A5D7-F597-2D6E-AA99E6C2A908}"/>
-              </a:ext>
-            </a:extLst>
-          </p:cNvPr>
+          <p:cNvPr id="5" name="Date Placeholder 4"/>
           <p:cNvSpPr>
             <a:spLocks noGrp="1"/>
           </p:cNvSpPr>
@@ -3123,7 +2906,7 @@
           <a:p>
             <a:fld id="{C6D5F118-0C7E-4BDD-BBA0-7F61C0FBD2C0}" type="datetimeFigureOut">
               <a:rPr lang="en-US" smtClean="0"/>
-              <a:t>7/23/2023</a:t>
+              <a:t>07/28/2023</a:t>
             </a:fld>
             <a:endParaRPr lang="en-US"/>
           </a:p>
@@ -3131,13 +2914,7 @@
       </p:sp>
       <p:sp>
         <p:nvSpPr>
-          <p:cNvPr id="6" name="Footer Placeholder 5">
-            <a:extLst>
-              <a:ext uri="{FF2B5EF4-FFF2-40B4-BE49-F238E27FC236}">
-                <a16:creationId xmlns:a16="http://schemas.microsoft.com/office/drawing/2014/main" id="{E7F07687-4FA0-8F52-E77F-280E30CB1F57}"/>
-              </a:ext>
-            </a:extLst>
-          </p:cNvPr>
+          <p:cNvPr id="6" name="Footer Placeholder 5"/>
           <p:cNvSpPr>
             <a:spLocks noGrp="1"/>
           </p:cNvSpPr>
@@ -3156,13 +2933,7 @@
       </p:sp>
       <p:sp>
         <p:nvSpPr>
-          <p:cNvPr id="7" name="Slide Number Placeholder 6">
-            <a:extLst>
-              <a:ext uri="{FF2B5EF4-FFF2-40B4-BE49-F238E27FC236}">
-                <a16:creationId xmlns:a16="http://schemas.microsoft.com/office/drawing/2014/main" id="{04125BF8-CE51-3F6D-2F20-117D5E330B48}"/>
-              </a:ext>
-            </a:extLst>
-          </p:cNvPr>
+          <p:cNvPr id="7" name="Slide Number Placeholder 6"/>
           <p:cNvSpPr>
             <a:spLocks noGrp="1"/>
           </p:cNvSpPr>
@@ -3186,7 +2957,7 @@
     </p:spTree>
     <p:extLst>
       <p:ext uri="{BB962C8B-B14F-4D97-AF65-F5344CB8AC3E}">
-        <p14:creationId xmlns:p14="http://schemas.microsoft.com/office/powerpoint/2010/main" val="1652334487"/>
+        <p14:creationId xmlns:p14="http://schemas.microsoft.com/office/powerpoint/2010/main" val="1775718425"/>
       </p:ext>
     </p:extLst>
   </p:cSld>
@@ -3220,13 +2991,7 @@
       </p:grpSpPr>
       <p:sp>
         <p:nvSpPr>
-          <p:cNvPr id="2" name="Title Placeholder 1">
-            <a:extLst>
-              <a:ext uri="{FF2B5EF4-FFF2-40B4-BE49-F238E27FC236}">
-                <a16:creationId xmlns:a16="http://schemas.microsoft.com/office/drawing/2014/main" id="{7424A0D7-40B6-87B3-53B7-86883B6FE21D}"/>
-              </a:ext>
-            </a:extLst>
-          </p:cNvPr>
+          <p:cNvPr id="2" name="Title Placeholder 1"/>
           <p:cNvSpPr>
             <a:spLocks noGrp="1"/>
           </p:cNvSpPr>
@@ -3236,8 +3001,8 @@
         </p:nvSpPr>
         <p:spPr>
           <a:xfrm>
-            <a:off x="838200" y="365125"/>
-            <a:ext cx="10515600" cy="1325563"/>
+            <a:off x="1194435" y="973671"/>
+            <a:ext cx="14984730" cy="3534835"/>
           </a:xfrm>
           <a:prstGeom prst="rect">
             <a:avLst/>
@@ -3253,18 +3018,13 @@
               <a:rPr lang="en-US"/>
               <a:t>Click to edit Master title style</a:t>
             </a:r>
+            <a:endParaRPr lang="en-US" dirty="0"/>
           </a:p>
         </p:txBody>
       </p:sp>
       <p:sp>
         <p:nvSpPr>
-          <p:cNvPr id="3" name="Text Placeholder 2">
-            <a:extLst>
-              <a:ext uri="{FF2B5EF4-FFF2-40B4-BE49-F238E27FC236}">
-                <a16:creationId xmlns:a16="http://schemas.microsoft.com/office/drawing/2014/main" id="{7054CE78-1863-C9BB-23A4-A2000A886279}"/>
-              </a:ext>
-            </a:extLst>
-          </p:cNvPr>
+          <p:cNvPr id="3" name="Text Placeholder 2"/>
           <p:cNvSpPr>
             <a:spLocks noGrp="1"/>
           </p:cNvSpPr>
@@ -3274,8 +3034,8 @@
         </p:nvSpPr>
         <p:spPr>
           <a:xfrm>
-            <a:off x="838200" y="1825625"/>
-            <a:ext cx="10515600" cy="4351338"/>
+            <a:off x="1194435" y="4868333"/>
+            <a:ext cx="14984730" cy="11603568"/>
           </a:xfrm>
           <a:prstGeom prst="rect">
             <a:avLst/>
@@ -3320,18 +3080,13 @@
               <a:rPr lang="en-US"/>
               <a:t>Fifth level</a:t>
             </a:r>
+            <a:endParaRPr lang="en-US" dirty="0"/>
           </a:p>
         </p:txBody>
       </p:sp>
       <p:sp>
         <p:nvSpPr>
-          <p:cNvPr id="4" name="Date Placeholder 3">
-            <a:extLst>
-              <a:ext uri="{FF2B5EF4-FFF2-40B4-BE49-F238E27FC236}">
-                <a16:creationId xmlns:a16="http://schemas.microsoft.com/office/drawing/2014/main" id="{EE0C5A95-9A8E-E5A7-FCD2-298C0E805FAE}"/>
-              </a:ext>
-            </a:extLst>
-          </p:cNvPr>
+          <p:cNvPr id="4" name="Date Placeholder 3"/>
           <p:cNvSpPr>
             <a:spLocks noGrp="1"/>
           </p:cNvSpPr>
@@ -3341,8 +3096,8 @@
         </p:nvSpPr>
         <p:spPr>
           <a:xfrm>
-            <a:off x="838200" y="6356350"/>
-            <a:ext cx="2743200" cy="365125"/>
+            <a:off x="1194435" y="16950271"/>
+            <a:ext cx="3909060" cy="973667"/>
           </a:xfrm>
           <a:prstGeom prst="rect">
             <a:avLst/>
@@ -3352,7 +3107,7 @@
           <a:bodyPr vert="horz" lIns="91440" tIns="45720" rIns="91440" bIns="45720" rtlCol="0" anchor="ctr"/>
           <a:lstStyle>
             <a:lvl1pPr algn="l">
-              <a:defRPr sz="1200">
+              <a:defRPr sz="2280">
                 <a:solidFill>
                   <a:schemeClr val="tx1">
                     <a:tint val="75000"/>
@@ -3364,7 +3119,7 @@
           <a:p>
             <a:fld id="{C6D5F118-0C7E-4BDD-BBA0-7F61C0FBD2C0}" type="datetimeFigureOut">
               <a:rPr lang="en-US" smtClean="0"/>
-              <a:t>7/23/2023</a:t>
+              <a:t>07/28/2023</a:t>
             </a:fld>
             <a:endParaRPr lang="en-US"/>
           </a:p>
@@ -3372,13 +3127,7 @@
       </p:sp>
       <p:sp>
         <p:nvSpPr>
-          <p:cNvPr id="5" name="Footer Placeholder 4">
-            <a:extLst>
-              <a:ext uri="{FF2B5EF4-FFF2-40B4-BE49-F238E27FC236}">
-                <a16:creationId xmlns:a16="http://schemas.microsoft.com/office/drawing/2014/main" id="{82D93E53-71FA-2BDC-61E9-C5D70DBEFD90}"/>
-              </a:ext>
-            </a:extLst>
-          </p:cNvPr>
+          <p:cNvPr id="5" name="Footer Placeholder 4"/>
           <p:cNvSpPr>
             <a:spLocks noGrp="1"/>
           </p:cNvSpPr>
@@ -3388,8 +3137,8 @@
         </p:nvSpPr>
         <p:spPr>
           <a:xfrm>
-            <a:off x="4038600" y="6356350"/>
-            <a:ext cx="4114800" cy="365125"/>
+            <a:off x="5755005" y="16950271"/>
+            <a:ext cx="5863590" cy="973667"/>
           </a:xfrm>
           <a:prstGeom prst="rect">
             <a:avLst/>
@@ -3399,7 +3148,7 @@
           <a:bodyPr vert="horz" lIns="91440" tIns="45720" rIns="91440" bIns="45720" rtlCol="0" anchor="ctr"/>
           <a:lstStyle>
             <a:lvl1pPr algn="ctr">
-              <a:defRPr sz="1200">
+              <a:defRPr sz="2280">
                 <a:solidFill>
                   <a:schemeClr val="tx1">
                     <a:tint val="75000"/>
@@ -3415,13 +3164,7 @@
       </p:sp>
       <p:sp>
         <p:nvSpPr>
-          <p:cNvPr id="6" name="Slide Number Placeholder 5">
-            <a:extLst>
-              <a:ext uri="{FF2B5EF4-FFF2-40B4-BE49-F238E27FC236}">
-                <a16:creationId xmlns:a16="http://schemas.microsoft.com/office/drawing/2014/main" id="{51A8BE02-4A4B-E0C1-2D07-2884EF781570}"/>
-              </a:ext>
-            </a:extLst>
-          </p:cNvPr>
+          <p:cNvPr id="6" name="Slide Number Placeholder 5"/>
           <p:cNvSpPr>
             <a:spLocks noGrp="1"/>
           </p:cNvSpPr>
@@ -3431,8 +3174,8 @@
         </p:nvSpPr>
         <p:spPr>
           <a:xfrm>
-            <a:off x="8610600" y="6356350"/>
-            <a:ext cx="2743200" cy="365125"/>
+            <a:off x="12270105" y="16950271"/>
+            <a:ext cx="3909060" cy="973667"/>
           </a:xfrm>
           <a:prstGeom prst="rect">
             <a:avLst/>
@@ -3442,7 +3185,7 @@
           <a:bodyPr vert="horz" lIns="91440" tIns="45720" rIns="91440" bIns="45720" rtlCol="0" anchor="ctr"/>
           <a:lstStyle>
             <a:lvl1pPr algn="r">
-              <a:defRPr sz="1200">
+              <a:defRPr sz="2280">
                 <a:solidFill>
                   <a:schemeClr val="tx1">
                     <a:tint val="75000"/>
@@ -3463,27 +3206,27 @@
     </p:spTree>
     <p:extLst>
       <p:ext uri="{BB962C8B-B14F-4D97-AF65-F5344CB8AC3E}">
-        <p14:creationId xmlns:p14="http://schemas.microsoft.com/office/powerpoint/2010/main" val="3629523598"/>
+        <p14:creationId xmlns:p14="http://schemas.microsoft.com/office/powerpoint/2010/main" val="804063895"/>
       </p:ext>
     </p:extLst>
   </p:cSld>
   <p:clrMap bg1="lt1" tx1="dk1" bg2="lt2" tx2="dk2" accent1="accent1" accent2="accent2" accent3="accent3" accent4="accent4" accent5="accent5" accent6="accent6" hlink="hlink" folHlink="folHlink"/>
   <p:sldLayoutIdLst>
-    <p:sldLayoutId id="2147483649" r:id="rId1"/>
-    <p:sldLayoutId id="2147483650" r:id="rId2"/>
-    <p:sldLayoutId id="2147483651" r:id="rId3"/>
-    <p:sldLayoutId id="2147483652" r:id="rId4"/>
-    <p:sldLayoutId id="2147483653" r:id="rId5"/>
-    <p:sldLayoutId id="2147483654" r:id="rId6"/>
-    <p:sldLayoutId id="2147483655" r:id="rId7"/>
-    <p:sldLayoutId id="2147483656" r:id="rId8"/>
-    <p:sldLayoutId id="2147483657" r:id="rId9"/>
-    <p:sldLayoutId id="2147483658" r:id="rId10"/>
-    <p:sldLayoutId id="2147483659" r:id="rId11"/>
+    <p:sldLayoutId id="2147483697" r:id="rId1"/>
+    <p:sldLayoutId id="2147483698" r:id="rId2"/>
+    <p:sldLayoutId id="2147483699" r:id="rId3"/>
+    <p:sldLayoutId id="2147483700" r:id="rId4"/>
+    <p:sldLayoutId id="2147483701" r:id="rId5"/>
+    <p:sldLayoutId id="2147483702" r:id="rId6"/>
+    <p:sldLayoutId id="2147483703" r:id="rId7"/>
+    <p:sldLayoutId id="2147483704" r:id="rId8"/>
+    <p:sldLayoutId id="2147483705" r:id="rId9"/>
+    <p:sldLayoutId id="2147483706" r:id="rId10"/>
+    <p:sldLayoutId id="2147483707" r:id="rId11"/>
   </p:sldLayoutIdLst>
   <p:txStyles>
     <p:titleStyle>
-      <a:lvl1pPr algn="l" defTabSz="914400" rtl="0" eaLnBrk="1" latinLnBrk="0" hangingPunct="1">
+      <a:lvl1pPr algn="l" defTabSz="1737360" rtl="0" eaLnBrk="1" latinLnBrk="0" hangingPunct="1">
         <a:lnSpc>
           <a:spcPct val="90000"/>
         </a:lnSpc>
@@ -3491,7 +3234,7 @@
           <a:spcPct val="0"/>
         </a:spcBef>
         <a:buNone/>
-        <a:defRPr sz="4400" kern="1200">
+        <a:defRPr sz="8360" kern="1200">
           <a:solidFill>
             <a:schemeClr val="tx1"/>
           </a:solidFill>
@@ -3502,16 +3245,16 @@
       </a:lvl1pPr>
     </p:titleStyle>
     <p:bodyStyle>
-      <a:lvl1pPr marL="228600" indent="-228600" algn="l" defTabSz="914400" rtl="0" eaLnBrk="1" latinLnBrk="0" hangingPunct="1">
+      <a:lvl1pPr marL="434340" indent="-434340" algn="l" defTabSz="1737360" rtl="0" eaLnBrk="1" latinLnBrk="0" hangingPunct="1">
         <a:lnSpc>
           <a:spcPct val="90000"/>
         </a:lnSpc>
         <a:spcBef>
-          <a:spcPts val="1000"/>
+          <a:spcPts val="1900"/>
         </a:spcBef>
         <a:buFont typeface="Arial" panose="020B0604020202020204" pitchFamily="34" charset="0"/>
         <a:buChar char="•"/>
-        <a:defRPr sz="2800" kern="1200">
+        <a:defRPr sz="5320" kern="1200">
           <a:solidFill>
             <a:schemeClr val="tx1"/>
           </a:solidFill>
@@ -3520,16 +3263,16 @@
           <a:cs typeface="+mn-cs"/>
         </a:defRPr>
       </a:lvl1pPr>
-      <a:lvl2pPr marL="685800" indent="-228600" algn="l" defTabSz="914400" rtl="0" eaLnBrk="1" latinLnBrk="0" hangingPunct="1">
+      <a:lvl2pPr marL="1303020" indent="-434340" algn="l" defTabSz="1737360" rtl="0" eaLnBrk="1" latinLnBrk="0" hangingPunct="1">
         <a:lnSpc>
           <a:spcPct val="90000"/>
         </a:lnSpc>
         <a:spcBef>
-          <a:spcPts val="500"/>
+          <a:spcPts val="950"/>
         </a:spcBef>
         <a:buFont typeface="Arial" panose="020B0604020202020204" pitchFamily="34" charset="0"/>
         <a:buChar char="•"/>
-        <a:defRPr sz="2400" kern="1200">
+        <a:defRPr sz="4560" kern="1200">
           <a:solidFill>
             <a:schemeClr val="tx1"/>
           </a:solidFill>
@@ -3538,16 +3281,16 @@
           <a:cs typeface="+mn-cs"/>
         </a:defRPr>
       </a:lvl2pPr>
-      <a:lvl3pPr marL="1143000" indent="-228600" algn="l" defTabSz="914400" rtl="0" eaLnBrk="1" latinLnBrk="0" hangingPunct="1">
+      <a:lvl3pPr marL="2171700" indent="-434340" algn="l" defTabSz="1737360" rtl="0" eaLnBrk="1" latinLnBrk="0" hangingPunct="1">
         <a:lnSpc>
           <a:spcPct val="90000"/>
         </a:lnSpc>
         <a:spcBef>
-          <a:spcPts val="500"/>
+          <a:spcPts val="950"/>
         </a:spcBef>
         <a:buFont typeface="Arial" panose="020B0604020202020204" pitchFamily="34" charset="0"/>
         <a:buChar char="•"/>
-        <a:defRPr sz="2000" kern="1200">
+        <a:defRPr sz="3800" kern="1200">
           <a:solidFill>
             <a:schemeClr val="tx1"/>
           </a:solidFill>
@@ -3556,16 +3299,16 @@
           <a:cs typeface="+mn-cs"/>
         </a:defRPr>
       </a:lvl3pPr>
-      <a:lvl4pPr marL="1600200" indent="-228600" algn="l" defTabSz="914400" rtl="0" eaLnBrk="1" latinLnBrk="0" hangingPunct="1">
+      <a:lvl4pPr marL="3040380" indent="-434340" algn="l" defTabSz="1737360" rtl="0" eaLnBrk="1" latinLnBrk="0" hangingPunct="1">
         <a:lnSpc>
           <a:spcPct val="90000"/>
         </a:lnSpc>
         <a:spcBef>
-          <a:spcPts val="500"/>
+          <a:spcPts val="950"/>
         </a:spcBef>
         <a:buFont typeface="Arial" panose="020B0604020202020204" pitchFamily="34" charset="0"/>
         <a:buChar char="•"/>
-        <a:defRPr sz="1800" kern="1200">
+        <a:defRPr sz="3420" kern="1200">
           <a:solidFill>
             <a:schemeClr val="tx1"/>
           </a:solidFill>
@@ -3574,16 +3317,16 @@
           <a:cs typeface="+mn-cs"/>
         </a:defRPr>
       </a:lvl4pPr>
-      <a:lvl5pPr marL="2057400" indent="-228600" algn="l" defTabSz="914400" rtl="0" eaLnBrk="1" latinLnBrk="0" hangingPunct="1">
+      <a:lvl5pPr marL="3909060" indent="-434340" algn="l" defTabSz="1737360" rtl="0" eaLnBrk="1" latinLnBrk="0" hangingPunct="1">
         <a:lnSpc>
           <a:spcPct val="90000"/>
         </a:lnSpc>
         <a:spcBef>
-          <a:spcPts val="500"/>
+          <a:spcPts val="950"/>
         </a:spcBef>
         <a:buFont typeface="Arial" panose="020B0604020202020204" pitchFamily="34" charset="0"/>
         <a:buChar char="•"/>
-        <a:defRPr sz="1800" kern="1200">
+        <a:defRPr sz="3420" kern="1200">
           <a:solidFill>
             <a:schemeClr val="tx1"/>
           </a:solidFill>
@@ -3592,16 +3335,16 @@
           <a:cs typeface="+mn-cs"/>
         </a:defRPr>
       </a:lvl5pPr>
-      <a:lvl6pPr marL="2514600" indent="-228600" algn="l" defTabSz="914400" rtl="0" eaLnBrk="1" latinLnBrk="0" hangingPunct="1">
+      <a:lvl6pPr marL="4777740" indent="-434340" algn="l" defTabSz="1737360" rtl="0" eaLnBrk="1" latinLnBrk="0" hangingPunct="1">
         <a:lnSpc>
           <a:spcPct val="90000"/>
         </a:lnSpc>
         <a:spcBef>
-          <a:spcPts val="500"/>
+          <a:spcPts val="950"/>
         </a:spcBef>
         <a:buFont typeface="Arial" panose="020B0604020202020204" pitchFamily="34" charset="0"/>
         <a:buChar char="•"/>
-        <a:defRPr sz="1800" kern="1200">
+        <a:defRPr sz="3420" kern="1200">
           <a:solidFill>
             <a:schemeClr val="tx1"/>
           </a:solidFill>
@@ -3610,16 +3353,16 @@
           <a:cs typeface="+mn-cs"/>
         </a:defRPr>
       </a:lvl6pPr>
-      <a:lvl7pPr marL="2971800" indent="-228600" algn="l" defTabSz="914400" rtl="0" eaLnBrk="1" latinLnBrk="0" hangingPunct="1">
+      <a:lvl7pPr marL="5646420" indent="-434340" algn="l" defTabSz="1737360" rtl="0" eaLnBrk="1" latinLnBrk="0" hangingPunct="1">
         <a:lnSpc>
           <a:spcPct val="90000"/>
         </a:lnSpc>
         <a:spcBef>
-          <a:spcPts val="500"/>
+          <a:spcPts val="950"/>
         </a:spcBef>
         <a:buFont typeface="Arial" panose="020B0604020202020204" pitchFamily="34" charset="0"/>
         <a:buChar char="•"/>
-        <a:defRPr sz="1800" kern="1200">
+        <a:defRPr sz="3420" kern="1200">
           <a:solidFill>
             <a:schemeClr val="tx1"/>
           </a:solidFill>
@@ -3628,16 +3371,16 @@
           <a:cs typeface="+mn-cs"/>
         </a:defRPr>
       </a:lvl7pPr>
-      <a:lvl8pPr marL="3429000" indent="-228600" algn="l" defTabSz="914400" rtl="0" eaLnBrk="1" latinLnBrk="0" hangingPunct="1">
+      <a:lvl8pPr marL="6515100" indent="-434340" algn="l" defTabSz="1737360" rtl="0" eaLnBrk="1" latinLnBrk="0" hangingPunct="1">
         <a:lnSpc>
           <a:spcPct val="90000"/>
         </a:lnSpc>
         <a:spcBef>
-          <a:spcPts val="500"/>
+          <a:spcPts val="950"/>
         </a:spcBef>
         <a:buFont typeface="Arial" panose="020B0604020202020204" pitchFamily="34" charset="0"/>
         <a:buChar char="•"/>
-        <a:defRPr sz="1800" kern="1200">
+        <a:defRPr sz="3420" kern="1200">
           <a:solidFill>
             <a:schemeClr val="tx1"/>
           </a:solidFill>
@@ -3646,16 +3389,16 @@
           <a:cs typeface="+mn-cs"/>
         </a:defRPr>
       </a:lvl8pPr>
-      <a:lvl9pPr marL="3886200" indent="-228600" algn="l" defTabSz="914400" rtl="0" eaLnBrk="1" latinLnBrk="0" hangingPunct="1">
+      <a:lvl9pPr marL="7383780" indent="-434340" algn="l" defTabSz="1737360" rtl="0" eaLnBrk="1" latinLnBrk="0" hangingPunct="1">
         <a:lnSpc>
           <a:spcPct val="90000"/>
         </a:lnSpc>
         <a:spcBef>
-          <a:spcPts val="500"/>
+          <a:spcPts val="950"/>
         </a:spcBef>
         <a:buFont typeface="Arial" panose="020B0604020202020204" pitchFamily="34" charset="0"/>
         <a:buChar char="•"/>
-        <a:defRPr sz="1800" kern="1200">
+        <a:defRPr sz="3420" kern="1200">
           <a:solidFill>
             <a:schemeClr val="tx1"/>
           </a:solidFill>
@@ -3669,8 +3412,8 @@
       <a:defPPr>
         <a:defRPr lang="en-US"/>
       </a:defPPr>
-      <a:lvl1pPr marL="0" algn="l" defTabSz="914400" rtl="0" eaLnBrk="1" latinLnBrk="0" hangingPunct="1">
-        <a:defRPr sz="1800" kern="1200">
+      <a:lvl1pPr marL="0" algn="l" defTabSz="1737360" rtl="0" eaLnBrk="1" latinLnBrk="0" hangingPunct="1">
+        <a:defRPr sz="3420" kern="1200">
           <a:solidFill>
             <a:schemeClr val="tx1"/>
           </a:solidFill>
@@ -3679,8 +3422,8 @@
           <a:cs typeface="+mn-cs"/>
         </a:defRPr>
       </a:lvl1pPr>
-      <a:lvl2pPr marL="457200" algn="l" defTabSz="914400" rtl="0" eaLnBrk="1" latinLnBrk="0" hangingPunct="1">
-        <a:defRPr sz="1800" kern="1200">
+      <a:lvl2pPr marL="868680" algn="l" defTabSz="1737360" rtl="0" eaLnBrk="1" latinLnBrk="0" hangingPunct="1">
+        <a:defRPr sz="3420" kern="1200">
           <a:solidFill>
             <a:schemeClr val="tx1"/>
           </a:solidFill>
@@ -3689,8 +3432,8 @@
           <a:cs typeface="+mn-cs"/>
         </a:defRPr>
       </a:lvl2pPr>
-      <a:lvl3pPr marL="914400" algn="l" defTabSz="914400" rtl="0" eaLnBrk="1" latinLnBrk="0" hangingPunct="1">
-        <a:defRPr sz="1800" kern="1200">
+      <a:lvl3pPr marL="1737360" algn="l" defTabSz="1737360" rtl="0" eaLnBrk="1" latinLnBrk="0" hangingPunct="1">
+        <a:defRPr sz="3420" kern="1200">
           <a:solidFill>
             <a:schemeClr val="tx1"/>
           </a:solidFill>
@@ -3699,8 +3442,8 @@
           <a:cs typeface="+mn-cs"/>
         </a:defRPr>
       </a:lvl3pPr>
-      <a:lvl4pPr marL="1371600" algn="l" defTabSz="914400" rtl="0" eaLnBrk="1" latinLnBrk="0" hangingPunct="1">
-        <a:defRPr sz="1800" kern="1200">
+      <a:lvl4pPr marL="2606040" algn="l" defTabSz="1737360" rtl="0" eaLnBrk="1" latinLnBrk="0" hangingPunct="1">
+        <a:defRPr sz="3420" kern="1200">
           <a:solidFill>
             <a:schemeClr val="tx1"/>
           </a:solidFill>
@@ -3709,8 +3452,8 @@
           <a:cs typeface="+mn-cs"/>
         </a:defRPr>
       </a:lvl4pPr>
-      <a:lvl5pPr marL="1828800" algn="l" defTabSz="914400" rtl="0" eaLnBrk="1" latinLnBrk="0" hangingPunct="1">
-        <a:defRPr sz="1800" kern="1200">
+      <a:lvl5pPr marL="3474720" algn="l" defTabSz="1737360" rtl="0" eaLnBrk="1" latinLnBrk="0" hangingPunct="1">
+        <a:defRPr sz="3420" kern="1200">
           <a:solidFill>
             <a:schemeClr val="tx1"/>
           </a:solidFill>
@@ -3719,8 +3462,8 @@
           <a:cs typeface="+mn-cs"/>
         </a:defRPr>
       </a:lvl5pPr>
-      <a:lvl6pPr marL="2286000" algn="l" defTabSz="914400" rtl="0" eaLnBrk="1" latinLnBrk="0" hangingPunct="1">
-        <a:defRPr sz="1800" kern="1200">
+      <a:lvl6pPr marL="4343400" algn="l" defTabSz="1737360" rtl="0" eaLnBrk="1" latinLnBrk="0" hangingPunct="1">
+        <a:defRPr sz="3420" kern="1200">
           <a:solidFill>
             <a:schemeClr val="tx1"/>
           </a:solidFill>
@@ -3729,8 +3472,8 @@
           <a:cs typeface="+mn-cs"/>
         </a:defRPr>
       </a:lvl6pPr>
-      <a:lvl7pPr marL="2743200" algn="l" defTabSz="914400" rtl="0" eaLnBrk="1" latinLnBrk="0" hangingPunct="1">
-        <a:defRPr sz="1800" kern="1200">
+      <a:lvl7pPr marL="5212080" algn="l" defTabSz="1737360" rtl="0" eaLnBrk="1" latinLnBrk="0" hangingPunct="1">
+        <a:defRPr sz="3420" kern="1200">
           <a:solidFill>
             <a:schemeClr val="tx1"/>
           </a:solidFill>
@@ -3739,8 +3482,8 @@
           <a:cs typeface="+mn-cs"/>
         </a:defRPr>
       </a:lvl7pPr>
-      <a:lvl8pPr marL="3200400" algn="l" defTabSz="914400" rtl="0" eaLnBrk="1" latinLnBrk="0" hangingPunct="1">
-        <a:defRPr sz="1800" kern="1200">
+      <a:lvl8pPr marL="6080760" algn="l" defTabSz="1737360" rtl="0" eaLnBrk="1" latinLnBrk="0" hangingPunct="1">
+        <a:defRPr sz="3420" kern="1200">
           <a:solidFill>
             <a:schemeClr val="tx1"/>
           </a:solidFill>
@@ -3749,8 +3492,8 @@
           <a:cs typeface="+mn-cs"/>
         </a:defRPr>
       </a:lvl8pPr>
-      <a:lvl9pPr marL="3657600" algn="l" defTabSz="914400" rtl="0" eaLnBrk="1" latinLnBrk="0" hangingPunct="1">
-        <a:defRPr sz="1800" kern="1200">
+      <a:lvl9pPr marL="6949440" algn="l" defTabSz="1737360" rtl="0" eaLnBrk="1" latinLnBrk="0" hangingPunct="1">
+        <a:defRPr sz="3420" kern="1200">
           <a:solidFill>
             <a:schemeClr val="tx1"/>
           </a:solidFill>
@@ -3795,8 +3538,8 @@
         </p:nvSpPr>
         <p:spPr>
           <a:xfrm>
-            <a:off x="5391151" y="983830"/>
-            <a:ext cx="3519813" cy="1404057"/>
+            <a:off x="7981957" y="6698832"/>
+            <a:ext cx="3519813" cy="1404058"/>
           </a:xfrm>
           <a:prstGeom prst="rect">
             <a:avLst/>
@@ -3886,8 +3629,8 @@
         </p:nvSpPr>
         <p:spPr>
           <a:xfrm>
-            <a:off x="7518836" y="1401332"/>
-            <a:ext cx="1080000" cy="465437"/>
+            <a:off x="10109636" y="7116334"/>
+            <a:ext cx="1080000" cy="465438"/>
           </a:xfrm>
           <a:prstGeom prst="rect">
             <a:avLst/>
@@ -3952,8 +3695,8 @@
         </p:nvSpPr>
         <p:spPr>
           <a:xfrm>
-            <a:off x="5721551" y="1397608"/>
-            <a:ext cx="1080000" cy="465437"/>
+            <a:off x="8312351" y="7112610"/>
+            <a:ext cx="1080000" cy="465438"/>
           </a:xfrm>
           <a:prstGeom prst="rect">
             <a:avLst/>
@@ -4018,7 +3761,7 @@
         </p:nvSpPr>
         <p:spPr>
           <a:xfrm>
-            <a:off x="5391150" y="2907149"/>
+            <a:off x="7981955" y="8622150"/>
             <a:ext cx="3519801" cy="1352046"/>
           </a:xfrm>
           <a:prstGeom prst="rect">
@@ -4092,8 +3835,8 @@
         </p:nvSpPr>
         <p:spPr>
           <a:xfrm>
-            <a:off x="1048847" y="983830"/>
-            <a:ext cx="3445879" cy="2576452"/>
+            <a:off x="3639652" y="6698833"/>
+            <a:ext cx="3445879" cy="2576453"/>
           </a:xfrm>
           <a:prstGeom prst="rect">
             <a:avLst/>
@@ -4166,7 +3909,7 @@
         </p:nvSpPr>
         <p:spPr>
           <a:xfrm>
-            <a:off x="9259320" y="1323045"/>
+            <a:off x="11850124" y="7038050"/>
             <a:ext cx="1257285" cy="622889"/>
           </a:xfrm>
           <a:prstGeom prst="rect">
@@ -4244,7 +3987,7 @@
         </p:nvCxnSpPr>
         <p:spPr>
           <a:xfrm flipH="1" flipV="1">
-            <a:off x="8598836" y="1634051"/>
+            <a:off x="11189637" y="7349056"/>
             <a:ext cx="660484" cy="439"/>
           </a:xfrm>
           <a:prstGeom prst="straightConnector1">
@@ -4297,7 +4040,7 @@
         </p:nvCxnSpPr>
         <p:spPr>
           <a:xfrm flipH="1" flipV="1">
-            <a:off x="6801551" y="1630327"/>
+            <a:off x="9392357" y="7345328"/>
             <a:ext cx="717285" cy="3724"/>
           </a:xfrm>
           <a:prstGeom prst="straightConnector1">
@@ -4347,7 +4090,7 @@
         </p:nvSpPr>
         <p:spPr>
           <a:xfrm>
-            <a:off x="5451466" y="323758"/>
+            <a:off x="8042269" y="6038762"/>
             <a:ext cx="1620169" cy="453183"/>
           </a:xfrm>
           <a:prstGeom prst="rect">
@@ -4438,7 +4181,7 @@
         </p:nvSpPr>
         <p:spPr>
           <a:xfrm>
-            <a:off x="7244316" y="337259"/>
+            <a:off x="9835116" y="6052264"/>
             <a:ext cx="1620168" cy="453183"/>
           </a:xfrm>
           <a:prstGeom prst="rect">
@@ -4529,7 +4272,7 @@
         </p:nvSpPr>
         <p:spPr>
           <a:xfrm>
-            <a:off x="1160200" y="3806012"/>
+            <a:off x="3751000" y="9521017"/>
             <a:ext cx="3223172" cy="453183"/>
           </a:xfrm>
           <a:prstGeom prst="rect">
@@ -4682,8 +4425,8 @@
         </p:nvCxnSpPr>
         <p:spPr>
           <a:xfrm flipV="1">
-            <a:off x="6261551" y="776941"/>
-            <a:ext cx="0" cy="620667"/>
+            <a:off x="8852351" y="6491942"/>
+            <a:ext cx="0" cy="620668"/>
           </a:xfrm>
           <a:prstGeom prst="straightConnector1">
             <a:avLst/>
@@ -4739,7 +4482,7 @@
         </p:nvCxnSpPr>
         <p:spPr>
           <a:xfrm flipH="1" flipV="1">
-            <a:off x="8054400" y="790442"/>
+            <a:off x="10645200" y="6505444"/>
             <a:ext cx="4436" cy="610890"/>
           </a:xfrm>
           <a:prstGeom prst="straightConnector1">
@@ -4796,8 +4539,8 @@
         </p:nvCxnSpPr>
         <p:spPr>
           <a:xfrm flipV="1">
-            <a:off x="2771786" y="3560282"/>
-            <a:ext cx="1" cy="245730"/>
+            <a:off x="5362589" y="9275286"/>
+            <a:ext cx="3" cy="245731"/>
           </a:xfrm>
           <a:prstGeom prst="straightConnector1">
             <a:avLst/>
@@ -4853,7 +4596,7 @@
         </p:nvCxnSpPr>
         <p:spPr>
           <a:xfrm flipH="1" flipV="1">
-            <a:off x="6261551" y="1863045"/>
+            <a:off x="8852358" y="7578045"/>
             <a:ext cx="1" cy="1411790"/>
           </a:xfrm>
           <a:prstGeom prst="straightConnector1">
@@ -4907,8 +4650,8 @@
         </p:nvCxnSpPr>
         <p:spPr>
           <a:xfrm rot="10800000">
-            <a:off x="4045848" y="2587838"/>
-            <a:ext cx="1675704" cy="919717"/>
+            <a:off x="6636649" y="8302840"/>
+            <a:ext cx="1675704" cy="919718"/>
           </a:xfrm>
           <a:prstGeom prst="bentConnector3">
             <a:avLst>
@@ -4953,7 +4696,7 @@
         </p:nvSpPr>
         <p:spPr>
           <a:xfrm>
-            <a:off x="1302183" y="1264054"/>
+            <a:off x="3892984" y="6979060"/>
             <a:ext cx="2684834" cy="526339"/>
           </a:xfrm>
           <a:prstGeom prst="roundRect">
@@ -5012,7 +4755,7 @@
         </p:nvSpPr>
         <p:spPr>
           <a:xfrm>
-            <a:off x="1302183" y="2068575"/>
+            <a:off x="3892988" y="7783576"/>
             <a:ext cx="2743665" cy="1038524"/>
           </a:xfrm>
           <a:prstGeom prst="roundRect">
@@ -5071,7 +4814,7 @@
         </p:nvSpPr>
         <p:spPr>
           <a:xfrm>
-            <a:off x="2715560" y="2638755"/>
+            <a:off x="5306365" y="8353755"/>
             <a:ext cx="1196369" cy="357840"/>
           </a:xfrm>
           <a:prstGeom prst="rect">
@@ -5144,7 +4887,7 @@
         </p:nvSpPr>
         <p:spPr>
           <a:xfrm>
-            <a:off x="1386448" y="2306273"/>
+            <a:off x="3977254" y="8021279"/>
             <a:ext cx="1196369" cy="526339"/>
           </a:xfrm>
           <a:prstGeom prst="rect">
@@ -5217,7 +4960,7 @@
         </p:nvSpPr>
         <p:spPr>
           <a:xfrm>
-            <a:off x="2714812" y="2183998"/>
+            <a:off x="5305617" y="7898998"/>
             <a:ext cx="1196369" cy="357840"/>
           </a:xfrm>
           <a:prstGeom prst="rect">
@@ -5283,7 +5026,7 @@
         </p:nvSpPr>
         <p:spPr>
           <a:xfrm>
-            <a:off x="1386448" y="1351686"/>
+            <a:off x="3977254" y="7066686"/>
             <a:ext cx="1196369" cy="360000"/>
           </a:xfrm>
           <a:prstGeom prst="rect">
@@ -5349,7 +5092,7 @@
         </p:nvSpPr>
         <p:spPr>
           <a:xfrm>
-            <a:off x="2714812" y="1351686"/>
+            <a:off x="5305613" y="7066686"/>
             <a:ext cx="1197864" cy="360000"/>
           </a:xfrm>
           <a:prstGeom prst="rect">
@@ -5419,7 +5162,7 @@
         </p:nvCxnSpPr>
         <p:spPr>
           <a:xfrm rot="10800000">
-            <a:off x="3987017" y="1527225"/>
+            <a:off x="6577818" y="7242230"/>
             <a:ext cx="1734534" cy="103103"/>
           </a:xfrm>
           <a:prstGeom prst="bentConnector3">
@@ -5465,8 +5208,8 @@
         </p:nvSpPr>
         <p:spPr>
           <a:xfrm>
-            <a:off x="5721552" y="3274835"/>
-            <a:ext cx="1080000" cy="465437"/>
+            <a:off x="8312353" y="8989837"/>
+            <a:ext cx="1080000" cy="465438"/>
           </a:xfrm>
           <a:prstGeom prst="rect">
             <a:avLst/>
@@ -5531,7 +5274,7 @@
         </p:nvSpPr>
         <p:spPr>
           <a:xfrm>
-            <a:off x="7576314" y="3039908"/>
+            <a:off x="10167115" y="8754914"/>
             <a:ext cx="897196" cy="364001"/>
           </a:xfrm>
           <a:prstGeom prst="rect">
@@ -5601,8 +5344,8 @@
         </p:nvCxnSpPr>
         <p:spPr>
           <a:xfrm rot="10800000" flipV="1">
-            <a:off x="6801552" y="3221908"/>
-            <a:ext cx="774762" cy="285645"/>
+            <a:off x="9392354" y="8936913"/>
+            <a:ext cx="774763" cy="285645"/>
           </a:xfrm>
           <a:prstGeom prst="bentConnector3">
             <a:avLst>
@@ -5647,7 +5390,7 @@
         </p:nvSpPr>
         <p:spPr>
           <a:xfrm>
-            <a:off x="7576314" y="3577916"/>
+            <a:off x="10167115" y="9292923"/>
             <a:ext cx="897196" cy="364001"/>
           </a:xfrm>
           <a:prstGeom prst="rect">
@@ -5717,8 +5460,8 @@
         </p:nvCxnSpPr>
         <p:spPr>
           <a:xfrm rot="10800000">
-            <a:off x="6801552" y="3507555"/>
-            <a:ext cx="774762" cy="252363"/>
+            <a:off x="9392354" y="9222559"/>
+            <a:ext cx="774763" cy="252363"/>
           </a:xfrm>
           <a:prstGeom prst="bentConnector3">
             <a:avLst>
@@ -5763,7 +5506,7 @@
         </p:nvSpPr>
         <p:spPr>
           <a:xfrm>
-            <a:off x="5994139" y="4433202"/>
+            <a:off x="8584945" y="10148207"/>
             <a:ext cx="2389611" cy="453183"/>
           </a:xfrm>
           <a:prstGeom prst="rect">
@@ -5837,10 +5580,5627 @@
 </p:sld>
 </file>
 
+<file path=ppt/slides/slide2.xml><?xml version="1.0" encoding="utf-8"?>
+<p:sld xmlns:a="http://schemas.openxmlformats.org/drawingml/2006/main" xmlns:r="http://schemas.openxmlformats.org/officeDocument/2006/relationships" xmlns:p="http://schemas.openxmlformats.org/presentationml/2006/main">
+  <p:cSld>
+    <p:spTree>
+      <p:nvGrpSpPr>
+        <p:cNvPr id="1" name=""/>
+        <p:cNvGrpSpPr/>
+        <p:nvPr/>
+      </p:nvGrpSpPr>
+      <p:grpSpPr>
+        <a:xfrm>
+          <a:off x="0" y="0"/>
+          <a:ext cx="0" cy="0"/>
+          <a:chOff x="0" y="0"/>
+          <a:chExt cx="0" cy="0"/>
+        </a:xfrm>
+      </p:grpSpPr>
+      <p:sp>
+        <p:nvSpPr>
+          <p:cNvPr id="42" name="Rectangle 41">
+            <a:extLst>
+              <a:ext uri="{FF2B5EF4-FFF2-40B4-BE49-F238E27FC236}">
+                <a16:creationId xmlns:a16="http://schemas.microsoft.com/office/drawing/2014/main" id="{48BD87D4-281E-3991-849B-17EE1E569407}"/>
+              </a:ext>
+            </a:extLst>
+          </p:cNvPr>
+          <p:cNvSpPr/>
+          <p:nvPr/>
+        </p:nvSpPr>
+        <p:spPr>
+          <a:xfrm>
+            <a:off x="7343669" y="5452380"/>
+            <a:ext cx="2442746" cy="7105380"/>
+          </a:xfrm>
+          <a:prstGeom prst="rect">
+            <a:avLst/>
+          </a:prstGeom>
+          <a:solidFill>
+            <a:schemeClr val="accent6">
+              <a:lumMod val="20000"/>
+              <a:lumOff val="80000"/>
+            </a:schemeClr>
+          </a:solidFill>
+          <a:ln>
+            <a:solidFill>
+              <a:schemeClr val="tx1"/>
+            </a:solidFill>
+          </a:ln>
+          <a:effectLst>
+            <a:glow rad="101600">
+              <a:schemeClr val="accent3">
+                <a:satMod val="175000"/>
+                <a:alpha val="40000"/>
+              </a:schemeClr>
+            </a:glow>
+          </a:effectLst>
+        </p:spPr>
+        <p:style>
+          <a:lnRef idx="2">
+            <a:schemeClr val="accent1">
+              <a:shade val="50000"/>
+            </a:schemeClr>
+          </a:lnRef>
+          <a:fillRef idx="1">
+            <a:schemeClr val="accent1"/>
+          </a:fillRef>
+          <a:effectRef idx="0">
+            <a:schemeClr val="accent1"/>
+          </a:effectRef>
+          <a:fontRef idx="minor">
+            <a:schemeClr val="lt1"/>
+          </a:fontRef>
+        </p:style>
+        <p:txBody>
+          <a:bodyPr rtlCol="0" anchor="t" anchorCtr="1"/>
+          <a:lstStyle/>
+          <a:p>
+            <a:pPr algn="ctr"/>
+            <a:r>
+              <a:rPr lang="en-US" sz="1600" b="1" dirty="0">
+                <a:solidFill>
+                  <a:schemeClr val="tx1"/>
+                </a:solidFill>
+                <a:latin typeface="LXGW WenKai" panose="02020500000000000000" pitchFamily="18" charset="-120"/>
+                <a:ea typeface="LXGW WenKai" panose="02020500000000000000" pitchFamily="18" charset="-120"/>
+              </a:rPr>
+              <a:t>Reactors</a:t>
+            </a:r>
+          </a:p>
+        </p:txBody>
+      </p:sp>
+      <p:sp>
+        <p:nvSpPr>
+          <p:cNvPr id="44" name="Rectangle 43">
+            <a:extLst>
+              <a:ext uri="{FF2B5EF4-FFF2-40B4-BE49-F238E27FC236}">
+                <a16:creationId xmlns:a16="http://schemas.microsoft.com/office/drawing/2014/main" id="{44E38F81-0BB5-1162-562F-8C17067EBC58}"/>
+              </a:ext>
+            </a:extLst>
+          </p:cNvPr>
+          <p:cNvSpPr/>
+          <p:nvPr/>
+        </p:nvSpPr>
+        <p:spPr>
+          <a:xfrm>
+            <a:off x="339053" y="5452379"/>
+            <a:ext cx="3249641" cy="5520423"/>
+          </a:xfrm>
+          <a:prstGeom prst="rect">
+            <a:avLst/>
+          </a:prstGeom>
+          <a:solidFill>
+            <a:schemeClr val="accent5">
+              <a:lumMod val="20000"/>
+              <a:lumOff val="80000"/>
+            </a:schemeClr>
+          </a:solidFill>
+          <a:ln>
+            <a:solidFill>
+              <a:schemeClr val="tx1"/>
+            </a:solidFill>
+          </a:ln>
+          <a:effectLst>
+            <a:glow rad="101600">
+              <a:schemeClr val="accent3">
+                <a:satMod val="175000"/>
+                <a:alpha val="40000"/>
+              </a:schemeClr>
+            </a:glow>
+          </a:effectLst>
+        </p:spPr>
+        <p:style>
+          <a:lnRef idx="2">
+            <a:schemeClr val="accent1">
+              <a:shade val="50000"/>
+            </a:schemeClr>
+          </a:lnRef>
+          <a:fillRef idx="1">
+            <a:schemeClr val="accent1"/>
+          </a:fillRef>
+          <a:effectRef idx="0">
+            <a:schemeClr val="accent1"/>
+          </a:effectRef>
+          <a:fontRef idx="minor">
+            <a:schemeClr val="lt1"/>
+          </a:fontRef>
+        </p:style>
+        <p:txBody>
+          <a:bodyPr rtlCol="0" anchor="t" anchorCtr="1"/>
+          <a:lstStyle/>
+          <a:p>
+            <a:pPr algn="ctr"/>
+            <a:r>
+              <a:rPr lang="en-US" sz="1600" b="1" dirty="0">
+                <a:solidFill>
+                  <a:schemeClr val="tx1"/>
+                </a:solidFill>
+                <a:latin typeface="LXGW WenKai" panose="02020500000000000000" pitchFamily="18" charset="-120"/>
+                <a:ea typeface="LXGW WenKai" panose="02020500000000000000" pitchFamily="18" charset="-120"/>
+              </a:rPr>
+              <a:t>(Virtual)</a:t>
+            </a:r>
+          </a:p>
+        </p:txBody>
+      </p:sp>
+      <p:sp>
+        <p:nvSpPr>
+          <p:cNvPr id="43" name="Rectangle 42">
+            <a:extLst>
+              <a:ext uri="{FF2B5EF4-FFF2-40B4-BE49-F238E27FC236}">
+                <a16:creationId xmlns:a16="http://schemas.microsoft.com/office/drawing/2014/main" id="{C10EB5A4-3DF3-855F-C111-246996A08E3E}"/>
+              </a:ext>
+            </a:extLst>
+          </p:cNvPr>
+          <p:cNvSpPr/>
+          <p:nvPr/>
+        </p:nvSpPr>
+        <p:spPr>
+          <a:xfrm>
+            <a:off x="3888919" y="5452378"/>
+            <a:ext cx="3138801" cy="10492472"/>
+          </a:xfrm>
+          <a:prstGeom prst="rect">
+            <a:avLst/>
+          </a:prstGeom>
+          <a:solidFill>
+            <a:schemeClr val="accent6">
+              <a:lumMod val="20000"/>
+              <a:lumOff val="80000"/>
+            </a:schemeClr>
+          </a:solidFill>
+          <a:ln>
+            <a:solidFill>
+              <a:schemeClr val="tx1"/>
+            </a:solidFill>
+          </a:ln>
+          <a:effectLst>
+            <a:glow rad="101600">
+              <a:schemeClr val="accent3">
+                <a:satMod val="175000"/>
+                <a:alpha val="40000"/>
+              </a:schemeClr>
+            </a:glow>
+          </a:effectLst>
+        </p:spPr>
+        <p:style>
+          <a:lnRef idx="2">
+            <a:schemeClr val="accent1">
+              <a:shade val="50000"/>
+            </a:schemeClr>
+          </a:lnRef>
+          <a:fillRef idx="1">
+            <a:schemeClr val="accent1"/>
+          </a:fillRef>
+          <a:effectRef idx="0">
+            <a:schemeClr val="accent1"/>
+          </a:effectRef>
+          <a:fontRef idx="minor">
+            <a:schemeClr val="lt1"/>
+          </a:fontRef>
+        </p:style>
+        <p:txBody>
+          <a:bodyPr rtlCol="0" anchor="t" anchorCtr="1"/>
+          <a:lstStyle/>
+          <a:p>
+            <a:pPr algn="ctr"/>
+            <a:r>
+              <a:rPr lang="en-US" sz="1600" b="1" dirty="0">
+                <a:solidFill>
+                  <a:schemeClr val="tx1"/>
+                </a:solidFill>
+                <a:latin typeface="LXGW WenKai" panose="02020500000000000000" pitchFamily="18" charset="-120"/>
+                <a:ea typeface="LXGW WenKai" panose="02020500000000000000" pitchFamily="18" charset="-120"/>
+              </a:rPr>
+              <a:t>LLM APIs</a:t>
+            </a:r>
+          </a:p>
+        </p:txBody>
+      </p:sp>
+      <p:sp>
+        <p:nvSpPr>
+          <p:cNvPr id="5" name="TextBox 4">
+            <a:extLst>
+              <a:ext uri="{FF2B5EF4-FFF2-40B4-BE49-F238E27FC236}">
+                <a16:creationId xmlns:a16="http://schemas.microsoft.com/office/drawing/2014/main" id="{2647CEFC-10CA-4239-C6A8-8265DB94800A}"/>
+              </a:ext>
+            </a:extLst>
+          </p:cNvPr>
+          <p:cNvSpPr txBox="1"/>
+          <p:nvPr/>
+        </p:nvSpPr>
+        <p:spPr>
+          <a:xfrm>
+            <a:off x="585660" y="6647363"/>
+            <a:ext cx="2787515" cy="3970318"/>
+          </a:xfrm>
+          <a:prstGeom prst="rect">
+            <a:avLst/>
+          </a:prstGeom>
+          <a:solidFill>
+            <a:schemeClr val="accent2">
+              <a:lumMod val="20000"/>
+              <a:lumOff val="80000"/>
+            </a:schemeClr>
+          </a:solidFill>
+          <a:ln>
+            <a:solidFill>
+              <a:schemeClr val="tx1"/>
+            </a:solidFill>
+            <a:prstDash val="dash"/>
+            <a:extLst>
+              <a:ext uri="{C807C97D-BFC1-408E-A445-0C87EB9F89A2}">
+                <ask:lineSketchStyleProps xmlns:ask="http://schemas.microsoft.com/office/drawing/2018/sketchyshapes" sd="1219033472">
+                  <a:custGeom>
+                    <a:avLst/>
+                    <a:gdLst>
+                      <a:gd name="connsiteX0" fmla="*/ 0 w 3876087"/>
+                      <a:gd name="connsiteY0" fmla="*/ 0 h 900246"/>
+                      <a:gd name="connsiteX1" fmla="*/ 3876087 w 3876087"/>
+                      <a:gd name="connsiteY1" fmla="*/ 0 h 900246"/>
+                      <a:gd name="connsiteX2" fmla="*/ 3876087 w 3876087"/>
+                      <a:gd name="connsiteY2" fmla="*/ 900246 h 900246"/>
+                      <a:gd name="connsiteX3" fmla="*/ 0 w 3876087"/>
+                      <a:gd name="connsiteY3" fmla="*/ 900246 h 900246"/>
+                      <a:gd name="connsiteX4" fmla="*/ 0 w 3876087"/>
+                      <a:gd name="connsiteY4" fmla="*/ 0 h 900246"/>
+                    </a:gdLst>
+                    <a:ahLst/>
+                    <a:cxnLst>
+                      <a:cxn ang="0">
+                        <a:pos x="connsiteX0" y="connsiteY0"/>
+                      </a:cxn>
+                      <a:cxn ang="0">
+                        <a:pos x="connsiteX1" y="connsiteY1"/>
+                      </a:cxn>
+                      <a:cxn ang="0">
+                        <a:pos x="connsiteX2" y="connsiteY2"/>
+                      </a:cxn>
+                      <a:cxn ang="0">
+                        <a:pos x="connsiteX3" y="connsiteY3"/>
+                      </a:cxn>
+                      <a:cxn ang="0">
+                        <a:pos x="connsiteX4" y="connsiteY4"/>
+                      </a:cxn>
+                    </a:cxnLst>
+                    <a:rect l="l" t="t" r="r" b="b"/>
+                    <a:pathLst>
+                      <a:path w="3876087" h="900246" extrusionOk="0">
+                        <a:moveTo>
+                          <a:pt x="0" y="0"/>
+                        </a:moveTo>
+                        <a:cubicBezTo>
+                          <a:pt x="597499" y="118645"/>
+                          <a:pt x="3241913" y="116012"/>
+                          <a:pt x="3876087" y="0"/>
+                        </a:cubicBezTo>
+                        <a:cubicBezTo>
+                          <a:pt x="3869829" y="427475"/>
+                          <a:pt x="3832133" y="750199"/>
+                          <a:pt x="3876087" y="900246"/>
+                        </a:cubicBezTo>
+                        <a:cubicBezTo>
+                          <a:pt x="3200596" y="1034846"/>
+                          <a:pt x="881589" y="743050"/>
+                          <a:pt x="0" y="900246"/>
+                        </a:cubicBezTo>
+                        <a:cubicBezTo>
+                          <a:pt x="75913" y="483429"/>
+                          <a:pt x="-68599" y="339664"/>
+                          <a:pt x="0" y="0"/>
+                        </a:cubicBezTo>
+                        <a:close/>
+                      </a:path>
+                    </a:pathLst>
+                  </a:custGeom>
+                  <ask:type>
+                    <ask:lineSketchNone/>
+                  </ask:type>
+                </ask:lineSketchStyleProps>
+              </a:ext>
+            </a:extLst>
+          </a:ln>
+          <a:effectLst/>
+        </p:spPr>
+        <p:txBody>
+          <a:bodyPr wrap="square" rtlCol="0">
+            <a:spAutoFit/>
+          </a:bodyPr>
+          <a:lstStyle/>
+          <a:p>
+            <a:r>
+              <a:rPr lang="en-US" sz="1050" dirty="0">
+                <a:solidFill>
+                  <a:schemeClr val="tx1">
+                    <a:lumMod val="50000"/>
+                    <a:lumOff val="50000"/>
+                  </a:schemeClr>
+                </a:solidFill>
+                <a:latin typeface="LXGW WenKai Mono" panose="02020509000000000000" pitchFamily="49" charset="-120"/>
+                <a:ea typeface="LXGW WenKai Mono" panose="02020509000000000000" pitchFamily="49" charset="-120"/>
+              </a:rPr>
+              <a:t>{</a:t>
+            </a:r>
+          </a:p>
+          <a:p>
+            <a:r>
+              <a:rPr lang="en-US" sz="1050" dirty="0">
+                <a:solidFill>
+                  <a:schemeClr val="tx1">
+                    <a:lumMod val="50000"/>
+                    <a:lumOff val="50000"/>
+                  </a:schemeClr>
+                </a:solidFill>
+                <a:latin typeface="LXGW WenKai Mono" panose="02020509000000000000" pitchFamily="49" charset="-120"/>
+                <a:ea typeface="LXGW WenKai Mono" panose="02020509000000000000" pitchFamily="49" charset="-120"/>
+              </a:rPr>
+              <a:t>  "id": "</a:t>
+            </a:r>
+            <a:r>
+              <a:rPr lang="en-US" sz="1050" dirty="0" err="1">
+                <a:solidFill>
+                  <a:schemeClr val="tx1">
+                    <a:lumMod val="50000"/>
+                    <a:lumOff val="50000"/>
+                  </a:schemeClr>
+                </a:solidFill>
+                <a:latin typeface="LXGW WenKai Mono" panose="02020509000000000000" pitchFamily="49" charset="-120"/>
+                <a:ea typeface="LXGW WenKai Mono" panose="02020509000000000000" pitchFamily="49" charset="-120"/>
+              </a:rPr>
+              <a:t>chatcmpl</a:t>
+            </a:r>
+            <a:r>
+              <a:rPr lang="en-US" sz="1050" dirty="0">
+                <a:solidFill>
+                  <a:schemeClr val="tx1">
+                    <a:lumMod val="50000"/>
+                    <a:lumOff val="50000"/>
+                  </a:schemeClr>
+                </a:solidFill>
+                <a:latin typeface="LXGW WenKai Mono" panose="02020509000000000000" pitchFamily="49" charset="-120"/>
+                <a:ea typeface="LXGW WenKai Mono" panose="02020509000000000000" pitchFamily="49" charset="-120"/>
+              </a:rPr>
+              <a:t>-**********",</a:t>
+            </a:r>
+          </a:p>
+          <a:p>
+            <a:r>
+              <a:rPr lang="en-US" sz="1050" dirty="0">
+                <a:solidFill>
+                  <a:schemeClr val="tx1">
+                    <a:lumMod val="50000"/>
+                    <a:lumOff val="50000"/>
+                  </a:schemeClr>
+                </a:solidFill>
+                <a:latin typeface="LXGW WenKai Mono" panose="02020509000000000000" pitchFamily="49" charset="-120"/>
+                <a:ea typeface="LXGW WenKai Mono" panose="02020509000000000000" pitchFamily="49" charset="-120"/>
+              </a:rPr>
+              <a:t>  "object": "</a:t>
+            </a:r>
+            <a:r>
+              <a:rPr lang="en-US" sz="1050" dirty="0" err="1">
+                <a:solidFill>
+                  <a:schemeClr val="tx1">
+                    <a:lumMod val="50000"/>
+                    <a:lumOff val="50000"/>
+                  </a:schemeClr>
+                </a:solidFill>
+                <a:latin typeface="LXGW WenKai Mono" panose="02020509000000000000" pitchFamily="49" charset="-120"/>
+                <a:ea typeface="LXGW WenKai Mono" panose="02020509000000000000" pitchFamily="49" charset="-120"/>
+              </a:rPr>
+              <a:t>chat.completion</a:t>
+            </a:r>
+            <a:r>
+              <a:rPr lang="en-US" sz="1050" dirty="0">
+                <a:solidFill>
+                  <a:schemeClr val="tx1">
+                    <a:lumMod val="50000"/>
+                    <a:lumOff val="50000"/>
+                  </a:schemeClr>
+                </a:solidFill>
+                <a:latin typeface="LXGW WenKai Mono" panose="02020509000000000000" pitchFamily="49" charset="-120"/>
+                <a:ea typeface="LXGW WenKai Mono" panose="02020509000000000000" pitchFamily="49" charset="-120"/>
+              </a:rPr>
+              <a:t>",</a:t>
+            </a:r>
+          </a:p>
+          <a:p>
+            <a:r>
+              <a:rPr lang="en-US" sz="1050" dirty="0">
+                <a:solidFill>
+                  <a:schemeClr val="tx1">
+                    <a:lumMod val="50000"/>
+                    <a:lumOff val="50000"/>
+                  </a:schemeClr>
+                </a:solidFill>
+                <a:latin typeface="LXGW WenKai Mono" panose="02020509000000000000" pitchFamily="49" charset="-120"/>
+                <a:ea typeface="LXGW WenKai Mono" panose="02020509000000000000" pitchFamily="49" charset="-120"/>
+              </a:rPr>
+              <a:t>  </a:t>
+            </a:r>
+            <a:r>
+              <a:rPr lang="en-US" sz="1050" dirty="0">
+                <a:latin typeface="LXGW WenKai Mono" panose="02020509000000000000" pitchFamily="49" charset="-120"/>
+                <a:ea typeface="LXGW WenKai Mono" panose="02020509000000000000" pitchFamily="49" charset="-120"/>
+              </a:rPr>
+              <a:t>"created": 1689055727, </a:t>
+            </a:r>
+          </a:p>
+          <a:p>
+            <a:r>
+              <a:rPr lang="en-US" sz="1050" dirty="0">
+                <a:latin typeface="LXGW WenKai Mono" panose="02020509000000000000" pitchFamily="49" charset="-120"/>
+                <a:ea typeface="LXGW WenKai Mono" panose="02020509000000000000" pitchFamily="49" charset="-120"/>
+              </a:rPr>
+              <a:t>  "model": "gpt-3.5-turbo",</a:t>
+            </a:r>
+          </a:p>
+          <a:p>
+            <a:r>
+              <a:rPr lang="en-US" sz="1050" dirty="0">
+                <a:solidFill>
+                  <a:schemeClr val="tx1">
+                    <a:lumMod val="50000"/>
+                    <a:lumOff val="50000"/>
+                  </a:schemeClr>
+                </a:solidFill>
+                <a:latin typeface="LXGW WenKai Mono" panose="02020509000000000000" pitchFamily="49" charset="-120"/>
+                <a:ea typeface="LXGW WenKai Mono" panose="02020509000000000000" pitchFamily="49" charset="-120"/>
+              </a:rPr>
+              <a:t>  "choices": [</a:t>
+            </a:r>
+          </a:p>
+          <a:p>
+            <a:r>
+              <a:rPr lang="en-US" sz="1050" dirty="0">
+                <a:latin typeface="LXGW WenKai Mono" panose="02020509000000000000" pitchFamily="49" charset="-120"/>
+                <a:ea typeface="LXGW WenKai Mono" panose="02020509000000000000" pitchFamily="49" charset="-120"/>
+              </a:rPr>
+              <a:t>    {</a:t>
+            </a:r>
+          </a:p>
+          <a:p>
+            <a:r>
+              <a:rPr lang="en-US" sz="1050" dirty="0">
+                <a:latin typeface="LXGW WenKai Mono" panose="02020509000000000000" pitchFamily="49" charset="-120"/>
+                <a:ea typeface="LXGW WenKai Mono" panose="02020509000000000000" pitchFamily="49" charset="-120"/>
+              </a:rPr>
+              <a:t>      "index": 0,</a:t>
+            </a:r>
+          </a:p>
+          <a:p>
+            <a:r>
+              <a:rPr lang="en-US" sz="1050" dirty="0">
+                <a:latin typeface="LXGW WenKai Mono" panose="02020509000000000000" pitchFamily="49" charset="-120"/>
+                <a:ea typeface="LXGW WenKai Mono" panose="02020509000000000000" pitchFamily="49" charset="-120"/>
+              </a:rPr>
+              <a:t>      "message": {</a:t>
+            </a:r>
+          </a:p>
+          <a:p>
+            <a:r>
+              <a:rPr lang="en-US" sz="1050" dirty="0">
+                <a:latin typeface="LXGW WenKai Mono" panose="02020509000000000000" pitchFamily="49" charset="-120"/>
+                <a:ea typeface="LXGW WenKai Mono" panose="02020509000000000000" pitchFamily="49" charset="-120"/>
+              </a:rPr>
+              <a:t>        "</a:t>
+            </a:r>
+            <a:r>
+              <a:rPr lang="en-US" sz="1050" dirty="0">
+                <a:solidFill>
+                  <a:schemeClr val="accent2">
+                    <a:lumMod val="75000"/>
+                  </a:schemeClr>
+                </a:solidFill>
+                <a:latin typeface="LXGW WenKai Mono" panose="02020509000000000000" pitchFamily="49" charset="-120"/>
+                <a:ea typeface="LXGW WenKai Mono" panose="02020509000000000000" pitchFamily="49" charset="-120"/>
+              </a:rPr>
+              <a:t>role</a:t>
+            </a:r>
+            <a:r>
+              <a:rPr lang="en-US" sz="1050" dirty="0">
+                <a:latin typeface="LXGW WenKai Mono" panose="02020509000000000000" pitchFamily="49" charset="-120"/>
+                <a:ea typeface="LXGW WenKai Mono" panose="02020509000000000000" pitchFamily="49" charset="-120"/>
+              </a:rPr>
+              <a:t>": "</a:t>
+            </a:r>
+            <a:r>
+              <a:rPr lang="en-US" sz="1050" dirty="0">
+                <a:solidFill>
+                  <a:srgbClr val="00B0F0"/>
+                </a:solidFill>
+                <a:latin typeface="LXGW WenKai Mono" panose="02020509000000000000" pitchFamily="49" charset="-120"/>
+                <a:ea typeface="LXGW WenKai Mono" panose="02020509000000000000" pitchFamily="49" charset="-120"/>
+              </a:rPr>
+              <a:t>assistant</a:t>
+            </a:r>
+            <a:r>
+              <a:rPr lang="en-US" sz="1050" dirty="0">
+                <a:latin typeface="LXGW WenKai Mono" panose="02020509000000000000" pitchFamily="49" charset="-120"/>
+                <a:ea typeface="LXGW WenKai Mono" panose="02020509000000000000" pitchFamily="49" charset="-120"/>
+              </a:rPr>
+              <a:t>",</a:t>
+            </a:r>
+          </a:p>
+          <a:p>
+            <a:r>
+              <a:rPr lang="en-US" sz="1050" dirty="0">
+                <a:latin typeface="LXGW WenKai Mono" panose="02020509000000000000" pitchFamily="49" charset="-120"/>
+                <a:ea typeface="LXGW WenKai Mono" panose="02020509000000000000" pitchFamily="49" charset="-120"/>
+              </a:rPr>
+              <a:t>        "</a:t>
+            </a:r>
+            <a:r>
+              <a:rPr lang="en-US" sz="1050" dirty="0">
+                <a:solidFill>
+                  <a:schemeClr val="accent2">
+                    <a:lumMod val="75000"/>
+                  </a:schemeClr>
+                </a:solidFill>
+                <a:latin typeface="LXGW WenKai Mono" panose="02020509000000000000" pitchFamily="49" charset="-120"/>
+                <a:ea typeface="LXGW WenKai Mono" panose="02020509000000000000" pitchFamily="49" charset="-120"/>
+              </a:rPr>
+              <a:t>content</a:t>
+            </a:r>
+            <a:r>
+              <a:rPr lang="en-US" sz="1050" dirty="0">
+                <a:latin typeface="LXGW WenKai Mono" panose="02020509000000000000" pitchFamily="49" charset="-120"/>
+                <a:ea typeface="LXGW WenKai Mono" panose="02020509000000000000" pitchFamily="49" charset="-120"/>
+              </a:rPr>
+              <a:t>": “</a:t>
+            </a:r>
+            <a:r>
+              <a:rPr lang="en-US" sz="1050" dirty="0">
+                <a:solidFill>
+                  <a:srgbClr val="00B0F0"/>
+                </a:solidFill>
+                <a:latin typeface="LXGW WenKai Mono" panose="02020509000000000000" pitchFamily="49" charset="-120"/>
+                <a:ea typeface="LXGW WenKai Mono" panose="02020509000000000000" pitchFamily="49" charset="-120"/>
+              </a:rPr>
+              <a:t>Hi, I’m Alice!</a:t>
+            </a:r>
+            <a:r>
+              <a:rPr lang="en-US" sz="1050" dirty="0">
+                <a:latin typeface="LXGW WenKai Mono" panose="02020509000000000000" pitchFamily="49" charset="-120"/>
+                <a:ea typeface="LXGW WenKai Mono" panose="02020509000000000000" pitchFamily="49" charset="-120"/>
+              </a:rPr>
+              <a:t>“</a:t>
+            </a:r>
+          </a:p>
+          <a:p>
+            <a:r>
+              <a:rPr lang="en-US" sz="1050" dirty="0">
+                <a:latin typeface="LXGW WenKai Mono" panose="02020509000000000000" pitchFamily="49" charset="-120"/>
+                <a:ea typeface="LXGW WenKai Mono" panose="02020509000000000000" pitchFamily="49" charset="-120"/>
+              </a:rPr>
+              <a:t>      },</a:t>
+            </a:r>
+          </a:p>
+          <a:p>
+            <a:r>
+              <a:rPr lang="en-US" sz="1050" dirty="0">
+                <a:latin typeface="LXGW WenKai Mono" panose="02020509000000000000" pitchFamily="49" charset="-120"/>
+                <a:ea typeface="LXGW WenKai Mono" panose="02020509000000000000" pitchFamily="49" charset="-120"/>
+              </a:rPr>
+              <a:t>      "</a:t>
+            </a:r>
+            <a:r>
+              <a:rPr lang="en-US" sz="1050" dirty="0" err="1">
+                <a:solidFill>
+                  <a:schemeClr val="accent2">
+                    <a:lumMod val="75000"/>
+                  </a:schemeClr>
+                </a:solidFill>
+                <a:latin typeface="LXGW WenKai Mono" panose="02020509000000000000" pitchFamily="49" charset="-120"/>
+                <a:ea typeface="LXGW WenKai Mono" panose="02020509000000000000" pitchFamily="49" charset="-120"/>
+              </a:rPr>
+              <a:t>finish_reason</a:t>
+            </a:r>
+            <a:r>
+              <a:rPr lang="en-US" sz="1050" dirty="0">
+                <a:latin typeface="LXGW WenKai Mono" panose="02020509000000000000" pitchFamily="49" charset="-120"/>
+                <a:ea typeface="LXGW WenKai Mono" panose="02020509000000000000" pitchFamily="49" charset="-120"/>
+              </a:rPr>
+              <a:t>": "</a:t>
+            </a:r>
+            <a:r>
+              <a:rPr lang="en-US" sz="1050" dirty="0">
+                <a:solidFill>
+                  <a:srgbClr val="00B0F0"/>
+                </a:solidFill>
+                <a:latin typeface="LXGW WenKai Mono" panose="02020509000000000000" pitchFamily="49" charset="-120"/>
+                <a:ea typeface="LXGW WenKai Mono" panose="02020509000000000000" pitchFamily="49" charset="-120"/>
+              </a:rPr>
+              <a:t>stop</a:t>
+            </a:r>
+            <a:r>
+              <a:rPr lang="en-US" sz="1050" dirty="0">
+                <a:latin typeface="LXGW WenKai Mono" panose="02020509000000000000" pitchFamily="49" charset="-120"/>
+                <a:ea typeface="LXGW WenKai Mono" panose="02020509000000000000" pitchFamily="49" charset="-120"/>
+              </a:rPr>
+              <a:t>“</a:t>
+            </a:r>
+          </a:p>
+          <a:p>
+            <a:r>
+              <a:rPr lang="en-US" sz="1050" dirty="0">
+                <a:latin typeface="LXGW WenKai Mono" panose="02020509000000000000" pitchFamily="49" charset="-120"/>
+                <a:ea typeface="LXGW WenKai Mono" panose="02020509000000000000" pitchFamily="49" charset="-120"/>
+              </a:rPr>
+              <a:t>    }</a:t>
+            </a:r>
+            <a:r>
+              <a:rPr lang="en-US" sz="1050" dirty="0">
+                <a:solidFill>
+                  <a:schemeClr val="tx1">
+                    <a:lumMod val="50000"/>
+                    <a:lumOff val="50000"/>
+                  </a:schemeClr>
+                </a:solidFill>
+                <a:latin typeface="LXGW WenKai Mono" panose="02020509000000000000" pitchFamily="49" charset="-120"/>
+                <a:ea typeface="LXGW WenKai Mono" panose="02020509000000000000" pitchFamily="49" charset="-120"/>
+              </a:rPr>
+              <a:t>,</a:t>
+            </a:r>
+          </a:p>
+          <a:p>
+            <a:r>
+              <a:rPr lang="en-US" sz="1050" dirty="0">
+                <a:solidFill>
+                  <a:schemeClr val="tx1">
+                    <a:lumMod val="50000"/>
+                    <a:lumOff val="50000"/>
+                  </a:schemeClr>
+                </a:solidFill>
+                <a:latin typeface="LXGW WenKai Mono" panose="02020509000000000000" pitchFamily="49" charset="-120"/>
+                <a:ea typeface="LXGW WenKai Mono" panose="02020509000000000000" pitchFamily="49" charset="-120"/>
+              </a:rPr>
+              <a:t>    {</a:t>
+            </a:r>
+          </a:p>
+          <a:p>
+            <a:r>
+              <a:rPr lang="en-US" sz="1050" dirty="0">
+                <a:solidFill>
+                  <a:schemeClr val="tx1">
+                    <a:lumMod val="50000"/>
+                    <a:lumOff val="50000"/>
+                  </a:schemeClr>
+                </a:solidFill>
+                <a:latin typeface="LXGW WenKai Mono" panose="02020509000000000000" pitchFamily="49" charset="-120"/>
+                <a:ea typeface="LXGW WenKai Mono" panose="02020509000000000000" pitchFamily="49" charset="-120"/>
+              </a:rPr>
+              <a:t>      …</a:t>
+            </a:r>
+          </a:p>
+          <a:p>
+            <a:r>
+              <a:rPr lang="en-US" sz="1050" dirty="0">
+                <a:solidFill>
+                  <a:schemeClr val="tx1">
+                    <a:lumMod val="50000"/>
+                    <a:lumOff val="50000"/>
+                  </a:schemeClr>
+                </a:solidFill>
+                <a:latin typeface="LXGW WenKai Mono" panose="02020509000000000000" pitchFamily="49" charset="-120"/>
+                <a:ea typeface="LXGW WenKai Mono" panose="02020509000000000000" pitchFamily="49" charset="-120"/>
+              </a:rPr>
+              <a:t>    }</a:t>
+            </a:r>
+          </a:p>
+          <a:p>
+            <a:r>
+              <a:rPr lang="en-US" sz="1050" dirty="0">
+                <a:solidFill>
+                  <a:schemeClr val="tx1">
+                    <a:lumMod val="50000"/>
+                    <a:lumOff val="50000"/>
+                  </a:schemeClr>
+                </a:solidFill>
+                <a:latin typeface="LXGW WenKai Mono" panose="02020509000000000000" pitchFamily="49" charset="-120"/>
+                <a:ea typeface="LXGW WenKai Mono" panose="02020509000000000000" pitchFamily="49" charset="-120"/>
+              </a:rPr>
+              <a:t>  ],</a:t>
+            </a:r>
+          </a:p>
+          <a:p>
+            <a:r>
+              <a:rPr lang="en-US" sz="1050" dirty="0">
+                <a:solidFill>
+                  <a:schemeClr val="tx1">
+                    <a:lumMod val="50000"/>
+                    <a:lumOff val="50000"/>
+                  </a:schemeClr>
+                </a:solidFill>
+                <a:latin typeface="LXGW WenKai Mono" panose="02020509000000000000" pitchFamily="49" charset="-120"/>
+                <a:ea typeface="LXGW WenKai Mono" panose="02020509000000000000" pitchFamily="49" charset="-120"/>
+              </a:rPr>
+              <a:t>  "usage": {</a:t>
+            </a:r>
+          </a:p>
+          <a:p>
+            <a:r>
+              <a:rPr lang="en-US" sz="1050" dirty="0">
+                <a:solidFill>
+                  <a:schemeClr val="tx1">
+                    <a:lumMod val="50000"/>
+                    <a:lumOff val="50000"/>
+                  </a:schemeClr>
+                </a:solidFill>
+                <a:latin typeface="LXGW WenKai Mono" panose="02020509000000000000" pitchFamily="49" charset="-120"/>
+                <a:ea typeface="LXGW WenKai Mono" panose="02020509000000000000" pitchFamily="49" charset="-120"/>
+              </a:rPr>
+              <a:t>    "</a:t>
+            </a:r>
+            <a:r>
+              <a:rPr lang="en-US" sz="1050" dirty="0" err="1">
+                <a:solidFill>
+                  <a:schemeClr val="tx1">
+                    <a:lumMod val="50000"/>
+                    <a:lumOff val="50000"/>
+                  </a:schemeClr>
+                </a:solidFill>
+                <a:latin typeface="LXGW WenKai Mono" panose="02020509000000000000" pitchFamily="49" charset="-120"/>
+                <a:ea typeface="LXGW WenKai Mono" panose="02020509000000000000" pitchFamily="49" charset="-120"/>
+              </a:rPr>
+              <a:t>completion_tokens</a:t>
+            </a:r>
+            <a:r>
+              <a:rPr lang="en-US" sz="1050" dirty="0">
+                <a:solidFill>
+                  <a:schemeClr val="tx1">
+                    <a:lumMod val="50000"/>
+                    <a:lumOff val="50000"/>
+                  </a:schemeClr>
+                </a:solidFill>
+                <a:latin typeface="LXGW WenKai Mono" panose="02020509000000000000" pitchFamily="49" charset="-120"/>
+                <a:ea typeface="LXGW WenKai Mono" panose="02020509000000000000" pitchFamily="49" charset="-120"/>
+              </a:rPr>
+              <a:t>": 5,</a:t>
+            </a:r>
+          </a:p>
+          <a:p>
+            <a:r>
+              <a:rPr lang="en-US" sz="1050" dirty="0">
+                <a:solidFill>
+                  <a:schemeClr val="tx1">
+                    <a:lumMod val="50000"/>
+                    <a:lumOff val="50000"/>
+                  </a:schemeClr>
+                </a:solidFill>
+                <a:latin typeface="LXGW WenKai Mono" panose="02020509000000000000" pitchFamily="49" charset="-120"/>
+                <a:ea typeface="LXGW WenKai Mono" panose="02020509000000000000" pitchFamily="49" charset="-120"/>
+              </a:rPr>
+              <a:t>    "</a:t>
+            </a:r>
+            <a:r>
+              <a:rPr lang="en-US" sz="1050" dirty="0" err="1">
+                <a:solidFill>
+                  <a:schemeClr val="tx1">
+                    <a:lumMod val="50000"/>
+                    <a:lumOff val="50000"/>
+                  </a:schemeClr>
+                </a:solidFill>
+                <a:latin typeface="LXGW WenKai Mono" panose="02020509000000000000" pitchFamily="49" charset="-120"/>
+                <a:ea typeface="LXGW WenKai Mono" panose="02020509000000000000" pitchFamily="49" charset="-120"/>
+              </a:rPr>
+              <a:t>prompt_tokens</a:t>
+            </a:r>
+            <a:r>
+              <a:rPr lang="en-US" sz="1050" dirty="0">
+                <a:solidFill>
+                  <a:schemeClr val="tx1">
+                    <a:lumMod val="50000"/>
+                    <a:lumOff val="50000"/>
+                  </a:schemeClr>
+                </a:solidFill>
+                <a:latin typeface="LXGW WenKai Mono" panose="02020509000000000000" pitchFamily="49" charset="-120"/>
+                <a:ea typeface="LXGW WenKai Mono" panose="02020509000000000000" pitchFamily="49" charset="-120"/>
+              </a:rPr>
+              <a:t>": 14,</a:t>
+            </a:r>
+          </a:p>
+          <a:p>
+            <a:r>
+              <a:rPr lang="en-US" sz="1050" dirty="0">
+                <a:solidFill>
+                  <a:schemeClr val="tx1">
+                    <a:lumMod val="50000"/>
+                    <a:lumOff val="50000"/>
+                  </a:schemeClr>
+                </a:solidFill>
+                <a:latin typeface="LXGW WenKai Mono" panose="02020509000000000000" pitchFamily="49" charset="-120"/>
+                <a:ea typeface="LXGW WenKai Mono" panose="02020509000000000000" pitchFamily="49" charset="-120"/>
+              </a:rPr>
+              <a:t>    "</a:t>
+            </a:r>
+            <a:r>
+              <a:rPr lang="en-US" sz="1050" dirty="0" err="1">
+                <a:solidFill>
+                  <a:schemeClr val="tx1">
+                    <a:lumMod val="50000"/>
+                    <a:lumOff val="50000"/>
+                  </a:schemeClr>
+                </a:solidFill>
+                <a:latin typeface="LXGW WenKai Mono" panose="02020509000000000000" pitchFamily="49" charset="-120"/>
+                <a:ea typeface="LXGW WenKai Mono" panose="02020509000000000000" pitchFamily="49" charset="-120"/>
+              </a:rPr>
+              <a:t>total_tokens</a:t>
+            </a:r>
+            <a:r>
+              <a:rPr lang="en-US" sz="1050" dirty="0">
+                <a:solidFill>
+                  <a:schemeClr val="tx1">
+                    <a:lumMod val="50000"/>
+                    <a:lumOff val="50000"/>
+                  </a:schemeClr>
+                </a:solidFill>
+                <a:latin typeface="LXGW WenKai Mono" panose="02020509000000000000" pitchFamily="49" charset="-120"/>
+                <a:ea typeface="LXGW WenKai Mono" panose="02020509000000000000" pitchFamily="49" charset="-120"/>
+              </a:rPr>
+              <a:t>": 19</a:t>
+            </a:r>
+          </a:p>
+          <a:p>
+            <a:r>
+              <a:rPr lang="en-US" sz="1050" dirty="0">
+                <a:solidFill>
+                  <a:schemeClr val="tx1">
+                    <a:lumMod val="50000"/>
+                    <a:lumOff val="50000"/>
+                  </a:schemeClr>
+                </a:solidFill>
+                <a:latin typeface="LXGW WenKai Mono" panose="02020509000000000000" pitchFamily="49" charset="-120"/>
+                <a:ea typeface="LXGW WenKai Mono" panose="02020509000000000000" pitchFamily="49" charset="-120"/>
+              </a:rPr>
+              <a:t>  }</a:t>
+            </a:r>
+          </a:p>
+          <a:p>
+            <a:r>
+              <a:rPr lang="en-US" sz="1050" dirty="0">
+                <a:solidFill>
+                  <a:schemeClr val="tx1">
+                    <a:lumMod val="50000"/>
+                    <a:lumOff val="50000"/>
+                  </a:schemeClr>
+                </a:solidFill>
+                <a:latin typeface="LXGW WenKai Mono" panose="02020509000000000000" pitchFamily="49" charset="-120"/>
+                <a:ea typeface="LXGW WenKai Mono" panose="02020509000000000000" pitchFamily="49" charset="-120"/>
+              </a:rPr>
+              <a:t>}</a:t>
+            </a:r>
+          </a:p>
+        </p:txBody>
+      </p:sp>
+      <p:sp>
+        <p:nvSpPr>
+          <p:cNvPr id="7" name="TextBox 6">
+            <a:extLst>
+              <a:ext uri="{FF2B5EF4-FFF2-40B4-BE49-F238E27FC236}">
+                <a16:creationId xmlns:a16="http://schemas.microsoft.com/office/drawing/2014/main" id="{7DDF4172-2C75-6370-DFC9-04B7CDD2FECD}"/>
+              </a:ext>
+            </a:extLst>
+          </p:cNvPr>
+          <p:cNvSpPr txBox="1"/>
+          <p:nvPr/>
+        </p:nvSpPr>
+        <p:spPr>
+          <a:xfrm>
+            <a:off x="4109579" y="6647367"/>
+            <a:ext cx="2686981" cy="2516073"/>
+          </a:xfrm>
+          <a:prstGeom prst="rect">
+            <a:avLst/>
+          </a:prstGeom>
+          <a:solidFill>
+            <a:schemeClr val="accent4">
+              <a:lumMod val="20000"/>
+              <a:lumOff val="80000"/>
+            </a:schemeClr>
+          </a:solidFill>
+          <a:ln>
+            <a:solidFill>
+              <a:schemeClr val="tx1"/>
+            </a:solidFill>
+            <a:prstDash val="dash"/>
+            <a:extLst>
+              <a:ext uri="{C807C97D-BFC1-408E-A445-0C87EB9F89A2}">
+                <ask:lineSketchStyleProps xmlns:ask="http://schemas.microsoft.com/office/drawing/2018/sketchyshapes" sd="1219033472">
+                  <a:custGeom>
+                    <a:avLst/>
+                    <a:gdLst>
+                      <a:gd name="connsiteX0" fmla="*/ 0 w 3876087"/>
+                      <a:gd name="connsiteY0" fmla="*/ 0 h 900246"/>
+                      <a:gd name="connsiteX1" fmla="*/ 3876087 w 3876087"/>
+                      <a:gd name="connsiteY1" fmla="*/ 0 h 900246"/>
+                      <a:gd name="connsiteX2" fmla="*/ 3876087 w 3876087"/>
+                      <a:gd name="connsiteY2" fmla="*/ 900246 h 900246"/>
+                      <a:gd name="connsiteX3" fmla="*/ 0 w 3876087"/>
+                      <a:gd name="connsiteY3" fmla="*/ 900246 h 900246"/>
+                      <a:gd name="connsiteX4" fmla="*/ 0 w 3876087"/>
+                      <a:gd name="connsiteY4" fmla="*/ 0 h 900246"/>
+                    </a:gdLst>
+                    <a:ahLst/>
+                    <a:cxnLst>
+                      <a:cxn ang="0">
+                        <a:pos x="connsiteX0" y="connsiteY0"/>
+                      </a:cxn>
+                      <a:cxn ang="0">
+                        <a:pos x="connsiteX1" y="connsiteY1"/>
+                      </a:cxn>
+                      <a:cxn ang="0">
+                        <a:pos x="connsiteX2" y="connsiteY2"/>
+                      </a:cxn>
+                      <a:cxn ang="0">
+                        <a:pos x="connsiteX3" y="connsiteY3"/>
+                      </a:cxn>
+                      <a:cxn ang="0">
+                        <a:pos x="connsiteX4" y="connsiteY4"/>
+                      </a:cxn>
+                    </a:cxnLst>
+                    <a:rect l="l" t="t" r="r" b="b"/>
+                    <a:pathLst>
+                      <a:path w="3876087" h="900246" extrusionOk="0">
+                        <a:moveTo>
+                          <a:pt x="0" y="0"/>
+                        </a:moveTo>
+                        <a:cubicBezTo>
+                          <a:pt x="597499" y="118645"/>
+                          <a:pt x="3241913" y="116012"/>
+                          <a:pt x="3876087" y="0"/>
+                        </a:cubicBezTo>
+                        <a:cubicBezTo>
+                          <a:pt x="3869829" y="427475"/>
+                          <a:pt x="3832133" y="750199"/>
+                          <a:pt x="3876087" y="900246"/>
+                        </a:cubicBezTo>
+                        <a:cubicBezTo>
+                          <a:pt x="3200596" y="1034846"/>
+                          <a:pt x="881589" y="743050"/>
+                          <a:pt x="0" y="900246"/>
+                        </a:cubicBezTo>
+                        <a:cubicBezTo>
+                          <a:pt x="75913" y="483429"/>
+                          <a:pt x="-68599" y="339664"/>
+                          <a:pt x="0" y="0"/>
+                        </a:cubicBezTo>
+                        <a:close/>
+                      </a:path>
+                    </a:pathLst>
+                  </a:custGeom>
+                  <ask:type>
+                    <ask:lineSketchNone/>
+                  </ask:type>
+                </ask:lineSketchStyleProps>
+              </a:ext>
+            </a:extLst>
+          </a:ln>
+          <a:effectLst/>
+        </p:spPr>
+        <p:txBody>
+          <a:bodyPr wrap="square" rtlCol="0">
+            <a:spAutoFit/>
+          </a:bodyPr>
+          <a:lstStyle/>
+          <a:p>
+            <a:r>
+              <a:rPr lang="en-US" sz="1050" dirty="0">
+                <a:latin typeface="LXGW WenKai Mono" panose="02020509000000000000" pitchFamily="49" charset="-120"/>
+                <a:ea typeface="LXGW WenKai Mono" panose="02020509000000000000" pitchFamily="49" charset="-120"/>
+              </a:rPr>
+              <a:t>{</a:t>
+            </a:r>
+          </a:p>
+          <a:p>
+            <a:r>
+              <a:rPr lang="en-US" sz="1050" dirty="0">
+                <a:latin typeface="LXGW WenKai Mono" panose="02020509000000000000" pitchFamily="49" charset="-120"/>
+                <a:ea typeface="LXGW WenKai Mono" panose="02020509000000000000" pitchFamily="49" charset="-120"/>
+              </a:rPr>
+              <a:t>  "choices": [</a:t>
+            </a:r>
+          </a:p>
+          <a:p>
+            <a:r>
+              <a:rPr lang="en-US" sz="1050" dirty="0">
+                <a:latin typeface="LXGW WenKai Mono" panose="02020509000000000000" pitchFamily="49" charset="-120"/>
+                <a:ea typeface="LXGW WenKai Mono" panose="02020509000000000000" pitchFamily="49" charset="-120"/>
+              </a:rPr>
+              <a:t>    {</a:t>
+            </a:r>
+          </a:p>
+          <a:p>
+            <a:r>
+              <a:rPr lang="en-US" sz="1050" dirty="0">
+                <a:latin typeface="LXGW WenKai Mono" panose="02020509000000000000" pitchFamily="49" charset="-120"/>
+                <a:ea typeface="LXGW WenKai Mono" panose="02020509000000000000" pitchFamily="49" charset="-120"/>
+              </a:rPr>
+              <a:t>      "delta": {</a:t>
+            </a:r>
+          </a:p>
+          <a:p>
+            <a:r>
+              <a:rPr lang="en-US" sz="1050" dirty="0">
+                <a:latin typeface="LXGW WenKai Mono" panose="02020509000000000000" pitchFamily="49" charset="-120"/>
+                <a:ea typeface="LXGW WenKai Mono" panose="02020509000000000000" pitchFamily="49" charset="-120"/>
+              </a:rPr>
+              <a:t>        "</a:t>
+            </a:r>
+            <a:r>
+              <a:rPr lang="en-US" sz="1050" dirty="0">
+                <a:solidFill>
+                  <a:schemeClr val="accent2">
+                    <a:lumMod val="75000"/>
+                  </a:schemeClr>
+                </a:solidFill>
+                <a:latin typeface="LXGW WenKai Mono" panose="02020509000000000000" pitchFamily="49" charset="-120"/>
+                <a:ea typeface="LXGW WenKai Mono" panose="02020509000000000000" pitchFamily="49" charset="-120"/>
+              </a:rPr>
+              <a:t>role</a:t>
+            </a:r>
+            <a:r>
+              <a:rPr lang="en-US" sz="1050" dirty="0">
+                <a:latin typeface="LXGW WenKai Mono" panose="02020509000000000000" pitchFamily="49" charset="-120"/>
+                <a:ea typeface="LXGW WenKai Mono" panose="02020509000000000000" pitchFamily="49" charset="-120"/>
+              </a:rPr>
+              <a:t>": "</a:t>
+            </a:r>
+            <a:r>
+              <a:rPr lang="en-US" sz="1050" dirty="0">
+                <a:solidFill>
+                  <a:srgbClr val="00B0F0"/>
+                </a:solidFill>
+                <a:latin typeface="LXGW WenKai Mono" panose="02020509000000000000" pitchFamily="49" charset="-120"/>
+                <a:ea typeface="LXGW WenKai Mono" panose="02020509000000000000" pitchFamily="49" charset="-120"/>
+              </a:rPr>
+              <a:t>assistant</a:t>
+            </a:r>
+            <a:r>
+              <a:rPr lang="en-US" sz="1050" dirty="0">
+                <a:latin typeface="LXGW WenKai Mono" panose="02020509000000000000" pitchFamily="49" charset="-120"/>
+                <a:ea typeface="LXGW WenKai Mono" panose="02020509000000000000" pitchFamily="49" charset="-120"/>
+              </a:rPr>
+              <a:t>"</a:t>
+            </a:r>
+          </a:p>
+          <a:p>
+            <a:r>
+              <a:rPr lang="en-US" sz="1050" dirty="0">
+                <a:latin typeface="LXGW WenKai Mono" panose="02020509000000000000" pitchFamily="49" charset="-120"/>
+                <a:ea typeface="LXGW WenKai Mono" panose="02020509000000000000" pitchFamily="49" charset="-120"/>
+              </a:rPr>
+              <a:t>      },</a:t>
+            </a:r>
+          </a:p>
+          <a:p>
+            <a:r>
+              <a:rPr lang="en-US" sz="1050" dirty="0">
+                <a:latin typeface="LXGW WenKai Mono" panose="02020509000000000000" pitchFamily="49" charset="-120"/>
+                <a:ea typeface="LXGW WenKai Mono" panose="02020509000000000000" pitchFamily="49" charset="-120"/>
+              </a:rPr>
+              <a:t>      "</a:t>
+            </a:r>
+            <a:r>
+              <a:rPr lang="en-US" sz="1050" dirty="0" err="1">
+                <a:solidFill>
+                  <a:schemeClr val="accent2">
+                    <a:lumMod val="75000"/>
+                  </a:schemeClr>
+                </a:solidFill>
+                <a:latin typeface="LXGW WenKai Mono" panose="02020509000000000000" pitchFamily="49" charset="-120"/>
+                <a:ea typeface="LXGW WenKai Mono" panose="02020509000000000000" pitchFamily="49" charset="-120"/>
+              </a:rPr>
+              <a:t>finish_reason</a:t>
+            </a:r>
+            <a:r>
+              <a:rPr lang="en-US" sz="1050" dirty="0">
+                <a:latin typeface="LXGW WenKai Mono" panose="02020509000000000000" pitchFamily="49" charset="-120"/>
+                <a:ea typeface="LXGW WenKai Mono" panose="02020509000000000000" pitchFamily="49" charset="-120"/>
+              </a:rPr>
+              <a:t>": </a:t>
+            </a:r>
+            <a:r>
+              <a:rPr lang="en-US" sz="1050" dirty="0">
+                <a:solidFill>
+                  <a:srgbClr val="00B0F0"/>
+                </a:solidFill>
+                <a:latin typeface="LXGW WenKai Mono" panose="02020509000000000000" pitchFamily="49" charset="-120"/>
+                <a:ea typeface="LXGW WenKai Mono" panose="02020509000000000000" pitchFamily="49" charset="-120"/>
+              </a:rPr>
+              <a:t>null</a:t>
+            </a:r>
+            <a:r>
+              <a:rPr lang="en-US" sz="1050" dirty="0">
+                <a:latin typeface="LXGW WenKai Mono" panose="02020509000000000000" pitchFamily="49" charset="-120"/>
+                <a:ea typeface="LXGW WenKai Mono" panose="02020509000000000000" pitchFamily="49" charset="-120"/>
+              </a:rPr>
+              <a:t>,</a:t>
+            </a:r>
+          </a:p>
+          <a:p>
+            <a:r>
+              <a:rPr lang="en-US" sz="1050" dirty="0">
+                <a:latin typeface="LXGW WenKai Mono" panose="02020509000000000000" pitchFamily="49" charset="-120"/>
+                <a:ea typeface="LXGW WenKai Mono" panose="02020509000000000000" pitchFamily="49" charset="-120"/>
+              </a:rPr>
+              <a:t>      "index": 0</a:t>
+            </a:r>
+          </a:p>
+          <a:p>
+            <a:r>
+              <a:rPr lang="en-US" sz="1050" dirty="0">
+                <a:latin typeface="LXGW WenKai Mono" panose="02020509000000000000" pitchFamily="49" charset="-120"/>
+                <a:ea typeface="LXGW WenKai Mono" panose="02020509000000000000" pitchFamily="49" charset="-120"/>
+              </a:rPr>
+              <a:t>    }</a:t>
+            </a:r>
+          </a:p>
+          <a:p>
+            <a:r>
+              <a:rPr lang="en-US" sz="1050" dirty="0">
+                <a:latin typeface="LXGW WenKai Mono" panose="02020509000000000000" pitchFamily="49" charset="-120"/>
+                <a:ea typeface="LXGW WenKai Mono" panose="02020509000000000000" pitchFamily="49" charset="-120"/>
+              </a:rPr>
+              <a:t>  ],</a:t>
+            </a:r>
+          </a:p>
+          <a:p>
+            <a:r>
+              <a:rPr lang="en-US" sz="1050" dirty="0">
+                <a:latin typeface="LXGW WenKai Mono" panose="02020509000000000000" pitchFamily="49" charset="-120"/>
+                <a:ea typeface="LXGW WenKai Mono" panose="02020509000000000000" pitchFamily="49" charset="-120"/>
+              </a:rPr>
+              <a:t>  "created": 1677825464,</a:t>
+            </a:r>
+          </a:p>
+          <a:p>
+            <a:r>
+              <a:rPr lang="en-US" sz="1050" dirty="0">
+                <a:solidFill>
+                  <a:schemeClr val="tx1">
+                    <a:lumMod val="50000"/>
+                    <a:lumOff val="50000"/>
+                  </a:schemeClr>
+                </a:solidFill>
+                <a:latin typeface="LXGW WenKai Mono" panose="02020509000000000000" pitchFamily="49" charset="-120"/>
+                <a:ea typeface="LXGW WenKai Mono" panose="02020509000000000000" pitchFamily="49" charset="-120"/>
+              </a:rPr>
+              <a:t>  "id": "</a:t>
+            </a:r>
+            <a:r>
+              <a:rPr lang="en-US" sz="1050" dirty="0" err="1">
+                <a:solidFill>
+                  <a:schemeClr val="tx1">
+                    <a:lumMod val="50000"/>
+                    <a:lumOff val="50000"/>
+                  </a:schemeClr>
+                </a:solidFill>
+                <a:latin typeface="LXGW WenKai Mono" panose="02020509000000000000" pitchFamily="49" charset="-120"/>
+                <a:ea typeface="LXGW WenKai Mono" panose="02020509000000000000" pitchFamily="49" charset="-120"/>
+              </a:rPr>
+              <a:t>chatcmpl</a:t>
+            </a:r>
+            <a:r>
+              <a:rPr lang="en-US" sz="1050" dirty="0">
+                <a:solidFill>
+                  <a:schemeClr val="tx1">
+                    <a:lumMod val="50000"/>
+                    <a:lumOff val="50000"/>
+                  </a:schemeClr>
+                </a:solidFill>
+                <a:latin typeface="LXGW WenKai Mono" panose="02020509000000000000" pitchFamily="49" charset="-120"/>
+                <a:ea typeface="LXGW WenKai Mono" panose="02020509000000000000" pitchFamily="49" charset="-120"/>
+              </a:rPr>
+              <a:t>-**********",</a:t>
+            </a:r>
+          </a:p>
+          <a:p>
+            <a:r>
+              <a:rPr lang="en-US" sz="1050" dirty="0">
+                <a:latin typeface="LXGW WenKai Mono" panose="02020509000000000000" pitchFamily="49" charset="-120"/>
+                <a:ea typeface="LXGW WenKai Mono" panose="02020509000000000000" pitchFamily="49" charset="-120"/>
+              </a:rPr>
+              <a:t>  "model": "gpt-3.5-turbo",</a:t>
+            </a:r>
+          </a:p>
+          <a:p>
+            <a:r>
+              <a:rPr lang="en-US" sz="1050" dirty="0">
+                <a:solidFill>
+                  <a:schemeClr val="tx1">
+                    <a:lumMod val="50000"/>
+                    <a:lumOff val="50000"/>
+                  </a:schemeClr>
+                </a:solidFill>
+                <a:latin typeface="LXGW WenKai Mono" panose="02020509000000000000" pitchFamily="49" charset="-120"/>
+                <a:ea typeface="LXGW WenKai Mono" panose="02020509000000000000" pitchFamily="49" charset="-120"/>
+              </a:rPr>
+              <a:t>  "object": "</a:t>
+            </a:r>
+            <a:r>
+              <a:rPr lang="en-US" sz="1050" dirty="0" err="1">
+                <a:solidFill>
+                  <a:schemeClr val="tx1">
+                    <a:lumMod val="50000"/>
+                    <a:lumOff val="50000"/>
+                  </a:schemeClr>
+                </a:solidFill>
+                <a:latin typeface="LXGW WenKai Mono" panose="02020509000000000000" pitchFamily="49" charset="-120"/>
+                <a:ea typeface="LXGW WenKai Mono" panose="02020509000000000000" pitchFamily="49" charset="-120"/>
+              </a:rPr>
+              <a:t>chat.completion.chunk</a:t>
+            </a:r>
+            <a:r>
+              <a:rPr lang="en-US" sz="1050" dirty="0">
+                <a:solidFill>
+                  <a:schemeClr val="tx1">
+                    <a:lumMod val="50000"/>
+                    <a:lumOff val="50000"/>
+                  </a:schemeClr>
+                </a:solidFill>
+                <a:latin typeface="LXGW WenKai Mono" panose="02020509000000000000" pitchFamily="49" charset="-120"/>
+                <a:ea typeface="LXGW WenKai Mono" panose="02020509000000000000" pitchFamily="49" charset="-120"/>
+              </a:rPr>
+              <a:t>"</a:t>
+            </a:r>
+          </a:p>
+          <a:p>
+            <a:r>
+              <a:rPr lang="en-US" sz="1050" dirty="0">
+                <a:latin typeface="LXGW WenKai Mono" panose="02020509000000000000" pitchFamily="49" charset="-120"/>
+                <a:ea typeface="LXGW WenKai Mono" panose="02020509000000000000" pitchFamily="49" charset="-120"/>
+              </a:rPr>
+              <a:t>}</a:t>
+            </a:r>
+          </a:p>
+        </p:txBody>
+      </p:sp>
+      <p:sp>
+        <p:nvSpPr>
+          <p:cNvPr id="10" name="TextBox 9">
+            <a:extLst>
+              <a:ext uri="{FF2B5EF4-FFF2-40B4-BE49-F238E27FC236}">
+                <a16:creationId xmlns:a16="http://schemas.microsoft.com/office/drawing/2014/main" id="{B95A855B-9E0C-E985-99CE-D15D5B1D1039}"/>
+              </a:ext>
+            </a:extLst>
+          </p:cNvPr>
+          <p:cNvSpPr txBox="1"/>
+          <p:nvPr/>
+        </p:nvSpPr>
+        <p:spPr>
+          <a:xfrm>
+            <a:off x="4109578" y="9407441"/>
+            <a:ext cx="2686981" cy="2031325"/>
+          </a:xfrm>
+          <a:prstGeom prst="rect">
+            <a:avLst/>
+          </a:prstGeom>
+          <a:solidFill>
+            <a:schemeClr val="accent4">
+              <a:lumMod val="20000"/>
+              <a:lumOff val="80000"/>
+            </a:schemeClr>
+          </a:solidFill>
+          <a:ln>
+            <a:solidFill>
+              <a:schemeClr val="tx1"/>
+            </a:solidFill>
+            <a:prstDash val="dash"/>
+            <a:extLst>
+              <a:ext uri="{C807C97D-BFC1-408E-A445-0C87EB9F89A2}">
+                <ask:lineSketchStyleProps xmlns:ask="http://schemas.microsoft.com/office/drawing/2018/sketchyshapes" sd="1219033472">
+                  <a:custGeom>
+                    <a:avLst/>
+                    <a:gdLst>
+                      <a:gd name="connsiteX0" fmla="*/ 0 w 3876087"/>
+                      <a:gd name="connsiteY0" fmla="*/ 0 h 900246"/>
+                      <a:gd name="connsiteX1" fmla="*/ 3876087 w 3876087"/>
+                      <a:gd name="connsiteY1" fmla="*/ 0 h 900246"/>
+                      <a:gd name="connsiteX2" fmla="*/ 3876087 w 3876087"/>
+                      <a:gd name="connsiteY2" fmla="*/ 900246 h 900246"/>
+                      <a:gd name="connsiteX3" fmla="*/ 0 w 3876087"/>
+                      <a:gd name="connsiteY3" fmla="*/ 900246 h 900246"/>
+                      <a:gd name="connsiteX4" fmla="*/ 0 w 3876087"/>
+                      <a:gd name="connsiteY4" fmla="*/ 0 h 900246"/>
+                    </a:gdLst>
+                    <a:ahLst/>
+                    <a:cxnLst>
+                      <a:cxn ang="0">
+                        <a:pos x="connsiteX0" y="connsiteY0"/>
+                      </a:cxn>
+                      <a:cxn ang="0">
+                        <a:pos x="connsiteX1" y="connsiteY1"/>
+                      </a:cxn>
+                      <a:cxn ang="0">
+                        <a:pos x="connsiteX2" y="connsiteY2"/>
+                      </a:cxn>
+                      <a:cxn ang="0">
+                        <a:pos x="connsiteX3" y="connsiteY3"/>
+                      </a:cxn>
+                      <a:cxn ang="0">
+                        <a:pos x="connsiteX4" y="connsiteY4"/>
+                      </a:cxn>
+                    </a:cxnLst>
+                    <a:rect l="l" t="t" r="r" b="b"/>
+                    <a:pathLst>
+                      <a:path w="3876087" h="900246" extrusionOk="0">
+                        <a:moveTo>
+                          <a:pt x="0" y="0"/>
+                        </a:moveTo>
+                        <a:cubicBezTo>
+                          <a:pt x="597499" y="118645"/>
+                          <a:pt x="3241913" y="116012"/>
+                          <a:pt x="3876087" y="0"/>
+                        </a:cubicBezTo>
+                        <a:cubicBezTo>
+                          <a:pt x="3869829" y="427475"/>
+                          <a:pt x="3832133" y="750199"/>
+                          <a:pt x="3876087" y="900246"/>
+                        </a:cubicBezTo>
+                        <a:cubicBezTo>
+                          <a:pt x="3200596" y="1034846"/>
+                          <a:pt x="881589" y="743050"/>
+                          <a:pt x="0" y="900246"/>
+                        </a:cubicBezTo>
+                        <a:cubicBezTo>
+                          <a:pt x="75913" y="483429"/>
+                          <a:pt x="-68599" y="339664"/>
+                          <a:pt x="0" y="0"/>
+                        </a:cubicBezTo>
+                        <a:close/>
+                      </a:path>
+                    </a:pathLst>
+                  </a:custGeom>
+                  <ask:type>
+                    <ask:lineSketchNone/>
+                  </ask:type>
+                </ask:lineSketchStyleProps>
+              </a:ext>
+            </a:extLst>
+          </a:ln>
+          <a:effectLst/>
+        </p:spPr>
+        <p:txBody>
+          <a:bodyPr wrap="square" rtlCol="0">
+            <a:spAutoFit/>
+          </a:bodyPr>
+          <a:lstStyle/>
+          <a:p>
+            <a:r>
+              <a:rPr lang="en-US" sz="1050" dirty="0">
+                <a:latin typeface="LXGW WenKai Mono" panose="02020509000000000000" pitchFamily="49" charset="-120"/>
+                <a:ea typeface="LXGW WenKai Mono" panose="02020509000000000000" pitchFamily="49" charset="-120"/>
+              </a:rPr>
+              <a:t>{</a:t>
+            </a:r>
+          </a:p>
+          <a:p>
+            <a:r>
+              <a:rPr lang="en-US" sz="1050" dirty="0">
+                <a:latin typeface="LXGW WenKai Mono" panose="02020509000000000000" pitchFamily="49" charset="-120"/>
+                <a:ea typeface="LXGW WenKai Mono" panose="02020509000000000000" pitchFamily="49" charset="-120"/>
+              </a:rPr>
+              <a:t>  "choices": [</a:t>
+            </a:r>
+          </a:p>
+          <a:p>
+            <a:r>
+              <a:rPr lang="en-US" sz="1050" dirty="0">
+                <a:latin typeface="LXGW WenKai Mono" panose="02020509000000000000" pitchFamily="49" charset="-120"/>
+                <a:ea typeface="LXGW WenKai Mono" panose="02020509000000000000" pitchFamily="49" charset="-120"/>
+              </a:rPr>
+              <a:t>    {</a:t>
+            </a:r>
+          </a:p>
+          <a:p>
+            <a:r>
+              <a:rPr lang="en-US" sz="1050" dirty="0">
+                <a:latin typeface="LXGW WenKai Mono" panose="02020509000000000000" pitchFamily="49" charset="-120"/>
+                <a:ea typeface="LXGW WenKai Mono" panose="02020509000000000000" pitchFamily="49" charset="-120"/>
+              </a:rPr>
+              <a:t>      "delta": {</a:t>
+            </a:r>
+          </a:p>
+          <a:p>
+            <a:r>
+              <a:rPr lang="en-US" sz="1050" dirty="0">
+                <a:latin typeface="LXGW WenKai Mono" panose="02020509000000000000" pitchFamily="49" charset="-120"/>
+                <a:ea typeface="LXGW WenKai Mono" panose="02020509000000000000" pitchFamily="49" charset="-120"/>
+              </a:rPr>
+              <a:t>        “</a:t>
+            </a:r>
+            <a:r>
+              <a:rPr lang="en-US" sz="1050" dirty="0">
+                <a:solidFill>
+                  <a:schemeClr val="accent2">
+                    <a:lumMod val="75000"/>
+                  </a:schemeClr>
+                </a:solidFill>
+                <a:latin typeface="LXGW WenKai Mono" panose="02020509000000000000" pitchFamily="49" charset="-120"/>
+                <a:ea typeface="LXGW WenKai Mono" panose="02020509000000000000" pitchFamily="49" charset="-120"/>
+              </a:rPr>
+              <a:t>content</a:t>
+            </a:r>
+            <a:r>
+              <a:rPr lang="en-US" sz="1050" dirty="0">
+                <a:latin typeface="LXGW WenKai Mono" panose="02020509000000000000" pitchFamily="49" charset="-120"/>
+                <a:ea typeface="LXGW WenKai Mono" panose="02020509000000000000" pitchFamily="49" charset="-120"/>
+              </a:rPr>
+              <a:t>": “</a:t>
+            </a:r>
+            <a:r>
+              <a:rPr lang="en-US" sz="1050" dirty="0">
+                <a:solidFill>
+                  <a:srgbClr val="00B0F0"/>
+                </a:solidFill>
+                <a:latin typeface="LXGW WenKai Mono" panose="02020509000000000000" pitchFamily="49" charset="-120"/>
+                <a:ea typeface="LXGW WenKai Mono" panose="02020509000000000000" pitchFamily="49" charset="-120"/>
+              </a:rPr>
+              <a:t>Hi, </a:t>
+            </a:r>
+            <a:r>
+              <a:rPr lang="en-US" sz="1050" dirty="0">
+                <a:latin typeface="LXGW WenKai Mono" panose="02020509000000000000" pitchFamily="49" charset="-120"/>
+                <a:ea typeface="LXGW WenKai Mono" panose="02020509000000000000" pitchFamily="49" charset="-120"/>
+              </a:rPr>
+              <a:t>"</a:t>
+            </a:r>
+          </a:p>
+          <a:p>
+            <a:r>
+              <a:rPr lang="en-US" sz="1050" dirty="0">
+                <a:latin typeface="LXGW WenKai Mono" panose="02020509000000000000" pitchFamily="49" charset="-120"/>
+                <a:ea typeface="LXGW WenKai Mono" panose="02020509000000000000" pitchFamily="49" charset="-120"/>
+              </a:rPr>
+              <a:t>      },</a:t>
+            </a:r>
+          </a:p>
+          <a:p>
+            <a:r>
+              <a:rPr lang="en-US" sz="1050" dirty="0">
+                <a:latin typeface="LXGW WenKai Mono" panose="02020509000000000000" pitchFamily="49" charset="-120"/>
+                <a:ea typeface="LXGW WenKai Mono" panose="02020509000000000000" pitchFamily="49" charset="-120"/>
+              </a:rPr>
+              <a:t>      "</a:t>
+            </a:r>
+            <a:r>
+              <a:rPr lang="en-US" sz="1050" dirty="0" err="1">
+                <a:solidFill>
+                  <a:schemeClr val="accent2">
+                    <a:lumMod val="75000"/>
+                  </a:schemeClr>
+                </a:solidFill>
+                <a:latin typeface="LXGW WenKai Mono" panose="02020509000000000000" pitchFamily="49" charset="-120"/>
+                <a:ea typeface="LXGW WenKai Mono" panose="02020509000000000000" pitchFamily="49" charset="-120"/>
+              </a:rPr>
+              <a:t>finish_reason</a:t>
+            </a:r>
+            <a:r>
+              <a:rPr lang="en-US" sz="1050" dirty="0">
+                <a:latin typeface="LXGW WenKai Mono" panose="02020509000000000000" pitchFamily="49" charset="-120"/>
+                <a:ea typeface="LXGW WenKai Mono" panose="02020509000000000000" pitchFamily="49" charset="-120"/>
+              </a:rPr>
+              <a:t>": </a:t>
+            </a:r>
+            <a:r>
+              <a:rPr lang="en-US" sz="1050" dirty="0">
+                <a:solidFill>
+                  <a:srgbClr val="00B0F0"/>
+                </a:solidFill>
+                <a:latin typeface="LXGW WenKai Mono" panose="02020509000000000000" pitchFamily="49" charset="-120"/>
+                <a:ea typeface="LXGW WenKai Mono" panose="02020509000000000000" pitchFamily="49" charset="-120"/>
+              </a:rPr>
+              <a:t>null</a:t>
+            </a:r>
+            <a:r>
+              <a:rPr lang="en-US" sz="1050" dirty="0">
+                <a:latin typeface="LXGW WenKai Mono" panose="02020509000000000000" pitchFamily="49" charset="-120"/>
+                <a:ea typeface="LXGW WenKai Mono" panose="02020509000000000000" pitchFamily="49" charset="-120"/>
+              </a:rPr>
+              <a:t>,</a:t>
+            </a:r>
+          </a:p>
+          <a:p>
+            <a:r>
+              <a:rPr lang="en-US" sz="1050" dirty="0">
+                <a:latin typeface="LXGW WenKai Mono" panose="02020509000000000000" pitchFamily="49" charset="-120"/>
+                <a:ea typeface="LXGW WenKai Mono" panose="02020509000000000000" pitchFamily="49" charset="-120"/>
+              </a:rPr>
+              <a:t>      "index": 0</a:t>
+            </a:r>
+          </a:p>
+          <a:p>
+            <a:r>
+              <a:rPr lang="en-US" sz="1050" dirty="0">
+                <a:latin typeface="LXGW WenKai Mono" panose="02020509000000000000" pitchFamily="49" charset="-120"/>
+                <a:ea typeface="LXGW WenKai Mono" panose="02020509000000000000" pitchFamily="49" charset="-120"/>
+              </a:rPr>
+              <a:t>    }</a:t>
+            </a:r>
+          </a:p>
+          <a:p>
+            <a:r>
+              <a:rPr lang="en-US" sz="1050" dirty="0">
+                <a:latin typeface="LXGW WenKai Mono" panose="02020509000000000000" pitchFamily="49" charset="-120"/>
+                <a:ea typeface="LXGW WenKai Mono" panose="02020509000000000000" pitchFamily="49" charset="-120"/>
+              </a:rPr>
+              <a:t>  ],</a:t>
+            </a:r>
+          </a:p>
+          <a:p>
+            <a:r>
+              <a:rPr lang="en-US" sz="1050" dirty="0">
+                <a:latin typeface="LXGW WenKai Mono" panose="02020509000000000000" pitchFamily="49" charset="-120"/>
+                <a:ea typeface="LXGW WenKai Mono" panose="02020509000000000000" pitchFamily="49" charset="-120"/>
+              </a:rPr>
+              <a:t>  …</a:t>
+            </a:r>
+          </a:p>
+          <a:p>
+            <a:r>
+              <a:rPr lang="en-US" sz="1050" dirty="0">
+                <a:latin typeface="LXGW WenKai Mono" panose="02020509000000000000" pitchFamily="49" charset="-120"/>
+                <a:ea typeface="LXGW WenKai Mono" panose="02020509000000000000" pitchFamily="49" charset="-120"/>
+              </a:rPr>
+              <a:t>}</a:t>
+            </a:r>
+          </a:p>
+        </p:txBody>
+      </p:sp>
+      <p:sp>
+        <p:nvSpPr>
+          <p:cNvPr id="12" name="TextBox 11">
+            <a:extLst>
+              <a:ext uri="{FF2B5EF4-FFF2-40B4-BE49-F238E27FC236}">
+                <a16:creationId xmlns:a16="http://schemas.microsoft.com/office/drawing/2014/main" id="{36A41AC4-E747-B1FC-9B69-EF8AD3493C88}"/>
+              </a:ext>
+            </a:extLst>
+          </p:cNvPr>
+          <p:cNvSpPr txBox="1"/>
+          <p:nvPr/>
+        </p:nvSpPr>
+        <p:spPr>
+          <a:xfrm>
+            <a:off x="4109578" y="11688556"/>
+            <a:ext cx="2686981" cy="2031325"/>
+          </a:xfrm>
+          <a:prstGeom prst="rect">
+            <a:avLst/>
+          </a:prstGeom>
+          <a:solidFill>
+            <a:schemeClr val="accent4">
+              <a:lumMod val="20000"/>
+              <a:lumOff val="80000"/>
+            </a:schemeClr>
+          </a:solidFill>
+          <a:ln>
+            <a:solidFill>
+              <a:schemeClr val="tx1"/>
+            </a:solidFill>
+            <a:prstDash val="dash"/>
+            <a:extLst>
+              <a:ext uri="{C807C97D-BFC1-408E-A445-0C87EB9F89A2}">
+                <ask:lineSketchStyleProps xmlns:ask="http://schemas.microsoft.com/office/drawing/2018/sketchyshapes" sd="1219033472">
+                  <a:custGeom>
+                    <a:avLst/>
+                    <a:gdLst>
+                      <a:gd name="connsiteX0" fmla="*/ 0 w 3876087"/>
+                      <a:gd name="connsiteY0" fmla="*/ 0 h 900246"/>
+                      <a:gd name="connsiteX1" fmla="*/ 3876087 w 3876087"/>
+                      <a:gd name="connsiteY1" fmla="*/ 0 h 900246"/>
+                      <a:gd name="connsiteX2" fmla="*/ 3876087 w 3876087"/>
+                      <a:gd name="connsiteY2" fmla="*/ 900246 h 900246"/>
+                      <a:gd name="connsiteX3" fmla="*/ 0 w 3876087"/>
+                      <a:gd name="connsiteY3" fmla="*/ 900246 h 900246"/>
+                      <a:gd name="connsiteX4" fmla="*/ 0 w 3876087"/>
+                      <a:gd name="connsiteY4" fmla="*/ 0 h 900246"/>
+                    </a:gdLst>
+                    <a:ahLst/>
+                    <a:cxnLst>
+                      <a:cxn ang="0">
+                        <a:pos x="connsiteX0" y="connsiteY0"/>
+                      </a:cxn>
+                      <a:cxn ang="0">
+                        <a:pos x="connsiteX1" y="connsiteY1"/>
+                      </a:cxn>
+                      <a:cxn ang="0">
+                        <a:pos x="connsiteX2" y="connsiteY2"/>
+                      </a:cxn>
+                      <a:cxn ang="0">
+                        <a:pos x="connsiteX3" y="connsiteY3"/>
+                      </a:cxn>
+                      <a:cxn ang="0">
+                        <a:pos x="connsiteX4" y="connsiteY4"/>
+                      </a:cxn>
+                    </a:cxnLst>
+                    <a:rect l="l" t="t" r="r" b="b"/>
+                    <a:pathLst>
+                      <a:path w="3876087" h="900246" extrusionOk="0">
+                        <a:moveTo>
+                          <a:pt x="0" y="0"/>
+                        </a:moveTo>
+                        <a:cubicBezTo>
+                          <a:pt x="597499" y="118645"/>
+                          <a:pt x="3241913" y="116012"/>
+                          <a:pt x="3876087" y="0"/>
+                        </a:cubicBezTo>
+                        <a:cubicBezTo>
+                          <a:pt x="3869829" y="427475"/>
+                          <a:pt x="3832133" y="750199"/>
+                          <a:pt x="3876087" y="900246"/>
+                        </a:cubicBezTo>
+                        <a:cubicBezTo>
+                          <a:pt x="3200596" y="1034846"/>
+                          <a:pt x="881589" y="743050"/>
+                          <a:pt x="0" y="900246"/>
+                        </a:cubicBezTo>
+                        <a:cubicBezTo>
+                          <a:pt x="75913" y="483429"/>
+                          <a:pt x="-68599" y="339664"/>
+                          <a:pt x="0" y="0"/>
+                        </a:cubicBezTo>
+                        <a:close/>
+                      </a:path>
+                    </a:pathLst>
+                  </a:custGeom>
+                  <ask:type>
+                    <ask:lineSketchNone/>
+                  </ask:type>
+                </ask:lineSketchStyleProps>
+              </a:ext>
+            </a:extLst>
+          </a:ln>
+          <a:effectLst/>
+        </p:spPr>
+        <p:txBody>
+          <a:bodyPr wrap="square" rtlCol="0">
+            <a:spAutoFit/>
+          </a:bodyPr>
+          <a:lstStyle/>
+          <a:p>
+            <a:r>
+              <a:rPr lang="en-US" sz="1050" dirty="0">
+                <a:latin typeface="LXGW WenKai Mono" panose="02020509000000000000" pitchFamily="49" charset="-120"/>
+                <a:ea typeface="LXGW WenKai Mono" panose="02020509000000000000" pitchFamily="49" charset="-120"/>
+              </a:rPr>
+              <a:t>{</a:t>
+            </a:r>
+          </a:p>
+          <a:p>
+            <a:r>
+              <a:rPr lang="en-US" sz="1050" dirty="0">
+                <a:latin typeface="LXGW WenKai Mono" panose="02020509000000000000" pitchFamily="49" charset="-120"/>
+                <a:ea typeface="LXGW WenKai Mono" panose="02020509000000000000" pitchFamily="49" charset="-120"/>
+              </a:rPr>
+              <a:t>  "choices": [</a:t>
+            </a:r>
+          </a:p>
+          <a:p>
+            <a:r>
+              <a:rPr lang="en-US" sz="1050" dirty="0">
+                <a:latin typeface="LXGW WenKai Mono" panose="02020509000000000000" pitchFamily="49" charset="-120"/>
+                <a:ea typeface="LXGW WenKai Mono" panose="02020509000000000000" pitchFamily="49" charset="-120"/>
+              </a:rPr>
+              <a:t>    {</a:t>
+            </a:r>
+          </a:p>
+          <a:p>
+            <a:r>
+              <a:rPr lang="en-US" sz="1050" dirty="0">
+                <a:latin typeface="LXGW WenKai Mono" panose="02020509000000000000" pitchFamily="49" charset="-120"/>
+                <a:ea typeface="LXGW WenKai Mono" panose="02020509000000000000" pitchFamily="49" charset="-120"/>
+              </a:rPr>
+              <a:t>      "delta": {</a:t>
+            </a:r>
+          </a:p>
+          <a:p>
+            <a:r>
+              <a:rPr lang="en-US" sz="1050" dirty="0">
+                <a:latin typeface="LXGW WenKai Mono" panose="02020509000000000000" pitchFamily="49" charset="-120"/>
+                <a:ea typeface="LXGW WenKai Mono" panose="02020509000000000000" pitchFamily="49" charset="-120"/>
+              </a:rPr>
+              <a:t>        “</a:t>
+            </a:r>
+            <a:r>
+              <a:rPr lang="en-US" sz="1050" dirty="0">
+                <a:solidFill>
+                  <a:schemeClr val="accent2">
+                    <a:lumMod val="75000"/>
+                  </a:schemeClr>
+                </a:solidFill>
+                <a:latin typeface="LXGW WenKai Mono" panose="02020509000000000000" pitchFamily="49" charset="-120"/>
+                <a:ea typeface="LXGW WenKai Mono" panose="02020509000000000000" pitchFamily="49" charset="-120"/>
+              </a:rPr>
+              <a:t>content</a:t>
+            </a:r>
+            <a:r>
+              <a:rPr lang="en-US" sz="1050" dirty="0">
+                <a:latin typeface="LXGW WenKai Mono" panose="02020509000000000000" pitchFamily="49" charset="-120"/>
+                <a:ea typeface="LXGW WenKai Mono" panose="02020509000000000000" pitchFamily="49" charset="-120"/>
+              </a:rPr>
+              <a:t>": “</a:t>
+            </a:r>
+            <a:r>
+              <a:rPr lang="en-US" sz="1050" dirty="0">
+                <a:solidFill>
+                  <a:srgbClr val="00B0F0"/>
+                </a:solidFill>
+                <a:latin typeface="LXGW WenKai Mono" panose="02020509000000000000" pitchFamily="49" charset="-120"/>
+                <a:ea typeface="LXGW WenKai Mono" panose="02020509000000000000" pitchFamily="49" charset="-120"/>
+              </a:rPr>
+              <a:t>I’m Alice."</a:t>
+            </a:r>
+          </a:p>
+          <a:p>
+            <a:r>
+              <a:rPr lang="en-US" sz="1050" dirty="0">
+                <a:latin typeface="LXGW WenKai Mono" panose="02020509000000000000" pitchFamily="49" charset="-120"/>
+                <a:ea typeface="LXGW WenKai Mono" panose="02020509000000000000" pitchFamily="49" charset="-120"/>
+              </a:rPr>
+              <a:t>      },</a:t>
+            </a:r>
+          </a:p>
+          <a:p>
+            <a:r>
+              <a:rPr lang="en-US" sz="1050" dirty="0">
+                <a:latin typeface="LXGW WenKai Mono" panose="02020509000000000000" pitchFamily="49" charset="-120"/>
+                <a:ea typeface="LXGW WenKai Mono" panose="02020509000000000000" pitchFamily="49" charset="-120"/>
+              </a:rPr>
+              <a:t>      "</a:t>
+            </a:r>
+            <a:r>
+              <a:rPr lang="en-US" sz="1050" dirty="0" err="1">
+                <a:solidFill>
+                  <a:schemeClr val="accent2">
+                    <a:lumMod val="75000"/>
+                  </a:schemeClr>
+                </a:solidFill>
+                <a:latin typeface="LXGW WenKai Mono" panose="02020509000000000000" pitchFamily="49" charset="-120"/>
+                <a:ea typeface="LXGW WenKai Mono" panose="02020509000000000000" pitchFamily="49" charset="-120"/>
+              </a:rPr>
+              <a:t>finish_reason</a:t>
+            </a:r>
+            <a:r>
+              <a:rPr lang="en-US" sz="1050" dirty="0">
+                <a:latin typeface="LXGW WenKai Mono" panose="02020509000000000000" pitchFamily="49" charset="-120"/>
+                <a:ea typeface="LXGW WenKai Mono" panose="02020509000000000000" pitchFamily="49" charset="-120"/>
+              </a:rPr>
+              <a:t>": </a:t>
+            </a:r>
+            <a:r>
+              <a:rPr lang="en-US" sz="1050" dirty="0">
+                <a:solidFill>
+                  <a:srgbClr val="00B0F0"/>
+                </a:solidFill>
+                <a:latin typeface="LXGW WenKai Mono" panose="02020509000000000000" pitchFamily="49" charset="-120"/>
+                <a:ea typeface="LXGW WenKai Mono" panose="02020509000000000000" pitchFamily="49" charset="-120"/>
+              </a:rPr>
+              <a:t>null</a:t>
+            </a:r>
+            <a:r>
+              <a:rPr lang="en-US" sz="1050" dirty="0">
+                <a:latin typeface="LXGW WenKai Mono" panose="02020509000000000000" pitchFamily="49" charset="-120"/>
+                <a:ea typeface="LXGW WenKai Mono" panose="02020509000000000000" pitchFamily="49" charset="-120"/>
+              </a:rPr>
+              <a:t>,</a:t>
+            </a:r>
+          </a:p>
+          <a:p>
+            <a:r>
+              <a:rPr lang="en-US" sz="1050" dirty="0">
+                <a:latin typeface="LXGW WenKai Mono" panose="02020509000000000000" pitchFamily="49" charset="-120"/>
+                <a:ea typeface="LXGW WenKai Mono" panose="02020509000000000000" pitchFamily="49" charset="-120"/>
+              </a:rPr>
+              <a:t>      "index": 0</a:t>
+            </a:r>
+          </a:p>
+          <a:p>
+            <a:r>
+              <a:rPr lang="en-US" sz="1050" dirty="0">
+                <a:latin typeface="LXGW WenKai Mono" panose="02020509000000000000" pitchFamily="49" charset="-120"/>
+                <a:ea typeface="LXGW WenKai Mono" panose="02020509000000000000" pitchFamily="49" charset="-120"/>
+              </a:rPr>
+              <a:t>    }</a:t>
+            </a:r>
+          </a:p>
+          <a:p>
+            <a:r>
+              <a:rPr lang="en-US" sz="1050" dirty="0">
+                <a:latin typeface="LXGW WenKai Mono" panose="02020509000000000000" pitchFamily="49" charset="-120"/>
+                <a:ea typeface="LXGW WenKai Mono" panose="02020509000000000000" pitchFamily="49" charset="-120"/>
+              </a:rPr>
+              <a:t>  ],</a:t>
+            </a:r>
+          </a:p>
+          <a:p>
+            <a:r>
+              <a:rPr lang="en-US" sz="1050" dirty="0">
+                <a:latin typeface="LXGW WenKai Mono" panose="02020509000000000000" pitchFamily="49" charset="-120"/>
+                <a:ea typeface="LXGW WenKai Mono" panose="02020509000000000000" pitchFamily="49" charset="-120"/>
+              </a:rPr>
+              <a:t>  …</a:t>
+            </a:r>
+          </a:p>
+          <a:p>
+            <a:r>
+              <a:rPr lang="en-US" sz="1050" dirty="0">
+                <a:latin typeface="LXGW WenKai Mono" panose="02020509000000000000" pitchFamily="49" charset="-120"/>
+                <a:ea typeface="LXGW WenKai Mono" panose="02020509000000000000" pitchFamily="49" charset="-120"/>
+              </a:rPr>
+              <a:t>}</a:t>
+            </a:r>
+          </a:p>
+        </p:txBody>
+      </p:sp>
+      <p:sp>
+        <p:nvSpPr>
+          <p:cNvPr id="13" name="TextBox 12">
+            <a:extLst>
+              <a:ext uri="{FF2B5EF4-FFF2-40B4-BE49-F238E27FC236}">
+                <a16:creationId xmlns:a16="http://schemas.microsoft.com/office/drawing/2014/main" id="{FA1862BC-C322-3C98-C053-E155A40865F4}"/>
+              </a:ext>
+            </a:extLst>
+          </p:cNvPr>
+          <p:cNvSpPr txBox="1"/>
+          <p:nvPr/>
+        </p:nvSpPr>
+        <p:spPr>
+          <a:xfrm>
+            <a:off x="4109578" y="13969668"/>
+            <a:ext cx="2686981" cy="1708160"/>
+          </a:xfrm>
+          <a:prstGeom prst="rect">
+            <a:avLst/>
+          </a:prstGeom>
+          <a:solidFill>
+            <a:schemeClr val="accent4">
+              <a:lumMod val="20000"/>
+              <a:lumOff val="80000"/>
+            </a:schemeClr>
+          </a:solidFill>
+          <a:ln>
+            <a:solidFill>
+              <a:schemeClr val="tx1"/>
+            </a:solidFill>
+            <a:prstDash val="dash"/>
+            <a:extLst>
+              <a:ext uri="{C807C97D-BFC1-408E-A445-0C87EB9F89A2}">
+                <ask:lineSketchStyleProps xmlns:ask="http://schemas.microsoft.com/office/drawing/2018/sketchyshapes" sd="1219033472">
+                  <a:custGeom>
+                    <a:avLst/>
+                    <a:gdLst>
+                      <a:gd name="connsiteX0" fmla="*/ 0 w 3876087"/>
+                      <a:gd name="connsiteY0" fmla="*/ 0 h 900246"/>
+                      <a:gd name="connsiteX1" fmla="*/ 3876087 w 3876087"/>
+                      <a:gd name="connsiteY1" fmla="*/ 0 h 900246"/>
+                      <a:gd name="connsiteX2" fmla="*/ 3876087 w 3876087"/>
+                      <a:gd name="connsiteY2" fmla="*/ 900246 h 900246"/>
+                      <a:gd name="connsiteX3" fmla="*/ 0 w 3876087"/>
+                      <a:gd name="connsiteY3" fmla="*/ 900246 h 900246"/>
+                      <a:gd name="connsiteX4" fmla="*/ 0 w 3876087"/>
+                      <a:gd name="connsiteY4" fmla="*/ 0 h 900246"/>
+                    </a:gdLst>
+                    <a:ahLst/>
+                    <a:cxnLst>
+                      <a:cxn ang="0">
+                        <a:pos x="connsiteX0" y="connsiteY0"/>
+                      </a:cxn>
+                      <a:cxn ang="0">
+                        <a:pos x="connsiteX1" y="connsiteY1"/>
+                      </a:cxn>
+                      <a:cxn ang="0">
+                        <a:pos x="connsiteX2" y="connsiteY2"/>
+                      </a:cxn>
+                      <a:cxn ang="0">
+                        <a:pos x="connsiteX3" y="connsiteY3"/>
+                      </a:cxn>
+                      <a:cxn ang="0">
+                        <a:pos x="connsiteX4" y="connsiteY4"/>
+                      </a:cxn>
+                    </a:cxnLst>
+                    <a:rect l="l" t="t" r="r" b="b"/>
+                    <a:pathLst>
+                      <a:path w="3876087" h="900246" extrusionOk="0">
+                        <a:moveTo>
+                          <a:pt x="0" y="0"/>
+                        </a:moveTo>
+                        <a:cubicBezTo>
+                          <a:pt x="597499" y="118645"/>
+                          <a:pt x="3241913" y="116012"/>
+                          <a:pt x="3876087" y="0"/>
+                        </a:cubicBezTo>
+                        <a:cubicBezTo>
+                          <a:pt x="3869829" y="427475"/>
+                          <a:pt x="3832133" y="750199"/>
+                          <a:pt x="3876087" y="900246"/>
+                        </a:cubicBezTo>
+                        <a:cubicBezTo>
+                          <a:pt x="3200596" y="1034846"/>
+                          <a:pt x="881589" y="743050"/>
+                          <a:pt x="0" y="900246"/>
+                        </a:cubicBezTo>
+                        <a:cubicBezTo>
+                          <a:pt x="75913" y="483429"/>
+                          <a:pt x="-68599" y="339664"/>
+                          <a:pt x="0" y="0"/>
+                        </a:cubicBezTo>
+                        <a:close/>
+                      </a:path>
+                    </a:pathLst>
+                  </a:custGeom>
+                  <ask:type>
+                    <ask:lineSketchNone/>
+                  </ask:type>
+                </ask:lineSketchStyleProps>
+              </a:ext>
+            </a:extLst>
+          </a:ln>
+          <a:effectLst/>
+        </p:spPr>
+        <p:txBody>
+          <a:bodyPr wrap="square" rtlCol="0">
+            <a:spAutoFit/>
+          </a:bodyPr>
+          <a:lstStyle/>
+          <a:p>
+            <a:r>
+              <a:rPr lang="en-US" sz="1050" dirty="0">
+                <a:latin typeface="LXGW WenKai Mono" panose="02020509000000000000" pitchFamily="49" charset="-120"/>
+                <a:ea typeface="LXGW WenKai Mono" panose="02020509000000000000" pitchFamily="49" charset="-120"/>
+              </a:rPr>
+              <a:t>{</a:t>
+            </a:r>
+          </a:p>
+          <a:p>
+            <a:r>
+              <a:rPr lang="en-US" sz="1050" dirty="0">
+                <a:latin typeface="LXGW WenKai Mono" panose="02020509000000000000" pitchFamily="49" charset="-120"/>
+                <a:ea typeface="LXGW WenKai Mono" panose="02020509000000000000" pitchFamily="49" charset="-120"/>
+              </a:rPr>
+              <a:t>  "choices": [</a:t>
+            </a:r>
+          </a:p>
+          <a:p>
+            <a:r>
+              <a:rPr lang="en-US" sz="1050" dirty="0">
+                <a:latin typeface="LXGW WenKai Mono" panose="02020509000000000000" pitchFamily="49" charset="-120"/>
+                <a:ea typeface="LXGW WenKai Mono" panose="02020509000000000000" pitchFamily="49" charset="-120"/>
+              </a:rPr>
+              <a:t>    {</a:t>
+            </a:r>
+          </a:p>
+          <a:p>
+            <a:r>
+              <a:rPr lang="en-US" sz="1050" dirty="0">
+                <a:latin typeface="LXGW WenKai Mono" panose="02020509000000000000" pitchFamily="49" charset="-120"/>
+                <a:ea typeface="LXGW WenKai Mono" panose="02020509000000000000" pitchFamily="49" charset="-120"/>
+              </a:rPr>
+              <a:t>      "delta": </a:t>
+            </a:r>
+            <a:r>
+              <a:rPr lang="en-US" sz="1050" dirty="0">
+                <a:solidFill>
+                  <a:srgbClr val="00B0F0"/>
+                </a:solidFill>
+                <a:latin typeface="LXGW WenKai Mono" panose="02020509000000000000" pitchFamily="49" charset="-120"/>
+                <a:ea typeface="LXGW WenKai Mono" panose="02020509000000000000" pitchFamily="49" charset="-120"/>
+              </a:rPr>
+              <a:t>{}</a:t>
+            </a:r>
+            <a:r>
+              <a:rPr lang="en-US" sz="1050" dirty="0">
+                <a:latin typeface="LXGW WenKai Mono" panose="02020509000000000000" pitchFamily="49" charset="-120"/>
+                <a:ea typeface="LXGW WenKai Mono" panose="02020509000000000000" pitchFamily="49" charset="-120"/>
+              </a:rPr>
+              <a:t>,</a:t>
+            </a:r>
+          </a:p>
+          <a:p>
+            <a:r>
+              <a:rPr lang="en-US" sz="1050" dirty="0">
+                <a:latin typeface="LXGW WenKai Mono" panose="02020509000000000000" pitchFamily="49" charset="-120"/>
+                <a:ea typeface="LXGW WenKai Mono" panose="02020509000000000000" pitchFamily="49" charset="-120"/>
+              </a:rPr>
+              <a:t>      "</a:t>
+            </a:r>
+            <a:r>
+              <a:rPr lang="en-US" sz="1050" dirty="0" err="1">
+                <a:solidFill>
+                  <a:schemeClr val="accent2">
+                    <a:lumMod val="75000"/>
+                  </a:schemeClr>
+                </a:solidFill>
+                <a:latin typeface="LXGW WenKai Mono" panose="02020509000000000000" pitchFamily="49" charset="-120"/>
+                <a:ea typeface="LXGW WenKai Mono" panose="02020509000000000000" pitchFamily="49" charset="-120"/>
+              </a:rPr>
+              <a:t>finish_reason</a:t>
+            </a:r>
+            <a:r>
+              <a:rPr lang="en-US" sz="1050" dirty="0">
+                <a:latin typeface="LXGW WenKai Mono" panose="02020509000000000000" pitchFamily="49" charset="-120"/>
+                <a:ea typeface="LXGW WenKai Mono" panose="02020509000000000000" pitchFamily="49" charset="-120"/>
+              </a:rPr>
+              <a:t>": “</a:t>
+            </a:r>
+            <a:r>
+              <a:rPr lang="en-US" sz="1050" dirty="0">
+                <a:solidFill>
+                  <a:srgbClr val="00B0F0"/>
+                </a:solidFill>
+                <a:latin typeface="LXGW WenKai Mono" panose="02020509000000000000" pitchFamily="49" charset="-120"/>
+                <a:ea typeface="LXGW WenKai Mono" panose="02020509000000000000" pitchFamily="49" charset="-120"/>
+              </a:rPr>
+              <a:t>stop</a:t>
+            </a:r>
+            <a:r>
+              <a:rPr lang="en-US" sz="1050" dirty="0">
+                <a:latin typeface="LXGW WenKai Mono" panose="02020509000000000000" pitchFamily="49" charset="-120"/>
+                <a:ea typeface="LXGW WenKai Mono" panose="02020509000000000000" pitchFamily="49" charset="-120"/>
+              </a:rPr>
+              <a:t>”,</a:t>
+            </a:r>
+          </a:p>
+          <a:p>
+            <a:r>
+              <a:rPr lang="en-US" sz="1050" dirty="0">
+                <a:latin typeface="LXGW WenKai Mono" panose="02020509000000000000" pitchFamily="49" charset="-120"/>
+                <a:ea typeface="LXGW WenKai Mono" panose="02020509000000000000" pitchFamily="49" charset="-120"/>
+              </a:rPr>
+              <a:t>      "index": 0</a:t>
+            </a:r>
+          </a:p>
+          <a:p>
+            <a:r>
+              <a:rPr lang="en-US" sz="1050" dirty="0">
+                <a:latin typeface="LXGW WenKai Mono" panose="02020509000000000000" pitchFamily="49" charset="-120"/>
+                <a:ea typeface="LXGW WenKai Mono" panose="02020509000000000000" pitchFamily="49" charset="-120"/>
+              </a:rPr>
+              <a:t>    }</a:t>
+            </a:r>
+          </a:p>
+          <a:p>
+            <a:r>
+              <a:rPr lang="en-US" sz="1050" dirty="0">
+                <a:latin typeface="LXGW WenKai Mono" panose="02020509000000000000" pitchFamily="49" charset="-120"/>
+                <a:ea typeface="LXGW WenKai Mono" panose="02020509000000000000" pitchFamily="49" charset="-120"/>
+              </a:rPr>
+              <a:t>  ],</a:t>
+            </a:r>
+          </a:p>
+          <a:p>
+            <a:r>
+              <a:rPr lang="en-US" sz="1050" dirty="0">
+                <a:latin typeface="LXGW WenKai Mono" panose="02020509000000000000" pitchFamily="49" charset="-120"/>
+                <a:ea typeface="LXGW WenKai Mono" panose="02020509000000000000" pitchFamily="49" charset="-120"/>
+              </a:rPr>
+              <a:t>  …</a:t>
+            </a:r>
+          </a:p>
+          <a:p>
+            <a:r>
+              <a:rPr lang="en-US" sz="1050" dirty="0">
+                <a:latin typeface="LXGW WenKai Mono" panose="02020509000000000000" pitchFamily="49" charset="-120"/>
+                <a:ea typeface="LXGW WenKai Mono" panose="02020509000000000000" pitchFamily="49" charset="-120"/>
+              </a:rPr>
+              <a:t>}</a:t>
+            </a:r>
+          </a:p>
+        </p:txBody>
+      </p:sp>
+      <p:sp>
+        <p:nvSpPr>
+          <p:cNvPr id="14" name="文本框 58">
+            <a:extLst>
+              <a:ext uri="{FF2B5EF4-FFF2-40B4-BE49-F238E27FC236}">
+                <a16:creationId xmlns:a16="http://schemas.microsoft.com/office/drawing/2014/main" id="{EFE9AE9E-FF78-252B-9437-CCC8F94891D2}"/>
+              </a:ext>
+            </a:extLst>
+          </p:cNvPr>
+          <p:cNvSpPr txBox="1"/>
+          <p:nvPr/>
+        </p:nvSpPr>
+        <p:spPr>
+          <a:xfrm>
+            <a:off x="585660" y="5976257"/>
+            <a:ext cx="2787515" cy="314683"/>
+          </a:xfrm>
+          <a:prstGeom prst="rect">
+            <a:avLst/>
+          </a:prstGeom>
+          <a:noFill/>
+          <a:ln>
+            <a:solidFill>
+              <a:schemeClr val="accent6">
+                <a:lumMod val="75000"/>
+              </a:schemeClr>
+            </a:solidFill>
+            <a:prstDash val="dash"/>
+          </a:ln>
+        </p:spPr>
+        <p:txBody>
+          <a:bodyPr wrap="square" lIns="72000" tIns="72000" rIns="72000" bIns="72000" rtlCol="0">
+            <a:spAutoFit/>
+          </a:bodyPr>
+          <a:lstStyle/>
+          <a:p>
+            <a:pPr algn="ctr"/>
+            <a:r>
+              <a:rPr lang="en-US" altLang="zh-CN" sz="1100" dirty="0">
+                <a:latin typeface="LXGW WenKai Mono" panose="02020509000000000000" pitchFamily="49" charset="-122"/>
+                <a:ea typeface="LXGW WenKai Mono" panose="02020509000000000000" pitchFamily="49" charset="-122"/>
+              </a:rPr>
+              <a:t>Complete Response Message</a:t>
+            </a:r>
+            <a:endParaRPr lang="zh-CN" altLang="en-US" sz="1100" dirty="0">
+              <a:latin typeface="LXGW WenKai Mono" panose="02020509000000000000" pitchFamily="49" charset="-122"/>
+              <a:ea typeface="LXGW WenKai Mono" panose="02020509000000000000" pitchFamily="49" charset="-122"/>
+            </a:endParaRPr>
+          </a:p>
+        </p:txBody>
+      </p:sp>
+      <p:cxnSp>
+        <p:nvCxnSpPr>
+          <p:cNvPr id="15" name="Straight Arrow Connector 14">
+            <a:extLst>
+              <a:ext uri="{FF2B5EF4-FFF2-40B4-BE49-F238E27FC236}">
+                <a16:creationId xmlns:a16="http://schemas.microsoft.com/office/drawing/2014/main" id="{B05F5853-BC7D-5499-3837-C0E40C883DCB}"/>
+              </a:ext>
+            </a:extLst>
+          </p:cNvPr>
+          <p:cNvCxnSpPr>
+            <a:cxnSpLocks/>
+            <a:stCxn id="5" idx="0"/>
+            <a:endCxn id="14" idx="2"/>
+          </p:cNvCxnSpPr>
+          <p:nvPr/>
+        </p:nvCxnSpPr>
+        <p:spPr>
+          <a:xfrm flipV="1">
+            <a:off x="1979415" y="6290937"/>
+            <a:ext cx="0" cy="356426"/>
+          </a:xfrm>
+          <a:prstGeom prst="straightConnector1">
+            <a:avLst/>
+          </a:prstGeom>
+          <a:ln w="9525">
+            <a:solidFill>
+              <a:schemeClr val="accent6">
+                <a:lumMod val="75000"/>
+              </a:schemeClr>
+            </a:solidFill>
+            <a:prstDash val="dash"/>
+            <a:headEnd type="none"/>
+            <a:tailEnd type="none"/>
+          </a:ln>
+          <a:effectLst>
+            <a:outerShdw blurRad="63500" sx="102000" sy="102000" algn="ctr" rotWithShape="0">
+              <a:prstClr val="black">
+                <a:alpha val="40000"/>
+              </a:prstClr>
+            </a:outerShdw>
+          </a:effectLst>
+        </p:spPr>
+        <p:style>
+          <a:lnRef idx="1">
+            <a:schemeClr val="accent1"/>
+          </a:lnRef>
+          <a:fillRef idx="0">
+            <a:schemeClr val="accent1"/>
+          </a:fillRef>
+          <a:effectRef idx="0">
+            <a:schemeClr val="accent1"/>
+          </a:effectRef>
+          <a:fontRef idx="minor">
+            <a:schemeClr val="tx1"/>
+          </a:fontRef>
+        </p:style>
+      </p:cxnSp>
+      <p:sp>
+        <p:nvSpPr>
+          <p:cNvPr id="18" name="文本框 58">
+            <a:extLst>
+              <a:ext uri="{FF2B5EF4-FFF2-40B4-BE49-F238E27FC236}">
+                <a16:creationId xmlns:a16="http://schemas.microsoft.com/office/drawing/2014/main" id="{7695C8CF-947A-16EF-EC53-F30442B51D7B}"/>
+              </a:ext>
+            </a:extLst>
+          </p:cNvPr>
+          <p:cNvSpPr txBox="1"/>
+          <p:nvPr/>
+        </p:nvSpPr>
+        <p:spPr>
+          <a:xfrm>
+            <a:off x="4109578" y="5976255"/>
+            <a:ext cx="2686981" cy="314683"/>
+          </a:xfrm>
+          <a:prstGeom prst="rect">
+            <a:avLst/>
+          </a:prstGeom>
+          <a:noFill/>
+          <a:ln>
+            <a:solidFill>
+              <a:schemeClr val="accent2">
+                <a:lumMod val="75000"/>
+              </a:schemeClr>
+            </a:solidFill>
+            <a:prstDash val="dash"/>
+          </a:ln>
+        </p:spPr>
+        <p:txBody>
+          <a:bodyPr wrap="square" lIns="72000" tIns="72000" rIns="72000" bIns="72000" rtlCol="0">
+            <a:spAutoFit/>
+          </a:bodyPr>
+          <a:lstStyle/>
+          <a:p>
+            <a:pPr algn="ctr"/>
+            <a:r>
+              <a:rPr lang="en-US" altLang="zh-CN" sz="1100" dirty="0">
+                <a:latin typeface="LXGW WenKai Mono" panose="02020509000000000000" pitchFamily="49" charset="-122"/>
+                <a:ea typeface="LXGW WenKai Mono" panose="02020509000000000000" pitchFamily="49" charset="-122"/>
+              </a:rPr>
+              <a:t>Streamed / Chunked</a:t>
+            </a:r>
+            <a:endParaRPr lang="zh-CN" altLang="en-US" sz="1100" dirty="0">
+              <a:latin typeface="LXGW WenKai Mono" panose="02020509000000000000" pitchFamily="49" charset="-122"/>
+              <a:ea typeface="LXGW WenKai Mono" panose="02020509000000000000" pitchFamily="49" charset="-122"/>
+            </a:endParaRPr>
+          </a:p>
+        </p:txBody>
+      </p:sp>
+      <p:cxnSp>
+        <p:nvCxnSpPr>
+          <p:cNvPr id="19" name="Straight Arrow Connector 18">
+            <a:extLst>
+              <a:ext uri="{FF2B5EF4-FFF2-40B4-BE49-F238E27FC236}">
+                <a16:creationId xmlns:a16="http://schemas.microsoft.com/office/drawing/2014/main" id="{701E1738-6D12-A28D-FDB5-444FAB2E365D}"/>
+              </a:ext>
+            </a:extLst>
+          </p:cNvPr>
+          <p:cNvCxnSpPr>
+            <a:cxnSpLocks/>
+            <a:stCxn id="7" idx="0"/>
+            <a:endCxn id="18" idx="2"/>
+          </p:cNvCxnSpPr>
+          <p:nvPr/>
+        </p:nvCxnSpPr>
+        <p:spPr>
+          <a:xfrm flipH="1" flipV="1">
+            <a:off x="5453069" y="6290938"/>
+            <a:ext cx="1" cy="356429"/>
+          </a:xfrm>
+          <a:prstGeom prst="straightConnector1">
+            <a:avLst/>
+          </a:prstGeom>
+          <a:ln w="9525">
+            <a:solidFill>
+              <a:schemeClr val="accent2">
+                <a:lumMod val="75000"/>
+              </a:schemeClr>
+            </a:solidFill>
+            <a:prstDash val="dash"/>
+            <a:headEnd type="none"/>
+            <a:tailEnd type="none"/>
+          </a:ln>
+          <a:effectLst>
+            <a:outerShdw blurRad="63500" sx="102000" sy="102000" algn="ctr" rotWithShape="0">
+              <a:prstClr val="black">
+                <a:alpha val="40000"/>
+              </a:prstClr>
+            </a:outerShdw>
+          </a:effectLst>
+        </p:spPr>
+        <p:style>
+          <a:lnRef idx="1">
+            <a:schemeClr val="accent1"/>
+          </a:lnRef>
+          <a:fillRef idx="0">
+            <a:schemeClr val="accent1"/>
+          </a:fillRef>
+          <a:effectRef idx="0">
+            <a:schemeClr val="accent1"/>
+          </a:effectRef>
+          <a:fontRef idx="minor">
+            <a:schemeClr val="tx1"/>
+          </a:fontRef>
+        </p:style>
+      </p:cxnSp>
+      <p:cxnSp>
+        <p:nvCxnSpPr>
+          <p:cNvPr id="22" name="Straight Arrow Connector 21">
+            <a:extLst>
+              <a:ext uri="{FF2B5EF4-FFF2-40B4-BE49-F238E27FC236}">
+                <a16:creationId xmlns:a16="http://schemas.microsoft.com/office/drawing/2014/main" id="{60B4F0FF-3FDA-EA7A-CE4D-F100866A254A}"/>
+              </a:ext>
+            </a:extLst>
+          </p:cNvPr>
+          <p:cNvCxnSpPr>
+            <a:cxnSpLocks/>
+            <a:stCxn id="7" idx="2"/>
+            <a:endCxn id="10" idx="0"/>
+          </p:cNvCxnSpPr>
+          <p:nvPr/>
+        </p:nvCxnSpPr>
+        <p:spPr>
+          <a:xfrm flipH="1">
+            <a:off x="5453069" y="9163440"/>
+            <a:ext cx="1" cy="244001"/>
+          </a:xfrm>
+          <a:prstGeom prst="straightConnector1">
+            <a:avLst/>
+          </a:prstGeom>
+          <a:ln w="9525">
+            <a:solidFill>
+              <a:schemeClr val="tx1"/>
+            </a:solidFill>
+            <a:prstDash val="dash"/>
+            <a:headEnd type="none"/>
+            <a:tailEnd type="triangle"/>
+          </a:ln>
+          <a:effectLst>
+            <a:outerShdw blurRad="63500" sx="102000" sy="102000" algn="ctr" rotWithShape="0">
+              <a:prstClr val="black">
+                <a:alpha val="40000"/>
+              </a:prstClr>
+            </a:outerShdw>
+          </a:effectLst>
+        </p:spPr>
+        <p:style>
+          <a:lnRef idx="1">
+            <a:schemeClr val="accent1"/>
+          </a:lnRef>
+          <a:fillRef idx="0">
+            <a:schemeClr val="accent1"/>
+          </a:fillRef>
+          <a:effectRef idx="0">
+            <a:schemeClr val="accent1"/>
+          </a:effectRef>
+          <a:fontRef idx="minor">
+            <a:schemeClr val="tx1"/>
+          </a:fontRef>
+        </p:style>
+      </p:cxnSp>
+      <p:cxnSp>
+        <p:nvCxnSpPr>
+          <p:cNvPr id="27" name="Straight Arrow Connector 26">
+            <a:extLst>
+              <a:ext uri="{FF2B5EF4-FFF2-40B4-BE49-F238E27FC236}">
+                <a16:creationId xmlns:a16="http://schemas.microsoft.com/office/drawing/2014/main" id="{FCF98198-94E4-12F5-46C5-4EB9FF5F8CCC}"/>
+              </a:ext>
+            </a:extLst>
+          </p:cNvPr>
+          <p:cNvCxnSpPr>
+            <a:cxnSpLocks/>
+            <a:stCxn id="10" idx="2"/>
+            <a:endCxn id="12" idx="0"/>
+          </p:cNvCxnSpPr>
+          <p:nvPr/>
+        </p:nvCxnSpPr>
+        <p:spPr>
+          <a:xfrm>
+            <a:off x="5453066" y="11438763"/>
+            <a:ext cx="0" cy="249790"/>
+          </a:xfrm>
+          <a:prstGeom prst="straightConnector1">
+            <a:avLst/>
+          </a:prstGeom>
+          <a:ln w="9525">
+            <a:solidFill>
+              <a:schemeClr val="tx1"/>
+            </a:solidFill>
+            <a:prstDash val="dash"/>
+            <a:headEnd type="none"/>
+            <a:tailEnd type="triangle"/>
+          </a:ln>
+          <a:effectLst>
+            <a:outerShdw blurRad="63500" sx="102000" sy="102000" algn="ctr" rotWithShape="0">
+              <a:prstClr val="black">
+                <a:alpha val="40000"/>
+              </a:prstClr>
+            </a:outerShdw>
+          </a:effectLst>
+        </p:spPr>
+        <p:style>
+          <a:lnRef idx="1">
+            <a:schemeClr val="accent1"/>
+          </a:lnRef>
+          <a:fillRef idx="0">
+            <a:schemeClr val="accent1"/>
+          </a:fillRef>
+          <a:effectRef idx="0">
+            <a:schemeClr val="accent1"/>
+          </a:effectRef>
+          <a:fontRef idx="minor">
+            <a:schemeClr val="tx1"/>
+          </a:fontRef>
+        </p:style>
+      </p:cxnSp>
+      <p:cxnSp>
+        <p:nvCxnSpPr>
+          <p:cNvPr id="31" name="Straight Arrow Connector 30">
+            <a:extLst>
+              <a:ext uri="{FF2B5EF4-FFF2-40B4-BE49-F238E27FC236}">
+                <a16:creationId xmlns:a16="http://schemas.microsoft.com/office/drawing/2014/main" id="{FC2CBC7A-92DC-812B-3985-2233BAF375BE}"/>
+              </a:ext>
+            </a:extLst>
+          </p:cNvPr>
+          <p:cNvCxnSpPr>
+            <a:cxnSpLocks/>
+            <a:stCxn id="12" idx="2"/>
+            <a:endCxn id="13" idx="0"/>
+          </p:cNvCxnSpPr>
+          <p:nvPr/>
+        </p:nvCxnSpPr>
+        <p:spPr>
+          <a:xfrm>
+            <a:off x="5453066" y="13719878"/>
+            <a:ext cx="0" cy="249790"/>
+          </a:xfrm>
+          <a:prstGeom prst="straightConnector1">
+            <a:avLst/>
+          </a:prstGeom>
+          <a:ln w="9525">
+            <a:solidFill>
+              <a:schemeClr val="tx1"/>
+            </a:solidFill>
+            <a:prstDash val="dash"/>
+            <a:headEnd type="none"/>
+            <a:tailEnd type="triangle"/>
+          </a:ln>
+          <a:effectLst>
+            <a:outerShdw blurRad="63500" sx="102000" sy="102000" algn="ctr" rotWithShape="0">
+              <a:prstClr val="black">
+                <a:alpha val="40000"/>
+              </a:prstClr>
+            </a:outerShdw>
+          </a:effectLst>
+        </p:spPr>
+        <p:style>
+          <a:lnRef idx="1">
+            <a:schemeClr val="accent1"/>
+          </a:lnRef>
+          <a:fillRef idx="0">
+            <a:schemeClr val="accent1"/>
+          </a:fillRef>
+          <a:effectRef idx="0">
+            <a:schemeClr val="accent1"/>
+          </a:effectRef>
+          <a:fontRef idx="minor">
+            <a:schemeClr val="tx1"/>
+          </a:fontRef>
+        </p:style>
+      </p:cxnSp>
+      <p:cxnSp>
+        <p:nvCxnSpPr>
+          <p:cNvPr id="34" name="Straight Arrow Connector 33">
+            <a:extLst>
+              <a:ext uri="{FF2B5EF4-FFF2-40B4-BE49-F238E27FC236}">
+                <a16:creationId xmlns:a16="http://schemas.microsoft.com/office/drawing/2014/main" id="{C557769D-9533-DD15-E06B-45DC2352523A}"/>
+              </a:ext>
+            </a:extLst>
+          </p:cNvPr>
+          <p:cNvCxnSpPr>
+            <a:cxnSpLocks/>
+            <a:stCxn id="14" idx="3"/>
+            <a:endCxn id="18" idx="1"/>
+          </p:cNvCxnSpPr>
+          <p:nvPr/>
+        </p:nvCxnSpPr>
+        <p:spPr>
+          <a:xfrm flipV="1">
+            <a:off x="3373175" y="6133595"/>
+            <a:ext cx="736403" cy="2"/>
+          </a:xfrm>
+          <a:prstGeom prst="straightConnector1">
+            <a:avLst/>
+          </a:prstGeom>
+          <a:ln w="9525">
+            <a:solidFill>
+              <a:schemeClr val="tx1"/>
+            </a:solidFill>
+            <a:prstDash val="dash"/>
+            <a:headEnd type="none"/>
+            <a:tailEnd type="triangle"/>
+          </a:ln>
+          <a:effectLst>
+            <a:outerShdw blurRad="63500" sx="102000" sy="102000" algn="ctr" rotWithShape="0">
+              <a:prstClr val="black">
+                <a:alpha val="40000"/>
+              </a:prstClr>
+            </a:outerShdw>
+          </a:effectLst>
+        </p:spPr>
+        <p:style>
+          <a:lnRef idx="1">
+            <a:schemeClr val="accent1"/>
+          </a:lnRef>
+          <a:fillRef idx="0">
+            <a:schemeClr val="accent1"/>
+          </a:fillRef>
+          <a:effectRef idx="0">
+            <a:schemeClr val="accent1"/>
+          </a:effectRef>
+          <a:fontRef idx="minor">
+            <a:schemeClr val="tx1"/>
+          </a:fontRef>
+        </p:style>
+      </p:cxnSp>
+      <p:sp>
+        <p:nvSpPr>
+          <p:cNvPr id="37" name="文本框 58">
+            <a:extLst>
+              <a:ext uri="{FF2B5EF4-FFF2-40B4-BE49-F238E27FC236}">
+                <a16:creationId xmlns:a16="http://schemas.microsoft.com/office/drawing/2014/main" id="{4F0D3876-728F-4B91-F502-F730EBEFA852}"/>
+              </a:ext>
+            </a:extLst>
+          </p:cNvPr>
+          <p:cNvSpPr txBox="1"/>
+          <p:nvPr/>
+        </p:nvSpPr>
+        <p:spPr>
+          <a:xfrm>
+            <a:off x="7531752" y="5975749"/>
+            <a:ext cx="2066579" cy="314683"/>
+          </a:xfrm>
+          <a:prstGeom prst="rect">
+            <a:avLst/>
+          </a:prstGeom>
+          <a:noFill/>
+          <a:ln>
+            <a:solidFill>
+              <a:schemeClr val="accent2">
+                <a:lumMod val="75000"/>
+              </a:schemeClr>
+            </a:solidFill>
+            <a:prstDash val="dash"/>
+          </a:ln>
+        </p:spPr>
+        <p:txBody>
+          <a:bodyPr wrap="square" lIns="72000" tIns="72000" rIns="72000" bIns="72000" rtlCol="0">
+            <a:spAutoFit/>
+          </a:bodyPr>
+          <a:lstStyle/>
+          <a:p>
+            <a:pPr algn="ctr"/>
+            <a:r>
+              <a:rPr lang="en-US" altLang="zh-CN" sz="1100" dirty="0">
+                <a:latin typeface="LXGW WenKai Mono" panose="02020509000000000000" pitchFamily="49" charset="-122"/>
+                <a:ea typeface="LXGW WenKai Mono" panose="02020509000000000000" pitchFamily="49" charset="-122"/>
+              </a:rPr>
+              <a:t>Process + Store + Transfer</a:t>
+            </a:r>
+            <a:endParaRPr lang="zh-CN" altLang="en-US" sz="1100" dirty="0">
+              <a:latin typeface="LXGW WenKai Mono" panose="02020509000000000000" pitchFamily="49" charset="-122"/>
+              <a:ea typeface="LXGW WenKai Mono" panose="02020509000000000000" pitchFamily="49" charset="-122"/>
+            </a:endParaRPr>
+          </a:p>
+        </p:txBody>
+      </p:sp>
+      <p:cxnSp>
+        <p:nvCxnSpPr>
+          <p:cNvPr id="62" name="Straight Arrow Connector 61">
+            <a:extLst>
+              <a:ext uri="{FF2B5EF4-FFF2-40B4-BE49-F238E27FC236}">
+                <a16:creationId xmlns:a16="http://schemas.microsoft.com/office/drawing/2014/main" id="{84545CE1-0201-28C2-31D0-775A390C20F1}"/>
+              </a:ext>
+            </a:extLst>
+          </p:cNvPr>
+          <p:cNvCxnSpPr>
+            <a:cxnSpLocks/>
+          </p:cNvCxnSpPr>
+          <p:nvPr/>
+        </p:nvCxnSpPr>
+        <p:spPr>
+          <a:xfrm flipH="1">
+            <a:off x="8547131" y="10386848"/>
+            <a:ext cx="1" cy="276997"/>
+          </a:xfrm>
+          <a:prstGeom prst="straightConnector1">
+            <a:avLst/>
+          </a:prstGeom>
+          <a:ln w="9525">
+            <a:solidFill>
+              <a:schemeClr val="tx1"/>
+            </a:solidFill>
+            <a:prstDash val="dash"/>
+            <a:headEnd type="none"/>
+            <a:tailEnd type="triangle"/>
+          </a:ln>
+          <a:effectLst>
+            <a:outerShdw blurRad="63500" sx="102000" sy="102000" algn="ctr" rotWithShape="0">
+              <a:prstClr val="black">
+                <a:alpha val="40000"/>
+              </a:prstClr>
+            </a:outerShdw>
+          </a:effectLst>
+        </p:spPr>
+        <p:style>
+          <a:lnRef idx="1">
+            <a:schemeClr val="accent1"/>
+          </a:lnRef>
+          <a:fillRef idx="0">
+            <a:schemeClr val="accent1"/>
+          </a:fillRef>
+          <a:effectRef idx="0">
+            <a:schemeClr val="accent1"/>
+          </a:effectRef>
+          <a:fontRef idx="minor">
+            <a:schemeClr val="tx1"/>
+          </a:fontRef>
+        </p:style>
+      </p:cxnSp>
+      <p:cxnSp>
+        <p:nvCxnSpPr>
+          <p:cNvPr id="67" name="Straight Arrow Connector 66">
+            <a:extLst>
+              <a:ext uri="{FF2B5EF4-FFF2-40B4-BE49-F238E27FC236}">
+                <a16:creationId xmlns:a16="http://schemas.microsoft.com/office/drawing/2014/main" id="{56254C9A-A690-38DF-9621-D011E000E393}"/>
+              </a:ext>
+            </a:extLst>
+          </p:cNvPr>
+          <p:cNvCxnSpPr>
+            <a:cxnSpLocks/>
+            <a:stCxn id="88" idx="0"/>
+            <a:endCxn id="37" idx="2"/>
+          </p:cNvCxnSpPr>
+          <p:nvPr/>
+        </p:nvCxnSpPr>
+        <p:spPr>
+          <a:xfrm flipV="1">
+            <a:off x="8565042" y="6290432"/>
+            <a:ext cx="0" cy="360000"/>
+          </a:xfrm>
+          <a:prstGeom prst="straightConnector1">
+            <a:avLst/>
+          </a:prstGeom>
+          <a:ln w="9525">
+            <a:solidFill>
+              <a:schemeClr val="accent2">
+                <a:lumMod val="75000"/>
+              </a:schemeClr>
+            </a:solidFill>
+            <a:prstDash val="dash"/>
+            <a:headEnd type="none"/>
+            <a:tailEnd type="none"/>
+          </a:ln>
+          <a:effectLst>
+            <a:outerShdw blurRad="63500" sx="102000" sy="102000" algn="ctr" rotWithShape="0">
+              <a:prstClr val="black">
+                <a:alpha val="40000"/>
+              </a:prstClr>
+            </a:outerShdw>
+          </a:effectLst>
+        </p:spPr>
+        <p:style>
+          <a:lnRef idx="1">
+            <a:schemeClr val="accent1"/>
+          </a:lnRef>
+          <a:fillRef idx="0">
+            <a:schemeClr val="accent1"/>
+          </a:fillRef>
+          <a:effectRef idx="0">
+            <a:schemeClr val="accent1"/>
+          </a:effectRef>
+          <a:fontRef idx="minor">
+            <a:schemeClr val="tx1"/>
+          </a:fontRef>
+        </p:style>
+      </p:cxnSp>
+      <p:cxnSp>
+        <p:nvCxnSpPr>
+          <p:cNvPr id="70" name="Straight Arrow Connector 69">
+            <a:extLst>
+              <a:ext uri="{FF2B5EF4-FFF2-40B4-BE49-F238E27FC236}">
+                <a16:creationId xmlns:a16="http://schemas.microsoft.com/office/drawing/2014/main" id="{1F80140A-6CD0-4E9A-239B-91198477D6D4}"/>
+              </a:ext>
+            </a:extLst>
+          </p:cNvPr>
+          <p:cNvCxnSpPr>
+            <a:cxnSpLocks/>
+            <a:stCxn id="18" idx="3"/>
+            <a:endCxn id="37" idx="1"/>
+          </p:cNvCxnSpPr>
+          <p:nvPr/>
+        </p:nvCxnSpPr>
+        <p:spPr>
+          <a:xfrm flipV="1">
+            <a:off x="6796559" y="6133091"/>
+            <a:ext cx="735193" cy="506"/>
+          </a:xfrm>
+          <a:prstGeom prst="straightConnector1">
+            <a:avLst/>
+          </a:prstGeom>
+          <a:ln w="9525">
+            <a:solidFill>
+              <a:schemeClr val="tx1"/>
+            </a:solidFill>
+            <a:prstDash val="dash"/>
+            <a:headEnd type="none"/>
+            <a:tailEnd type="triangle"/>
+          </a:ln>
+          <a:effectLst>
+            <a:outerShdw blurRad="63500" sx="102000" sy="102000" algn="ctr" rotWithShape="0">
+              <a:prstClr val="black">
+                <a:alpha val="40000"/>
+              </a:prstClr>
+            </a:outerShdw>
+          </a:effectLst>
+        </p:spPr>
+        <p:style>
+          <a:lnRef idx="1">
+            <a:schemeClr val="accent1"/>
+          </a:lnRef>
+          <a:fillRef idx="0">
+            <a:schemeClr val="accent1"/>
+          </a:fillRef>
+          <a:effectRef idx="0">
+            <a:schemeClr val="accent1"/>
+          </a:effectRef>
+          <a:fontRef idx="minor">
+            <a:schemeClr val="tx1"/>
+          </a:fontRef>
+        </p:style>
+      </p:cxnSp>
+      <p:sp>
+        <p:nvSpPr>
+          <p:cNvPr id="85" name="Rectangle 84">
+            <a:extLst>
+              <a:ext uri="{FF2B5EF4-FFF2-40B4-BE49-F238E27FC236}">
+                <a16:creationId xmlns:a16="http://schemas.microsoft.com/office/drawing/2014/main" id="{60FC581E-7104-9AB9-4373-FC8133C021F5}"/>
+              </a:ext>
+            </a:extLst>
+          </p:cNvPr>
+          <p:cNvSpPr/>
+          <p:nvPr/>
+        </p:nvSpPr>
+        <p:spPr>
+          <a:xfrm>
+            <a:off x="10115444" y="5452379"/>
+            <a:ext cx="2455824" cy="1108441"/>
+          </a:xfrm>
+          <a:prstGeom prst="rect">
+            <a:avLst/>
+          </a:prstGeom>
+          <a:solidFill>
+            <a:schemeClr val="accent6">
+              <a:lumMod val="20000"/>
+              <a:lumOff val="80000"/>
+            </a:schemeClr>
+          </a:solidFill>
+          <a:ln>
+            <a:solidFill>
+              <a:schemeClr val="tx1"/>
+            </a:solidFill>
+          </a:ln>
+          <a:effectLst>
+            <a:glow rad="101600">
+              <a:schemeClr val="accent3">
+                <a:satMod val="175000"/>
+                <a:alpha val="40000"/>
+              </a:schemeClr>
+            </a:glow>
+          </a:effectLst>
+        </p:spPr>
+        <p:style>
+          <a:lnRef idx="2">
+            <a:schemeClr val="accent1">
+              <a:shade val="50000"/>
+            </a:schemeClr>
+          </a:lnRef>
+          <a:fillRef idx="1">
+            <a:schemeClr val="accent1"/>
+          </a:fillRef>
+          <a:effectRef idx="0">
+            <a:schemeClr val="accent1"/>
+          </a:effectRef>
+          <a:fontRef idx="minor">
+            <a:schemeClr val="lt1"/>
+          </a:fontRef>
+        </p:style>
+        <p:txBody>
+          <a:bodyPr rtlCol="0" anchor="t" anchorCtr="1"/>
+          <a:lstStyle/>
+          <a:p>
+            <a:pPr algn="ctr"/>
+            <a:r>
+              <a:rPr lang="en-US" sz="1600" b="1" dirty="0" err="1">
+                <a:solidFill>
+                  <a:schemeClr val="tx1"/>
+                </a:solidFill>
+                <a:latin typeface="LXGW WenKai" panose="02020500000000000000" pitchFamily="18" charset="-120"/>
+                <a:ea typeface="LXGW WenKai" panose="02020500000000000000" pitchFamily="18" charset="-120"/>
+              </a:rPr>
+              <a:t>WebUI</a:t>
+            </a:r>
+            <a:r>
+              <a:rPr lang="en-US" sz="1600" b="1" dirty="0">
+                <a:solidFill>
+                  <a:schemeClr val="tx1"/>
+                </a:solidFill>
+                <a:latin typeface="LXGW WenKai" panose="02020500000000000000" pitchFamily="18" charset="-120"/>
+                <a:ea typeface="LXGW WenKai" panose="02020500000000000000" pitchFamily="18" charset="-120"/>
+              </a:rPr>
+              <a:t> Backend</a:t>
+            </a:r>
+          </a:p>
+        </p:txBody>
+      </p:sp>
+      <p:sp>
+        <p:nvSpPr>
+          <p:cNvPr id="86" name="文本框 58">
+            <a:extLst>
+              <a:ext uri="{FF2B5EF4-FFF2-40B4-BE49-F238E27FC236}">
+                <a16:creationId xmlns:a16="http://schemas.microsoft.com/office/drawing/2014/main" id="{19BFE8D6-99ED-89A1-B4F1-8177BC095574}"/>
+              </a:ext>
+            </a:extLst>
+          </p:cNvPr>
+          <p:cNvSpPr txBox="1"/>
+          <p:nvPr/>
+        </p:nvSpPr>
+        <p:spPr>
+          <a:xfrm>
+            <a:off x="10310067" y="5975749"/>
+            <a:ext cx="2066578" cy="314683"/>
+          </a:xfrm>
+          <a:prstGeom prst="rect">
+            <a:avLst/>
+          </a:prstGeom>
+          <a:noFill/>
+          <a:ln>
+            <a:solidFill>
+              <a:schemeClr val="accent2">
+                <a:lumMod val="75000"/>
+              </a:schemeClr>
+            </a:solidFill>
+            <a:prstDash val="dash"/>
+          </a:ln>
+        </p:spPr>
+        <p:txBody>
+          <a:bodyPr wrap="square" lIns="72000" tIns="72000" rIns="72000" bIns="72000" rtlCol="0">
+            <a:spAutoFit/>
+          </a:bodyPr>
+          <a:lstStyle/>
+          <a:p>
+            <a:pPr algn="ctr"/>
+            <a:r>
+              <a:rPr lang="en-US" altLang="zh-CN" sz="1100" dirty="0">
+                <a:latin typeface="LXGW WenKai Mono" panose="02020509000000000000" pitchFamily="49" charset="-122"/>
+                <a:ea typeface="LXGW WenKai Mono" panose="02020509000000000000" pitchFamily="49" charset="-122"/>
+              </a:rPr>
+              <a:t>Transfer</a:t>
+            </a:r>
+            <a:endParaRPr lang="zh-CN" altLang="en-US" sz="1100" dirty="0">
+              <a:latin typeface="LXGW WenKai Mono" panose="02020509000000000000" pitchFamily="49" charset="-122"/>
+              <a:ea typeface="LXGW WenKai Mono" panose="02020509000000000000" pitchFamily="49" charset="-122"/>
+            </a:endParaRPr>
+          </a:p>
+        </p:txBody>
+      </p:sp>
+      <p:sp>
+        <p:nvSpPr>
+          <p:cNvPr id="87" name="Rectangle 86">
+            <a:extLst>
+              <a:ext uri="{FF2B5EF4-FFF2-40B4-BE49-F238E27FC236}">
+                <a16:creationId xmlns:a16="http://schemas.microsoft.com/office/drawing/2014/main" id="{202A54D2-F808-C2D6-1840-570AC43C8A21}"/>
+              </a:ext>
+            </a:extLst>
+          </p:cNvPr>
+          <p:cNvSpPr/>
+          <p:nvPr/>
+        </p:nvSpPr>
+        <p:spPr>
+          <a:xfrm>
+            <a:off x="12938361" y="5452380"/>
+            <a:ext cx="2455824" cy="1108440"/>
+          </a:xfrm>
+          <a:prstGeom prst="rect">
+            <a:avLst/>
+          </a:prstGeom>
+          <a:solidFill>
+            <a:schemeClr val="accent6">
+              <a:lumMod val="20000"/>
+              <a:lumOff val="80000"/>
+            </a:schemeClr>
+          </a:solidFill>
+          <a:ln>
+            <a:solidFill>
+              <a:schemeClr val="tx1"/>
+            </a:solidFill>
+          </a:ln>
+          <a:effectLst>
+            <a:glow rad="101600">
+              <a:schemeClr val="accent3">
+                <a:satMod val="175000"/>
+                <a:alpha val="40000"/>
+              </a:schemeClr>
+            </a:glow>
+          </a:effectLst>
+        </p:spPr>
+        <p:style>
+          <a:lnRef idx="2">
+            <a:schemeClr val="accent1">
+              <a:shade val="50000"/>
+            </a:schemeClr>
+          </a:lnRef>
+          <a:fillRef idx="1">
+            <a:schemeClr val="accent1"/>
+          </a:fillRef>
+          <a:effectRef idx="0">
+            <a:schemeClr val="accent1"/>
+          </a:effectRef>
+          <a:fontRef idx="minor">
+            <a:schemeClr val="lt1"/>
+          </a:fontRef>
+        </p:style>
+        <p:txBody>
+          <a:bodyPr rtlCol="0" anchor="t" anchorCtr="1"/>
+          <a:lstStyle/>
+          <a:p>
+            <a:pPr algn="ctr"/>
+            <a:r>
+              <a:rPr lang="en-US" sz="1600" b="1" dirty="0" err="1">
+                <a:solidFill>
+                  <a:schemeClr val="tx1"/>
+                </a:solidFill>
+                <a:latin typeface="LXGW WenKai" panose="02020500000000000000" pitchFamily="18" charset="-120"/>
+                <a:ea typeface="LXGW WenKai" panose="02020500000000000000" pitchFamily="18" charset="-120"/>
+              </a:rPr>
+              <a:t>WebUI</a:t>
+            </a:r>
+            <a:r>
+              <a:rPr lang="en-US" sz="1600" b="1" dirty="0">
+                <a:solidFill>
+                  <a:schemeClr val="tx1"/>
+                </a:solidFill>
+                <a:latin typeface="LXGW WenKai" panose="02020500000000000000" pitchFamily="18" charset="-120"/>
+                <a:ea typeface="LXGW WenKai" panose="02020500000000000000" pitchFamily="18" charset="-120"/>
+              </a:rPr>
+              <a:t> Frontend</a:t>
+            </a:r>
+          </a:p>
+        </p:txBody>
+      </p:sp>
+      <p:sp>
+        <p:nvSpPr>
+          <p:cNvPr id="88" name="TextBox 87">
+            <a:extLst>
+              <a:ext uri="{FF2B5EF4-FFF2-40B4-BE49-F238E27FC236}">
+                <a16:creationId xmlns:a16="http://schemas.microsoft.com/office/drawing/2014/main" id="{115D6636-3DFA-F811-6B0E-A03995C3A0EA}"/>
+              </a:ext>
+            </a:extLst>
+          </p:cNvPr>
+          <p:cNvSpPr txBox="1"/>
+          <p:nvPr/>
+        </p:nvSpPr>
+        <p:spPr>
+          <a:xfrm>
+            <a:off x="7531753" y="6650432"/>
+            <a:ext cx="2066577" cy="1223412"/>
+          </a:xfrm>
+          <a:prstGeom prst="rect">
+            <a:avLst/>
+          </a:prstGeom>
+          <a:solidFill>
+            <a:schemeClr val="accent4">
+              <a:lumMod val="20000"/>
+              <a:lumOff val="80000"/>
+            </a:schemeClr>
+          </a:solidFill>
+          <a:ln>
+            <a:solidFill>
+              <a:schemeClr val="tx1"/>
+            </a:solidFill>
+            <a:prstDash val="dash"/>
+            <a:extLst>
+              <a:ext uri="{C807C97D-BFC1-408E-A445-0C87EB9F89A2}">
+                <ask:lineSketchStyleProps xmlns:ask="http://schemas.microsoft.com/office/drawing/2018/sketchyshapes" sd="1219033472">
+                  <a:custGeom>
+                    <a:avLst/>
+                    <a:gdLst>
+                      <a:gd name="connsiteX0" fmla="*/ 0 w 3876087"/>
+                      <a:gd name="connsiteY0" fmla="*/ 0 h 900246"/>
+                      <a:gd name="connsiteX1" fmla="*/ 3876087 w 3876087"/>
+                      <a:gd name="connsiteY1" fmla="*/ 0 h 900246"/>
+                      <a:gd name="connsiteX2" fmla="*/ 3876087 w 3876087"/>
+                      <a:gd name="connsiteY2" fmla="*/ 900246 h 900246"/>
+                      <a:gd name="connsiteX3" fmla="*/ 0 w 3876087"/>
+                      <a:gd name="connsiteY3" fmla="*/ 900246 h 900246"/>
+                      <a:gd name="connsiteX4" fmla="*/ 0 w 3876087"/>
+                      <a:gd name="connsiteY4" fmla="*/ 0 h 900246"/>
+                    </a:gdLst>
+                    <a:ahLst/>
+                    <a:cxnLst>
+                      <a:cxn ang="0">
+                        <a:pos x="connsiteX0" y="connsiteY0"/>
+                      </a:cxn>
+                      <a:cxn ang="0">
+                        <a:pos x="connsiteX1" y="connsiteY1"/>
+                      </a:cxn>
+                      <a:cxn ang="0">
+                        <a:pos x="connsiteX2" y="connsiteY2"/>
+                      </a:cxn>
+                      <a:cxn ang="0">
+                        <a:pos x="connsiteX3" y="connsiteY3"/>
+                      </a:cxn>
+                      <a:cxn ang="0">
+                        <a:pos x="connsiteX4" y="connsiteY4"/>
+                      </a:cxn>
+                    </a:cxnLst>
+                    <a:rect l="l" t="t" r="r" b="b"/>
+                    <a:pathLst>
+                      <a:path w="3876087" h="900246" extrusionOk="0">
+                        <a:moveTo>
+                          <a:pt x="0" y="0"/>
+                        </a:moveTo>
+                        <a:cubicBezTo>
+                          <a:pt x="597499" y="118645"/>
+                          <a:pt x="3241913" y="116012"/>
+                          <a:pt x="3876087" y="0"/>
+                        </a:cubicBezTo>
+                        <a:cubicBezTo>
+                          <a:pt x="3869829" y="427475"/>
+                          <a:pt x="3832133" y="750199"/>
+                          <a:pt x="3876087" y="900246"/>
+                        </a:cubicBezTo>
+                        <a:cubicBezTo>
+                          <a:pt x="3200596" y="1034846"/>
+                          <a:pt x="881589" y="743050"/>
+                          <a:pt x="0" y="900246"/>
+                        </a:cubicBezTo>
+                        <a:cubicBezTo>
+                          <a:pt x="75913" y="483429"/>
+                          <a:pt x="-68599" y="339664"/>
+                          <a:pt x="0" y="0"/>
+                        </a:cubicBezTo>
+                        <a:close/>
+                      </a:path>
+                    </a:pathLst>
+                  </a:custGeom>
+                  <ask:type>
+                    <ask:lineSketchNone/>
+                  </ask:type>
+                </ask:lineSketchStyleProps>
+              </a:ext>
+            </a:extLst>
+          </a:ln>
+          <a:effectLst/>
+        </p:spPr>
+        <p:txBody>
+          <a:bodyPr wrap="square" rtlCol="0">
+            <a:spAutoFit/>
+          </a:bodyPr>
+          <a:lstStyle/>
+          <a:p>
+            <a:r>
+              <a:rPr lang="en-US" sz="1050" dirty="0">
+                <a:latin typeface="LXGW WenKai Mono" panose="02020509000000000000" pitchFamily="49" charset="-120"/>
+                <a:ea typeface="LXGW WenKai Mono" panose="02020509000000000000" pitchFamily="49" charset="-120"/>
+              </a:rPr>
+              <a:t>{</a:t>
+            </a:r>
+          </a:p>
+          <a:p>
+            <a:r>
+              <a:rPr lang="en-US" sz="1050" dirty="0">
+                <a:latin typeface="LXGW WenKai Mono" panose="02020509000000000000" pitchFamily="49" charset="-120"/>
+                <a:ea typeface="LXGW WenKai Mono" panose="02020509000000000000" pitchFamily="49" charset="-120"/>
+              </a:rPr>
+              <a:t>  "delta": {</a:t>
+            </a:r>
+          </a:p>
+          <a:p>
+            <a:r>
+              <a:rPr lang="en-US" sz="1050" dirty="0">
+                <a:latin typeface="LXGW WenKai Mono" panose="02020509000000000000" pitchFamily="49" charset="-120"/>
+                <a:ea typeface="LXGW WenKai Mono" panose="02020509000000000000" pitchFamily="49" charset="-120"/>
+              </a:rPr>
+              <a:t>    "</a:t>
+            </a:r>
+            <a:r>
+              <a:rPr lang="en-US" sz="1050" dirty="0">
+                <a:solidFill>
+                  <a:schemeClr val="accent2">
+                    <a:lumMod val="75000"/>
+                  </a:schemeClr>
+                </a:solidFill>
+                <a:latin typeface="LXGW WenKai Mono" panose="02020509000000000000" pitchFamily="49" charset="-120"/>
+                <a:ea typeface="LXGW WenKai Mono" panose="02020509000000000000" pitchFamily="49" charset="-120"/>
+              </a:rPr>
+              <a:t>role</a:t>
+            </a:r>
+            <a:r>
+              <a:rPr lang="en-US" sz="1050" dirty="0">
+                <a:latin typeface="LXGW WenKai Mono" panose="02020509000000000000" pitchFamily="49" charset="-120"/>
+                <a:ea typeface="LXGW WenKai Mono" panose="02020509000000000000" pitchFamily="49" charset="-120"/>
+              </a:rPr>
+              <a:t>": “</a:t>
+            </a:r>
+            <a:r>
+              <a:rPr lang="en-US" sz="1050" dirty="0">
+                <a:solidFill>
+                  <a:srgbClr val="00B0F0"/>
+                </a:solidFill>
+                <a:latin typeface="LXGW WenKai Mono" panose="02020509000000000000" pitchFamily="49" charset="-120"/>
+                <a:ea typeface="LXGW WenKai Mono" panose="02020509000000000000" pitchFamily="49" charset="-120"/>
+              </a:rPr>
+              <a:t>Alice</a:t>
+            </a:r>
+            <a:r>
+              <a:rPr lang="en-US" sz="1050" dirty="0">
+                <a:latin typeface="LXGW WenKai Mono" panose="02020509000000000000" pitchFamily="49" charset="-120"/>
+                <a:ea typeface="LXGW WenKai Mono" panose="02020509000000000000" pitchFamily="49" charset="-120"/>
+              </a:rPr>
+              <a:t>“,</a:t>
+            </a:r>
+          </a:p>
+          <a:p>
+            <a:r>
+              <a:rPr lang="en-US" sz="1050" dirty="0">
+                <a:latin typeface="LXGW WenKai Mono" panose="02020509000000000000" pitchFamily="49" charset="-120"/>
+                <a:ea typeface="LXGW WenKai Mono" panose="02020509000000000000" pitchFamily="49" charset="-120"/>
+              </a:rPr>
+              <a:t>    “</a:t>
+            </a:r>
+            <a:r>
+              <a:rPr lang="en-US" sz="1050" dirty="0">
+                <a:solidFill>
+                  <a:schemeClr val="accent2">
+                    <a:lumMod val="75000"/>
+                  </a:schemeClr>
+                </a:solidFill>
+                <a:latin typeface="LXGW WenKai Mono" panose="02020509000000000000" pitchFamily="49" charset="-120"/>
+                <a:ea typeface="LXGW WenKai Mono" panose="02020509000000000000" pitchFamily="49" charset="-120"/>
+              </a:rPr>
+              <a:t>content</a:t>
+            </a:r>
+            <a:r>
+              <a:rPr lang="en-US" sz="1050" dirty="0">
+                <a:latin typeface="LXGW WenKai Mono" panose="02020509000000000000" pitchFamily="49" charset="-120"/>
+                <a:ea typeface="LXGW WenKai Mono" panose="02020509000000000000" pitchFamily="49" charset="-120"/>
+              </a:rPr>
+              <a:t>”: “”,</a:t>
+            </a:r>
+          </a:p>
+          <a:p>
+            <a:r>
+              <a:rPr lang="en-US" sz="1050" dirty="0">
+                <a:latin typeface="LXGW WenKai Mono" panose="02020509000000000000" pitchFamily="49" charset="-120"/>
+                <a:ea typeface="LXGW WenKai Mono" panose="02020509000000000000" pitchFamily="49" charset="-120"/>
+              </a:rPr>
+              <a:t>  },</a:t>
+            </a:r>
+          </a:p>
+          <a:p>
+            <a:r>
+              <a:rPr lang="en-US" sz="1050" dirty="0">
+                <a:latin typeface="LXGW WenKai Mono" panose="02020509000000000000" pitchFamily="49" charset="-120"/>
+                <a:ea typeface="LXGW WenKai Mono" panose="02020509000000000000" pitchFamily="49" charset="-120"/>
+              </a:rPr>
+              <a:t>  "</a:t>
+            </a:r>
+            <a:r>
+              <a:rPr lang="en-US" sz="1050" dirty="0" err="1">
+                <a:solidFill>
+                  <a:schemeClr val="accent2">
+                    <a:lumMod val="75000"/>
+                  </a:schemeClr>
+                </a:solidFill>
+                <a:latin typeface="LXGW WenKai Mono" panose="02020509000000000000" pitchFamily="49" charset="-120"/>
+                <a:ea typeface="LXGW WenKai Mono" panose="02020509000000000000" pitchFamily="49" charset="-120"/>
+              </a:rPr>
+              <a:t>finish_reason</a:t>
+            </a:r>
+            <a:r>
+              <a:rPr lang="en-US" sz="1050" dirty="0">
+                <a:latin typeface="LXGW WenKai Mono" panose="02020509000000000000" pitchFamily="49" charset="-120"/>
+                <a:ea typeface="LXGW WenKai Mono" panose="02020509000000000000" pitchFamily="49" charset="-120"/>
+              </a:rPr>
+              <a:t>": </a:t>
+            </a:r>
+            <a:r>
+              <a:rPr lang="en-US" sz="1050" dirty="0">
+                <a:solidFill>
+                  <a:srgbClr val="00B0F0"/>
+                </a:solidFill>
+                <a:latin typeface="LXGW WenKai Mono" panose="02020509000000000000" pitchFamily="49" charset="-120"/>
+                <a:ea typeface="LXGW WenKai Mono" panose="02020509000000000000" pitchFamily="49" charset="-120"/>
+              </a:rPr>
+              <a:t>null</a:t>
+            </a:r>
+            <a:endParaRPr lang="en-US" sz="1050" dirty="0">
+              <a:latin typeface="LXGW WenKai Mono" panose="02020509000000000000" pitchFamily="49" charset="-120"/>
+              <a:ea typeface="LXGW WenKai Mono" panose="02020509000000000000" pitchFamily="49" charset="-120"/>
+            </a:endParaRPr>
+          </a:p>
+          <a:p>
+            <a:r>
+              <a:rPr lang="en-US" sz="1050" dirty="0">
+                <a:latin typeface="LXGW WenKai Mono" panose="02020509000000000000" pitchFamily="49" charset="-120"/>
+                <a:ea typeface="LXGW WenKai Mono" panose="02020509000000000000" pitchFamily="49" charset="-120"/>
+              </a:rPr>
+              <a:t>}</a:t>
+            </a:r>
+          </a:p>
+        </p:txBody>
+      </p:sp>
+      <p:sp>
+        <p:nvSpPr>
+          <p:cNvPr id="89" name="TextBox 88">
+            <a:extLst>
+              <a:ext uri="{FF2B5EF4-FFF2-40B4-BE49-F238E27FC236}">
+                <a16:creationId xmlns:a16="http://schemas.microsoft.com/office/drawing/2014/main" id="{0D80F936-79AD-47AD-0FDA-A2598E83A442}"/>
+              </a:ext>
+            </a:extLst>
+          </p:cNvPr>
+          <p:cNvSpPr txBox="1"/>
+          <p:nvPr/>
+        </p:nvSpPr>
+        <p:spPr>
+          <a:xfrm>
+            <a:off x="7531751" y="8138726"/>
+            <a:ext cx="2066579" cy="1223412"/>
+          </a:xfrm>
+          <a:prstGeom prst="rect">
+            <a:avLst/>
+          </a:prstGeom>
+          <a:solidFill>
+            <a:schemeClr val="accent4">
+              <a:lumMod val="20000"/>
+              <a:lumOff val="80000"/>
+            </a:schemeClr>
+          </a:solidFill>
+          <a:ln>
+            <a:solidFill>
+              <a:schemeClr val="tx1"/>
+            </a:solidFill>
+            <a:prstDash val="dash"/>
+            <a:extLst>
+              <a:ext uri="{C807C97D-BFC1-408E-A445-0C87EB9F89A2}">
+                <ask:lineSketchStyleProps xmlns:ask="http://schemas.microsoft.com/office/drawing/2018/sketchyshapes" sd="1219033472">
+                  <a:custGeom>
+                    <a:avLst/>
+                    <a:gdLst>
+                      <a:gd name="connsiteX0" fmla="*/ 0 w 3876087"/>
+                      <a:gd name="connsiteY0" fmla="*/ 0 h 900246"/>
+                      <a:gd name="connsiteX1" fmla="*/ 3876087 w 3876087"/>
+                      <a:gd name="connsiteY1" fmla="*/ 0 h 900246"/>
+                      <a:gd name="connsiteX2" fmla="*/ 3876087 w 3876087"/>
+                      <a:gd name="connsiteY2" fmla="*/ 900246 h 900246"/>
+                      <a:gd name="connsiteX3" fmla="*/ 0 w 3876087"/>
+                      <a:gd name="connsiteY3" fmla="*/ 900246 h 900246"/>
+                      <a:gd name="connsiteX4" fmla="*/ 0 w 3876087"/>
+                      <a:gd name="connsiteY4" fmla="*/ 0 h 900246"/>
+                    </a:gdLst>
+                    <a:ahLst/>
+                    <a:cxnLst>
+                      <a:cxn ang="0">
+                        <a:pos x="connsiteX0" y="connsiteY0"/>
+                      </a:cxn>
+                      <a:cxn ang="0">
+                        <a:pos x="connsiteX1" y="connsiteY1"/>
+                      </a:cxn>
+                      <a:cxn ang="0">
+                        <a:pos x="connsiteX2" y="connsiteY2"/>
+                      </a:cxn>
+                      <a:cxn ang="0">
+                        <a:pos x="connsiteX3" y="connsiteY3"/>
+                      </a:cxn>
+                      <a:cxn ang="0">
+                        <a:pos x="connsiteX4" y="connsiteY4"/>
+                      </a:cxn>
+                    </a:cxnLst>
+                    <a:rect l="l" t="t" r="r" b="b"/>
+                    <a:pathLst>
+                      <a:path w="3876087" h="900246" extrusionOk="0">
+                        <a:moveTo>
+                          <a:pt x="0" y="0"/>
+                        </a:moveTo>
+                        <a:cubicBezTo>
+                          <a:pt x="597499" y="118645"/>
+                          <a:pt x="3241913" y="116012"/>
+                          <a:pt x="3876087" y="0"/>
+                        </a:cubicBezTo>
+                        <a:cubicBezTo>
+                          <a:pt x="3869829" y="427475"/>
+                          <a:pt x="3832133" y="750199"/>
+                          <a:pt x="3876087" y="900246"/>
+                        </a:cubicBezTo>
+                        <a:cubicBezTo>
+                          <a:pt x="3200596" y="1034846"/>
+                          <a:pt x="881589" y="743050"/>
+                          <a:pt x="0" y="900246"/>
+                        </a:cubicBezTo>
+                        <a:cubicBezTo>
+                          <a:pt x="75913" y="483429"/>
+                          <a:pt x="-68599" y="339664"/>
+                          <a:pt x="0" y="0"/>
+                        </a:cubicBezTo>
+                        <a:close/>
+                      </a:path>
+                    </a:pathLst>
+                  </a:custGeom>
+                  <ask:type>
+                    <ask:lineSketchNone/>
+                  </ask:type>
+                </ask:lineSketchStyleProps>
+              </a:ext>
+            </a:extLst>
+          </a:ln>
+          <a:effectLst/>
+        </p:spPr>
+        <p:txBody>
+          <a:bodyPr wrap="square" rtlCol="0">
+            <a:spAutoFit/>
+          </a:bodyPr>
+          <a:lstStyle/>
+          <a:p>
+            <a:r>
+              <a:rPr lang="en-US" sz="1050" dirty="0">
+                <a:latin typeface="LXGW WenKai Mono" panose="02020509000000000000" pitchFamily="49" charset="-120"/>
+                <a:ea typeface="LXGW WenKai Mono" panose="02020509000000000000" pitchFamily="49" charset="-120"/>
+              </a:rPr>
+              <a:t>{</a:t>
+            </a:r>
+          </a:p>
+          <a:p>
+            <a:r>
+              <a:rPr lang="en-US" sz="1050" dirty="0">
+                <a:latin typeface="LXGW WenKai Mono" panose="02020509000000000000" pitchFamily="49" charset="-120"/>
+                <a:ea typeface="LXGW WenKai Mono" panose="02020509000000000000" pitchFamily="49" charset="-120"/>
+              </a:rPr>
+              <a:t>  "delta": {</a:t>
+            </a:r>
+          </a:p>
+          <a:p>
+            <a:r>
+              <a:rPr lang="en-US" sz="1050" dirty="0">
+                <a:latin typeface="LXGW WenKai Mono" panose="02020509000000000000" pitchFamily="49" charset="-120"/>
+                <a:ea typeface="LXGW WenKai Mono" panose="02020509000000000000" pitchFamily="49" charset="-120"/>
+              </a:rPr>
+              <a:t>    "</a:t>
+            </a:r>
+            <a:r>
+              <a:rPr lang="en-US" sz="1050" dirty="0">
+                <a:solidFill>
+                  <a:schemeClr val="accent2">
+                    <a:lumMod val="75000"/>
+                  </a:schemeClr>
+                </a:solidFill>
+                <a:latin typeface="LXGW WenKai Mono" panose="02020509000000000000" pitchFamily="49" charset="-120"/>
+                <a:ea typeface="LXGW WenKai Mono" panose="02020509000000000000" pitchFamily="49" charset="-120"/>
+              </a:rPr>
+              <a:t>role</a:t>
+            </a:r>
+            <a:r>
+              <a:rPr lang="en-US" sz="1050" dirty="0">
+                <a:latin typeface="LXGW WenKai Mono" panose="02020509000000000000" pitchFamily="49" charset="-120"/>
+                <a:ea typeface="LXGW WenKai Mono" panose="02020509000000000000" pitchFamily="49" charset="-120"/>
+              </a:rPr>
+              <a:t>": “</a:t>
+            </a:r>
+            <a:r>
+              <a:rPr lang="en-US" sz="1050" dirty="0">
+                <a:solidFill>
+                  <a:srgbClr val="00B0F0"/>
+                </a:solidFill>
+                <a:latin typeface="LXGW WenKai Mono" panose="02020509000000000000" pitchFamily="49" charset="-120"/>
+                <a:ea typeface="LXGW WenKai Mono" panose="02020509000000000000" pitchFamily="49" charset="-120"/>
+              </a:rPr>
+              <a:t>Alice</a:t>
+            </a:r>
+            <a:r>
+              <a:rPr lang="en-US" sz="1050" dirty="0">
+                <a:latin typeface="LXGW WenKai Mono" panose="02020509000000000000" pitchFamily="49" charset="-120"/>
+                <a:ea typeface="LXGW WenKai Mono" panose="02020509000000000000" pitchFamily="49" charset="-120"/>
+              </a:rPr>
+              <a:t>“,</a:t>
+            </a:r>
+          </a:p>
+          <a:p>
+            <a:r>
+              <a:rPr lang="en-US" sz="1050" dirty="0">
+                <a:latin typeface="LXGW WenKai Mono" panose="02020509000000000000" pitchFamily="49" charset="-120"/>
+                <a:ea typeface="LXGW WenKai Mono" panose="02020509000000000000" pitchFamily="49" charset="-120"/>
+              </a:rPr>
+              <a:t>    “</a:t>
+            </a:r>
+            <a:r>
+              <a:rPr lang="en-US" sz="1050" dirty="0">
+                <a:solidFill>
+                  <a:schemeClr val="accent2">
+                    <a:lumMod val="75000"/>
+                  </a:schemeClr>
+                </a:solidFill>
+                <a:latin typeface="LXGW WenKai Mono" panose="02020509000000000000" pitchFamily="49" charset="-120"/>
+                <a:ea typeface="LXGW WenKai Mono" panose="02020509000000000000" pitchFamily="49" charset="-120"/>
+              </a:rPr>
+              <a:t>content</a:t>
+            </a:r>
+            <a:r>
+              <a:rPr lang="en-US" sz="1050" dirty="0">
+                <a:latin typeface="LXGW WenKai Mono" panose="02020509000000000000" pitchFamily="49" charset="-120"/>
+                <a:ea typeface="LXGW WenKai Mono" panose="02020509000000000000" pitchFamily="49" charset="-120"/>
+              </a:rPr>
+              <a:t>”: “</a:t>
+            </a:r>
+            <a:r>
+              <a:rPr lang="en-US" sz="1050" dirty="0">
+                <a:solidFill>
+                  <a:srgbClr val="00B0F0"/>
+                </a:solidFill>
+                <a:latin typeface="LXGW WenKai Mono" panose="02020509000000000000" pitchFamily="49" charset="-120"/>
+                <a:ea typeface="LXGW WenKai Mono" panose="02020509000000000000" pitchFamily="49" charset="-120"/>
+              </a:rPr>
+              <a:t>Hi, </a:t>
+            </a:r>
+            <a:r>
+              <a:rPr lang="en-US" sz="1050" dirty="0">
+                <a:latin typeface="LXGW WenKai Mono" panose="02020509000000000000" pitchFamily="49" charset="-120"/>
+                <a:ea typeface="LXGW WenKai Mono" panose="02020509000000000000" pitchFamily="49" charset="-120"/>
+              </a:rPr>
+              <a:t>”,</a:t>
+            </a:r>
+          </a:p>
+          <a:p>
+            <a:r>
+              <a:rPr lang="en-US" sz="1050" dirty="0">
+                <a:latin typeface="LXGW WenKai Mono" panose="02020509000000000000" pitchFamily="49" charset="-120"/>
+                <a:ea typeface="LXGW WenKai Mono" panose="02020509000000000000" pitchFamily="49" charset="-120"/>
+              </a:rPr>
+              <a:t>  },</a:t>
+            </a:r>
+          </a:p>
+          <a:p>
+            <a:r>
+              <a:rPr lang="en-US" sz="1050" dirty="0">
+                <a:latin typeface="LXGW WenKai Mono" panose="02020509000000000000" pitchFamily="49" charset="-120"/>
+                <a:ea typeface="LXGW WenKai Mono" panose="02020509000000000000" pitchFamily="49" charset="-120"/>
+              </a:rPr>
+              <a:t>  "</a:t>
+            </a:r>
+            <a:r>
+              <a:rPr lang="en-US" sz="1050" dirty="0" err="1">
+                <a:solidFill>
+                  <a:schemeClr val="accent2">
+                    <a:lumMod val="75000"/>
+                  </a:schemeClr>
+                </a:solidFill>
+                <a:latin typeface="LXGW WenKai Mono" panose="02020509000000000000" pitchFamily="49" charset="-120"/>
+                <a:ea typeface="LXGW WenKai Mono" panose="02020509000000000000" pitchFamily="49" charset="-120"/>
+              </a:rPr>
+              <a:t>finish_reason</a:t>
+            </a:r>
+            <a:r>
+              <a:rPr lang="en-US" sz="1050" dirty="0">
+                <a:latin typeface="LXGW WenKai Mono" panose="02020509000000000000" pitchFamily="49" charset="-120"/>
+                <a:ea typeface="LXGW WenKai Mono" panose="02020509000000000000" pitchFamily="49" charset="-120"/>
+              </a:rPr>
+              <a:t>": </a:t>
+            </a:r>
+            <a:r>
+              <a:rPr lang="en-US" sz="1050" dirty="0">
+                <a:solidFill>
+                  <a:srgbClr val="00B0F0"/>
+                </a:solidFill>
+                <a:latin typeface="LXGW WenKai Mono" panose="02020509000000000000" pitchFamily="49" charset="-120"/>
+                <a:ea typeface="LXGW WenKai Mono" panose="02020509000000000000" pitchFamily="49" charset="-120"/>
+              </a:rPr>
+              <a:t>null</a:t>
+            </a:r>
+            <a:endParaRPr lang="en-US" sz="1050" dirty="0">
+              <a:latin typeface="LXGW WenKai Mono" panose="02020509000000000000" pitchFamily="49" charset="-120"/>
+              <a:ea typeface="LXGW WenKai Mono" panose="02020509000000000000" pitchFamily="49" charset="-120"/>
+            </a:endParaRPr>
+          </a:p>
+          <a:p>
+            <a:r>
+              <a:rPr lang="en-US" sz="1050" dirty="0">
+                <a:latin typeface="LXGW WenKai Mono" panose="02020509000000000000" pitchFamily="49" charset="-120"/>
+                <a:ea typeface="LXGW WenKai Mono" panose="02020509000000000000" pitchFamily="49" charset="-120"/>
+              </a:rPr>
+              <a:t>}</a:t>
+            </a:r>
+          </a:p>
+        </p:txBody>
+      </p:sp>
+      <p:sp>
+        <p:nvSpPr>
+          <p:cNvPr id="90" name="TextBox 89">
+            <a:extLst>
+              <a:ext uri="{FF2B5EF4-FFF2-40B4-BE49-F238E27FC236}">
+                <a16:creationId xmlns:a16="http://schemas.microsoft.com/office/drawing/2014/main" id="{2104F2E2-22EB-CA56-5A97-9303AC39990F}"/>
+              </a:ext>
+            </a:extLst>
+          </p:cNvPr>
+          <p:cNvSpPr txBox="1"/>
+          <p:nvPr/>
+        </p:nvSpPr>
+        <p:spPr>
+          <a:xfrm>
+            <a:off x="7531750" y="9627020"/>
+            <a:ext cx="2066579" cy="1223412"/>
+          </a:xfrm>
+          <a:prstGeom prst="rect">
+            <a:avLst/>
+          </a:prstGeom>
+          <a:solidFill>
+            <a:schemeClr val="accent4">
+              <a:lumMod val="20000"/>
+              <a:lumOff val="80000"/>
+            </a:schemeClr>
+          </a:solidFill>
+          <a:ln>
+            <a:solidFill>
+              <a:schemeClr val="tx1"/>
+            </a:solidFill>
+            <a:prstDash val="dash"/>
+            <a:extLst>
+              <a:ext uri="{C807C97D-BFC1-408E-A445-0C87EB9F89A2}">
+                <ask:lineSketchStyleProps xmlns:ask="http://schemas.microsoft.com/office/drawing/2018/sketchyshapes" sd="1219033472">
+                  <a:custGeom>
+                    <a:avLst/>
+                    <a:gdLst>
+                      <a:gd name="connsiteX0" fmla="*/ 0 w 3876087"/>
+                      <a:gd name="connsiteY0" fmla="*/ 0 h 900246"/>
+                      <a:gd name="connsiteX1" fmla="*/ 3876087 w 3876087"/>
+                      <a:gd name="connsiteY1" fmla="*/ 0 h 900246"/>
+                      <a:gd name="connsiteX2" fmla="*/ 3876087 w 3876087"/>
+                      <a:gd name="connsiteY2" fmla="*/ 900246 h 900246"/>
+                      <a:gd name="connsiteX3" fmla="*/ 0 w 3876087"/>
+                      <a:gd name="connsiteY3" fmla="*/ 900246 h 900246"/>
+                      <a:gd name="connsiteX4" fmla="*/ 0 w 3876087"/>
+                      <a:gd name="connsiteY4" fmla="*/ 0 h 900246"/>
+                    </a:gdLst>
+                    <a:ahLst/>
+                    <a:cxnLst>
+                      <a:cxn ang="0">
+                        <a:pos x="connsiteX0" y="connsiteY0"/>
+                      </a:cxn>
+                      <a:cxn ang="0">
+                        <a:pos x="connsiteX1" y="connsiteY1"/>
+                      </a:cxn>
+                      <a:cxn ang="0">
+                        <a:pos x="connsiteX2" y="connsiteY2"/>
+                      </a:cxn>
+                      <a:cxn ang="0">
+                        <a:pos x="connsiteX3" y="connsiteY3"/>
+                      </a:cxn>
+                      <a:cxn ang="0">
+                        <a:pos x="connsiteX4" y="connsiteY4"/>
+                      </a:cxn>
+                    </a:cxnLst>
+                    <a:rect l="l" t="t" r="r" b="b"/>
+                    <a:pathLst>
+                      <a:path w="3876087" h="900246" extrusionOk="0">
+                        <a:moveTo>
+                          <a:pt x="0" y="0"/>
+                        </a:moveTo>
+                        <a:cubicBezTo>
+                          <a:pt x="597499" y="118645"/>
+                          <a:pt x="3241913" y="116012"/>
+                          <a:pt x="3876087" y="0"/>
+                        </a:cubicBezTo>
+                        <a:cubicBezTo>
+                          <a:pt x="3869829" y="427475"/>
+                          <a:pt x="3832133" y="750199"/>
+                          <a:pt x="3876087" y="900246"/>
+                        </a:cubicBezTo>
+                        <a:cubicBezTo>
+                          <a:pt x="3200596" y="1034846"/>
+                          <a:pt x="881589" y="743050"/>
+                          <a:pt x="0" y="900246"/>
+                        </a:cubicBezTo>
+                        <a:cubicBezTo>
+                          <a:pt x="75913" y="483429"/>
+                          <a:pt x="-68599" y="339664"/>
+                          <a:pt x="0" y="0"/>
+                        </a:cubicBezTo>
+                        <a:close/>
+                      </a:path>
+                    </a:pathLst>
+                  </a:custGeom>
+                  <ask:type>
+                    <ask:lineSketchNone/>
+                  </ask:type>
+                </ask:lineSketchStyleProps>
+              </a:ext>
+            </a:extLst>
+          </a:ln>
+          <a:effectLst/>
+        </p:spPr>
+        <p:txBody>
+          <a:bodyPr wrap="square" rtlCol="0">
+            <a:spAutoFit/>
+          </a:bodyPr>
+          <a:lstStyle/>
+          <a:p>
+            <a:r>
+              <a:rPr lang="en-US" sz="1050" dirty="0">
+                <a:latin typeface="LXGW WenKai Mono" panose="02020509000000000000" pitchFamily="49" charset="-120"/>
+                <a:ea typeface="LXGW WenKai Mono" panose="02020509000000000000" pitchFamily="49" charset="-120"/>
+              </a:rPr>
+              <a:t>{</a:t>
+            </a:r>
+          </a:p>
+          <a:p>
+            <a:r>
+              <a:rPr lang="en-US" sz="1050" dirty="0">
+                <a:latin typeface="LXGW WenKai Mono" panose="02020509000000000000" pitchFamily="49" charset="-120"/>
+                <a:ea typeface="LXGW WenKai Mono" panose="02020509000000000000" pitchFamily="49" charset="-120"/>
+              </a:rPr>
+              <a:t>  "delta": {</a:t>
+            </a:r>
+          </a:p>
+          <a:p>
+            <a:r>
+              <a:rPr lang="en-US" sz="1050" dirty="0">
+                <a:latin typeface="LXGW WenKai Mono" panose="02020509000000000000" pitchFamily="49" charset="-120"/>
+                <a:ea typeface="LXGW WenKai Mono" panose="02020509000000000000" pitchFamily="49" charset="-120"/>
+              </a:rPr>
+              <a:t>    "</a:t>
+            </a:r>
+            <a:r>
+              <a:rPr lang="en-US" sz="1050" dirty="0">
+                <a:solidFill>
+                  <a:schemeClr val="accent2">
+                    <a:lumMod val="75000"/>
+                  </a:schemeClr>
+                </a:solidFill>
+                <a:latin typeface="LXGW WenKai Mono" panose="02020509000000000000" pitchFamily="49" charset="-120"/>
+                <a:ea typeface="LXGW WenKai Mono" panose="02020509000000000000" pitchFamily="49" charset="-120"/>
+              </a:rPr>
+              <a:t>role</a:t>
+            </a:r>
+            <a:r>
+              <a:rPr lang="en-US" sz="1050" dirty="0">
+                <a:latin typeface="LXGW WenKai Mono" panose="02020509000000000000" pitchFamily="49" charset="-120"/>
+                <a:ea typeface="LXGW WenKai Mono" panose="02020509000000000000" pitchFamily="49" charset="-120"/>
+              </a:rPr>
+              <a:t>": “</a:t>
+            </a:r>
+            <a:r>
+              <a:rPr lang="en-US" sz="1050" dirty="0">
+                <a:solidFill>
+                  <a:srgbClr val="00B0F0"/>
+                </a:solidFill>
+                <a:latin typeface="LXGW WenKai Mono" panose="02020509000000000000" pitchFamily="49" charset="-120"/>
+                <a:ea typeface="LXGW WenKai Mono" panose="02020509000000000000" pitchFamily="49" charset="-120"/>
+              </a:rPr>
+              <a:t>Alice</a:t>
+            </a:r>
+            <a:r>
+              <a:rPr lang="en-US" sz="1050" dirty="0">
+                <a:latin typeface="LXGW WenKai Mono" panose="02020509000000000000" pitchFamily="49" charset="-120"/>
+                <a:ea typeface="LXGW WenKai Mono" panose="02020509000000000000" pitchFamily="49" charset="-120"/>
+              </a:rPr>
+              <a:t>“,</a:t>
+            </a:r>
+          </a:p>
+          <a:p>
+            <a:r>
+              <a:rPr lang="en-US" sz="1050" dirty="0">
+                <a:latin typeface="LXGW WenKai Mono" panose="02020509000000000000" pitchFamily="49" charset="-120"/>
+                <a:ea typeface="LXGW WenKai Mono" panose="02020509000000000000" pitchFamily="49" charset="-120"/>
+              </a:rPr>
+              <a:t>    “</a:t>
+            </a:r>
+            <a:r>
+              <a:rPr lang="en-US" sz="1050" dirty="0">
+                <a:solidFill>
+                  <a:schemeClr val="accent2">
+                    <a:lumMod val="75000"/>
+                  </a:schemeClr>
+                </a:solidFill>
+                <a:latin typeface="LXGW WenKai Mono" panose="02020509000000000000" pitchFamily="49" charset="-120"/>
+                <a:ea typeface="LXGW WenKai Mono" panose="02020509000000000000" pitchFamily="49" charset="-120"/>
+              </a:rPr>
+              <a:t>content</a:t>
+            </a:r>
+            <a:r>
+              <a:rPr lang="en-US" sz="1050" dirty="0">
+                <a:latin typeface="LXGW WenKai Mono" panose="02020509000000000000" pitchFamily="49" charset="-120"/>
+                <a:ea typeface="LXGW WenKai Mono" panose="02020509000000000000" pitchFamily="49" charset="-120"/>
+              </a:rPr>
+              <a:t>”: “</a:t>
+            </a:r>
+            <a:r>
+              <a:rPr lang="en-US" sz="1050" dirty="0">
+                <a:solidFill>
+                  <a:srgbClr val="00B0F0"/>
+                </a:solidFill>
+                <a:latin typeface="LXGW WenKai Mono" panose="02020509000000000000" pitchFamily="49" charset="-120"/>
+                <a:ea typeface="LXGW WenKai Mono" panose="02020509000000000000" pitchFamily="49" charset="-120"/>
+              </a:rPr>
+              <a:t>I’m Alice.</a:t>
+            </a:r>
+            <a:r>
+              <a:rPr lang="en-US" sz="1050" dirty="0">
+                <a:latin typeface="LXGW WenKai Mono" panose="02020509000000000000" pitchFamily="49" charset="-120"/>
+                <a:ea typeface="LXGW WenKai Mono" panose="02020509000000000000" pitchFamily="49" charset="-120"/>
+              </a:rPr>
+              <a:t>”,</a:t>
+            </a:r>
+          </a:p>
+          <a:p>
+            <a:r>
+              <a:rPr lang="en-US" sz="1050" dirty="0">
+                <a:latin typeface="LXGW WenKai Mono" panose="02020509000000000000" pitchFamily="49" charset="-120"/>
+                <a:ea typeface="LXGW WenKai Mono" panose="02020509000000000000" pitchFamily="49" charset="-120"/>
+              </a:rPr>
+              <a:t>  },</a:t>
+            </a:r>
+          </a:p>
+          <a:p>
+            <a:r>
+              <a:rPr lang="en-US" sz="1050" dirty="0">
+                <a:latin typeface="LXGW WenKai Mono" panose="02020509000000000000" pitchFamily="49" charset="-120"/>
+                <a:ea typeface="LXGW WenKai Mono" panose="02020509000000000000" pitchFamily="49" charset="-120"/>
+              </a:rPr>
+              <a:t>  "</a:t>
+            </a:r>
+            <a:r>
+              <a:rPr lang="en-US" sz="1050" dirty="0" err="1">
+                <a:solidFill>
+                  <a:schemeClr val="accent2">
+                    <a:lumMod val="75000"/>
+                  </a:schemeClr>
+                </a:solidFill>
+                <a:latin typeface="LXGW WenKai Mono" panose="02020509000000000000" pitchFamily="49" charset="-120"/>
+                <a:ea typeface="LXGW WenKai Mono" panose="02020509000000000000" pitchFamily="49" charset="-120"/>
+              </a:rPr>
+              <a:t>finish_reason</a:t>
+            </a:r>
+            <a:r>
+              <a:rPr lang="en-US" sz="1050" dirty="0">
+                <a:latin typeface="LXGW WenKai Mono" panose="02020509000000000000" pitchFamily="49" charset="-120"/>
+                <a:ea typeface="LXGW WenKai Mono" panose="02020509000000000000" pitchFamily="49" charset="-120"/>
+              </a:rPr>
+              <a:t>": </a:t>
+            </a:r>
+            <a:r>
+              <a:rPr lang="en-US" sz="1050" dirty="0">
+                <a:solidFill>
+                  <a:srgbClr val="00B0F0"/>
+                </a:solidFill>
+                <a:latin typeface="LXGW WenKai Mono" panose="02020509000000000000" pitchFamily="49" charset="-120"/>
+                <a:ea typeface="LXGW WenKai Mono" panose="02020509000000000000" pitchFamily="49" charset="-120"/>
+              </a:rPr>
+              <a:t>null</a:t>
+            </a:r>
+            <a:endParaRPr lang="en-US" sz="1050" dirty="0">
+              <a:latin typeface="LXGW WenKai Mono" panose="02020509000000000000" pitchFamily="49" charset="-120"/>
+              <a:ea typeface="LXGW WenKai Mono" panose="02020509000000000000" pitchFamily="49" charset="-120"/>
+            </a:endParaRPr>
+          </a:p>
+          <a:p>
+            <a:r>
+              <a:rPr lang="en-US" sz="1050" dirty="0">
+                <a:latin typeface="LXGW WenKai Mono" panose="02020509000000000000" pitchFamily="49" charset="-120"/>
+                <a:ea typeface="LXGW WenKai Mono" panose="02020509000000000000" pitchFamily="49" charset="-120"/>
+              </a:rPr>
+              <a:t>}</a:t>
+            </a:r>
+          </a:p>
+        </p:txBody>
+      </p:sp>
+      <p:sp>
+        <p:nvSpPr>
+          <p:cNvPr id="91" name="TextBox 90">
+            <a:extLst>
+              <a:ext uri="{FF2B5EF4-FFF2-40B4-BE49-F238E27FC236}">
+                <a16:creationId xmlns:a16="http://schemas.microsoft.com/office/drawing/2014/main" id="{AFAB4DB1-C698-0915-07A4-4A9EAFE5EBA7}"/>
+              </a:ext>
+            </a:extLst>
+          </p:cNvPr>
+          <p:cNvSpPr txBox="1"/>
+          <p:nvPr/>
+        </p:nvSpPr>
+        <p:spPr>
+          <a:xfrm>
+            <a:off x="7531750" y="11115314"/>
+            <a:ext cx="2066578" cy="1223412"/>
+          </a:xfrm>
+          <a:prstGeom prst="rect">
+            <a:avLst/>
+          </a:prstGeom>
+          <a:solidFill>
+            <a:schemeClr val="accent4">
+              <a:lumMod val="20000"/>
+              <a:lumOff val="80000"/>
+            </a:schemeClr>
+          </a:solidFill>
+          <a:ln>
+            <a:solidFill>
+              <a:schemeClr val="tx1"/>
+            </a:solidFill>
+            <a:prstDash val="dash"/>
+            <a:extLst>
+              <a:ext uri="{C807C97D-BFC1-408E-A445-0C87EB9F89A2}">
+                <ask:lineSketchStyleProps xmlns:ask="http://schemas.microsoft.com/office/drawing/2018/sketchyshapes" sd="1219033472">
+                  <a:custGeom>
+                    <a:avLst/>
+                    <a:gdLst>
+                      <a:gd name="connsiteX0" fmla="*/ 0 w 3876087"/>
+                      <a:gd name="connsiteY0" fmla="*/ 0 h 900246"/>
+                      <a:gd name="connsiteX1" fmla="*/ 3876087 w 3876087"/>
+                      <a:gd name="connsiteY1" fmla="*/ 0 h 900246"/>
+                      <a:gd name="connsiteX2" fmla="*/ 3876087 w 3876087"/>
+                      <a:gd name="connsiteY2" fmla="*/ 900246 h 900246"/>
+                      <a:gd name="connsiteX3" fmla="*/ 0 w 3876087"/>
+                      <a:gd name="connsiteY3" fmla="*/ 900246 h 900246"/>
+                      <a:gd name="connsiteX4" fmla="*/ 0 w 3876087"/>
+                      <a:gd name="connsiteY4" fmla="*/ 0 h 900246"/>
+                    </a:gdLst>
+                    <a:ahLst/>
+                    <a:cxnLst>
+                      <a:cxn ang="0">
+                        <a:pos x="connsiteX0" y="connsiteY0"/>
+                      </a:cxn>
+                      <a:cxn ang="0">
+                        <a:pos x="connsiteX1" y="connsiteY1"/>
+                      </a:cxn>
+                      <a:cxn ang="0">
+                        <a:pos x="connsiteX2" y="connsiteY2"/>
+                      </a:cxn>
+                      <a:cxn ang="0">
+                        <a:pos x="connsiteX3" y="connsiteY3"/>
+                      </a:cxn>
+                      <a:cxn ang="0">
+                        <a:pos x="connsiteX4" y="connsiteY4"/>
+                      </a:cxn>
+                    </a:cxnLst>
+                    <a:rect l="l" t="t" r="r" b="b"/>
+                    <a:pathLst>
+                      <a:path w="3876087" h="900246" extrusionOk="0">
+                        <a:moveTo>
+                          <a:pt x="0" y="0"/>
+                        </a:moveTo>
+                        <a:cubicBezTo>
+                          <a:pt x="597499" y="118645"/>
+                          <a:pt x="3241913" y="116012"/>
+                          <a:pt x="3876087" y="0"/>
+                        </a:cubicBezTo>
+                        <a:cubicBezTo>
+                          <a:pt x="3869829" y="427475"/>
+                          <a:pt x="3832133" y="750199"/>
+                          <a:pt x="3876087" y="900246"/>
+                        </a:cubicBezTo>
+                        <a:cubicBezTo>
+                          <a:pt x="3200596" y="1034846"/>
+                          <a:pt x="881589" y="743050"/>
+                          <a:pt x="0" y="900246"/>
+                        </a:cubicBezTo>
+                        <a:cubicBezTo>
+                          <a:pt x="75913" y="483429"/>
+                          <a:pt x="-68599" y="339664"/>
+                          <a:pt x="0" y="0"/>
+                        </a:cubicBezTo>
+                        <a:close/>
+                      </a:path>
+                    </a:pathLst>
+                  </a:custGeom>
+                  <ask:type>
+                    <ask:lineSketchNone/>
+                  </ask:type>
+                </ask:lineSketchStyleProps>
+              </a:ext>
+            </a:extLst>
+          </a:ln>
+          <a:effectLst/>
+        </p:spPr>
+        <p:txBody>
+          <a:bodyPr wrap="square" rtlCol="0">
+            <a:spAutoFit/>
+          </a:bodyPr>
+          <a:lstStyle/>
+          <a:p>
+            <a:r>
+              <a:rPr lang="en-US" sz="1050" dirty="0">
+                <a:latin typeface="LXGW WenKai Mono" panose="02020509000000000000" pitchFamily="49" charset="-120"/>
+                <a:ea typeface="LXGW WenKai Mono" panose="02020509000000000000" pitchFamily="49" charset="-120"/>
+              </a:rPr>
+              <a:t>{</a:t>
+            </a:r>
+          </a:p>
+          <a:p>
+            <a:r>
+              <a:rPr lang="en-US" sz="1050" dirty="0">
+                <a:latin typeface="LXGW WenKai Mono" panose="02020509000000000000" pitchFamily="49" charset="-120"/>
+                <a:ea typeface="LXGW WenKai Mono" panose="02020509000000000000" pitchFamily="49" charset="-120"/>
+              </a:rPr>
+              <a:t>  "delta": {</a:t>
+            </a:r>
+          </a:p>
+          <a:p>
+            <a:r>
+              <a:rPr lang="en-US" sz="1050" dirty="0">
+                <a:latin typeface="LXGW WenKai Mono" panose="02020509000000000000" pitchFamily="49" charset="-120"/>
+                <a:ea typeface="LXGW WenKai Mono" panose="02020509000000000000" pitchFamily="49" charset="-120"/>
+              </a:rPr>
+              <a:t>    "</a:t>
+            </a:r>
+            <a:r>
+              <a:rPr lang="en-US" sz="1050" dirty="0">
+                <a:solidFill>
+                  <a:schemeClr val="accent2">
+                    <a:lumMod val="75000"/>
+                  </a:schemeClr>
+                </a:solidFill>
+                <a:latin typeface="LXGW WenKai Mono" panose="02020509000000000000" pitchFamily="49" charset="-120"/>
+                <a:ea typeface="LXGW WenKai Mono" panose="02020509000000000000" pitchFamily="49" charset="-120"/>
+              </a:rPr>
+              <a:t>role</a:t>
+            </a:r>
+            <a:r>
+              <a:rPr lang="en-US" sz="1050" dirty="0">
+                <a:latin typeface="LXGW WenKai Mono" panose="02020509000000000000" pitchFamily="49" charset="-120"/>
+                <a:ea typeface="LXGW WenKai Mono" panose="02020509000000000000" pitchFamily="49" charset="-120"/>
+              </a:rPr>
+              <a:t>": “</a:t>
+            </a:r>
+            <a:r>
+              <a:rPr lang="en-US" sz="1050" dirty="0">
+                <a:solidFill>
+                  <a:srgbClr val="00B0F0"/>
+                </a:solidFill>
+                <a:latin typeface="LXGW WenKai Mono" panose="02020509000000000000" pitchFamily="49" charset="-120"/>
+                <a:ea typeface="LXGW WenKai Mono" panose="02020509000000000000" pitchFamily="49" charset="-120"/>
+              </a:rPr>
+              <a:t>Alice</a:t>
+            </a:r>
+            <a:r>
+              <a:rPr lang="en-US" sz="1050" dirty="0">
+                <a:latin typeface="LXGW WenKai Mono" panose="02020509000000000000" pitchFamily="49" charset="-120"/>
+                <a:ea typeface="LXGW WenKai Mono" panose="02020509000000000000" pitchFamily="49" charset="-120"/>
+              </a:rPr>
+              <a:t>“,</a:t>
+            </a:r>
+          </a:p>
+          <a:p>
+            <a:r>
+              <a:rPr lang="en-US" sz="1050" dirty="0">
+                <a:latin typeface="LXGW WenKai Mono" panose="02020509000000000000" pitchFamily="49" charset="-120"/>
+                <a:ea typeface="LXGW WenKai Mono" panose="02020509000000000000" pitchFamily="49" charset="-120"/>
+              </a:rPr>
+              <a:t>    “</a:t>
+            </a:r>
+            <a:r>
+              <a:rPr lang="en-US" sz="1050" dirty="0">
+                <a:solidFill>
+                  <a:schemeClr val="accent2">
+                    <a:lumMod val="75000"/>
+                  </a:schemeClr>
+                </a:solidFill>
+                <a:latin typeface="LXGW WenKai Mono" panose="02020509000000000000" pitchFamily="49" charset="-120"/>
+                <a:ea typeface="LXGW WenKai Mono" panose="02020509000000000000" pitchFamily="49" charset="-120"/>
+              </a:rPr>
+              <a:t>content</a:t>
+            </a:r>
+            <a:r>
+              <a:rPr lang="en-US" sz="1050" dirty="0">
+                <a:latin typeface="LXGW WenKai Mono" panose="02020509000000000000" pitchFamily="49" charset="-120"/>
+                <a:ea typeface="LXGW WenKai Mono" panose="02020509000000000000" pitchFamily="49" charset="-120"/>
+              </a:rPr>
+              <a:t>”: “”,</a:t>
+            </a:r>
+          </a:p>
+          <a:p>
+            <a:r>
+              <a:rPr lang="en-US" sz="1050" dirty="0">
+                <a:latin typeface="LXGW WenKai Mono" panose="02020509000000000000" pitchFamily="49" charset="-120"/>
+                <a:ea typeface="LXGW WenKai Mono" panose="02020509000000000000" pitchFamily="49" charset="-120"/>
+              </a:rPr>
+              <a:t>  },</a:t>
+            </a:r>
+          </a:p>
+          <a:p>
+            <a:r>
+              <a:rPr lang="en-US" sz="1050" dirty="0">
+                <a:latin typeface="LXGW WenKai Mono" panose="02020509000000000000" pitchFamily="49" charset="-120"/>
+                <a:ea typeface="LXGW WenKai Mono" panose="02020509000000000000" pitchFamily="49" charset="-120"/>
+              </a:rPr>
+              <a:t>  "</a:t>
+            </a:r>
+            <a:r>
+              <a:rPr lang="en-US" sz="1050" dirty="0" err="1">
+                <a:solidFill>
+                  <a:schemeClr val="accent2">
+                    <a:lumMod val="75000"/>
+                  </a:schemeClr>
+                </a:solidFill>
+                <a:latin typeface="LXGW WenKai Mono" panose="02020509000000000000" pitchFamily="49" charset="-120"/>
+                <a:ea typeface="LXGW WenKai Mono" panose="02020509000000000000" pitchFamily="49" charset="-120"/>
+              </a:rPr>
+              <a:t>finish_reason</a:t>
+            </a:r>
+            <a:r>
+              <a:rPr lang="en-US" sz="1050" dirty="0">
+                <a:latin typeface="LXGW WenKai Mono" panose="02020509000000000000" pitchFamily="49" charset="-120"/>
+                <a:ea typeface="LXGW WenKai Mono" panose="02020509000000000000" pitchFamily="49" charset="-120"/>
+              </a:rPr>
+              <a:t>": “</a:t>
+            </a:r>
+            <a:r>
+              <a:rPr lang="en-US" sz="1050" dirty="0">
+                <a:solidFill>
+                  <a:srgbClr val="00B0F0"/>
+                </a:solidFill>
+                <a:latin typeface="LXGW WenKai Mono" panose="02020509000000000000" pitchFamily="49" charset="-120"/>
+                <a:ea typeface="LXGW WenKai Mono" panose="02020509000000000000" pitchFamily="49" charset="-120"/>
+              </a:rPr>
+              <a:t>stop</a:t>
+            </a:r>
+            <a:r>
+              <a:rPr lang="en-US" sz="1050" dirty="0">
+                <a:latin typeface="LXGW WenKai Mono" panose="02020509000000000000" pitchFamily="49" charset="-120"/>
+                <a:ea typeface="LXGW WenKai Mono" panose="02020509000000000000" pitchFamily="49" charset="-120"/>
+              </a:rPr>
+              <a:t>”</a:t>
+            </a:r>
+          </a:p>
+          <a:p>
+            <a:r>
+              <a:rPr lang="en-US" sz="1050" dirty="0">
+                <a:latin typeface="LXGW WenKai Mono" panose="02020509000000000000" pitchFamily="49" charset="-120"/>
+                <a:ea typeface="LXGW WenKai Mono" panose="02020509000000000000" pitchFamily="49" charset="-120"/>
+              </a:rPr>
+              <a:t>}</a:t>
+            </a:r>
+          </a:p>
+        </p:txBody>
+      </p:sp>
+      <p:sp>
+        <p:nvSpPr>
+          <p:cNvPr id="92" name="Rectangle 91">
+            <a:extLst>
+              <a:ext uri="{FF2B5EF4-FFF2-40B4-BE49-F238E27FC236}">
+                <a16:creationId xmlns:a16="http://schemas.microsoft.com/office/drawing/2014/main" id="{09193C7F-1563-3182-CADA-A8EC0B4DA2D4}"/>
+              </a:ext>
+            </a:extLst>
+          </p:cNvPr>
+          <p:cNvSpPr/>
+          <p:nvPr/>
+        </p:nvSpPr>
+        <p:spPr>
+          <a:xfrm>
+            <a:off x="7945584" y="4150673"/>
+            <a:ext cx="1257285" cy="622889"/>
+          </a:xfrm>
+          <a:prstGeom prst="rect">
+            <a:avLst/>
+          </a:prstGeom>
+          <a:solidFill>
+            <a:schemeClr val="accent6">
+              <a:lumMod val="40000"/>
+              <a:lumOff val="60000"/>
+            </a:schemeClr>
+          </a:solidFill>
+          <a:ln>
+            <a:solidFill>
+              <a:schemeClr val="tx1"/>
+            </a:solidFill>
+          </a:ln>
+          <a:effectLst>
+            <a:glow rad="101600">
+              <a:schemeClr val="accent3">
+                <a:satMod val="175000"/>
+                <a:alpha val="40000"/>
+              </a:schemeClr>
+            </a:glow>
+          </a:effectLst>
+        </p:spPr>
+        <p:style>
+          <a:lnRef idx="2">
+            <a:schemeClr val="accent1">
+              <a:shade val="50000"/>
+            </a:schemeClr>
+          </a:lnRef>
+          <a:fillRef idx="1">
+            <a:schemeClr val="accent1"/>
+          </a:fillRef>
+          <a:effectRef idx="0">
+            <a:schemeClr val="accent1"/>
+          </a:effectRef>
+          <a:fontRef idx="minor">
+            <a:schemeClr val="lt1"/>
+          </a:fontRef>
+        </p:style>
+        <p:txBody>
+          <a:bodyPr rtlCol="0" anchor="ctr" anchorCtr="1"/>
+          <a:lstStyle/>
+          <a:p>
+            <a:pPr algn="ctr"/>
+            <a:r>
+              <a:rPr lang="en-US" sz="1400" b="1" dirty="0">
+                <a:solidFill>
+                  <a:schemeClr val="tx1"/>
+                </a:solidFill>
+                <a:latin typeface="LXGW WenKai" panose="02020500000000000000" pitchFamily="18" charset="-120"/>
+                <a:ea typeface="LXGW WenKai" panose="02020500000000000000" pitchFamily="18" charset="-120"/>
+              </a:rPr>
+              <a:t>Flask</a:t>
+            </a:r>
+          </a:p>
+        </p:txBody>
+      </p:sp>
+      <p:cxnSp>
+        <p:nvCxnSpPr>
+          <p:cNvPr id="113" name="Straight Arrow Connector 112">
+            <a:extLst>
+              <a:ext uri="{FF2B5EF4-FFF2-40B4-BE49-F238E27FC236}">
+                <a16:creationId xmlns:a16="http://schemas.microsoft.com/office/drawing/2014/main" id="{939EDFAA-2D21-8AA0-147E-3C222976D5E8}"/>
+              </a:ext>
+            </a:extLst>
+          </p:cNvPr>
+          <p:cNvCxnSpPr>
+            <a:cxnSpLocks/>
+            <a:stCxn id="42" idx="0"/>
+            <a:endCxn id="92" idx="2"/>
+          </p:cNvCxnSpPr>
+          <p:nvPr/>
+        </p:nvCxnSpPr>
+        <p:spPr>
+          <a:xfrm flipV="1">
+            <a:off x="8565042" y="4773562"/>
+            <a:ext cx="9185" cy="678818"/>
+          </a:xfrm>
+          <a:prstGeom prst="straightConnector1">
+            <a:avLst/>
+          </a:prstGeom>
+          <a:ln w="9525">
+            <a:solidFill>
+              <a:schemeClr val="tx1"/>
+            </a:solidFill>
+            <a:prstDash val="dash"/>
+            <a:headEnd type="none"/>
+            <a:tailEnd type="none"/>
+          </a:ln>
+          <a:effectLst>
+            <a:outerShdw blurRad="63500" sx="102000" sy="102000" algn="ctr" rotWithShape="0">
+              <a:prstClr val="black">
+                <a:alpha val="40000"/>
+              </a:prstClr>
+            </a:outerShdw>
+          </a:effectLst>
+        </p:spPr>
+        <p:style>
+          <a:lnRef idx="1">
+            <a:schemeClr val="accent1"/>
+          </a:lnRef>
+          <a:fillRef idx="0">
+            <a:schemeClr val="accent1"/>
+          </a:fillRef>
+          <a:effectRef idx="0">
+            <a:schemeClr val="accent1"/>
+          </a:effectRef>
+          <a:fontRef idx="minor">
+            <a:schemeClr val="tx1"/>
+          </a:fontRef>
+        </p:style>
+      </p:cxnSp>
+      <p:sp>
+        <p:nvSpPr>
+          <p:cNvPr id="118" name="Rectangle 117">
+            <a:extLst>
+              <a:ext uri="{FF2B5EF4-FFF2-40B4-BE49-F238E27FC236}">
+                <a16:creationId xmlns:a16="http://schemas.microsoft.com/office/drawing/2014/main" id="{3F60935F-72C9-95DC-8CB4-9B6E4BB895E2}"/>
+              </a:ext>
+            </a:extLst>
+          </p:cNvPr>
+          <p:cNvSpPr/>
+          <p:nvPr/>
+        </p:nvSpPr>
+        <p:spPr>
+          <a:xfrm>
+            <a:off x="10714713" y="4150671"/>
+            <a:ext cx="1257285" cy="622889"/>
+          </a:xfrm>
+          <a:prstGeom prst="rect">
+            <a:avLst/>
+          </a:prstGeom>
+          <a:solidFill>
+            <a:schemeClr val="accent6">
+              <a:lumMod val="40000"/>
+              <a:lumOff val="60000"/>
+            </a:schemeClr>
+          </a:solidFill>
+          <a:ln>
+            <a:solidFill>
+              <a:schemeClr val="tx1"/>
+            </a:solidFill>
+          </a:ln>
+          <a:effectLst>
+            <a:glow rad="101600">
+              <a:schemeClr val="accent3">
+                <a:satMod val="175000"/>
+                <a:alpha val="40000"/>
+              </a:schemeClr>
+            </a:glow>
+          </a:effectLst>
+        </p:spPr>
+        <p:style>
+          <a:lnRef idx="2">
+            <a:schemeClr val="accent1">
+              <a:shade val="50000"/>
+            </a:schemeClr>
+          </a:lnRef>
+          <a:fillRef idx="1">
+            <a:schemeClr val="accent1"/>
+          </a:fillRef>
+          <a:effectRef idx="0">
+            <a:schemeClr val="accent1"/>
+          </a:effectRef>
+          <a:fontRef idx="minor">
+            <a:schemeClr val="lt1"/>
+          </a:fontRef>
+        </p:style>
+        <p:txBody>
+          <a:bodyPr rtlCol="0" anchor="ctr" anchorCtr="1"/>
+          <a:lstStyle/>
+          <a:p>
+            <a:pPr algn="ctr"/>
+            <a:r>
+              <a:rPr lang="en-US" sz="1400" b="1" dirty="0">
+                <a:solidFill>
+                  <a:schemeClr val="tx1"/>
+                </a:solidFill>
+                <a:latin typeface="LXGW WenKai" panose="02020500000000000000" pitchFamily="18" charset="-120"/>
+                <a:ea typeface="LXGW WenKai" panose="02020500000000000000" pitchFamily="18" charset="-120"/>
+              </a:rPr>
+              <a:t>Flask</a:t>
+            </a:r>
+          </a:p>
+        </p:txBody>
+      </p:sp>
+      <p:sp>
+        <p:nvSpPr>
+          <p:cNvPr id="120" name="Rectangle 119">
+            <a:extLst>
+              <a:ext uri="{FF2B5EF4-FFF2-40B4-BE49-F238E27FC236}">
+                <a16:creationId xmlns:a16="http://schemas.microsoft.com/office/drawing/2014/main" id="{C40EB063-BF22-16F0-2D73-3F7210CA5B33}"/>
+              </a:ext>
+            </a:extLst>
+          </p:cNvPr>
+          <p:cNvSpPr/>
+          <p:nvPr/>
+        </p:nvSpPr>
+        <p:spPr>
+          <a:xfrm>
+            <a:off x="13537630" y="4150671"/>
+            <a:ext cx="1257285" cy="622889"/>
+          </a:xfrm>
+          <a:prstGeom prst="rect">
+            <a:avLst/>
+          </a:prstGeom>
+          <a:solidFill>
+            <a:schemeClr val="accent6">
+              <a:lumMod val="40000"/>
+              <a:lumOff val="60000"/>
+            </a:schemeClr>
+          </a:solidFill>
+          <a:ln>
+            <a:solidFill>
+              <a:schemeClr val="tx1"/>
+            </a:solidFill>
+          </a:ln>
+          <a:effectLst>
+            <a:glow rad="101600">
+              <a:schemeClr val="accent3">
+                <a:satMod val="175000"/>
+                <a:alpha val="40000"/>
+              </a:schemeClr>
+            </a:glow>
+          </a:effectLst>
+        </p:spPr>
+        <p:style>
+          <a:lnRef idx="2">
+            <a:schemeClr val="accent1">
+              <a:shade val="50000"/>
+            </a:schemeClr>
+          </a:lnRef>
+          <a:fillRef idx="1">
+            <a:schemeClr val="accent1"/>
+          </a:fillRef>
+          <a:effectRef idx="0">
+            <a:schemeClr val="accent1"/>
+          </a:effectRef>
+          <a:fontRef idx="minor">
+            <a:schemeClr val="lt1"/>
+          </a:fontRef>
+        </p:style>
+        <p:txBody>
+          <a:bodyPr rtlCol="0" anchor="ctr" anchorCtr="1"/>
+          <a:lstStyle/>
+          <a:p>
+            <a:pPr algn="ctr"/>
+            <a:r>
+              <a:rPr lang="en-US" sz="1400" b="1" dirty="0">
+                <a:solidFill>
+                  <a:schemeClr val="tx1"/>
+                </a:solidFill>
+                <a:latin typeface="LXGW WenKai" panose="02020500000000000000" pitchFamily="18" charset="-120"/>
+                <a:ea typeface="LXGW WenKai" panose="02020500000000000000" pitchFamily="18" charset="-120"/>
+              </a:rPr>
+              <a:t>Vue</a:t>
+            </a:r>
+          </a:p>
+        </p:txBody>
+      </p:sp>
+      <p:sp>
+        <p:nvSpPr>
+          <p:cNvPr id="144" name="文本框 58">
+            <a:extLst>
+              <a:ext uri="{FF2B5EF4-FFF2-40B4-BE49-F238E27FC236}">
+                <a16:creationId xmlns:a16="http://schemas.microsoft.com/office/drawing/2014/main" id="{2F6C8C8E-F5B0-8BE4-C170-78961834400E}"/>
+              </a:ext>
+            </a:extLst>
+          </p:cNvPr>
+          <p:cNvSpPr txBox="1"/>
+          <p:nvPr/>
+        </p:nvSpPr>
+        <p:spPr>
+          <a:xfrm>
+            <a:off x="13132984" y="5975749"/>
+            <a:ext cx="2066578" cy="314683"/>
+          </a:xfrm>
+          <a:prstGeom prst="rect">
+            <a:avLst/>
+          </a:prstGeom>
+          <a:noFill/>
+          <a:ln>
+            <a:solidFill>
+              <a:schemeClr val="accent2">
+                <a:lumMod val="75000"/>
+              </a:schemeClr>
+            </a:solidFill>
+            <a:prstDash val="dash"/>
+          </a:ln>
+        </p:spPr>
+        <p:txBody>
+          <a:bodyPr wrap="square" lIns="72000" tIns="72000" rIns="72000" bIns="72000" rtlCol="0">
+            <a:spAutoFit/>
+          </a:bodyPr>
+          <a:lstStyle/>
+          <a:p>
+            <a:pPr algn="ctr"/>
+            <a:r>
+              <a:rPr lang="en-US" altLang="zh-CN" sz="1100" dirty="0">
+                <a:latin typeface="LXGW WenKai Mono" panose="02020509000000000000" pitchFamily="49" charset="-122"/>
+                <a:ea typeface="LXGW WenKai Mono" panose="02020509000000000000" pitchFamily="49" charset="-122"/>
+              </a:rPr>
+              <a:t>Display</a:t>
+            </a:r>
+            <a:endParaRPr lang="zh-CN" altLang="en-US" sz="1100" dirty="0">
+              <a:latin typeface="LXGW WenKai Mono" panose="02020509000000000000" pitchFamily="49" charset="-122"/>
+              <a:ea typeface="LXGW WenKai Mono" panose="02020509000000000000" pitchFamily="49" charset="-122"/>
+            </a:endParaRPr>
+          </a:p>
+        </p:txBody>
+      </p:sp>
+      <p:sp>
+        <p:nvSpPr>
+          <p:cNvPr id="145" name="Rectangle 144">
+            <a:extLst>
+              <a:ext uri="{FF2B5EF4-FFF2-40B4-BE49-F238E27FC236}">
+                <a16:creationId xmlns:a16="http://schemas.microsoft.com/office/drawing/2014/main" id="{E65CFF81-F17B-FA6F-3125-E8792590EA25}"/>
+              </a:ext>
+            </a:extLst>
+          </p:cNvPr>
+          <p:cNvSpPr/>
+          <p:nvPr/>
+        </p:nvSpPr>
+        <p:spPr>
+          <a:xfrm>
+            <a:off x="15860149" y="4150671"/>
+            <a:ext cx="1257285" cy="622889"/>
+          </a:xfrm>
+          <a:prstGeom prst="rect">
+            <a:avLst/>
+          </a:prstGeom>
+          <a:solidFill>
+            <a:schemeClr val="accent6">
+              <a:lumMod val="20000"/>
+              <a:lumOff val="80000"/>
+            </a:schemeClr>
+          </a:solidFill>
+          <a:ln>
+            <a:solidFill>
+              <a:schemeClr val="tx1"/>
+            </a:solidFill>
+          </a:ln>
+          <a:effectLst>
+            <a:glow rad="101600">
+              <a:schemeClr val="accent3">
+                <a:satMod val="175000"/>
+                <a:alpha val="40000"/>
+              </a:schemeClr>
+            </a:glow>
+          </a:effectLst>
+        </p:spPr>
+        <p:style>
+          <a:lnRef idx="2">
+            <a:schemeClr val="accent1">
+              <a:shade val="50000"/>
+            </a:schemeClr>
+          </a:lnRef>
+          <a:fillRef idx="1">
+            <a:schemeClr val="accent1"/>
+          </a:fillRef>
+          <a:effectRef idx="0">
+            <a:schemeClr val="accent1"/>
+          </a:effectRef>
+          <a:fontRef idx="minor">
+            <a:schemeClr val="lt1"/>
+          </a:fontRef>
+        </p:style>
+        <p:txBody>
+          <a:bodyPr rtlCol="0" anchor="ctr" anchorCtr="1"/>
+          <a:lstStyle/>
+          <a:p>
+            <a:pPr algn="ctr"/>
+            <a:r>
+              <a:rPr lang="en-US" sz="1400" b="1" dirty="0">
+                <a:solidFill>
+                  <a:schemeClr val="tx1"/>
+                </a:solidFill>
+                <a:latin typeface="LXGW WenKai" panose="02020500000000000000" pitchFamily="18" charset="-120"/>
+                <a:ea typeface="LXGW WenKai" panose="02020500000000000000" pitchFamily="18" charset="-120"/>
+              </a:rPr>
+              <a:t>User Input</a:t>
+            </a:r>
+          </a:p>
+        </p:txBody>
+      </p:sp>
+      <p:cxnSp>
+        <p:nvCxnSpPr>
+          <p:cNvPr id="146" name="Straight Arrow Connector 145">
+            <a:extLst>
+              <a:ext uri="{FF2B5EF4-FFF2-40B4-BE49-F238E27FC236}">
+                <a16:creationId xmlns:a16="http://schemas.microsoft.com/office/drawing/2014/main" id="{C5C9EF61-747C-0E8B-F81E-64E0E33934C5}"/>
+              </a:ext>
+            </a:extLst>
+          </p:cNvPr>
+          <p:cNvCxnSpPr>
+            <a:cxnSpLocks/>
+            <a:stCxn id="145" idx="1"/>
+            <a:endCxn id="120" idx="3"/>
+          </p:cNvCxnSpPr>
+          <p:nvPr/>
+        </p:nvCxnSpPr>
+        <p:spPr>
+          <a:xfrm flipH="1">
+            <a:off x="14794915" y="4462116"/>
+            <a:ext cx="1065234" cy="0"/>
+          </a:xfrm>
+          <a:prstGeom prst="straightConnector1">
+            <a:avLst/>
+          </a:prstGeom>
+          <a:ln w="9525">
+            <a:solidFill>
+              <a:schemeClr val="tx1"/>
+            </a:solidFill>
+            <a:headEnd type="none"/>
+            <a:tailEnd type="triangle"/>
+          </a:ln>
+          <a:effectLst>
+            <a:outerShdw blurRad="63500" sx="102000" sy="102000" algn="ctr" rotWithShape="0">
+              <a:prstClr val="black">
+                <a:alpha val="40000"/>
+              </a:prstClr>
+            </a:outerShdw>
+          </a:effectLst>
+        </p:spPr>
+        <p:style>
+          <a:lnRef idx="1">
+            <a:schemeClr val="accent1"/>
+          </a:lnRef>
+          <a:fillRef idx="0">
+            <a:schemeClr val="accent1"/>
+          </a:fillRef>
+          <a:effectRef idx="0">
+            <a:schemeClr val="accent1"/>
+          </a:effectRef>
+          <a:fontRef idx="minor">
+            <a:schemeClr val="tx1"/>
+          </a:fontRef>
+        </p:style>
+      </p:cxnSp>
+      <p:sp>
+        <p:nvSpPr>
+          <p:cNvPr id="151" name="Rectangle 150">
+            <a:extLst>
+              <a:ext uri="{FF2B5EF4-FFF2-40B4-BE49-F238E27FC236}">
+                <a16:creationId xmlns:a16="http://schemas.microsoft.com/office/drawing/2014/main" id="{AA91EC90-0515-213D-0D07-555442B5F342}"/>
+              </a:ext>
+            </a:extLst>
+          </p:cNvPr>
+          <p:cNvSpPr/>
+          <p:nvPr/>
+        </p:nvSpPr>
+        <p:spPr>
+          <a:xfrm>
+            <a:off x="4829676" y="4150671"/>
+            <a:ext cx="1257285" cy="622889"/>
+          </a:xfrm>
+          <a:prstGeom prst="rect">
+            <a:avLst/>
+          </a:prstGeom>
+          <a:solidFill>
+            <a:schemeClr val="accent6">
+              <a:lumMod val="40000"/>
+              <a:lumOff val="60000"/>
+            </a:schemeClr>
+          </a:solidFill>
+          <a:ln>
+            <a:solidFill>
+              <a:schemeClr val="tx1"/>
+            </a:solidFill>
+          </a:ln>
+          <a:effectLst>
+            <a:glow rad="101600">
+              <a:schemeClr val="accent3">
+                <a:satMod val="175000"/>
+                <a:alpha val="40000"/>
+              </a:schemeClr>
+            </a:glow>
+          </a:effectLst>
+        </p:spPr>
+        <p:style>
+          <a:lnRef idx="2">
+            <a:schemeClr val="accent1">
+              <a:shade val="50000"/>
+            </a:schemeClr>
+          </a:lnRef>
+          <a:fillRef idx="1">
+            <a:schemeClr val="accent1"/>
+          </a:fillRef>
+          <a:effectRef idx="0">
+            <a:schemeClr val="accent1"/>
+          </a:effectRef>
+          <a:fontRef idx="minor">
+            <a:schemeClr val="lt1"/>
+          </a:fontRef>
+        </p:style>
+        <p:txBody>
+          <a:bodyPr rtlCol="0" anchor="ctr" anchorCtr="1"/>
+          <a:lstStyle/>
+          <a:p>
+            <a:pPr algn="ctr"/>
+            <a:r>
+              <a:rPr lang="en-US" sz="1400" b="1" dirty="0">
+                <a:solidFill>
+                  <a:schemeClr val="tx1"/>
+                </a:solidFill>
+                <a:latin typeface="LXGW WenKai" panose="02020500000000000000" pitchFamily="18" charset="-120"/>
+                <a:ea typeface="LXGW WenKai" panose="02020500000000000000" pitchFamily="18" charset="-120"/>
+              </a:rPr>
+              <a:t>API</a:t>
+            </a:r>
+          </a:p>
+        </p:txBody>
+      </p:sp>
+      <p:cxnSp>
+        <p:nvCxnSpPr>
+          <p:cNvPr id="152" name="Straight Arrow Connector 151">
+            <a:extLst>
+              <a:ext uri="{FF2B5EF4-FFF2-40B4-BE49-F238E27FC236}">
+                <a16:creationId xmlns:a16="http://schemas.microsoft.com/office/drawing/2014/main" id="{3C0B9817-99D9-DCAB-9A73-2369012F8F55}"/>
+              </a:ext>
+            </a:extLst>
+          </p:cNvPr>
+          <p:cNvCxnSpPr>
+            <a:cxnSpLocks/>
+            <a:stCxn id="92" idx="1"/>
+            <a:endCxn id="151" idx="3"/>
+          </p:cNvCxnSpPr>
+          <p:nvPr/>
+        </p:nvCxnSpPr>
+        <p:spPr>
+          <a:xfrm flipH="1" flipV="1">
+            <a:off x="6086961" y="4462116"/>
+            <a:ext cx="1858623" cy="2"/>
+          </a:xfrm>
+          <a:prstGeom prst="straightConnector1">
+            <a:avLst/>
+          </a:prstGeom>
+          <a:ln w="9525">
+            <a:solidFill>
+              <a:schemeClr val="tx1"/>
+            </a:solidFill>
+            <a:headEnd type="triangle"/>
+            <a:tailEnd type="triangle"/>
+          </a:ln>
+          <a:effectLst>
+            <a:outerShdw blurRad="63500" sx="102000" sy="102000" algn="ctr" rotWithShape="0">
+              <a:prstClr val="black">
+                <a:alpha val="40000"/>
+              </a:prstClr>
+            </a:outerShdw>
+          </a:effectLst>
+        </p:spPr>
+        <p:style>
+          <a:lnRef idx="1">
+            <a:schemeClr val="accent1"/>
+          </a:lnRef>
+          <a:fillRef idx="0">
+            <a:schemeClr val="accent1"/>
+          </a:fillRef>
+          <a:effectRef idx="0">
+            <a:schemeClr val="accent1"/>
+          </a:effectRef>
+          <a:fontRef idx="minor">
+            <a:schemeClr val="tx1"/>
+          </a:fontRef>
+        </p:style>
+      </p:cxnSp>
+      <p:cxnSp>
+        <p:nvCxnSpPr>
+          <p:cNvPr id="155" name="Straight Arrow Connector 154">
+            <a:extLst>
+              <a:ext uri="{FF2B5EF4-FFF2-40B4-BE49-F238E27FC236}">
+                <a16:creationId xmlns:a16="http://schemas.microsoft.com/office/drawing/2014/main" id="{C7E4228C-9E83-825F-C95C-659B5E90C328}"/>
+              </a:ext>
+            </a:extLst>
+          </p:cNvPr>
+          <p:cNvCxnSpPr>
+            <a:cxnSpLocks/>
+            <a:stCxn id="43" idx="0"/>
+            <a:endCxn id="151" idx="2"/>
+          </p:cNvCxnSpPr>
+          <p:nvPr/>
+        </p:nvCxnSpPr>
+        <p:spPr>
+          <a:xfrm flipH="1" flipV="1">
+            <a:off x="5458319" y="4773560"/>
+            <a:ext cx="1" cy="678818"/>
+          </a:xfrm>
+          <a:prstGeom prst="straightConnector1">
+            <a:avLst/>
+          </a:prstGeom>
+          <a:ln w="9525">
+            <a:solidFill>
+              <a:schemeClr val="tx1"/>
+            </a:solidFill>
+            <a:prstDash val="dash"/>
+            <a:headEnd type="none"/>
+            <a:tailEnd type="none"/>
+          </a:ln>
+          <a:effectLst>
+            <a:outerShdw blurRad="63500" sx="102000" sy="102000" algn="ctr" rotWithShape="0">
+              <a:prstClr val="black">
+                <a:alpha val="40000"/>
+              </a:prstClr>
+            </a:outerShdw>
+          </a:effectLst>
+        </p:spPr>
+        <p:style>
+          <a:lnRef idx="1">
+            <a:schemeClr val="accent1"/>
+          </a:lnRef>
+          <a:fillRef idx="0">
+            <a:schemeClr val="accent1"/>
+          </a:fillRef>
+          <a:effectRef idx="0">
+            <a:schemeClr val="accent1"/>
+          </a:effectRef>
+          <a:fontRef idx="minor">
+            <a:schemeClr val="tx1"/>
+          </a:fontRef>
+        </p:style>
+      </p:cxnSp>
+      <p:sp>
+        <p:nvSpPr>
+          <p:cNvPr id="159" name="文本框 17">
+            <a:extLst>
+              <a:ext uri="{FF2B5EF4-FFF2-40B4-BE49-F238E27FC236}">
+                <a16:creationId xmlns:a16="http://schemas.microsoft.com/office/drawing/2014/main" id="{8E830C1D-35F3-FF90-29DF-1708BCC5B2B1}"/>
+              </a:ext>
+            </a:extLst>
+          </p:cNvPr>
+          <p:cNvSpPr txBox="1"/>
+          <p:nvPr/>
+        </p:nvSpPr>
+        <p:spPr>
+          <a:xfrm>
+            <a:off x="7122940" y="2125100"/>
+            <a:ext cx="2902571" cy="1684289"/>
+          </a:xfrm>
+          <a:prstGeom prst="rect">
+            <a:avLst/>
+          </a:prstGeom>
+          <a:noFill/>
+          <a:ln>
+            <a:solidFill>
+              <a:schemeClr val="tx1">
+                <a:lumMod val="50000"/>
+                <a:lumOff val="50000"/>
+              </a:schemeClr>
+            </a:solidFill>
+            <a:prstDash val="dash"/>
+          </a:ln>
+        </p:spPr>
+        <p:txBody>
+          <a:bodyPr wrap="none" lIns="72000" tIns="72000" rIns="72000" bIns="72000" rtlCol="0">
+            <a:spAutoFit/>
+          </a:bodyPr>
+          <a:lstStyle/>
+          <a:p>
+            <a:r>
+              <a:rPr lang="en-US" altLang="zh-CN" sz="1000" dirty="0">
+                <a:latin typeface="LXGW WenKai Mono" panose="02020509000000000000" pitchFamily="49" charset="-122"/>
+                <a:ea typeface="LXGW WenKai Mono" panose="02020509000000000000" pitchFamily="49" charset="-122"/>
+              </a:rPr>
+              <a:t>@app.route(“/api/chat”, methos=[“POST”])</a:t>
+            </a:r>
+          </a:p>
+          <a:p>
+            <a:r>
+              <a:rPr lang="en-US" altLang="zh-CN" sz="1000" dirty="0">
+                <a:latin typeface="LXGW WenKai Mono" panose="02020509000000000000" pitchFamily="49" charset="-122"/>
+                <a:ea typeface="LXGW WenKai Mono" panose="02020509000000000000" pitchFamily="49" charset="-122"/>
+              </a:rPr>
+              <a:t>...</a:t>
+            </a:r>
+          </a:p>
+          <a:p>
+            <a:endParaRPr lang="en-US" altLang="zh-CN" sz="1000" dirty="0">
+              <a:latin typeface="LXGW WenKai Mono" panose="02020509000000000000" pitchFamily="49" charset="-122"/>
+              <a:ea typeface="LXGW WenKai Mono" panose="02020509000000000000" pitchFamily="49" charset="-122"/>
+            </a:endParaRPr>
+          </a:p>
+          <a:p>
+            <a:r>
+              <a:rPr lang="en-US" altLang="zh-CN" sz="1000" dirty="0" err="1">
+                <a:latin typeface="LXGW WenKai Mono" panose="02020509000000000000" pitchFamily="49" charset="-122"/>
+                <a:ea typeface="LXGW WenKai Mono" panose="02020509000000000000" pitchFamily="49" charset="-122"/>
+              </a:rPr>
+              <a:t>respone</a:t>
+            </a:r>
+            <a:r>
+              <a:rPr lang="en-US" altLang="zh-CN" sz="1000" dirty="0">
+                <a:latin typeface="LXGW WenKai Mono" panose="02020509000000000000" pitchFamily="49" charset="-122"/>
+                <a:ea typeface="LXGW WenKai Mono" panose="02020509000000000000" pitchFamily="49" charset="-122"/>
+              </a:rPr>
+              <a:t> = </a:t>
+            </a:r>
+            <a:r>
+              <a:rPr lang="en-US" altLang="zh-CN" sz="1000" dirty="0" err="1">
+                <a:latin typeface="LXGW WenKai Mono" panose="02020509000000000000" pitchFamily="49" charset="-122"/>
+                <a:ea typeface="LXGW WenKai Mono" panose="02020509000000000000" pitchFamily="49" charset="-122"/>
+              </a:rPr>
+              <a:t>self.chat</a:t>
+            </a:r>
+            <a:r>
+              <a:rPr lang="en-US" altLang="zh-CN" sz="1000" dirty="0">
+                <a:latin typeface="LXGW WenKai Mono" panose="02020509000000000000" pitchFamily="49" charset="-122"/>
+                <a:ea typeface="LXGW WenKai Mono" panose="02020509000000000000" pitchFamily="49" charset="-122"/>
+              </a:rPr>
+              <a:t>(messages, stream=True)</a:t>
+            </a:r>
+          </a:p>
+          <a:p>
+            <a:r>
+              <a:rPr lang="en-US" altLang="zh-CN" sz="1000" dirty="0">
+                <a:latin typeface="LXGW WenKai Mono" panose="02020509000000000000" pitchFamily="49" charset="-122"/>
+                <a:ea typeface="LXGW WenKai Mono" panose="02020509000000000000" pitchFamily="49" charset="-122"/>
+              </a:rPr>
+              <a:t>for chunk in </a:t>
+            </a:r>
+            <a:r>
+              <a:rPr lang="en-US" altLang="zh-CN" sz="1000" dirty="0" err="1">
+                <a:latin typeface="LXGW WenKai Mono" panose="02020509000000000000" pitchFamily="49" charset="-122"/>
+                <a:ea typeface="LXGW WenKai Mono" panose="02020509000000000000" pitchFamily="49" charset="-122"/>
+              </a:rPr>
+              <a:t>response.iter_lines</a:t>
+            </a:r>
+            <a:r>
+              <a:rPr lang="en-US" altLang="zh-CN" sz="1000" dirty="0">
+                <a:latin typeface="LXGW WenKai Mono" panose="02020509000000000000" pitchFamily="49" charset="-122"/>
+                <a:ea typeface="LXGW WenKai Mono" panose="02020509000000000000" pitchFamily="49" charset="-122"/>
+              </a:rPr>
+              <a:t>():</a:t>
+            </a:r>
+          </a:p>
+          <a:p>
+            <a:r>
+              <a:rPr lang="en-US" altLang="zh-CN" sz="1000" dirty="0">
+                <a:latin typeface="LXGW WenKai Mono" panose="02020509000000000000" pitchFamily="49" charset="-122"/>
+                <a:ea typeface="LXGW WenKai Mono" panose="02020509000000000000" pitchFamily="49" charset="-122"/>
+              </a:rPr>
+              <a:t>    </a:t>
+            </a:r>
+            <a:r>
+              <a:rPr lang="en-US" altLang="zh-CN" sz="1000" dirty="0" err="1">
+                <a:latin typeface="LXGW WenKai Mono" panose="02020509000000000000" pitchFamily="49" charset="-122"/>
+                <a:ea typeface="LXGW WenKai Mono" panose="02020509000000000000" pitchFamily="49" charset="-122"/>
+              </a:rPr>
+              <a:t>chunk_str</a:t>
+            </a:r>
+            <a:r>
+              <a:rPr lang="en-US" altLang="zh-CN" sz="1000" dirty="0">
+                <a:latin typeface="LXGW WenKai Mono" panose="02020509000000000000" pitchFamily="49" charset="-122"/>
+                <a:ea typeface="LXGW WenKai Mono" panose="02020509000000000000" pitchFamily="49" charset="-122"/>
+              </a:rPr>
+              <a:t> = </a:t>
+            </a:r>
+            <a:r>
+              <a:rPr lang="en-US" altLang="zh-CN" sz="1000" dirty="0" err="1">
+                <a:latin typeface="LXGW WenKai Mono" panose="02020509000000000000" pitchFamily="49" charset="-122"/>
+                <a:ea typeface="LXGW WenKai Mono" panose="02020509000000000000" pitchFamily="49" charset="-122"/>
+              </a:rPr>
+              <a:t>chunk.decode</a:t>
+            </a:r>
+            <a:r>
+              <a:rPr lang="en-US" altLang="zh-CN" sz="1000" dirty="0">
+                <a:latin typeface="LXGW WenKai Mono" panose="02020509000000000000" pitchFamily="49" charset="-122"/>
+                <a:ea typeface="LXGW WenKai Mono" panose="02020509000000000000" pitchFamily="49" charset="-122"/>
+              </a:rPr>
+              <a:t>(“utf-8”)</a:t>
+            </a:r>
+          </a:p>
+          <a:p>
+            <a:r>
+              <a:rPr lang="en-US" altLang="zh-CN" sz="1000" dirty="0">
+                <a:solidFill>
+                  <a:schemeClr val="tx1">
+                    <a:lumMod val="50000"/>
+                    <a:lumOff val="50000"/>
+                  </a:schemeClr>
+                </a:solidFill>
+                <a:latin typeface="LXGW WenKai Mono" panose="02020509000000000000" pitchFamily="49" charset="-122"/>
+                <a:ea typeface="LXGW WenKai Mono" panose="02020509000000000000" pitchFamily="49" charset="-122"/>
+              </a:rPr>
+              <a:t>    … # check chunk valid</a:t>
+            </a:r>
+          </a:p>
+          <a:p>
+            <a:r>
+              <a:rPr lang="en-US" altLang="zh-CN" sz="1000" dirty="0">
+                <a:latin typeface="LXGW WenKai Mono" panose="02020509000000000000" pitchFamily="49" charset="-122"/>
+                <a:ea typeface="LXGW WenKai Mono" panose="02020509000000000000" pitchFamily="49" charset="-122"/>
+              </a:rPr>
+              <a:t>    </a:t>
+            </a:r>
+            <a:r>
+              <a:rPr lang="en-US" altLang="zh-CN" sz="1000" dirty="0" err="1">
+                <a:latin typeface="LXGW WenKai Mono" panose="02020509000000000000" pitchFamily="49" charset="-122"/>
+                <a:ea typeface="LXGW WenKai Mono" panose="02020509000000000000" pitchFamily="49" charset="-122"/>
+              </a:rPr>
+              <a:t>chunk_data</a:t>
+            </a:r>
+            <a:r>
+              <a:rPr lang="en-US" altLang="zh-CN" sz="1000" dirty="0">
+                <a:latin typeface="LXGW WenKai Mono" panose="02020509000000000000" pitchFamily="49" charset="-122"/>
+                <a:ea typeface="LXGW WenKai Mono" panose="02020509000000000000" pitchFamily="49" charset="-122"/>
+              </a:rPr>
+              <a:t> = </a:t>
+            </a:r>
+            <a:r>
+              <a:rPr lang="en-US" altLang="zh-CN" sz="1000" dirty="0" err="1">
+                <a:latin typeface="LXGW WenKai Mono" panose="02020509000000000000" pitchFamily="49" charset="-122"/>
+                <a:ea typeface="LXGW WenKai Mono" panose="02020509000000000000" pitchFamily="49" charset="-122"/>
+              </a:rPr>
+              <a:t>json.loads</a:t>
+            </a:r>
+            <a:r>
+              <a:rPr lang="en-US" altLang="zh-CN" sz="1000" dirty="0">
+                <a:latin typeface="LXGW WenKai Mono" panose="02020509000000000000" pitchFamily="49" charset="-122"/>
+                <a:ea typeface="LXGW WenKai Mono" panose="02020509000000000000" pitchFamily="49" charset="-122"/>
+              </a:rPr>
+              <a:t>(</a:t>
+            </a:r>
+            <a:r>
+              <a:rPr lang="en-US" altLang="zh-CN" sz="1000" dirty="0" err="1">
+                <a:latin typeface="LXGW WenKai Mono" panose="02020509000000000000" pitchFamily="49" charset="-122"/>
+                <a:ea typeface="LXGW WenKai Mono" panose="02020509000000000000" pitchFamily="49" charset="-122"/>
+              </a:rPr>
+              <a:t>chunk_str</a:t>
+            </a:r>
+            <a:r>
+              <a:rPr lang="en-US" altLang="zh-CN" sz="1000" dirty="0">
+                <a:latin typeface="LXGW WenKai Mono" panose="02020509000000000000" pitchFamily="49" charset="-122"/>
+                <a:ea typeface="LXGW WenKai Mono" panose="02020509000000000000" pitchFamily="49" charset="-122"/>
+              </a:rPr>
+              <a:t>)</a:t>
+            </a:r>
+          </a:p>
+          <a:p>
+            <a:r>
+              <a:rPr lang="en-US" altLang="zh-CN" sz="1000" dirty="0">
+                <a:latin typeface="LXGW WenKai Mono" panose="02020509000000000000" pitchFamily="49" charset="-122"/>
+                <a:ea typeface="LXGW WenKai Mono" panose="02020509000000000000" pitchFamily="49" charset="-122"/>
+              </a:rPr>
+              <a:t>    … </a:t>
+            </a:r>
+            <a:r>
+              <a:rPr lang="en-US" altLang="zh-CN" sz="1000" dirty="0">
+                <a:solidFill>
+                  <a:schemeClr val="tx1">
+                    <a:lumMod val="50000"/>
+                    <a:lumOff val="50000"/>
+                  </a:schemeClr>
+                </a:solidFill>
+                <a:latin typeface="LXGW WenKai Mono" panose="02020509000000000000" pitchFamily="49" charset="-122"/>
+                <a:ea typeface="LXGW WenKai Mono" panose="02020509000000000000" pitchFamily="49" charset="-122"/>
+              </a:rPr>
+              <a:t># process </a:t>
+            </a:r>
+            <a:r>
+              <a:rPr lang="en-US" altLang="zh-CN" sz="1000" dirty="0" err="1">
+                <a:solidFill>
+                  <a:schemeClr val="tx1">
+                    <a:lumMod val="50000"/>
+                    <a:lumOff val="50000"/>
+                  </a:schemeClr>
+                </a:solidFill>
+                <a:latin typeface="LXGW WenKai Mono" panose="02020509000000000000" pitchFamily="49" charset="-122"/>
+                <a:ea typeface="LXGW WenKai Mono" panose="02020509000000000000" pitchFamily="49" charset="-122"/>
+              </a:rPr>
+              <a:t>chunk_data</a:t>
+            </a:r>
+            <a:endParaRPr lang="en-US" altLang="zh-CN" sz="1000" dirty="0">
+              <a:solidFill>
+                <a:schemeClr val="tx1">
+                  <a:lumMod val="50000"/>
+                  <a:lumOff val="50000"/>
+                </a:schemeClr>
+              </a:solidFill>
+              <a:latin typeface="LXGW WenKai Mono" panose="02020509000000000000" pitchFamily="49" charset="-122"/>
+              <a:ea typeface="LXGW WenKai Mono" panose="02020509000000000000" pitchFamily="49" charset="-122"/>
+            </a:endParaRPr>
+          </a:p>
+          <a:p>
+            <a:r>
+              <a:rPr lang="en-US" altLang="zh-CN" sz="1000" dirty="0">
+                <a:latin typeface="LXGW WenKai Mono" panose="02020509000000000000" pitchFamily="49" charset="-122"/>
+                <a:ea typeface="LXGW WenKai Mono" panose="02020509000000000000" pitchFamily="49" charset="-122"/>
+              </a:rPr>
+              <a:t>    </a:t>
+            </a:r>
+            <a:r>
+              <a:rPr lang="en-US" altLang="zh-CN" sz="1000" dirty="0" err="1">
+                <a:latin typeface="LXGW WenKai Mono" panose="02020509000000000000" pitchFamily="49" charset="-122"/>
+                <a:ea typeface="LXGW WenKai Mono" panose="02020509000000000000" pitchFamily="49" charset="-122"/>
+              </a:rPr>
+              <a:t>requests.post</a:t>
+            </a:r>
+            <a:r>
+              <a:rPr lang="en-US" altLang="zh-CN" sz="1000" dirty="0">
+                <a:latin typeface="LXGW WenKai Mono" panose="02020509000000000000" pitchFamily="49" charset="-122"/>
+                <a:ea typeface="LXGW WenKai Mono" panose="02020509000000000000" pitchFamily="49" charset="-122"/>
+              </a:rPr>
+              <a:t>(…) </a:t>
+            </a:r>
+            <a:r>
+              <a:rPr lang="en-US" altLang="zh-CN" sz="1000" dirty="0">
+                <a:solidFill>
+                  <a:schemeClr val="tx1">
+                    <a:lumMod val="50000"/>
+                    <a:lumOff val="50000"/>
+                  </a:schemeClr>
+                </a:solidFill>
+                <a:latin typeface="LXGW WenKai Mono" panose="02020509000000000000" pitchFamily="49" charset="-122"/>
+                <a:ea typeface="LXGW WenKai Mono" panose="02020509000000000000" pitchFamily="49" charset="-122"/>
+              </a:rPr>
+              <a:t># POST to </a:t>
+            </a:r>
+            <a:r>
+              <a:rPr lang="en-US" altLang="zh-CN" sz="1000" dirty="0" err="1">
+                <a:solidFill>
+                  <a:schemeClr val="tx1">
+                    <a:lumMod val="50000"/>
+                    <a:lumOff val="50000"/>
+                  </a:schemeClr>
+                </a:solidFill>
+                <a:latin typeface="LXGW WenKai Mono" panose="02020509000000000000" pitchFamily="49" charset="-122"/>
+                <a:ea typeface="LXGW WenKai Mono" panose="02020509000000000000" pitchFamily="49" charset="-122"/>
+              </a:rPr>
+              <a:t>WebUI</a:t>
+            </a:r>
+            <a:r>
+              <a:rPr lang="en-US" altLang="zh-CN" sz="1000" dirty="0">
+                <a:solidFill>
+                  <a:schemeClr val="tx1">
+                    <a:lumMod val="50000"/>
+                    <a:lumOff val="50000"/>
+                  </a:schemeClr>
+                </a:solidFill>
+                <a:latin typeface="LXGW WenKai Mono" panose="02020509000000000000" pitchFamily="49" charset="-122"/>
+                <a:ea typeface="LXGW WenKai Mono" panose="02020509000000000000" pitchFamily="49" charset="-122"/>
+              </a:rPr>
+              <a:t> flask</a:t>
+            </a:r>
+            <a:endParaRPr lang="zh-CN" altLang="en-US" sz="1000" dirty="0">
+              <a:solidFill>
+                <a:schemeClr val="tx1">
+                  <a:lumMod val="50000"/>
+                  <a:lumOff val="50000"/>
+                </a:schemeClr>
+              </a:solidFill>
+              <a:latin typeface="LXGW WenKai Mono" panose="02020509000000000000" pitchFamily="49" charset="-122"/>
+              <a:ea typeface="LXGW WenKai Mono" panose="02020509000000000000" pitchFamily="49" charset="-122"/>
+            </a:endParaRPr>
+          </a:p>
+        </p:txBody>
+      </p:sp>
+      <p:cxnSp>
+        <p:nvCxnSpPr>
+          <p:cNvPr id="165" name="Connector: Elbow 162">
+            <a:extLst>
+              <a:ext uri="{FF2B5EF4-FFF2-40B4-BE49-F238E27FC236}">
+                <a16:creationId xmlns:a16="http://schemas.microsoft.com/office/drawing/2014/main" id="{93C87ADD-8365-965A-0FEB-1ED27E3B3D42}"/>
+              </a:ext>
+            </a:extLst>
+          </p:cNvPr>
+          <p:cNvCxnSpPr>
+            <a:cxnSpLocks/>
+            <a:stCxn id="159" idx="1"/>
+            <a:endCxn id="151" idx="0"/>
+          </p:cNvCxnSpPr>
+          <p:nvPr/>
+        </p:nvCxnSpPr>
+        <p:spPr>
+          <a:xfrm rot="10800000" flipV="1">
+            <a:off x="5458320" y="2967245"/>
+            <a:ext cx="1664621" cy="1183426"/>
+          </a:xfrm>
+          <a:prstGeom prst="bentConnector2">
+            <a:avLst/>
+          </a:prstGeom>
+          <a:ln w="9525">
+            <a:solidFill>
+              <a:schemeClr val="tx1"/>
+            </a:solidFill>
+            <a:prstDash val="lgDash"/>
+            <a:headEnd type="triangle"/>
+            <a:tailEnd type="triangle"/>
+          </a:ln>
+        </p:spPr>
+        <p:style>
+          <a:lnRef idx="1">
+            <a:schemeClr val="accent1"/>
+          </a:lnRef>
+          <a:fillRef idx="0">
+            <a:schemeClr val="accent1"/>
+          </a:fillRef>
+          <a:effectRef idx="0">
+            <a:schemeClr val="accent1"/>
+          </a:effectRef>
+          <a:fontRef idx="minor">
+            <a:schemeClr val="tx1"/>
+          </a:fontRef>
+        </p:style>
+      </p:cxnSp>
+      <p:cxnSp>
+        <p:nvCxnSpPr>
+          <p:cNvPr id="173" name="Straight Arrow Connector 172">
+            <a:extLst>
+              <a:ext uri="{FF2B5EF4-FFF2-40B4-BE49-F238E27FC236}">
+                <a16:creationId xmlns:a16="http://schemas.microsoft.com/office/drawing/2014/main" id="{FEF4A687-C372-7B7F-F28E-FB54612886A8}"/>
+              </a:ext>
+            </a:extLst>
+          </p:cNvPr>
+          <p:cNvCxnSpPr>
+            <a:cxnSpLocks/>
+            <a:stCxn id="88" idx="2"/>
+            <a:endCxn id="89" idx="0"/>
+          </p:cNvCxnSpPr>
+          <p:nvPr/>
+        </p:nvCxnSpPr>
+        <p:spPr>
+          <a:xfrm flipH="1">
+            <a:off x="8565041" y="7873844"/>
+            <a:ext cx="1" cy="264882"/>
+          </a:xfrm>
+          <a:prstGeom prst="straightConnector1">
+            <a:avLst/>
+          </a:prstGeom>
+          <a:ln w="9525">
+            <a:solidFill>
+              <a:schemeClr val="tx1"/>
+            </a:solidFill>
+            <a:prstDash val="dash"/>
+            <a:headEnd type="none"/>
+            <a:tailEnd type="triangle"/>
+          </a:ln>
+          <a:effectLst>
+            <a:outerShdw blurRad="63500" sx="102000" sy="102000" algn="ctr" rotWithShape="0">
+              <a:prstClr val="black">
+                <a:alpha val="40000"/>
+              </a:prstClr>
+            </a:outerShdw>
+          </a:effectLst>
+        </p:spPr>
+        <p:style>
+          <a:lnRef idx="1">
+            <a:schemeClr val="accent1"/>
+          </a:lnRef>
+          <a:fillRef idx="0">
+            <a:schemeClr val="accent1"/>
+          </a:fillRef>
+          <a:effectRef idx="0">
+            <a:schemeClr val="accent1"/>
+          </a:effectRef>
+          <a:fontRef idx="minor">
+            <a:schemeClr val="tx1"/>
+          </a:fontRef>
+        </p:style>
+      </p:cxnSp>
+      <p:cxnSp>
+        <p:nvCxnSpPr>
+          <p:cNvPr id="174" name="Straight Arrow Connector 173">
+            <a:extLst>
+              <a:ext uri="{FF2B5EF4-FFF2-40B4-BE49-F238E27FC236}">
+                <a16:creationId xmlns:a16="http://schemas.microsoft.com/office/drawing/2014/main" id="{D24FE1A5-A2C4-D905-A642-1626E58856DA}"/>
+              </a:ext>
+            </a:extLst>
+          </p:cNvPr>
+          <p:cNvCxnSpPr>
+            <a:cxnSpLocks/>
+            <a:stCxn id="89" idx="2"/>
+            <a:endCxn id="90" idx="0"/>
+          </p:cNvCxnSpPr>
+          <p:nvPr/>
+        </p:nvCxnSpPr>
+        <p:spPr>
+          <a:xfrm flipH="1">
+            <a:off x="8565040" y="9362138"/>
+            <a:ext cx="1" cy="264882"/>
+          </a:xfrm>
+          <a:prstGeom prst="straightConnector1">
+            <a:avLst/>
+          </a:prstGeom>
+          <a:ln w="9525">
+            <a:solidFill>
+              <a:schemeClr val="tx1"/>
+            </a:solidFill>
+            <a:prstDash val="dash"/>
+            <a:headEnd type="none"/>
+            <a:tailEnd type="triangle"/>
+          </a:ln>
+          <a:effectLst>
+            <a:outerShdw blurRad="63500" sx="102000" sy="102000" algn="ctr" rotWithShape="0">
+              <a:prstClr val="black">
+                <a:alpha val="40000"/>
+              </a:prstClr>
+            </a:outerShdw>
+          </a:effectLst>
+        </p:spPr>
+        <p:style>
+          <a:lnRef idx="1">
+            <a:schemeClr val="accent1"/>
+          </a:lnRef>
+          <a:fillRef idx="0">
+            <a:schemeClr val="accent1"/>
+          </a:fillRef>
+          <a:effectRef idx="0">
+            <a:schemeClr val="accent1"/>
+          </a:effectRef>
+          <a:fontRef idx="minor">
+            <a:schemeClr val="tx1"/>
+          </a:fontRef>
+        </p:style>
+      </p:cxnSp>
+      <p:cxnSp>
+        <p:nvCxnSpPr>
+          <p:cNvPr id="192" name="Straight Arrow Connector 191">
+            <a:extLst>
+              <a:ext uri="{FF2B5EF4-FFF2-40B4-BE49-F238E27FC236}">
+                <a16:creationId xmlns:a16="http://schemas.microsoft.com/office/drawing/2014/main" id="{707238BC-B0F9-431F-1BE6-78A030202CC2}"/>
+              </a:ext>
+            </a:extLst>
+          </p:cNvPr>
+          <p:cNvCxnSpPr>
+            <a:cxnSpLocks/>
+            <a:endCxn id="91" idx="0"/>
+          </p:cNvCxnSpPr>
+          <p:nvPr/>
+        </p:nvCxnSpPr>
+        <p:spPr>
+          <a:xfrm>
+            <a:off x="8565039" y="10850432"/>
+            <a:ext cx="0" cy="264882"/>
+          </a:xfrm>
+          <a:prstGeom prst="straightConnector1">
+            <a:avLst/>
+          </a:prstGeom>
+          <a:ln w="9525">
+            <a:solidFill>
+              <a:schemeClr val="tx1"/>
+            </a:solidFill>
+            <a:prstDash val="dash"/>
+            <a:headEnd type="none"/>
+            <a:tailEnd type="triangle"/>
+          </a:ln>
+          <a:effectLst>
+            <a:outerShdw blurRad="63500" sx="102000" sy="102000" algn="ctr" rotWithShape="0">
+              <a:prstClr val="black">
+                <a:alpha val="40000"/>
+              </a:prstClr>
+            </a:outerShdw>
+          </a:effectLst>
+        </p:spPr>
+        <p:style>
+          <a:lnRef idx="1">
+            <a:schemeClr val="accent1"/>
+          </a:lnRef>
+          <a:fillRef idx="0">
+            <a:schemeClr val="accent1"/>
+          </a:fillRef>
+          <a:effectRef idx="0">
+            <a:schemeClr val="accent1"/>
+          </a:effectRef>
+          <a:fontRef idx="minor">
+            <a:schemeClr val="tx1"/>
+          </a:fontRef>
+        </p:style>
+      </p:cxnSp>
+      <p:cxnSp>
+        <p:nvCxnSpPr>
+          <p:cNvPr id="198" name="Straight Arrow Connector 197">
+            <a:extLst>
+              <a:ext uri="{FF2B5EF4-FFF2-40B4-BE49-F238E27FC236}">
+                <a16:creationId xmlns:a16="http://schemas.microsoft.com/office/drawing/2014/main" id="{12EC4D1F-54E0-F19C-3CAF-D91502CB1AD0}"/>
+              </a:ext>
+            </a:extLst>
+          </p:cNvPr>
+          <p:cNvCxnSpPr>
+            <a:cxnSpLocks/>
+            <a:stCxn id="37" idx="3"/>
+            <a:endCxn id="86" idx="1"/>
+          </p:cNvCxnSpPr>
+          <p:nvPr/>
+        </p:nvCxnSpPr>
+        <p:spPr>
+          <a:xfrm>
+            <a:off x="9598331" y="6133091"/>
+            <a:ext cx="711736" cy="0"/>
+          </a:xfrm>
+          <a:prstGeom prst="straightConnector1">
+            <a:avLst/>
+          </a:prstGeom>
+          <a:ln w="9525">
+            <a:solidFill>
+              <a:schemeClr val="tx1"/>
+            </a:solidFill>
+            <a:prstDash val="dash"/>
+            <a:headEnd type="none"/>
+            <a:tailEnd type="triangle"/>
+          </a:ln>
+          <a:effectLst>
+            <a:outerShdw blurRad="63500" sx="102000" sy="102000" algn="ctr" rotWithShape="0">
+              <a:prstClr val="black">
+                <a:alpha val="40000"/>
+              </a:prstClr>
+            </a:outerShdw>
+          </a:effectLst>
+        </p:spPr>
+        <p:style>
+          <a:lnRef idx="1">
+            <a:schemeClr val="accent1"/>
+          </a:lnRef>
+          <a:fillRef idx="0">
+            <a:schemeClr val="accent1"/>
+          </a:fillRef>
+          <a:effectRef idx="0">
+            <a:schemeClr val="accent1"/>
+          </a:effectRef>
+          <a:fontRef idx="minor">
+            <a:schemeClr val="tx1"/>
+          </a:fontRef>
+        </p:style>
+      </p:cxnSp>
+      <p:cxnSp>
+        <p:nvCxnSpPr>
+          <p:cNvPr id="201" name="Straight Arrow Connector 200">
+            <a:extLst>
+              <a:ext uri="{FF2B5EF4-FFF2-40B4-BE49-F238E27FC236}">
+                <a16:creationId xmlns:a16="http://schemas.microsoft.com/office/drawing/2014/main" id="{1D607EB4-D8A4-1026-E5E7-79ADFDCB4E9D}"/>
+              </a:ext>
+            </a:extLst>
+          </p:cNvPr>
+          <p:cNvCxnSpPr>
+            <a:cxnSpLocks/>
+            <a:stCxn id="86" idx="3"/>
+            <a:endCxn id="144" idx="1"/>
+          </p:cNvCxnSpPr>
+          <p:nvPr/>
+        </p:nvCxnSpPr>
+        <p:spPr>
+          <a:xfrm>
+            <a:off x="12376645" y="6133091"/>
+            <a:ext cx="756339" cy="0"/>
+          </a:xfrm>
+          <a:prstGeom prst="straightConnector1">
+            <a:avLst/>
+          </a:prstGeom>
+          <a:ln w="9525">
+            <a:solidFill>
+              <a:schemeClr val="tx1"/>
+            </a:solidFill>
+            <a:prstDash val="dash"/>
+            <a:headEnd type="none"/>
+            <a:tailEnd type="triangle"/>
+          </a:ln>
+          <a:effectLst>
+            <a:outerShdw blurRad="63500" sx="102000" sy="102000" algn="ctr" rotWithShape="0">
+              <a:prstClr val="black">
+                <a:alpha val="40000"/>
+              </a:prstClr>
+            </a:outerShdw>
+          </a:effectLst>
+        </p:spPr>
+        <p:style>
+          <a:lnRef idx="1">
+            <a:schemeClr val="accent1"/>
+          </a:lnRef>
+          <a:fillRef idx="0">
+            <a:schemeClr val="accent1"/>
+          </a:fillRef>
+          <a:effectRef idx="0">
+            <a:schemeClr val="accent1"/>
+          </a:effectRef>
+          <a:fontRef idx="minor">
+            <a:schemeClr val="tx1"/>
+          </a:fontRef>
+        </p:style>
+      </p:cxnSp>
+      <p:cxnSp>
+        <p:nvCxnSpPr>
+          <p:cNvPr id="240" name="Straight Arrow Connector 239">
+            <a:extLst>
+              <a:ext uri="{FF2B5EF4-FFF2-40B4-BE49-F238E27FC236}">
+                <a16:creationId xmlns:a16="http://schemas.microsoft.com/office/drawing/2014/main" id="{7420484A-C64B-2265-105A-21B418F8BF65}"/>
+              </a:ext>
+            </a:extLst>
+          </p:cNvPr>
+          <p:cNvCxnSpPr>
+            <a:cxnSpLocks/>
+            <a:stCxn id="118" idx="1"/>
+            <a:endCxn id="92" idx="3"/>
+          </p:cNvCxnSpPr>
+          <p:nvPr/>
+        </p:nvCxnSpPr>
+        <p:spPr>
+          <a:xfrm flipH="1">
+            <a:off x="9202869" y="4462116"/>
+            <a:ext cx="1511844" cy="2"/>
+          </a:xfrm>
+          <a:prstGeom prst="straightConnector1">
+            <a:avLst/>
+          </a:prstGeom>
+          <a:ln w="9525">
+            <a:solidFill>
+              <a:schemeClr val="tx1"/>
+            </a:solidFill>
+            <a:headEnd type="triangle"/>
+            <a:tailEnd type="triangle"/>
+          </a:ln>
+          <a:effectLst>
+            <a:outerShdw blurRad="63500" sx="102000" sy="102000" algn="ctr" rotWithShape="0">
+              <a:prstClr val="black">
+                <a:alpha val="40000"/>
+              </a:prstClr>
+            </a:outerShdw>
+          </a:effectLst>
+        </p:spPr>
+        <p:style>
+          <a:lnRef idx="1">
+            <a:schemeClr val="accent1"/>
+          </a:lnRef>
+          <a:fillRef idx="0">
+            <a:schemeClr val="accent1"/>
+          </a:fillRef>
+          <a:effectRef idx="0">
+            <a:schemeClr val="accent1"/>
+          </a:effectRef>
+          <a:fontRef idx="minor">
+            <a:schemeClr val="tx1"/>
+          </a:fontRef>
+        </p:style>
+      </p:cxnSp>
+      <p:cxnSp>
+        <p:nvCxnSpPr>
+          <p:cNvPr id="243" name="Straight Arrow Connector 242">
+            <a:extLst>
+              <a:ext uri="{FF2B5EF4-FFF2-40B4-BE49-F238E27FC236}">
+                <a16:creationId xmlns:a16="http://schemas.microsoft.com/office/drawing/2014/main" id="{8E26FE84-5ABC-CD07-E6D3-83D2F5E4D69F}"/>
+              </a:ext>
+            </a:extLst>
+          </p:cNvPr>
+          <p:cNvCxnSpPr>
+            <a:cxnSpLocks/>
+            <a:stCxn id="120" idx="1"/>
+            <a:endCxn id="118" idx="3"/>
+          </p:cNvCxnSpPr>
+          <p:nvPr/>
+        </p:nvCxnSpPr>
+        <p:spPr>
+          <a:xfrm flipH="1">
+            <a:off x="11971998" y="4462116"/>
+            <a:ext cx="1565632" cy="0"/>
+          </a:xfrm>
+          <a:prstGeom prst="straightConnector1">
+            <a:avLst/>
+          </a:prstGeom>
+          <a:ln w="9525">
+            <a:solidFill>
+              <a:schemeClr val="tx1"/>
+            </a:solidFill>
+            <a:headEnd type="triangle"/>
+            <a:tailEnd type="triangle"/>
+          </a:ln>
+          <a:effectLst>
+            <a:outerShdw blurRad="63500" sx="102000" sy="102000" algn="ctr" rotWithShape="0">
+              <a:prstClr val="black">
+                <a:alpha val="40000"/>
+              </a:prstClr>
+            </a:outerShdw>
+          </a:effectLst>
+        </p:spPr>
+        <p:style>
+          <a:lnRef idx="1">
+            <a:schemeClr val="accent1"/>
+          </a:lnRef>
+          <a:fillRef idx="0">
+            <a:schemeClr val="accent1"/>
+          </a:fillRef>
+          <a:effectRef idx="0">
+            <a:schemeClr val="accent1"/>
+          </a:effectRef>
+          <a:fontRef idx="minor">
+            <a:schemeClr val="tx1"/>
+          </a:fontRef>
+        </p:style>
+      </p:cxnSp>
+      <p:cxnSp>
+        <p:nvCxnSpPr>
+          <p:cNvPr id="246" name="Straight Arrow Connector 245">
+            <a:extLst>
+              <a:ext uri="{FF2B5EF4-FFF2-40B4-BE49-F238E27FC236}">
+                <a16:creationId xmlns:a16="http://schemas.microsoft.com/office/drawing/2014/main" id="{C2304CA8-C521-B12E-93EA-0C704BAAA209}"/>
+              </a:ext>
+            </a:extLst>
+          </p:cNvPr>
+          <p:cNvCxnSpPr>
+            <a:cxnSpLocks/>
+            <a:stCxn id="87" idx="0"/>
+            <a:endCxn id="120" idx="2"/>
+          </p:cNvCxnSpPr>
+          <p:nvPr/>
+        </p:nvCxnSpPr>
+        <p:spPr>
+          <a:xfrm flipV="1">
+            <a:off x="14166273" y="4773560"/>
+            <a:ext cx="0" cy="678820"/>
+          </a:xfrm>
+          <a:prstGeom prst="straightConnector1">
+            <a:avLst/>
+          </a:prstGeom>
+          <a:ln w="9525">
+            <a:solidFill>
+              <a:schemeClr val="tx1"/>
+            </a:solidFill>
+            <a:prstDash val="dash"/>
+            <a:headEnd type="none"/>
+            <a:tailEnd type="none"/>
+          </a:ln>
+          <a:effectLst>
+            <a:outerShdw blurRad="63500" sx="102000" sy="102000" algn="ctr" rotWithShape="0">
+              <a:prstClr val="black">
+                <a:alpha val="40000"/>
+              </a:prstClr>
+            </a:outerShdw>
+          </a:effectLst>
+        </p:spPr>
+        <p:style>
+          <a:lnRef idx="1">
+            <a:schemeClr val="accent1"/>
+          </a:lnRef>
+          <a:fillRef idx="0">
+            <a:schemeClr val="accent1"/>
+          </a:fillRef>
+          <a:effectRef idx="0">
+            <a:schemeClr val="accent1"/>
+          </a:effectRef>
+          <a:fontRef idx="minor">
+            <a:schemeClr val="tx1"/>
+          </a:fontRef>
+        </p:style>
+      </p:cxnSp>
+      <p:cxnSp>
+        <p:nvCxnSpPr>
+          <p:cNvPr id="247" name="Straight Arrow Connector 246">
+            <a:extLst>
+              <a:ext uri="{FF2B5EF4-FFF2-40B4-BE49-F238E27FC236}">
+                <a16:creationId xmlns:a16="http://schemas.microsoft.com/office/drawing/2014/main" id="{2B788C5A-66F8-157B-CAD0-413C779478A2}"/>
+              </a:ext>
+            </a:extLst>
+          </p:cNvPr>
+          <p:cNvCxnSpPr>
+            <a:cxnSpLocks/>
+            <a:stCxn id="85" idx="0"/>
+            <a:endCxn id="118" idx="2"/>
+          </p:cNvCxnSpPr>
+          <p:nvPr/>
+        </p:nvCxnSpPr>
+        <p:spPr>
+          <a:xfrm flipV="1">
+            <a:off x="11343356" y="4773560"/>
+            <a:ext cx="0" cy="678819"/>
+          </a:xfrm>
+          <a:prstGeom prst="straightConnector1">
+            <a:avLst/>
+          </a:prstGeom>
+          <a:ln w="9525">
+            <a:solidFill>
+              <a:schemeClr val="tx1"/>
+            </a:solidFill>
+            <a:prstDash val="dash"/>
+            <a:headEnd type="none"/>
+            <a:tailEnd type="none"/>
+          </a:ln>
+          <a:effectLst>
+            <a:outerShdw blurRad="63500" sx="102000" sy="102000" algn="ctr" rotWithShape="0">
+              <a:prstClr val="black">
+                <a:alpha val="40000"/>
+              </a:prstClr>
+            </a:outerShdw>
+          </a:effectLst>
+        </p:spPr>
+        <p:style>
+          <a:lnRef idx="1">
+            <a:schemeClr val="accent1"/>
+          </a:lnRef>
+          <a:fillRef idx="0">
+            <a:schemeClr val="accent1"/>
+          </a:fillRef>
+          <a:effectRef idx="0">
+            <a:schemeClr val="accent1"/>
+          </a:effectRef>
+          <a:fontRef idx="minor">
+            <a:schemeClr val="tx1"/>
+          </a:fontRef>
+        </p:style>
+      </p:cxnSp>
+    </p:spTree>
+    <p:extLst>
+      <p:ext uri="{BB962C8B-B14F-4D97-AF65-F5344CB8AC3E}">
+        <p14:creationId xmlns:p14="http://schemas.microsoft.com/office/powerpoint/2010/main" val="2843718713"/>
+      </p:ext>
+    </p:extLst>
+  </p:cSld>
+  <p:clrMapOvr>
+    <a:masterClrMapping/>
+  </p:clrMapOvr>
+</p:sld>
+</file>
+
 <file path=ppt/theme/theme1.xml><?xml version="1.0" encoding="utf-8"?>
 <a:theme xmlns:a="http://schemas.openxmlformats.org/drawingml/2006/main" name="Office Theme">
   <a:themeElements>
-    <a:clrScheme name="Office">
+    <a:clrScheme name="Office Theme">
       <a:dk1>
         <a:sysClr val="windowText" lastClr="000000"/>
       </a:dk1>
@@ -5878,7 +11238,7 @@
         <a:srgbClr val="954F72"/>
       </a:folHlink>
     </a:clrScheme>
-    <a:fontScheme name="Office">
+    <a:fontScheme name="Office Theme">
       <a:majorFont>
         <a:latin typeface="Calibri Light" panose="020F0302020204030204"/>
         <a:ea typeface=""/>
@@ -5913,23 +11273,6 @@
         <a:font script="Viet" typeface="Times New Roman"/>
         <a:font script="Uigh" typeface="Microsoft Uighur"/>
         <a:font script="Geor" typeface="Sylfaen"/>
-        <a:font script="Armn" typeface="Arial"/>
-        <a:font script="Bugi" typeface="Leelawadee UI"/>
-        <a:font script="Bopo" typeface="Microsoft JhengHei"/>
-        <a:font script="Java" typeface="Javanese Text"/>
-        <a:font script="Lisu" typeface="Segoe UI"/>
-        <a:font script="Mymr" typeface="Myanmar Text"/>
-        <a:font script="Nkoo" typeface="Ebrima"/>
-        <a:font script="Olck" typeface="Nirmala UI"/>
-        <a:font script="Osma" typeface="Ebrima"/>
-        <a:font script="Phag" typeface="Phagspa"/>
-        <a:font script="Syrn" typeface="Estrangelo Edessa"/>
-        <a:font script="Syrj" typeface="Estrangelo Edessa"/>
-        <a:font script="Syre" typeface="Estrangelo Edessa"/>
-        <a:font script="Sora" typeface="Nirmala UI"/>
-        <a:font script="Tale" typeface="Microsoft Tai Le"/>
-        <a:font script="Talu" typeface="Microsoft New Tai Lue"/>
-        <a:font script="Tfng" typeface="Ebrima"/>
       </a:majorFont>
       <a:minorFont>
         <a:latin typeface="Calibri" panose="020F0502020204030204"/>
@@ -5965,26 +11308,9 @@
         <a:font script="Viet" typeface="Arial"/>
         <a:font script="Uigh" typeface="Microsoft Uighur"/>
         <a:font script="Geor" typeface="Sylfaen"/>
-        <a:font script="Armn" typeface="Arial"/>
-        <a:font script="Bugi" typeface="Leelawadee UI"/>
-        <a:font script="Bopo" typeface="Microsoft JhengHei"/>
-        <a:font script="Java" typeface="Javanese Text"/>
-        <a:font script="Lisu" typeface="Segoe UI"/>
-        <a:font script="Mymr" typeface="Myanmar Text"/>
-        <a:font script="Nkoo" typeface="Ebrima"/>
-        <a:font script="Olck" typeface="Nirmala UI"/>
-        <a:font script="Osma" typeface="Ebrima"/>
-        <a:font script="Phag" typeface="Phagspa"/>
-        <a:font script="Syrn" typeface="Estrangelo Edessa"/>
-        <a:font script="Syrj" typeface="Estrangelo Edessa"/>
-        <a:font script="Syre" typeface="Estrangelo Edessa"/>
-        <a:font script="Sora" typeface="Nirmala UI"/>
-        <a:font script="Tale" typeface="Microsoft Tai Le"/>
-        <a:font script="Talu" typeface="Microsoft New Tai Lue"/>
-        <a:font script="Tfng" typeface="Ebrima"/>
       </a:minorFont>
     </a:fontScheme>
-    <a:fmtScheme name="Office">
+    <a:fmtScheme name="Office Theme">
       <a:fillStyleLst>
         <a:solidFill>
           <a:schemeClr val="phClr"/>
@@ -6122,39 +11448,11 @@
       </a:bgFillStyleLst>
     </a:fmtScheme>
   </a:themeElements>
-  <a:objectDefaults>
-    <a:lnDef>
-      <a:spPr>
-        <a:ln w="9525">
-          <a:solidFill>
-            <a:schemeClr val="tx1"/>
-          </a:solidFill>
-          <a:headEnd type="triangle"/>
-          <a:tailEnd type="triangle"/>
-        </a:ln>
-      </a:spPr>
-      <a:bodyPr/>
-      <a:lstStyle/>
-      <a:style>
-        <a:lnRef idx="1">
-          <a:schemeClr val="accent1"/>
-        </a:lnRef>
-        <a:fillRef idx="0">
-          <a:schemeClr val="accent1"/>
-        </a:fillRef>
-        <a:effectRef idx="0">
-          <a:schemeClr val="accent1"/>
-        </a:effectRef>
-        <a:fontRef idx="minor">
-          <a:schemeClr val="tx1"/>
-        </a:fontRef>
-      </a:style>
-    </a:lnDef>
-  </a:objectDefaults>
+  <a:objectDefaults/>
   <a:extraClrSchemeLst/>
   <a:extLst>
     <a:ext uri="{05A4C25C-085E-4340-85A3-A5531E510DB2}">
-      <thm15:themeFamily xmlns:thm15="http://schemas.microsoft.com/office/thememl/2012/main" name="Office Theme" id="{62F939B6-93AF-4DB8-9C6B-D6C7DFDC589F}" vid="{4A3C46E8-61CC-4603-A589-7422A47A8E4A}"/>
+      <thm15:themeFamily xmlns:thm15="http://schemas.microsoft.com/office/thememl/2012/main" name="Office Theme 2013 - 2022" id="{62F939B6-93AF-4DB8-9C6B-D6C7DFDC589F}" vid="{4A3C46E8-61CC-4603-A589-7422A47A8E4A}"/>
     </a:ext>
   </a:extLst>
 </a:theme>
@@ -6456,6 +11754,15 @@
 </file>
 
 <file path=customXml/item1.xml><?xml version="1.0" encoding="utf-8"?>
+<?mso-contentType ?>
+<FormTemplates xmlns="http://schemas.microsoft.com/sharepoint/v3/contenttype/forms">
+  <Display>DocumentLibraryForm</Display>
+  <Edit>DocumentLibraryForm</Edit>
+  <New>DocumentLibraryForm</New>
+</FormTemplates>
+</file>
+
+<file path=customXml/item2.xml><?xml version="1.0" encoding="utf-8"?>
 <ct:contentTypeSchema xmlns:ct="http://schemas.microsoft.com/office/2006/metadata/contentType" xmlns:ma="http://schemas.microsoft.com/office/2006/metadata/properties/metaAttributes" ct:_="" ma:_="" ma:contentTypeName="Document" ma:contentTypeID="0x010100BE6F7B162B07694884B94D9AD7D97ACF" ma:contentTypeVersion="15" ma:contentTypeDescription="Create a new document." ma:contentTypeScope="" ma:versionID="56f81f289c4e00ad7a8b22dec280326c">
   <xsd:schema xmlns:xsd="http://www.w3.org/2001/XMLSchema" xmlns:xs="http://www.w3.org/2001/XMLSchema" xmlns:p="http://schemas.microsoft.com/office/2006/metadata/properties" xmlns:ns3="b30b12b3-ca23-4be9-98ca-c91179d08b65" xmlns:ns4="b9c0df90-6177-490c-b060-567d6533c817" targetNamespace="http://schemas.microsoft.com/office/2006/metadata/properties" ma:root="true" ma:fieldsID="5474b5124c2ca66b81f58295efd10c62" ns3:_="" ns4:_="">
     <xsd:import namespace="b30b12b3-ca23-4be9-98ca-c91179d08b65"/>
@@ -6690,15 +11997,6 @@
 </ct:contentTypeSchema>
 </file>
 
-<file path=customXml/item2.xml><?xml version="1.0" encoding="utf-8"?>
-<?mso-contentType ?>
-<FormTemplates xmlns="http://schemas.microsoft.com/sharepoint/v3/contenttype/forms">
-  <Display>DocumentLibraryForm</Display>
-  <Edit>DocumentLibraryForm</Edit>
-  <New>DocumentLibraryForm</New>
-</FormTemplates>
-</file>
-
 <file path=customXml/item3.xml><?xml version="1.0" encoding="utf-8"?>
 <p:properties xmlns:p="http://schemas.microsoft.com/office/2006/metadata/properties" xmlns:xsi="http://www.w3.org/2001/XMLSchema-instance" xmlns:pc="http://schemas.microsoft.com/office/infopath/2007/PartnerControls">
   <documentManagement>
@@ -6708,6 +12006,14 @@
 </file>
 
 <file path=customXml/itemProps1.xml><?xml version="1.0" encoding="utf-8"?>
+<ds:datastoreItem xmlns:ds="http://schemas.openxmlformats.org/officeDocument/2006/customXml" ds:itemID="{86A9A6AE-A2D2-4466-B053-FEAA2AECCDAE}">
+  <ds:schemaRefs>
+    <ds:schemaRef ds:uri="http://schemas.microsoft.com/sharepoint/v3/contenttype/forms"/>
+  </ds:schemaRefs>
+</ds:datastoreItem>
+</file>
+
+<file path=customXml/itemProps2.xml><?xml version="1.0" encoding="utf-8"?>
 <ds:datastoreItem xmlns:ds="http://schemas.openxmlformats.org/officeDocument/2006/customXml" ds:itemID="{90A6EFBB-6A09-4ABE-8852-420C09CBC886}">
   <ds:schemaRefs>
     <ds:schemaRef ds:uri="http://schemas.microsoft.com/office/2006/metadata/contentType"/>
@@ -6722,14 +12028,6 @@
     <ds:schemaRef ds:uri="http://purl.org/dc/elements/1.1/"/>
     <ds:schemaRef ds:uri="http://purl.org/dc/terms/"/>
     <ds:schemaRef ds:uri="http://schemas.microsoft.com/internal/obd"/>
-  </ds:schemaRefs>
-</ds:datastoreItem>
-</file>
-
-<file path=customXml/itemProps2.xml><?xml version="1.0" encoding="utf-8"?>
-<ds:datastoreItem xmlns:ds="http://schemas.openxmlformats.org/officeDocument/2006/customXml" ds:itemID="{86A9A6AE-A2D2-4466-B053-FEAA2AECCDAE}">
-  <ds:schemaRefs>
-    <ds:schemaRef ds:uri="http://schemas.microsoft.com/sharepoint/v3/contenttype/forms"/>
   </ds:schemaRefs>
 </ds:datastoreItem>
 </file>
